--- a/src/assets/graphics/PPT/post-headers.pptx
+++ b/src/assets/graphics/PPT/post-headers.pptx
@@ -7,6 +7,7 @@
   <p:sldIdLst>
     <p:sldId id="271" r:id="rId2"/>
     <p:sldId id="274" r:id="rId3"/>
+    <p:sldId id="275" r:id="rId4"/>
   </p:sldIdLst>
   <p:sldSz cx="12252325" cy="5999163"/>
   <p:notesSz cx="6858000" cy="9144000"/>
@@ -1039,7 +1040,7 @@
           <a:p>
             <a:fld id="{188B2B68-3432-42CC-A797-1383801DFB53}" type="datetimeFigureOut">
               <a:rPr lang="en-US" smtClean="0"/>
-              <a:t>10/7/2020</a:t>
+              <a:t>10/8/2020</a:t>
             </a:fld>
             <a:endParaRPr lang="en-US"/>
           </a:p>
@@ -1209,7 +1210,7 @@
           <a:p>
             <a:fld id="{188B2B68-3432-42CC-A797-1383801DFB53}" type="datetimeFigureOut">
               <a:rPr lang="en-US" smtClean="0"/>
-              <a:t>10/7/2020</a:t>
+              <a:t>10/8/2020</a:t>
             </a:fld>
             <a:endParaRPr lang="en-US"/>
           </a:p>
@@ -1389,7 +1390,7 @@
           <a:p>
             <a:fld id="{188B2B68-3432-42CC-A797-1383801DFB53}" type="datetimeFigureOut">
               <a:rPr lang="en-US" smtClean="0"/>
-              <a:t>10/7/2020</a:t>
+              <a:t>10/8/2020</a:t>
             </a:fld>
             <a:endParaRPr lang="en-US"/>
           </a:p>
@@ -1559,7 +1560,7 @@
           <a:p>
             <a:fld id="{188B2B68-3432-42CC-A797-1383801DFB53}" type="datetimeFigureOut">
               <a:rPr lang="en-US" smtClean="0"/>
-              <a:t>10/7/2020</a:t>
+              <a:t>10/8/2020</a:t>
             </a:fld>
             <a:endParaRPr lang="en-US"/>
           </a:p>
@@ -1805,7 +1806,7 @@
           <a:p>
             <a:fld id="{188B2B68-3432-42CC-A797-1383801DFB53}" type="datetimeFigureOut">
               <a:rPr lang="en-US" smtClean="0"/>
-              <a:t>10/7/2020</a:t>
+              <a:t>10/8/2020</a:t>
             </a:fld>
             <a:endParaRPr lang="en-US"/>
           </a:p>
@@ -2037,7 +2038,7 @@
           <a:p>
             <a:fld id="{188B2B68-3432-42CC-A797-1383801DFB53}" type="datetimeFigureOut">
               <a:rPr lang="en-US" smtClean="0"/>
-              <a:t>10/7/2020</a:t>
+              <a:t>10/8/2020</a:t>
             </a:fld>
             <a:endParaRPr lang="en-US"/>
           </a:p>
@@ -2404,7 +2405,7 @@
           <a:p>
             <a:fld id="{188B2B68-3432-42CC-A797-1383801DFB53}" type="datetimeFigureOut">
               <a:rPr lang="en-US" smtClean="0"/>
-              <a:t>10/7/2020</a:t>
+              <a:t>10/8/2020</a:t>
             </a:fld>
             <a:endParaRPr lang="en-US"/>
           </a:p>
@@ -2522,7 +2523,7 @@
           <a:p>
             <a:fld id="{188B2B68-3432-42CC-A797-1383801DFB53}" type="datetimeFigureOut">
               <a:rPr lang="en-US" smtClean="0"/>
-              <a:t>10/7/2020</a:t>
+              <a:t>10/8/2020</a:t>
             </a:fld>
             <a:endParaRPr lang="en-US"/>
           </a:p>
@@ -2617,7 +2618,7 @@
           <a:p>
             <a:fld id="{188B2B68-3432-42CC-A797-1383801DFB53}" type="datetimeFigureOut">
               <a:rPr lang="en-US" smtClean="0"/>
-              <a:t>10/7/2020</a:t>
+              <a:t>10/8/2020</a:t>
             </a:fld>
             <a:endParaRPr lang="en-US"/>
           </a:p>
@@ -2894,7 +2895,7 @@
           <a:p>
             <a:fld id="{188B2B68-3432-42CC-A797-1383801DFB53}" type="datetimeFigureOut">
               <a:rPr lang="en-US" smtClean="0"/>
-              <a:t>10/7/2020</a:t>
+              <a:t>10/8/2020</a:t>
             </a:fld>
             <a:endParaRPr lang="en-US"/>
           </a:p>
@@ -3151,7 +3152,7 @@
           <a:p>
             <a:fld id="{188B2B68-3432-42CC-A797-1383801DFB53}" type="datetimeFigureOut">
               <a:rPr lang="en-US" smtClean="0"/>
-              <a:t>10/7/2020</a:t>
+              <a:t>10/8/2020</a:t>
             </a:fld>
             <a:endParaRPr lang="en-US"/>
           </a:p>
@@ -3364,7 +3365,7 @@
           <a:p>
             <a:fld id="{188B2B68-3432-42CC-A797-1383801DFB53}" type="datetimeFigureOut">
               <a:rPr lang="en-US" smtClean="0"/>
-              <a:t>10/7/2020</a:t>
+              <a:t>10/8/2020</a:t>
             </a:fld>
             <a:endParaRPr lang="en-US"/>
           </a:p>
@@ -4731,6 +4732,753 @@
 </p:sld>
 </file>
 
+<file path=ppt/slides/slide3.xml><?xml version="1.0" encoding="utf-8"?>
+<p:sld xmlns:a="http://schemas.openxmlformats.org/drawingml/2006/main" xmlns:r="http://schemas.openxmlformats.org/officeDocument/2006/relationships" xmlns:p="http://schemas.openxmlformats.org/presentationml/2006/main">
+  <p:cSld>
+    <p:spTree>
+      <p:nvGrpSpPr>
+        <p:cNvPr id="1" name=""/>
+        <p:cNvGrpSpPr/>
+        <p:nvPr/>
+      </p:nvGrpSpPr>
+      <p:grpSpPr>
+        <a:xfrm>
+          <a:off x="0" y="0"/>
+          <a:ext cx="0" cy="0"/>
+          <a:chOff x="0" y="0"/>
+          <a:chExt cx="0" cy="0"/>
+        </a:xfrm>
+      </p:grpSpPr>
+      <p:pic>
+        <p:nvPicPr>
+          <p:cNvPr id="5" name="Picture 4">
+            <a:extLst>
+              <a:ext uri="{FF2B5EF4-FFF2-40B4-BE49-F238E27FC236}">
+                <a16:creationId xmlns:a16="http://schemas.microsoft.com/office/drawing/2014/main" id="{3D808EC5-2024-4F2A-AB75-CA5D04F51473}"/>
+              </a:ext>
+            </a:extLst>
+          </p:cNvPr>
+          <p:cNvPicPr>
+            <a:picLocks noChangeAspect="1"/>
+          </p:cNvPicPr>
+          <p:nvPr/>
+        </p:nvPicPr>
+        <p:blipFill rotWithShape="1">
+          <a:blip r:embed="rId2"/>
+          <a:srcRect t="3108" r="26747" b="33052"/>
+          <a:stretch/>
+        </p:blipFill>
+        <p:spPr>
+          <a:xfrm>
+            <a:off x="0" y="-18998"/>
+            <a:ext cx="12252326" cy="6018161"/>
+          </a:xfrm>
+          <a:prstGeom prst="rect">
+            <a:avLst/>
+          </a:prstGeom>
+        </p:spPr>
+      </p:pic>
+      <p:sp>
+        <p:nvSpPr>
+          <p:cNvPr id="39" name="Rectangle: Rounded Corners 38">
+            <a:extLst>
+              <a:ext uri="{FF2B5EF4-FFF2-40B4-BE49-F238E27FC236}">
+                <a16:creationId xmlns:a16="http://schemas.microsoft.com/office/drawing/2014/main" id="{176A8D73-B85D-46B7-B4DF-A5A6C1E4B81F}"/>
+              </a:ext>
+            </a:extLst>
+          </p:cNvPr>
+          <p:cNvSpPr/>
+          <p:nvPr/>
+        </p:nvSpPr>
+        <p:spPr>
+          <a:xfrm>
+            <a:off x="259080" y="243840"/>
+            <a:ext cx="2162570" cy="464820"/>
+          </a:xfrm>
+          <a:prstGeom prst="roundRect">
+            <a:avLst/>
+          </a:prstGeom>
+          <a:solidFill>
+            <a:schemeClr val="tx1">
+              <a:alpha val="14000"/>
+            </a:schemeClr>
+          </a:solidFill>
+          <a:ln>
+            <a:noFill/>
+          </a:ln>
+          <a:effectLst>
+            <a:outerShdw blurRad="50800" dist="38100" dir="2700000" algn="tl" rotWithShape="0">
+              <a:prstClr val="black">
+                <a:alpha val="40000"/>
+              </a:prstClr>
+            </a:outerShdw>
+          </a:effectLst>
+        </p:spPr>
+        <p:style>
+          <a:lnRef idx="2">
+            <a:schemeClr val="accent1">
+              <a:shade val="50000"/>
+            </a:schemeClr>
+          </a:lnRef>
+          <a:fillRef idx="1">
+            <a:schemeClr val="accent1"/>
+          </a:fillRef>
+          <a:effectRef idx="0">
+            <a:schemeClr val="accent1"/>
+          </a:effectRef>
+          <a:fontRef idx="minor">
+            <a:schemeClr val="lt1"/>
+          </a:fontRef>
+        </p:style>
+        <p:txBody>
+          <a:bodyPr rtlCol="0" anchor="ctr"/>
+          <a:lstStyle/>
+          <a:p>
+            <a:pPr algn="ctr"/>
+            <a:endParaRPr lang="en-US"/>
+          </a:p>
+        </p:txBody>
+      </p:sp>
+      <p:grpSp>
+        <p:nvGrpSpPr>
+          <p:cNvPr id="26" name="Group 25">
+            <a:extLst>
+              <a:ext uri="{FF2B5EF4-FFF2-40B4-BE49-F238E27FC236}">
+                <a16:creationId xmlns:a16="http://schemas.microsoft.com/office/drawing/2014/main" id="{00F957A9-8D17-499C-9DD9-BDD99AA36B9A}"/>
+              </a:ext>
+            </a:extLst>
+          </p:cNvPr>
+          <p:cNvGrpSpPr/>
+          <p:nvPr/>
+        </p:nvGrpSpPr>
+        <p:grpSpPr>
+          <a:xfrm>
+            <a:off x="1577783" y="3970404"/>
+            <a:ext cx="2039219" cy="785998"/>
+            <a:chOff x="1864665" y="4265066"/>
+            <a:chExt cx="2039219" cy="785998"/>
+          </a:xfrm>
+        </p:grpSpPr>
+        <p:sp>
+          <p:nvSpPr>
+            <p:cNvPr id="25" name="Rectangle 24">
+              <a:extLst>
+                <a:ext uri="{FF2B5EF4-FFF2-40B4-BE49-F238E27FC236}">
+                  <a16:creationId xmlns:a16="http://schemas.microsoft.com/office/drawing/2014/main" id="{898F4DFD-61F8-4023-930D-EE9B90E605B0}"/>
+                </a:ext>
+              </a:extLst>
+            </p:cNvPr>
+            <p:cNvSpPr/>
+            <p:nvPr/>
+          </p:nvSpPr>
+          <p:spPr>
+            <a:xfrm rot="21399419">
+              <a:off x="1864665" y="4453949"/>
+              <a:ext cx="2039219" cy="414192"/>
+            </a:xfrm>
+            <a:prstGeom prst="rect">
+              <a:avLst/>
+            </a:prstGeom>
+            <a:solidFill>
+              <a:srgbClr val="4E0AC6">
+                <a:alpha val="70000"/>
+              </a:srgbClr>
+            </a:solidFill>
+            <a:ln>
+              <a:noFill/>
+            </a:ln>
+            <a:effectLst>
+              <a:outerShdw blurRad="50800" dist="38100" dir="2700000" algn="tl" rotWithShape="0">
+                <a:prstClr val="black">
+                  <a:alpha val="40000"/>
+                </a:prstClr>
+              </a:outerShdw>
+            </a:effectLst>
+          </p:spPr>
+          <p:style>
+            <a:lnRef idx="2">
+              <a:schemeClr val="accent1">
+                <a:shade val="50000"/>
+              </a:schemeClr>
+            </a:lnRef>
+            <a:fillRef idx="1">
+              <a:schemeClr val="accent1"/>
+            </a:fillRef>
+            <a:effectRef idx="0">
+              <a:schemeClr val="accent1"/>
+            </a:effectRef>
+            <a:fontRef idx="minor">
+              <a:schemeClr val="lt1"/>
+            </a:fontRef>
+          </p:style>
+          <p:txBody>
+            <a:bodyPr rtlCol="0" anchor="ctr"/>
+            <a:lstStyle/>
+            <a:p>
+              <a:pPr algn="ctr"/>
+              <a:endParaRPr lang="en-US" dirty="0"/>
+            </a:p>
+          </p:txBody>
+        </p:sp>
+        <p:sp>
+          <p:nvSpPr>
+            <p:cNvPr id="6" name="Title 3">
+              <a:extLst>
+                <a:ext uri="{FF2B5EF4-FFF2-40B4-BE49-F238E27FC236}">
+                  <a16:creationId xmlns:a16="http://schemas.microsoft.com/office/drawing/2014/main" id="{5161CD4F-EB36-4723-A777-4ED5FB6B15EF}"/>
+                </a:ext>
+              </a:extLst>
+            </p:cNvPr>
+            <p:cNvSpPr txBox="1">
+              <a:spLocks/>
+            </p:cNvSpPr>
+            <p:nvPr/>
+          </p:nvSpPr>
+          <p:spPr>
+            <a:xfrm>
+              <a:off x="1969960" y="4265066"/>
+              <a:ext cx="1883597" cy="785998"/>
+            </a:xfrm>
+            <a:prstGeom prst="rect">
+              <a:avLst/>
+            </a:prstGeom>
+            <a:effectLst>
+              <a:outerShdw blurRad="50800" dist="38100" dir="2700000" algn="tl" rotWithShape="0">
+                <a:srgbClr val="4E0AC6">
+                  <a:alpha val="80000"/>
+                </a:srgbClr>
+              </a:outerShdw>
+            </a:effectLst>
+          </p:spPr>
+          <p:txBody>
+            <a:bodyPr lIns="0" tIns="0" rIns="0" bIns="0" anchor="ctr">
+              <a:noAutofit/>
+            </a:bodyPr>
+            <a:lstStyle>
+              <a:lvl1pPr algn="l" defTabSz="914355" rtl="0" eaLnBrk="1" latinLnBrk="0" hangingPunct="1">
+                <a:lnSpc>
+                  <a:spcPct val="90000"/>
+                </a:lnSpc>
+                <a:spcBef>
+                  <a:spcPct val="0"/>
+                </a:spcBef>
+                <a:buNone/>
+                <a:defRPr sz="2800" b="0" i="0" kern="1200" spc="0" baseline="0">
+                  <a:solidFill>
+                    <a:schemeClr val="accent2"/>
+                  </a:solidFill>
+                  <a:latin typeface="+mj-lt"/>
+                  <a:ea typeface="+mj-ea"/>
+                  <a:cs typeface="Century Gothic Regular" charset="0"/>
+                </a:defRPr>
+              </a:lvl1pPr>
+            </a:lstStyle>
+            <a:p>
+              <a:pPr>
+                <a:lnSpc>
+                  <a:spcPct val="100000"/>
+                </a:lnSpc>
+              </a:pPr>
+              <a:r>
+                <a:rPr lang="en-GB" sz="1500" spc="120" dirty="0">
+                  <a:solidFill>
+                    <a:schemeClr val="bg1"/>
+                  </a:solidFill>
+                  <a:latin typeface="MarkPro-Bold" panose="020B0804020101010102" pitchFamily="34" charset="0"/>
+                  <a:ea typeface="Inter SemiBold" panose="020B0502030000000004" pitchFamily="34" charset="0"/>
+                  <a:cs typeface="Mark OT Light" charset="0"/>
+                </a:rPr>
+                <a:t>BLOGGING WITH</a:t>
+              </a:r>
+              <a:endParaRPr lang="en-GB" sz="1500" spc="120" dirty="0">
+                <a:solidFill>
+                  <a:schemeClr val="bg1"/>
+                </a:solidFill>
+                <a:latin typeface="MarkPro-Bold" panose="020B0804020101010102" pitchFamily="34" charset="0"/>
+                <a:ea typeface="Segoe UI Black" panose="020B0A02040204020203" pitchFamily="34" charset="0"/>
+                <a:cs typeface="Segoe UI" panose="020B0502040204020203" pitchFamily="34" charset="0"/>
+              </a:endParaRPr>
+            </a:p>
+          </p:txBody>
+        </p:sp>
+      </p:grpSp>
+      <p:grpSp>
+        <p:nvGrpSpPr>
+          <p:cNvPr id="37" name="Group 36">
+            <a:extLst>
+              <a:ext uri="{FF2B5EF4-FFF2-40B4-BE49-F238E27FC236}">
+                <a16:creationId xmlns:a16="http://schemas.microsoft.com/office/drawing/2014/main" id="{912968AE-1A7A-43C1-B782-41E2C71A9B4F}"/>
+              </a:ext>
+            </a:extLst>
+          </p:cNvPr>
+          <p:cNvGrpSpPr/>
+          <p:nvPr/>
+        </p:nvGrpSpPr>
+        <p:grpSpPr>
+          <a:xfrm>
+            <a:off x="336958" y="183393"/>
+            <a:ext cx="2164943" cy="586522"/>
+            <a:chOff x="336958" y="183393"/>
+            <a:chExt cx="2164943" cy="586522"/>
+          </a:xfrm>
+        </p:grpSpPr>
+        <p:sp>
+          <p:nvSpPr>
+            <p:cNvPr id="17" name="Title 3">
+              <a:extLst>
+                <a:ext uri="{FF2B5EF4-FFF2-40B4-BE49-F238E27FC236}">
+                  <a16:creationId xmlns:a16="http://schemas.microsoft.com/office/drawing/2014/main" id="{C81C530D-D835-4A1A-81BE-BE9F0DE02236}"/>
+                </a:ext>
+              </a:extLst>
+            </p:cNvPr>
+            <p:cNvSpPr txBox="1">
+              <a:spLocks/>
+            </p:cNvSpPr>
+            <p:nvPr/>
+          </p:nvSpPr>
+          <p:spPr>
+            <a:xfrm>
+              <a:off x="716267" y="183393"/>
+              <a:ext cx="1785634" cy="586522"/>
+            </a:xfrm>
+            <a:prstGeom prst="rect">
+              <a:avLst/>
+            </a:prstGeom>
+            <a:effectLst>
+              <a:outerShdw blurRad="50800" dist="38100" dir="2700000" algn="tl" rotWithShape="0">
+                <a:prstClr val="black">
+                  <a:alpha val="40000"/>
+                </a:prstClr>
+              </a:outerShdw>
+            </a:effectLst>
+          </p:spPr>
+          <p:txBody>
+            <a:bodyPr lIns="0" tIns="0" rIns="0" bIns="0" anchor="ctr">
+              <a:noAutofit/>
+            </a:bodyPr>
+            <a:lstStyle>
+              <a:lvl1pPr algn="l" defTabSz="914355" rtl="0" eaLnBrk="1" latinLnBrk="0" hangingPunct="1">
+                <a:lnSpc>
+                  <a:spcPct val="90000"/>
+                </a:lnSpc>
+                <a:spcBef>
+                  <a:spcPct val="0"/>
+                </a:spcBef>
+                <a:buNone/>
+                <a:defRPr sz="2800" b="0" i="0" kern="1200" spc="0" baseline="0">
+                  <a:solidFill>
+                    <a:schemeClr val="accent2"/>
+                  </a:solidFill>
+                  <a:latin typeface="+mj-lt"/>
+                  <a:ea typeface="+mj-ea"/>
+                  <a:cs typeface="Century Gothic Regular" charset="0"/>
+                </a:defRPr>
+              </a:lvl1pPr>
+            </a:lstStyle>
+            <a:p>
+              <a:pPr>
+                <a:lnSpc>
+                  <a:spcPct val="100000"/>
+                </a:lnSpc>
+              </a:pPr>
+              <a:r>
+                <a:rPr lang="en-GB" sz="2000" spc="-143" dirty="0">
+                  <a:solidFill>
+                    <a:schemeClr val="bg1"/>
+                  </a:solidFill>
+                  <a:latin typeface="Inter SemiBold" panose="020B0502030000000004" pitchFamily="34" charset="0"/>
+                  <a:ea typeface="Inter SemiBold" panose="020B0502030000000004" pitchFamily="34" charset="0"/>
+                  <a:cs typeface="Mark OT Light" charset="0"/>
+                </a:rPr>
+                <a:t>rakirahman.me</a:t>
+              </a:r>
+            </a:p>
+          </p:txBody>
+        </p:sp>
+        <p:grpSp>
+          <p:nvGrpSpPr>
+            <p:cNvPr id="36" name="Group 35">
+              <a:extLst>
+                <a:ext uri="{FF2B5EF4-FFF2-40B4-BE49-F238E27FC236}">
+                  <a16:creationId xmlns:a16="http://schemas.microsoft.com/office/drawing/2014/main" id="{7BF3B3F5-DAF0-4F2A-B1C5-21D1ABFA0C0F}"/>
+                </a:ext>
+              </a:extLst>
+            </p:cNvPr>
+            <p:cNvGrpSpPr/>
+            <p:nvPr/>
+          </p:nvGrpSpPr>
+          <p:grpSpPr>
+            <a:xfrm>
+              <a:off x="336958" y="313998"/>
+              <a:ext cx="310070" cy="310070"/>
+              <a:chOff x="336958" y="313998"/>
+              <a:chExt cx="310070" cy="310070"/>
+            </a:xfrm>
+          </p:grpSpPr>
+          <p:sp>
+            <p:nvSpPr>
+              <p:cNvPr id="10" name="Oval 9">
+                <a:extLst>
+                  <a:ext uri="{FF2B5EF4-FFF2-40B4-BE49-F238E27FC236}">
+                    <a16:creationId xmlns:a16="http://schemas.microsoft.com/office/drawing/2014/main" id="{9DF77205-F447-474E-B06F-477A11C4D33E}"/>
+                  </a:ext>
+                </a:extLst>
+              </p:cNvPr>
+              <p:cNvSpPr/>
+              <p:nvPr/>
+            </p:nvSpPr>
+            <p:spPr>
+              <a:xfrm>
+                <a:off x="336958" y="313998"/>
+                <a:ext cx="310070" cy="310070"/>
+              </a:xfrm>
+              <a:prstGeom prst="ellipse">
+                <a:avLst/>
+              </a:prstGeom>
+              <a:solidFill>
+                <a:schemeClr val="bg1"/>
+              </a:solidFill>
+              <a:ln>
+                <a:noFill/>
+              </a:ln>
+              <a:effectLst>
+                <a:outerShdw blurRad="50800" dist="38100" dir="2700000" algn="tl" rotWithShape="0">
+                  <a:prstClr val="black">
+                    <a:alpha val="40000"/>
+                  </a:prstClr>
+                </a:outerShdw>
+              </a:effectLst>
+            </p:spPr>
+            <p:style>
+              <a:lnRef idx="2">
+                <a:schemeClr val="accent1">
+                  <a:shade val="50000"/>
+                </a:schemeClr>
+              </a:lnRef>
+              <a:fillRef idx="1">
+                <a:schemeClr val="accent1"/>
+              </a:fillRef>
+              <a:effectRef idx="0">
+                <a:schemeClr val="accent1"/>
+              </a:effectRef>
+              <a:fontRef idx="minor">
+                <a:schemeClr val="lt1"/>
+              </a:fontRef>
+            </p:style>
+            <p:txBody>
+              <a:bodyPr rtlCol="0" anchor="ctr"/>
+              <a:lstStyle/>
+              <a:p>
+                <a:pPr algn="ctr"/>
+                <a:endParaRPr lang="en-US" dirty="0"/>
+              </a:p>
+            </p:txBody>
+          </p:sp>
+          <p:pic>
+            <p:nvPicPr>
+              <p:cNvPr id="35" name="Picture 34">
+                <a:extLst>
+                  <a:ext uri="{FF2B5EF4-FFF2-40B4-BE49-F238E27FC236}">
+                    <a16:creationId xmlns:a16="http://schemas.microsoft.com/office/drawing/2014/main" id="{35CFC7CD-38EF-4FB8-A968-97D0473BA258}"/>
+                  </a:ext>
+                </a:extLst>
+              </p:cNvPr>
+              <p:cNvPicPr>
+                <a:picLocks noChangeAspect="1"/>
+              </p:cNvPicPr>
+              <p:nvPr/>
+            </p:nvPicPr>
+            <p:blipFill>
+              <a:blip r:embed="rId3">
+                <a:extLst>
+                  <a:ext uri="{28A0092B-C50C-407E-A947-70E740481C1C}">
+                    <a14:useLocalDpi xmlns:a14="http://schemas.microsoft.com/office/drawing/2010/main" val="0"/>
+                  </a:ext>
+                </a:extLst>
+              </a:blip>
+              <a:stretch>
+                <a:fillRect/>
+              </a:stretch>
+            </p:blipFill>
+            <p:spPr>
+              <a:xfrm>
+                <a:off x="362920" y="339960"/>
+                <a:ext cx="258147" cy="258147"/>
+              </a:xfrm>
+              <a:prstGeom prst="ellipse">
+                <a:avLst/>
+              </a:prstGeom>
+            </p:spPr>
+          </p:pic>
+        </p:grpSp>
+      </p:grpSp>
+      <p:grpSp>
+        <p:nvGrpSpPr>
+          <p:cNvPr id="30" name="Group 29">
+            <a:extLst>
+              <a:ext uri="{FF2B5EF4-FFF2-40B4-BE49-F238E27FC236}">
+                <a16:creationId xmlns:a16="http://schemas.microsoft.com/office/drawing/2014/main" id="{9D693266-5080-433B-82EC-D471496EE304}"/>
+              </a:ext>
+            </a:extLst>
+          </p:cNvPr>
+          <p:cNvGrpSpPr/>
+          <p:nvPr/>
+        </p:nvGrpSpPr>
+        <p:grpSpPr>
+          <a:xfrm>
+            <a:off x="4440931" y="2298567"/>
+            <a:ext cx="3136122" cy="1265437"/>
+            <a:chOff x="3872607" y="2421472"/>
+            <a:chExt cx="3136122" cy="1265437"/>
+          </a:xfrm>
+        </p:grpSpPr>
+        <p:pic>
+          <p:nvPicPr>
+            <p:cNvPr id="11" name="Picture 10">
+              <a:extLst>
+                <a:ext uri="{FF2B5EF4-FFF2-40B4-BE49-F238E27FC236}">
+                  <a16:creationId xmlns:a16="http://schemas.microsoft.com/office/drawing/2014/main" id="{1A8B075F-5E9E-42A8-B1F7-1ABE24FD1C9F}"/>
+                </a:ext>
+              </a:extLst>
+            </p:cNvPr>
+            <p:cNvPicPr>
+              <a:picLocks noChangeAspect="1"/>
+            </p:cNvPicPr>
+            <p:nvPr/>
+          </p:nvPicPr>
+          <p:blipFill>
+            <a:blip r:embed="rId4">
+              <a:extLst>
+                <a:ext uri="{28A0092B-C50C-407E-A947-70E740481C1C}">
+                  <a14:useLocalDpi xmlns:a14="http://schemas.microsoft.com/office/drawing/2010/main" val="0"/>
+                </a:ext>
+              </a:extLst>
+            </a:blip>
+            <a:stretch>
+              <a:fillRect/>
+            </a:stretch>
+          </p:blipFill>
+          <p:spPr>
+            <a:xfrm>
+              <a:off x="3872607" y="2421472"/>
+              <a:ext cx="1265437" cy="1265437"/>
+            </a:xfrm>
+            <a:prstGeom prst="rect">
+              <a:avLst/>
+            </a:prstGeom>
+            <a:effectLst>
+              <a:outerShdw blurRad="50800" dist="38100" dir="2700000" algn="tl" rotWithShape="0">
+                <a:prstClr val="black">
+                  <a:alpha val="40000"/>
+                </a:prstClr>
+              </a:outerShdw>
+            </a:effectLst>
+          </p:spPr>
+        </p:pic>
+        <p:pic>
+          <p:nvPicPr>
+            <p:cNvPr id="15" name="Picture 14">
+              <a:extLst>
+                <a:ext uri="{FF2B5EF4-FFF2-40B4-BE49-F238E27FC236}">
+                  <a16:creationId xmlns:a16="http://schemas.microsoft.com/office/drawing/2014/main" id="{10535B41-0235-4C67-BF92-2AE7B47D6EC6}"/>
+                </a:ext>
+              </a:extLst>
+            </p:cNvPr>
+            <p:cNvPicPr>
+              <a:picLocks noChangeAspect="1"/>
+            </p:cNvPicPr>
+            <p:nvPr/>
+          </p:nvPicPr>
+          <p:blipFill>
+            <a:blip r:embed="rId5">
+              <a:extLst>
+                <a:ext uri="{28A0092B-C50C-407E-A947-70E740481C1C}">
+                  <a14:useLocalDpi xmlns:a14="http://schemas.microsoft.com/office/drawing/2010/main" val="0"/>
+                </a:ext>
+              </a:extLst>
+            </a:blip>
+            <a:stretch>
+              <a:fillRect/>
+            </a:stretch>
+          </p:blipFill>
+          <p:spPr>
+            <a:xfrm>
+              <a:off x="5520039" y="2421472"/>
+              <a:ext cx="1488690" cy="1156217"/>
+            </a:xfrm>
+            <a:prstGeom prst="rect">
+              <a:avLst/>
+            </a:prstGeom>
+            <a:effectLst>
+              <a:outerShdw blurRad="50800" dist="38100" dir="2700000" algn="tl" rotWithShape="0">
+                <a:prstClr val="black">
+                  <a:alpha val="40000"/>
+                </a:prstClr>
+              </a:outerShdw>
+            </a:effectLst>
+          </p:spPr>
+        </p:pic>
+      </p:grpSp>
+      <p:grpSp>
+        <p:nvGrpSpPr>
+          <p:cNvPr id="28" name="Group 27">
+            <a:extLst>
+              <a:ext uri="{FF2B5EF4-FFF2-40B4-BE49-F238E27FC236}">
+                <a16:creationId xmlns:a16="http://schemas.microsoft.com/office/drawing/2014/main" id="{79F3B0B9-ABD4-42C1-B220-0A65009F8D72}"/>
+              </a:ext>
+            </a:extLst>
+          </p:cNvPr>
+          <p:cNvGrpSpPr/>
+          <p:nvPr/>
+        </p:nvGrpSpPr>
+        <p:grpSpPr>
+          <a:xfrm>
+            <a:off x="2812811" y="4371115"/>
+            <a:ext cx="6626705" cy="1265437"/>
+            <a:chOff x="2618259" y="4371115"/>
+            <a:chExt cx="6626705" cy="1265437"/>
+          </a:xfrm>
+        </p:grpSpPr>
+        <p:pic>
+          <p:nvPicPr>
+            <p:cNvPr id="20" name="Picture 19">
+              <a:extLst>
+                <a:ext uri="{FF2B5EF4-FFF2-40B4-BE49-F238E27FC236}">
+                  <a16:creationId xmlns:a16="http://schemas.microsoft.com/office/drawing/2014/main" id="{5992F3DB-08AD-44B4-84F8-CE0DCEB683B8}"/>
+                </a:ext>
+              </a:extLst>
+            </p:cNvPr>
+            <p:cNvPicPr>
+              <a:picLocks noChangeAspect="1"/>
+            </p:cNvPicPr>
+            <p:nvPr/>
+          </p:nvPicPr>
+          <p:blipFill rotWithShape="1">
+            <a:blip r:embed="rId6">
+              <a:extLst>
+                <a:ext uri="{28A0092B-C50C-407E-A947-70E740481C1C}">
+                  <a14:useLocalDpi xmlns:a14="http://schemas.microsoft.com/office/drawing/2010/main" val="0"/>
+                </a:ext>
+              </a:extLst>
+            </a:blip>
+            <a:srcRect l="35294"/>
+            <a:stretch/>
+          </p:blipFill>
+          <p:spPr>
+            <a:xfrm>
+              <a:off x="2618259" y="4371115"/>
+              <a:ext cx="2950673" cy="1265437"/>
+            </a:xfrm>
+            <a:prstGeom prst="rect">
+              <a:avLst/>
+            </a:prstGeom>
+            <a:effectLst>
+              <a:outerShdw blurRad="50800" dist="38100" dir="2700000" algn="tl" rotWithShape="0">
+                <a:prstClr val="black">
+                  <a:alpha val="40000"/>
+                </a:prstClr>
+              </a:outerShdw>
+            </a:effectLst>
+          </p:spPr>
+        </p:pic>
+        <p:sp>
+          <p:nvSpPr>
+            <p:cNvPr id="27" name="TextBox 26">
+              <a:extLst>
+                <a:ext uri="{FF2B5EF4-FFF2-40B4-BE49-F238E27FC236}">
+                  <a16:creationId xmlns:a16="http://schemas.microsoft.com/office/drawing/2014/main" id="{07EC0098-84CD-4435-AC26-721018F9CC00}"/>
+                </a:ext>
+              </a:extLst>
+            </p:cNvPr>
+            <p:cNvSpPr txBox="1"/>
+            <p:nvPr/>
+          </p:nvSpPr>
+          <p:spPr>
+            <a:xfrm>
+              <a:off x="5520039" y="4467001"/>
+              <a:ext cx="3724925" cy="1169551"/>
+            </a:xfrm>
+            <a:prstGeom prst="rect">
+              <a:avLst/>
+            </a:prstGeom>
+            <a:noFill/>
+            <a:effectLst>
+              <a:outerShdw blurRad="50800" dist="38100" dir="2700000" algn="tl" rotWithShape="0">
+                <a:prstClr val="black">
+                  <a:alpha val="40000"/>
+                </a:prstClr>
+              </a:outerShdw>
+            </a:effectLst>
+          </p:spPr>
+          <p:txBody>
+            <a:bodyPr wrap="square">
+              <a:spAutoFit/>
+            </a:bodyPr>
+            <a:lstStyle/>
+            <a:p>
+              <a:pPr>
+                <a:lnSpc>
+                  <a:spcPct val="100000"/>
+                </a:lnSpc>
+              </a:pPr>
+              <a:r>
+                <a:rPr lang="en-GB" sz="7000" spc="-143" dirty="0">
+                  <a:solidFill>
+                    <a:srgbClr val="4F5C62"/>
+                  </a:solidFill>
+                  <a:latin typeface="MarkPro" panose="020B0504020101010102" pitchFamily="34" charset="0"/>
+                  <a:ea typeface="Inter" panose="020B0502030000000004" pitchFamily="34" charset="0"/>
+                  <a:cs typeface="Mark OT Light" charset="0"/>
+                </a:rPr>
+                <a:t>on</a:t>
+              </a:r>
+              <a:r>
+                <a:rPr lang="en-GB" sz="7000" spc="-143" dirty="0">
+                  <a:solidFill>
+                    <a:srgbClr val="4F5C62"/>
+                  </a:solidFill>
+                  <a:latin typeface="Inter SemiBold" panose="020B0502030000000004" pitchFamily="34" charset="0"/>
+                  <a:ea typeface="Inter SemiBold" panose="020B0502030000000004" pitchFamily="34" charset="0"/>
+                  <a:cs typeface="Mark OT Light" charset="0"/>
+                </a:rPr>
+                <a:t> </a:t>
+              </a:r>
+              <a:r>
+                <a:rPr lang="en-GB" sz="7000" spc="-143" dirty="0">
+                  <a:solidFill>
+                    <a:srgbClr val="0395C8"/>
+                  </a:solidFill>
+                  <a:latin typeface="Segoe UI" panose="020B0502040204020203" pitchFamily="34" charset="0"/>
+                  <a:ea typeface="Inter SemiBold" panose="020B0502030000000004" pitchFamily="34" charset="0"/>
+                  <a:cs typeface="Segoe UI" panose="020B0502040204020203" pitchFamily="34" charset="0"/>
+                </a:rPr>
+                <a:t>Azure</a:t>
+              </a:r>
+              <a:endParaRPr lang="en-GB" sz="7000" spc="-143" dirty="0">
+                <a:solidFill>
+                  <a:srgbClr val="4F5C62"/>
+                </a:solidFill>
+                <a:latin typeface="Segoe UI" panose="020B0502040204020203" pitchFamily="34" charset="0"/>
+                <a:ea typeface="Segoe UI Black" panose="020B0A02040204020203" pitchFamily="34" charset="0"/>
+                <a:cs typeface="Segoe UI" panose="020B0502040204020203" pitchFamily="34" charset="0"/>
+              </a:endParaRPr>
+            </a:p>
+          </p:txBody>
+        </p:sp>
+      </p:grpSp>
+    </p:spTree>
+    <p:extLst>
+      <p:ext uri="{BB962C8B-B14F-4D97-AF65-F5344CB8AC3E}">
+        <p14:creationId xmlns:p14="http://schemas.microsoft.com/office/powerpoint/2010/main" val="3890645462"/>
+      </p:ext>
+    </p:extLst>
+  </p:cSld>
+  <p:clrMapOvr>
+    <a:masterClrMapping/>
+  </p:clrMapOvr>
+</p:sld>
+</file>
+
 <file path=ppt/theme/theme1.xml><?xml version="1.0" encoding="utf-8"?>
 <a:theme xmlns:a="http://schemas.openxmlformats.org/drawingml/2006/main" name="Office Theme">
   <a:themeElements>

--- a/src/assets/graphics/PPT/post-headers.pptx
+++ b/src/assets/graphics/PPT/post-headers.pptx
@@ -8,6 +8,7 @@
     <p:sldId id="271" r:id="rId2"/>
     <p:sldId id="274" r:id="rId3"/>
     <p:sldId id="275" r:id="rId4"/>
+    <p:sldId id="276" r:id="rId5"/>
   </p:sldIdLst>
   <p:sldSz cx="12252325" cy="5999163"/>
   <p:notesSz cx="6858000" cy="9144000"/>
@@ -5479,6 +5480,450 @@
 </p:sld>
 </file>
 
+<file path=ppt/slides/slide4.xml><?xml version="1.0" encoding="utf-8"?>
+<p:sld xmlns:a="http://schemas.openxmlformats.org/drawingml/2006/main" xmlns:r="http://schemas.openxmlformats.org/officeDocument/2006/relationships" xmlns:p="http://schemas.openxmlformats.org/presentationml/2006/main">
+  <p:cSld>
+    <p:spTree>
+      <p:nvGrpSpPr>
+        <p:cNvPr id="1" name=""/>
+        <p:cNvGrpSpPr/>
+        <p:nvPr/>
+      </p:nvGrpSpPr>
+      <p:grpSpPr>
+        <a:xfrm>
+          <a:off x="0" y="0"/>
+          <a:ext cx="0" cy="0"/>
+          <a:chOff x="0" y="0"/>
+          <a:chExt cx="0" cy="0"/>
+        </a:xfrm>
+      </p:grpSpPr>
+      <p:sp>
+        <p:nvSpPr>
+          <p:cNvPr id="4" name="Rectangle 3">
+            <a:extLst>
+              <a:ext uri="{FF2B5EF4-FFF2-40B4-BE49-F238E27FC236}">
+                <a16:creationId xmlns:a16="http://schemas.microsoft.com/office/drawing/2014/main" id="{9353C309-3FC3-4DEF-8B9A-A5B291605C03}"/>
+              </a:ext>
+            </a:extLst>
+          </p:cNvPr>
+          <p:cNvSpPr/>
+          <p:nvPr/>
+        </p:nvSpPr>
+        <p:spPr>
+          <a:xfrm>
+            <a:off x="-1" y="5189220"/>
+            <a:ext cx="12252326" cy="818408"/>
+          </a:xfrm>
+          <a:prstGeom prst="rect">
+            <a:avLst/>
+          </a:prstGeom>
+          <a:solidFill>
+            <a:srgbClr val="000000"/>
+          </a:solidFill>
+          <a:ln>
+            <a:noFill/>
+          </a:ln>
+        </p:spPr>
+        <p:style>
+          <a:lnRef idx="2">
+            <a:schemeClr val="accent1">
+              <a:shade val="50000"/>
+            </a:schemeClr>
+          </a:lnRef>
+          <a:fillRef idx="1">
+            <a:schemeClr val="accent1"/>
+          </a:fillRef>
+          <a:effectRef idx="0">
+            <a:schemeClr val="accent1"/>
+          </a:effectRef>
+          <a:fontRef idx="minor">
+            <a:schemeClr val="lt1"/>
+          </a:fontRef>
+        </p:style>
+        <p:txBody>
+          <a:bodyPr rot="0" spcFirstLastPara="0" vertOverflow="overflow" horzOverflow="overflow" vert="horz" wrap="square" lIns="98019" tIns="49009" rIns="98019" bIns="49009" numCol="1" spcCol="0" rtlCol="0" fromWordArt="0" anchor="ctr" anchorCtr="0" forceAA="0" compatLnSpc="1">
+            <a:prstTxWarp prst="textNoShape">
+              <a:avLst/>
+            </a:prstTxWarp>
+            <a:noAutofit/>
+          </a:bodyPr>
+          <a:lstStyle/>
+          <a:p>
+            <a:pPr algn="ctr"/>
+            <a:endParaRPr lang="en-US" sz="1929" dirty="0"/>
+          </a:p>
+        </p:txBody>
+      </p:sp>
+      <p:sp>
+        <p:nvSpPr>
+          <p:cNvPr id="33" name="Rectangle 32">
+            <a:extLst>
+              <a:ext uri="{FF2B5EF4-FFF2-40B4-BE49-F238E27FC236}">
+                <a16:creationId xmlns:a16="http://schemas.microsoft.com/office/drawing/2014/main" id="{D212AD04-7306-4CFA-9113-EC8CC98B158E}"/>
+              </a:ext>
+            </a:extLst>
+          </p:cNvPr>
+          <p:cNvSpPr/>
+          <p:nvPr/>
+        </p:nvSpPr>
+        <p:spPr>
+          <a:xfrm>
+            <a:off x="0" y="0"/>
+            <a:ext cx="6126162" cy="5189220"/>
+          </a:xfrm>
+          <a:prstGeom prst="rect">
+            <a:avLst/>
+          </a:prstGeom>
+          <a:solidFill>
+            <a:srgbClr val="F9DEF9"/>
+          </a:solidFill>
+          <a:ln>
+            <a:noFill/>
+          </a:ln>
+        </p:spPr>
+        <p:style>
+          <a:lnRef idx="2">
+            <a:schemeClr val="accent1">
+              <a:shade val="50000"/>
+            </a:schemeClr>
+          </a:lnRef>
+          <a:fillRef idx="1">
+            <a:schemeClr val="accent1"/>
+          </a:fillRef>
+          <a:effectRef idx="0">
+            <a:schemeClr val="accent1"/>
+          </a:effectRef>
+          <a:fontRef idx="minor">
+            <a:schemeClr val="lt1"/>
+          </a:fontRef>
+        </p:style>
+        <p:txBody>
+          <a:bodyPr rot="0" spcFirstLastPara="0" vertOverflow="overflow" horzOverflow="overflow" vert="horz" wrap="square" lIns="98019" tIns="49009" rIns="98019" bIns="49009" numCol="1" spcCol="0" rtlCol="0" fromWordArt="0" anchor="ctr" anchorCtr="0" forceAA="0" compatLnSpc="1">
+            <a:prstTxWarp prst="textNoShape">
+              <a:avLst/>
+            </a:prstTxWarp>
+            <a:noAutofit/>
+          </a:bodyPr>
+          <a:lstStyle/>
+          <a:p>
+            <a:pPr algn="ctr"/>
+            <a:endParaRPr lang="en-US" sz="1929" dirty="0"/>
+          </a:p>
+        </p:txBody>
+      </p:sp>
+      <p:pic>
+        <p:nvPicPr>
+          <p:cNvPr id="3" name="Picture 2">
+            <a:extLst>
+              <a:ext uri="{FF2B5EF4-FFF2-40B4-BE49-F238E27FC236}">
+                <a16:creationId xmlns:a16="http://schemas.microsoft.com/office/drawing/2014/main" id="{3F11F7AB-D839-4B47-802D-D71350B1E684}"/>
+              </a:ext>
+            </a:extLst>
+          </p:cNvPr>
+          <p:cNvPicPr>
+            <a:picLocks noChangeAspect="1"/>
+          </p:cNvPicPr>
+          <p:nvPr/>
+        </p:nvPicPr>
+        <p:blipFill rotWithShape="1">
+          <a:blip r:embed="rId2">
+            <a:extLst>
+              <a:ext uri="{28A0092B-C50C-407E-A947-70E740481C1C}">
+                <a14:useLocalDpi xmlns:a14="http://schemas.microsoft.com/office/drawing/2010/main" val="0"/>
+              </a:ext>
+            </a:extLst>
+          </a:blip>
+          <a:srcRect l="506" r="543"/>
+          <a:stretch/>
+        </p:blipFill>
+        <p:spPr>
+          <a:xfrm>
+            <a:off x="548640" y="0"/>
+            <a:ext cx="11094720" cy="6007626"/>
+          </a:xfrm>
+          <a:prstGeom prst="rect">
+            <a:avLst/>
+          </a:prstGeom>
+        </p:spPr>
+      </p:pic>
+      <p:grpSp>
+        <p:nvGrpSpPr>
+          <p:cNvPr id="37" name="Group 36">
+            <a:extLst>
+              <a:ext uri="{FF2B5EF4-FFF2-40B4-BE49-F238E27FC236}">
+                <a16:creationId xmlns:a16="http://schemas.microsoft.com/office/drawing/2014/main" id="{912968AE-1A7A-43C1-B782-41E2C71A9B4F}"/>
+              </a:ext>
+            </a:extLst>
+          </p:cNvPr>
+          <p:cNvGrpSpPr/>
+          <p:nvPr/>
+        </p:nvGrpSpPr>
+        <p:grpSpPr>
+          <a:xfrm>
+            <a:off x="336958" y="183393"/>
+            <a:ext cx="2164943" cy="586522"/>
+            <a:chOff x="336958" y="183393"/>
+            <a:chExt cx="2164943" cy="586522"/>
+          </a:xfrm>
+        </p:grpSpPr>
+        <p:sp>
+          <p:nvSpPr>
+            <p:cNvPr id="17" name="Title 3">
+              <a:extLst>
+                <a:ext uri="{FF2B5EF4-FFF2-40B4-BE49-F238E27FC236}">
+                  <a16:creationId xmlns:a16="http://schemas.microsoft.com/office/drawing/2014/main" id="{C81C530D-D835-4A1A-81BE-BE9F0DE02236}"/>
+                </a:ext>
+              </a:extLst>
+            </p:cNvPr>
+            <p:cNvSpPr txBox="1">
+              <a:spLocks/>
+            </p:cNvSpPr>
+            <p:nvPr/>
+          </p:nvSpPr>
+          <p:spPr>
+            <a:xfrm>
+              <a:off x="716267" y="183393"/>
+              <a:ext cx="1785634" cy="586522"/>
+            </a:xfrm>
+            <a:prstGeom prst="rect">
+              <a:avLst/>
+            </a:prstGeom>
+            <a:effectLst>
+              <a:outerShdw blurRad="63500" sx="102000" sy="102000" algn="ctr" rotWithShape="0">
+                <a:prstClr val="black">
+                  <a:alpha val="40000"/>
+                </a:prstClr>
+              </a:outerShdw>
+            </a:effectLst>
+          </p:spPr>
+          <p:txBody>
+            <a:bodyPr lIns="0" tIns="0" rIns="0" bIns="0" anchor="ctr">
+              <a:noAutofit/>
+            </a:bodyPr>
+            <a:lstStyle>
+              <a:lvl1pPr algn="l" defTabSz="914355" rtl="0" eaLnBrk="1" latinLnBrk="0" hangingPunct="1">
+                <a:lnSpc>
+                  <a:spcPct val="90000"/>
+                </a:lnSpc>
+                <a:spcBef>
+                  <a:spcPct val="0"/>
+                </a:spcBef>
+                <a:buNone/>
+                <a:defRPr sz="2800" b="0" i="0" kern="1200" spc="0" baseline="0">
+                  <a:solidFill>
+                    <a:schemeClr val="accent2"/>
+                  </a:solidFill>
+                  <a:latin typeface="+mj-lt"/>
+                  <a:ea typeface="+mj-ea"/>
+                  <a:cs typeface="Century Gothic Regular" charset="0"/>
+                </a:defRPr>
+              </a:lvl1pPr>
+            </a:lstStyle>
+            <a:p>
+              <a:pPr>
+                <a:lnSpc>
+                  <a:spcPct val="100000"/>
+                </a:lnSpc>
+              </a:pPr>
+              <a:r>
+                <a:rPr lang="en-GB" sz="2000" spc="-143" dirty="0">
+                  <a:solidFill>
+                    <a:srgbClr val="AE41A7"/>
+                  </a:solidFill>
+                  <a:latin typeface="Inter SemiBold" panose="020B0502030000000004" pitchFamily="34" charset="0"/>
+                  <a:ea typeface="Inter SemiBold" panose="020B0502030000000004" pitchFamily="34" charset="0"/>
+                  <a:cs typeface="Mark OT Light" charset="0"/>
+                </a:rPr>
+                <a:t>rakirahman</a:t>
+              </a:r>
+              <a:r>
+                <a:rPr lang="en-GB" sz="2000" spc="-143" dirty="0">
+                  <a:solidFill>
+                    <a:srgbClr val="000000"/>
+                  </a:solidFill>
+                  <a:latin typeface="Inter SemiBold" panose="020B0502030000000004" pitchFamily="34" charset="0"/>
+                  <a:ea typeface="Inter SemiBold" panose="020B0502030000000004" pitchFamily="34" charset="0"/>
+                  <a:cs typeface="Mark OT Light" charset="0"/>
+                </a:rPr>
+                <a:t>.me</a:t>
+              </a:r>
+            </a:p>
+          </p:txBody>
+        </p:sp>
+        <p:grpSp>
+          <p:nvGrpSpPr>
+            <p:cNvPr id="36" name="Group 35">
+              <a:extLst>
+                <a:ext uri="{FF2B5EF4-FFF2-40B4-BE49-F238E27FC236}">
+                  <a16:creationId xmlns:a16="http://schemas.microsoft.com/office/drawing/2014/main" id="{7BF3B3F5-DAF0-4F2A-B1C5-21D1ABFA0C0F}"/>
+                </a:ext>
+              </a:extLst>
+            </p:cNvPr>
+            <p:cNvGrpSpPr/>
+            <p:nvPr/>
+          </p:nvGrpSpPr>
+          <p:grpSpPr>
+            <a:xfrm>
+              <a:off x="336958" y="313998"/>
+              <a:ext cx="310070" cy="310070"/>
+              <a:chOff x="336958" y="313998"/>
+              <a:chExt cx="310070" cy="310070"/>
+            </a:xfrm>
+          </p:grpSpPr>
+          <p:sp>
+            <p:nvSpPr>
+              <p:cNvPr id="10" name="Oval 9">
+                <a:extLst>
+                  <a:ext uri="{FF2B5EF4-FFF2-40B4-BE49-F238E27FC236}">
+                    <a16:creationId xmlns:a16="http://schemas.microsoft.com/office/drawing/2014/main" id="{9DF77205-F447-474E-B06F-477A11C4D33E}"/>
+                  </a:ext>
+                </a:extLst>
+              </p:cNvPr>
+              <p:cNvSpPr/>
+              <p:nvPr/>
+            </p:nvSpPr>
+            <p:spPr>
+              <a:xfrm>
+                <a:off x="336958" y="313998"/>
+                <a:ext cx="310070" cy="310070"/>
+              </a:xfrm>
+              <a:prstGeom prst="ellipse">
+                <a:avLst/>
+              </a:prstGeom>
+              <a:solidFill>
+                <a:srgbClr val="AE41A7"/>
+              </a:solidFill>
+              <a:ln>
+                <a:noFill/>
+              </a:ln>
+              <a:effectLst>
+                <a:outerShdw blurRad="50800" dist="38100" dir="2700000" algn="tl" rotWithShape="0">
+                  <a:prstClr val="black">
+                    <a:alpha val="40000"/>
+                  </a:prstClr>
+                </a:outerShdw>
+              </a:effectLst>
+            </p:spPr>
+            <p:style>
+              <a:lnRef idx="2">
+                <a:schemeClr val="accent1">
+                  <a:shade val="50000"/>
+                </a:schemeClr>
+              </a:lnRef>
+              <a:fillRef idx="1">
+                <a:schemeClr val="accent1"/>
+              </a:fillRef>
+              <a:effectRef idx="0">
+                <a:schemeClr val="accent1"/>
+              </a:effectRef>
+              <a:fontRef idx="minor">
+                <a:schemeClr val="lt1"/>
+              </a:fontRef>
+            </p:style>
+            <p:txBody>
+              <a:bodyPr rtlCol="0" anchor="ctr"/>
+              <a:lstStyle/>
+              <a:p>
+                <a:pPr algn="ctr"/>
+                <a:endParaRPr lang="en-US"/>
+              </a:p>
+            </p:txBody>
+          </p:sp>
+          <p:pic>
+            <p:nvPicPr>
+              <p:cNvPr id="35" name="Picture 34">
+                <a:extLst>
+                  <a:ext uri="{FF2B5EF4-FFF2-40B4-BE49-F238E27FC236}">
+                    <a16:creationId xmlns:a16="http://schemas.microsoft.com/office/drawing/2014/main" id="{35CFC7CD-38EF-4FB8-A968-97D0473BA258}"/>
+                  </a:ext>
+                </a:extLst>
+              </p:cNvPr>
+              <p:cNvPicPr>
+                <a:picLocks noChangeAspect="1"/>
+              </p:cNvPicPr>
+              <p:nvPr/>
+            </p:nvPicPr>
+            <p:blipFill>
+              <a:blip r:embed="rId3">
+                <a:extLst>
+                  <a:ext uri="{28A0092B-C50C-407E-A947-70E740481C1C}">
+                    <a14:useLocalDpi xmlns:a14="http://schemas.microsoft.com/office/drawing/2010/main" val="0"/>
+                  </a:ext>
+                </a:extLst>
+              </a:blip>
+              <a:stretch>
+                <a:fillRect/>
+              </a:stretch>
+            </p:blipFill>
+            <p:spPr>
+              <a:xfrm>
+                <a:off x="362920" y="339960"/>
+                <a:ext cx="258147" cy="258147"/>
+              </a:xfrm>
+              <a:prstGeom prst="ellipse">
+                <a:avLst/>
+              </a:prstGeom>
+              <a:solidFill>
+                <a:srgbClr val="AE41A7"/>
+              </a:solidFill>
+            </p:spPr>
+          </p:pic>
+        </p:grpSp>
+      </p:grpSp>
+      <p:cxnSp>
+        <p:nvCxnSpPr>
+          <p:cNvPr id="7" name="Straight Connector 6">
+            <a:extLst>
+              <a:ext uri="{FF2B5EF4-FFF2-40B4-BE49-F238E27FC236}">
+                <a16:creationId xmlns:a16="http://schemas.microsoft.com/office/drawing/2014/main" id="{335105ED-3D10-40EB-A264-782CF115E5AD}"/>
+              </a:ext>
+            </a:extLst>
+          </p:cNvPr>
+          <p:cNvCxnSpPr/>
+          <p:nvPr/>
+        </p:nvCxnSpPr>
+        <p:spPr>
+          <a:xfrm>
+            <a:off x="0" y="5189220"/>
+            <a:ext cx="12252325" cy="0"/>
+          </a:xfrm>
+          <a:prstGeom prst="line">
+            <a:avLst/>
+          </a:prstGeom>
+          <a:ln>
+            <a:solidFill>
+              <a:schemeClr val="bg1"/>
+            </a:solidFill>
+          </a:ln>
+        </p:spPr>
+        <p:style>
+          <a:lnRef idx="1">
+            <a:schemeClr val="accent1"/>
+          </a:lnRef>
+          <a:fillRef idx="0">
+            <a:schemeClr val="accent1"/>
+          </a:fillRef>
+          <a:effectRef idx="0">
+            <a:schemeClr val="accent1"/>
+          </a:effectRef>
+          <a:fontRef idx="minor">
+            <a:schemeClr val="tx1"/>
+          </a:fontRef>
+        </p:style>
+      </p:cxnSp>
+    </p:spTree>
+    <p:extLst>
+      <p:ext uri="{BB962C8B-B14F-4D97-AF65-F5344CB8AC3E}">
+        <p14:creationId xmlns:p14="http://schemas.microsoft.com/office/powerpoint/2010/main" val="659526555"/>
+      </p:ext>
+    </p:extLst>
+  </p:cSld>
+  <p:clrMapOvr>
+    <a:masterClrMapping/>
+  </p:clrMapOvr>
+</p:sld>
+</file>
+
 <file path=ppt/theme/theme1.xml><?xml version="1.0" encoding="utf-8"?>
 <a:theme xmlns:a="http://schemas.openxmlformats.org/drawingml/2006/main" name="Office Theme">
   <a:themeElements>

--- a/src/assets/graphics/PPT/post-headers.pptx
+++ b/src/assets/graphics/PPT/post-headers.pptx
@@ -9,6 +9,8 @@
     <p:sldId id="274" r:id="rId3"/>
     <p:sldId id="275" r:id="rId4"/>
     <p:sldId id="276" r:id="rId5"/>
+    <p:sldId id="277" r:id="rId6"/>
+    <p:sldId id="278" r:id="rId7"/>
   </p:sldIdLst>
   <p:sldSz cx="12252325" cy="5999163"/>
   <p:notesSz cx="6858000" cy="9144000"/>
@@ -1041,7 +1043,7 @@
           <a:p>
             <a:fld id="{188B2B68-3432-42CC-A797-1383801DFB53}" type="datetimeFigureOut">
               <a:rPr lang="en-US" smtClean="0"/>
-              <a:t>10/8/2020</a:t>
+              <a:t>10/12/2020</a:t>
             </a:fld>
             <a:endParaRPr lang="en-US"/>
           </a:p>
@@ -1211,7 +1213,7 @@
           <a:p>
             <a:fld id="{188B2B68-3432-42CC-A797-1383801DFB53}" type="datetimeFigureOut">
               <a:rPr lang="en-US" smtClean="0"/>
-              <a:t>10/8/2020</a:t>
+              <a:t>10/12/2020</a:t>
             </a:fld>
             <a:endParaRPr lang="en-US"/>
           </a:p>
@@ -1391,7 +1393,7 @@
           <a:p>
             <a:fld id="{188B2B68-3432-42CC-A797-1383801DFB53}" type="datetimeFigureOut">
               <a:rPr lang="en-US" smtClean="0"/>
-              <a:t>10/8/2020</a:t>
+              <a:t>10/12/2020</a:t>
             </a:fld>
             <a:endParaRPr lang="en-US"/>
           </a:p>
@@ -1561,7 +1563,7 @@
           <a:p>
             <a:fld id="{188B2B68-3432-42CC-A797-1383801DFB53}" type="datetimeFigureOut">
               <a:rPr lang="en-US" smtClean="0"/>
-              <a:t>10/8/2020</a:t>
+              <a:t>10/12/2020</a:t>
             </a:fld>
             <a:endParaRPr lang="en-US"/>
           </a:p>
@@ -1807,7 +1809,7 @@
           <a:p>
             <a:fld id="{188B2B68-3432-42CC-A797-1383801DFB53}" type="datetimeFigureOut">
               <a:rPr lang="en-US" smtClean="0"/>
-              <a:t>10/8/2020</a:t>
+              <a:t>10/12/2020</a:t>
             </a:fld>
             <a:endParaRPr lang="en-US"/>
           </a:p>
@@ -2039,7 +2041,7 @@
           <a:p>
             <a:fld id="{188B2B68-3432-42CC-A797-1383801DFB53}" type="datetimeFigureOut">
               <a:rPr lang="en-US" smtClean="0"/>
-              <a:t>10/8/2020</a:t>
+              <a:t>10/12/2020</a:t>
             </a:fld>
             <a:endParaRPr lang="en-US"/>
           </a:p>
@@ -2406,7 +2408,7 @@
           <a:p>
             <a:fld id="{188B2B68-3432-42CC-A797-1383801DFB53}" type="datetimeFigureOut">
               <a:rPr lang="en-US" smtClean="0"/>
-              <a:t>10/8/2020</a:t>
+              <a:t>10/12/2020</a:t>
             </a:fld>
             <a:endParaRPr lang="en-US"/>
           </a:p>
@@ -2524,7 +2526,7 @@
           <a:p>
             <a:fld id="{188B2B68-3432-42CC-A797-1383801DFB53}" type="datetimeFigureOut">
               <a:rPr lang="en-US" smtClean="0"/>
-              <a:t>10/8/2020</a:t>
+              <a:t>10/12/2020</a:t>
             </a:fld>
             <a:endParaRPr lang="en-US"/>
           </a:p>
@@ -2619,7 +2621,7 @@
           <a:p>
             <a:fld id="{188B2B68-3432-42CC-A797-1383801DFB53}" type="datetimeFigureOut">
               <a:rPr lang="en-US" smtClean="0"/>
-              <a:t>10/8/2020</a:t>
+              <a:t>10/12/2020</a:t>
             </a:fld>
             <a:endParaRPr lang="en-US"/>
           </a:p>
@@ -2896,7 +2898,7 @@
           <a:p>
             <a:fld id="{188B2B68-3432-42CC-A797-1383801DFB53}" type="datetimeFigureOut">
               <a:rPr lang="en-US" smtClean="0"/>
-              <a:t>10/8/2020</a:t>
+              <a:t>10/12/2020</a:t>
             </a:fld>
             <a:endParaRPr lang="en-US"/>
           </a:p>
@@ -3153,7 +3155,7 @@
           <a:p>
             <a:fld id="{188B2B68-3432-42CC-A797-1383801DFB53}" type="datetimeFigureOut">
               <a:rPr lang="en-US" smtClean="0"/>
-              <a:t>10/8/2020</a:t>
+              <a:t>10/12/2020</a:t>
             </a:fld>
             <a:endParaRPr lang="en-US"/>
           </a:p>
@@ -3366,7 +3368,7 @@
           <a:p>
             <a:fld id="{188B2B68-3432-42CC-A797-1383801DFB53}" type="datetimeFigureOut">
               <a:rPr lang="en-US" smtClean="0"/>
-              <a:t>10/8/2020</a:t>
+              <a:t>10/12/2020</a:t>
             </a:fld>
             <a:endParaRPr lang="en-US"/>
           </a:p>
@@ -5924,6 +5926,1380 @@
 </p:sld>
 </file>
 
+<file path=ppt/slides/slide5.xml><?xml version="1.0" encoding="utf-8"?>
+<p:sld xmlns:a="http://schemas.openxmlformats.org/drawingml/2006/main" xmlns:r="http://schemas.openxmlformats.org/officeDocument/2006/relationships" xmlns:p="http://schemas.openxmlformats.org/presentationml/2006/main">
+  <p:cSld>
+    <p:spTree>
+      <p:nvGrpSpPr>
+        <p:cNvPr id="1" name=""/>
+        <p:cNvGrpSpPr/>
+        <p:nvPr/>
+      </p:nvGrpSpPr>
+      <p:grpSpPr>
+        <a:xfrm>
+          <a:off x="0" y="0"/>
+          <a:ext cx="0" cy="0"/>
+          <a:chOff x="0" y="0"/>
+          <a:chExt cx="0" cy="0"/>
+        </a:xfrm>
+      </p:grpSpPr>
+      <p:pic>
+        <p:nvPicPr>
+          <p:cNvPr id="16" name="Graphic 15">
+            <a:extLst>
+              <a:ext uri="{FF2B5EF4-FFF2-40B4-BE49-F238E27FC236}">
+                <a16:creationId xmlns:a16="http://schemas.microsoft.com/office/drawing/2014/main" id="{3314DD05-E841-4158-8982-E436D37DCE6D}"/>
+              </a:ext>
+            </a:extLst>
+          </p:cNvPr>
+          <p:cNvPicPr>
+            <a:picLocks noChangeAspect="1"/>
+          </p:cNvPicPr>
+          <p:nvPr/>
+        </p:nvPicPr>
+        <p:blipFill>
+          <a:blip r:embed="rId2">
+            <a:extLst>
+              <a:ext uri="{96DAC541-7B7A-43D3-8B79-37D633B846F1}">
+                <asvg:svgBlip xmlns:asvg="http://schemas.microsoft.com/office/drawing/2016/SVG/main" r:embed="rId3"/>
+              </a:ext>
+            </a:extLst>
+          </a:blip>
+          <a:stretch>
+            <a:fillRect/>
+          </a:stretch>
+        </p:blipFill>
+        <p:spPr>
+          <a:xfrm>
+            <a:off x="-1" y="0"/>
+            <a:ext cx="12252325" cy="5999162"/>
+          </a:xfrm>
+          <a:prstGeom prst="rect">
+            <a:avLst/>
+          </a:prstGeom>
+        </p:spPr>
+      </p:pic>
+      <p:pic>
+        <p:nvPicPr>
+          <p:cNvPr id="30" name="Graphic 29">
+            <a:extLst>
+              <a:ext uri="{FF2B5EF4-FFF2-40B4-BE49-F238E27FC236}">
+                <a16:creationId xmlns:a16="http://schemas.microsoft.com/office/drawing/2014/main" id="{9C8D9F47-FD33-4F01-B87B-521FBF0F3900}"/>
+              </a:ext>
+            </a:extLst>
+          </p:cNvPr>
+          <p:cNvPicPr>
+            <a:picLocks noChangeAspect="1"/>
+          </p:cNvPicPr>
+          <p:nvPr/>
+        </p:nvPicPr>
+        <p:blipFill>
+          <a:blip r:embed="rId4">
+            <a:extLst>
+              <a:ext uri="{96DAC541-7B7A-43D3-8B79-37D633B846F1}">
+                <asvg:svgBlip xmlns:asvg="http://schemas.microsoft.com/office/drawing/2016/SVG/main" r:embed="rId5"/>
+              </a:ext>
+            </a:extLst>
+          </a:blip>
+          <a:stretch>
+            <a:fillRect/>
+          </a:stretch>
+        </p:blipFill>
+        <p:spPr>
+          <a:xfrm>
+            <a:off x="737091" y="1653562"/>
+            <a:ext cx="4238305" cy="3271457"/>
+          </a:xfrm>
+          <a:prstGeom prst="rect">
+            <a:avLst/>
+          </a:prstGeom>
+          <a:effectLst>
+            <a:outerShdw blurRad="228600" dist="38100" dir="2700000" algn="tl" rotWithShape="0">
+              <a:prstClr val="black">
+                <a:alpha val="40000"/>
+              </a:prstClr>
+            </a:outerShdw>
+          </a:effectLst>
+        </p:spPr>
+      </p:pic>
+      <p:grpSp>
+        <p:nvGrpSpPr>
+          <p:cNvPr id="37" name="Group 36">
+            <a:extLst>
+              <a:ext uri="{FF2B5EF4-FFF2-40B4-BE49-F238E27FC236}">
+                <a16:creationId xmlns:a16="http://schemas.microsoft.com/office/drawing/2014/main" id="{912968AE-1A7A-43C1-B782-41E2C71A9B4F}"/>
+              </a:ext>
+            </a:extLst>
+          </p:cNvPr>
+          <p:cNvGrpSpPr/>
+          <p:nvPr/>
+        </p:nvGrpSpPr>
+        <p:grpSpPr>
+          <a:xfrm>
+            <a:off x="336958" y="183393"/>
+            <a:ext cx="2164943" cy="586522"/>
+            <a:chOff x="336958" y="183393"/>
+            <a:chExt cx="2164943" cy="586522"/>
+          </a:xfrm>
+        </p:grpSpPr>
+        <p:sp>
+          <p:nvSpPr>
+            <p:cNvPr id="17" name="Title 3">
+              <a:extLst>
+                <a:ext uri="{FF2B5EF4-FFF2-40B4-BE49-F238E27FC236}">
+                  <a16:creationId xmlns:a16="http://schemas.microsoft.com/office/drawing/2014/main" id="{C81C530D-D835-4A1A-81BE-BE9F0DE02236}"/>
+                </a:ext>
+              </a:extLst>
+            </p:cNvPr>
+            <p:cNvSpPr txBox="1">
+              <a:spLocks/>
+            </p:cNvSpPr>
+            <p:nvPr/>
+          </p:nvSpPr>
+          <p:spPr>
+            <a:xfrm>
+              <a:off x="716267" y="183393"/>
+              <a:ext cx="1785634" cy="586522"/>
+            </a:xfrm>
+            <a:prstGeom prst="rect">
+              <a:avLst/>
+            </a:prstGeom>
+            <a:effectLst/>
+          </p:spPr>
+          <p:txBody>
+            <a:bodyPr lIns="0" tIns="0" rIns="0" bIns="0" anchor="ctr">
+              <a:noAutofit/>
+            </a:bodyPr>
+            <a:lstStyle>
+              <a:lvl1pPr algn="l" defTabSz="914355" rtl="0" eaLnBrk="1" latinLnBrk="0" hangingPunct="1">
+                <a:lnSpc>
+                  <a:spcPct val="90000"/>
+                </a:lnSpc>
+                <a:spcBef>
+                  <a:spcPct val="0"/>
+                </a:spcBef>
+                <a:buNone/>
+                <a:defRPr sz="2800" b="0" i="0" kern="1200" spc="0" baseline="0">
+                  <a:solidFill>
+                    <a:schemeClr val="accent2"/>
+                  </a:solidFill>
+                  <a:latin typeface="+mj-lt"/>
+                  <a:ea typeface="+mj-ea"/>
+                  <a:cs typeface="Century Gothic Regular" charset="0"/>
+                </a:defRPr>
+              </a:lvl1pPr>
+            </a:lstStyle>
+            <a:p>
+              <a:pPr>
+                <a:lnSpc>
+                  <a:spcPct val="100000"/>
+                </a:lnSpc>
+              </a:pPr>
+              <a:r>
+                <a:rPr lang="en-GB" sz="2000" spc="-143" dirty="0">
+                  <a:solidFill>
+                    <a:srgbClr val="001A3E"/>
+                  </a:solidFill>
+                  <a:latin typeface="Inter SemiBold" panose="020B0502030000000004" pitchFamily="34" charset="0"/>
+                  <a:ea typeface="Inter SemiBold" panose="020B0502030000000004" pitchFamily="34" charset="0"/>
+                  <a:cs typeface="Mark OT Light" charset="0"/>
+                </a:rPr>
+                <a:t>rakirahman.me</a:t>
+              </a:r>
+            </a:p>
+          </p:txBody>
+        </p:sp>
+        <p:grpSp>
+          <p:nvGrpSpPr>
+            <p:cNvPr id="36" name="Group 35">
+              <a:extLst>
+                <a:ext uri="{FF2B5EF4-FFF2-40B4-BE49-F238E27FC236}">
+                  <a16:creationId xmlns:a16="http://schemas.microsoft.com/office/drawing/2014/main" id="{7BF3B3F5-DAF0-4F2A-B1C5-21D1ABFA0C0F}"/>
+                </a:ext>
+              </a:extLst>
+            </p:cNvPr>
+            <p:cNvGrpSpPr/>
+            <p:nvPr/>
+          </p:nvGrpSpPr>
+          <p:grpSpPr>
+            <a:xfrm>
+              <a:off x="336958" y="313998"/>
+              <a:ext cx="310070" cy="310070"/>
+              <a:chOff x="336958" y="313998"/>
+              <a:chExt cx="310070" cy="310070"/>
+            </a:xfrm>
+          </p:grpSpPr>
+          <p:sp>
+            <p:nvSpPr>
+              <p:cNvPr id="10" name="Oval 9">
+                <a:extLst>
+                  <a:ext uri="{FF2B5EF4-FFF2-40B4-BE49-F238E27FC236}">
+                    <a16:creationId xmlns:a16="http://schemas.microsoft.com/office/drawing/2014/main" id="{9DF77205-F447-474E-B06F-477A11C4D33E}"/>
+                  </a:ext>
+                </a:extLst>
+              </p:cNvPr>
+              <p:cNvSpPr/>
+              <p:nvPr/>
+            </p:nvSpPr>
+            <p:spPr>
+              <a:xfrm>
+                <a:off x="336958" y="313998"/>
+                <a:ext cx="310070" cy="310070"/>
+              </a:xfrm>
+              <a:prstGeom prst="ellipse">
+                <a:avLst/>
+              </a:prstGeom>
+              <a:solidFill>
+                <a:srgbClr val="001A3E"/>
+              </a:solidFill>
+              <a:ln>
+                <a:noFill/>
+              </a:ln>
+              <a:effectLst/>
+            </p:spPr>
+            <p:style>
+              <a:lnRef idx="2">
+                <a:schemeClr val="accent1">
+                  <a:shade val="50000"/>
+                </a:schemeClr>
+              </a:lnRef>
+              <a:fillRef idx="1">
+                <a:schemeClr val="accent1"/>
+              </a:fillRef>
+              <a:effectRef idx="0">
+                <a:schemeClr val="accent1"/>
+              </a:effectRef>
+              <a:fontRef idx="minor">
+                <a:schemeClr val="lt1"/>
+              </a:fontRef>
+            </p:style>
+            <p:txBody>
+              <a:bodyPr rtlCol="0" anchor="ctr"/>
+              <a:lstStyle/>
+              <a:p>
+                <a:pPr algn="ctr"/>
+                <a:endParaRPr lang="en-US" dirty="0"/>
+              </a:p>
+            </p:txBody>
+          </p:sp>
+          <p:pic>
+            <p:nvPicPr>
+              <p:cNvPr id="35" name="Picture 34">
+                <a:extLst>
+                  <a:ext uri="{FF2B5EF4-FFF2-40B4-BE49-F238E27FC236}">
+                    <a16:creationId xmlns:a16="http://schemas.microsoft.com/office/drawing/2014/main" id="{35CFC7CD-38EF-4FB8-A968-97D0473BA258}"/>
+                  </a:ext>
+                </a:extLst>
+              </p:cNvPr>
+              <p:cNvPicPr>
+                <a:picLocks noChangeAspect="1"/>
+              </p:cNvPicPr>
+              <p:nvPr/>
+            </p:nvPicPr>
+            <p:blipFill>
+              <a:blip r:embed="rId6">
+                <a:extLst>
+                  <a:ext uri="{28A0092B-C50C-407E-A947-70E740481C1C}">
+                    <a14:useLocalDpi xmlns:a14="http://schemas.microsoft.com/office/drawing/2010/main" val="0"/>
+                  </a:ext>
+                </a:extLst>
+              </a:blip>
+              <a:stretch>
+                <a:fillRect/>
+              </a:stretch>
+            </p:blipFill>
+            <p:spPr>
+              <a:xfrm>
+                <a:off x="362920" y="339960"/>
+                <a:ext cx="258147" cy="258147"/>
+              </a:xfrm>
+              <a:prstGeom prst="ellipse">
+                <a:avLst/>
+              </a:prstGeom>
+            </p:spPr>
+          </p:pic>
+        </p:grpSp>
+      </p:grpSp>
+      <p:grpSp>
+        <p:nvGrpSpPr>
+          <p:cNvPr id="31" name="Group 30">
+            <a:extLst>
+              <a:ext uri="{FF2B5EF4-FFF2-40B4-BE49-F238E27FC236}">
+                <a16:creationId xmlns:a16="http://schemas.microsoft.com/office/drawing/2014/main" id="{F7A52655-41BB-4EA3-AD92-FFB63DED5237}"/>
+              </a:ext>
+            </a:extLst>
+          </p:cNvPr>
+          <p:cNvGrpSpPr/>
+          <p:nvPr/>
+        </p:nvGrpSpPr>
+        <p:grpSpPr>
+          <a:xfrm>
+            <a:off x="7962900" y="1238249"/>
+            <a:ext cx="3919000" cy="4102083"/>
+            <a:chOff x="7962900" y="1238249"/>
+            <a:chExt cx="3919000" cy="4102083"/>
+          </a:xfrm>
+        </p:grpSpPr>
+        <p:sp>
+          <p:nvSpPr>
+            <p:cNvPr id="13" name="Oval 12">
+              <a:extLst>
+                <a:ext uri="{FF2B5EF4-FFF2-40B4-BE49-F238E27FC236}">
+                  <a16:creationId xmlns:a16="http://schemas.microsoft.com/office/drawing/2014/main" id="{E6C7DC24-8059-42CD-A673-0415702D9A9C}"/>
+                </a:ext>
+              </a:extLst>
+            </p:cNvPr>
+            <p:cNvSpPr/>
+            <p:nvPr/>
+          </p:nvSpPr>
+          <p:spPr>
+            <a:xfrm>
+              <a:off x="7962900" y="1238249"/>
+              <a:ext cx="3919000" cy="3919000"/>
+            </a:xfrm>
+            <a:prstGeom prst="ellipse">
+              <a:avLst/>
+            </a:prstGeom>
+            <a:solidFill>
+              <a:srgbClr val="FFF67F"/>
+            </a:solidFill>
+            <a:ln>
+              <a:noFill/>
+            </a:ln>
+          </p:spPr>
+          <p:style>
+            <a:lnRef idx="2">
+              <a:schemeClr val="accent1">
+                <a:shade val="50000"/>
+              </a:schemeClr>
+            </a:lnRef>
+            <a:fillRef idx="1">
+              <a:schemeClr val="accent1"/>
+            </a:fillRef>
+            <a:effectRef idx="0">
+              <a:schemeClr val="accent1"/>
+            </a:effectRef>
+            <a:fontRef idx="minor">
+              <a:schemeClr val="lt1"/>
+            </a:fontRef>
+          </p:style>
+          <p:txBody>
+            <a:bodyPr rtlCol="0" anchor="ctr"/>
+            <a:lstStyle/>
+            <a:p>
+              <a:pPr algn="ctr"/>
+              <a:endParaRPr lang="en-US"/>
+            </a:p>
+          </p:txBody>
+        </p:sp>
+        <p:grpSp>
+          <p:nvGrpSpPr>
+            <p:cNvPr id="19" name="Group 18">
+              <a:extLst>
+                <a:ext uri="{FF2B5EF4-FFF2-40B4-BE49-F238E27FC236}">
+                  <a16:creationId xmlns:a16="http://schemas.microsoft.com/office/drawing/2014/main" id="{022244C5-3729-4FB9-987F-F7E23DD4575D}"/>
+                </a:ext>
+              </a:extLst>
+            </p:cNvPr>
+            <p:cNvGrpSpPr/>
+            <p:nvPr/>
+          </p:nvGrpSpPr>
+          <p:grpSpPr>
+            <a:xfrm>
+              <a:off x="8252807" y="1631401"/>
+              <a:ext cx="3339185" cy="3708931"/>
+              <a:chOff x="8252808" y="1582225"/>
+              <a:chExt cx="3339185" cy="3708931"/>
+            </a:xfrm>
+          </p:grpSpPr>
+          <p:pic>
+            <p:nvPicPr>
+              <p:cNvPr id="3" name="Picture 2">
+                <a:extLst>
+                  <a:ext uri="{FF2B5EF4-FFF2-40B4-BE49-F238E27FC236}">
+                    <a16:creationId xmlns:a16="http://schemas.microsoft.com/office/drawing/2014/main" id="{53A78B2B-54C4-45AB-9C8B-9DF1FEC4A250}"/>
+                  </a:ext>
+                </a:extLst>
+              </p:cNvPr>
+              <p:cNvPicPr>
+                <a:picLocks noChangeAspect="1"/>
+              </p:cNvPicPr>
+              <p:nvPr/>
+            </p:nvPicPr>
+            <p:blipFill>
+              <a:blip r:embed="rId7">
+                <a:extLst>
+                  <a:ext uri="{28A0092B-C50C-407E-A947-70E740481C1C}">
+                    <a14:useLocalDpi xmlns:a14="http://schemas.microsoft.com/office/drawing/2010/main" val="0"/>
+                  </a:ext>
+                </a:extLst>
+              </a:blip>
+              <a:stretch>
+                <a:fillRect/>
+              </a:stretch>
+            </p:blipFill>
+            <p:spPr>
+              <a:xfrm>
+                <a:off x="8252808" y="1582225"/>
+                <a:ext cx="3339185" cy="3708931"/>
+              </a:xfrm>
+              <a:prstGeom prst="rect">
+                <a:avLst/>
+              </a:prstGeom>
+              <a:effectLst>
+                <a:outerShdw blurRad="50800" dist="38100" dir="2700000" algn="tl" rotWithShape="0">
+                  <a:prstClr val="black">
+                    <a:alpha val="40000"/>
+                  </a:prstClr>
+                </a:outerShdw>
+              </a:effectLst>
+            </p:spPr>
+          </p:pic>
+          <p:sp>
+            <p:nvSpPr>
+              <p:cNvPr id="18" name="Rectangle 17">
+                <a:extLst>
+                  <a:ext uri="{FF2B5EF4-FFF2-40B4-BE49-F238E27FC236}">
+                    <a16:creationId xmlns:a16="http://schemas.microsoft.com/office/drawing/2014/main" id="{52244397-FDB0-40F6-8FED-09A88D6909B3}"/>
+                  </a:ext>
+                </a:extLst>
+              </p:cNvPr>
+              <p:cNvSpPr/>
+              <p:nvPr/>
+            </p:nvSpPr>
+            <p:spPr>
+              <a:xfrm>
+                <a:off x="8874650" y="3460939"/>
+                <a:ext cx="2095500" cy="262423"/>
+              </a:xfrm>
+              <a:prstGeom prst="rect">
+                <a:avLst/>
+              </a:prstGeom>
+              <a:solidFill>
+                <a:srgbClr val="FFFFFF"/>
+              </a:solidFill>
+              <a:ln>
+                <a:noFill/>
+              </a:ln>
+            </p:spPr>
+            <p:style>
+              <a:lnRef idx="2">
+                <a:schemeClr val="accent1">
+                  <a:shade val="50000"/>
+                </a:schemeClr>
+              </a:lnRef>
+              <a:fillRef idx="1">
+                <a:schemeClr val="accent1"/>
+              </a:fillRef>
+              <a:effectRef idx="0">
+                <a:schemeClr val="accent1"/>
+              </a:effectRef>
+              <a:fontRef idx="minor">
+                <a:schemeClr val="lt1"/>
+              </a:fontRef>
+            </p:style>
+            <p:txBody>
+              <a:bodyPr rtlCol="0" anchor="ctr"/>
+              <a:lstStyle/>
+              <a:p>
+                <a:pPr algn="ctr"/>
+                <a:endParaRPr lang="en-US">
+                  <a:solidFill>
+                    <a:srgbClr val="FFFFFF"/>
+                  </a:solidFill>
+                </a:endParaRPr>
+              </a:p>
+            </p:txBody>
+          </p:sp>
+          <p:pic>
+            <p:nvPicPr>
+              <p:cNvPr id="7" name="Picture 6">
+                <a:extLst>
+                  <a:ext uri="{FF2B5EF4-FFF2-40B4-BE49-F238E27FC236}">
+                    <a16:creationId xmlns:a16="http://schemas.microsoft.com/office/drawing/2014/main" id="{AAC3DB36-52F1-4CEF-AACE-6A4777A6AA93}"/>
+                  </a:ext>
+                </a:extLst>
+              </p:cNvPr>
+              <p:cNvPicPr>
+                <a:picLocks noChangeAspect="1"/>
+              </p:cNvPicPr>
+              <p:nvPr/>
+            </p:nvPicPr>
+            <p:blipFill>
+              <a:blip r:embed="rId8">
+                <a:extLst>
+                  <a:ext uri="{28A0092B-C50C-407E-A947-70E740481C1C}">
+                    <a14:useLocalDpi xmlns:a14="http://schemas.microsoft.com/office/drawing/2010/main" val="0"/>
+                  </a:ext>
+                </a:extLst>
+              </a:blip>
+              <a:stretch>
+                <a:fillRect/>
+              </a:stretch>
+            </p:blipFill>
+            <p:spPr>
+              <a:xfrm>
+                <a:off x="9275877" y="3460939"/>
+                <a:ext cx="1293046" cy="658981"/>
+              </a:xfrm>
+              <a:prstGeom prst="rect">
+                <a:avLst/>
+              </a:prstGeom>
+            </p:spPr>
+          </p:pic>
+        </p:grpSp>
+      </p:grpSp>
+      <p:sp>
+        <p:nvSpPr>
+          <p:cNvPr id="22" name="TextBox 21">
+            <a:extLst>
+              <a:ext uri="{FF2B5EF4-FFF2-40B4-BE49-F238E27FC236}">
+                <a16:creationId xmlns:a16="http://schemas.microsoft.com/office/drawing/2014/main" id="{35F038A1-1D7B-4A52-BF04-3AD4EA6BF06F}"/>
+              </a:ext>
+            </a:extLst>
+          </p:cNvPr>
+          <p:cNvSpPr txBox="1"/>
+          <p:nvPr/>
+        </p:nvSpPr>
+        <p:spPr>
+          <a:xfrm rot="20991049">
+            <a:off x="-449553" y="2399234"/>
+            <a:ext cx="6408991" cy="2221762"/>
+          </a:xfrm>
+          <a:prstGeom prst="rect">
+            <a:avLst/>
+          </a:prstGeom>
+          <a:noFill/>
+          <a:effectLst/>
+        </p:spPr>
+        <p:txBody>
+          <a:bodyPr wrap="square" anchor="ctr">
+            <a:spAutoFit/>
+          </a:bodyPr>
+          <a:lstStyle/>
+          <a:p>
+            <a:pPr algn="ctr">
+              <a:lnSpc>
+                <a:spcPts val="5000"/>
+              </a:lnSpc>
+            </a:pPr>
+            <a:r>
+              <a:rPr lang="en-GB" sz="2000" spc="100" dirty="0">
+                <a:solidFill>
+                  <a:srgbClr val="001A3E"/>
+                </a:solidFill>
+                <a:latin typeface="Nutmeg Regular" panose="00000500000000000000" pitchFamily="2" charset="0"/>
+                <a:ea typeface="Inter" panose="020B0502030000000004" pitchFamily="34" charset="0"/>
+                <a:cs typeface="Mark OT Light" charset="0"/>
+              </a:rPr>
+              <a:t>COMPREHENSIVE</a:t>
+            </a:r>
+            <a:endParaRPr lang="en-GB" sz="2800" spc="100" dirty="0">
+              <a:solidFill>
+                <a:srgbClr val="001A3E"/>
+              </a:solidFill>
+              <a:latin typeface="Nutmeg Regular" panose="00000500000000000000" pitchFamily="2" charset="0"/>
+              <a:ea typeface="Inter" panose="020B0502030000000004" pitchFamily="34" charset="0"/>
+              <a:cs typeface="Mark OT Light" charset="0"/>
+            </a:endParaRPr>
+          </a:p>
+          <a:p>
+            <a:pPr algn="ctr">
+              <a:lnSpc>
+                <a:spcPts val="5500"/>
+              </a:lnSpc>
+            </a:pPr>
+            <a:r>
+              <a:rPr lang="en-GB" sz="6600" spc="-210" dirty="0">
+                <a:solidFill>
+                  <a:srgbClr val="001A3E"/>
+                </a:solidFill>
+                <a:latin typeface="Nutmeg Black Italic" panose="00000900000000000000" pitchFamily="2" charset="0"/>
+                <a:ea typeface="Inter" panose="020B0502030000000004" pitchFamily="34" charset="0"/>
+                <a:cs typeface="Mark OT Light" charset="0"/>
+              </a:rPr>
+              <a:t>STUDY </a:t>
+            </a:r>
+            <a:br>
+              <a:rPr lang="en-GB" sz="6600" spc="-210" dirty="0">
+                <a:solidFill>
+                  <a:srgbClr val="001A3E"/>
+                </a:solidFill>
+                <a:latin typeface="Nutmeg Black Italic" panose="00000900000000000000" pitchFamily="2" charset="0"/>
+                <a:ea typeface="Inter" panose="020B0502030000000004" pitchFamily="34" charset="0"/>
+                <a:cs typeface="Mark OT Light" charset="0"/>
+              </a:rPr>
+            </a:br>
+            <a:r>
+              <a:rPr lang="en-GB" sz="6600" spc="-210" dirty="0">
+                <a:solidFill>
+                  <a:srgbClr val="001A3E"/>
+                </a:solidFill>
+                <a:latin typeface="Nutmeg Black Italic" panose="00000900000000000000" pitchFamily="2" charset="0"/>
+                <a:ea typeface="Inter" panose="020B0502030000000004" pitchFamily="34" charset="0"/>
+                <a:cs typeface="Mark OT Light" charset="0"/>
+              </a:rPr>
+              <a:t>GUIDE</a:t>
+            </a:r>
+          </a:p>
+        </p:txBody>
+      </p:sp>
+      <p:sp>
+        <p:nvSpPr>
+          <p:cNvPr id="14" name="TextBox 13">
+            <a:extLst>
+              <a:ext uri="{FF2B5EF4-FFF2-40B4-BE49-F238E27FC236}">
+                <a16:creationId xmlns:a16="http://schemas.microsoft.com/office/drawing/2014/main" id="{B4235A3A-5AD8-426B-B9A9-E6740CD8DB1A}"/>
+              </a:ext>
+            </a:extLst>
+          </p:cNvPr>
+          <p:cNvSpPr txBox="1"/>
+          <p:nvPr/>
+        </p:nvSpPr>
+        <p:spPr>
+          <a:xfrm rot="20991049">
+            <a:off x="1226612" y="1849261"/>
+            <a:ext cx="4879997" cy="623248"/>
+          </a:xfrm>
+          <a:prstGeom prst="rect">
+            <a:avLst/>
+          </a:prstGeom>
+          <a:noFill/>
+          <a:effectLst/>
+        </p:spPr>
+        <p:txBody>
+          <a:bodyPr wrap="square" anchor="ctr">
+            <a:spAutoFit/>
+          </a:bodyPr>
+          <a:lstStyle/>
+          <a:p>
+            <a:pPr algn="ctr">
+              <a:lnSpc>
+                <a:spcPts val="4400"/>
+              </a:lnSpc>
+            </a:pPr>
+            <a:r>
+              <a:rPr lang="en-GB" sz="2800" spc="100" dirty="0">
+                <a:solidFill>
+                  <a:srgbClr val="EFB504"/>
+                </a:solidFill>
+                <a:latin typeface="Bebas Neue" panose="020B0606020202050201" pitchFamily="34" charset="0"/>
+                <a:ea typeface="Inter" panose="020B0502030000000004" pitchFamily="34" charset="0"/>
+                <a:cs typeface="Mark OT Light" charset="0"/>
+              </a:rPr>
+              <a:t>PART 1</a:t>
+            </a:r>
+            <a:endParaRPr lang="en-GB" sz="4800" spc="-210" dirty="0">
+              <a:solidFill>
+                <a:srgbClr val="EFB504"/>
+              </a:solidFill>
+              <a:latin typeface="Bebas Neue" panose="020B0606020202050201" pitchFamily="34" charset="0"/>
+              <a:ea typeface="Inter" panose="020B0502030000000004" pitchFamily="34" charset="0"/>
+              <a:cs typeface="Mark OT Light" charset="0"/>
+            </a:endParaRPr>
+          </a:p>
+        </p:txBody>
+      </p:sp>
+    </p:spTree>
+    <p:extLst>
+      <p:ext uri="{BB962C8B-B14F-4D97-AF65-F5344CB8AC3E}">
+        <p14:creationId xmlns:p14="http://schemas.microsoft.com/office/powerpoint/2010/main" val="330472966"/>
+      </p:ext>
+    </p:extLst>
+  </p:cSld>
+  <p:clrMapOvr>
+    <a:masterClrMapping/>
+  </p:clrMapOvr>
+</p:sld>
+</file>
+
+<file path=ppt/slides/slide6.xml><?xml version="1.0" encoding="utf-8"?>
+<p:sld xmlns:a="http://schemas.openxmlformats.org/drawingml/2006/main" xmlns:r="http://schemas.openxmlformats.org/officeDocument/2006/relationships" xmlns:p="http://schemas.openxmlformats.org/presentationml/2006/main">
+  <p:cSld>
+    <p:spTree>
+      <p:nvGrpSpPr>
+        <p:cNvPr id="1" name=""/>
+        <p:cNvGrpSpPr/>
+        <p:nvPr/>
+      </p:nvGrpSpPr>
+      <p:grpSpPr>
+        <a:xfrm>
+          <a:off x="0" y="0"/>
+          <a:ext cx="0" cy="0"/>
+          <a:chOff x="0" y="0"/>
+          <a:chExt cx="0" cy="0"/>
+        </a:xfrm>
+      </p:grpSpPr>
+      <p:pic>
+        <p:nvPicPr>
+          <p:cNvPr id="16" name="Graphic 15">
+            <a:extLst>
+              <a:ext uri="{FF2B5EF4-FFF2-40B4-BE49-F238E27FC236}">
+                <a16:creationId xmlns:a16="http://schemas.microsoft.com/office/drawing/2014/main" id="{3314DD05-E841-4158-8982-E436D37DCE6D}"/>
+              </a:ext>
+            </a:extLst>
+          </p:cNvPr>
+          <p:cNvPicPr>
+            <a:picLocks noChangeAspect="1"/>
+          </p:cNvPicPr>
+          <p:nvPr/>
+        </p:nvPicPr>
+        <p:blipFill>
+          <a:blip r:embed="rId2">
+            <a:extLst>
+              <a:ext uri="{96DAC541-7B7A-43D3-8B79-37D633B846F1}">
+                <asvg:svgBlip xmlns:asvg="http://schemas.microsoft.com/office/drawing/2016/SVG/main" r:embed="rId3"/>
+              </a:ext>
+            </a:extLst>
+          </a:blip>
+          <a:stretch>
+            <a:fillRect/>
+          </a:stretch>
+        </p:blipFill>
+        <p:spPr>
+          <a:xfrm>
+            <a:off x="-1" y="0"/>
+            <a:ext cx="12252325" cy="5999162"/>
+          </a:xfrm>
+          <a:prstGeom prst="rect">
+            <a:avLst/>
+          </a:prstGeom>
+        </p:spPr>
+      </p:pic>
+      <p:pic>
+        <p:nvPicPr>
+          <p:cNvPr id="30" name="Graphic 29">
+            <a:extLst>
+              <a:ext uri="{FF2B5EF4-FFF2-40B4-BE49-F238E27FC236}">
+                <a16:creationId xmlns:a16="http://schemas.microsoft.com/office/drawing/2014/main" id="{9C8D9F47-FD33-4F01-B87B-521FBF0F3900}"/>
+              </a:ext>
+            </a:extLst>
+          </p:cNvPr>
+          <p:cNvPicPr>
+            <a:picLocks noChangeAspect="1"/>
+          </p:cNvPicPr>
+          <p:nvPr/>
+        </p:nvPicPr>
+        <p:blipFill>
+          <a:blip r:embed="rId4">
+            <a:extLst>
+              <a:ext uri="{96DAC541-7B7A-43D3-8B79-37D633B846F1}">
+                <asvg:svgBlip xmlns:asvg="http://schemas.microsoft.com/office/drawing/2016/SVG/main" r:embed="rId5"/>
+              </a:ext>
+            </a:extLst>
+          </a:blip>
+          <a:stretch>
+            <a:fillRect/>
+          </a:stretch>
+        </p:blipFill>
+        <p:spPr>
+          <a:xfrm>
+            <a:off x="737091" y="1653562"/>
+            <a:ext cx="4238305" cy="3271457"/>
+          </a:xfrm>
+          <a:prstGeom prst="rect">
+            <a:avLst/>
+          </a:prstGeom>
+          <a:effectLst>
+            <a:outerShdw blurRad="228600" dist="38100" dir="2700000" algn="tl" rotWithShape="0">
+              <a:prstClr val="black">
+                <a:alpha val="40000"/>
+              </a:prstClr>
+            </a:outerShdw>
+          </a:effectLst>
+        </p:spPr>
+      </p:pic>
+      <p:grpSp>
+        <p:nvGrpSpPr>
+          <p:cNvPr id="37" name="Group 36">
+            <a:extLst>
+              <a:ext uri="{FF2B5EF4-FFF2-40B4-BE49-F238E27FC236}">
+                <a16:creationId xmlns:a16="http://schemas.microsoft.com/office/drawing/2014/main" id="{912968AE-1A7A-43C1-B782-41E2C71A9B4F}"/>
+              </a:ext>
+            </a:extLst>
+          </p:cNvPr>
+          <p:cNvGrpSpPr/>
+          <p:nvPr/>
+        </p:nvGrpSpPr>
+        <p:grpSpPr>
+          <a:xfrm>
+            <a:off x="336958" y="183393"/>
+            <a:ext cx="2164943" cy="586522"/>
+            <a:chOff x="336958" y="183393"/>
+            <a:chExt cx="2164943" cy="586522"/>
+          </a:xfrm>
+        </p:grpSpPr>
+        <p:sp>
+          <p:nvSpPr>
+            <p:cNvPr id="17" name="Title 3">
+              <a:extLst>
+                <a:ext uri="{FF2B5EF4-FFF2-40B4-BE49-F238E27FC236}">
+                  <a16:creationId xmlns:a16="http://schemas.microsoft.com/office/drawing/2014/main" id="{C81C530D-D835-4A1A-81BE-BE9F0DE02236}"/>
+                </a:ext>
+              </a:extLst>
+            </p:cNvPr>
+            <p:cNvSpPr txBox="1">
+              <a:spLocks/>
+            </p:cNvSpPr>
+            <p:nvPr/>
+          </p:nvSpPr>
+          <p:spPr>
+            <a:xfrm>
+              <a:off x="716267" y="183393"/>
+              <a:ext cx="1785634" cy="586522"/>
+            </a:xfrm>
+            <a:prstGeom prst="rect">
+              <a:avLst/>
+            </a:prstGeom>
+            <a:effectLst/>
+          </p:spPr>
+          <p:txBody>
+            <a:bodyPr lIns="0" tIns="0" rIns="0" bIns="0" anchor="ctr">
+              <a:noAutofit/>
+            </a:bodyPr>
+            <a:lstStyle>
+              <a:lvl1pPr algn="l" defTabSz="914355" rtl="0" eaLnBrk="1" latinLnBrk="0" hangingPunct="1">
+                <a:lnSpc>
+                  <a:spcPct val="90000"/>
+                </a:lnSpc>
+                <a:spcBef>
+                  <a:spcPct val="0"/>
+                </a:spcBef>
+                <a:buNone/>
+                <a:defRPr sz="2800" b="0" i="0" kern="1200" spc="0" baseline="0">
+                  <a:solidFill>
+                    <a:schemeClr val="accent2"/>
+                  </a:solidFill>
+                  <a:latin typeface="+mj-lt"/>
+                  <a:ea typeface="+mj-ea"/>
+                  <a:cs typeface="Century Gothic Regular" charset="0"/>
+                </a:defRPr>
+              </a:lvl1pPr>
+            </a:lstStyle>
+            <a:p>
+              <a:pPr>
+                <a:lnSpc>
+                  <a:spcPct val="100000"/>
+                </a:lnSpc>
+              </a:pPr>
+              <a:r>
+                <a:rPr lang="en-GB" sz="2000" spc="-143" dirty="0">
+                  <a:solidFill>
+                    <a:srgbClr val="001A3E"/>
+                  </a:solidFill>
+                  <a:latin typeface="Inter SemiBold" panose="020B0502030000000004" pitchFamily="34" charset="0"/>
+                  <a:ea typeface="Inter SemiBold" panose="020B0502030000000004" pitchFamily="34" charset="0"/>
+                  <a:cs typeface="Mark OT Light" charset="0"/>
+                </a:rPr>
+                <a:t>rakirahman.me</a:t>
+              </a:r>
+            </a:p>
+          </p:txBody>
+        </p:sp>
+        <p:grpSp>
+          <p:nvGrpSpPr>
+            <p:cNvPr id="36" name="Group 35">
+              <a:extLst>
+                <a:ext uri="{FF2B5EF4-FFF2-40B4-BE49-F238E27FC236}">
+                  <a16:creationId xmlns:a16="http://schemas.microsoft.com/office/drawing/2014/main" id="{7BF3B3F5-DAF0-4F2A-B1C5-21D1ABFA0C0F}"/>
+                </a:ext>
+              </a:extLst>
+            </p:cNvPr>
+            <p:cNvGrpSpPr/>
+            <p:nvPr/>
+          </p:nvGrpSpPr>
+          <p:grpSpPr>
+            <a:xfrm>
+              <a:off x="336958" y="313998"/>
+              <a:ext cx="310070" cy="310070"/>
+              <a:chOff x="336958" y="313998"/>
+              <a:chExt cx="310070" cy="310070"/>
+            </a:xfrm>
+          </p:grpSpPr>
+          <p:sp>
+            <p:nvSpPr>
+              <p:cNvPr id="10" name="Oval 9">
+                <a:extLst>
+                  <a:ext uri="{FF2B5EF4-FFF2-40B4-BE49-F238E27FC236}">
+                    <a16:creationId xmlns:a16="http://schemas.microsoft.com/office/drawing/2014/main" id="{9DF77205-F447-474E-B06F-477A11C4D33E}"/>
+                  </a:ext>
+                </a:extLst>
+              </p:cNvPr>
+              <p:cNvSpPr/>
+              <p:nvPr/>
+            </p:nvSpPr>
+            <p:spPr>
+              <a:xfrm>
+                <a:off x="336958" y="313998"/>
+                <a:ext cx="310070" cy="310070"/>
+              </a:xfrm>
+              <a:prstGeom prst="ellipse">
+                <a:avLst/>
+              </a:prstGeom>
+              <a:solidFill>
+                <a:srgbClr val="001A3E"/>
+              </a:solidFill>
+              <a:ln>
+                <a:noFill/>
+              </a:ln>
+              <a:effectLst/>
+            </p:spPr>
+            <p:style>
+              <a:lnRef idx="2">
+                <a:schemeClr val="accent1">
+                  <a:shade val="50000"/>
+                </a:schemeClr>
+              </a:lnRef>
+              <a:fillRef idx="1">
+                <a:schemeClr val="accent1"/>
+              </a:fillRef>
+              <a:effectRef idx="0">
+                <a:schemeClr val="accent1"/>
+              </a:effectRef>
+              <a:fontRef idx="minor">
+                <a:schemeClr val="lt1"/>
+              </a:fontRef>
+            </p:style>
+            <p:txBody>
+              <a:bodyPr rtlCol="0" anchor="ctr"/>
+              <a:lstStyle/>
+              <a:p>
+                <a:pPr algn="ctr"/>
+                <a:endParaRPr lang="en-US" dirty="0"/>
+              </a:p>
+            </p:txBody>
+          </p:sp>
+          <p:pic>
+            <p:nvPicPr>
+              <p:cNvPr id="35" name="Picture 34">
+                <a:extLst>
+                  <a:ext uri="{FF2B5EF4-FFF2-40B4-BE49-F238E27FC236}">
+                    <a16:creationId xmlns:a16="http://schemas.microsoft.com/office/drawing/2014/main" id="{35CFC7CD-38EF-4FB8-A968-97D0473BA258}"/>
+                  </a:ext>
+                </a:extLst>
+              </p:cNvPr>
+              <p:cNvPicPr>
+                <a:picLocks noChangeAspect="1"/>
+              </p:cNvPicPr>
+              <p:nvPr/>
+            </p:nvPicPr>
+            <p:blipFill>
+              <a:blip r:embed="rId6">
+                <a:extLst>
+                  <a:ext uri="{28A0092B-C50C-407E-A947-70E740481C1C}">
+                    <a14:useLocalDpi xmlns:a14="http://schemas.microsoft.com/office/drawing/2010/main" val="0"/>
+                  </a:ext>
+                </a:extLst>
+              </a:blip>
+              <a:stretch>
+                <a:fillRect/>
+              </a:stretch>
+            </p:blipFill>
+            <p:spPr>
+              <a:xfrm>
+                <a:off x="362920" y="339960"/>
+                <a:ext cx="258147" cy="258147"/>
+              </a:xfrm>
+              <a:prstGeom prst="ellipse">
+                <a:avLst/>
+              </a:prstGeom>
+            </p:spPr>
+          </p:pic>
+        </p:grpSp>
+      </p:grpSp>
+      <p:grpSp>
+        <p:nvGrpSpPr>
+          <p:cNvPr id="31" name="Group 30">
+            <a:extLst>
+              <a:ext uri="{FF2B5EF4-FFF2-40B4-BE49-F238E27FC236}">
+                <a16:creationId xmlns:a16="http://schemas.microsoft.com/office/drawing/2014/main" id="{F7A52655-41BB-4EA3-AD92-FFB63DED5237}"/>
+              </a:ext>
+            </a:extLst>
+          </p:cNvPr>
+          <p:cNvGrpSpPr/>
+          <p:nvPr/>
+        </p:nvGrpSpPr>
+        <p:grpSpPr>
+          <a:xfrm>
+            <a:off x="7962900" y="1238249"/>
+            <a:ext cx="3919000" cy="4102083"/>
+            <a:chOff x="7962900" y="1238249"/>
+            <a:chExt cx="3919000" cy="4102083"/>
+          </a:xfrm>
+        </p:grpSpPr>
+        <p:sp>
+          <p:nvSpPr>
+            <p:cNvPr id="13" name="Oval 12">
+              <a:extLst>
+                <a:ext uri="{FF2B5EF4-FFF2-40B4-BE49-F238E27FC236}">
+                  <a16:creationId xmlns:a16="http://schemas.microsoft.com/office/drawing/2014/main" id="{E6C7DC24-8059-42CD-A673-0415702D9A9C}"/>
+                </a:ext>
+              </a:extLst>
+            </p:cNvPr>
+            <p:cNvSpPr/>
+            <p:nvPr/>
+          </p:nvSpPr>
+          <p:spPr>
+            <a:xfrm>
+              <a:off x="7962900" y="1238249"/>
+              <a:ext cx="3919000" cy="3919000"/>
+            </a:xfrm>
+            <a:prstGeom prst="ellipse">
+              <a:avLst/>
+            </a:prstGeom>
+            <a:solidFill>
+              <a:srgbClr val="FFF67F"/>
+            </a:solidFill>
+            <a:ln>
+              <a:noFill/>
+            </a:ln>
+          </p:spPr>
+          <p:style>
+            <a:lnRef idx="2">
+              <a:schemeClr val="accent1">
+                <a:shade val="50000"/>
+              </a:schemeClr>
+            </a:lnRef>
+            <a:fillRef idx="1">
+              <a:schemeClr val="accent1"/>
+            </a:fillRef>
+            <a:effectRef idx="0">
+              <a:schemeClr val="accent1"/>
+            </a:effectRef>
+            <a:fontRef idx="minor">
+              <a:schemeClr val="lt1"/>
+            </a:fontRef>
+          </p:style>
+          <p:txBody>
+            <a:bodyPr rtlCol="0" anchor="ctr"/>
+            <a:lstStyle/>
+            <a:p>
+              <a:pPr algn="ctr"/>
+              <a:endParaRPr lang="en-US"/>
+            </a:p>
+          </p:txBody>
+        </p:sp>
+        <p:grpSp>
+          <p:nvGrpSpPr>
+            <p:cNvPr id="19" name="Group 18">
+              <a:extLst>
+                <a:ext uri="{FF2B5EF4-FFF2-40B4-BE49-F238E27FC236}">
+                  <a16:creationId xmlns:a16="http://schemas.microsoft.com/office/drawing/2014/main" id="{022244C5-3729-4FB9-987F-F7E23DD4575D}"/>
+                </a:ext>
+              </a:extLst>
+            </p:cNvPr>
+            <p:cNvGrpSpPr/>
+            <p:nvPr/>
+          </p:nvGrpSpPr>
+          <p:grpSpPr>
+            <a:xfrm>
+              <a:off x="8252807" y="1631401"/>
+              <a:ext cx="3339185" cy="3708931"/>
+              <a:chOff x="8252808" y="1582225"/>
+              <a:chExt cx="3339185" cy="3708931"/>
+            </a:xfrm>
+          </p:grpSpPr>
+          <p:pic>
+            <p:nvPicPr>
+              <p:cNvPr id="3" name="Picture 2">
+                <a:extLst>
+                  <a:ext uri="{FF2B5EF4-FFF2-40B4-BE49-F238E27FC236}">
+                    <a16:creationId xmlns:a16="http://schemas.microsoft.com/office/drawing/2014/main" id="{53A78B2B-54C4-45AB-9C8B-9DF1FEC4A250}"/>
+                  </a:ext>
+                </a:extLst>
+              </p:cNvPr>
+              <p:cNvPicPr>
+                <a:picLocks noChangeAspect="1"/>
+              </p:cNvPicPr>
+              <p:nvPr/>
+            </p:nvPicPr>
+            <p:blipFill>
+              <a:blip r:embed="rId7">
+                <a:extLst>
+                  <a:ext uri="{28A0092B-C50C-407E-A947-70E740481C1C}">
+                    <a14:useLocalDpi xmlns:a14="http://schemas.microsoft.com/office/drawing/2010/main" val="0"/>
+                  </a:ext>
+                </a:extLst>
+              </a:blip>
+              <a:stretch>
+                <a:fillRect/>
+              </a:stretch>
+            </p:blipFill>
+            <p:spPr>
+              <a:xfrm>
+                <a:off x="8252808" y="1582225"/>
+                <a:ext cx="3339185" cy="3708931"/>
+              </a:xfrm>
+              <a:prstGeom prst="rect">
+                <a:avLst/>
+              </a:prstGeom>
+              <a:effectLst>
+                <a:outerShdw blurRad="50800" dist="38100" dir="2700000" algn="tl" rotWithShape="0">
+                  <a:prstClr val="black">
+                    <a:alpha val="40000"/>
+                  </a:prstClr>
+                </a:outerShdw>
+              </a:effectLst>
+            </p:spPr>
+          </p:pic>
+          <p:sp>
+            <p:nvSpPr>
+              <p:cNvPr id="18" name="Rectangle 17">
+                <a:extLst>
+                  <a:ext uri="{FF2B5EF4-FFF2-40B4-BE49-F238E27FC236}">
+                    <a16:creationId xmlns:a16="http://schemas.microsoft.com/office/drawing/2014/main" id="{52244397-FDB0-40F6-8FED-09A88D6909B3}"/>
+                  </a:ext>
+                </a:extLst>
+              </p:cNvPr>
+              <p:cNvSpPr/>
+              <p:nvPr/>
+            </p:nvSpPr>
+            <p:spPr>
+              <a:xfrm>
+                <a:off x="8874650" y="3460939"/>
+                <a:ext cx="2095500" cy="262423"/>
+              </a:xfrm>
+              <a:prstGeom prst="rect">
+                <a:avLst/>
+              </a:prstGeom>
+              <a:solidFill>
+                <a:srgbClr val="FFFFFF"/>
+              </a:solidFill>
+              <a:ln>
+                <a:noFill/>
+              </a:ln>
+            </p:spPr>
+            <p:style>
+              <a:lnRef idx="2">
+                <a:schemeClr val="accent1">
+                  <a:shade val="50000"/>
+                </a:schemeClr>
+              </a:lnRef>
+              <a:fillRef idx="1">
+                <a:schemeClr val="accent1"/>
+              </a:fillRef>
+              <a:effectRef idx="0">
+                <a:schemeClr val="accent1"/>
+              </a:effectRef>
+              <a:fontRef idx="minor">
+                <a:schemeClr val="lt1"/>
+              </a:fontRef>
+            </p:style>
+            <p:txBody>
+              <a:bodyPr rtlCol="0" anchor="ctr"/>
+              <a:lstStyle/>
+              <a:p>
+                <a:pPr algn="ctr"/>
+                <a:endParaRPr lang="en-US">
+                  <a:solidFill>
+                    <a:srgbClr val="FFFFFF"/>
+                  </a:solidFill>
+                </a:endParaRPr>
+              </a:p>
+            </p:txBody>
+          </p:sp>
+          <p:pic>
+            <p:nvPicPr>
+              <p:cNvPr id="7" name="Picture 6">
+                <a:extLst>
+                  <a:ext uri="{FF2B5EF4-FFF2-40B4-BE49-F238E27FC236}">
+                    <a16:creationId xmlns:a16="http://schemas.microsoft.com/office/drawing/2014/main" id="{AAC3DB36-52F1-4CEF-AACE-6A4777A6AA93}"/>
+                  </a:ext>
+                </a:extLst>
+              </p:cNvPr>
+              <p:cNvPicPr>
+                <a:picLocks noChangeAspect="1"/>
+              </p:cNvPicPr>
+              <p:nvPr/>
+            </p:nvPicPr>
+            <p:blipFill>
+              <a:blip r:embed="rId8">
+                <a:extLst>
+                  <a:ext uri="{28A0092B-C50C-407E-A947-70E740481C1C}">
+                    <a14:useLocalDpi xmlns:a14="http://schemas.microsoft.com/office/drawing/2010/main" val="0"/>
+                  </a:ext>
+                </a:extLst>
+              </a:blip>
+              <a:stretch>
+                <a:fillRect/>
+              </a:stretch>
+            </p:blipFill>
+            <p:spPr>
+              <a:xfrm>
+                <a:off x="9275877" y="3460939"/>
+                <a:ext cx="1293046" cy="658981"/>
+              </a:xfrm>
+              <a:prstGeom prst="rect">
+                <a:avLst/>
+              </a:prstGeom>
+            </p:spPr>
+          </p:pic>
+        </p:grpSp>
+      </p:grpSp>
+      <p:sp>
+        <p:nvSpPr>
+          <p:cNvPr id="22" name="TextBox 21">
+            <a:extLst>
+              <a:ext uri="{FF2B5EF4-FFF2-40B4-BE49-F238E27FC236}">
+                <a16:creationId xmlns:a16="http://schemas.microsoft.com/office/drawing/2014/main" id="{35F038A1-1D7B-4A52-BF04-3AD4EA6BF06F}"/>
+              </a:ext>
+            </a:extLst>
+          </p:cNvPr>
+          <p:cNvSpPr txBox="1"/>
+          <p:nvPr/>
+        </p:nvSpPr>
+        <p:spPr>
+          <a:xfrm rot="20991049">
+            <a:off x="-449553" y="2399234"/>
+            <a:ext cx="6408991" cy="2221762"/>
+          </a:xfrm>
+          <a:prstGeom prst="rect">
+            <a:avLst/>
+          </a:prstGeom>
+          <a:noFill/>
+          <a:effectLst/>
+        </p:spPr>
+        <p:txBody>
+          <a:bodyPr wrap="square" anchor="ctr">
+            <a:spAutoFit/>
+          </a:bodyPr>
+          <a:lstStyle/>
+          <a:p>
+            <a:pPr algn="ctr">
+              <a:lnSpc>
+                <a:spcPts val="5000"/>
+              </a:lnSpc>
+            </a:pPr>
+            <a:r>
+              <a:rPr lang="en-GB" sz="2000" spc="100" dirty="0">
+                <a:solidFill>
+                  <a:srgbClr val="001A3E"/>
+                </a:solidFill>
+                <a:latin typeface="Nutmeg Regular" panose="00000500000000000000" pitchFamily="2" charset="0"/>
+                <a:ea typeface="Inter" panose="020B0502030000000004" pitchFamily="34" charset="0"/>
+                <a:cs typeface="Mark OT Light" charset="0"/>
+              </a:rPr>
+              <a:t>COMPREHENSIVE</a:t>
+            </a:r>
+            <a:endParaRPr lang="en-GB" sz="2800" spc="100" dirty="0">
+              <a:solidFill>
+                <a:srgbClr val="001A3E"/>
+              </a:solidFill>
+              <a:latin typeface="Nutmeg Regular" panose="00000500000000000000" pitchFamily="2" charset="0"/>
+              <a:ea typeface="Inter" panose="020B0502030000000004" pitchFamily="34" charset="0"/>
+              <a:cs typeface="Mark OT Light" charset="0"/>
+            </a:endParaRPr>
+          </a:p>
+          <a:p>
+            <a:pPr algn="ctr">
+              <a:lnSpc>
+                <a:spcPts val="5500"/>
+              </a:lnSpc>
+            </a:pPr>
+            <a:r>
+              <a:rPr lang="en-GB" sz="6600" spc="-210" dirty="0">
+                <a:solidFill>
+                  <a:srgbClr val="001A3E"/>
+                </a:solidFill>
+                <a:latin typeface="Nutmeg Black Italic" panose="00000900000000000000" pitchFamily="2" charset="0"/>
+                <a:ea typeface="Inter" panose="020B0502030000000004" pitchFamily="34" charset="0"/>
+                <a:cs typeface="Mark OT Light" charset="0"/>
+              </a:rPr>
+              <a:t>STUDY </a:t>
+            </a:r>
+            <a:br>
+              <a:rPr lang="en-GB" sz="6600" spc="-210" dirty="0">
+                <a:solidFill>
+                  <a:srgbClr val="001A3E"/>
+                </a:solidFill>
+                <a:latin typeface="Nutmeg Black Italic" panose="00000900000000000000" pitchFamily="2" charset="0"/>
+                <a:ea typeface="Inter" panose="020B0502030000000004" pitchFamily="34" charset="0"/>
+                <a:cs typeface="Mark OT Light" charset="0"/>
+              </a:rPr>
+            </a:br>
+            <a:r>
+              <a:rPr lang="en-GB" sz="6600" spc="-210" dirty="0">
+                <a:solidFill>
+                  <a:srgbClr val="001A3E"/>
+                </a:solidFill>
+                <a:latin typeface="Nutmeg Black Italic" panose="00000900000000000000" pitchFamily="2" charset="0"/>
+                <a:ea typeface="Inter" panose="020B0502030000000004" pitchFamily="34" charset="0"/>
+                <a:cs typeface="Mark OT Light" charset="0"/>
+              </a:rPr>
+              <a:t>GUIDE</a:t>
+            </a:r>
+          </a:p>
+        </p:txBody>
+      </p:sp>
+      <p:sp>
+        <p:nvSpPr>
+          <p:cNvPr id="14" name="TextBox 13">
+            <a:extLst>
+              <a:ext uri="{FF2B5EF4-FFF2-40B4-BE49-F238E27FC236}">
+                <a16:creationId xmlns:a16="http://schemas.microsoft.com/office/drawing/2014/main" id="{B4235A3A-5AD8-426B-B9A9-E6740CD8DB1A}"/>
+              </a:ext>
+            </a:extLst>
+          </p:cNvPr>
+          <p:cNvSpPr txBox="1"/>
+          <p:nvPr/>
+        </p:nvSpPr>
+        <p:spPr>
+          <a:xfrm rot="20991049">
+            <a:off x="1226612" y="1849261"/>
+            <a:ext cx="4879997" cy="623248"/>
+          </a:xfrm>
+          <a:prstGeom prst="rect">
+            <a:avLst/>
+          </a:prstGeom>
+          <a:noFill/>
+          <a:effectLst/>
+        </p:spPr>
+        <p:txBody>
+          <a:bodyPr wrap="square" anchor="ctr">
+            <a:spAutoFit/>
+          </a:bodyPr>
+          <a:lstStyle/>
+          <a:p>
+            <a:pPr algn="ctr">
+              <a:lnSpc>
+                <a:spcPts val="4400"/>
+              </a:lnSpc>
+            </a:pPr>
+            <a:r>
+              <a:rPr lang="en-GB" sz="2800" spc="100" dirty="0">
+                <a:solidFill>
+                  <a:srgbClr val="EFB504"/>
+                </a:solidFill>
+                <a:latin typeface="Bebas Neue" panose="020B0606020202050201" pitchFamily="34" charset="0"/>
+                <a:ea typeface="Inter" panose="020B0502030000000004" pitchFamily="34" charset="0"/>
+                <a:cs typeface="Mark OT Light" charset="0"/>
+              </a:rPr>
+              <a:t>PART 2</a:t>
+            </a:r>
+            <a:endParaRPr lang="en-GB" sz="4800" spc="-210" dirty="0">
+              <a:solidFill>
+                <a:srgbClr val="EFB504"/>
+              </a:solidFill>
+              <a:latin typeface="Bebas Neue" panose="020B0606020202050201" pitchFamily="34" charset="0"/>
+              <a:ea typeface="Inter" panose="020B0502030000000004" pitchFamily="34" charset="0"/>
+              <a:cs typeface="Mark OT Light" charset="0"/>
+            </a:endParaRPr>
+          </a:p>
+        </p:txBody>
+      </p:sp>
+    </p:spTree>
+    <p:extLst>
+      <p:ext uri="{BB962C8B-B14F-4D97-AF65-F5344CB8AC3E}">
+        <p14:creationId xmlns:p14="http://schemas.microsoft.com/office/powerpoint/2010/main" val="1092842927"/>
+      </p:ext>
+    </p:extLst>
+  </p:cSld>
+  <p:clrMapOvr>
+    <a:masterClrMapping/>
+  </p:clrMapOvr>
+</p:sld>
+</file>
+
 <file path=ppt/theme/theme1.xml><?xml version="1.0" encoding="utf-8"?>
 <a:theme xmlns:a="http://schemas.openxmlformats.org/drawingml/2006/main" name="Office Theme">
   <a:themeElements>

--- a/src/assets/graphics/PPT/post-headers.pptx
+++ b/src/assets/graphics/PPT/post-headers.pptx
@@ -3874,7 +3874,7 @@
         </p:nvGrpSpPr>
         <p:grpSpPr>
           <a:xfrm>
-            <a:off x="345282" y="183393"/>
+            <a:off x="530637" y="183393"/>
             <a:ext cx="2156619" cy="586522"/>
             <a:chOff x="765730" y="11263"/>
             <a:chExt cx="2769488" cy="753200"/>
@@ -4526,7 +4526,7 @@
         </p:nvGrpSpPr>
         <p:grpSpPr>
           <a:xfrm>
-            <a:off x="336958" y="183393"/>
+            <a:off x="522313" y="183393"/>
             <a:ext cx="2164943" cy="586522"/>
             <a:chOff x="336958" y="183393"/>
             <a:chExt cx="2164943" cy="586522"/>
@@ -4781,67 +4781,6 @@
           </a:prstGeom>
         </p:spPr>
       </p:pic>
-      <p:sp>
-        <p:nvSpPr>
-          <p:cNvPr id="39" name="Rectangle: Rounded Corners 38">
-            <a:extLst>
-              <a:ext uri="{FF2B5EF4-FFF2-40B4-BE49-F238E27FC236}">
-                <a16:creationId xmlns:a16="http://schemas.microsoft.com/office/drawing/2014/main" id="{176A8D73-B85D-46B7-B4DF-A5A6C1E4B81F}"/>
-              </a:ext>
-            </a:extLst>
-          </p:cNvPr>
-          <p:cNvSpPr/>
-          <p:nvPr/>
-        </p:nvSpPr>
-        <p:spPr>
-          <a:xfrm>
-            <a:off x="259080" y="243840"/>
-            <a:ext cx="2162570" cy="464820"/>
-          </a:xfrm>
-          <a:prstGeom prst="roundRect">
-            <a:avLst/>
-          </a:prstGeom>
-          <a:solidFill>
-            <a:schemeClr val="tx1">
-              <a:alpha val="14000"/>
-            </a:schemeClr>
-          </a:solidFill>
-          <a:ln>
-            <a:noFill/>
-          </a:ln>
-          <a:effectLst>
-            <a:outerShdw blurRad="50800" dist="38100" dir="2700000" algn="tl" rotWithShape="0">
-              <a:prstClr val="black">
-                <a:alpha val="40000"/>
-              </a:prstClr>
-            </a:outerShdw>
-          </a:effectLst>
-        </p:spPr>
-        <p:style>
-          <a:lnRef idx="2">
-            <a:schemeClr val="accent1">
-              <a:shade val="50000"/>
-            </a:schemeClr>
-          </a:lnRef>
-          <a:fillRef idx="1">
-            <a:schemeClr val="accent1"/>
-          </a:fillRef>
-          <a:effectRef idx="0">
-            <a:schemeClr val="accent1"/>
-          </a:effectRef>
-          <a:fontRef idx="minor">
-            <a:schemeClr val="lt1"/>
-          </a:fontRef>
-        </p:style>
-        <p:txBody>
-          <a:bodyPr rtlCol="0" anchor="ctr"/>
-          <a:lstStyle/>
-          <a:p>
-            <a:pPr algn="ctr"/>
-            <a:endParaRPr lang="en-US"/>
-          </a:p>
-        </p:txBody>
-      </p:sp>
       <p:grpSp>
         <p:nvGrpSpPr>
           <p:cNvPr id="26" name="Group 25">
@@ -5007,10 +4946,10 @@
       </p:grpSp>
       <p:grpSp>
         <p:nvGrpSpPr>
-          <p:cNvPr id="37" name="Group 36">
+          <p:cNvPr id="2" name="Group 1">
             <a:extLst>
               <a:ext uri="{FF2B5EF4-FFF2-40B4-BE49-F238E27FC236}">
-                <a16:creationId xmlns:a16="http://schemas.microsoft.com/office/drawing/2014/main" id="{912968AE-1A7A-43C1-B782-41E2C71A9B4F}"/>
+                <a16:creationId xmlns:a16="http://schemas.microsoft.com/office/drawing/2014/main" id="{77ED9442-E324-469C-AC09-FAB22059B76D}"/>
               </a:ext>
             </a:extLst>
           </p:cNvPr>
@@ -5019,34 +4958,40 @@
         </p:nvGrpSpPr>
         <p:grpSpPr>
           <a:xfrm>
-            <a:off x="336958" y="183393"/>
-            <a:ext cx="2164943" cy="586522"/>
-            <a:chOff x="336958" y="183393"/>
-            <a:chExt cx="2164943" cy="586522"/>
+            <a:off x="444435" y="183393"/>
+            <a:ext cx="2242821" cy="586522"/>
+            <a:chOff x="259080" y="183393"/>
+            <a:chExt cx="2242821" cy="586522"/>
           </a:xfrm>
         </p:grpSpPr>
         <p:sp>
           <p:nvSpPr>
-            <p:cNvPr id="17" name="Title 3">
+            <p:cNvPr id="39" name="Rectangle: Rounded Corners 38">
               <a:extLst>
                 <a:ext uri="{FF2B5EF4-FFF2-40B4-BE49-F238E27FC236}">
-                  <a16:creationId xmlns:a16="http://schemas.microsoft.com/office/drawing/2014/main" id="{C81C530D-D835-4A1A-81BE-BE9F0DE02236}"/>
+                  <a16:creationId xmlns:a16="http://schemas.microsoft.com/office/drawing/2014/main" id="{176A8D73-B85D-46B7-B4DF-A5A6C1E4B81F}"/>
                 </a:ext>
               </a:extLst>
             </p:cNvPr>
-            <p:cNvSpPr txBox="1">
-              <a:spLocks/>
-            </p:cNvSpPr>
+            <p:cNvSpPr/>
             <p:nvPr/>
           </p:nvSpPr>
           <p:spPr>
             <a:xfrm>
-              <a:off x="716267" y="183393"/>
-              <a:ext cx="1785634" cy="586522"/>
+              <a:off x="259080" y="243840"/>
+              <a:ext cx="2162570" cy="464820"/>
             </a:xfrm>
-            <a:prstGeom prst="rect">
+            <a:prstGeom prst="roundRect">
               <a:avLst/>
             </a:prstGeom>
+            <a:solidFill>
+              <a:schemeClr val="tx1">
+                <a:alpha val="14000"/>
+              </a:schemeClr>
+            </a:solidFill>
+            <a:ln>
+              <a:noFill/>
+            </a:ln>
             <a:effectLst>
               <a:outerShdw blurRad="50800" dist="38100" dir="2700000" algn="tl" rotWithShape="0">
                 <a:prstClr val="black">
@@ -5055,55 +5000,37 @@
               </a:outerShdw>
             </a:effectLst>
           </p:spPr>
+          <p:style>
+            <a:lnRef idx="2">
+              <a:schemeClr val="accent1">
+                <a:shade val="50000"/>
+              </a:schemeClr>
+            </a:lnRef>
+            <a:fillRef idx="1">
+              <a:schemeClr val="accent1"/>
+            </a:fillRef>
+            <a:effectRef idx="0">
+              <a:schemeClr val="accent1"/>
+            </a:effectRef>
+            <a:fontRef idx="minor">
+              <a:schemeClr val="lt1"/>
+            </a:fontRef>
+          </p:style>
           <p:txBody>
-            <a:bodyPr lIns="0" tIns="0" rIns="0" bIns="0" anchor="ctr">
-              <a:noAutofit/>
-            </a:bodyPr>
-            <a:lstStyle>
-              <a:lvl1pPr algn="l" defTabSz="914355" rtl="0" eaLnBrk="1" latinLnBrk="0" hangingPunct="1">
-                <a:lnSpc>
-                  <a:spcPct val="90000"/>
-                </a:lnSpc>
-                <a:spcBef>
-                  <a:spcPct val="0"/>
-                </a:spcBef>
-                <a:buNone/>
-                <a:defRPr sz="2800" b="0" i="0" kern="1200" spc="0" baseline="0">
-                  <a:solidFill>
-                    <a:schemeClr val="accent2"/>
-                  </a:solidFill>
-                  <a:latin typeface="+mj-lt"/>
-                  <a:ea typeface="+mj-ea"/>
-                  <a:cs typeface="Century Gothic Regular" charset="0"/>
-                </a:defRPr>
-              </a:lvl1pPr>
-            </a:lstStyle>
+            <a:bodyPr rtlCol="0" anchor="ctr"/>
+            <a:lstStyle/>
             <a:p>
-              <a:pPr>
-                <a:lnSpc>
-                  <a:spcPct val="100000"/>
-                </a:lnSpc>
-              </a:pPr>
-              <a:r>
-                <a:rPr lang="en-GB" sz="2000" spc="-143" dirty="0">
-                  <a:solidFill>
-                    <a:schemeClr val="bg1"/>
-                  </a:solidFill>
-                  <a:latin typeface="Inter SemiBold" panose="020B0502030000000004" pitchFamily="34" charset="0"/>
-                  <a:ea typeface="Inter SemiBold" panose="020B0502030000000004" pitchFamily="34" charset="0"/>
-                  <a:cs typeface="Mark OT Light" charset="0"/>
-                </a:rPr>
-                <a:t>rakirahman.me</a:t>
-              </a:r>
+              <a:pPr algn="ctr"/>
+              <a:endParaRPr lang="en-US"/>
             </a:p>
           </p:txBody>
         </p:sp>
         <p:grpSp>
           <p:nvGrpSpPr>
-            <p:cNvPr id="36" name="Group 35">
+            <p:cNvPr id="37" name="Group 36">
               <a:extLst>
                 <a:ext uri="{FF2B5EF4-FFF2-40B4-BE49-F238E27FC236}">
-                  <a16:creationId xmlns:a16="http://schemas.microsoft.com/office/drawing/2014/main" id="{7BF3B3F5-DAF0-4F2A-B1C5-21D1ABFA0C0F}"/>
+                  <a16:creationId xmlns:a16="http://schemas.microsoft.com/office/drawing/2014/main" id="{912968AE-1A7A-43C1-B782-41E2C71A9B4F}"/>
                 </a:ext>
               </a:extLst>
             </p:cNvPr>
@@ -5112,38 +5039,34 @@
           </p:nvGrpSpPr>
           <p:grpSpPr>
             <a:xfrm>
-              <a:off x="336958" y="313998"/>
-              <a:ext cx="310070" cy="310070"/>
-              <a:chOff x="336958" y="313998"/>
-              <a:chExt cx="310070" cy="310070"/>
+              <a:off x="336958" y="183393"/>
+              <a:ext cx="2164943" cy="586522"/>
+              <a:chOff x="336958" y="183393"/>
+              <a:chExt cx="2164943" cy="586522"/>
             </a:xfrm>
           </p:grpSpPr>
           <p:sp>
             <p:nvSpPr>
-              <p:cNvPr id="10" name="Oval 9">
+              <p:cNvPr id="17" name="Title 3">
                 <a:extLst>
                   <a:ext uri="{FF2B5EF4-FFF2-40B4-BE49-F238E27FC236}">
-                    <a16:creationId xmlns:a16="http://schemas.microsoft.com/office/drawing/2014/main" id="{9DF77205-F447-474E-B06F-477A11C4D33E}"/>
+                    <a16:creationId xmlns:a16="http://schemas.microsoft.com/office/drawing/2014/main" id="{C81C530D-D835-4A1A-81BE-BE9F0DE02236}"/>
                   </a:ext>
                 </a:extLst>
               </p:cNvPr>
-              <p:cNvSpPr/>
+              <p:cNvSpPr txBox="1">
+                <a:spLocks/>
+              </p:cNvSpPr>
               <p:nvPr/>
             </p:nvSpPr>
             <p:spPr>
               <a:xfrm>
-                <a:off x="336958" y="313998"/>
-                <a:ext cx="310070" cy="310070"/>
+                <a:off x="716267" y="183393"/>
+                <a:ext cx="1785634" cy="586522"/>
               </a:xfrm>
-              <a:prstGeom prst="ellipse">
+              <a:prstGeom prst="rect">
                 <a:avLst/>
               </a:prstGeom>
-              <a:solidFill>
-                <a:schemeClr val="bg1"/>
-              </a:solidFill>
-              <a:ln>
-                <a:noFill/>
-              </a:ln>
               <a:effectLst>
                 <a:outerShdw blurRad="50800" dist="38100" dir="2700000" algn="tl" rotWithShape="0">
                   <a:prstClr val="black">
@@ -5152,67 +5075,165 @@
                 </a:outerShdw>
               </a:effectLst>
             </p:spPr>
-            <p:style>
-              <a:lnRef idx="2">
-                <a:schemeClr val="accent1">
-                  <a:shade val="50000"/>
-                </a:schemeClr>
-              </a:lnRef>
-              <a:fillRef idx="1">
-                <a:schemeClr val="accent1"/>
-              </a:fillRef>
-              <a:effectRef idx="0">
-                <a:schemeClr val="accent1"/>
-              </a:effectRef>
-              <a:fontRef idx="minor">
-                <a:schemeClr val="lt1"/>
-              </a:fontRef>
-            </p:style>
             <p:txBody>
-              <a:bodyPr rtlCol="0" anchor="ctr"/>
-              <a:lstStyle/>
+              <a:bodyPr lIns="0" tIns="0" rIns="0" bIns="0" anchor="ctr">
+                <a:noAutofit/>
+              </a:bodyPr>
+              <a:lstStyle>
+                <a:lvl1pPr algn="l" defTabSz="914355" rtl="0" eaLnBrk="1" latinLnBrk="0" hangingPunct="1">
+                  <a:lnSpc>
+                    <a:spcPct val="90000"/>
+                  </a:lnSpc>
+                  <a:spcBef>
+                    <a:spcPct val="0"/>
+                  </a:spcBef>
+                  <a:buNone/>
+                  <a:defRPr sz="2800" b="0" i="0" kern="1200" spc="0" baseline="0">
+                    <a:solidFill>
+                      <a:schemeClr val="accent2"/>
+                    </a:solidFill>
+                    <a:latin typeface="+mj-lt"/>
+                    <a:ea typeface="+mj-ea"/>
+                    <a:cs typeface="Century Gothic Regular" charset="0"/>
+                  </a:defRPr>
+                </a:lvl1pPr>
+              </a:lstStyle>
               <a:p>
-                <a:pPr algn="ctr"/>
-                <a:endParaRPr lang="en-US" dirty="0"/>
+                <a:pPr>
+                  <a:lnSpc>
+                    <a:spcPct val="100000"/>
+                  </a:lnSpc>
+                </a:pPr>
+                <a:r>
+                  <a:rPr lang="en-GB" sz="2000" spc="-143" dirty="0">
+                    <a:solidFill>
+                      <a:schemeClr val="bg1"/>
+                    </a:solidFill>
+                    <a:latin typeface="Inter SemiBold" panose="020B0502030000000004" pitchFamily="34" charset="0"/>
+                    <a:ea typeface="Inter SemiBold" panose="020B0502030000000004" pitchFamily="34" charset="0"/>
+                    <a:cs typeface="Mark OT Light" charset="0"/>
+                  </a:rPr>
+                  <a:t>rakirahman.me</a:t>
+                </a:r>
               </a:p>
             </p:txBody>
           </p:sp>
-          <p:pic>
-            <p:nvPicPr>
-              <p:cNvPr id="35" name="Picture 34">
+          <p:grpSp>
+            <p:nvGrpSpPr>
+              <p:cNvPr id="36" name="Group 35">
                 <a:extLst>
                   <a:ext uri="{FF2B5EF4-FFF2-40B4-BE49-F238E27FC236}">
-                    <a16:creationId xmlns:a16="http://schemas.microsoft.com/office/drawing/2014/main" id="{35CFC7CD-38EF-4FB8-A968-97D0473BA258}"/>
+                    <a16:creationId xmlns:a16="http://schemas.microsoft.com/office/drawing/2014/main" id="{7BF3B3F5-DAF0-4F2A-B1C5-21D1ABFA0C0F}"/>
                   </a:ext>
                 </a:extLst>
               </p:cNvPr>
-              <p:cNvPicPr>
-                <a:picLocks noChangeAspect="1"/>
-              </p:cNvPicPr>
+              <p:cNvGrpSpPr/>
               <p:nvPr/>
-            </p:nvPicPr>
-            <p:blipFill>
-              <a:blip r:embed="rId3">
-                <a:extLst>
-                  <a:ext uri="{28A0092B-C50C-407E-A947-70E740481C1C}">
-                    <a14:useLocalDpi xmlns:a14="http://schemas.microsoft.com/office/drawing/2010/main" val="0"/>
-                  </a:ext>
-                </a:extLst>
-              </a:blip>
-              <a:stretch>
-                <a:fillRect/>
-              </a:stretch>
-            </p:blipFill>
-            <p:spPr>
+            </p:nvGrpSpPr>
+            <p:grpSpPr>
               <a:xfrm>
-                <a:off x="362920" y="339960"/>
-                <a:ext cx="258147" cy="258147"/>
+                <a:off x="336958" y="313998"/>
+                <a:ext cx="310070" cy="310070"/>
+                <a:chOff x="336958" y="313998"/>
+                <a:chExt cx="310070" cy="310070"/>
               </a:xfrm>
-              <a:prstGeom prst="ellipse">
-                <a:avLst/>
-              </a:prstGeom>
-            </p:spPr>
-          </p:pic>
+            </p:grpSpPr>
+            <p:sp>
+              <p:nvSpPr>
+                <p:cNvPr id="10" name="Oval 9">
+                  <a:extLst>
+                    <a:ext uri="{FF2B5EF4-FFF2-40B4-BE49-F238E27FC236}">
+                      <a16:creationId xmlns:a16="http://schemas.microsoft.com/office/drawing/2014/main" id="{9DF77205-F447-474E-B06F-477A11C4D33E}"/>
+                    </a:ext>
+                  </a:extLst>
+                </p:cNvPr>
+                <p:cNvSpPr/>
+                <p:nvPr/>
+              </p:nvSpPr>
+              <p:spPr>
+                <a:xfrm>
+                  <a:off x="336958" y="313998"/>
+                  <a:ext cx="310070" cy="310070"/>
+                </a:xfrm>
+                <a:prstGeom prst="ellipse">
+                  <a:avLst/>
+                </a:prstGeom>
+                <a:solidFill>
+                  <a:schemeClr val="bg1"/>
+                </a:solidFill>
+                <a:ln>
+                  <a:noFill/>
+                </a:ln>
+                <a:effectLst>
+                  <a:outerShdw blurRad="50800" dist="38100" dir="2700000" algn="tl" rotWithShape="0">
+                    <a:prstClr val="black">
+                      <a:alpha val="40000"/>
+                    </a:prstClr>
+                  </a:outerShdw>
+                </a:effectLst>
+              </p:spPr>
+              <p:style>
+                <a:lnRef idx="2">
+                  <a:schemeClr val="accent1">
+                    <a:shade val="50000"/>
+                  </a:schemeClr>
+                </a:lnRef>
+                <a:fillRef idx="1">
+                  <a:schemeClr val="accent1"/>
+                </a:fillRef>
+                <a:effectRef idx="0">
+                  <a:schemeClr val="accent1"/>
+                </a:effectRef>
+                <a:fontRef idx="minor">
+                  <a:schemeClr val="lt1"/>
+                </a:fontRef>
+              </p:style>
+              <p:txBody>
+                <a:bodyPr rtlCol="0" anchor="ctr"/>
+                <a:lstStyle/>
+                <a:p>
+                  <a:pPr algn="ctr"/>
+                  <a:endParaRPr lang="en-US" dirty="0"/>
+                </a:p>
+              </p:txBody>
+            </p:sp>
+            <p:pic>
+              <p:nvPicPr>
+                <p:cNvPr id="35" name="Picture 34">
+                  <a:extLst>
+                    <a:ext uri="{FF2B5EF4-FFF2-40B4-BE49-F238E27FC236}">
+                      <a16:creationId xmlns:a16="http://schemas.microsoft.com/office/drawing/2014/main" id="{35CFC7CD-38EF-4FB8-A968-97D0473BA258}"/>
+                    </a:ext>
+                  </a:extLst>
+                </p:cNvPr>
+                <p:cNvPicPr>
+                  <a:picLocks noChangeAspect="1"/>
+                </p:cNvPicPr>
+                <p:nvPr/>
+              </p:nvPicPr>
+              <p:blipFill>
+                <a:blip r:embed="rId3">
+                  <a:extLst>
+                    <a:ext uri="{28A0092B-C50C-407E-A947-70E740481C1C}">
+                      <a14:useLocalDpi xmlns:a14="http://schemas.microsoft.com/office/drawing/2010/main" val="0"/>
+                    </a:ext>
+                  </a:extLst>
+                </a:blip>
+                <a:stretch>
+                  <a:fillRect/>
+                </a:stretch>
+              </p:blipFill>
+              <p:spPr>
+                <a:xfrm>
+                  <a:off x="362920" y="339960"/>
+                  <a:ext cx="258147" cy="258147"/>
+                </a:xfrm>
+                <a:prstGeom prst="ellipse">
+                  <a:avLst/>
+                </a:prstGeom>
+              </p:spPr>
+            </p:pic>
+          </p:grpSp>
         </p:grpSp>
       </p:grpSp>
       <p:grpSp>
@@ -5662,7 +5683,7 @@
         </p:nvGrpSpPr>
         <p:grpSpPr>
           <a:xfrm>
-            <a:off x="336958" y="183393"/>
+            <a:off x="522313" y="183393"/>
             <a:ext cx="2164943" cy="586522"/>
             <a:chOff x="336958" y="183393"/>
             <a:chExt cx="2164943" cy="586522"/>
@@ -6036,7 +6057,7 @@
         </p:nvGrpSpPr>
         <p:grpSpPr>
           <a:xfrm>
-            <a:off x="336958" y="183393"/>
+            <a:off x="522313" y="183393"/>
             <a:ext cx="2164943" cy="586522"/>
             <a:chOff x="336958" y="183393"/>
             <a:chExt cx="2164943" cy="586522"/>
@@ -6723,7 +6744,7 @@
         </p:nvGrpSpPr>
         <p:grpSpPr>
           <a:xfrm>
-            <a:off x="336958" y="183393"/>
+            <a:off x="522313" y="183393"/>
             <a:ext cx="2164943" cy="586522"/>
             <a:chOff x="336958" y="183393"/>
             <a:chExt cx="2164943" cy="586522"/>

--- a/src/assets/graphics/PPT/post-headers.pptx
+++ b/src/assets/graphics/PPT/post-headers.pptx
@@ -11,6 +11,7 @@
     <p:sldId id="276" r:id="rId5"/>
     <p:sldId id="277" r:id="rId6"/>
     <p:sldId id="278" r:id="rId7"/>
+    <p:sldId id="279" r:id="rId8"/>
   </p:sldIdLst>
   <p:sldSz cx="12252325" cy="5999163"/>
   <p:notesSz cx="6858000" cy="9144000"/>
@@ -1043,7 +1044,7 @@
           <a:p>
             <a:fld id="{188B2B68-3432-42CC-A797-1383801DFB53}" type="datetimeFigureOut">
               <a:rPr lang="en-US" smtClean="0"/>
-              <a:t>10/12/2020</a:t>
+              <a:t>11/16/2020</a:t>
             </a:fld>
             <a:endParaRPr lang="en-US"/>
           </a:p>
@@ -1213,7 +1214,7 @@
           <a:p>
             <a:fld id="{188B2B68-3432-42CC-A797-1383801DFB53}" type="datetimeFigureOut">
               <a:rPr lang="en-US" smtClean="0"/>
-              <a:t>10/12/2020</a:t>
+              <a:t>11/16/2020</a:t>
             </a:fld>
             <a:endParaRPr lang="en-US"/>
           </a:p>
@@ -1393,7 +1394,7 @@
           <a:p>
             <a:fld id="{188B2B68-3432-42CC-A797-1383801DFB53}" type="datetimeFigureOut">
               <a:rPr lang="en-US" smtClean="0"/>
-              <a:t>10/12/2020</a:t>
+              <a:t>11/16/2020</a:t>
             </a:fld>
             <a:endParaRPr lang="en-US"/>
           </a:p>
@@ -1563,7 +1564,7 @@
           <a:p>
             <a:fld id="{188B2B68-3432-42CC-A797-1383801DFB53}" type="datetimeFigureOut">
               <a:rPr lang="en-US" smtClean="0"/>
-              <a:t>10/12/2020</a:t>
+              <a:t>11/16/2020</a:t>
             </a:fld>
             <a:endParaRPr lang="en-US"/>
           </a:p>
@@ -1809,7 +1810,7 @@
           <a:p>
             <a:fld id="{188B2B68-3432-42CC-A797-1383801DFB53}" type="datetimeFigureOut">
               <a:rPr lang="en-US" smtClean="0"/>
-              <a:t>10/12/2020</a:t>
+              <a:t>11/16/2020</a:t>
             </a:fld>
             <a:endParaRPr lang="en-US"/>
           </a:p>
@@ -2041,7 +2042,7 @@
           <a:p>
             <a:fld id="{188B2B68-3432-42CC-A797-1383801DFB53}" type="datetimeFigureOut">
               <a:rPr lang="en-US" smtClean="0"/>
-              <a:t>10/12/2020</a:t>
+              <a:t>11/16/2020</a:t>
             </a:fld>
             <a:endParaRPr lang="en-US"/>
           </a:p>
@@ -2408,7 +2409,7 @@
           <a:p>
             <a:fld id="{188B2B68-3432-42CC-A797-1383801DFB53}" type="datetimeFigureOut">
               <a:rPr lang="en-US" smtClean="0"/>
-              <a:t>10/12/2020</a:t>
+              <a:t>11/16/2020</a:t>
             </a:fld>
             <a:endParaRPr lang="en-US"/>
           </a:p>
@@ -2526,7 +2527,7 @@
           <a:p>
             <a:fld id="{188B2B68-3432-42CC-A797-1383801DFB53}" type="datetimeFigureOut">
               <a:rPr lang="en-US" smtClean="0"/>
-              <a:t>10/12/2020</a:t>
+              <a:t>11/16/2020</a:t>
             </a:fld>
             <a:endParaRPr lang="en-US"/>
           </a:p>
@@ -2621,7 +2622,7 @@
           <a:p>
             <a:fld id="{188B2B68-3432-42CC-A797-1383801DFB53}" type="datetimeFigureOut">
               <a:rPr lang="en-US" smtClean="0"/>
-              <a:t>10/12/2020</a:t>
+              <a:t>11/16/2020</a:t>
             </a:fld>
             <a:endParaRPr lang="en-US"/>
           </a:p>
@@ -2898,7 +2899,7 @@
           <a:p>
             <a:fld id="{188B2B68-3432-42CC-A797-1383801DFB53}" type="datetimeFigureOut">
               <a:rPr lang="en-US" smtClean="0"/>
-              <a:t>10/12/2020</a:t>
+              <a:t>11/16/2020</a:t>
             </a:fld>
             <a:endParaRPr lang="en-US"/>
           </a:p>
@@ -3155,7 +3156,7 @@
           <a:p>
             <a:fld id="{188B2B68-3432-42CC-A797-1383801DFB53}" type="datetimeFigureOut">
               <a:rPr lang="en-US" smtClean="0"/>
-              <a:t>10/12/2020</a:t>
+              <a:t>11/16/2020</a:t>
             </a:fld>
             <a:endParaRPr lang="en-US"/>
           </a:p>
@@ -3368,7 +3369,7 @@
           <a:p>
             <a:fld id="{188B2B68-3432-42CC-A797-1383801DFB53}" type="datetimeFigureOut">
               <a:rPr lang="en-US" smtClean="0"/>
-              <a:t>10/12/2020</a:t>
+              <a:t>11/16/2020</a:t>
             </a:fld>
             <a:endParaRPr lang="en-US"/>
           </a:p>
@@ -7321,6 +7322,3525 @@
 </p:sld>
 </file>
 
+<file path=ppt/slides/slide7.xml><?xml version="1.0" encoding="utf-8"?>
+<p:sld xmlns:a="http://schemas.openxmlformats.org/drawingml/2006/main" xmlns:r="http://schemas.openxmlformats.org/officeDocument/2006/relationships" xmlns:p="http://schemas.openxmlformats.org/presentationml/2006/main">
+  <p:cSld>
+    <p:spTree>
+      <p:nvGrpSpPr>
+        <p:cNvPr id="1" name=""/>
+        <p:cNvGrpSpPr/>
+        <p:nvPr/>
+      </p:nvGrpSpPr>
+      <p:grpSpPr>
+        <a:xfrm>
+          <a:off x="0" y="0"/>
+          <a:ext cx="0" cy="0"/>
+          <a:chOff x="0" y="0"/>
+          <a:chExt cx="0" cy="0"/>
+        </a:xfrm>
+      </p:grpSpPr>
+      <p:pic>
+        <p:nvPicPr>
+          <p:cNvPr id="3" name="Picture 2">
+            <a:extLst>
+              <a:ext uri="{FF2B5EF4-FFF2-40B4-BE49-F238E27FC236}">
+                <a16:creationId xmlns:a16="http://schemas.microsoft.com/office/drawing/2014/main" id="{F59F25AF-DB29-4B4E-AD33-57FA6F235396}"/>
+              </a:ext>
+            </a:extLst>
+          </p:cNvPr>
+          <p:cNvPicPr>
+            <a:picLocks noChangeAspect="1"/>
+          </p:cNvPicPr>
+          <p:nvPr/>
+        </p:nvPicPr>
+        <p:blipFill rotWithShape="1">
+          <a:blip r:embed="rId2">
+            <a:extLst>
+              <a:ext uri="{28A0092B-C50C-407E-A947-70E740481C1C}">
+                <a14:useLocalDpi xmlns:a14="http://schemas.microsoft.com/office/drawing/2010/main" val="0"/>
+              </a:ext>
+            </a:extLst>
+          </a:blip>
+          <a:srcRect t="20521" r="4919" b="8764"/>
+          <a:stretch/>
+        </p:blipFill>
+        <p:spPr>
+          <a:xfrm>
+            <a:off x="-1" y="-18998"/>
+            <a:ext cx="12252326" cy="6018161"/>
+          </a:xfrm>
+          <a:prstGeom prst="rect">
+            <a:avLst/>
+          </a:prstGeom>
+        </p:spPr>
+      </p:pic>
+      <p:sp>
+        <p:nvSpPr>
+          <p:cNvPr id="315" name="Rectangle 314">
+            <a:extLst>
+              <a:ext uri="{FF2B5EF4-FFF2-40B4-BE49-F238E27FC236}">
+                <a16:creationId xmlns:a16="http://schemas.microsoft.com/office/drawing/2014/main" id="{F3957B8A-13FC-4365-A52A-69149DD997CA}"/>
+              </a:ext>
+            </a:extLst>
+          </p:cNvPr>
+          <p:cNvSpPr/>
+          <p:nvPr/>
+        </p:nvSpPr>
+        <p:spPr>
+          <a:xfrm>
+            <a:off x="0" y="3498395"/>
+            <a:ext cx="12252325" cy="1868001"/>
+          </a:xfrm>
+          <a:prstGeom prst="rect">
+            <a:avLst/>
+          </a:prstGeom>
+          <a:solidFill>
+            <a:schemeClr val="tx1">
+              <a:alpha val="21000"/>
+            </a:schemeClr>
+          </a:solidFill>
+          <a:ln>
+            <a:noFill/>
+          </a:ln>
+        </p:spPr>
+        <p:style>
+          <a:lnRef idx="2">
+            <a:schemeClr val="accent1">
+              <a:shade val="50000"/>
+            </a:schemeClr>
+          </a:lnRef>
+          <a:fillRef idx="1">
+            <a:schemeClr val="accent1"/>
+          </a:fillRef>
+          <a:effectRef idx="0">
+            <a:schemeClr val="accent1"/>
+          </a:effectRef>
+          <a:fontRef idx="minor">
+            <a:schemeClr val="lt1"/>
+          </a:fontRef>
+        </p:style>
+        <p:txBody>
+          <a:bodyPr rtlCol="0" anchor="ctr"/>
+          <a:lstStyle/>
+          <a:p>
+            <a:pPr algn="ctr"/>
+            <a:endParaRPr lang="en-US"/>
+          </a:p>
+        </p:txBody>
+      </p:sp>
+      <p:grpSp>
+        <p:nvGrpSpPr>
+          <p:cNvPr id="2" name="Group 1">
+            <a:extLst>
+              <a:ext uri="{FF2B5EF4-FFF2-40B4-BE49-F238E27FC236}">
+                <a16:creationId xmlns:a16="http://schemas.microsoft.com/office/drawing/2014/main" id="{77ED9442-E324-469C-AC09-FAB22059B76D}"/>
+              </a:ext>
+            </a:extLst>
+          </p:cNvPr>
+          <p:cNvGrpSpPr/>
+          <p:nvPr/>
+        </p:nvGrpSpPr>
+        <p:grpSpPr>
+          <a:xfrm>
+            <a:off x="444435" y="183393"/>
+            <a:ext cx="2242821" cy="586522"/>
+            <a:chOff x="259080" y="183393"/>
+            <a:chExt cx="2242821" cy="586522"/>
+          </a:xfrm>
+        </p:grpSpPr>
+        <p:sp>
+          <p:nvSpPr>
+            <p:cNvPr id="39" name="Rectangle: Rounded Corners 38">
+              <a:extLst>
+                <a:ext uri="{FF2B5EF4-FFF2-40B4-BE49-F238E27FC236}">
+                  <a16:creationId xmlns:a16="http://schemas.microsoft.com/office/drawing/2014/main" id="{176A8D73-B85D-46B7-B4DF-A5A6C1E4B81F}"/>
+                </a:ext>
+              </a:extLst>
+            </p:cNvPr>
+            <p:cNvSpPr/>
+            <p:nvPr/>
+          </p:nvSpPr>
+          <p:spPr>
+            <a:xfrm>
+              <a:off x="259080" y="243840"/>
+              <a:ext cx="2162570" cy="464820"/>
+            </a:xfrm>
+            <a:prstGeom prst="roundRect">
+              <a:avLst/>
+            </a:prstGeom>
+            <a:solidFill>
+              <a:schemeClr val="bg1">
+                <a:alpha val="14000"/>
+              </a:schemeClr>
+            </a:solidFill>
+            <a:ln>
+              <a:noFill/>
+            </a:ln>
+            <a:effectLst>
+              <a:outerShdw blurRad="50800" dist="38100" dir="2700000" algn="tl" rotWithShape="0">
+                <a:prstClr val="black">
+                  <a:alpha val="40000"/>
+                </a:prstClr>
+              </a:outerShdw>
+            </a:effectLst>
+          </p:spPr>
+          <p:style>
+            <a:lnRef idx="2">
+              <a:schemeClr val="accent1">
+                <a:shade val="50000"/>
+              </a:schemeClr>
+            </a:lnRef>
+            <a:fillRef idx="1">
+              <a:schemeClr val="accent1"/>
+            </a:fillRef>
+            <a:effectRef idx="0">
+              <a:schemeClr val="accent1"/>
+            </a:effectRef>
+            <a:fontRef idx="minor">
+              <a:schemeClr val="lt1"/>
+            </a:fontRef>
+          </p:style>
+          <p:txBody>
+            <a:bodyPr rtlCol="0" anchor="ctr"/>
+            <a:lstStyle/>
+            <a:p>
+              <a:pPr algn="ctr"/>
+              <a:endParaRPr lang="en-US"/>
+            </a:p>
+          </p:txBody>
+        </p:sp>
+        <p:grpSp>
+          <p:nvGrpSpPr>
+            <p:cNvPr id="37" name="Group 36">
+              <a:extLst>
+                <a:ext uri="{FF2B5EF4-FFF2-40B4-BE49-F238E27FC236}">
+                  <a16:creationId xmlns:a16="http://schemas.microsoft.com/office/drawing/2014/main" id="{912968AE-1A7A-43C1-B782-41E2C71A9B4F}"/>
+                </a:ext>
+              </a:extLst>
+            </p:cNvPr>
+            <p:cNvGrpSpPr/>
+            <p:nvPr/>
+          </p:nvGrpSpPr>
+          <p:grpSpPr>
+            <a:xfrm>
+              <a:off x="336958" y="183393"/>
+              <a:ext cx="2164943" cy="586522"/>
+              <a:chOff x="336958" y="183393"/>
+              <a:chExt cx="2164943" cy="586522"/>
+            </a:xfrm>
+          </p:grpSpPr>
+          <p:sp>
+            <p:nvSpPr>
+              <p:cNvPr id="17" name="Title 3">
+                <a:extLst>
+                  <a:ext uri="{FF2B5EF4-FFF2-40B4-BE49-F238E27FC236}">
+                    <a16:creationId xmlns:a16="http://schemas.microsoft.com/office/drawing/2014/main" id="{C81C530D-D835-4A1A-81BE-BE9F0DE02236}"/>
+                  </a:ext>
+                </a:extLst>
+              </p:cNvPr>
+              <p:cNvSpPr txBox="1">
+                <a:spLocks/>
+              </p:cNvSpPr>
+              <p:nvPr/>
+            </p:nvSpPr>
+            <p:spPr>
+              <a:xfrm>
+                <a:off x="716267" y="183393"/>
+                <a:ext cx="1785634" cy="586522"/>
+              </a:xfrm>
+              <a:prstGeom prst="rect">
+                <a:avLst/>
+              </a:prstGeom>
+              <a:effectLst>
+                <a:outerShdw blurRad="50800" dist="38100" dir="2700000" algn="tl" rotWithShape="0">
+                  <a:prstClr val="black">
+                    <a:alpha val="40000"/>
+                  </a:prstClr>
+                </a:outerShdw>
+              </a:effectLst>
+            </p:spPr>
+            <p:txBody>
+              <a:bodyPr lIns="0" tIns="0" rIns="0" bIns="0" anchor="ctr">
+                <a:noAutofit/>
+              </a:bodyPr>
+              <a:lstStyle>
+                <a:lvl1pPr algn="l" defTabSz="914355" rtl="0" eaLnBrk="1" latinLnBrk="0" hangingPunct="1">
+                  <a:lnSpc>
+                    <a:spcPct val="90000"/>
+                  </a:lnSpc>
+                  <a:spcBef>
+                    <a:spcPct val="0"/>
+                  </a:spcBef>
+                  <a:buNone/>
+                  <a:defRPr sz="2800" b="0" i="0" kern="1200" spc="0" baseline="0">
+                    <a:solidFill>
+                      <a:schemeClr val="accent2"/>
+                    </a:solidFill>
+                    <a:latin typeface="+mj-lt"/>
+                    <a:ea typeface="+mj-ea"/>
+                    <a:cs typeface="Century Gothic Regular" charset="0"/>
+                  </a:defRPr>
+                </a:lvl1pPr>
+              </a:lstStyle>
+              <a:p>
+                <a:pPr>
+                  <a:lnSpc>
+                    <a:spcPct val="100000"/>
+                  </a:lnSpc>
+                </a:pPr>
+                <a:r>
+                  <a:rPr lang="en-GB" sz="2000" spc="-143" dirty="0">
+                    <a:solidFill>
+                      <a:schemeClr val="bg1"/>
+                    </a:solidFill>
+                    <a:latin typeface="Inter SemiBold" panose="020B0502030000000004" pitchFamily="34" charset="0"/>
+                    <a:ea typeface="Inter SemiBold" panose="020B0502030000000004" pitchFamily="34" charset="0"/>
+                    <a:cs typeface="Mark OT Light" charset="0"/>
+                  </a:rPr>
+                  <a:t>rakirahman.me</a:t>
+                </a:r>
+              </a:p>
+            </p:txBody>
+          </p:sp>
+          <p:grpSp>
+            <p:nvGrpSpPr>
+              <p:cNvPr id="36" name="Group 35">
+                <a:extLst>
+                  <a:ext uri="{FF2B5EF4-FFF2-40B4-BE49-F238E27FC236}">
+                    <a16:creationId xmlns:a16="http://schemas.microsoft.com/office/drawing/2014/main" id="{7BF3B3F5-DAF0-4F2A-B1C5-21D1ABFA0C0F}"/>
+                  </a:ext>
+                </a:extLst>
+              </p:cNvPr>
+              <p:cNvGrpSpPr/>
+              <p:nvPr/>
+            </p:nvGrpSpPr>
+            <p:grpSpPr>
+              <a:xfrm>
+                <a:off x="336958" y="313998"/>
+                <a:ext cx="310070" cy="310070"/>
+                <a:chOff x="336958" y="313998"/>
+                <a:chExt cx="310070" cy="310070"/>
+              </a:xfrm>
+            </p:grpSpPr>
+            <p:sp>
+              <p:nvSpPr>
+                <p:cNvPr id="10" name="Oval 9">
+                  <a:extLst>
+                    <a:ext uri="{FF2B5EF4-FFF2-40B4-BE49-F238E27FC236}">
+                      <a16:creationId xmlns:a16="http://schemas.microsoft.com/office/drawing/2014/main" id="{9DF77205-F447-474E-B06F-477A11C4D33E}"/>
+                    </a:ext>
+                  </a:extLst>
+                </p:cNvPr>
+                <p:cNvSpPr/>
+                <p:nvPr/>
+              </p:nvSpPr>
+              <p:spPr>
+                <a:xfrm>
+                  <a:off x="336958" y="313998"/>
+                  <a:ext cx="310070" cy="310070"/>
+                </a:xfrm>
+                <a:prstGeom prst="ellipse">
+                  <a:avLst/>
+                </a:prstGeom>
+                <a:solidFill>
+                  <a:schemeClr val="bg1"/>
+                </a:solidFill>
+                <a:ln>
+                  <a:noFill/>
+                </a:ln>
+                <a:effectLst>
+                  <a:outerShdw blurRad="50800" dist="38100" dir="2700000" algn="tl" rotWithShape="0">
+                    <a:prstClr val="black">
+                      <a:alpha val="40000"/>
+                    </a:prstClr>
+                  </a:outerShdw>
+                </a:effectLst>
+              </p:spPr>
+              <p:style>
+                <a:lnRef idx="2">
+                  <a:schemeClr val="accent1">
+                    <a:shade val="50000"/>
+                  </a:schemeClr>
+                </a:lnRef>
+                <a:fillRef idx="1">
+                  <a:schemeClr val="accent1"/>
+                </a:fillRef>
+                <a:effectRef idx="0">
+                  <a:schemeClr val="accent1"/>
+                </a:effectRef>
+                <a:fontRef idx="minor">
+                  <a:schemeClr val="lt1"/>
+                </a:fontRef>
+              </p:style>
+              <p:txBody>
+                <a:bodyPr rtlCol="0" anchor="ctr"/>
+                <a:lstStyle/>
+                <a:p>
+                  <a:pPr algn="ctr"/>
+                  <a:endParaRPr lang="en-US" dirty="0"/>
+                </a:p>
+              </p:txBody>
+            </p:sp>
+            <p:pic>
+              <p:nvPicPr>
+                <p:cNvPr id="35" name="Picture 34">
+                  <a:extLst>
+                    <a:ext uri="{FF2B5EF4-FFF2-40B4-BE49-F238E27FC236}">
+                      <a16:creationId xmlns:a16="http://schemas.microsoft.com/office/drawing/2014/main" id="{35CFC7CD-38EF-4FB8-A968-97D0473BA258}"/>
+                    </a:ext>
+                  </a:extLst>
+                </p:cNvPr>
+                <p:cNvPicPr>
+                  <a:picLocks noChangeAspect="1"/>
+                </p:cNvPicPr>
+                <p:nvPr/>
+              </p:nvPicPr>
+              <p:blipFill>
+                <a:blip r:embed="rId3">
+                  <a:extLst>
+                    <a:ext uri="{28A0092B-C50C-407E-A947-70E740481C1C}">
+                      <a14:useLocalDpi xmlns:a14="http://schemas.microsoft.com/office/drawing/2010/main" val="0"/>
+                    </a:ext>
+                  </a:extLst>
+                </a:blip>
+                <a:stretch>
+                  <a:fillRect/>
+                </a:stretch>
+              </p:blipFill>
+              <p:spPr>
+                <a:xfrm>
+                  <a:off x="362920" y="339960"/>
+                  <a:ext cx="258147" cy="258147"/>
+                </a:xfrm>
+                <a:prstGeom prst="ellipse">
+                  <a:avLst/>
+                </a:prstGeom>
+              </p:spPr>
+            </p:pic>
+          </p:grpSp>
+        </p:grpSp>
+      </p:grpSp>
+      <p:grpSp>
+        <p:nvGrpSpPr>
+          <p:cNvPr id="317" name="Group 316">
+            <a:extLst>
+              <a:ext uri="{FF2B5EF4-FFF2-40B4-BE49-F238E27FC236}">
+                <a16:creationId xmlns:a16="http://schemas.microsoft.com/office/drawing/2014/main" id="{8575E902-9561-4043-9617-EDC328031238}"/>
+              </a:ext>
+            </a:extLst>
+          </p:cNvPr>
+          <p:cNvGrpSpPr/>
+          <p:nvPr/>
+        </p:nvGrpSpPr>
+        <p:grpSpPr>
+          <a:xfrm>
+            <a:off x="2949403" y="1325760"/>
+            <a:ext cx="6774461" cy="2001041"/>
+            <a:chOff x="2598538" y="1325760"/>
+            <a:chExt cx="6774461" cy="2001041"/>
+          </a:xfrm>
+        </p:grpSpPr>
+        <p:grpSp>
+          <p:nvGrpSpPr>
+            <p:cNvPr id="298" name="Group 297">
+              <a:extLst>
+                <a:ext uri="{FF2B5EF4-FFF2-40B4-BE49-F238E27FC236}">
+                  <a16:creationId xmlns:a16="http://schemas.microsoft.com/office/drawing/2014/main" id="{35FF8D3C-8ACC-4C88-97D4-C357D96F8953}"/>
+                </a:ext>
+              </a:extLst>
+            </p:cNvPr>
+            <p:cNvGrpSpPr/>
+            <p:nvPr/>
+          </p:nvGrpSpPr>
+          <p:grpSpPr>
+            <a:xfrm>
+              <a:off x="6994590" y="1348719"/>
+              <a:ext cx="2378409" cy="1978082"/>
+              <a:chOff x="5584016" y="1911718"/>
+              <a:chExt cx="2378409" cy="1978082"/>
+            </a:xfrm>
+            <a:effectLst>
+              <a:outerShdw blurRad="50800" dist="38100" dir="10800000" algn="r" rotWithShape="0">
+                <a:prstClr val="black">
+                  <a:alpha val="40000"/>
+                </a:prstClr>
+              </a:outerShdw>
+            </a:effectLst>
+          </p:grpSpPr>
+          <p:pic>
+            <p:nvPicPr>
+              <p:cNvPr id="1027" name="Graphic 1026">
+                <a:extLst>
+                  <a:ext uri="{FF2B5EF4-FFF2-40B4-BE49-F238E27FC236}">
+                    <a16:creationId xmlns:a16="http://schemas.microsoft.com/office/drawing/2014/main" id="{45AEADB8-1D94-413E-95B0-57B169351387}"/>
+                  </a:ext>
+                </a:extLst>
+              </p:cNvPr>
+              <p:cNvPicPr>
+                <a:picLocks noChangeAspect="1"/>
+              </p:cNvPicPr>
+              <p:nvPr/>
+            </p:nvPicPr>
+            <p:blipFill>
+              <a:blip r:embed="rId4">
+                <a:extLst>
+                  <a:ext uri="{28A0092B-C50C-407E-A947-70E740481C1C}">
+                    <a14:useLocalDpi xmlns:a14="http://schemas.microsoft.com/office/drawing/2010/main" val="0"/>
+                  </a:ext>
+                  <a:ext uri="{96DAC541-7B7A-43D3-8B79-37D633B846F1}">
+                    <asvg:svgBlip xmlns:asvg="http://schemas.microsoft.com/office/drawing/2016/SVG/main" r:embed="rId5"/>
+                  </a:ext>
+                </a:extLst>
+              </a:blip>
+              <a:srcRect/>
+              <a:stretch/>
+            </p:blipFill>
+            <p:spPr>
+              <a:xfrm>
+                <a:off x="5584016" y="1911718"/>
+                <a:ext cx="2378409" cy="1978082"/>
+              </a:xfrm>
+              <a:prstGeom prst="rect">
+                <a:avLst/>
+              </a:prstGeom>
+            </p:spPr>
+          </p:pic>
+          <p:grpSp>
+            <p:nvGrpSpPr>
+              <p:cNvPr id="295" name="Group 294">
+                <a:extLst>
+                  <a:ext uri="{FF2B5EF4-FFF2-40B4-BE49-F238E27FC236}">
+                    <a16:creationId xmlns:a16="http://schemas.microsoft.com/office/drawing/2014/main" id="{8D3F5771-35F9-460C-9385-EB8EC7DE1509}"/>
+                  </a:ext>
+                </a:extLst>
+              </p:cNvPr>
+              <p:cNvGrpSpPr/>
+              <p:nvPr/>
+            </p:nvGrpSpPr>
+            <p:grpSpPr>
+              <a:xfrm>
+                <a:off x="7216012" y="2132106"/>
+                <a:ext cx="545435" cy="545435"/>
+                <a:chOff x="7230299" y="2137432"/>
+                <a:chExt cx="545435" cy="545435"/>
+              </a:xfrm>
+            </p:grpSpPr>
+            <p:sp>
+              <p:nvSpPr>
+                <p:cNvPr id="294" name="Oval 293">
+                  <a:extLst>
+                    <a:ext uri="{FF2B5EF4-FFF2-40B4-BE49-F238E27FC236}">
+                      <a16:creationId xmlns:a16="http://schemas.microsoft.com/office/drawing/2014/main" id="{D89C8482-967E-4135-AD3B-72026D68B81E}"/>
+                    </a:ext>
+                  </a:extLst>
+                </p:cNvPr>
+                <p:cNvSpPr/>
+                <p:nvPr/>
+              </p:nvSpPr>
+              <p:spPr bwMode="auto">
+                <a:xfrm>
+                  <a:off x="7230299" y="2137432"/>
+                  <a:ext cx="545435" cy="545435"/>
+                </a:xfrm>
+                <a:prstGeom prst="ellipse">
+                  <a:avLst/>
+                </a:prstGeom>
+                <a:solidFill>
+                  <a:srgbClr val="FFFFFF"/>
+                </a:solidFill>
+                <a:ln w="19050" cap="flat" cmpd="sng" algn="ctr">
+                  <a:solidFill>
+                    <a:srgbClr val="0088EE"/>
+                  </a:solidFill>
+                  <a:prstDash val="solid"/>
+                  <a:headEnd type="none" w="med" len="med"/>
+                  <a:tailEnd type="none" w="med" len="med"/>
+                </a:ln>
+                <a:effectLst/>
+              </p:spPr>
+              <p:txBody>
+                <a:bodyPr rot="0" spcFirstLastPara="0" vertOverflow="overflow" horzOverflow="overflow" vert="horz" wrap="square" lIns="182880" tIns="146304" rIns="182880" bIns="146304" numCol="1" spcCol="0" rtlCol="0" fromWordArt="0" anchor="t" anchorCtr="0" forceAA="0" compatLnSpc="1">
+                  <a:prstTxWarp prst="textNoShape">
+                    <a:avLst/>
+                  </a:prstTxWarp>
+                  <a:noAutofit/>
+                </a:bodyPr>
+                <a:lstStyle/>
+                <a:p>
+                  <a:pPr marL="0" marR="0" lvl="0" indent="0" defTabSz="932472" eaLnBrk="1" fontAlgn="base" latinLnBrk="0" hangingPunct="1">
+                    <a:lnSpc>
+                      <a:spcPct val="100000"/>
+                    </a:lnSpc>
+                    <a:spcBef>
+                      <a:spcPct val="0"/>
+                    </a:spcBef>
+                    <a:spcAft>
+                      <a:spcPct val="0"/>
+                    </a:spcAft>
+                    <a:buClrTx/>
+                    <a:buSzTx/>
+                    <a:buFontTx/>
+                    <a:buNone/>
+                    <a:tabLst/>
+                    <a:defRPr/>
+                  </a:pPr>
+                  <a:endParaRPr kumimoji="0" lang="en-US" sz="2000" b="0" i="0" u="none" strike="noStrike" kern="0" cap="none" spc="0" normalizeH="0" baseline="0" noProof="0" err="1">
+                    <a:ln>
+                      <a:noFill/>
+                    </a:ln>
+                    <a:gradFill>
+                      <a:gsLst>
+                        <a:gs pos="0">
+                          <a:srgbClr val="FFFFFF"/>
+                        </a:gs>
+                        <a:gs pos="100000">
+                          <a:srgbClr val="FFFFFF"/>
+                        </a:gs>
+                      </a:gsLst>
+                      <a:lin ang="5400000" scaled="0"/>
+                    </a:gradFill>
+                    <a:effectLst/>
+                    <a:uLnTx/>
+                    <a:uFillTx/>
+                    <a:latin typeface="Segoe UI"/>
+                    <a:ea typeface="Segoe UI" pitchFamily="34" charset="0"/>
+                    <a:cs typeface="Segoe UI" pitchFamily="34" charset="0"/>
+                  </a:endParaRPr>
+                </a:p>
+              </p:txBody>
+            </p:sp>
+            <p:pic>
+              <p:nvPicPr>
+                <p:cNvPr id="225" name="Graphic 224">
+                  <a:extLst>
+                    <a:ext uri="{FF2B5EF4-FFF2-40B4-BE49-F238E27FC236}">
+                      <a16:creationId xmlns:a16="http://schemas.microsoft.com/office/drawing/2014/main" id="{239BA18D-77E6-477A-8DD7-772DF92FCA1C}"/>
+                    </a:ext>
+                  </a:extLst>
+                </p:cNvPr>
+                <p:cNvPicPr>
+                  <a:picLocks noChangeAspect="1"/>
+                </p:cNvPicPr>
+                <p:nvPr/>
+              </p:nvPicPr>
+              <p:blipFill>
+                <a:blip r:embed="rId6">
+                  <a:extLst>
+                    <a:ext uri="{96DAC541-7B7A-43D3-8B79-37D633B846F1}">
+                      <asvg:svgBlip xmlns:asvg="http://schemas.microsoft.com/office/drawing/2016/SVG/main" r:embed="rId7"/>
+                    </a:ext>
+                  </a:extLst>
+                </a:blip>
+                <a:srcRect/>
+                <a:stretch/>
+              </p:blipFill>
+              <p:spPr>
+                <a:xfrm>
+                  <a:off x="7294331" y="2201464"/>
+                  <a:ext cx="417371" cy="417371"/>
+                </a:xfrm>
+                <a:prstGeom prst="rect">
+                  <a:avLst/>
+                </a:prstGeom>
+              </p:spPr>
+            </p:pic>
+          </p:grpSp>
+        </p:grpSp>
+        <p:grpSp>
+          <p:nvGrpSpPr>
+            <p:cNvPr id="1024" name="Group 1023">
+              <a:extLst>
+                <a:ext uri="{FF2B5EF4-FFF2-40B4-BE49-F238E27FC236}">
+                  <a16:creationId xmlns:a16="http://schemas.microsoft.com/office/drawing/2014/main" id="{B3E1ACB9-746E-4089-9D41-92CD9AAB5376}"/>
+                </a:ext>
+              </a:extLst>
+            </p:cNvPr>
+            <p:cNvGrpSpPr/>
+            <p:nvPr/>
+          </p:nvGrpSpPr>
+          <p:grpSpPr>
+            <a:xfrm>
+              <a:off x="2598538" y="1325760"/>
+              <a:ext cx="1997432" cy="1997432"/>
+              <a:chOff x="1524514" y="2009409"/>
+              <a:chExt cx="1997432" cy="1997432"/>
+            </a:xfrm>
+            <a:effectLst>
+              <a:outerShdw blurRad="50800" dist="38100" algn="l" rotWithShape="0">
+                <a:prstClr val="black">
+                  <a:alpha val="40000"/>
+                </a:prstClr>
+              </a:outerShdw>
+            </a:effectLst>
+          </p:grpSpPr>
+          <p:sp>
+            <p:nvSpPr>
+              <p:cNvPr id="12" name="Oval 11">
+                <a:extLst>
+                  <a:ext uri="{FF2B5EF4-FFF2-40B4-BE49-F238E27FC236}">
+                    <a16:creationId xmlns:a16="http://schemas.microsoft.com/office/drawing/2014/main" id="{FBBBDA51-4E20-47A9-A686-C1D6B88A692F}"/>
+                  </a:ext>
+                </a:extLst>
+              </p:cNvPr>
+              <p:cNvSpPr/>
+              <p:nvPr/>
+            </p:nvSpPr>
+            <p:spPr bwMode="auto">
+              <a:xfrm>
+                <a:off x="1524514" y="2009409"/>
+                <a:ext cx="1997432" cy="1997432"/>
+              </a:xfrm>
+              <a:prstGeom prst="ellipse">
+                <a:avLst/>
+              </a:prstGeom>
+              <a:gradFill flip="none" rotWithShape="1">
+                <a:gsLst>
+                  <a:gs pos="0">
+                    <a:srgbClr val="212124"/>
+                  </a:gs>
+                  <a:gs pos="74000">
+                    <a:srgbClr val="212124"/>
+                  </a:gs>
+                  <a:gs pos="83000">
+                    <a:srgbClr val="212124"/>
+                  </a:gs>
+                  <a:gs pos="100000">
+                    <a:schemeClr val="tx1"/>
+                  </a:gs>
+                </a:gsLst>
+                <a:path path="circle">
+                  <a:fillToRect l="50000" t="50000" r="50000" b="50000"/>
+                </a:path>
+                <a:tileRect/>
+              </a:gradFill>
+              <a:ln w="50800" cap="flat" cmpd="sng" algn="ctr">
+                <a:solidFill>
+                  <a:schemeClr val="bg2">
+                    <a:lumMod val="90000"/>
+                  </a:schemeClr>
+                </a:solidFill>
+                <a:prstDash val="solid"/>
+                <a:headEnd type="none" w="med" len="med"/>
+                <a:tailEnd type="none" w="med" len="med"/>
+              </a:ln>
+              <a:effectLst/>
+            </p:spPr>
+            <p:txBody>
+              <a:bodyPr rot="0" spcFirstLastPara="0" vertOverflow="overflow" horzOverflow="overflow" vert="horz" wrap="square" lIns="182880" tIns="146304" rIns="182880" bIns="146304" numCol="1" spcCol="0" rtlCol="0" fromWordArt="0" anchor="t" anchorCtr="0" forceAA="0" compatLnSpc="1">
+                <a:prstTxWarp prst="textNoShape">
+                  <a:avLst/>
+                </a:prstTxWarp>
+                <a:noAutofit/>
+              </a:bodyPr>
+              <a:lstStyle/>
+              <a:p>
+                <a:pPr marL="0" marR="0" lvl="0" indent="0" defTabSz="932472" eaLnBrk="1" fontAlgn="base" latinLnBrk="0" hangingPunct="1">
+                  <a:lnSpc>
+                    <a:spcPct val="100000"/>
+                  </a:lnSpc>
+                  <a:spcBef>
+                    <a:spcPct val="0"/>
+                  </a:spcBef>
+                  <a:spcAft>
+                    <a:spcPct val="0"/>
+                  </a:spcAft>
+                  <a:buClrTx/>
+                  <a:buSzTx/>
+                  <a:buFontTx/>
+                  <a:buNone/>
+                  <a:tabLst/>
+                  <a:defRPr/>
+                </a:pPr>
+                <a:endParaRPr kumimoji="0" lang="en-US" sz="2000" b="0" i="0" u="none" strike="noStrike" kern="0" cap="none" spc="0" normalizeH="0" baseline="0" noProof="0" err="1">
+                  <a:ln>
+                    <a:noFill/>
+                  </a:ln>
+                  <a:gradFill>
+                    <a:gsLst>
+                      <a:gs pos="0">
+                        <a:srgbClr val="FFFFFF"/>
+                      </a:gs>
+                      <a:gs pos="100000">
+                        <a:srgbClr val="FFFFFF"/>
+                      </a:gs>
+                    </a:gsLst>
+                    <a:lin ang="5400000" scaled="0"/>
+                  </a:gradFill>
+                  <a:effectLst/>
+                  <a:uLnTx/>
+                  <a:uFillTx/>
+                  <a:latin typeface="Segoe UI"/>
+                  <a:ea typeface="Segoe UI" pitchFamily="34" charset="0"/>
+                  <a:cs typeface="Segoe UI" pitchFamily="34" charset="0"/>
+                </a:endParaRPr>
+              </a:p>
+            </p:txBody>
+          </p:sp>
+          <p:grpSp>
+            <p:nvGrpSpPr>
+              <p:cNvPr id="18" name="Group 17">
+                <a:extLst>
+                  <a:ext uri="{FF2B5EF4-FFF2-40B4-BE49-F238E27FC236}">
+                    <a16:creationId xmlns:a16="http://schemas.microsoft.com/office/drawing/2014/main" id="{82CDF804-255C-4B05-97EC-7331480AC8F3}"/>
+                  </a:ext>
+                </a:extLst>
+              </p:cNvPr>
+              <p:cNvGrpSpPr/>
+              <p:nvPr/>
+            </p:nvGrpSpPr>
+            <p:grpSpPr>
+              <a:xfrm>
+                <a:off x="1820170" y="2305065"/>
+                <a:ext cx="1406120" cy="1406120"/>
+                <a:chOff x="3623479" y="2599489"/>
+                <a:chExt cx="814808" cy="814808"/>
+              </a:xfrm>
+            </p:grpSpPr>
+            <p:sp>
+              <p:nvSpPr>
+                <p:cNvPr id="14" name="Oval 13">
+                  <a:extLst>
+                    <a:ext uri="{FF2B5EF4-FFF2-40B4-BE49-F238E27FC236}">
+                      <a16:creationId xmlns:a16="http://schemas.microsoft.com/office/drawing/2014/main" id="{87BA54D9-980E-4035-820D-B5A0CF0EF8D8}"/>
+                    </a:ext>
+                  </a:extLst>
+                </p:cNvPr>
+                <p:cNvSpPr/>
+                <p:nvPr/>
+              </p:nvSpPr>
+              <p:spPr bwMode="auto">
+                <a:xfrm>
+                  <a:off x="3637027" y="2613037"/>
+                  <a:ext cx="787712" cy="787712"/>
+                </a:xfrm>
+                <a:prstGeom prst="ellipse">
+                  <a:avLst/>
+                </a:prstGeom>
+                <a:solidFill>
+                  <a:srgbClr val="FFFFFF"/>
+                </a:solidFill>
+                <a:ln w="19050" cap="flat" cmpd="sng" algn="ctr">
+                  <a:noFill/>
+                  <a:prstDash val="solid"/>
+                  <a:headEnd type="none" w="med" len="med"/>
+                  <a:tailEnd type="none" w="med" len="med"/>
+                </a:ln>
+                <a:effectLst/>
+              </p:spPr>
+              <p:txBody>
+                <a:bodyPr rot="0" spcFirstLastPara="0" vertOverflow="overflow" horzOverflow="overflow" vert="horz" wrap="square" lIns="182880" tIns="146304" rIns="182880" bIns="146304" numCol="1" spcCol="0" rtlCol="0" fromWordArt="0" anchor="t" anchorCtr="0" forceAA="0" compatLnSpc="1">
+                  <a:prstTxWarp prst="textNoShape">
+                    <a:avLst/>
+                  </a:prstTxWarp>
+                  <a:noAutofit/>
+                </a:bodyPr>
+                <a:lstStyle/>
+                <a:p>
+                  <a:pPr marL="0" marR="0" lvl="0" indent="0" defTabSz="932472" eaLnBrk="1" fontAlgn="base" latinLnBrk="0" hangingPunct="1">
+                    <a:lnSpc>
+                      <a:spcPct val="100000"/>
+                    </a:lnSpc>
+                    <a:spcBef>
+                      <a:spcPct val="0"/>
+                    </a:spcBef>
+                    <a:spcAft>
+                      <a:spcPct val="0"/>
+                    </a:spcAft>
+                    <a:buClrTx/>
+                    <a:buSzTx/>
+                    <a:buFontTx/>
+                    <a:buNone/>
+                    <a:tabLst/>
+                    <a:defRPr/>
+                  </a:pPr>
+                  <a:endParaRPr kumimoji="0" lang="en-US" sz="2000" b="0" i="0" u="none" strike="noStrike" kern="0" cap="none" spc="0" normalizeH="0" baseline="0" noProof="0" err="1">
+                    <a:ln>
+                      <a:noFill/>
+                    </a:ln>
+                    <a:gradFill>
+                      <a:gsLst>
+                        <a:gs pos="0">
+                          <a:srgbClr val="FFFFFF"/>
+                        </a:gs>
+                        <a:gs pos="100000">
+                          <a:srgbClr val="FFFFFF"/>
+                        </a:gs>
+                      </a:gsLst>
+                      <a:lin ang="5400000" scaled="0"/>
+                    </a:gradFill>
+                    <a:effectLst/>
+                    <a:uLnTx/>
+                    <a:uFillTx/>
+                    <a:latin typeface="Segoe UI"/>
+                    <a:ea typeface="Segoe UI" pitchFamily="34" charset="0"/>
+                    <a:cs typeface="Segoe UI" pitchFamily="34" charset="0"/>
+                  </a:endParaRPr>
+                </a:p>
+              </p:txBody>
+            </p:sp>
+            <p:pic>
+              <p:nvPicPr>
+                <p:cNvPr id="1026" name="Picture 2" descr="GitHub - Appboy/appboy-xamarin-bindings: Xamarin bindings for the Braze  Android and iOS SDKs">
+                  <a:extLst>
+                    <a:ext uri="{FF2B5EF4-FFF2-40B4-BE49-F238E27FC236}">
+                      <a16:creationId xmlns:a16="http://schemas.microsoft.com/office/drawing/2014/main" id="{C54D6F02-4052-4C4F-8D5A-02273E10CB4D}"/>
+                    </a:ext>
+                  </a:extLst>
+                </p:cNvPr>
+                <p:cNvPicPr>
+                  <a:picLocks noChangeAspect="1" noChangeArrowheads="1"/>
+                </p:cNvPicPr>
+                <p:nvPr/>
+              </p:nvPicPr>
+              <p:blipFill>
+                <a:blip r:embed="rId8">
+                  <a:extLst>
+                    <a:ext uri="{28A0092B-C50C-407E-A947-70E740481C1C}">
+                      <a14:useLocalDpi xmlns:a14="http://schemas.microsoft.com/office/drawing/2010/main" val="0"/>
+                    </a:ext>
+                  </a:extLst>
+                </a:blip>
+                <a:srcRect/>
+                <a:stretch>
+                  <a:fillRect/>
+                </a:stretch>
+              </p:blipFill>
+              <p:spPr bwMode="auto">
+                <a:xfrm>
+                  <a:off x="3623479" y="2599489"/>
+                  <a:ext cx="814808" cy="814808"/>
+                </a:xfrm>
+                <a:prstGeom prst="rect">
+                  <a:avLst/>
+                </a:prstGeom>
+                <a:noFill/>
+                <a:extLst>
+                  <a:ext uri="{909E8E84-426E-40DD-AFC4-6F175D3DCCD1}">
+                    <a14:hiddenFill xmlns:a14="http://schemas.microsoft.com/office/drawing/2010/main">
+                      <a:solidFill>
+                        <a:srgbClr val="FFFFFF"/>
+                      </a:solidFill>
+                    </a14:hiddenFill>
+                  </a:ext>
+                </a:extLst>
+              </p:spPr>
+            </p:pic>
+          </p:grpSp>
+        </p:grpSp>
+        <p:grpSp>
+          <p:nvGrpSpPr>
+            <p:cNvPr id="305" name="Group 304">
+              <a:extLst>
+                <a:ext uri="{FF2B5EF4-FFF2-40B4-BE49-F238E27FC236}">
+                  <a16:creationId xmlns:a16="http://schemas.microsoft.com/office/drawing/2014/main" id="{63360DCA-F2A5-4E7A-A56B-797E8E8D632D}"/>
+                </a:ext>
+              </a:extLst>
+            </p:cNvPr>
+            <p:cNvGrpSpPr/>
+            <p:nvPr/>
+          </p:nvGrpSpPr>
+          <p:grpSpPr>
+            <a:xfrm>
+              <a:off x="4714869" y="2272545"/>
+              <a:ext cx="2282216" cy="491795"/>
+              <a:chOff x="3640845" y="2841894"/>
+              <a:chExt cx="2282216" cy="491795"/>
+            </a:xfrm>
+          </p:grpSpPr>
+          <p:cxnSp>
+            <p:nvCxnSpPr>
+              <p:cNvPr id="388" name="Straight Connector 387">
+                <a:extLst>
+                  <a:ext uri="{FF2B5EF4-FFF2-40B4-BE49-F238E27FC236}">
+                    <a16:creationId xmlns:a16="http://schemas.microsoft.com/office/drawing/2014/main" id="{0F273233-A63D-4E45-B7E8-B7910C24BCE0}"/>
+                  </a:ext>
+                </a:extLst>
+              </p:cNvPr>
+              <p:cNvCxnSpPr>
+                <a:cxnSpLocks/>
+                <a:stCxn id="367" idx="6"/>
+                <a:endCxn id="378" idx="2"/>
+              </p:cNvCxnSpPr>
+              <p:nvPr/>
+            </p:nvCxnSpPr>
+            <p:spPr>
+              <a:xfrm>
+                <a:off x="4132640" y="3087792"/>
+                <a:ext cx="1298626" cy="0"/>
+              </a:xfrm>
+              <a:prstGeom prst="line">
+                <a:avLst/>
+              </a:prstGeom>
+              <a:noFill/>
+              <a:ln w="63500" cap="flat" cmpd="sng" algn="ctr">
+                <a:solidFill>
+                  <a:srgbClr val="0088EE"/>
+                </a:solidFill>
+                <a:prstDash val="solid"/>
+                <a:headEnd type="none" w="lg" len="med"/>
+                <a:tailEnd type="none" w="lg" len="med"/>
+              </a:ln>
+              <a:effectLst>
+                <a:outerShdw blurRad="50800" dist="38100" dir="5400000" algn="t" rotWithShape="0">
+                  <a:prstClr val="black">
+                    <a:alpha val="40000"/>
+                  </a:prstClr>
+                </a:outerShdw>
+              </a:effectLst>
+            </p:spPr>
+          </p:cxnSp>
+          <p:grpSp>
+            <p:nvGrpSpPr>
+              <p:cNvPr id="366" name="Group 365">
+                <a:extLst>
+                  <a:ext uri="{FF2B5EF4-FFF2-40B4-BE49-F238E27FC236}">
+                    <a16:creationId xmlns:a16="http://schemas.microsoft.com/office/drawing/2014/main" id="{C97950C0-CDF4-4AF1-8053-D07FBA9A9397}"/>
+                  </a:ext>
+                </a:extLst>
+              </p:cNvPr>
+              <p:cNvGrpSpPr/>
+              <p:nvPr/>
+            </p:nvGrpSpPr>
+            <p:grpSpPr>
+              <a:xfrm>
+                <a:off x="3640845" y="2841894"/>
+                <a:ext cx="491795" cy="491795"/>
+                <a:chOff x="8830394" y="2929277"/>
+                <a:chExt cx="219652" cy="219652"/>
+              </a:xfrm>
+            </p:grpSpPr>
+            <p:sp>
+              <p:nvSpPr>
+                <p:cNvPr id="367" name="Oval 366">
+                  <a:extLst>
+                    <a:ext uri="{FF2B5EF4-FFF2-40B4-BE49-F238E27FC236}">
+                      <a16:creationId xmlns:a16="http://schemas.microsoft.com/office/drawing/2014/main" id="{66A2A328-7DBF-481C-8B88-A28800D92D05}"/>
+                    </a:ext>
+                  </a:extLst>
+                </p:cNvPr>
+                <p:cNvSpPr/>
+                <p:nvPr/>
+              </p:nvSpPr>
+              <p:spPr bwMode="auto">
+                <a:xfrm>
+                  <a:off x="8830394" y="2929277"/>
+                  <a:ext cx="219652" cy="219652"/>
+                </a:xfrm>
+                <a:prstGeom prst="ellipse">
+                  <a:avLst/>
+                </a:prstGeom>
+                <a:solidFill>
+                  <a:srgbClr val="0078D4"/>
+                </a:solidFill>
+                <a:ln w="9525" cap="flat" cmpd="sng" algn="ctr">
+                  <a:noFill/>
+                  <a:prstDash val="solid"/>
+                  <a:headEnd type="none" w="med" len="med"/>
+                  <a:tailEnd type="none" w="med" len="med"/>
+                </a:ln>
+                <a:effectLst>
+                  <a:outerShdw blurRad="50800" dist="38100" algn="l" rotWithShape="0">
+                    <a:prstClr val="black">
+                      <a:alpha val="40000"/>
+                    </a:prstClr>
+                  </a:outerShdw>
+                </a:effectLst>
+              </p:spPr>
+              <p:txBody>
+                <a:bodyPr rot="0" spcFirstLastPara="0" vertOverflow="overflow" horzOverflow="overflow" vert="horz" wrap="square" lIns="182880" tIns="146304" rIns="182880" bIns="146304" numCol="1" spcCol="0" rtlCol="0" fromWordArt="0" anchor="t" anchorCtr="0" forceAA="0" compatLnSpc="1">
+                  <a:prstTxWarp prst="textNoShape">
+                    <a:avLst/>
+                  </a:prstTxWarp>
+                  <a:noAutofit/>
+                </a:bodyPr>
+                <a:lstStyle/>
+                <a:p>
+                  <a:pPr marL="0" marR="0" lvl="0" indent="0" defTabSz="932472" eaLnBrk="1" fontAlgn="base" latinLnBrk="0" hangingPunct="1">
+                    <a:lnSpc>
+                      <a:spcPct val="100000"/>
+                    </a:lnSpc>
+                    <a:spcBef>
+                      <a:spcPct val="0"/>
+                    </a:spcBef>
+                    <a:spcAft>
+                      <a:spcPct val="0"/>
+                    </a:spcAft>
+                    <a:buClrTx/>
+                    <a:buSzTx/>
+                    <a:buFontTx/>
+                    <a:buNone/>
+                    <a:tabLst/>
+                    <a:defRPr/>
+                  </a:pPr>
+                  <a:endParaRPr kumimoji="0" lang="en-US" sz="2000" b="0" i="0" u="none" strike="noStrike" kern="0" cap="none" spc="0" normalizeH="0" baseline="0" noProof="0" err="1">
+                    <a:ln>
+                      <a:noFill/>
+                    </a:ln>
+                    <a:gradFill>
+                      <a:gsLst>
+                        <a:gs pos="0">
+                          <a:srgbClr val="FFFFFF"/>
+                        </a:gs>
+                        <a:gs pos="100000">
+                          <a:srgbClr val="FFFFFF"/>
+                        </a:gs>
+                      </a:gsLst>
+                      <a:lin ang="5400000" scaled="0"/>
+                    </a:gradFill>
+                    <a:effectLst/>
+                    <a:uLnTx/>
+                    <a:uFillTx/>
+                    <a:latin typeface="Segoe UI"/>
+                    <a:ea typeface="Segoe UI" pitchFamily="34" charset="0"/>
+                    <a:cs typeface="Segoe UI" pitchFamily="34" charset="0"/>
+                  </a:endParaRPr>
+                </a:p>
+              </p:txBody>
+            </p:sp>
+            <p:grpSp>
+              <p:nvGrpSpPr>
+                <p:cNvPr id="368" name="Group 38">
+                  <a:extLst>
+                    <a:ext uri="{FF2B5EF4-FFF2-40B4-BE49-F238E27FC236}">
+                      <a16:creationId xmlns:a16="http://schemas.microsoft.com/office/drawing/2014/main" id="{5B097888-16E4-415C-B45F-8A6C432028C2}"/>
+                    </a:ext>
+                  </a:extLst>
+                </p:cNvPr>
+                <p:cNvGrpSpPr>
+                  <a:grpSpLocks noChangeAspect="1"/>
+                </p:cNvGrpSpPr>
+                <p:nvPr/>
+              </p:nvGrpSpPr>
+              <p:grpSpPr bwMode="auto">
+                <a:xfrm>
+                  <a:off x="8857446" y="3002683"/>
+                  <a:ext cx="165548" cy="72841"/>
+                  <a:chOff x="5455" y="1805"/>
+                  <a:chExt cx="375" cy="165"/>
+                </a:xfrm>
+              </p:grpSpPr>
+              <p:sp>
+                <p:nvSpPr>
+                  <p:cNvPr id="369" name="AutoShape 37">
+                    <a:extLst>
+                      <a:ext uri="{FF2B5EF4-FFF2-40B4-BE49-F238E27FC236}">
+                        <a16:creationId xmlns:a16="http://schemas.microsoft.com/office/drawing/2014/main" id="{1E00021A-B84A-4D56-97FF-16C8CBF31889}"/>
+                      </a:ext>
+                    </a:extLst>
+                  </p:cNvPr>
+                  <p:cNvSpPr>
+                    <a:spLocks noChangeAspect="1" noChangeArrowheads="1" noTextEdit="1"/>
+                  </p:cNvSpPr>
+                  <p:nvPr/>
+                </p:nvSpPr>
+                <p:spPr bwMode="auto">
+                  <a:xfrm>
+                    <a:off x="5455" y="1805"/>
+                    <a:ext cx="375" cy="165"/>
+                  </a:xfrm>
+                  <a:prstGeom prst="rect">
+                    <a:avLst/>
+                  </a:prstGeom>
+                  <a:noFill/>
+                  <a:ln>
+                    <a:noFill/>
+                  </a:ln>
+                  <a:extLst>
+                    <a:ext uri="{909E8E84-426E-40DD-AFC4-6F175D3DCCD1}">
+                      <a14:hiddenFill xmlns:a14="http://schemas.microsoft.com/office/drawing/2010/main">
+                        <a:solidFill>
+                          <a:srgbClr val="FFFFFF"/>
+                        </a:solidFill>
+                      </a14:hiddenFill>
+                    </a:ext>
+                    <a:ext uri="{91240B29-F687-4F45-9708-019B960494DF}">
+                      <a14:hiddenLine xmlns:a14="http://schemas.microsoft.com/office/drawing/2010/main" w="9525">
+                        <a:solidFill>
+                          <a:srgbClr val="000000"/>
+                        </a:solidFill>
+                        <a:miter lim="800000"/>
+                        <a:headEnd/>
+                        <a:tailEnd/>
+                      </a14:hiddenLine>
+                    </a:ext>
+                  </a:extLst>
+                </p:spPr>
+                <p:txBody>
+                  <a:bodyPr vert="horz" wrap="square" lIns="91440" tIns="45720" rIns="91440" bIns="45720" numCol="1" anchor="t" anchorCtr="0" compatLnSpc="1">
+                    <a:prstTxWarp prst="textNoShape">
+                      <a:avLst/>
+                    </a:prstTxWarp>
+                  </a:bodyPr>
+                  <a:lstStyle/>
+                  <a:p>
+                    <a:pPr marL="0" marR="0" lvl="0" indent="0" defTabSz="914367" eaLnBrk="1" fontAlgn="auto" latinLnBrk="0" hangingPunct="1">
+                      <a:lnSpc>
+                        <a:spcPct val="100000"/>
+                      </a:lnSpc>
+                      <a:spcBef>
+                        <a:spcPts val="0"/>
+                      </a:spcBef>
+                      <a:spcAft>
+                        <a:spcPts val="0"/>
+                      </a:spcAft>
+                      <a:buClrTx/>
+                      <a:buSzTx/>
+                      <a:buFontTx/>
+                      <a:buNone/>
+                      <a:tabLst/>
+                      <a:defRPr/>
+                    </a:pPr>
+                    <a:endParaRPr kumimoji="0" lang="en-US" sz="1765" b="0" i="0" u="none" strike="noStrike" kern="0" cap="none" spc="0" normalizeH="0" baseline="0" noProof="0">
+                      <a:ln>
+                        <a:noFill/>
+                      </a:ln>
+                      <a:solidFill>
+                        <a:srgbClr val="FFFFFF"/>
+                      </a:solidFill>
+                      <a:effectLst/>
+                      <a:uLnTx/>
+                      <a:uFillTx/>
+                      <a:latin typeface="Segoe UI"/>
+                    </a:endParaRPr>
+                  </a:p>
+                </p:txBody>
+              </p:sp>
+              <p:sp>
+                <p:nvSpPr>
+                  <p:cNvPr id="370" name="Freeform 39">
+                    <a:extLst>
+                      <a:ext uri="{FF2B5EF4-FFF2-40B4-BE49-F238E27FC236}">
+                        <a16:creationId xmlns:a16="http://schemas.microsoft.com/office/drawing/2014/main" id="{33C5DBE4-1745-47BA-9A39-79767A425CA7}"/>
+                      </a:ext>
+                    </a:extLst>
+                  </p:cNvPr>
+                  <p:cNvSpPr>
+                    <a:spLocks/>
+                  </p:cNvSpPr>
+                  <p:nvPr/>
+                </p:nvSpPr>
+                <p:spPr bwMode="auto">
+                  <a:xfrm>
+                    <a:off x="5722" y="1863"/>
+                    <a:ext cx="108" cy="107"/>
+                  </a:xfrm>
+                  <a:custGeom>
+                    <a:avLst/>
+                    <a:gdLst>
+                      <a:gd name="T0" fmla="*/ 83 w 108"/>
+                      <a:gd name="T1" fmla="*/ 0 h 107"/>
+                      <a:gd name="T2" fmla="*/ 108 w 108"/>
+                      <a:gd name="T3" fmla="*/ 24 h 107"/>
+                      <a:gd name="T4" fmla="*/ 25 w 108"/>
+                      <a:gd name="T5" fmla="*/ 107 h 107"/>
+                      <a:gd name="T6" fmla="*/ 0 w 108"/>
+                      <a:gd name="T7" fmla="*/ 82 h 107"/>
+                      <a:gd name="T8" fmla="*/ 83 w 108"/>
+                      <a:gd name="T9" fmla="*/ 0 h 107"/>
+                    </a:gdLst>
+                    <a:ahLst/>
+                    <a:cxnLst>
+                      <a:cxn ang="0">
+                        <a:pos x="T0" y="T1"/>
+                      </a:cxn>
+                      <a:cxn ang="0">
+                        <a:pos x="T2" y="T3"/>
+                      </a:cxn>
+                      <a:cxn ang="0">
+                        <a:pos x="T4" y="T5"/>
+                      </a:cxn>
+                      <a:cxn ang="0">
+                        <a:pos x="T6" y="T7"/>
+                      </a:cxn>
+                      <a:cxn ang="0">
+                        <a:pos x="T8" y="T9"/>
+                      </a:cxn>
+                    </a:cxnLst>
+                    <a:rect l="0" t="0" r="r" b="b"/>
+                    <a:pathLst>
+                      <a:path w="108" h="107">
+                        <a:moveTo>
+                          <a:pt x="83" y="0"/>
+                        </a:moveTo>
+                        <a:lnTo>
+                          <a:pt x="108" y="24"/>
+                        </a:lnTo>
+                        <a:lnTo>
+                          <a:pt x="25" y="107"/>
+                        </a:lnTo>
+                        <a:lnTo>
+                          <a:pt x="0" y="82"/>
+                        </a:lnTo>
+                        <a:lnTo>
+                          <a:pt x="83" y="0"/>
+                        </a:lnTo>
+                        <a:close/>
+                      </a:path>
+                    </a:pathLst>
+                  </a:custGeom>
+                  <a:solidFill>
+                    <a:srgbClr val="FFFFFF"/>
+                  </a:solidFill>
+                  <a:ln>
+                    <a:noFill/>
+                  </a:ln>
+                  <a:extLst>
+                    <a:ext uri="{91240B29-F687-4F45-9708-019B960494DF}">
+                      <a14:hiddenLine xmlns:a14="http://schemas.microsoft.com/office/drawing/2010/main" w="9525">
+                        <a:solidFill>
+                          <a:srgbClr val="000000"/>
+                        </a:solidFill>
+                        <a:round/>
+                        <a:headEnd/>
+                        <a:tailEnd/>
+                      </a14:hiddenLine>
+                    </a:ext>
+                  </a:extLst>
+                </p:spPr>
+                <p:txBody>
+                  <a:bodyPr vert="horz" wrap="square" lIns="91440" tIns="45720" rIns="91440" bIns="45720" numCol="1" anchor="t" anchorCtr="0" compatLnSpc="1">
+                    <a:prstTxWarp prst="textNoShape">
+                      <a:avLst/>
+                    </a:prstTxWarp>
+                  </a:bodyPr>
+                  <a:lstStyle/>
+                  <a:p>
+                    <a:pPr marL="0" marR="0" lvl="0" indent="0" defTabSz="914367" eaLnBrk="1" fontAlgn="auto" latinLnBrk="0" hangingPunct="1">
+                      <a:lnSpc>
+                        <a:spcPct val="100000"/>
+                      </a:lnSpc>
+                      <a:spcBef>
+                        <a:spcPts val="0"/>
+                      </a:spcBef>
+                      <a:spcAft>
+                        <a:spcPts val="0"/>
+                      </a:spcAft>
+                      <a:buClrTx/>
+                      <a:buSzTx/>
+                      <a:buFontTx/>
+                      <a:buNone/>
+                      <a:tabLst/>
+                      <a:defRPr/>
+                    </a:pPr>
+                    <a:endParaRPr kumimoji="0" lang="en-US" sz="1765" b="0" i="0" u="none" strike="noStrike" kern="0" cap="none" spc="0" normalizeH="0" baseline="0" noProof="0">
+                      <a:ln>
+                        <a:noFill/>
+                      </a:ln>
+                      <a:solidFill>
+                        <a:srgbClr val="FFFFFF"/>
+                      </a:solidFill>
+                      <a:effectLst/>
+                      <a:uLnTx/>
+                      <a:uFillTx/>
+                      <a:latin typeface="Segoe UI"/>
+                    </a:endParaRPr>
+                  </a:p>
+                </p:txBody>
+              </p:sp>
+              <p:sp>
+                <p:nvSpPr>
+                  <p:cNvPr id="371" name="Freeform 40">
+                    <a:extLst>
+                      <a:ext uri="{FF2B5EF4-FFF2-40B4-BE49-F238E27FC236}">
+                        <a16:creationId xmlns:a16="http://schemas.microsoft.com/office/drawing/2014/main" id="{0BAF450B-9F74-4DED-8A94-09354DEE5209}"/>
+                      </a:ext>
+                    </a:extLst>
+                  </p:cNvPr>
+                  <p:cNvSpPr>
+                    <a:spLocks/>
+                  </p:cNvSpPr>
+                  <p:nvPr/>
+                </p:nvSpPr>
+                <p:spPr bwMode="auto">
+                  <a:xfrm>
+                    <a:off x="5722" y="1805"/>
+                    <a:ext cx="108" cy="107"/>
+                  </a:xfrm>
+                  <a:custGeom>
+                    <a:avLst/>
+                    <a:gdLst>
+                      <a:gd name="T0" fmla="*/ 108 w 108"/>
+                      <a:gd name="T1" fmla="*/ 82 h 107"/>
+                      <a:gd name="T2" fmla="*/ 83 w 108"/>
+                      <a:gd name="T3" fmla="*/ 107 h 107"/>
+                      <a:gd name="T4" fmla="*/ 0 w 108"/>
+                      <a:gd name="T5" fmla="*/ 25 h 107"/>
+                      <a:gd name="T6" fmla="*/ 25 w 108"/>
+                      <a:gd name="T7" fmla="*/ 0 h 107"/>
+                      <a:gd name="T8" fmla="*/ 108 w 108"/>
+                      <a:gd name="T9" fmla="*/ 82 h 107"/>
+                    </a:gdLst>
+                    <a:ahLst/>
+                    <a:cxnLst>
+                      <a:cxn ang="0">
+                        <a:pos x="T0" y="T1"/>
+                      </a:cxn>
+                      <a:cxn ang="0">
+                        <a:pos x="T2" y="T3"/>
+                      </a:cxn>
+                      <a:cxn ang="0">
+                        <a:pos x="T4" y="T5"/>
+                      </a:cxn>
+                      <a:cxn ang="0">
+                        <a:pos x="T6" y="T7"/>
+                      </a:cxn>
+                      <a:cxn ang="0">
+                        <a:pos x="T8" y="T9"/>
+                      </a:cxn>
+                    </a:cxnLst>
+                    <a:rect l="0" t="0" r="r" b="b"/>
+                    <a:pathLst>
+                      <a:path w="108" h="107">
+                        <a:moveTo>
+                          <a:pt x="108" y="82"/>
+                        </a:moveTo>
+                        <a:lnTo>
+                          <a:pt x="83" y="107"/>
+                        </a:lnTo>
+                        <a:lnTo>
+                          <a:pt x="0" y="25"/>
+                        </a:lnTo>
+                        <a:lnTo>
+                          <a:pt x="25" y="0"/>
+                        </a:lnTo>
+                        <a:lnTo>
+                          <a:pt x="108" y="82"/>
+                        </a:lnTo>
+                        <a:close/>
+                      </a:path>
+                    </a:pathLst>
+                  </a:custGeom>
+                  <a:solidFill>
+                    <a:srgbClr val="FFFFFF"/>
+                  </a:solidFill>
+                  <a:ln>
+                    <a:noFill/>
+                  </a:ln>
+                  <a:extLst>
+                    <a:ext uri="{91240B29-F687-4F45-9708-019B960494DF}">
+                      <a14:hiddenLine xmlns:a14="http://schemas.microsoft.com/office/drawing/2010/main" w="9525">
+                        <a:solidFill>
+                          <a:srgbClr val="000000"/>
+                        </a:solidFill>
+                        <a:round/>
+                        <a:headEnd/>
+                        <a:tailEnd/>
+                      </a14:hiddenLine>
+                    </a:ext>
+                  </a:extLst>
+                </p:spPr>
+                <p:txBody>
+                  <a:bodyPr vert="horz" wrap="square" lIns="91440" tIns="45720" rIns="91440" bIns="45720" numCol="1" anchor="t" anchorCtr="0" compatLnSpc="1">
+                    <a:prstTxWarp prst="textNoShape">
+                      <a:avLst/>
+                    </a:prstTxWarp>
+                  </a:bodyPr>
+                  <a:lstStyle/>
+                  <a:p>
+                    <a:pPr marL="0" marR="0" lvl="0" indent="0" defTabSz="914367" eaLnBrk="1" fontAlgn="auto" latinLnBrk="0" hangingPunct="1">
+                      <a:lnSpc>
+                        <a:spcPct val="100000"/>
+                      </a:lnSpc>
+                      <a:spcBef>
+                        <a:spcPts val="0"/>
+                      </a:spcBef>
+                      <a:spcAft>
+                        <a:spcPts val="0"/>
+                      </a:spcAft>
+                      <a:buClrTx/>
+                      <a:buSzTx/>
+                      <a:buFontTx/>
+                      <a:buNone/>
+                      <a:tabLst/>
+                      <a:defRPr/>
+                    </a:pPr>
+                    <a:endParaRPr kumimoji="0" lang="en-US" sz="1765" b="0" i="0" u="none" strike="noStrike" kern="0" cap="none" spc="0" normalizeH="0" baseline="0" noProof="0">
+                      <a:ln>
+                        <a:noFill/>
+                      </a:ln>
+                      <a:solidFill>
+                        <a:srgbClr val="FFFFFF"/>
+                      </a:solidFill>
+                      <a:effectLst/>
+                      <a:uLnTx/>
+                      <a:uFillTx/>
+                      <a:latin typeface="Segoe UI"/>
+                    </a:endParaRPr>
+                  </a:p>
+                </p:txBody>
+              </p:sp>
+              <p:sp>
+                <p:nvSpPr>
+                  <p:cNvPr id="372" name="Freeform 41">
+                    <a:extLst>
+                      <a:ext uri="{FF2B5EF4-FFF2-40B4-BE49-F238E27FC236}">
+                        <a16:creationId xmlns:a16="http://schemas.microsoft.com/office/drawing/2014/main" id="{B118058A-4019-4D51-BB0E-E4BFA91E6B28}"/>
+                      </a:ext>
+                    </a:extLst>
+                  </p:cNvPr>
+                  <p:cNvSpPr>
+                    <a:spLocks/>
+                  </p:cNvSpPr>
+                  <p:nvPr/>
+                </p:nvSpPr>
+                <p:spPr bwMode="auto">
+                  <a:xfrm>
+                    <a:off x="5455" y="1863"/>
+                    <a:ext cx="108" cy="107"/>
+                  </a:xfrm>
+                  <a:custGeom>
+                    <a:avLst/>
+                    <a:gdLst>
+                      <a:gd name="T0" fmla="*/ 25 w 108"/>
+                      <a:gd name="T1" fmla="*/ 0 h 107"/>
+                      <a:gd name="T2" fmla="*/ 0 w 108"/>
+                      <a:gd name="T3" fmla="*/ 24 h 107"/>
+                      <a:gd name="T4" fmla="*/ 83 w 108"/>
+                      <a:gd name="T5" fmla="*/ 107 h 107"/>
+                      <a:gd name="T6" fmla="*/ 108 w 108"/>
+                      <a:gd name="T7" fmla="*/ 82 h 107"/>
+                      <a:gd name="T8" fmla="*/ 25 w 108"/>
+                      <a:gd name="T9" fmla="*/ 0 h 107"/>
+                    </a:gdLst>
+                    <a:ahLst/>
+                    <a:cxnLst>
+                      <a:cxn ang="0">
+                        <a:pos x="T0" y="T1"/>
+                      </a:cxn>
+                      <a:cxn ang="0">
+                        <a:pos x="T2" y="T3"/>
+                      </a:cxn>
+                      <a:cxn ang="0">
+                        <a:pos x="T4" y="T5"/>
+                      </a:cxn>
+                      <a:cxn ang="0">
+                        <a:pos x="T6" y="T7"/>
+                      </a:cxn>
+                      <a:cxn ang="0">
+                        <a:pos x="T8" y="T9"/>
+                      </a:cxn>
+                    </a:cxnLst>
+                    <a:rect l="0" t="0" r="r" b="b"/>
+                    <a:pathLst>
+                      <a:path w="108" h="107">
+                        <a:moveTo>
+                          <a:pt x="25" y="0"/>
+                        </a:moveTo>
+                        <a:lnTo>
+                          <a:pt x="0" y="24"/>
+                        </a:lnTo>
+                        <a:lnTo>
+                          <a:pt x="83" y="107"/>
+                        </a:lnTo>
+                        <a:lnTo>
+                          <a:pt x="108" y="82"/>
+                        </a:lnTo>
+                        <a:lnTo>
+                          <a:pt x="25" y="0"/>
+                        </a:lnTo>
+                        <a:close/>
+                      </a:path>
+                    </a:pathLst>
+                  </a:custGeom>
+                  <a:solidFill>
+                    <a:srgbClr val="FFFFFF"/>
+                  </a:solidFill>
+                  <a:ln>
+                    <a:noFill/>
+                  </a:ln>
+                  <a:extLst>
+                    <a:ext uri="{91240B29-F687-4F45-9708-019B960494DF}">
+                      <a14:hiddenLine xmlns:a14="http://schemas.microsoft.com/office/drawing/2010/main" w="9525">
+                        <a:solidFill>
+                          <a:srgbClr val="000000"/>
+                        </a:solidFill>
+                        <a:round/>
+                        <a:headEnd/>
+                        <a:tailEnd/>
+                      </a14:hiddenLine>
+                    </a:ext>
+                  </a:extLst>
+                </p:spPr>
+                <p:txBody>
+                  <a:bodyPr vert="horz" wrap="square" lIns="91440" tIns="45720" rIns="91440" bIns="45720" numCol="1" anchor="t" anchorCtr="0" compatLnSpc="1">
+                    <a:prstTxWarp prst="textNoShape">
+                      <a:avLst/>
+                    </a:prstTxWarp>
+                  </a:bodyPr>
+                  <a:lstStyle/>
+                  <a:p>
+                    <a:pPr marL="0" marR="0" lvl="0" indent="0" defTabSz="914367" eaLnBrk="1" fontAlgn="auto" latinLnBrk="0" hangingPunct="1">
+                      <a:lnSpc>
+                        <a:spcPct val="100000"/>
+                      </a:lnSpc>
+                      <a:spcBef>
+                        <a:spcPts val="0"/>
+                      </a:spcBef>
+                      <a:spcAft>
+                        <a:spcPts val="0"/>
+                      </a:spcAft>
+                      <a:buClrTx/>
+                      <a:buSzTx/>
+                      <a:buFontTx/>
+                      <a:buNone/>
+                      <a:tabLst/>
+                      <a:defRPr/>
+                    </a:pPr>
+                    <a:endParaRPr kumimoji="0" lang="en-US" sz="1765" b="0" i="0" u="none" strike="noStrike" kern="0" cap="none" spc="0" normalizeH="0" baseline="0" noProof="0">
+                      <a:ln>
+                        <a:noFill/>
+                      </a:ln>
+                      <a:solidFill>
+                        <a:srgbClr val="FFFFFF"/>
+                      </a:solidFill>
+                      <a:effectLst/>
+                      <a:uLnTx/>
+                      <a:uFillTx/>
+                      <a:latin typeface="Segoe UI"/>
+                    </a:endParaRPr>
+                  </a:p>
+                </p:txBody>
+              </p:sp>
+              <p:sp>
+                <p:nvSpPr>
+                  <p:cNvPr id="373" name="Freeform 42">
+                    <a:extLst>
+                      <a:ext uri="{FF2B5EF4-FFF2-40B4-BE49-F238E27FC236}">
+                        <a16:creationId xmlns:a16="http://schemas.microsoft.com/office/drawing/2014/main" id="{5E2B1833-1884-4C6C-B550-A13FEFDEEFF7}"/>
+                      </a:ext>
+                    </a:extLst>
+                  </p:cNvPr>
+                  <p:cNvSpPr>
+                    <a:spLocks/>
+                  </p:cNvSpPr>
+                  <p:nvPr/>
+                </p:nvSpPr>
+                <p:spPr bwMode="auto">
+                  <a:xfrm>
+                    <a:off x="5455" y="1805"/>
+                    <a:ext cx="108" cy="107"/>
+                  </a:xfrm>
+                  <a:custGeom>
+                    <a:avLst/>
+                    <a:gdLst>
+                      <a:gd name="T0" fmla="*/ 0 w 108"/>
+                      <a:gd name="T1" fmla="*/ 82 h 107"/>
+                      <a:gd name="T2" fmla="*/ 25 w 108"/>
+                      <a:gd name="T3" fmla="*/ 107 h 107"/>
+                      <a:gd name="T4" fmla="*/ 108 w 108"/>
+                      <a:gd name="T5" fmla="*/ 25 h 107"/>
+                      <a:gd name="T6" fmla="*/ 83 w 108"/>
+                      <a:gd name="T7" fmla="*/ 0 h 107"/>
+                      <a:gd name="T8" fmla="*/ 0 w 108"/>
+                      <a:gd name="T9" fmla="*/ 82 h 107"/>
+                    </a:gdLst>
+                    <a:ahLst/>
+                    <a:cxnLst>
+                      <a:cxn ang="0">
+                        <a:pos x="T0" y="T1"/>
+                      </a:cxn>
+                      <a:cxn ang="0">
+                        <a:pos x="T2" y="T3"/>
+                      </a:cxn>
+                      <a:cxn ang="0">
+                        <a:pos x="T4" y="T5"/>
+                      </a:cxn>
+                      <a:cxn ang="0">
+                        <a:pos x="T6" y="T7"/>
+                      </a:cxn>
+                      <a:cxn ang="0">
+                        <a:pos x="T8" y="T9"/>
+                      </a:cxn>
+                    </a:cxnLst>
+                    <a:rect l="0" t="0" r="r" b="b"/>
+                    <a:pathLst>
+                      <a:path w="108" h="107">
+                        <a:moveTo>
+                          <a:pt x="0" y="82"/>
+                        </a:moveTo>
+                        <a:lnTo>
+                          <a:pt x="25" y="107"/>
+                        </a:lnTo>
+                        <a:lnTo>
+                          <a:pt x="108" y="25"/>
+                        </a:lnTo>
+                        <a:lnTo>
+                          <a:pt x="83" y="0"/>
+                        </a:lnTo>
+                        <a:lnTo>
+                          <a:pt x="0" y="82"/>
+                        </a:lnTo>
+                        <a:close/>
+                      </a:path>
+                    </a:pathLst>
+                  </a:custGeom>
+                  <a:solidFill>
+                    <a:srgbClr val="FFFFFF"/>
+                  </a:solidFill>
+                  <a:ln>
+                    <a:noFill/>
+                  </a:ln>
+                  <a:extLst>
+                    <a:ext uri="{91240B29-F687-4F45-9708-019B960494DF}">
+                      <a14:hiddenLine xmlns:a14="http://schemas.microsoft.com/office/drawing/2010/main" w="9525">
+                        <a:solidFill>
+                          <a:srgbClr val="000000"/>
+                        </a:solidFill>
+                        <a:round/>
+                        <a:headEnd/>
+                        <a:tailEnd/>
+                      </a14:hiddenLine>
+                    </a:ext>
+                  </a:extLst>
+                </p:spPr>
+                <p:txBody>
+                  <a:bodyPr vert="horz" wrap="square" lIns="91440" tIns="45720" rIns="91440" bIns="45720" numCol="1" anchor="t" anchorCtr="0" compatLnSpc="1">
+                    <a:prstTxWarp prst="textNoShape">
+                      <a:avLst/>
+                    </a:prstTxWarp>
+                  </a:bodyPr>
+                  <a:lstStyle/>
+                  <a:p>
+                    <a:pPr marL="0" marR="0" lvl="0" indent="0" defTabSz="914367" eaLnBrk="1" fontAlgn="auto" latinLnBrk="0" hangingPunct="1">
+                      <a:lnSpc>
+                        <a:spcPct val="100000"/>
+                      </a:lnSpc>
+                      <a:spcBef>
+                        <a:spcPts val="0"/>
+                      </a:spcBef>
+                      <a:spcAft>
+                        <a:spcPts val="0"/>
+                      </a:spcAft>
+                      <a:buClrTx/>
+                      <a:buSzTx/>
+                      <a:buFontTx/>
+                      <a:buNone/>
+                      <a:tabLst/>
+                      <a:defRPr/>
+                    </a:pPr>
+                    <a:endParaRPr kumimoji="0" lang="en-US" sz="1765" b="0" i="0" u="none" strike="noStrike" kern="0" cap="none" spc="0" normalizeH="0" baseline="0" noProof="0">
+                      <a:ln>
+                        <a:noFill/>
+                      </a:ln>
+                      <a:solidFill>
+                        <a:srgbClr val="FFFFFF"/>
+                      </a:solidFill>
+                      <a:effectLst/>
+                      <a:uLnTx/>
+                      <a:uFillTx/>
+                      <a:latin typeface="Segoe UI"/>
+                    </a:endParaRPr>
+                  </a:p>
+                </p:txBody>
+              </p:sp>
+              <p:sp>
+                <p:nvSpPr>
+                  <p:cNvPr id="374" name="Oval 43">
+                    <a:extLst>
+                      <a:ext uri="{FF2B5EF4-FFF2-40B4-BE49-F238E27FC236}">
+                        <a16:creationId xmlns:a16="http://schemas.microsoft.com/office/drawing/2014/main" id="{7D518B94-FAEF-412C-8D10-84C513BF7980}"/>
+                      </a:ext>
+                    </a:extLst>
+                  </p:cNvPr>
+                  <p:cNvSpPr>
+                    <a:spLocks noChangeArrowheads="1"/>
+                  </p:cNvSpPr>
+                  <p:nvPr/>
+                </p:nvSpPr>
+                <p:spPr bwMode="auto">
+                  <a:xfrm>
+                    <a:off x="5625" y="1870"/>
+                    <a:ext cx="35" cy="35"/>
+                  </a:xfrm>
+                  <a:prstGeom prst="ellipse">
+                    <a:avLst/>
+                  </a:prstGeom>
+                  <a:solidFill>
+                    <a:srgbClr val="50E6FF"/>
+                  </a:solidFill>
+                  <a:ln>
+                    <a:noFill/>
+                  </a:ln>
+                  <a:extLst>
+                    <a:ext uri="{91240B29-F687-4F45-9708-019B960494DF}">
+                      <a14:hiddenLine xmlns:a14="http://schemas.microsoft.com/office/drawing/2010/main" w="9525">
+                        <a:solidFill>
+                          <a:srgbClr val="000000"/>
+                        </a:solidFill>
+                        <a:round/>
+                        <a:headEnd/>
+                        <a:tailEnd/>
+                      </a14:hiddenLine>
+                    </a:ext>
+                  </a:extLst>
+                </p:spPr>
+                <p:txBody>
+                  <a:bodyPr vert="horz" wrap="square" lIns="91440" tIns="45720" rIns="91440" bIns="45720" numCol="1" anchor="t" anchorCtr="0" compatLnSpc="1">
+                    <a:prstTxWarp prst="textNoShape">
+                      <a:avLst/>
+                    </a:prstTxWarp>
+                  </a:bodyPr>
+                  <a:lstStyle/>
+                  <a:p>
+                    <a:pPr marL="0" marR="0" lvl="0" indent="0" defTabSz="914367" eaLnBrk="1" fontAlgn="auto" latinLnBrk="0" hangingPunct="1">
+                      <a:lnSpc>
+                        <a:spcPct val="100000"/>
+                      </a:lnSpc>
+                      <a:spcBef>
+                        <a:spcPts val="0"/>
+                      </a:spcBef>
+                      <a:spcAft>
+                        <a:spcPts val="0"/>
+                      </a:spcAft>
+                      <a:buClrTx/>
+                      <a:buSzTx/>
+                      <a:buFontTx/>
+                      <a:buNone/>
+                      <a:tabLst/>
+                      <a:defRPr/>
+                    </a:pPr>
+                    <a:endParaRPr kumimoji="0" lang="en-US" sz="1765" b="0" i="0" u="none" strike="noStrike" kern="0" cap="none" spc="0" normalizeH="0" baseline="0" noProof="0">
+                      <a:ln>
+                        <a:noFill/>
+                      </a:ln>
+                      <a:solidFill>
+                        <a:srgbClr val="FFFFFF"/>
+                      </a:solidFill>
+                      <a:effectLst/>
+                      <a:uLnTx/>
+                      <a:uFillTx/>
+                      <a:latin typeface="Segoe UI"/>
+                    </a:endParaRPr>
+                  </a:p>
+                </p:txBody>
+              </p:sp>
+              <p:sp>
+                <p:nvSpPr>
+                  <p:cNvPr id="375" name="Oval 44">
+                    <a:extLst>
+                      <a:ext uri="{FF2B5EF4-FFF2-40B4-BE49-F238E27FC236}">
+                        <a16:creationId xmlns:a16="http://schemas.microsoft.com/office/drawing/2014/main" id="{3B89B784-421F-40AA-89BD-F58FE77462EB}"/>
+                      </a:ext>
+                    </a:extLst>
+                  </p:cNvPr>
+                  <p:cNvSpPr>
+                    <a:spLocks noChangeArrowheads="1"/>
+                  </p:cNvSpPr>
+                  <p:nvPr/>
+                </p:nvSpPr>
+                <p:spPr bwMode="auto">
+                  <a:xfrm>
+                    <a:off x="5678" y="1870"/>
+                    <a:ext cx="35" cy="35"/>
+                  </a:xfrm>
+                  <a:prstGeom prst="ellipse">
+                    <a:avLst/>
+                  </a:prstGeom>
+                  <a:solidFill>
+                    <a:srgbClr val="50E6FF"/>
+                  </a:solidFill>
+                  <a:ln>
+                    <a:noFill/>
+                  </a:ln>
+                  <a:extLst>
+                    <a:ext uri="{91240B29-F687-4F45-9708-019B960494DF}">
+                      <a14:hiddenLine xmlns:a14="http://schemas.microsoft.com/office/drawing/2010/main" w="9525">
+                        <a:solidFill>
+                          <a:srgbClr val="000000"/>
+                        </a:solidFill>
+                        <a:round/>
+                        <a:headEnd/>
+                        <a:tailEnd/>
+                      </a14:hiddenLine>
+                    </a:ext>
+                  </a:extLst>
+                </p:spPr>
+                <p:txBody>
+                  <a:bodyPr vert="horz" wrap="square" lIns="91440" tIns="45720" rIns="91440" bIns="45720" numCol="1" anchor="t" anchorCtr="0" compatLnSpc="1">
+                    <a:prstTxWarp prst="textNoShape">
+                      <a:avLst/>
+                    </a:prstTxWarp>
+                  </a:bodyPr>
+                  <a:lstStyle/>
+                  <a:p>
+                    <a:pPr marL="0" marR="0" lvl="0" indent="0" defTabSz="914367" eaLnBrk="1" fontAlgn="auto" latinLnBrk="0" hangingPunct="1">
+                      <a:lnSpc>
+                        <a:spcPct val="100000"/>
+                      </a:lnSpc>
+                      <a:spcBef>
+                        <a:spcPts val="0"/>
+                      </a:spcBef>
+                      <a:spcAft>
+                        <a:spcPts val="0"/>
+                      </a:spcAft>
+                      <a:buClrTx/>
+                      <a:buSzTx/>
+                      <a:buFontTx/>
+                      <a:buNone/>
+                      <a:tabLst/>
+                      <a:defRPr/>
+                    </a:pPr>
+                    <a:endParaRPr kumimoji="0" lang="en-US" sz="1765" b="0" i="0" u="none" strike="noStrike" kern="0" cap="none" spc="0" normalizeH="0" baseline="0" noProof="0">
+                      <a:ln>
+                        <a:noFill/>
+                      </a:ln>
+                      <a:solidFill>
+                        <a:srgbClr val="FFFFFF"/>
+                      </a:solidFill>
+                      <a:effectLst/>
+                      <a:uLnTx/>
+                      <a:uFillTx/>
+                      <a:latin typeface="Segoe UI"/>
+                    </a:endParaRPr>
+                  </a:p>
+                </p:txBody>
+              </p:sp>
+              <p:sp>
+                <p:nvSpPr>
+                  <p:cNvPr id="376" name="Oval 45">
+                    <a:extLst>
+                      <a:ext uri="{FF2B5EF4-FFF2-40B4-BE49-F238E27FC236}">
+                        <a16:creationId xmlns:a16="http://schemas.microsoft.com/office/drawing/2014/main" id="{AF35C92D-C182-4330-8764-BF4C45D16D98}"/>
+                      </a:ext>
+                    </a:extLst>
+                  </p:cNvPr>
+                  <p:cNvSpPr>
+                    <a:spLocks noChangeArrowheads="1"/>
+                  </p:cNvSpPr>
+                  <p:nvPr/>
+                </p:nvSpPr>
+                <p:spPr bwMode="auto">
+                  <a:xfrm>
+                    <a:off x="5572" y="1870"/>
+                    <a:ext cx="35" cy="35"/>
+                  </a:xfrm>
+                  <a:prstGeom prst="ellipse">
+                    <a:avLst/>
+                  </a:prstGeom>
+                  <a:solidFill>
+                    <a:srgbClr val="50E6FF"/>
+                  </a:solidFill>
+                  <a:ln>
+                    <a:noFill/>
+                  </a:ln>
+                  <a:extLst>
+                    <a:ext uri="{91240B29-F687-4F45-9708-019B960494DF}">
+                      <a14:hiddenLine xmlns:a14="http://schemas.microsoft.com/office/drawing/2010/main" w="9525">
+                        <a:solidFill>
+                          <a:srgbClr val="000000"/>
+                        </a:solidFill>
+                        <a:round/>
+                        <a:headEnd/>
+                        <a:tailEnd/>
+                      </a14:hiddenLine>
+                    </a:ext>
+                  </a:extLst>
+                </p:spPr>
+                <p:txBody>
+                  <a:bodyPr vert="horz" wrap="square" lIns="91440" tIns="45720" rIns="91440" bIns="45720" numCol="1" anchor="t" anchorCtr="0" compatLnSpc="1">
+                    <a:prstTxWarp prst="textNoShape">
+                      <a:avLst/>
+                    </a:prstTxWarp>
+                  </a:bodyPr>
+                  <a:lstStyle/>
+                  <a:p>
+                    <a:pPr marL="0" marR="0" lvl="0" indent="0" defTabSz="914367" eaLnBrk="1" fontAlgn="auto" latinLnBrk="0" hangingPunct="1">
+                      <a:lnSpc>
+                        <a:spcPct val="100000"/>
+                      </a:lnSpc>
+                      <a:spcBef>
+                        <a:spcPts val="0"/>
+                      </a:spcBef>
+                      <a:spcAft>
+                        <a:spcPts val="0"/>
+                      </a:spcAft>
+                      <a:buClrTx/>
+                      <a:buSzTx/>
+                      <a:buFontTx/>
+                      <a:buNone/>
+                      <a:tabLst/>
+                      <a:defRPr/>
+                    </a:pPr>
+                    <a:endParaRPr kumimoji="0" lang="en-US" sz="1765" b="0" i="0" u="none" strike="noStrike" kern="0" cap="none" spc="0" normalizeH="0" baseline="0" noProof="0">
+                      <a:ln>
+                        <a:noFill/>
+                      </a:ln>
+                      <a:solidFill>
+                        <a:srgbClr val="FFFFFF"/>
+                      </a:solidFill>
+                      <a:effectLst/>
+                      <a:uLnTx/>
+                      <a:uFillTx/>
+                      <a:latin typeface="Segoe UI"/>
+                    </a:endParaRPr>
+                  </a:p>
+                </p:txBody>
+              </p:sp>
+            </p:grpSp>
+          </p:grpSp>
+          <p:grpSp>
+            <p:nvGrpSpPr>
+              <p:cNvPr id="377" name="Group 376">
+                <a:extLst>
+                  <a:ext uri="{FF2B5EF4-FFF2-40B4-BE49-F238E27FC236}">
+                    <a16:creationId xmlns:a16="http://schemas.microsoft.com/office/drawing/2014/main" id="{7C9DC8F7-A3C8-4ECB-986A-4FC1A7023F45}"/>
+                  </a:ext>
+                </a:extLst>
+              </p:cNvPr>
+              <p:cNvGrpSpPr/>
+              <p:nvPr/>
+            </p:nvGrpSpPr>
+            <p:grpSpPr>
+              <a:xfrm>
+                <a:off x="5431266" y="2841894"/>
+                <a:ext cx="491795" cy="491795"/>
+                <a:chOff x="8830394" y="2929277"/>
+                <a:chExt cx="219652" cy="219652"/>
+              </a:xfrm>
+            </p:grpSpPr>
+            <p:sp>
+              <p:nvSpPr>
+                <p:cNvPr id="378" name="Oval 377">
+                  <a:extLst>
+                    <a:ext uri="{FF2B5EF4-FFF2-40B4-BE49-F238E27FC236}">
+                      <a16:creationId xmlns:a16="http://schemas.microsoft.com/office/drawing/2014/main" id="{5AD4A1E3-A025-4972-99A1-9DE321157287}"/>
+                    </a:ext>
+                  </a:extLst>
+                </p:cNvPr>
+                <p:cNvSpPr/>
+                <p:nvPr/>
+              </p:nvSpPr>
+              <p:spPr bwMode="auto">
+                <a:xfrm>
+                  <a:off x="8830394" y="2929277"/>
+                  <a:ext cx="219652" cy="219652"/>
+                </a:xfrm>
+                <a:prstGeom prst="ellipse">
+                  <a:avLst/>
+                </a:prstGeom>
+                <a:solidFill>
+                  <a:srgbClr val="0078D4"/>
+                </a:solidFill>
+                <a:ln w="9525" cap="flat" cmpd="sng" algn="ctr">
+                  <a:noFill/>
+                  <a:prstDash val="solid"/>
+                  <a:headEnd type="none" w="med" len="med"/>
+                  <a:tailEnd type="none" w="med" len="med"/>
+                </a:ln>
+                <a:effectLst>
+                  <a:outerShdw blurRad="50800" dist="38100" dir="10800000" algn="r" rotWithShape="0">
+                    <a:prstClr val="black">
+                      <a:alpha val="40000"/>
+                    </a:prstClr>
+                  </a:outerShdw>
+                </a:effectLst>
+              </p:spPr>
+              <p:txBody>
+                <a:bodyPr rot="0" spcFirstLastPara="0" vertOverflow="overflow" horzOverflow="overflow" vert="horz" wrap="square" lIns="182880" tIns="146304" rIns="182880" bIns="146304" numCol="1" spcCol="0" rtlCol="0" fromWordArt="0" anchor="t" anchorCtr="0" forceAA="0" compatLnSpc="1">
+                  <a:prstTxWarp prst="textNoShape">
+                    <a:avLst/>
+                  </a:prstTxWarp>
+                  <a:noAutofit/>
+                </a:bodyPr>
+                <a:lstStyle/>
+                <a:p>
+                  <a:pPr marL="0" marR="0" lvl="0" indent="0" defTabSz="932472" eaLnBrk="1" fontAlgn="base" latinLnBrk="0" hangingPunct="1">
+                    <a:lnSpc>
+                      <a:spcPct val="100000"/>
+                    </a:lnSpc>
+                    <a:spcBef>
+                      <a:spcPct val="0"/>
+                    </a:spcBef>
+                    <a:spcAft>
+                      <a:spcPct val="0"/>
+                    </a:spcAft>
+                    <a:buClrTx/>
+                    <a:buSzTx/>
+                    <a:buFontTx/>
+                    <a:buNone/>
+                    <a:tabLst/>
+                    <a:defRPr/>
+                  </a:pPr>
+                  <a:endParaRPr kumimoji="0" lang="en-US" sz="2000" b="0" i="0" u="none" strike="noStrike" kern="0" cap="none" spc="0" normalizeH="0" baseline="0" noProof="0" err="1">
+                    <a:ln>
+                      <a:noFill/>
+                    </a:ln>
+                    <a:gradFill>
+                      <a:gsLst>
+                        <a:gs pos="0">
+                          <a:srgbClr val="FFFFFF"/>
+                        </a:gs>
+                        <a:gs pos="100000">
+                          <a:srgbClr val="FFFFFF"/>
+                        </a:gs>
+                      </a:gsLst>
+                      <a:lin ang="5400000" scaled="0"/>
+                    </a:gradFill>
+                    <a:effectLst/>
+                    <a:uLnTx/>
+                    <a:uFillTx/>
+                    <a:latin typeface="Segoe UI"/>
+                    <a:ea typeface="Segoe UI" pitchFamily="34" charset="0"/>
+                    <a:cs typeface="Segoe UI" pitchFamily="34" charset="0"/>
+                  </a:endParaRPr>
+                </a:p>
+              </p:txBody>
+            </p:sp>
+            <p:grpSp>
+              <p:nvGrpSpPr>
+                <p:cNvPr id="379" name="Group 38">
+                  <a:extLst>
+                    <a:ext uri="{FF2B5EF4-FFF2-40B4-BE49-F238E27FC236}">
+                      <a16:creationId xmlns:a16="http://schemas.microsoft.com/office/drawing/2014/main" id="{26AFC9E5-D0A4-47DE-ACA3-5D43168D123E}"/>
+                    </a:ext>
+                  </a:extLst>
+                </p:cNvPr>
+                <p:cNvGrpSpPr>
+                  <a:grpSpLocks noChangeAspect="1"/>
+                </p:cNvGrpSpPr>
+                <p:nvPr/>
+              </p:nvGrpSpPr>
+              <p:grpSpPr bwMode="auto">
+                <a:xfrm>
+                  <a:off x="8857446" y="3002683"/>
+                  <a:ext cx="165548" cy="72841"/>
+                  <a:chOff x="5455" y="1805"/>
+                  <a:chExt cx="375" cy="165"/>
+                </a:xfrm>
+              </p:grpSpPr>
+              <p:sp>
+                <p:nvSpPr>
+                  <p:cNvPr id="380" name="AutoShape 37">
+                    <a:extLst>
+                      <a:ext uri="{FF2B5EF4-FFF2-40B4-BE49-F238E27FC236}">
+                        <a16:creationId xmlns:a16="http://schemas.microsoft.com/office/drawing/2014/main" id="{C3E31CC9-0EC9-4458-992D-5D10C0E79F61}"/>
+                      </a:ext>
+                    </a:extLst>
+                  </p:cNvPr>
+                  <p:cNvSpPr>
+                    <a:spLocks noChangeAspect="1" noChangeArrowheads="1" noTextEdit="1"/>
+                  </p:cNvSpPr>
+                  <p:nvPr/>
+                </p:nvSpPr>
+                <p:spPr bwMode="auto">
+                  <a:xfrm>
+                    <a:off x="5455" y="1805"/>
+                    <a:ext cx="375" cy="165"/>
+                  </a:xfrm>
+                  <a:prstGeom prst="rect">
+                    <a:avLst/>
+                  </a:prstGeom>
+                  <a:noFill/>
+                  <a:ln>
+                    <a:noFill/>
+                  </a:ln>
+                  <a:extLst>
+                    <a:ext uri="{909E8E84-426E-40DD-AFC4-6F175D3DCCD1}">
+                      <a14:hiddenFill xmlns:a14="http://schemas.microsoft.com/office/drawing/2010/main">
+                        <a:solidFill>
+                          <a:srgbClr val="FFFFFF"/>
+                        </a:solidFill>
+                      </a14:hiddenFill>
+                    </a:ext>
+                    <a:ext uri="{91240B29-F687-4F45-9708-019B960494DF}">
+                      <a14:hiddenLine xmlns:a14="http://schemas.microsoft.com/office/drawing/2010/main" w="9525">
+                        <a:solidFill>
+                          <a:srgbClr val="000000"/>
+                        </a:solidFill>
+                        <a:miter lim="800000"/>
+                        <a:headEnd/>
+                        <a:tailEnd/>
+                      </a14:hiddenLine>
+                    </a:ext>
+                  </a:extLst>
+                </p:spPr>
+                <p:txBody>
+                  <a:bodyPr vert="horz" wrap="square" lIns="91440" tIns="45720" rIns="91440" bIns="45720" numCol="1" anchor="t" anchorCtr="0" compatLnSpc="1">
+                    <a:prstTxWarp prst="textNoShape">
+                      <a:avLst/>
+                    </a:prstTxWarp>
+                  </a:bodyPr>
+                  <a:lstStyle/>
+                  <a:p>
+                    <a:pPr marL="0" marR="0" lvl="0" indent="0" defTabSz="914367" eaLnBrk="1" fontAlgn="auto" latinLnBrk="0" hangingPunct="1">
+                      <a:lnSpc>
+                        <a:spcPct val="100000"/>
+                      </a:lnSpc>
+                      <a:spcBef>
+                        <a:spcPts val="0"/>
+                      </a:spcBef>
+                      <a:spcAft>
+                        <a:spcPts val="0"/>
+                      </a:spcAft>
+                      <a:buClrTx/>
+                      <a:buSzTx/>
+                      <a:buFontTx/>
+                      <a:buNone/>
+                      <a:tabLst/>
+                      <a:defRPr/>
+                    </a:pPr>
+                    <a:endParaRPr kumimoji="0" lang="en-US" sz="1765" b="0" i="0" u="none" strike="noStrike" kern="0" cap="none" spc="0" normalizeH="0" baseline="0" noProof="0">
+                      <a:ln>
+                        <a:noFill/>
+                      </a:ln>
+                      <a:solidFill>
+                        <a:srgbClr val="FFFFFF"/>
+                      </a:solidFill>
+                      <a:effectLst/>
+                      <a:uLnTx/>
+                      <a:uFillTx/>
+                      <a:latin typeface="Segoe UI"/>
+                    </a:endParaRPr>
+                  </a:p>
+                </p:txBody>
+              </p:sp>
+              <p:sp>
+                <p:nvSpPr>
+                  <p:cNvPr id="381" name="Freeform 39">
+                    <a:extLst>
+                      <a:ext uri="{FF2B5EF4-FFF2-40B4-BE49-F238E27FC236}">
+                        <a16:creationId xmlns:a16="http://schemas.microsoft.com/office/drawing/2014/main" id="{FA5A3EDC-A9F7-40A6-A88B-15E6305B3157}"/>
+                      </a:ext>
+                    </a:extLst>
+                  </p:cNvPr>
+                  <p:cNvSpPr>
+                    <a:spLocks/>
+                  </p:cNvSpPr>
+                  <p:nvPr/>
+                </p:nvSpPr>
+                <p:spPr bwMode="auto">
+                  <a:xfrm>
+                    <a:off x="5722" y="1863"/>
+                    <a:ext cx="108" cy="107"/>
+                  </a:xfrm>
+                  <a:custGeom>
+                    <a:avLst/>
+                    <a:gdLst>
+                      <a:gd name="T0" fmla="*/ 83 w 108"/>
+                      <a:gd name="T1" fmla="*/ 0 h 107"/>
+                      <a:gd name="T2" fmla="*/ 108 w 108"/>
+                      <a:gd name="T3" fmla="*/ 24 h 107"/>
+                      <a:gd name="T4" fmla="*/ 25 w 108"/>
+                      <a:gd name="T5" fmla="*/ 107 h 107"/>
+                      <a:gd name="T6" fmla="*/ 0 w 108"/>
+                      <a:gd name="T7" fmla="*/ 82 h 107"/>
+                      <a:gd name="T8" fmla="*/ 83 w 108"/>
+                      <a:gd name="T9" fmla="*/ 0 h 107"/>
+                    </a:gdLst>
+                    <a:ahLst/>
+                    <a:cxnLst>
+                      <a:cxn ang="0">
+                        <a:pos x="T0" y="T1"/>
+                      </a:cxn>
+                      <a:cxn ang="0">
+                        <a:pos x="T2" y="T3"/>
+                      </a:cxn>
+                      <a:cxn ang="0">
+                        <a:pos x="T4" y="T5"/>
+                      </a:cxn>
+                      <a:cxn ang="0">
+                        <a:pos x="T6" y="T7"/>
+                      </a:cxn>
+                      <a:cxn ang="0">
+                        <a:pos x="T8" y="T9"/>
+                      </a:cxn>
+                    </a:cxnLst>
+                    <a:rect l="0" t="0" r="r" b="b"/>
+                    <a:pathLst>
+                      <a:path w="108" h="107">
+                        <a:moveTo>
+                          <a:pt x="83" y="0"/>
+                        </a:moveTo>
+                        <a:lnTo>
+                          <a:pt x="108" y="24"/>
+                        </a:lnTo>
+                        <a:lnTo>
+                          <a:pt x="25" y="107"/>
+                        </a:lnTo>
+                        <a:lnTo>
+                          <a:pt x="0" y="82"/>
+                        </a:lnTo>
+                        <a:lnTo>
+                          <a:pt x="83" y="0"/>
+                        </a:lnTo>
+                        <a:close/>
+                      </a:path>
+                    </a:pathLst>
+                  </a:custGeom>
+                  <a:solidFill>
+                    <a:srgbClr val="FFFFFF"/>
+                  </a:solidFill>
+                  <a:ln>
+                    <a:noFill/>
+                  </a:ln>
+                  <a:extLst>
+                    <a:ext uri="{91240B29-F687-4F45-9708-019B960494DF}">
+                      <a14:hiddenLine xmlns:a14="http://schemas.microsoft.com/office/drawing/2010/main" w="9525">
+                        <a:solidFill>
+                          <a:srgbClr val="000000"/>
+                        </a:solidFill>
+                        <a:round/>
+                        <a:headEnd/>
+                        <a:tailEnd/>
+                      </a14:hiddenLine>
+                    </a:ext>
+                  </a:extLst>
+                </p:spPr>
+                <p:txBody>
+                  <a:bodyPr vert="horz" wrap="square" lIns="91440" tIns="45720" rIns="91440" bIns="45720" numCol="1" anchor="t" anchorCtr="0" compatLnSpc="1">
+                    <a:prstTxWarp prst="textNoShape">
+                      <a:avLst/>
+                    </a:prstTxWarp>
+                  </a:bodyPr>
+                  <a:lstStyle/>
+                  <a:p>
+                    <a:pPr marL="0" marR="0" lvl="0" indent="0" defTabSz="914367" eaLnBrk="1" fontAlgn="auto" latinLnBrk="0" hangingPunct="1">
+                      <a:lnSpc>
+                        <a:spcPct val="100000"/>
+                      </a:lnSpc>
+                      <a:spcBef>
+                        <a:spcPts val="0"/>
+                      </a:spcBef>
+                      <a:spcAft>
+                        <a:spcPts val="0"/>
+                      </a:spcAft>
+                      <a:buClrTx/>
+                      <a:buSzTx/>
+                      <a:buFontTx/>
+                      <a:buNone/>
+                      <a:tabLst/>
+                      <a:defRPr/>
+                    </a:pPr>
+                    <a:endParaRPr kumimoji="0" lang="en-US" sz="1765" b="0" i="0" u="none" strike="noStrike" kern="0" cap="none" spc="0" normalizeH="0" baseline="0" noProof="0">
+                      <a:ln>
+                        <a:noFill/>
+                      </a:ln>
+                      <a:solidFill>
+                        <a:srgbClr val="FFFFFF"/>
+                      </a:solidFill>
+                      <a:effectLst/>
+                      <a:uLnTx/>
+                      <a:uFillTx/>
+                      <a:latin typeface="Segoe UI"/>
+                    </a:endParaRPr>
+                  </a:p>
+                </p:txBody>
+              </p:sp>
+              <p:sp>
+                <p:nvSpPr>
+                  <p:cNvPr id="382" name="Freeform 40">
+                    <a:extLst>
+                      <a:ext uri="{FF2B5EF4-FFF2-40B4-BE49-F238E27FC236}">
+                        <a16:creationId xmlns:a16="http://schemas.microsoft.com/office/drawing/2014/main" id="{AFA17A81-29A2-407A-8818-2C482F60A07C}"/>
+                      </a:ext>
+                    </a:extLst>
+                  </p:cNvPr>
+                  <p:cNvSpPr>
+                    <a:spLocks/>
+                  </p:cNvSpPr>
+                  <p:nvPr/>
+                </p:nvSpPr>
+                <p:spPr bwMode="auto">
+                  <a:xfrm>
+                    <a:off x="5722" y="1805"/>
+                    <a:ext cx="108" cy="107"/>
+                  </a:xfrm>
+                  <a:custGeom>
+                    <a:avLst/>
+                    <a:gdLst>
+                      <a:gd name="T0" fmla="*/ 108 w 108"/>
+                      <a:gd name="T1" fmla="*/ 82 h 107"/>
+                      <a:gd name="T2" fmla="*/ 83 w 108"/>
+                      <a:gd name="T3" fmla="*/ 107 h 107"/>
+                      <a:gd name="T4" fmla="*/ 0 w 108"/>
+                      <a:gd name="T5" fmla="*/ 25 h 107"/>
+                      <a:gd name="T6" fmla="*/ 25 w 108"/>
+                      <a:gd name="T7" fmla="*/ 0 h 107"/>
+                      <a:gd name="T8" fmla="*/ 108 w 108"/>
+                      <a:gd name="T9" fmla="*/ 82 h 107"/>
+                    </a:gdLst>
+                    <a:ahLst/>
+                    <a:cxnLst>
+                      <a:cxn ang="0">
+                        <a:pos x="T0" y="T1"/>
+                      </a:cxn>
+                      <a:cxn ang="0">
+                        <a:pos x="T2" y="T3"/>
+                      </a:cxn>
+                      <a:cxn ang="0">
+                        <a:pos x="T4" y="T5"/>
+                      </a:cxn>
+                      <a:cxn ang="0">
+                        <a:pos x="T6" y="T7"/>
+                      </a:cxn>
+                      <a:cxn ang="0">
+                        <a:pos x="T8" y="T9"/>
+                      </a:cxn>
+                    </a:cxnLst>
+                    <a:rect l="0" t="0" r="r" b="b"/>
+                    <a:pathLst>
+                      <a:path w="108" h="107">
+                        <a:moveTo>
+                          <a:pt x="108" y="82"/>
+                        </a:moveTo>
+                        <a:lnTo>
+                          <a:pt x="83" y="107"/>
+                        </a:lnTo>
+                        <a:lnTo>
+                          <a:pt x="0" y="25"/>
+                        </a:lnTo>
+                        <a:lnTo>
+                          <a:pt x="25" y="0"/>
+                        </a:lnTo>
+                        <a:lnTo>
+                          <a:pt x="108" y="82"/>
+                        </a:lnTo>
+                        <a:close/>
+                      </a:path>
+                    </a:pathLst>
+                  </a:custGeom>
+                  <a:solidFill>
+                    <a:srgbClr val="FFFFFF"/>
+                  </a:solidFill>
+                  <a:ln>
+                    <a:noFill/>
+                  </a:ln>
+                  <a:extLst>
+                    <a:ext uri="{91240B29-F687-4F45-9708-019B960494DF}">
+                      <a14:hiddenLine xmlns:a14="http://schemas.microsoft.com/office/drawing/2010/main" w="9525">
+                        <a:solidFill>
+                          <a:srgbClr val="000000"/>
+                        </a:solidFill>
+                        <a:round/>
+                        <a:headEnd/>
+                        <a:tailEnd/>
+                      </a14:hiddenLine>
+                    </a:ext>
+                  </a:extLst>
+                </p:spPr>
+                <p:txBody>
+                  <a:bodyPr vert="horz" wrap="square" lIns="91440" tIns="45720" rIns="91440" bIns="45720" numCol="1" anchor="t" anchorCtr="0" compatLnSpc="1">
+                    <a:prstTxWarp prst="textNoShape">
+                      <a:avLst/>
+                    </a:prstTxWarp>
+                  </a:bodyPr>
+                  <a:lstStyle/>
+                  <a:p>
+                    <a:pPr marL="0" marR="0" lvl="0" indent="0" defTabSz="914367" eaLnBrk="1" fontAlgn="auto" latinLnBrk="0" hangingPunct="1">
+                      <a:lnSpc>
+                        <a:spcPct val="100000"/>
+                      </a:lnSpc>
+                      <a:spcBef>
+                        <a:spcPts val="0"/>
+                      </a:spcBef>
+                      <a:spcAft>
+                        <a:spcPts val="0"/>
+                      </a:spcAft>
+                      <a:buClrTx/>
+                      <a:buSzTx/>
+                      <a:buFontTx/>
+                      <a:buNone/>
+                      <a:tabLst/>
+                      <a:defRPr/>
+                    </a:pPr>
+                    <a:endParaRPr kumimoji="0" lang="en-US" sz="1765" b="0" i="0" u="none" strike="noStrike" kern="0" cap="none" spc="0" normalizeH="0" baseline="0" noProof="0">
+                      <a:ln>
+                        <a:noFill/>
+                      </a:ln>
+                      <a:solidFill>
+                        <a:srgbClr val="FFFFFF"/>
+                      </a:solidFill>
+                      <a:effectLst/>
+                      <a:uLnTx/>
+                      <a:uFillTx/>
+                      <a:latin typeface="Segoe UI"/>
+                    </a:endParaRPr>
+                  </a:p>
+                </p:txBody>
+              </p:sp>
+              <p:sp>
+                <p:nvSpPr>
+                  <p:cNvPr id="383" name="Freeform 41">
+                    <a:extLst>
+                      <a:ext uri="{FF2B5EF4-FFF2-40B4-BE49-F238E27FC236}">
+                        <a16:creationId xmlns:a16="http://schemas.microsoft.com/office/drawing/2014/main" id="{AF386E3E-848C-4CE6-9333-C684B28114F0}"/>
+                      </a:ext>
+                    </a:extLst>
+                  </p:cNvPr>
+                  <p:cNvSpPr>
+                    <a:spLocks/>
+                  </p:cNvSpPr>
+                  <p:nvPr/>
+                </p:nvSpPr>
+                <p:spPr bwMode="auto">
+                  <a:xfrm>
+                    <a:off x="5455" y="1863"/>
+                    <a:ext cx="108" cy="107"/>
+                  </a:xfrm>
+                  <a:custGeom>
+                    <a:avLst/>
+                    <a:gdLst>
+                      <a:gd name="T0" fmla="*/ 25 w 108"/>
+                      <a:gd name="T1" fmla="*/ 0 h 107"/>
+                      <a:gd name="T2" fmla="*/ 0 w 108"/>
+                      <a:gd name="T3" fmla="*/ 24 h 107"/>
+                      <a:gd name="T4" fmla="*/ 83 w 108"/>
+                      <a:gd name="T5" fmla="*/ 107 h 107"/>
+                      <a:gd name="T6" fmla="*/ 108 w 108"/>
+                      <a:gd name="T7" fmla="*/ 82 h 107"/>
+                      <a:gd name="T8" fmla="*/ 25 w 108"/>
+                      <a:gd name="T9" fmla="*/ 0 h 107"/>
+                    </a:gdLst>
+                    <a:ahLst/>
+                    <a:cxnLst>
+                      <a:cxn ang="0">
+                        <a:pos x="T0" y="T1"/>
+                      </a:cxn>
+                      <a:cxn ang="0">
+                        <a:pos x="T2" y="T3"/>
+                      </a:cxn>
+                      <a:cxn ang="0">
+                        <a:pos x="T4" y="T5"/>
+                      </a:cxn>
+                      <a:cxn ang="0">
+                        <a:pos x="T6" y="T7"/>
+                      </a:cxn>
+                      <a:cxn ang="0">
+                        <a:pos x="T8" y="T9"/>
+                      </a:cxn>
+                    </a:cxnLst>
+                    <a:rect l="0" t="0" r="r" b="b"/>
+                    <a:pathLst>
+                      <a:path w="108" h="107">
+                        <a:moveTo>
+                          <a:pt x="25" y="0"/>
+                        </a:moveTo>
+                        <a:lnTo>
+                          <a:pt x="0" y="24"/>
+                        </a:lnTo>
+                        <a:lnTo>
+                          <a:pt x="83" y="107"/>
+                        </a:lnTo>
+                        <a:lnTo>
+                          <a:pt x="108" y="82"/>
+                        </a:lnTo>
+                        <a:lnTo>
+                          <a:pt x="25" y="0"/>
+                        </a:lnTo>
+                        <a:close/>
+                      </a:path>
+                    </a:pathLst>
+                  </a:custGeom>
+                  <a:solidFill>
+                    <a:srgbClr val="FFFFFF"/>
+                  </a:solidFill>
+                  <a:ln>
+                    <a:noFill/>
+                  </a:ln>
+                  <a:extLst>
+                    <a:ext uri="{91240B29-F687-4F45-9708-019B960494DF}">
+                      <a14:hiddenLine xmlns:a14="http://schemas.microsoft.com/office/drawing/2010/main" w="9525">
+                        <a:solidFill>
+                          <a:srgbClr val="000000"/>
+                        </a:solidFill>
+                        <a:round/>
+                        <a:headEnd/>
+                        <a:tailEnd/>
+                      </a14:hiddenLine>
+                    </a:ext>
+                  </a:extLst>
+                </p:spPr>
+                <p:txBody>
+                  <a:bodyPr vert="horz" wrap="square" lIns="91440" tIns="45720" rIns="91440" bIns="45720" numCol="1" anchor="t" anchorCtr="0" compatLnSpc="1">
+                    <a:prstTxWarp prst="textNoShape">
+                      <a:avLst/>
+                    </a:prstTxWarp>
+                  </a:bodyPr>
+                  <a:lstStyle/>
+                  <a:p>
+                    <a:pPr marL="0" marR="0" lvl="0" indent="0" defTabSz="914367" eaLnBrk="1" fontAlgn="auto" latinLnBrk="0" hangingPunct="1">
+                      <a:lnSpc>
+                        <a:spcPct val="100000"/>
+                      </a:lnSpc>
+                      <a:spcBef>
+                        <a:spcPts val="0"/>
+                      </a:spcBef>
+                      <a:spcAft>
+                        <a:spcPts val="0"/>
+                      </a:spcAft>
+                      <a:buClrTx/>
+                      <a:buSzTx/>
+                      <a:buFontTx/>
+                      <a:buNone/>
+                      <a:tabLst/>
+                      <a:defRPr/>
+                    </a:pPr>
+                    <a:endParaRPr kumimoji="0" lang="en-US" sz="1765" b="0" i="0" u="none" strike="noStrike" kern="0" cap="none" spc="0" normalizeH="0" baseline="0" noProof="0">
+                      <a:ln>
+                        <a:noFill/>
+                      </a:ln>
+                      <a:solidFill>
+                        <a:srgbClr val="FFFFFF"/>
+                      </a:solidFill>
+                      <a:effectLst/>
+                      <a:uLnTx/>
+                      <a:uFillTx/>
+                      <a:latin typeface="Segoe UI"/>
+                    </a:endParaRPr>
+                  </a:p>
+                </p:txBody>
+              </p:sp>
+              <p:sp>
+                <p:nvSpPr>
+                  <p:cNvPr id="384" name="Freeform 42">
+                    <a:extLst>
+                      <a:ext uri="{FF2B5EF4-FFF2-40B4-BE49-F238E27FC236}">
+                        <a16:creationId xmlns:a16="http://schemas.microsoft.com/office/drawing/2014/main" id="{2D312980-4BA7-4042-BCCC-9315405F6D0B}"/>
+                      </a:ext>
+                    </a:extLst>
+                  </p:cNvPr>
+                  <p:cNvSpPr>
+                    <a:spLocks/>
+                  </p:cNvSpPr>
+                  <p:nvPr/>
+                </p:nvSpPr>
+                <p:spPr bwMode="auto">
+                  <a:xfrm>
+                    <a:off x="5455" y="1805"/>
+                    <a:ext cx="108" cy="107"/>
+                  </a:xfrm>
+                  <a:custGeom>
+                    <a:avLst/>
+                    <a:gdLst>
+                      <a:gd name="T0" fmla="*/ 0 w 108"/>
+                      <a:gd name="T1" fmla="*/ 82 h 107"/>
+                      <a:gd name="T2" fmla="*/ 25 w 108"/>
+                      <a:gd name="T3" fmla="*/ 107 h 107"/>
+                      <a:gd name="T4" fmla="*/ 108 w 108"/>
+                      <a:gd name="T5" fmla="*/ 25 h 107"/>
+                      <a:gd name="T6" fmla="*/ 83 w 108"/>
+                      <a:gd name="T7" fmla="*/ 0 h 107"/>
+                      <a:gd name="T8" fmla="*/ 0 w 108"/>
+                      <a:gd name="T9" fmla="*/ 82 h 107"/>
+                    </a:gdLst>
+                    <a:ahLst/>
+                    <a:cxnLst>
+                      <a:cxn ang="0">
+                        <a:pos x="T0" y="T1"/>
+                      </a:cxn>
+                      <a:cxn ang="0">
+                        <a:pos x="T2" y="T3"/>
+                      </a:cxn>
+                      <a:cxn ang="0">
+                        <a:pos x="T4" y="T5"/>
+                      </a:cxn>
+                      <a:cxn ang="0">
+                        <a:pos x="T6" y="T7"/>
+                      </a:cxn>
+                      <a:cxn ang="0">
+                        <a:pos x="T8" y="T9"/>
+                      </a:cxn>
+                    </a:cxnLst>
+                    <a:rect l="0" t="0" r="r" b="b"/>
+                    <a:pathLst>
+                      <a:path w="108" h="107">
+                        <a:moveTo>
+                          <a:pt x="0" y="82"/>
+                        </a:moveTo>
+                        <a:lnTo>
+                          <a:pt x="25" y="107"/>
+                        </a:lnTo>
+                        <a:lnTo>
+                          <a:pt x="108" y="25"/>
+                        </a:lnTo>
+                        <a:lnTo>
+                          <a:pt x="83" y="0"/>
+                        </a:lnTo>
+                        <a:lnTo>
+                          <a:pt x="0" y="82"/>
+                        </a:lnTo>
+                        <a:close/>
+                      </a:path>
+                    </a:pathLst>
+                  </a:custGeom>
+                  <a:solidFill>
+                    <a:srgbClr val="FFFFFF"/>
+                  </a:solidFill>
+                  <a:ln>
+                    <a:noFill/>
+                  </a:ln>
+                  <a:extLst>
+                    <a:ext uri="{91240B29-F687-4F45-9708-019B960494DF}">
+                      <a14:hiddenLine xmlns:a14="http://schemas.microsoft.com/office/drawing/2010/main" w="9525">
+                        <a:solidFill>
+                          <a:srgbClr val="000000"/>
+                        </a:solidFill>
+                        <a:round/>
+                        <a:headEnd/>
+                        <a:tailEnd/>
+                      </a14:hiddenLine>
+                    </a:ext>
+                  </a:extLst>
+                </p:spPr>
+                <p:txBody>
+                  <a:bodyPr vert="horz" wrap="square" lIns="91440" tIns="45720" rIns="91440" bIns="45720" numCol="1" anchor="t" anchorCtr="0" compatLnSpc="1">
+                    <a:prstTxWarp prst="textNoShape">
+                      <a:avLst/>
+                    </a:prstTxWarp>
+                  </a:bodyPr>
+                  <a:lstStyle/>
+                  <a:p>
+                    <a:pPr marL="0" marR="0" lvl="0" indent="0" defTabSz="914367" eaLnBrk="1" fontAlgn="auto" latinLnBrk="0" hangingPunct="1">
+                      <a:lnSpc>
+                        <a:spcPct val="100000"/>
+                      </a:lnSpc>
+                      <a:spcBef>
+                        <a:spcPts val="0"/>
+                      </a:spcBef>
+                      <a:spcAft>
+                        <a:spcPts val="0"/>
+                      </a:spcAft>
+                      <a:buClrTx/>
+                      <a:buSzTx/>
+                      <a:buFontTx/>
+                      <a:buNone/>
+                      <a:tabLst/>
+                      <a:defRPr/>
+                    </a:pPr>
+                    <a:endParaRPr kumimoji="0" lang="en-US" sz="1765" b="0" i="0" u="none" strike="noStrike" kern="0" cap="none" spc="0" normalizeH="0" baseline="0" noProof="0">
+                      <a:ln>
+                        <a:noFill/>
+                      </a:ln>
+                      <a:solidFill>
+                        <a:srgbClr val="FFFFFF"/>
+                      </a:solidFill>
+                      <a:effectLst/>
+                      <a:uLnTx/>
+                      <a:uFillTx/>
+                      <a:latin typeface="Segoe UI"/>
+                    </a:endParaRPr>
+                  </a:p>
+                </p:txBody>
+              </p:sp>
+              <p:sp>
+                <p:nvSpPr>
+                  <p:cNvPr id="385" name="Oval 43">
+                    <a:extLst>
+                      <a:ext uri="{FF2B5EF4-FFF2-40B4-BE49-F238E27FC236}">
+                        <a16:creationId xmlns:a16="http://schemas.microsoft.com/office/drawing/2014/main" id="{CA41C2B6-435E-45EF-85D8-914E308DB4D5}"/>
+                      </a:ext>
+                    </a:extLst>
+                  </p:cNvPr>
+                  <p:cNvSpPr>
+                    <a:spLocks noChangeArrowheads="1"/>
+                  </p:cNvSpPr>
+                  <p:nvPr/>
+                </p:nvSpPr>
+                <p:spPr bwMode="auto">
+                  <a:xfrm>
+                    <a:off x="5625" y="1870"/>
+                    <a:ext cx="35" cy="35"/>
+                  </a:xfrm>
+                  <a:prstGeom prst="ellipse">
+                    <a:avLst/>
+                  </a:prstGeom>
+                  <a:solidFill>
+                    <a:srgbClr val="50E6FF"/>
+                  </a:solidFill>
+                  <a:ln>
+                    <a:noFill/>
+                  </a:ln>
+                  <a:extLst>
+                    <a:ext uri="{91240B29-F687-4F45-9708-019B960494DF}">
+                      <a14:hiddenLine xmlns:a14="http://schemas.microsoft.com/office/drawing/2010/main" w="9525">
+                        <a:solidFill>
+                          <a:srgbClr val="000000"/>
+                        </a:solidFill>
+                        <a:round/>
+                        <a:headEnd/>
+                        <a:tailEnd/>
+                      </a14:hiddenLine>
+                    </a:ext>
+                  </a:extLst>
+                </p:spPr>
+                <p:txBody>
+                  <a:bodyPr vert="horz" wrap="square" lIns="91440" tIns="45720" rIns="91440" bIns="45720" numCol="1" anchor="t" anchorCtr="0" compatLnSpc="1">
+                    <a:prstTxWarp prst="textNoShape">
+                      <a:avLst/>
+                    </a:prstTxWarp>
+                  </a:bodyPr>
+                  <a:lstStyle/>
+                  <a:p>
+                    <a:pPr marL="0" marR="0" lvl="0" indent="0" defTabSz="914367" eaLnBrk="1" fontAlgn="auto" latinLnBrk="0" hangingPunct="1">
+                      <a:lnSpc>
+                        <a:spcPct val="100000"/>
+                      </a:lnSpc>
+                      <a:spcBef>
+                        <a:spcPts val="0"/>
+                      </a:spcBef>
+                      <a:spcAft>
+                        <a:spcPts val="0"/>
+                      </a:spcAft>
+                      <a:buClrTx/>
+                      <a:buSzTx/>
+                      <a:buFontTx/>
+                      <a:buNone/>
+                      <a:tabLst/>
+                      <a:defRPr/>
+                    </a:pPr>
+                    <a:endParaRPr kumimoji="0" lang="en-US" sz="1765" b="0" i="0" u="none" strike="noStrike" kern="0" cap="none" spc="0" normalizeH="0" baseline="0" noProof="0">
+                      <a:ln>
+                        <a:noFill/>
+                      </a:ln>
+                      <a:solidFill>
+                        <a:srgbClr val="FFFFFF"/>
+                      </a:solidFill>
+                      <a:effectLst/>
+                      <a:uLnTx/>
+                      <a:uFillTx/>
+                      <a:latin typeface="Segoe UI"/>
+                    </a:endParaRPr>
+                  </a:p>
+                </p:txBody>
+              </p:sp>
+              <p:sp>
+                <p:nvSpPr>
+                  <p:cNvPr id="386" name="Oval 44">
+                    <a:extLst>
+                      <a:ext uri="{FF2B5EF4-FFF2-40B4-BE49-F238E27FC236}">
+                        <a16:creationId xmlns:a16="http://schemas.microsoft.com/office/drawing/2014/main" id="{A51A7839-2861-42F2-ABCE-963050ABE1D8}"/>
+                      </a:ext>
+                    </a:extLst>
+                  </p:cNvPr>
+                  <p:cNvSpPr>
+                    <a:spLocks noChangeArrowheads="1"/>
+                  </p:cNvSpPr>
+                  <p:nvPr/>
+                </p:nvSpPr>
+                <p:spPr bwMode="auto">
+                  <a:xfrm>
+                    <a:off x="5678" y="1870"/>
+                    <a:ext cx="35" cy="35"/>
+                  </a:xfrm>
+                  <a:prstGeom prst="ellipse">
+                    <a:avLst/>
+                  </a:prstGeom>
+                  <a:solidFill>
+                    <a:srgbClr val="50E6FF"/>
+                  </a:solidFill>
+                  <a:ln>
+                    <a:noFill/>
+                  </a:ln>
+                  <a:extLst>
+                    <a:ext uri="{91240B29-F687-4F45-9708-019B960494DF}">
+                      <a14:hiddenLine xmlns:a14="http://schemas.microsoft.com/office/drawing/2010/main" w="9525">
+                        <a:solidFill>
+                          <a:srgbClr val="000000"/>
+                        </a:solidFill>
+                        <a:round/>
+                        <a:headEnd/>
+                        <a:tailEnd/>
+                      </a14:hiddenLine>
+                    </a:ext>
+                  </a:extLst>
+                </p:spPr>
+                <p:txBody>
+                  <a:bodyPr vert="horz" wrap="square" lIns="91440" tIns="45720" rIns="91440" bIns="45720" numCol="1" anchor="t" anchorCtr="0" compatLnSpc="1">
+                    <a:prstTxWarp prst="textNoShape">
+                      <a:avLst/>
+                    </a:prstTxWarp>
+                  </a:bodyPr>
+                  <a:lstStyle/>
+                  <a:p>
+                    <a:pPr marL="0" marR="0" lvl="0" indent="0" defTabSz="914367" eaLnBrk="1" fontAlgn="auto" latinLnBrk="0" hangingPunct="1">
+                      <a:lnSpc>
+                        <a:spcPct val="100000"/>
+                      </a:lnSpc>
+                      <a:spcBef>
+                        <a:spcPts val="0"/>
+                      </a:spcBef>
+                      <a:spcAft>
+                        <a:spcPts val="0"/>
+                      </a:spcAft>
+                      <a:buClrTx/>
+                      <a:buSzTx/>
+                      <a:buFontTx/>
+                      <a:buNone/>
+                      <a:tabLst/>
+                      <a:defRPr/>
+                    </a:pPr>
+                    <a:endParaRPr kumimoji="0" lang="en-US" sz="1765" b="0" i="0" u="none" strike="noStrike" kern="0" cap="none" spc="0" normalizeH="0" baseline="0" noProof="0">
+                      <a:ln>
+                        <a:noFill/>
+                      </a:ln>
+                      <a:solidFill>
+                        <a:srgbClr val="FFFFFF"/>
+                      </a:solidFill>
+                      <a:effectLst/>
+                      <a:uLnTx/>
+                      <a:uFillTx/>
+                      <a:latin typeface="Segoe UI"/>
+                    </a:endParaRPr>
+                  </a:p>
+                </p:txBody>
+              </p:sp>
+              <p:sp>
+                <p:nvSpPr>
+                  <p:cNvPr id="387" name="Oval 45">
+                    <a:extLst>
+                      <a:ext uri="{FF2B5EF4-FFF2-40B4-BE49-F238E27FC236}">
+                        <a16:creationId xmlns:a16="http://schemas.microsoft.com/office/drawing/2014/main" id="{AA303721-6AA5-49E6-ABF5-880FA2AC3CA3}"/>
+                      </a:ext>
+                    </a:extLst>
+                  </p:cNvPr>
+                  <p:cNvSpPr>
+                    <a:spLocks noChangeArrowheads="1"/>
+                  </p:cNvSpPr>
+                  <p:nvPr/>
+                </p:nvSpPr>
+                <p:spPr bwMode="auto">
+                  <a:xfrm>
+                    <a:off x="5572" y="1870"/>
+                    <a:ext cx="35" cy="35"/>
+                  </a:xfrm>
+                  <a:prstGeom prst="ellipse">
+                    <a:avLst/>
+                  </a:prstGeom>
+                  <a:solidFill>
+                    <a:srgbClr val="50E6FF"/>
+                  </a:solidFill>
+                  <a:ln>
+                    <a:noFill/>
+                  </a:ln>
+                  <a:extLst>
+                    <a:ext uri="{91240B29-F687-4F45-9708-019B960494DF}">
+                      <a14:hiddenLine xmlns:a14="http://schemas.microsoft.com/office/drawing/2010/main" w="9525">
+                        <a:solidFill>
+                          <a:srgbClr val="000000"/>
+                        </a:solidFill>
+                        <a:round/>
+                        <a:headEnd/>
+                        <a:tailEnd/>
+                      </a14:hiddenLine>
+                    </a:ext>
+                  </a:extLst>
+                </p:spPr>
+                <p:txBody>
+                  <a:bodyPr vert="horz" wrap="square" lIns="91440" tIns="45720" rIns="91440" bIns="45720" numCol="1" anchor="t" anchorCtr="0" compatLnSpc="1">
+                    <a:prstTxWarp prst="textNoShape">
+                      <a:avLst/>
+                    </a:prstTxWarp>
+                  </a:bodyPr>
+                  <a:lstStyle/>
+                  <a:p>
+                    <a:pPr marL="0" marR="0" lvl="0" indent="0" defTabSz="914367" eaLnBrk="1" fontAlgn="auto" latinLnBrk="0" hangingPunct="1">
+                      <a:lnSpc>
+                        <a:spcPct val="100000"/>
+                      </a:lnSpc>
+                      <a:spcBef>
+                        <a:spcPts val="0"/>
+                      </a:spcBef>
+                      <a:spcAft>
+                        <a:spcPts val="0"/>
+                      </a:spcAft>
+                      <a:buClrTx/>
+                      <a:buSzTx/>
+                      <a:buFontTx/>
+                      <a:buNone/>
+                      <a:tabLst/>
+                      <a:defRPr/>
+                    </a:pPr>
+                    <a:endParaRPr kumimoji="0" lang="en-US" sz="1765" b="0" i="0" u="none" strike="noStrike" kern="0" cap="none" spc="0" normalizeH="0" baseline="0" noProof="0">
+                      <a:ln>
+                        <a:noFill/>
+                      </a:ln>
+                      <a:solidFill>
+                        <a:srgbClr val="FFFFFF"/>
+                      </a:solidFill>
+                      <a:effectLst/>
+                      <a:uLnTx/>
+                      <a:uFillTx/>
+                      <a:latin typeface="Segoe UI"/>
+                    </a:endParaRPr>
+                  </a:p>
+                </p:txBody>
+              </p:sp>
+            </p:grpSp>
+          </p:grpSp>
+        </p:grpSp>
+        <p:grpSp>
+          <p:nvGrpSpPr>
+            <p:cNvPr id="308" name="Group 307">
+              <a:extLst>
+                <a:ext uri="{FF2B5EF4-FFF2-40B4-BE49-F238E27FC236}">
+                  <a16:creationId xmlns:a16="http://schemas.microsoft.com/office/drawing/2014/main" id="{3EAB291E-4CEE-4AA3-9A1F-01AF7093B0E2}"/>
+                </a:ext>
+              </a:extLst>
+            </p:cNvPr>
+            <p:cNvGrpSpPr/>
+            <p:nvPr/>
+          </p:nvGrpSpPr>
+          <p:grpSpPr>
+            <a:xfrm>
+              <a:off x="5515161" y="1580678"/>
+              <a:ext cx="684783" cy="684783"/>
+              <a:chOff x="5309155" y="1725451"/>
+              <a:chExt cx="684783" cy="684783"/>
+            </a:xfrm>
+            <a:effectLst>
+              <a:outerShdw blurRad="50800" dist="38100" dir="5400000" algn="t" rotWithShape="0">
+                <a:prstClr val="black">
+                  <a:alpha val="40000"/>
+                </a:prstClr>
+              </a:outerShdw>
+            </a:effectLst>
+          </p:grpSpPr>
+          <p:sp>
+            <p:nvSpPr>
+              <p:cNvPr id="301" name="Oval 300">
+                <a:extLst>
+                  <a:ext uri="{FF2B5EF4-FFF2-40B4-BE49-F238E27FC236}">
+                    <a16:creationId xmlns:a16="http://schemas.microsoft.com/office/drawing/2014/main" id="{179CCACE-059E-42AD-BF48-8DAEBBE9990C}"/>
+                  </a:ext>
+                </a:extLst>
+              </p:cNvPr>
+              <p:cNvSpPr/>
+              <p:nvPr/>
+            </p:nvSpPr>
+            <p:spPr bwMode="auto">
+              <a:xfrm>
+                <a:off x="5309155" y="1725451"/>
+                <a:ext cx="684783" cy="684783"/>
+              </a:xfrm>
+              <a:prstGeom prst="ellipse">
+                <a:avLst/>
+              </a:prstGeom>
+              <a:solidFill>
+                <a:srgbClr val="FFFFFF"/>
+              </a:solidFill>
+              <a:ln w="19050" cap="flat" cmpd="sng" algn="ctr">
+                <a:solidFill>
+                  <a:srgbClr val="EF3E2B"/>
+                </a:solidFill>
+                <a:prstDash val="solid"/>
+                <a:headEnd type="none" w="med" len="med"/>
+                <a:tailEnd type="none" w="med" len="med"/>
+              </a:ln>
+              <a:effectLst/>
+            </p:spPr>
+            <p:txBody>
+              <a:bodyPr rot="0" spcFirstLastPara="0" vertOverflow="overflow" horzOverflow="overflow" vert="horz" wrap="square" lIns="182880" tIns="146304" rIns="182880" bIns="146304" numCol="1" spcCol="0" rtlCol="0" fromWordArt="0" anchor="t" anchorCtr="0" forceAA="0" compatLnSpc="1">
+                <a:prstTxWarp prst="textNoShape">
+                  <a:avLst/>
+                </a:prstTxWarp>
+                <a:noAutofit/>
+              </a:bodyPr>
+              <a:lstStyle/>
+              <a:p>
+                <a:pPr marL="0" marR="0" lvl="0" indent="0" defTabSz="932472" eaLnBrk="1" fontAlgn="base" latinLnBrk="0" hangingPunct="1">
+                  <a:lnSpc>
+                    <a:spcPct val="100000"/>
+                  </a:lnSpc>
+                  <a:spcBef>
+                    <a:spcPct val="0"/>
+                  </a:spcBef>
+                  <a:spcAft>
+                    <a:spcPct val="0"/>
+                  </a:spcAft>
+                  <a:buClrTx/>
+                  <a:buSzTx/>
+                  <a:buFontTx/>
+                  <a:buNone/>
+                  <a:tabLst/>
+                  <a:defRPr/>
+                </a:pPr>
+                <a:endParaRPr kumimoji="0" lang="en-US" sz="2000" b="0" i="0" u="none" strike="noStrike" kern="0" cap="none" spc="0" normalizeH="0" baseline="0" noProof="0" err="1">
+                  <a:ln>
+                    <a:noFill/>
+                  </a:ln>
+                  <a:gradFill>
+                    <a:gsLst>
+                      <a:gs pos="0">
+                        <a:srgbClr val="FFFFFF"/>
+                      </a:gs>
+                      <a:gs pos="100000">
+                        <a:srgbClr val="FFFFFF"/>
+                      </a:gs>
+                    </a:gsLst>
+                    <a:lin ang="5400000" scaled="0"/>
+                  </a:gradFill>
+                  <a:effectLst/>
+                  <a:uLnTx/>
+                  <a:uFillTx/>
+                  <a:latin typeface="Segoe UI"/>
+                  <a:ea typeface="Segoe UI" pitchFamily="34" charset="0"/>
+                  <a:cs typeface="Segoe UI" pitchFamily="34" charset="0"/>
+                </a:endParaRPr>
+              </a:p>
+            </p:txBody>
+          </p:sp>
+          <p:pic>
+            <p:nvPicPr>
+              <p:cNvPr id="302" name="Graphic 246">
+                <a:extLst>
+                  <a:ext uri="{FF2B5EF4-FFF2-40B4-BE49-F238E27FC236}">
+                    <a16:creationId xmlns:a16="http://schemas.microsoft.com/office/drawing/2014/main" id="{266D72E0-A041-4D76-B3BF-53F267209A16}"/>
+                  </a:ext>
+                </a:extLst>
+              </p:cNvPr>
+              <p:cNvPicPr>
+                <a:picLocks noChangeAspect="1"/>
+              </p:cNvPicPr>
+              <p:nvPr/>
+            </p:nvPicPr>
+            <p:blipFill>
+              <a:blip r:embed="rId9">
+                <a:extLst>
+                  <a:ext uri="{96DAC541-7B7A-43D3-8B79-37D633B846F1}">
+                    <asvg:svgBlip xmlns:asvg="http://schemas.microsoft.com/office/drawing/2016/SVG/main" r:embed="rId10"/>
+                  </a:ext>
+                </a:extLst>
+              </a:blip>
+              <a:srcRect/>
+              <a:stretch/>
+            </p:blipFill>
+            <p:spPr>
+              <a:xfrm>
+                <a:off x="5436172" y="1852468"/>
+                <a:ext cx="430748" cy="430748"/>
+              </a:xfrm>
+              <a:prstGeom prst="rect">
+                <a:avLst/>
+              </a:prstGeom>
+            </p:spPr>
+          </p:pic>
+        </p:grpSp>
+      </p:grpSp>
+      <p:grpSp>
+        <p:nvGrpSpPr>
+          <p:cNvPr id="316" name="Group 315">
+            <a:extLst>
+              <a:ext uri="{FF2B5EF4-FFF2-40B4-BE49-F238E27FC236}">
+                <a16:creationId xmlns:a16="http://schemas.microsoft.com/office/drawing/2014/main" id="{16C179EE-1FC9-467F-B785-E904CB3C071B}"/>
+              </a:ext>
+            </a:extLst>
+          </p:cNvPr>
+          <p:cNvGrpSpPr/>
+          <p:nvPr/>
+        </p:nvGrpSpPr>
+        <p:grpSpPr>
+          <a:xfrm>
+            <a:off x="2821849" y="3648015"/>
+            <a:ext cx="7029568" cy="1497374"/>
+            <a:chOff x="3045160" y="3648015"/>
+            <a:chExt cx="7029568" cy="1497374"/>
+          </a:xfrm>
+        </p:grpSpPr>
+        <p:grpSp>
+          <p:nvGrpSpPr>
+            <p:cNvPr id="314" name="Group 313">
+              <a:extLst>
+                <a:ext uri="{FF2B5EF4-FFF2-40B4-BE49-F238E27FC236}">
+                  <a16:creationId xmlns:a16="http://schemas.microsoft.com/office/drawing/2014/main" id="{F7C87D43-739E-4CF9-BA33-FF4B46D6A198}"/>
+                </a:ext>
+              </a:extLst>
+            </p:cNvPr>
+            <p:cNvGrpSpPr/>
+            <p:nvPr/>
+          </p:nvGrpSpPr>
+          <p:grpSpPr>
+            <a:xfrm>
+              <a:off x="3045160" y="3648015"/>
+              <a:ext cx="7029568" cy="1206865"/>
+              <a:chOff x="3045160" y="3749615"/>
+              <a:chExt cx="7029568" cy="1206865"/>
+            </a:xfrm>
+          </p:grpSpPr>
+          <p:sp>
+            <p:nvSpPr>
+              <p:cNvPr id="405" name="TextBox 404">
+                <a:extLst>
+                  <a:ext uri="{FF2B5EF4-FFF2-40B4-BE49-F238E27FC236}">
+                    <a16:creationId xmlns:a16="http://schemas.microsoft.com/office/drawing/2014/main" id="{58F924AF-F411-4A2E-BC19-CFA6B6BBB954}"/>
+                  </a:ext>
+                </a:extLst>
+              </p:cNvPr>
+              <p:cNvSpPr txBox="1"/>
+              <p:nvPr/>
+            </p:nvSpPr>
+            <p:spPr>
+              <a:xfrm>
+                <a:off x="5140593" y="3749615"/>
+                <a:ext cx="4934135" cy="1169551"/>
+              </a:xfrm>
+              <a:prstGeom prst="rect">
+                <a:avLst/>
+              </a:prstGeom>
+              <a:noFill/>
+              <a:effectLst>
+                <a:outerShdw blurRad="50800" dist="38100" dir="2700000" algn="tl" rotWithShape="0">
+                  <a:prstClr val="black">
+                    <a:alpha val="40000"/>
+                  </a:prstClr>
+                </a:outerShdw>
+              </a:effectLst>
+            </p:spPr>
+            <p:txBody>
+              <a:bodyPr wrap="square">
+                <a:spAutoFit/>
+              </a:bodyPr>
+              <a:lstStyle/>
+              <a:p>
+                <a:pPr>
+                  <a:lnSpc>
+                    <a:spcPct val="100000"/>
+                  </a:lnSpc>
+                </a:pPr>
+                <a:r>
+                  <a:rPr lang="en-GB" sz="6600" spc="-143" dirty="0">
+                    <a:solidFill>
+                      <a:schemeClr val="bg1"/>
+                    </a:solidFill>
+                    <a:latin typeface="MarkPro" panose="020B0504020101010102" pitchFamily="34" charset="0"/>
+                    <a:ea typeface="Inter" panose="020B0502030000000004" pitchFamily="34" charset="0"/>
+                    <a:cs typeface="Mark OT Light" charset="0"/>
+                  </a:rPr>
+                  <a:t>to</a:t>
+                </a:r>
+                <a:r>
+                  <a:rPr lang="en-GB" sz="7000" spc="-143" dirty="0">
+                    <a:solidFill>
+                      <a:srgbClr val="4F5C62"/>
+                    </a:solidFill>
+                    <a:latin typeface="Inter SemiBold" panose="020B0502030000000004" pitchFamily="34" charset="0"/>
+                    <a:ea typeface="Inter SemiBold" panose="020B0502030000000004" pitchFamily="34" charset="0"/>
+                    <a:cs typeface="Mark OT Light" charset="0"/>
+                  </a:rPr>
+                  <a:t> </a:t>
+                </a:r>
+                <a:r>
+                  <a:rPr lang="en-GB" sz="7000" spc="-143" dirty="0">
+                    <a:solidFill>
+                      <a:srgbClr val="4EE4FD"/>
+                    </a:solidFill>
+                    <a:latin typeface="Segoe UI" panose="020B0502040204020203" pitchFamily="34" charset="0"/>
+                    <a:ea typeface="Inter SemiBold" panose="020B0502030000000004" pitchFamily="34" charset="0"/>
+                    <a:cs typeface="Segoe UI" panose="020B0502040204020203" pitchFamily="34" charset="0"/>
+                  </a:rPr>
+                  <a:t>Synapse</a:t>
+                </a:r>
+                <a:endParaRPr lang="en-GB" sz="7000" spc="-143" dirty="0">
+                  <a:solidFill>
+                    <a:srgbClr val="4EE4FD"/>
+                  </a:solidFill>
+                  <a:latin typeface="Segoe UI" panose="020B0502040204020203" pitchFamily="34" charset="0"/>
+                  <a:ea typeface="Segoe UI Black" panose="020B0A02040204020203" pitchFamily="34" charset="0"/>
+                  <a:cs typeface="Segoe UI" panose="020B0502040204020203" pitchFamily="34" charset="0"/>
+                </a:endParaRPr>
+              </a:p>
+            </p:txBody>
+          </p:sp>
+          <p:pic>
+            <p:nvPicPr>
+              <p:cNvPr id="310" name="Picture 4">
+                <a:extLst>
+                  <a:ext uri="{FF2B5EF4-FFF2-40B4-BE49-F238E27FC236}">
+                    <a16:creationId xmlns:a16="http://schemas.microsoft.com/office/drawing/2014/main" id="{15EA5CFA-C848-4A24-87E7-C246ABFEDB2F}"/>
+                  </a:ext>
+                </a:extLst>
+              </p:cNvPr>
+              <p:cNvPicPr>
+                <a:picLocks noChangeAspect="1" noChangeArrowheads="1"/>
+              </p:cNvPicPr>
+              <p:nvPr/>
+            </p:nvPicPr>
+            <p:blipFill>
+              <a:blip r:embed="rId11">
+                <a:extLst>
+                  <a:ext uri="{BEBA8EAE-BF5A-486C-A8C5-ECC9F3942E4B}">
+                    <a14:imgProps xmlns:a14="http://schemas.microsoft.com/office/drawing/2010/main">
+                      <a14:imgLayer r:embed="rId12">
+                        <a14:imgEffect>
+                          <a14:artisticPaintStrokes/>
+                        </a14:imgEffect>
+                      </a14:imgLayer>
+                    </a14:imgProps>
+                  </a:ext>
+                  <a:ext uri="{28A0092B-C50C-407E-A947-70E740481C1C}">
+                    <a14:useLocalDpi xmlns:a14="http://schemas.microsoft.com/office/drawing/2010/main" val="0"/>
+                  </a:ext>
+                </a:extLst>
+              </a:blip>
+              <a:srcRect/>
+              <a:stretch>
+                <a:fillRect/>
+              </a:stretch>
+            </p:blipFill>
+            <p:spPr bwMode="auto">
+              <a:xfrm>
+                <a:off x="3045160" y="4042920"/>
+                <a:ext cx="1978607" cy="913560"/>
+              </a:xfrm>
+              <a:prstGeom prst="rect">
+                <a:avLst/>
+              </a:prstGeom>
+              <a:noFill/>
+              <a:effectLst>
+                <a:outerShdw blurRad="50800" dist="38100" dir="2700000" algn="tl" rotWithShape="0">
+                  <a:prstClr val="black">
+                    <a:alpha val="40000"/>
+                  </a:prstClr>
+                </a:outerShdw>
+              </a:effectLst>
+              <a:extLst>
+                <a:ext uri="{909E8E84-426E-40DD-AFC4-6F175D3DCCD1}">
+                  <a14:hiddenFill xmlns:a14="http://schemas.microsoft.com/office/drawing/2010/main">
+                    <a:solidFill>
+                      <a:srgbClr val="FFFFFF"/>
+                    </a:solidFill>
+                  </a14:hiddenFill>
+                </a:ext>
+              </a:extLst>
+            </p:spPr>
+          </p:pic>
+        </p:grpSp>
+        <p:sp>
+          <p:nvSpPr>
+            <p:cNvPr id="313" name="TextBox 312">
+              <a:extLst>
+                <a:ext uri="{FF2B5EF4-FFF2-40B4-BE49-F238E27FC236}">
+                  <a16:creationId xmlns:a16="http://schemas.microsoft.com/office/drawing/2014/main" id="{0C4F78F8-1DA6-439C-9816-E94ECFFC3680}"/>
+                </a:ext>
+              </a:extLst>
+            </p:cNvPr>
+            <p:cNvSpPr txBox="1"/>
+            <p:nvPr/>
+          </p:nvSpPr>
+          <p:spPr>
+            <a:xfrm>
+              <a:off x="3860225" y="4683724"/>
+              <a:ext cx="4245506" cy="461665"/>
+            </a:xfrm>
+            <a:prstGeom prst="rect">
+              <a:avLst/>
+            </a:prstGeom>
+            <a:noFill/>
+            <a:effectLst>
+              <a:outerShdw blurRad="50800" dist="38100" dir="2700000" algn="tl" rotWithShape="0">
+                <a:prstClr val="black">
+                  <a:alpha val="40000"/>
+                </a:prstClr>
+              </a:outerShdw>
+            </a:effectLst>
+          </p:spPr>
+          <p:txBody>
+            <a:bodyPr wrap="square">
+              <a:spAutoFit/>
+            </a:bodyPr>
+            <a:lstStyle/>
+            <a:p>
+              <a:pPr algn="ctr">
+                <a:lnSpc>
+                  <a:spcPct val="100000"/>
+                </a:lnSpc>
+              </a:pPr>
+              <a:r>
+                <a:rPr lang="en-GB" sz="2400" spc="-143" dirty="0">
+                  <a:solidFill>
+                    <a:schemeClr val="bg1"/>
+                  </a:solidFill>
+                  <a:latin typeface="MarkPro" panose="020B0504020101010102" pitchFamily="34" charset="0"/>
+                  <a:ea typeface="Inter" panose="020B0502030000000004" pitchFamily="34" charset="0"/>
+                  <a:cs typeface="Mark OT Light" charset="0"/>
+                </a:rPr>
+                <a:t>with Autoloader</a:t>
+              </a:r>
+              <a:endParaRPr lang="en-GB" sz="2400" spc="-143" dirty="0">
+                <a:solidFill>
+                  <a:srgbClr val="4EE4FD"/>
+                </a:solidFill>
+                <a:latin typeface="Segoe UI" panose="020B0502040204020203" pitchFamily="34" charset="0"/>
+                <a:ea typeface="Segoe UI Black" panose="020B0A02040204020203" pitchFamily="34" charset="0"/>
+                <a:cs typeface="Segoe UI" panose="020B0502040204020203" pitchFamily="34" charset="0"/>
+              </a:endParaRPr>
+            </a:p>
+          </p:txBody>
+        </p:sp>
+      </p:grpSp>
+      <p:grpSp>
+        <p:nvGrpSpPr>
+          <p:cNvPr id="412" name="Group 411">
+            <a:extLst>
+              <a:ext uri="{FF2B5EF4-FFF2-40B4-BE49-F238E27FC236}">
+                <a16:creationId xmlns:a16="http://schemas.microsoft.com/office/drawing/2014/main" id="{7B70C910-30BF-4099-A73F-CA7338834B14}"/>
+              </a:ext>
+            </a:extLst>
+          </p:cNvPr>
+          <p:cNvGrpSpPr/>
+          <p:nvPr/>
+        </p:nvGrpSpPr>
+        <p:grpSpPr>
+          <a:xfrm>
+            <a:off x="1100682" y="3515909"/>
+            <a:ext cx="1988569" cy="785998"/>
+            <a:chOff x="1864988" y="4265066"/>
+            <a:chExt cx="1988569" cy="785998"/>
+          </a:xfrm>
+        </p:grpSpPr>
+        <p:sp>
+          <p:nvSpPr>
+            <p:cNvPr id="413" name="Rectangle 412">
+              <a:extLst>
+                <a:ext uri="{FF2B5EF4-FFF2-40B4-BE49-F238E27FC236}">
+                  <a16:creationId xmlns:a16="http://schemas.microsoft.com/office/drawing/2014/main" id="{12428C7D-3C59-4347-99AA-C3582676EA6F}"/>
+                </a:ext>
+              </a:extLst>
+            </p:cNvPr>
+            <p:cNvSpPr/>
+            <p:nvPr/>
+          </p:nvSpPr>
+          <p:spPr>
+            <a:xfrm rot="21399419">
+              <a:off x="1864988" y="4464970"/>
+              <a:ext cx="1661210" cy="414192"/>
+            </a:xfrm>
+            <a:prstGeom prst="rect">
+              <a:avLst/>
+            </a:prstGeom>
+            <a:solidFill>
+              <a:srgbClr val="00569E"/>
+            </a:solidFill>
+            <a:ln>
+              <a:noFill/>
+            </a:ln>
+            <a:effectLst>
+              <a:outerShdw blurRad="50800" dist="38100" dir="2700000" algn="tl" rotWithShape="0">
+                <a:prstClr val="black">
+                  <a:alpha val="40000"/>
+                </a:prstClr>
+              </a:outerShdw>
+            </a:effectLst>
+          </p:spPr>
+          <p:style>
+            <a:lnRef idx="2">
+              <a:schemeClr val="accent1">
+                <a:shade val="50000"/>
+              </a:schemeClr>
+            </a:lnRef>
+            <a:fillRef idx="1">
+              <a:schemeClr val="accent1"/>
+            </a:fillRef>
+            <a:effectRef idx="0">
+              <a:schemeClr val="accent1"/>
+            </a:effectRef>
+            <a:fontRef idx="minor">
+              <a:schemeClr val="lt1"/>
+            </a:fontRef>
+          </p:style>
+          <p:txBody>
+            <a:bodyPr rtlCol="0" anchor="ctr"/>
+            <a:lstStyle/>
+            <a:p>
+              <a:pPr algn="ctr"/>
+              <a:endParaRPr lang="en-US" dirty="0"/>
+            </a:p>
+          </p:txBody>
+        </p:sp>
+        <p:sp>
+          <p:nvSpPr>
+            <p:cNvPr id="414" name="Title 3">
+              <a:extLst>
+                <a:ext uri="{FF2B5EF4-FFF2-40B4-BE49-F238E27FC236}">
+                  <a16:creationId xmlns:a16="http://schemas.microsoft.com/office/drawing/2014/main" id="{70342B2A-3914-41F7-9634-5C852EC08672}"/>
+                </a:ext>
+              </a:extLst>
+            </p:cNvPr>
+            <p:cNvSpPr txBox="1">
+              <a:spLocks/>
+            </p:cNvSpPr>
+            <p:nvPr/>
+          </p:nvSpPr>
+          <p:spPr>
+            <a:xfrm>
+              <a:off x="1969960" y="4265066"/>
+              <a:ext cx="1883597" cy="785998"/>
+            </a:xfrm>
+            <a:prstGeom prst="rect">
+              <a:avLst/>
+            </a:prstGeom>
+            <a:effectLst>
+              <a:outerShdw blurRad="50800" dist="38100" dir="2700000" algn="tl" rotWithShape="0">
+                <a:srgbClr val="4E0AC6">
+                  <a:alpha val="80000"/>
+                </a:srgbClr>
+              </a:outerShdw>
+            </a:effectLst>
+          </p:spPr>
+          <p:txBody>
+            <a:bodyPr lIns="0" tIns="0" rIns="0" bIns="0" anchor="ctr">
+              <a:noAutofit/>
+            </a:bodyPr>
+            <a:lstStyle>
+              <a:lvl1pPr algn="l" defTabSz="914355" rtl="0" eaLnBrk="1" latinLnBrk="0" hangingPunct="1">
+                <a:lnSpc>
+                  <a:spcPct val="90000"/>
+                </a:lnSpc>
+                <a:spcBef>
+                  <a:spcPct val="0"/>
+                </a:spcBef>
+                <a:buNone/>
+                <a:defRPr sz="2800" b="0" i="0" kern="1200" spc="0" baseline="0">
+                  <a:solidFill>
+                    <a:schemeClr val="accent2"/>
+                  </a:solidFill>
+                  <a:latin typeface="+mj-lt"/>
+                  <a:ea typeface="+mj-ea"/>
+                  <a:cs typeface="Century Gothic Regular" charset="0"/>
+                </a:defRPr>
+              </a:lvl1pPr>
+            </a:lstStyle>
+            <a:p>
+              <a:pPr>
+                <a:lnSpc>
+                  <a:spcPct val="100000"/>
+                </a:lnSpc>
+              </a:pPr>
+              <a:r>
+                <a:rPr lang="en-GB" sz="1500" spc="120" dirty="0">
+                  <a:solidFill>
+                    <a:schemeClr val="bg1"/>
+                  </a:solidFill>
+                  <a:latin typeface="MarkPro-Bold" panose="020B0804020101010102" pitchFamily="34" charset="0"/>
+                  <a:ea typeface="Inter SemiBold" panose="020B0502030000000004" pitchFamily="34" charset="0"/>
+                  <a:cs typeface="Mark OT Light" charset="0"/>
+                </a:rPr>
+                <a:t>AUTOMATING</a:t>
+              </a:r>
+              <a:endParaRPr lang="en-GB" sz="1500" spc="120" dirty="0">
+                <a:solidFill>
+                  <a:schemeClr val="bg1"/>
+                </a:solidFill>
+                <a:latin typeface="MarkPro-Bold" panose="020B0804020101010102" pitchFamily="34" charset="0"/>
+                <a:ea typeface="Segoe UI Black" panose="020B0A02040204020203" pitchFamily="34" charset="0"/>
+                <a:cs typeface="Segoe UI" panose="020B0502040204020203" pitchFamily="34" charset="0"/>
+              </a:endParaRPr>
+            </a:p>
+          </p:txBody>
+        </p:sp>
+      </p:grpSp>
+    </p:spTree>
+    <p:extLst>
+      <p:ext uri="{BB962C8B-B14F-4D97-AF65-F5344CB8AC3E}">
+        <p14:creationId xmlns:p14="http://schemas.microsoft.com/office/powerpoint/2010/main" val="2255160103"/>
+      </p:ext>
+    </p:extLst>
+  </p:cSld>
+  <p:clrMapOvr>
+    <a:masterClrMapping/>
+  </p:clrMapOvr>
+</p:sld>
+</file>
+
 <file path=ppt/theme/theme1.xml><?xml version="1.0" encoding="utf-8"?>
 <a:theme xmlns:a="http://schemas.openxmlformats.org/drawingml/2006/main" name="Office Theme">
   <a:themeElements>

--- a/src/assets/graphics/PPT/post-headers.pptx
+++ b/src/assets/graphics/PPT/post-headers.pptx
@@ -4,6 +4,9 @@
   <p:sldMasterIdLst>
     <p:sldMasterId id="2147483684" r:id="rId1"/>
   </p:sldMasterIdLst>
+  <p:notesMasterIdLst>
+    <p:notesMasterId r:id="rId10"/>
+  </p:notesMasterIdLst>
   <p:sldIdLst>
     <p:sldId id="271" r:id="rId2"/>
     <p:sldId id="274" r:id="rId3"/>
@@ -12,6 +15,7 @@
     <p:sldId id="277" r:id="rId6"/>
     <p:sldId id="278" r:id="rId7"/>
     <p:sldId id="279" r:id="rId8"/>
+    <p:sldId id="280" r:id="rId9"/>
   </p:sldIdLst>
   <p:sldSz cx="12252325" cy="5999163"/>
   <p:notesSz cx="6858000" cy="9144000"/>
@@ -913,6 +917,439 @@
 </pc:chgInfo>
 </file>
 
+<file path=ppt/notesMasters/notesMaster1.xml><?xml version="1.0" encoding="utf-8"?>
+<p:notesMaster xmlns:a="http://schemas.openxmlformats.org/drawingml/2006/main" xmlns:r="http://schemas.openxmlformats.org/officeDocument/2006/relationships" xmlns:p="http://schemas.openxmlformats.org/presentationml/2006/main">
+  <p:cSld>
+    <p:bg>
+      <p:bgRef idx="1001">
+        <a:schemeClr val="bg1"/>
+      </p:bgRef>
+    </p:bg>
+    <p:spTree>
+      <p:nvGrpSpPr>
+        <p:cNvPr id="1" name=""/>
+        <p:cNvGrpSpPr/>
+        <p:nvPr/>
+      </p:nvGrpSpPr>
+      <p:grpSpPr>
+        <a:xfrm>
+          <a:off x="0" y="0"/>
+          <a:ext cx="0" cy="0"/>
+          <a:chOff x="0" y="0"/>
+          <a:chExt cx="0" cy="0"/>
+        </a:xfrm>
+      </p:grpSpPr>
+      <p:sp>
+        <p:nvSpPr>
+          <p:cNvPr id="2" name="Header Placeholder 1"/>
+          <p:cNvSpPr>
+            <a:spLocks noGrp="1"/>
+          </p:cNvSpPr>
+          <p:nvPr>
+            <p:ph type="hdr" sz="quarter"/>
+          </p:nvPr>
+        </p:nvSpPr>
+        <p:spPr>
+          <a:xfrm>
+            <a:off x="0" y="0"/>
+            <a:ext cx="2971800" cy="458788"/>
+          </a:xfrm>
+          <a:prstGeom prst="rect">
+            <a:avLst/>
+          </a:prstGeom>
+        </p:spPr>
+        <p:txBody>
+          <a:bodyPr vert="horz" lIns="91440" tIns="45720" rIns="91440" bIns="45720" rtlCol="0"/>
+          <a:lstStyle>
+            <a:lvl1pPr algn="l">
+              <a:defRPr sz="1200"/>
+            </a:lvl1pPr>
+          </a:lstStyle>
+          <a:p>
+            <a:endParaRPr lang="en-US"/>
+          </a:p>
+        </p:txBody>
+      </p:sp>
+      <p:sp>
+        <p:nvSpPr>
+          <p:cNvPr id="3" name="Date Placeholder 2"/>
+          <p:cNvSpPr>
+            <a:spLocks noGrp="1"/>
+          </p:cNvSpPr>
+          <p:nvPr>
+            <p:ph type="dt" idx="1"/>
+          </p:nvPr>
+        </p:nvSpPr>
+        <p:spPr>
+          <a:xfrm>
+            <a:off x="3884613" y="0"/>
+            <a:ext cx="2971800" cy="458788"/>
+          </a:xfrm>
+          <a:prstGeom prst="rect">
+            <a:avLst/>
+          </a:prstGeom>
+        </p:spPr>
+        <p:txBody>
+          <a:bodyPr vert="horz" lIns="91440" tIns="45720" rIns="91440" bIns="45720" rtlCol="0"/>
+          <a:lstStyle>
+            <a:lvl1pPr algn="r">
+              <a:defRPr sz="1200"/>
+            </a:lvl1pPr>
+          </a:lstStyle>
+          <a:p>
+            <a:fld id="{29350229-294D-40F8-8874-57A3CD12C834}" type="datetimeFigureOut">
+              <a:rPr lang="en-US" smtClean="0"/>
+              <a:t>11/26/2020</a:t>
+            </a:fld>
+            <a:endParaRPr lang="en-US"/>
+          </a:p>
+        </p:txBody>
+      </p:sp>
+      <p:sp>
+        <p:nvSpPr>
+          <p:cNvPr id="4" name="Slide Image Placeholder 3"/>
+          <p:cNvSpPr>
+            <a:spLocks noGrp="1" noRot="1" noChangeAspect="1"/>
+          </p:cNvSpPr>
+          <p:nvPr>
+            <p:ph type="sldImg" idx="2"/>
+          </p:nvPr>
+        </p:nvSpPr>
+        <p:spPr>
+          <a:xfrm>
+            <a:off x="277813" y="1143000"/>
+            <a:ext cx="6302375" cy="3086100"/>
+          </a:xfrm>
+          <a:prstGeom prst="rect">
+            <a:avLst/>
+          </a:prstGeom>
+          <a:noFill/>
+          <a:ln w="12700">
+            <a:solidFill>
+              <a:prstClr val="black"/>
+            </a:solidFill>
+          </a:ln>
+        </p:spPr>
+        <p:txBody>
+          <a:bodyPr vert="horz" lIns="91440" tIns="45720" rIns="91440" bIns="45720" rtlCol="0" anchor="ctr"/>
+          <a:lstStyle/>
+          <a:p>
+            <a:endParaRPr lang="en-US"/>
+          </a:p>
+        </p:txBody>
+      </p:sp>
+      <p:sp>
+        <p:nvSpPr>
+          <p:cNvPr id="5" name="Notes Placeholder 4"/>
+          <p:cNvSpPr>
+            <a:spLocks noGrp="1"/>
+          </p:cNvSpPr>
+          <p:nvPr>
+            <p:ph type="body" sz="quarter" idx="3"/>
+          </p:nvPr>
+        </p:nvSpPr>
+        <p:spPr>
+          <a:xfrm>
+            <a:off x="685800" y="4400550"/>
+            <a:ext cx="5486400" cy="3600450"/>
+          </a:xfrm>
+          <a:prstGeom prst="rect">
+            <a:avLst/>
+          </a:prstGeom>
+        </p:spPr>
+        <p:txBody>
+          <a:bodyPr vert="horz" lIns="91440" tIns="45720" rIns="91440" bIns="45720" rtlCol="0"/>
+          <a:lstStyle/>
+          <a:p>
+            <a:pPr lvl="0"/>
+            <a:r>
+              <a:rPr lang="en-US"/>
+              <a:t>Click to edit Master text styles</a:t>
+            </a:r>
+          </a:p>
+          <a:p>
+            <a:pPr lvl="1"/>
+            <a:r>
+              <a:rPr lang="en-US"/>
+              <a:t>Second level</a:t>
+            </a:r>
+          </a:p>
+          <a:p>
+            <a:pPr lvl="2"/>
+            <a:r>
+              <a:rPr lang="en-US"/>
+              <a:t>Third level</a:t>
+            </a:r>
+          </a:p>
+          <a:p>
+            <a:pPr lvl="3"/>
+            <a:r>
+              <a:rPr lang="en-US"/>
+              <a:t>Fourth level</a:t>
+            </a:r>
+          </a:p>
+          <a:p>
+            <a:pPr lvl="4"/>
+            <a:r>
+              <a:rPr lang="en-US"/>
+              <a:t>Fifth level</a:t>
+            </a:r>
+          </a:p>
+        </p:txBody>
+      </p:sp>
+      <p:sp>
+        <p:nvSpPr>
+          <p:cNvPr id="6" name="Footer Placeholder 5"/>
+          <p:cNvSpPr>
+            <a:spLocks noGrp="1"/>
+          </p:cNvSpPr>
+          <p:nvPr>
+            <p:ph type="ftr" sz="quarter" idx="4"/>
+          </p:nvPr>
+        </p:nvSpPr>
+        <p:spPr>
+          <a:xfrm>
+            <a:off x="0" y="8685213"/>
+            <a:ext cx="2971800" cy="458787"/>
+          </a:xfrm>
+          <a:prstGeom prst="rect">
+            <a:avLst/>
+          </a:prstGeom>
+        </p:spPr>
+        <p:txBody>
+          <a:bodyPr vert="horz" lIns="91440" tIns="45720" rIns="91440" bIns="45720" rtlCol="0" anchor="b"/>
+          <a:lstStyle>
+            <a:lvl1pPr algn="l">
+              <a:defRPr sz="1200"/>
+            </a:lvl1pPr>
+          </a:lstStyle>
+          <a:p>
+            <a:endParaRPr lang="en-US"/>
+          </a:p>
+        </p:txBody>
+      </p:sp>
+      <p:sp>
+        <p:nvSpPr>
+          <p:cNvPr id="7" name="Slide Number Placeholder 6"/>
+          <p:cNvSpPr>
+            <a:spLocks noGrp="1"/>
+          </p:cNvSpPr>
+          <p:nvPr>
+            <p:ph type="sldNum" sz="quarter" idx="5"/>
+          </p:nvPr>
+        </p:nvSpPr>
+        <p:spPr>
+          <a:xfrm>
+            <a:off x="3884613" y="8685213"/>
+            <a:ext cx="2971800" cy="458787"/>
+          </a:xfrm>
+          <a:prstGeom prst="rect">
+            <a:avLst/>
+          </a:prstGeom>
+        </p:spPr>
+        <p:txBody>
+          <a:bodyPr vert="horz" lIns="91440" tIns="45720" rIns="91440" bIns="45720" rtlCol="0" anchor="b"/>
+          <a:lstStyle>
+            <a:lvl1pPr algn="r">
+              <a:defRPr sz="1200"/>
+            </a:lvl1pPr>
+          </a:lstStyle>
+          <a:p>
+            <a:fld id="{BEB6F846-10EB-485B-A293-9D77A451E89E}" type="slidenum">
+              <a:rPr lang="en-US" smtClean="0"/>
+              <a:t>‹#›</a:t>
+            </a:fld>
+            <a:endParaRPr lang="en-US"/>
+          </a:p>
+        </p:txBody>
+      </p:sp>
+    </p:spTree>
+    <p:extLst>
+      <p:ext uri="{BB962C8B-B14F-4D97-AF65-F5344CB8AC3E}">
+        <p14:creationId xmlns:p14="http://schemas.microsoft.com/office/powerpoint/2010/main" val="1314421877"/>
+      </p:ext>
+    </p:extLst>
+  </p:cSld>
+  <p:clrMap bg1="lt1" tx1="dk1" bg2="lt2" tx2="dk2" accent1="accent1" accent2="accent2" accent3="accent3" accent4="accent4" accent5="accent5" accent6="accent6" hlink="hlink" folHlink="folHlink"/>
+  <p:notesStyle>
+    <a:lvl1pPr marL="0" algn="l" defTabSz="914400" rtl="0" eaLnBrk="1" latinLnBrk="0" hangingPunct="1">
+      <a:defRPr sz="1200" kern="1200">
+        <a:solidFill>
+          <a:schemeClr val="tx1"/>
+        </a:solidFill>
+        <a:latin typeface="+mn-lt"/>
+        <a:ea typeface="+mn-ea"/>
+        <a:cs typeface="+mn-cs"/>
+      </a:defRPr>
+    </a:lvl1pPr>
+    <a:lvl2pPr marL="457200" algn="l" defTabSz="914400" rtl="0" eaLnBrk="1" latinLnBrk="0" hangingPunct="1">
+      <a:defRPr sz="1200" kern="1200">
+        <a:solidFill>
+          <a:schemeClr val="tx1"/>
+        </a:solidFill>
+        <a:latin typeface="+mn-lt"/>
+        <a:ea typeface="+mn-ea"/>
+        <a:cs typeface="+mn-cs"/>
+      </a:defRPr>
+    </a:lvl2pPr>
+    <a:lvl3pPr marL="914400" algn="l" defTabSz="914400" rtl="0" eaLnBrk="1" latinLnBrk="0" hangingPunct="1">
+      <a:defRPr sz="1200" kern="1200">
+        <a:solidFill>
+          <a:schemeClr val="tx1"/>
+        </a:solidFill>
+        <a:latin typeface="+mn-lt"/>
+        <a:ea typeface="+mn-ea"/>
+        <a:cs typeface="+mn-cs"/>
+      </a:defRPr>
+    </a:lvl3pPr>
+    <a:lvl4pPr marL="1371600" algn="l" defTabSz="914400" rtl="0" eaLnBrk="1" latinLnBrk="0" hangingPunct="1">
+      <a:defRPr sz="1200" kern="1200">
+        <a:solidFill>
+          <a:schemeClr val="tx1"/>
+        </a:solidFill>
+        <a:latin typeface="+mn-lt"/>
+        <a:ea typeface="+mn-ea"/>
+        <a:cs typeface="+mn-cs"/>
+      </a:defRPr>
+    </a:lvl4pPr>
+    <a:lvl5pPr marL="1828800" algn="l" defTabSz="914400" rtl="0" eaLnBrk="1" latinLnBrk="0" hangingPunct="1">
+      <a:defRPr sz="1200" kern="1200">
+        <a:solidFill>
+          <a:schemeClr val="tx1"/>
+        </a:solidFill>
+        <a:latin typeface="+mn-lt"/>
+        <a:ea typeface="+mn-ea"/>
+        <a:cs typeface="+mn-cs"/>
+      </a:defRPr>
+    </a:lvl5pPr>
+    <a:lvl6pPr marL="2286000" algn="l" defTabSz="914400" rtl="0" eaLnBrk="1" latinLnBrk="0" hangingPunct="1">
+      <a:defRPr sz="1200" kern="1200">
+        <a:solidFill>
+          <a:schemeClr val="tx1"/>
+        </a:solidFill>
+        <a:latin typeface="+mn-lt"/>
+        <a:ea typeface="+mn-ea"/>
+        <a:cs typeface="+mn-cs"/>
+      </a:defRPr>
+    </a:lvl6pPr>
+    <a:lvl7pPr marL="2743200" algn="l" defTabSz="914400" rtl="0" eaLnBrk="1" latinLnBrk="0" hangingPunct="1">
+      <a:defRPr sz="1200" kern="1200">
+        <a:solidFill>
+          <a:schemeClr val="tx1"/>
+        </a:solidFill>
+        <a:latin typeface="+mn-lt"/>
+        <a:ea typeface="+mn-ea"/>
+        <a:cs typeface="+mn-cs"/>
+      </a:defRPr>
+    </a:lvl7pPr>
+    <a:lvl8pPr marL="3200400" algn="l" defTabSz="914400" rtl="0" eaLnBrk="1" latinLnBrk="0" hangingPunct="1">
+      <a:defRPr sz="1200" kern="1200">
+        <a:solidFill>
+          <a:schemeClr val="tx1"/>
+        </a:solidFill>
+        <a:latin typeface="+mn-lt"/>
+        <a:ea typeface="+mn-ea"/>
+        <a:cs typeface="+mn-cs"/>
+      </a:defRPr>
+    </a:lvl8pPr>
+    <a:lvl9pPr marL="3657600" algn="l" defTabSz="914400" rtl="0" eaLnBrk="1" latinLnBrk="0" hangingPunct="1">
+      <a:defRPr sz="1200" kern="1200">
+        <a:solidFill>
+          <a:schemeClr val="tx1"/>
+        </a:solidFill>
+        <a:latin typeface="+mn-lt"/>
+        <a:ea typeface="+mn-ea"/>
+        <a:cs typeface="+mn-cs"/>
+      </a:defRPr>
+    </a:lvl9pPr>
+  </p:notesStyle>
+</p:notesMaster>
+</file>
+
+<file path=ppt/notesSlides/notesSlide1.xml><?xml version="1.0" encoding="utf-8"?>
+<p:notes xmlns:a="http://schemas.openxmlformats.org/drawingml/2006/main" xmlns:r="http://schemas.openxmlformats.org/officeDocument/2006/relationships" xmlns:p="http://schemas.openxmlformats.org/presentationml/2006/main">
+  <p:cSld>
+    <p:spTree>
+      <p:nvGrpSpPr>
+        <p:cNvPr id="1" name=""/>
+        <p:cNvGrpSpPr/>
+        <p:nvPr/>
+      </p:nvGrpSpPr>
+      <p:grpSpPr>
+        <a:xfrm>
+          <a:off x="0" y="0"/>
+          <a:ext cx="0" cy="0"/>
+          <a:chOff x="0" y="0"/>
+          <a:chExt cx="0" cy="0"/>
+        </a:xfrm>
+      </p:grpSpPr>
+      <p:sp>
+        <p:nvSpPr>
+          <p:cNvPr id="2" name="Slide Image Placeholder 1"/>
+          <p:cNvSpPr>
+            <a:spLocks noGrp="1" noRot="1" noChangeAspect="1"/>
+          </p:cNvSpPr>
+          <p:nvPr>
+            <p:ph type="sldImg"/>
+          </p:nvPr>
+        </p:nvSpPr>
+        <p:spPr/>
+      </p:sp>
+      <p:sp>
+        <p:nvSpPr>
+          <p:cNvPr id="3" name="Notes Placeholder 2"/>
+          <p:cNvSpPr>
+            <a:spLocks noGrp="1"/>
+          </p:cNvSpPr>
+          <p:nvPr>
+            <p:ph type="body" idx="1"/>
+          </p:nvPr>
+        </p:nvSpPr>
+        <p:spPr/>
+        <p:txBody>
+          <a:bodyPr/>
+          <a:lstStyle/>
+          <a:p>
+            <a:endParaRPr lang="en-US" dirty="0"/>
+          </a:p>
+        </p:txBody>
+      </p:sp>
+      <p:sp>
+        <p:nvSpPr>
+          <p:cNvPr id="4" name="Slide Number Placeholder 3"/>
+          <p:cNvSpPr>
+            <a:spLocks noGrp="1"/>
+          </p:cNvSpPr>
+          <p:nvPr>
+            <p:ph type="sldNum" sz="quarter" idx="5"/>
+          </p:nvPr>
+        </p:nvSpPr>
+        <p:spPr/>
+        <p:txBody>
+          <a:bodyPr/>
+          <a:lstStyle/>
+          <a:p>
+            <a:fld id="{BEB6F846-10EB-485B-A293-9D77A451E89E}" type="slidenum">
+              <a:rPr lang="en-US" smtClean="0"/>
+              <a:t>8</a:t>
+            </a:fld>
+            <a:endParaRPr lang="en-US"/>
+          </a:p>
+        </p:txBody>
+      </p:sp>
+    </p:spTree>
+    <p:extLst>
+      <p:ext uri="{BB962C8B-B14F-4D97-AF65-F5344CB8AC3E}">
+        <p14:creationId xmlns:p14="http://schemas.microsoft.com/office/powerpoint/2010/main" val="518710641"/>
+      </p:ext>
+    </p:extLst>
+  </p:cSld>
+  <p:clrMapOvr>
+    <a:masterClrMapping/>
+  </p:clrMapOvr>
+</p:notes>
+</file>
+
 <file path=ppt/slideLayouts/slideLayout1.xml><?xml version="1.0" encoding="utf-8"?>
 <p:sldLayout xmlns:a="http://schemas.openxmlformats.org/drawingml/2006/main" xmlns:r="http://schemas.openxmlformats.org/officeDocument/2006/relationships" xmlns:p="http://schemas.openxmlformats.org/presentationml/2006/main" type="title" preserve="1">
   <p:cSld name="Title Slide">
@@ -1044,7 +1481,7 @@
           <a:p>
             <a:fld id="{188B2B68-3432-42CC-A797-1383801DFB53}" type="datetimeFigureOut">
               <a:rPr lang="en-US" smtClean="0"/>
-              <a:t>11/16/2020</a:t>
+              <a:t>11/26/2020</a:t>
             </a:fld>
             <a:endParaRPr lang="en-US"/>
           </a:p>
@@ -1214,7 +1651,7 @@
           <a:p>
             <a:fld id="{188B2B68-3432-42CC-A797-1383801DFB53}" type="datetimeFigureOut">
               <a:rPr lang="en-US" smtClean="0"/>
-              <a:t>11/16/2020</a:t>
+              <a:t>11/26/2020</a:t>
             </a:fld>
             <a:endParaRPr lang="en-US"/>
           </a:p>
@@ -1394,7 +1831,7 @@
           <a:p>
             <a:fld id="{188B2B68-3432-42CC-A797-1383801DFB53}" type="datetimeFigureOut">
               <a:rPr lang="en-US" smtClean="0"/>
-              <a:t>11/16/2020</a:t>
+              <a:t>11/26/2020</a:t>
             </a:fld>
             <a:endParaRPr lang="en-US"/>
           </a:p>
@@ -1564,7 +2001,7 @@
           <a:p>
             <a:fld id="{188B2B68-3432-42CC-A797-1383801DFB53}" type="datetimeFigureOut">
               <a:rPr lang="en-US" smtClean="0"/>
-              <a:t>11/16/2020</a:t>
+              <a:t>11/26/2020</a:t>
             </a:fld>
             <a:endParaRPr lang="en-US"/>
           </a:p>
@@ -1810,7 +2247,7 @@
           <a:p>
             <a:fld id="{188B2B68-3432-42CC-A797-1383801DFB53}" type="datetimeFigureOut">
               <a:rPr lang="en-US" smtClean="0"/>
-              <a:t>11/16/2020</a:t>
+              <a:t>11/26/2020</a:t>
             </a:fld>
             <a:endParaRPr lang="en-US"/>
           </a:p>
@@ -2042,7 +2479,7 @@
           <a:p>
             <a:fld id="{188B2B68-3432-42CC-A797-1383801DFB53}" type="datetimeFigureOut">
               <a:rPr lang="en-US" smtClean="0"/>
-              <a:t>11/16/2020</a:t>
+              <a:t>11/26/2020</a:t>
             </a:fld>
             <a:endParaRPr lang="en-US"/>
           </a:p>
@@ -2409,7 +2846,7 @@
           <a:p>
             <a:fld id="{188B2B68-3432-42CC-A797-1383801DFB53}" type="datetimeFigureOut">
               <a:rPr lang="en-US" smtClean="0"/>
-              <a:t>11/16/2020</a:t>
+              <a:t>11/26/2020</a:t>
             </a:fld>
             <a:endParaRPr lang="en-US"/>
           </a:p>
@@ -2527,7 +2964,7 @@
           <a:p>
             <a:fld id="{188B2B68-3432-42CC-A797-1383801DFB53}" type="datetimeFigureOut">
               <a:rPr lang="en-US" smtClean="0"/>
-              <a:t>11/16/2020</a:t>
+              <a:t>11/26/2020</a:t>
             </a:fld>
             <a:endParaRPr lang="en-US"/>
           </a:p>
@@ -2622,7 +3059,7 @@
           <a:p>
             <a:fld id="{188B2B68-3432-42CC-A797-1383801DFB53}" type="datetimeFigureOut">
               <a:rPr lang="en-US" smtClean="0"/>
-              <a:t>11/16/2020</a:t>
+              <a:t>11/26/2020</a:t>
             </a:fld>
             <a:endParaRPr lang="en-US"/>
           </a:p>
@@ -2899,7 +3336,7 @@
           <a:p>
             <a:fld id="{188B2B68-3432-42CC-A797-1383801DFB53}" type="datetimeFigureOut">
               <a:rPr lang="en-US" smtClean="0"/>
-              <a:t>11/16/2020</a:t>
+              <a:t>11/26/2020</a:t>
             </a:fld>
             <a:endParaRPr lang="en-US"/>
           </a:p>
@@ -3156,7 +3593,7 @@
           <a:p>
             <a:fld id="{188B2B68-3432-42CC-A797-1383801DFB53}" type="datetimeFigureOut">
               <a:rPr lang="en-US" smtClean="0"/>
-              <a:t>11/16/2020</a:t>
+              <a:t>11/26/2020</a:t>
             </a:fld>
             <a:endParaRPr lang="en-US"/>
           </a:p>
@@ -3369,7 +3806,7 @@
           <a:p>
             <a:fld id="{188B2B68-3432-42CC-A797-1383801DFB53}" type="datetimeFigureOut">
               <a:rPr lang="en-US" smtClean="0"/>
-              <a:t>11/16/2020</a:t>
+              <a:t>11/26/2020</a:t>
             </a:fld>
             <a:endParaRPr lang="en-US"/>
           </a:p>
@@ -10841,6 +11278,3482 @@
 </p:sld>
 </file>
 
+<file path=ppt/slides/slide8.xml><?xml version="1.0" encoding="utf-8"?>
+<p:sld xmlns:a="http://schemas.openxmlformats.org/drawingml/2006/main" xmlns:r="http://schemas.openxmlformats.org/officeDocument/2006/relationships" xmlns:p="http://schemas.openxmlformats.org/presentationml/2006/main">
+  <p:cSld>
+    <p:spTree>
+      <p:nvGrpSpPr>
+        <p:cNvPr id="1" name=""/>
+        <p:cNvGrpSpPr/>
+        <p:nvPr/>
+      </p:nvGrpSpPr>
+      <p:grpSpPr>
+        <a:xfrm>
+          <a:off x="0" y="0"/>
+          <a:ext cx="0" cy="0"/>
+          <a:chOff x="0" y="0"/>
+          <a:chExt cx="0" cy="0"/>
+        </a:xfrm>
+      </p:grpSpPr>
+      <p:pic>
+        <p:nvPicPr>
+          <p:cNvPr id="3" name="Picture 2">
+            <a:extLst>
+              <a:ext uri="{FF2B5EF4-FFF2-40B4-BE49-F238E27FC236}">
+                <a16:creationId xmlns:a16="http://schemas.microsoft.com/office/drawing/2014/main" id="{F59F25AF-DB29-4B4E-AD33-57FA6F235396}"/>
+              </a:ext>
+            </a:extLst>
+          </p:cNvPr>
+          <p:cNvPicPr>
+            <a:picLocks noChangeAspect="1"/>
+          </p:cNvPicPr>
+          <p:nvPr/>
+        </p:nvPicPr>
+        <p:blipFill rotWithShape="1">
+          <a:blip r:embed="rId3">
+            <a:extLst>
+              <a:ext uri="{BEBA8EAE-BF5A-486C-A8C5-ECC9F3942E4B}">
+                <a14:imgProps xmlns:a14="http://schemas.microsoft.com/office/drawing/2010/main">
+                  <a14:imgLayer r:embed="rId4">
+                    <a14:imgEffect>
+                      <a14:artisticBlur/>
+                    </a14:imgEffect>
+                  </a14:imgLayer>
+                </a14:imgProps>
+              </a:ext>
+              <a:ext uri="{28A0092B-C50C-407E-A947-70E740481C1C}">
+                <a14:useLocalDpi xmlns:a14="http://schemas.microsoft.com/office/drawing/2010/main" val="0"/>
+              </a:ext>
+            </a:extLst>
+          </a:blip>
+          <a:srcRect t="20521" r="20023" b="8764"/>
+          <a:stretch/>
+        </p:blipFill>
+        <p:spPr>
+          <a:xfrm>
+            <a:off x="1957656" y="0"/>
+            <a:ext cx="10305997" cy="6018161"/>
+          </a:xfrm>
+          <a:prstGeom prst="rect">
+            <a:avLst/>
+          </a:prstGeom>
+        </p:spPr>
+      </p:pic>
+      <p:sp>
+        <p:nvSpPr>
+          <p:cNvPr id="315" name="Rectangle 314">
+            <a:extLst>
+              <a:ext uri="{FF2B5EF4-FFF2-40B4-BE49-F238E27FC236}">
+                <a16:creationId xmlns:a16="http://schemas.microsoft.com/office/drawing/2014/main" id="{F3957B8A-13FC-4365-A52A-69149DD997CA}"/>
+              </a:ext>
+            </a:extLst>
+          </p:cNvPr>
+          <p:cNvSpPr/>
+          <p:nvPr/>
+        </p:nvSpPr>
+        <p:spPr>
+          <a:xfrm>
+            <a:off x="3951105" y="3537258"/>
+            <a:ext cx="8283973" cy="1868001"/>
+          </a:xfrm>
+          <a:prstGeom prst="rect">
+            <a:avLst/>
+          </a:prstGeom>
+          <a:solidFill>
+            <a:schemeClr val="tx1">
+              <a:alpha val="21000"/>
+            </a:schemeClr>
+          </a:solidFill>
+          <a:ln>
+            <a:noFill/>
+          </a:ln>
+        </p:spPr>
+        <p:style>
+          <a:lnRef idx="2">
+            <a:schemeClr val="accent1">
+              <a:shade val="50000"/>
+            </a:schemeClr>
+          </a:lnRef>
+          <a:fillRef idx="1">
+            <a:schemeClr val="accent1"/>
+          </a:fillRef>
+          <a:effectRef idx="0">
+            <a:schemeClr val="accent1"/>
+          </a:effectRef>
+          <a:fontRef idx="minor">
+            <a:schemeClr val="lt1"/>
+          </a:fontRef>
+        </p:style>
+        <p:txBody>
+          <a:bodyPr rtlCol="0" anchor="ctr"/>
+          <a:lstStyle/>
+          <a:p>
+            <a:pPr algn="ctr"/>
+            <a:endParaRPr lang="en-US"/>
+          </a:p>
+        </p:txBody>
+      </p:sp>
+      <p:pic>
+        <p:nvPicPr>
+          <p:cNvPr id="82" name="Picture 81">
+            <a:extLst>
+              <a:ext uri="{FF2B5EF4-FFF2-40B4-BE49-F238E27FC236}">
+                <a16:creationId xmlns:a16="http://schemas.microsoft.com/office/drawing/2014/main" id="{C2AFDDA7-F8DE-41E9-9707-A78C458280A3}"/>
+              </a:ext>
+            </a:extLst>
+          </p:cNvPr>
+          <p:cNvPicPr>
+            <a:picLocks noChangeAspect="1"/>
+          </p:cNvPicPr>
+          <p:nvPr/>
+        </p:nvPicPr>
+        <p:blipFill>
+          <a:blip r:embed="rId5">
+            <a:extLst>
+              <a:ext uri="{28A0092B-C50C-407E-A947-70E740481C1C}">
+                <a14:useLocalDpi xmlns:a14="http://schemas.microsoft.com/office/drawing/2010/main" val="0"/>
+              </a:ext>
+            </a:extLst>
+          </a:blip>
+          <a:srcRect b="102"/>
+          <a:stretch/>
+        </p:blipFill>
+        <p:spPr>
+          <a:xfrm>
+            <a:off x="132571" y="124535"/>
+            <a:ext cx="7145897" cy="5796921"/>
+          </a:xfrm>
+          <a:custGeom>
+            <a:avLst/>
+            <a:gdLst>
+              <a:gd name="connsiteX0" fmla="*/ 0 w 7170057"/>
+              <a:gd name="connsiteY0" fmla="*/ 0 h 6008914"/>
+              <a:gd name="connsiteX1" fmla="*/ 7170057 w 7170057"/>
+              <a:gd name="connsiteY1" fmla="*/ 0 h 6008914"/>
+              <a:gd name="connsiteX2" fmla="*/ 5428343 w 7170057"/>
+              <a:gd name="connsiteY2" fmla="*/ 3759200 h 6008914"/>
+              <a:gd name="connsiteX3" fmla="*/ 5065486 w 7170057"/>
+              <a:gd name="connsiteY3" fmla="*/ 2728686 h 6008914"/>
+              <a:gd name="connsiteX4" fmla="*/ 4005943 w 7170057"/>
+              <a:gd name="connsiteY4" fmla="*/ 6008914 h 6008914"/>
+              <a:gd name="connsiteX5" fmla="*/ 0 w 7170057"/>
+              <a:gd name="connsiteY5" fmla="*/ 6008914 h 6008914"/>
+            </a:gdLst>
+            <a:ahLst/>
+            <a:cxnLst>
+              <a:cxn ang="0">
+                <a:pos x="connsiteX0" y="connsiteY0"/>
+              </a:cxn>
+              <a:cxn ang="0">
+                <a:pos x="connsiteX1" y="connsiteY1"/>
+              </a:cxn>
+              <a:cxn ang="0">
+                <a:pos x="connsiteX2" y="connsiteY2"/>
+              </a:cxn>
+              <a:cxn ang="0">
+                <a:pos x="connsiteX3" y="connsiteY3"/>
+              </a:cxn>
+              <a:cxn ang="0">
+                <a:pos x="connsiteX4" y="connsiteY4"/>
+              </a:cxn>
+              <a:cxn ang="0">
+                <a:pos x="connsiteX5" y="connsiteY5"/>
+              </a:cxn>
+            </a:cxnLst>
+            <a:rect l="l" t="t" r="r" b="b"/>
+            <a:pathLst>
+              <a:path w="7170057" h="6008914">
+                <a:moveTo>
+                  <a:pt x="0" y="0"/>
+                </a:moveTo>
+                <a:lnTo>
+                  <a:pt x="7170057" y="0"/>
+                </a:lnTo>
+                <a:lnTo>
+                  <a:pt x="5428343" y="3759200"/>
+                </a:lnTo>
+                <a:lnTo>
+                  <a:pt x="5065486" y="2728686"/>
+                </a:lnTo>
+                <a:lnTo>
+                  <a:pt x="4005943" y="6008914"/>
+                </a:lnTo>
+                <a:lnTo>
+                  <a:pt x="0" y="6008914"/>
+                </a:lnTo>
+                <a:close/>
+              </a:path>
+            </a:pathLst>
+          </a:custGeom>
+          <a:noFill/>
+          <a:ln>
+            <a:solidFill>
+              <a:srgbClr val="51EAF7"/>
+            </a:solidFill>
+          </a:ln>
+        </p:spPr>
+      </p:pic>
+      <p:sp>
+        <p:nvSpPr>
+          <p:cNvPr id="81" name="Freeform: Shape 80">
+            <a:extLst>
+              <a:ext uri="{FF2B5EF4-FFF2-40B4-BE49-F238E27FC236}">
+                <a16:creationId xmlns:a16="http://schemas.microsoft.com/office/drawing/2014/main" id="{F2E70BB0-A2A7-4A48-8D0A-C1282E208C3C}"/>
+              </a:ext>
+            </a:extLst>
+          </p:cNvPr>
+          <p:cNvSpPr/>
+          <p:nvPr/>
+        </p:nvSpPr>
+        <p:spPr>
+          <a:xfrm>
+            <a:off x="66675" y="77707"/>
+            <a:ext cx="7211793" cy="5874627"/>
+          </a:xfrm>
+          <a:custGeom>
+            <a:avLst/>
+            <a:gdLst>
+              <a:gd name="connsiteX0" fmla="*/ 0 w 7184571"/>
+              <a:gd name="connsiteY0" fmla="*/ 6008914 h 6008914"/>
+              <a:gd name="connsiteX1" fmla="*/ 4020457 w 7184571"/>
+              <a:gd name="connsiteY1" fmla="*/ 6008914 h 6008914"/>
+              <a:gd name="connsiteX2" fmla="*/ 5080000 w 7184571"/>
+              <a:gd name="connsiteY2" fmla="*/ 2728686 h 6008914"/>
+              <a:gd name="connsiteX3" fmla="*/ 5442857 w 7184571"/>
+              <a:gd name="connsiteY3" fmla="*/ 3759200 h 6008914"/>
+              <a:gd name="connsiteX4" fmla="*/ 7184571 w 7184571"/>
+              <a:gd name="connsiteY4" fmla="*/ 0 h 6008914"/>
+              <a:gd name="connsiteX5" fmla="*/ 14514 w 7184571"/>
+              <a:gd name="connsiteY5" fmla="*/ 0 h 6008914"/>
+              <a:gd name="connsiteX6" fmla="*/ 0 w 7184571"/>
+              <a:gd name="connsiteY6" fmla="*/ 6008914 h 6008914"/>
+            </a:gdLst>
+            <a:ahLst/>
+            <a:cxnLst>
+              <a:cxn ang="0">
+                <a:pos x="connsiteX0" y="connsiteY0"/>
+              </a:cxn>
+              <a:cxn ang="0">
+                <a:pos x="connsiteX1" y="connsiteY1"/>
+              </a:cxn>
+              <a:cxn ang="0">
+                <a:pos x="connsiteX2" y="connsiteY2"/>
+              </a:cxn>
+              <a:cxn ang="0">
+                <a:pos x="connsiteX3" y="connsiteY3"/>
+              </a:cxn>
+              <a:cxn ang="0">
+                <a:pos x="connsiteX4" y="connsiteY4"/>
+              </a:cxn>
+              <a:cxn ang="0">
+                <a:pos x="connsiteX5" y="connsiteY5"/>
+              </a:cxn>
+              <a:cxn ang="0">
+                <a:pos x="connsiteX6" y="connsiteY6"/>
+              </a:cxn>
+            </a:cxnLst>
+            <a:rect l="l" t="t" r="r" b="b"/>
+            <a:pathLst>
+              <a:path w="7184571" h="6008914">
+                <a:moveTo>
+                  <a:pt x="0" y="6008914"/>
+                </a:moveTo>
+                <a:lnTo>
+                  <a:pt x="4020457" y="6008914"/>
+                </a:lnTo>
+                <a:lnTo>
+                  <a:pt x="5080000" y="2728686"/>
+                </a:lnTo>
+                <a:lnTo>
+                  <a:pt x="5442857" y="3759200"/>
+                </a:lnTo>
+                <a:lnTo>
+                  <a:pt x="7184571" y="0"/>
+                </a:lnTo>
+                <a:lnTo>
+                  <a:pt x="14514" y="0"/>
+                </a:lnTo>
+                <a:lnTo>
+                  <a:pt x="0" y="6008914"/>
+                </a:lnTo>
+                <a:close/>
+              </a:path>
+            </a:pathLst>
+          </a:custGeom>
+          <a:noFill/>
+          <a:ln w="152400">
+            <a:solidFill>
+              <a:srgbClr val="51EAF7"/>
+            </a:solidFill>
+          </a:ln>
+        </p:spPr>
+        <p:style>
+          <a:lnRef idx="2">
+            <a:schemeClr val="accent1">
+              <a:shade val="50000"/>
+            </a:schemeClr>
+          </a:lnRef>
+          <a:fillRef idx="1">
+            <a:schemeClr val="accent1"/>
+          </a:fillRef>
+          <a:effectRef idx="0">
+            <a:schemeClr val="accent1"/>
+          </a:effectRef>
+          <a:fontRef idx="minor">
+            <a:schemeClr val="lt1"/>
+          </a:fontRef>
+        </p:style>
+        <p:txBody>
+          <a:bodyPr rtlCol="0" anchor="ctr"/>
+          <a:lstStyle/>
+          <a:p>
+            <a:pPr algn="ctr"/>
+            <a:endParaRPr lang="en-US"/>
+          </a:p>
+        </p:txBody>
+      </p:sp>
+      <p:grpSp>
+        <p:nvGrpSpPr>
+          <p:cNvPr id="317" name="Group 316">
+            <a:extLst>
+              <a:ext uri="{FF2B5EF4-FFF2-40B4-BE49-F238E27FC236}">
+                <a16:creationId xmlns:a16="http://schemas.microsoft.com/office/drawing/2014/main" id="{8575E902-9561-4043-9617-EDC328031238}"/>
+              </a:ext>
+            </a:extLst>
+          </p:cNvPr>
+          <p:cNvGrpSpPr/>
+          <p:nvPr/>
+        </p:nvGrpSpPr>
+        <p:grpSpPr>
+          <a:xfrm>
+            <a:off x="5687270" y="1420190"/>
+            <a:ext cx="6285197" cy="1856522"/>
+            <a:chOff x="2598538" y="1325760"/>
+            <a:chExt cx="6774461" cy="2001041"/>
+          </a:xfrm>
+        </p:grpSpPr>
+        <p:grpSp>
+          <p:nvGrpSpPr>
+            <p:cNvPr id="298" name="Group 297">
+              <a:extLst>
+                <a:ext uri="{FF2B5EF4-FFF2-40B4-BE49-F238E27FC236}">
+                  <a16:creationId xmlns:a16="http://schemas.microsoft.com/office/drawing/2014/main" id="{35FF8D3C-8ACC-4C88-97D4-C357D96F8953}"/>
+                </a:ext>
+              </a:extLst>
+            </p:cNvPr>
+            <p:cNvGrpSpPr/>
+            <p:nvPr/>
+          </p:nvGrpSpPr>
+          <p:grpSpPr>
+            <a:xfrm>
+              <a:off x="6994590" y="1348719"/>
+              <a:ext cx="2378409" cy="1978082"/>
+              <a:chOff x="5584016" y="1911718"/>
+              <a:chExt cx="2378409" cy="1978082"/>
+            </a:xfrm>
+            <a:effectLst>
+              <a:outerShdw blurRad="50800" dist="38100" dir="10800000" algn="r" rotWithShape="0">
+                <a:prstClr val="black">
+                  <a:alpha val="40000"/>
+                </a:prstClr>
+              </a:outerShdw>
+            </a:effectLst>
+          </p:grpSpPr>
+          <p:pic>
+            <p:nvPicPr>
+              <p:cNvPr id="1027" name="Graphic 1026">
+                <a:extLst>
+                  <a:ext uri="{FF2B5EF4-FFF2-40B4-BE49-F238E27FC236}">
+                    <a16:creationId xmlns:a16="http://schemas.microsoft.com/office/drawing/2014/main" id="{45AEADB8-1D94-413E-95B0-57B169351387}"/>
+                  </a:ext>
+                </a:extLst>
+              </p:cNvPr>
+              <p:cNvPicPr>
+                <a:picLocks noChangeAspect="1"/>
+              </p:cNvPicPr>
+              <p:nvPr/>
+            </p:nvPicPr>
+            <p:blipFill>
+              <a:blip r:embed="rId6">
+                <a:extLst>
+                  <a:ext uri="{28A0092B-C50C-407E-A947-70E740481C1C}">
+                    <a14:useLocalDpi xmlns:a14="http://schemas.microsoft.com/office/drawing/2010/main" val="0"/>
+                  </a:ext>
+                  <a:ext uri="{96DAC541-7B7A-43D3-8B79-37D633B846F1}">
+                    <asvg:svgBlip xmlns:asvg="http://schemas.microsoft.com/office/drawing/2016/SVG/main" r:embed="rId7"/>
+                  </a:ext>
+                </a:extLst>
+              </a:blip>
+              <a:srcRect/>
+              <a:stretch/>
+            </p:blipFill>
+            <p:spPr>
+              <a:xfrm>
+                <a:off x="5584016" y="1911718"/>
+                <a:ext cx="2378409" cy="1978082"/>
+              </a:xfrm>
+              <a:prstGeom prst="rect">
+                <a:avLst/>
+              </a:prstGeom>
+            </p:spPr>
+          </p:pic>
+          <p:grpSp>
+            <p:nvGrpSpPr>
+              <p:cNvPr id="295" name="Group 294">
+                <a:extLst>
+                  <a:ext uri="{FF2B5EF4-FFF2-40B4-BE49-F238E27FC236}">
+                    <a16:creationId xmlns:a16="http://schemas.microsoft.com/office/drawing/2014/main" id="{8D3F5771-35F9-460C-9385-EB8EC7DE1509}"/>
+                  </a:ext>
+                </a:extLst>
+              </p:cNvPr>
+              <p:cNvGrpSpPr/>
+              <p:nvPr/>
+            </p:nvGrpSpPr>
+            <p:grpSpPr>
+              <a:xfrm>
+                <a:off x="7216012" y="2132106"/>
+                <a:ext cx="545435" cy="545435"/>
+                <a:chOff x="7230299" y="2137432"/>
+                <a:chExt cx="545435" cy="545435"/>
+              </a:xfrm>
+            </p:grpSpPr>
+            <p:sp>
+              <p:nvSpPr>
+                <p:cNvPr id="294" name="Oval 293">
+                  <a:extLst>
+                    <a:ext uri="{FF2B5EF4-FFF2-40B4-BE49-F238E27FC236}">
+                      <a16:creationId xmlns:a16="http://schemas.microsoft.com/office/drawing/2014/main" id="{D89C8482-967E-4135-AD3B-72026D68B81E}"/>
+                    </a:ext>
+                  </a:extLst>
+                </p:cNvPr>
+                <p:cNvSpPr/>
+                <p:nvPr/>
+              </p:nvSpPr>
+              <p:spPr bwMode="auto">
+                <a:xfrm>
+                  <a:off x="7230299" y="2137432"/>
+                  <a:ext cx="545435" cy="545435"/>
+                </a:xfrm>
+                <a:prstGeom prst="ellipse">
+                  <a:avLst/>
+                </a:prstGeom>
+                <a:solidFill>
+                  <a:srgbClr val="FFFFFF"/>
+                </a:solidFill>
+                <a:ln w="19050" cap="flat" cmpd="sng" algn="ctr">
+                  <a:solidFill>
+                    <a:srgbClr val="0088EE"/>
+                  </a:solidFill>
+                  <a:prstDash val="solid"/>
+                  <a:headEnd type="none" w="med" len="med"/>
+                  <a:tailEnd type="none" w="med" len="med"/>
+                </a:ln>
+                <a:effectLst/>
+              </p:spPr>
+              <p:txBody>
+                <a:bodyPr rot="0" spcFirstLastPara="0" vertOverflow="overflow" horzOverflow="overflow" vert="horz" wrap="square" lIns="182880" tIns="146304" rIns="182880" bIns="146304" numCol="1" spcCol="0" rtlCol="0" fromWordArt="0" anchor="t" anchorCtr="0" forceAA="0" compatLnSpc="1">
+                  <a:prstTxWarp prst="textNoShape">
+                    <a:avLst/>
+                  </a:prstTxWarp>
+                  <a:noAutofit/>
+                </a:bodyPr>
+                <a:lstStyle/>
+                <a:p>
+                  <a:pPr marL="0" marR="0" lvl="0" indent="0" defTabSz="932472" eaLnBrk="1" fontAlgn="base" latinLnBrk="0" hangingPunct="1">
+                    <a:lnSpc>
+                      <a:spcPct val="100000"/>
+                    </a:lnSpc>
+                    <a:spcBef>
+                      <a:spcPct val="0"/>
+                    </a:spcBef>
+                    <a:spcAft>
+                      <a:spcPct val="0"/>
+                    </a:spcAft>
+                    <a:buClrTx/>
+                    <a:buSzTx/>
+                    <a:buFontTx/>
+                    <a:buNone/>
+                    <a:tabLst/>
+                    <a:defRPr/>
+                  </a:pPr>
+                  <a:endParaRPr kumimoji="0" lang="en-US" sz="2000" b="0" i="0" u="none" strike="noStrike" kern="0" cap="none" spc="0" normalizeH="0" baseline="0" noProof="0" err="1">
+                    <a:ln>
+                      <a:noFill/>
+                    </a:ln>
+                    <a:gradFill>
+                      <a:gsLst>
+                        <a:gs pos="0">
+                          <a:srgbClr val="FFFFFF"/>
+                        </a:gs>
+                        <a:gs pos="100000">
+                          <a:srgbClr val="FFFFFF"/>
+                        </a:gs>
+                      </a:gsLst>
+                      <a:lin ang="5400000" scaled="0"/>
+                    </a:gradFill>
+                    <a:effectLst/>
+                    <a:uLnTx/>
+                    <a:uFillTx/>
+                    <a:latin typeface="Segoe UI"/>
+                    <a:ea typeface="Segoe UI" pitchFamily="34" charset="0"/>
+                    <a:cs typeface="Segoe UI" pitchFamily="34" charset="0"/>
+                  </a:endParaRPr>
+                </a:p>
+              </p:txBody>
+            </p:sp>
+            <p:pic>
+              <p:nvPicPr>
+                <p:cNvPr id="225" name="Graphic 224">
+                  <a:extLst>
+                    <a:ext uri="{FF2B5EF4-FFF2-40B4-BE49-F238E27FC236}">
+                      <a16:creationId xmlns:a16="http://schemas.microsoft.com/office/drawing/2014/main" id="{239BA18D-77E6-477A-8DD7-772DF92FCA1C}"/>
+                    </a:ext>
+                  </a:extLst>
+                </p:cNvPr>
+                <p:cNvPicPr>
+                  <a:picLocks noChangeAspect="1"/>
+                </p:cNvPicPr>
+                <p:nvPr/>
+              </p:nvPicPr>
+              <p:blipFill>
+                <a:blip r:embed="rId8">
+                  <a:extLst>
+                    <a:ext uri="{96DAC541-7B7A-43D3-8B79-37D633B846F1}">
+                      <asvg:svgBlip xmlns:asvg="http://schemas.microsoft.com/office/drawing/2016/SVG/main" r:embed="rId9"/>
+                    </a:ext>
+                  </a:extLst>
+                </a:blip>
+                <a:srcRect/>
+                <a:stretch/>
+              </p:blipFill>
+              <p:spPr>
+                <a:xfrm>
+                  <a:off x="7294331" y="2201464"/>
+                  <a:ext cx="417371" cy="417371"/>
+                </a:xfrm>
+                <a:prstGeom prst="rect">
+                  <a:avLst/>
+                </a:prstGeom>
+              </p:spPr>
+            </p:pic>
+          </p:grpSp>
+        </p:grpSp>
+        <p:grpSp>
+          <p:nvGrpSpPr>
+            <p:cNvPr id="1024" name="Group 1023">
+              <a:extLst>
+                <a:ext uri="{FF2B5EF4-FFF2-40B4-BE49-F238E27FC236}">
+                  <a16:creationId xmlns:a16="http://schemas.microsoft.com/office/drawing/2014/main" id="{B3E1ACB9-746E-4089-9D41-92CD9AAB5376}"/>
+                </a:ext>
+              </a:extLst>
+            </p:cNvPr>
+            <p:cNvGrpSpPr/>
+            <p:nvPr/>
+          </p:nvGrpSpPr>
+          <p:grpSpPr>
+            <a:xfrm>
+              <a:off x="2598538" y="1325760"/>
+              <a:ext cx="1997432" cy="1997432"/>
+              <a:chOff x="1524514" y="2009409"/>
+              <a:chExt cx="1997432" cy="1997432"/>
+            </a:xfrm>
+            <a:effectLst>
+              <a:outerShdw blurRad="50800" dist="38100" algn="l" rotWithShape="0">
+                <a:prstClr val="black">
+                  <a:alpha val="40000"/>
+                </a:prstClr>
+              </a:outerShdw>
+            </a:effectLst>
+          </p:grpSpPr>
+          <p:sp>
+            <p:nvSpPr>
+              <p:cNvPr id="12" name="Oval 11">
+                <a:extLst>
+                  <a:ext uri="{FF2B5EF4-FFF2-40B4-BE49-F238E27FC236}">
+                    <a16:creationId xmlns:a16="http://schemas.microsoft.com/office/drawing/2014/main" id="{FBBBDA51-4E20-47A9-A686-C1D6B88A692F}"/>
+                  </a:ext>
+                </a:extLst>
+              </p:cNvPr>
+              <p:cNvSpPr/>
+              <p:nvPr/>
+            </p:nvSpPr>
+            <p:spPr bwMode="auto">
+              <a:xfrm>
+                <a:off x="1524514" y="2009409"/>
+                <a:ext cx="1997432" cy="1997432"/>
+              </a:xfrm>
+              <a:prstGeom prst="ellipse">
+                <a:avLst/>
+              </a:prstGeom>
+              <a:gradFill flip="none" rotWithShape="1">
+                <a:gsLst>
+                  <a:gs pos="0">
+                    <a:srgbClr val="212124"/>
+                  </a:gs>
+                  <a:gs pos="74000">
+                    <a:srgbClr val="212124"/>
+                  </a:gs>
+                  <a:gs pos="83000">
+                    <a:srgbClr val="212124"/>
+                  </a:gs>
+                  <a:gs pos="100000">
+                    <a:schemeClr val="tx1"/>
+                  </a:gs>
+                </a:gsLst>
+                <a:path path="circle">
+                  <a:fillToRect l="50000" t="50000" r="50000" b="50000"/>
+                </a:path>
+                <a:tileRect/>
+              </a:gradFill>
+              <a:ln w="50800" cap="flat" cmpd="sng" algn="ctr">
+                <a:solidFill>
+                  <a:schemeClr val="bg2">
+                    <a:lumMod val="90000"/>
+                  </a:schemeClr>
+                </a:solidFill>
+                <a:prstDash val="solid"/>
+                <a:headEnd type="none" w="med" len="med"/>
+                <a:tailEnd type="none" w="med" len="med"/>
+              </a:ln>
+              <a:effectLst/>
+            </p:spPr>
+            <p:txBody>
+              <a:bodyPr rot="0" spcFirstLastPara="0" vertOverflow="overflow" horzOverflow="overflow" vert="horz" wrap="square" lIns="182880" tIns="146304" rIns="182880" bIns="146304" numCol="1" spcCol="0" rtlCol="0" fromWordArt="0" anchor="t" anchorCtr="0" forceAA="0" compatLnSpc="1">
+                <a:prstTxWarp prst="textNoShape">
+                  <a:avLst/>
+                </a:prstTxWarp>
+                <a:noAutofit/>
+              </a:bodyPr>
+              <a:lstStyle/>
+              <a:p>
+                <a:pPr marL="0" marR="0" lvl="0" indent="0" defTabSz="932472" eaLnBrk="1" fontAlgn="base" latinLnBrk="0" hangingPunct="1">
+                  <a:lnSpc>
+                    <a:spcPct val="100000"/>
+                  </a:lnSpc>
+                  <a:spcBef>
+                    <a:spcPct val="0"/>
+                  </a:spcBef>
+                  <a:spcAft>
+                    <a:spcPct val="0"/>
+                  </a:spcAft>
+                  <a:buClrTx/>
+                  <a:buSzTx/>
+                  <a:buFontTx/>
+                  <a:buNone/>
+                  <a:tabLst/>
+                  <a:defRPr/>
+                </a:pPr>
+                <a:endParaRPr kumimoji="0" lang="en-US" sz="2000" b="0" i="0" u="none" strike="noStrike" kern="0" cap="none" spc="0" normalizeH="0" baseline="0" noProof="0" err="1">
+                  <a:ln>
+                    <a:noFill/>
+                  </a:ln>
+                  <a:gradFill>
+                    <a:gsLst>
+                      <a:gs pos="0">
+                        <a:srgbClr val="FFFFFF"/>
+                      </a:gs>
+                      <a:gs pos="100000">
+                        <a:srgbClr val="FFFFFF"/>
+                      </a:gs>
+                    </a:gsLst>
+                    <a:lin ang="5400000" scaled="0"/>
+                  </a:gradFill>
+                  <a:effectLst/>
+                  <a:uLnTx/>
+                  <a:uFillTx/>
+                  <a:latin typeface="Segoe UI"/>
+                  <a:ea typeface="Segoe UI" pitchFamily="34" charset="0"/>
+                  <a:cs typeface="Segoe UI" pitchFamily="34" charset="0"/>
+                </a:endParaRPr>
+              </a:p>
+            </p:txBody>
+          </p:sp>
+          <p:grpSp>
+            <p:nvGrpSpPr>
+              <p:cNvPr id="18" name="Group 17">
+                <a:extLst>
+                  <a:ext uri="{FF2B5EF4-FFF2-40B4-BE49-F238E27FC236}">
+                    <a16:creationId xmlns:a16="http://schemas.microsoft.com/office/drawing/2014/main" id="{82CDF804-255C-4B05-97EC-7331480AC8F3}"/>
+                  </a:ext>
+                </a:extLst>
+              </p:cNvPr>
+              <p:cNvGrpSpPr/>
+              <p:nvPr/>
+            </p:nvGrpSpPr>
+            <p:grpSpPr>
+              <a:xfrm>
+                <a:off x="1820170" y="2305065"/>
+                <a:ext cx="1406120" cy="1406120"/>
+                <a:chOff x="3623479" y="2599489"/>
+                <a:chExt cx="814808" cy="814808"/>
+              </a:xfrm>
+            </p:grpSpPr>
+            <p:sp>
+              <p:nvSpPr>
+                <p:cNvPr id="14" name="Oval 13">
+                  <a:extLst>
+                    <a:ext uri="{FF2B5EF4-FFF2-40B4-BE49-F238E27FC236}">
+                      <a16:creationId xmlns:a16="http://schemas.microsoft.com/office/drawing/2014/main" id="{87BA54D9-980E-4035-820D-B5A0CF0EF8D8}"/>
+                    </a:ext>
+                  </a:extLst>
+                </p:cNvPr>
+                <p:cNvSpPr/>
+                <p:nvPr/>
+              </p:nvSpPr>
+              <p:spPr bwMode="auto">
+                <a:xfrm>
+                  <a:off x="3637027" y="2613037"/>
+                  <a:ext cx="787712" cy="787712"/>
+                </a:xfrm>
+                <a:prstGeom prst="ellipse">
+                  <a:avLst/>
+                </a:prstGeom>
+                <a:solidFill>
+                  <a:srgbClr val="FFFFFF"/>
+                </a:solidFill>
+                <a:ln w="19050" cap="flat" cmpd="sng" algn="ctr">
+                  <a:noFill/>
+                  <a:prstDash val="solid"/>
+                  <a:headEnd type="none" w="med" len="med"/>
+                  <a:tailEnd type="none" w="med" len="med"/>
+                </a:ln>
+                <a:effectLst/>
+              </p:spPr>
+              <p:txBody>
+                <a:bodyPr rot="0" spcFirstLastPara="0" vertOverflow="overflow" horzOverflow="overflow" vert="horz" wrap="square" lIns="182880" tIns="146304" rIns="182880" bIns="146304" numCol="1" spcCol="0" rtlCol="0" fromWordArt="0" anchor="t" anchorCtr="0" forceAA="0" compatLnSpc="1">
+                  <a:prstTxWarp prst="textNoShape">
+                    <a:avLst/>
+                  </a:prstTxWarp>
+                  <a:noAutofit/>
+                </a:bodyPr>
+                <a:lstStyle/>
+                <a:p>
+                  <a:pPr marL="0" marR="0" lvl="0" indent="0" defTabSz="932472" eaLnBrk="1" fontAlgn="base" latinLnBrk="0" hangingPunct="1">
+                    <a:lnSpc>
+                      <a:spcPct val="100000"/>
+                    </a:lnSpc>
+                    <a:spcBef>
+                      <a:spcPct val="0"/>
+                    </a:spcBef>
+                    <a:spcAft>
+                      <a:spcPct val="0"/>
+                    </a:spcAft>
+                    <a:buClrTx/>
+                    <a:buSzTx/>
+                    <a:buFontTx/>
+                    <a:buNone/>
+                    <a:tabLst/>
+                    <a:defRPr/>
+                  </a:pPr>
+                  <a:endParaRPr kumimoji="0" lang="en-US" sz="2000" b="0" i="0" u="none" strike="noStrike" kern="0" cap="none" spc="0" normalizeH="0" baseline="0" noProof="0" err="1">
+                    <a:ln>
+                      <a:noFill/>
+                    </a:ln>
+                    <a:gradFill>
+                      <a:gsLst>
+                        <a:gs pos="0">
+                          <a:srgbClr val="FFFFFF"/>
+                        </a:gs>
+                        <a:gs pos="100000">
+                          <a:srgbClr val="FFFFFF"/>
+                        </a:gs>
+                      </a:gsLst>
+                      <a:lin ang="5400000" scaled="0"/>
+                    </a:gradFill>
+                    <a:effectLst/>
+                    <a:uLnTx/>
+                    <a:uFillTx/>
+                    <a:latin typeface="Segoe UI"/>
+                    <a:ea typeface="Segoe UI" pitchFamily="34" charset="0"/>
+                    <a:cs typeface="Segoe UI" pitchFamily="34" charset="0"/>
+                  </a:endParaRPr>
+                </a:p>
+              </p:txBody>
+            </p:sp>
+            <p:pic>
+              <p:nvPicPr>
+                <p:cNvPr id="1026" name="Picture 2" descr="GitHub - Appboy/appboy-xamarin-bindings: Xamarin bindings for the Braze  Android and iOS SDKs">
+                  <a:extLst>
+                    <a:ext uri="{FF2B5EF4-FFF2-40B4-BE49-F238E27FC236}">
+                      <a16:creationId xmlns:a16="http://schemas.microsoft.com/office/drawing/2014/main" id="{C54D6F02-4052-4C4F-8D5A-02273E10CB4D}"/>
+                    </a:ext>
+                  </a:extLst>
+                </p:cNvPr>
+                <p:cNvPicPr>
+                  <a:picLocks noChangeAspect="1" noChangeArrowheads="1"/>
+                </p:cNvPicPr>
+                <p:nvPr/>
+              </p:nvPicPr>
+              <p:blipFill>
+                <a:blip r:embed="rId10">
+                  <a:extLst>
+                    <a:ext uri="{28A0092B-C50C-407E-A947-70E740481C1C}">
+                      <a14:useLocalDpi xmlns:a14="http://schemas.microsoft.com/office/drawing/2010/main" val="0"/>
+                    </a:ext>
+                  </a:extLst>
+                </a:blip>
+                <a:srcRect/>
+                <a:stretch>
+                  <a:fillRect/>
+                </a:stretch>
+              </p:blipFill>
+              <p:spPr bwMode="auto">
+                <a:xfrm>
+                  <a:off x="3623479" y="2599489"/>
+                  <a:ext cx="814808" cy="814808"/>
+                </a:xfrm>
+                <a:prstGeom prst="rect">
+                  <a:avLst/>
+                </a:prstGeom>
+                <a:noFill/>
+                <a:extLst>
+                  <a:ext uri="{909E8E84-426E-40DD-AFC4-6F175D3DCCD1}">
+                    <a14:hiddenFill xmlns:a14="http://schemas.microsoft.com/office/drawing/2010/main">
+                      <a:solidFill>
+                        <a:srgbClr val="FFFFFF"/>
+                      </a:solidFill>
+                    </a14:hiddenFill>
+                  </a:ext>
+                </a:extLst>
+              </p:spPr>
+            </p:pic>
+          </p:grpSp>
+        </p:grpSp>
+        <p:grpSp>
+          <p:nvGrpSpPr>
+            <p:cNvPr id="305" name="Group 304">
+              <a:extLst>
+                <a:ext uri="{FF2B5EF4-FFF2-40B4-BE49-F238E27FC236}">
+                  <a16:creationId xmlns:a16="http://schemas.microsoft.com/office/drawing/2014/main" id="{63360DCA-F2A5-4E7A-A56B-797E8E8D632D}"/>
+                </a:ext>
+              </a:extLst>
+            </p:cNvPr>
+            <p:cNvGrpSpPr/>
+            <p:nvPr/>
+          </p:nvGrpSpPr>
+          <p:grpSpPr>
+            <a:xfrm>
+              <a:off x="4714869" y="2272545"/>
+              <a:ext cx="2282216" cy="491795"/>
+              <a:chOff x="3640845" y="2841894"/>
+              <a:chExt cx="2282216" cy="491795"/>
+            </a:xfrm>
+          </p:grpSpPr>
+          <p:cxnSp>
+            <p:nvCxnSpPr>
+              <p:cNvPr id="388" name="Straight Connector 387">
+                <a:extLst>
+                  <a:ext uri="{FF2B5EF4-FFF2-40B4-BE49-F238E27FC236}">
+                    <a16:creationId xmlns:a16="http://schemas.microsoft.com/office/drawing/2014/main" id="{0F273233-A63D-4E45-B7E8-B7910C24BCE0}"/>
+                  </a:ext>
+                </a:extLst>
+              </p:cNvPr>
+              <p:cNvCxnSpPr>
+                <a:cxnSpLocks/>
+                <a:stCxn id="367" idx="6"/>
+                <a:endCxn id="378" idx="2"/>
+              </p:cNvCxnSpPr>
+              <p:nvPr/>
+            </p:nvCxnSpPr>
+            <p:spPr>
+              <a:xfrm>
+                <a:off x="4132640" y="3087792"/>
+                <a:ext cx="1298626" cy="0"/>
+              </a:xfrm>
+              <a:prstGeom prst="line">
+                <a:avLst/>
+              </a:prstGeom>
+              <a:noFill/>
+              <a:ln w="63500" cap="flat" cmpd="sng" algn="ctr">
+                <a:solidFill>
+                  <a:srgbClr val="0088EE"/>
+                </a:solidFill>
+                <a:prstDash val="solid"/>
+                <a:headEnd type="none" w="lg" len="med"/>
+                <a:tailEnd type="none" w="lg" len="med"/>
+              </a:ln>
+              <a:effectLst>
+                <a:outerShdw blurRad="50800" dist="38100" dir="5400000" algn="t" rotWithShape="0">
+                  <a:prstClr val="black">
+                    <a:alpha val="40000"/>
+                  </a:prstClr>
+                </a:outerShdw>
+              </a:effectLst>
+            </p:spPr>
+          </p:cxnSp>
+          <p:grpSp>
+            <p:nvGrpSpPr>
+              <p:cNvPr id="366" name="Group 365">
+                <a:extLst>
+                  <a:ext uri="{FF2B5EF4-FFF2-40B4-BE49-F238E27FC236}">
+                    <a16:creationId xmlns:a16="http://schemas.microsoft.com/office/drawing/2014/main" id="{C97950C0-CDF4-4AF1-8053-D07FBA9A9397}"/>
+                  </a:ext>
+                </a:extLst>
+              </p:cNvPr>
+              <p:cNvGrpSpPr/>
+              <p:nvPr/>
+            </p:nvGrpSpPr>
+            <p:grpSpPr>
+              <a:xfrm>
+                <a:off x="3640845" y="2841894"/>
+                <a:ext cx="491795" cy="491795"/>
+                <a:chOff x="8830394" y="2929277"/>
+                <a:chExt cx="219652" cy="219652"/>
+              </a:xfrm>
+            </p:grpSpPr>
+            <p:sp>
+              <p:nvSpPr>
+                <p:cNvPr id="367" name="Oval 366">
+                  <a:extLst>
+                    <a:ext uri="{FF2B5EF4-FFF2-40B4-BE49-F238E27FC236}">
+                      <a16:creationId xmlns:a16="http://schemas.microsoft.com/office/drawing/2014/main" id="{66A2A328-7DBF-481C-8B88-A28800D92D05}"/>
+                    </a:ext>
+                  </a:extLst>
+                </p:cNvPr>
+                <p:cNvSpPr/>
+                <p:nvPr/>
+              </p:nvSpPr>
+              <p:spPr bwMode="auto">
+                <a:xfrm>
+                  <a:off x="8830394" y="2929277"/>
+                  <a:ext cx="219652" cy="219652"/>
+                </a:xfrm>
+                <a:prstGeom prst="ellipse">
+                  <a:avLst/>
+                </a:prstGeom>
+                <a:solidFill>
+                  <a:srgbClr val="0078D4"/>
+                </a:solidFill>
+                <a:ln w="9525" cap="flat" cmpd="sng" algn="ctr">
+                  <a:noFill/>
+                  <a:prstDash val="solid"/>
+                  <a:headEnd type="none" w="med" len="med"/>
+                  <a:tailEnd type="none" w="med" len="med"/>
+                </a:ln>
+                <a:effectLst>
+                  <a:outerShdw blurRad="50800" dist="38100" algn="l" rotWithShape="0">
+                    <a:prstClr val="black">
+                      <a:alpha val="40000"/>
+                    </a:prstClr>
+                  </a:outerShdw>
+                </a:effectLst>
+              </p:spPr>
+              <p:txBody>
+                <a:bodyPr rot="0" spcFirstLastPara="0" vertOverflow="overflow" horzOverflow="overflow" vert="horz" wrap="square" lIns="182880" tIns="146304" rIns="182880" bIns="146304" numCol="1" spcCol="0" rtlCol="0" fromWordArt="0" anchor="t" anchorCtr="0" forceAA="0" compatLnSpc="1">
+                  <a:prstTxWarp prst="textNoShape">
+                    <a:avLst/>
+                  </a:prstTxWarp>
+                  <a:noAutofit/>
+                </a:bodyPr>
+                <a:lstStyle/>
+                <a:p>
+                  <a:pPr marL="0" marR="0" lvl="0" indent="0" defTabSz="932472" eaLnBrk="1" fontAlgn="base" latinLnBrk="0" hangingPunct="1">
+                    <a:lnSpc>
+                      <a:spcPct val="100000"/>
+                    </a:lnSpc>
+                    <a:spcBef>
+                      <a:spcPct val="0"/>
+                    </a:spcBef>
+                    <a:spcAft>
+                      <a:spcPct val="0"/>
+                    </a:spcAft>
+                    <a:buClrTx/>
+                    <a:buSzTx/>
+                    <a:buFontTx/>
+                    <a:buNone/>
+                    <a:tabLst/>
+                    <a:defRPr/>
+                  </a:pPr>
+                  <a:endParaRPr kumimoji="0" lang="en-US" sz="2000" b="0" i="0" u="none" strike="noStrike" kern="0" cap="none" spc="0" normalizeH="0" baseline="0" noProof="0" err="1">
+                    <a:ln>
+                      <a:noFill/>
+                    </a:ln>
+                    <a:gradFill>
+                      <a:gsLst>
+                        <a:gs pos="0">
+                          <a:srgbClr val="FFFFFF"/>
+                        </a:gs>
+                        <a:gs pos="100000">
+                          <a:srgbClr val="FFFFFF"/>
+                        </a:gs>
+                      </a:gsLst>
+                      <a:lin ang="5400000" scaled="0"/>
+                    </a:gradFill>
+                    <a:effectLst/>
+                    <a:uLnTx/>
+                    <a:uFillTx/>
+                    <a:latin typeface="Segoe UI"/>
+                    <a:ea typeface="Segoe UI" pitchFamily="34" charset="0"/>
+                    <a:cs typeface="Segoe UI" pitchFamily="34" charset="0"/>
+                  </a:endParaRPr>
+                </a:p>
+              </p:txBody>
+            </p:sp>
+            <p:grpSp>
+              <p:nvGrpSpPr>
+                <p:cNvPr id="368" name="Group 38">
+                  <a:extLst>
+                    <a:ext uri="{FF2B5EF4-FFF2-40B4-BE49-F238E27FC236}">
+                      <a16:creationId xmlns:a16="http://schemas.microsoft.com/office/drawing/2014/main" id="{5B097888-16E4-415C-B45F-8A6C432028C2}"/>
+                    </a:ext>
+                  </a:extLst>
+                </p:cNvPr>
+                <p:cNvGrpSpPr>
+                  <a:grpSpLocks noChangeAspect="1"/>
+                </p:cNvGrpSpPr>
+                <p:nvPr/>
+              </p:nvGrpSpPr>
+              <p:grpSpPr bwMode="auto">
+                <a:xfrm>
+                  <a:off x="8857446" y="3002683"/>
+                  <a:ext cx="165548" cy="72841"/>
+                  <a:chOff x="5455" y="1805"/>
+                  <a:chExt cx="375" cy="165"/>
+                </a:xfrm>
+              </p:grpSpPr>
+              <p:sp>
+                <p:nvSpPr>
+                  <p:cNvPr id="369" name="AutoShape 37">
+                    <a:extLst>
+                      <a:ext uri="{FF2B5EF4-FFF2-40B4-BE49-F238E27FC236}">
+                        <a16:creationId xmlns:a16="http://schemas.microsoft.com/office/drawing/2014/main" id="{1E00021A-B84A-4D56-97FF-16C8CBF31889}"/>
+                      </a:ext>
+                    </a:extLst>
+                  </p:cNvPr>
+                  <p:cNvSpPr>
+                    <a:spLocks noChangeAspect="1" noChangeArrowheads="1" noTextEdit="1"/>
+                  </p:cNvSpPr>
+                  <p:nvPr/>
+                </p:nvSpPr>
+                <p:spPr bwMode="auto">
+                  <a:xfrm>
+                    <a:off x="5455" y="1805"/>
+                    <a:ext cx="375" cy="165"/>
+                  </a:xfrm>
+                  <a:prstGeom prst="rect">
+                    <a:avLst/>
+                  </a:prstGeom>
+                  <a:noFill/>
+                  <a:ln>
+                    <a:noFill/>
+                  </a:ln>
+                  <a:extLst>
+                    <a:ext uri="{909E8E84-426E-40DD-AFC4-6F175D3DCCD1}">
+                      <a14:hiddenFill xmlns:a14="http://schemas.microsoft.com/office/drawing/2010/main">
+                        <a:solidFill>
+                          <a:srgbClr val="FFFFFF"/>
+                        </a:solidFill>
+                      </a14:hiddenFill>
+                    </a:ext>
+                    <a:ext uri="{91240B29-F687-4F45-9708-019B960494DF}">
+                      <a14:hiddenLine xmlns:a14="http://schemas.microsoft.com/office/drawing/2010/main" w="9525">
+                        <a:solidFill>
+                          <a:srgbClr val="000000"/>
+                        </a:solidFill>
+                        <a:miter lim="800000"/>
+                        <a:headEnd/>
+                        <a:tailEnd/>
+                      </a14:hiddenLine>
+                    </a:ext>
+                  </a:extLst>
+                </p:spPr>
+                <p:txBody>
+                  <a:bodyPr vert="horz" wrap="square" lIns="91440" tIns="45720" rIns="91440" bIns="45720" numCol="1" anchor="t" anchorCtr="0" compatLnSpc="1">
+                    <a:prstTxWarp prst="textNoShape">
+                      <a:avLst/>
+                    </a:prstTxWarp>
+                  </a:bodyPr>
+                  <a:lstStyle/>
+                  <a:p>
+                    <a:pPr marL="0" marR="0" lvl="0" indent="0" defTabSz="914367" eaLnBrk="1" fontAlgn="auto" latinLnBrk="0" hangingPunct="1">
+                      <a:lnSpc>
+                        <a:spcPct val="100000"/>
+                      </a:lnSpc>
+                      <a:spcBef>
+                        <a:spcPts val="0"/>
+                      </a:spcBef>
+                      <a:spcAft>
+                        <a:spcPts val="0"/>
+                      </a:spcAft>
+                      <a:buClrTx/>
+                      <a:buSzTx/>
+                      <a:buFontTx/>
+                      <a:buNone/>
+                      <a:tabLst/>
+                      <a:defRPr/>
+                    </a:pPr>
+                    <a:endParaRPr kumimoji="0" lang="en-US" sz="1765" b="0" i="0" u="none" strike="noStrike" kern="0" cap="none" spc="0" normalizeH="0" baseline="0" noProof="0">
+                      <a:ln>
+                        <a:noFill/>
+                      </a:ln>
+                      <a:solidFill>
+                        <a:srgbClr val="FFFFFF"/>
+                      </a:solidFill>
+                      <a:effectLst/>
+                      <a:uLnTx/>
+                      <a:uFillTx/>
+                      <a:latin typeface="Segoe UI"/>
+                    </a:endParaRPr>
+                  </a:p>
+                </p:txBody>
+              </p:sp>
+              <p:sp>
+                <p:nvSpPr>
+                  <p:cNvPr id="370" name="Freeform 39">
+                    <a:extLst>
+                      <a:ext uri="{FF2B5EF4-FFF2-40B4-BE49-F238E27FC236}">
+                        <a16:creationId xmlns:a16="http://schemas.microsoft.com/office/drawing/2014/main" id="{33C5DBE4-1745-47BA-9A39-79767A425CA7}"/>
+                      </a:ext>
+                    </a:extLst>
+                  </p:cNvPr>
+                  <p:cNvSpPr>
+                    <a:spLocks/>
+                  </p:cNvSpPr>
+                  <p:nvPr/>
+                </p:nvSpPr>
+                <p:spPr bwMode="auto">
+                  <a:xfrm>
+                    <a:off x="5722" y="1863"/>
+                    <a:ext cx="108" cy="107"/>
+                  </a:xfrm>
+                  <a:custGeom>
+                    <a:avLst/>
+                    <a:gdLst>
+                      <a:gd name="T0" fmla="*/ 83 w 108"/>
+                      <a:gd name="T1" fmla="*/ 0 h 107"/>
+                      <a:gd name="T2" fmla="*/ 108 w 108"/>
+                      <a:gd name="T3" fmla="*/ 24 h 107"/>
+                      <a:gd name="T4" fmla="*/ 25 w 108"/>
+                      <a:gd name="T5" fmla="*/ 107 h 107"/>
+                      <a:gd name="T6" fmla="*/ 0 w 108"/>
+                      <a:gd name="T7" fmla="*/ 82 h 107"/>
+                      <a:gd name="T8" fmla="*/ 83 w 108"/>
+                      <a:gd name="T9" fmla="*/ 0 h 107"/>
+                    </a:gdLst>
+                    <a:ahLst/>
+                    <a:cxnLst>
+                      <a:cxn ang="0">
+                        <a:pos x="T0" y="T1"/>
+                      </a:cxn>
+                      <a:cxn ang="0">
+                        <a:pos x="T2" y="T3"/>
+                      </a:cxn>
+                      <a:cxn ang="0">
+                        <a:pos x="T4" y="T5"/>
+                      </a:cxn>
+                      <a:cxn ang="0">
+                        <a:pos x="T6" y="T7"/>
+                      </a:cxn>
+                      <a:cxn ang="0">
+                        <a:pos x="T8" y="T9"/>
+                      </a:cxn>
+                    </a:cxnLst>
+                    <a:rect l="0" t="0" r="r" b="b"/>
+                    <a:pathLst>
+                      <a:path w="108" h="107">
+                        <a:moveTo>
+                          <a:pt x="83" y="0"/>
+                        </a:moveTo>
+                        <a:lnTo>
+                          <a:pt x="108" y="24"/>
+                        </a:lnTo>
+                        <a:lnTo>
+                          <a:pt x="25" y="107"/>
+                        </a:lnTo>
+                        <a:lnTo>
+                          <a:pt x="0" y="82"/>
+                        </a:lnTo>
+                        <a:lnTo>
+                          <a:pt x="83" y="0"/>
+                        </a:lnTo>
+                        <a:close/>
+                      </a:path>
+                    </a:pathLst>
+                  </a:custGeom>
+                  <a:solidFill>
+                    <a:srgbClr val="FFFFFF"/>
+                  </a:solidFill>
+                  <a:ln>
+                    <a:noFill/>
+                  </a:ln>
+                  <a:extLst>
+                    <a:ext uri="{91240B29-F687-4F45-9708-019B960494DF}">
+                      <a14:hiddenLine xmlns:a14="http://schemas.microsoft.com/office/drawing/2010/main" w="9525">
+                        <a:solidFill>
+                          <a:srgbClr val="000000"/>
+                        </a:solidFill>
+                        <a:round/>
+                        <a:headEnd/>
+                        <a:tailEnd/>
+                      </a14:hiddenLine>
+                    </a:ext>
+                  </a:extLst>
+                </p:spPr>
+                <p:txBody>
+                  <a:bodyPr vert="horz" wrap="square" lIns="91440" tIns="45720" rIns="91440" bIns="45720" numCol="1" anchor="t" anchorCtr="0" compatLnSpc="1">
+                    <a:prstTxWarp prst="textNoShape">
+                      <a:avLst/>
+                    </a:prstTxWarp>
+                  </a:bodyPr>
+                  <a:lstStyle/>
+                  <a:p>
+                    <a:pPr marL="0" marR="0" lvl="0" indent="0" defTabSz="914367" eaLnBrk="1" fontAlgn="auto" latinLnBrk="0" hangingPunct="1">
+                      <a:lnSpc>
+                        <a:spcPct val="100000"/>
+                      </a:lnSpc>
+                      <a:spcBef>
+                        <a:spcPts val="0"/>
+                      </a:spcBef>
+                      <a:spcAft>
+                        <a:spcPts val="0"/>
+                      </a:spcAft>
+                      <a:buClrTx/>
+                      <a:buSzTx/>
+                      <a:buFontTx/>
+                      <a:buNone/>
+                      <a:tabLst/>
+                      <a:defRPr/>
+                    </a:pPr>
+                    <a:endParaRPr kumimoji="0" lang="en-US" sz="1765" b="0" i="0" u="none" strike="noStrike" kern="0" cap="none" spc="0" normalizeH="0" baseline="0" noProof="0">
+                      <a:ln>
+                        <a:noFill/>
+                      </a:ln>
+                      <a:solidFill>
+                        <a:srgbClr val="FFFFFF"/>
+                      </a:solidFill>
+                      <a:effectLst/>
+                      <a:uLnTx/>
+                      <a:uFillTx/>
+                      <a:latin typeface="Segoe UI"/>
+                    </a:endParaRPr>
+                  </a:p>
+                </p:txBody>
+              </p:sp>
+              <p:sp>
+                <p:nvSpPr>
+                  <p:cNvPr id="371" name="Freeform 40">
+                    <a:extLst>
+                      <a:ext uri="{FF2B5EF4-FFF2-40B4-BE49-F238E27FC236}">
+                        <a16:creationId xmlns:a16="http://schemas.microsoft.com/office/drawing/2014/main" id="{0BAF450B-9F74-4DED-8A94-09354DEE5209}"/>
+                      </a:ext>
+                    </a:extLst>
+                  </p:cNvPr>
+                  <p:cNvSpPr>
+                    <a:spLocks/>
+                  </p:cNvSpPr>
+                  <p:nvPr/>
+                </p:nvSpPr>
+                <p:spPr bwMode="auto">
+                  <a:xfrm>
+                    <a:off x="5722" y="1805"/>
+                    <a:ext cx="108" cy="107"/>
+                  </a:xfrm>
+                  <a:custGeom>
+                    <a:avLst/>
+                    <a:gdLst>
+                      <a:gd name="T0" fmla="*/ 108 w 108"/>
+                      <a:gd name="T1" fmla="*/ 82 h 107"/>
+                      <a:gd name="T2" fmla="*/ 83 w 108"/>
+                      <a:gd name="T3" fmla="*/ 107 h 107"/>
+                      <a:gd name="T4" fmla="*/ 0 w 108"/>
+                      <a:gd name="T5" fmla="*/ 25 h 107"/>
+                      <a:gd name="T6" fmla="*/ 25 w 108"/>
+                      <a:gd name="T7" fmla="*/ 0 h 107"/>
+                      <a:gd name="T8" fmla="*/ 108 w 108"/>
+                      <a:gd name="T9" fmla="*/ 82 h 107"/>
+                    </a:gdLst>
+                    <a:ahLst/>
+                    <a:cxnLst>
+                      <a:cxn ang="0">
+                        <a:pos x="T0" y="T1"/>
+                      </a:cxn>
+                      <a:cxn ang="0">
+                        <a:pos x="T2" y="T3"/>
+                      </a:cxn>
+                      <a:cxn ang="0">
+                        <a:pos x="T4" y="T5"/>
+                      </a:cxn>
+                      <a:cxn ang="0">
+                        <a:pos x="T6" y="T7"/>
+                      </a:cxn>
+                      <a:cxn ang="0">
+                        <a:pos x="T8" y="T9"/>
+                      </a:cxn>
+                    </a:cxnLst>
+                    <a:rect l="0" t="0" r="r" b="b"/>
+                    <a:pathLst>
+                      <a:path w="108" h="107">
+                        <a:moveTo>
+                          <a:pt x="108" y="82"/>
+                        </a:moveTo>
+                        <a:lnTo>
+                          <a:pt x="83" y="107"/>
+                        </a:lnTo>
+                        <a:lnTo>
+                          <a:pt x="0" y="25"/>
+                        </a:lnTo>
+                        <a:lnTo>
+                          <a:pt x="25" y="0"/>
+                        </a:lnTo>
+                        <a:lnTo>
+                          <a:pt x="108" y="82"/>
+                        </a:lnTo>
+                        <a:close/>
+                      </a:path>
+                    </a:pathLst>
+                  </a:custGeom>
+                  <a:solidFill>
+                    <a:srgbClr val="FFFFFF"/>
+                  </a:solidFill>
+                  <a:ln>
+                    <a:noFill/>
+                  </a:ln>
+                  <a:extLst>
+                    <a:ext uri="{91240B29-F687-4F45-9708-019B960494DF}">
+                      <a14:hiddenLine xmlns:a14="http://schemas.microsoft.com/office/drawing/2010/main" w="9525">
+                        <a:solidFill>
+                          <a:srgbClr val="000000"/>
+                        </a:solidFill>
+                        <a:round/>
+                        <a:headEnd/>
+                        <a:tailEnd/>
+                      </a14:hiddenLine>
+                    </a:ext>
+                  </a:extLst>
+                </p:spPr>
+                <p:txBody>
+                  <a:bodyPr vert="horz" wrap="square" lIns="91440" tIns="45720" rIns="91440" bIns="45720" numCol="1" anchor="t" anchorCtr="0" compatLnSpc="1">
+                    <a:prstTxWarp prst="textNoShape">
+                      <a:avLst/>
+                    </a:prstTxWarp>
+                  </a:bodyPr>
+                  <a:lstStyle/>
+                  <a:p>
+                    <a:pPr marL="0" marR="0" lvl="0" indent="0" defTabSz="914367" eaLnBrk="1" fontAlgn="auto" latinLnBrk="0" hangingPunct="1">
+                      <a:lnSpc>
+                        <a:spcPct val="100000"/>
+                      </a:lnSpc>
+                      <a:spcBef>
+                        <a:spcPts val="0"/>
+                      </a:spcBef>
+                      <a:spcAft>
+                        <a:spcPts val="0"/>
+                      </a:spcAft>
+                      <a:buClrTx/>
+                      <a:buSzTx/>
+                      <a:buFontTx/>
+                      <a:buNone/>
+                      <a:tabLst/>
+                      <a:defRPr/>
+                    </a:pPr>
+                    <a:endParaRPr kumimoji="0" lang="en-US" sz="1765" b="0" i="0" u="none" strike="noStrike" kern="0" cap="none" spc="0" normalizeH="0" baseline="0" noProof="0">
+                      <a:ln>
+                        <a:noFill/>
+                      </a:ln>
+                      <a:solidFill>
+                        <a:srgbClr val="FFFFFF"/>
+                      </a:solidFill>
+                      <a:effectLst/>
+                      <a:uLnTx/>
+                      <a:uFillTx/>
+                      <a:latin typeface="Segoe UI"/>
+                    </a:endParaRPr>
+                  </a:p>
+                </p:txBody>
+              </p:sp>
+              <p:sp>
+                <p:nvSpPr>
+                  <p:cNvPr id="372" name="Freeform 41">
+                    <a:extLst>
+                      <a:ext uri="{FF2B5EF4-FFF2-40B4-BE49-F238E27FC236}">
+                        <a16:creationId xmlns:a16="http://schemas.microsoft.com/office/drawing/2014/main" id="{B118058A-4019-4D51-BB0E-E4BFA91E6B28}"/>
+                      </a:ext>
+                    </a:extLst>
+                  </p:cNvPr>
+                  <p:cNvSpPr>
+                    <a:spLocks/>
+                  </p:cNvSpPr>
+                  <p:nvPr/>
+                </p:nvSpPr>
+                <p:spPr bwMode="auto">
+                  <a:xfrm>
+                    <a:off x="5455" y="1863"/>
+                    <a:ext cx="108" cy="107"/>
+                  </a:xfrm>
+                  <a:custGeom>
+                    <a:avLst/>
+                    <a:gdLst>
+                      <a:gd name="T0" fmla="*/ 25 w 108"/>
+                      <a:gd name="T1" fmla="*/ 0 h 107"/>
+                      <a:gd name="T2" fmla="*/ 0 w 108"/>
+                      <a:gd name="T3" fmla="*/ 24 h 107"/>
+                      <a:gd name="T4" fmla="*/ 83 w 108"/>
+                      <a:gd name="T5" fmla="*/ 107 h 107"/>
+                      <a:gd name="T6" fmla="*/ 108 w 108"/>
+                      <a:gd name="T7" fmla="*/ 82 h 107"/>
+                      <a:gd name="T8" fmla="*/ 25 w 108"/>
+                      <a:gd name="T9" fmla="*/ 0 h 107"/>
+                    </a:gdLst>
+                    <a:ahLst/>
+                    <a:cxnLst>
+                      <a:cxn ang="0">
+                        <a:pos x="T0" y="T1"/>
+                      </a:cxn>
+                      <a:cxn ang="0">
+                        <a:pos x="T2" y="T3"/>
+                      </a:cxn>
+                      <a:cxn ang="0">
+                        <a:pos x="T4" y="T5"/>
+                      </a:cxn>
+                      <a:cxn ang="0">
+                        <a:pos x="T6" y="T7"/>
+                      </a:cxn>
+                      <a:cxn ang="0">
+                        <a:pos x="T8" y="T9"/>
+                      </a:cxn>
+                    </a:cxnLst>
+                    <a:rect l="0" t="0" r="r" b="b"/>
+                    <a:pathLst>
+                      <a:path w="108" h="107">
+                        <a:moveTo>
+                          <a:pt x="25" y="0"/>
+                        </a:moveTo>
+                        <a:lnTo>
+                          <a:pt x="0" y="24"/>
+                        </a:lnTo>
+                        <a:lnTo>
+                          <a:pt x="83" y="107"/>
+                        </a:lnTo>
+                        <a:lnTo>
+                          <a:pt x="108" y="82"/>
+                        </a:lnTo>
+                        <a:lnTo>
+                          <a:pt x="25" y="0"/>
+                        </a:lnTo>
+                        <a:close/>
+                      </a:path>
+                    </a:pathLst>
+                  </a:custGeom>
+                  <a:solidFill>
+                    <a:srgbClr val="FFFFFF"/>
+                  </a:solidFill>
+                  <a:ln>
+                    <a:noFill/>
+                  </a:ln>
+                  <a:extLst>
+                    <a:ext uri="{91240B29-F687-4F45-9708-019B960494DF}">
+                      <a14:hiddenLine xmlns:a14="http://schemas.microsoft.com/office/drawing/2010/main" w="9525">
+                        <a:solidFill>
+                          <a:srgbClr val="000000"/>
+                        </a:solidFill>
+                        <a:round/>
+                        <a:headEnd/>
+                        <a:tailEnd/>
+                      </a14:hiddenLine>
+                    </a:ext>
+                  </a:extLst>
+                </p:spPr>
+                <p:txBody>
+                  <a:bodyPr vert="horz" wrap="square" lIns="91440" tIns="45720" rIns="91440" bIns="45720" numCol="1" anchor="t" anchorCtr="0" compatLnSpc="1">
+                    <a:prstTxWarp prst="textNoShape">
+                      <a:avLst/>
+                    </a:prstTxWarp>
+                  </a:bodyPr>
+                  <a:lstStyle/>
+                  <a:p>
+                    <a:pPr marL="0" marR="0" lvl="0" indent="0" defTabSz="914367" eaLnBrk="1" fontAlgn="auto" latinLnBrk="0" hangingPunct="1">
+                      <a:lnSpc>
+                        <a:spcPct val="100000"/>
+                      </a:lnSpc>
+                      <a:spcBef>
+                        <a:spcPts val="0"/>
+                      </a:spcBef>
+                      <a:spcAft>
+                        <a:spcPts val="0"/>
+                      </a:spcAft>
+                      <a:buClrTx/>
+                      <a:buSzTx/>
+                      <a:buFontTx/>
+                      <a:buNone/>
+                      <a:tabLst/>
+                      <a:defRPr/>
+                    </a:pPr>
+                    <a:endParaRPr kumimoji="0" lang="en-US" sz="1765" b="0" i="0" u="none" strike="noStrike" kern="0" cap="none" spc="0" normalizeH="0" baseline="0" noProof="0">
+                      <a:ln>
+                        <a:noFill/>
+                      </a:ln>
+                      <a:solidFill>
+                        <a:srgbClr val="FFFFFF"/>
+                      </a:solidFill>
+                      <a:effectLst/>
+                      <a:uLnTx/>
+                      <a:uFillTx/>
+                      <a:latin typeface="Segoe UI"/>
+                    </a:endParaRPr>
+                  </a:p>
+                </p:txBody>
+              </p:sp>
+              <p:sp>
+                <p:nvSpPr>
+                  <p:cNvPr id="373" name="Freeform 42">
+                    <a:extLst>
+                      <a:ext uri="{FF2B5EF4-FFF2-40B4-BE49-F238E27FC236}">
+                        <a16:creationId xmlns:a16="http://schemas.microsoft.com/office/drawing/2014/main" id="{5E2B1833-1884-4C6C-B550-A13FEFDEEFF7}"/>
+                      </a:ext>
+                    </a:extLst>
+                  </p:cNvPr>
+                  <p:cNvSpPr>
+                    <a:spLocks/>
+                  </p:cNvSpPr>
+                  <p:nvPr/>
+                </p:nvSpPr>
+                <p:spPr bwMode="auto">
+                  <a:xfrm>
+                    <a:off x="5455" y="1805"/>
+                    <a:ext cx="108" cy="107"/>
+                  </a:xfrm>
+                  <a:custGeom>
+                    <a:avLst/>
+                    <a:gdLst>
+                      <a:gd name="T0" fmla="*/ 0 w 108"/>
+                      <a:gd name="T1" fmla="*/ 82 h 107"/>
+                      <a:gd name="T2" fmla="*/ 25 w 108"/>
+                      <a:gd name="T3" fmla="*/ 107 h 107"/>
+                      <a:gd name="T4" fmla="*/ 108 w 108"/>
+                      <a:gd name="T5" fmla="*/ 25 h 107"/>
+                      <a:gd name="T6" fmla="*/ 83 w 108"/>
+                      <a:gd name="T7" fmla="*/ 0 h 107"/>
+                      <a:gd name="T8" fmla="*/ 0 w 108"/>
+                      <a:gd name="T9" fmla="*/ 82 h 107"/>
+                    </a:gdLst>
+                    <a:ahLst/>
+                    <a:cxnLst>
+                      <a:cxn ang="0">
+                        <a:pos x="T0" y="T1"/>
+                      </a:cxn>
+                      <a:cxn ang="0">
+                        <a:pos x="T2" y="T3"/>
+                      </a:cxn>
+                      <a:cxn ang="0">
+                        <a:pos x="T4" y="T5"/>
+                      </a:cxn>
+                      <a:cxn ang="0">
+                        <a:pos x="T6" y="T7"/>
+                      </a:cxn>
+                      <a:cxn ang="0">
+                        <a:pos x="T8" y="T9"/>
+                      </a:cxn>
+                    </a:cxnLst>
+                    <a:rect l="0" t="0" r="r" b="b"/>
+                    <a:pathLst>
+                      <a:path w="108" h="107">
+                        <a:moveTo>
+                          <a:pt x="0" y="82"/>
+                        </a:moveTo>
+                        <a:lnTo>
+                          <a:pt x="25" y="107"/>
+                        </a:lnTo>
+                        <a:lnTo>
+                          <a:pt x="108" y="25"/>
+                        </a:lnTo>
+                        <a:lnTo>
+                          <a:pt x="83" y="0"/>
+                        </a:lnTo>
+                        <a:lnTo>
+                          <a:pt x="0" y="82"/>
+                        </a:lnTo>
+                        <a:close/>
+                      </a:path>
+                    </a:pathLst>
+                  </a:custGeom>
+                  <a:solidFill>
+                    <a:srgbClr val="FFFFFF"/>
+                  </a:solidFill>
+                  <a:ln>
+                    <a:noFill/>
+                  </a:ln>
+                  <a:extLst>
+                    <a:ext uri="{91240B29-F687-4F45-9708-019B960494DF}">
+                      <a14:hiddenLine xmlns:a14="http://schemas.microsoft.com/office/drawing/2010/main" w="9525">
+                        <a:solidFill>
+                          <a:srgbClr val="000000"/>
+                        </a:solidFill>
+                        <a:round/>
+                        <a:headEnd/>
+                        <a:tailEnd/>
+                      </a14:hiddenLine>
+                    </a:ext>
+                  </a:extLst>
+                </p:spPr>
+                <p:txBody>
+                  <a:bodyPr vert="horz" wrap="square" lIns="91440" tIns="45720" rIns="91440" bIns="45720" numCol="1" anchor="t" anchorCtr="0" compatLnSpc="1">
+                    <a:prstTxWarp prst="textNoShape">
+                      <a:avLst/>
+                    </a:prstTxWarp>
+                  </a:bodyPr>
+                  <a:lstStyle/>
+                  <a:p>
+                    <a:pPr marL="0" marR="0" lvl="0" indent="0" defTabSz="914367" eaLnBrk="1" fontAlgn="auto" latinLnBrk="0" hangingPunct="1">
+                      <a:lnSpc>
+                        <a:spcPct val="100000"/>
+                      </a:lnSpc>
+                      <a:spcBef>
+                        <a:spcPts val="0"/>
+                      </a:spcBef>
+                      <a:spcAft>
+                        <a:spcPts val="0"/>
+                      </a:spcAft>
+                      <a:buClrTx/>
+                      <a:buSzTx/>
+                      <a:buFontTx/>
+                      <a:buNone/>
+                      <a:tabLst/>
+                      <a:defRPr/>
+                    </a:pPr>
+                    <a:endParaRPr kumimoji="0" lang="en-US" sz="1765" b="0" i="0" u="none" strike="noStrike" kern="0" cap="none" spc="0" normalizeH="0" baseline="0" noProof="0">
+                      <a:ln>
+                        <a:noFill/>
+                      </a:ln>
+                      <a:solidFill>
+                        <a:srgbClr val="FFFFFF"/>
+                      </a:solidFill>
+                      <a:effectLst/>
+                      <a:uLnTx/>
+                      <a:uFillTx/>
+                      <a:latin typeface="Segoe UI"/>
+                    </a:endParaRPr>
+                  </a:p>
+                </p:txBody>
+              </p:sp>
+              <p:sp>
+                <p:nvSpPr>
+                  <p:cNvPr id="374" name="Oval 43">
+                    <a:extLst>
+                      <a:ext uri="{FF2B5EF4-FFF2-40B4-BE49-F238E27FC236}">
+                        <a16:creationId xmlns:a16="http://schemas.microsoft.com/office/drawing/2014/main" id="{7D518B94-FAEF-412C-8D10-84C513BF7980}"/>
+                      </a:ext>
+                    </a:extLst>
+                  </p:cNvPr>
+                  <p:cNvSpPr>
+                    <a:spLocks noChangeArrowheads="1"/>
+                  </p:cNvSpPr>
+                  <p:nvPr/>
+                </p:nvSpPr>
+                <p:spPr bwMode="auto">
+                  <a:xfrm>
+                    <a:off x="5625" y="1870"/>
+                    <a:ext cx="35" cy="35"/>
+                  </a:xfrm>
+                  <a:prstGeom prst="ellipse">
+                    <a:avLst/>
+                  </a:prstGeom>
+                  <a:solidFill>
+                    <a:srgbClr val="50E6FF"/>
+                  </a:solidFill>
+                  <a:ln>
+                    <a:noFill/>
+                  </a:ln>
+                  <a:extLst>
+                    <a:ext uri="{91240B29-F687-4F45-9708-019B960494DF}">
+                      <a14:hiddenLine xmlns:a14="http://schemas.microsoft.com/office/drawing/2010/main" w="9525">
+                        <a:solidFill>
+                          <a:srgbClr val="000000"/>
+                        </a:solidFill>
+                        <a:round/>
+                        <a:headEnd/>
+                        <a:tailEnd/>
+                      </a14:hiddenLine>
+                    </a:ext>
+                  </a:extLst>
+                </p:spPr>
+                <p:txBody>
+                  <a:bodyPr vert="horz" wrap="square" lIns="91440" tIns="45720" rIns="91440" bIns="45720" numCol="1" anchor="t" anchorCtr="0" compatLnSpc="1">
+                    <a:prstTxWarp prst="textNoShape">
+                      <a:avLst/>
+                    </a:prstTxWarp>
+                  </a:bodyPr>
+                  <a:lstStyle/>
+                  <a:p>
+                    <a:pPr marL="0" marR="0" lvl="0" indent="0" defTabSz="914367" eaLnBrk="1" fontAlgn="auto" latinLnBrk="0" hangingPunct="1">
+                      <a:lnSpc>
+                        <a:spcPct val="100000"/>
+                      </a:lnSpc>
+                      <a:spcBef>
+                        <a:spcPts val="0"/>
+                      </a:spcBef>
+                      <a:spcAft>
+                        <a:spcPts val="0"/>
+                      </a:spcAft>
+                      <a:buClrTx/>
+                      <a:buSzTx/>
+                      <a:buFontTx/>
+                      <a:buNone/>
+                      <a:tabLst/>
+                      <a:defRPr/>
+                    </a:pPr>
+                    <a:endParaRPr kumimoji="0" lang="en-US" sz="1765" b="0" i="0" u="none" strike="noStrike" kern="0" cap="none" spc="0" normalizeH="0" baseline="0" noProof="0">
+                      <a:ln>
+                        <a:noFill/>
+                      </a:ln>
+                      <a:solidFill>
+                        <a:srgbClr val="FFFFFF"/>
+                      </a:solidFill>
+                      <a:effectLst/>
+                      <a:uLnTx/>
+                      <a:uFillTx/>
+                      <a:latin typeface="Segoe UI"/>
+                    </a:endParaRPr>
+                  </a:p>
+                </p:txBody>
+              </p:sp>
+              <p:sp>
+                <p:nvSpPr>
+                  <p:cNvPr id="375" name="Oval 44">
+                    <a:extLst>
+                      <a:ext uri="{FF2B5EF4-FFF2-40B4-BE49-F238E27FC236}">
+                        <a16:creationId xmlns:a16="http://schemas.microsoft.com/office/drawing/2014/main" id="{3B89B784-421F-40AA-89BD-F58FE77462EB}"/>
+                      </a:ext>
+                    </a:extLst>
+                  </p:cNvPr>
+                  <p:cNvSpPr>
+                    <a:spLocks noChangeArrowheads="1"/>
+                  </p:cNvSpPr>
+                  <p:nvPr/>
+                </p:nvSpPr>
+                <p:spPr bwMode="auto">
+                  <a:xfrm>
+                    <a:off x="5678" y="1870"/>
+                    <a:ext cx="35" cy="35"/>
+                  </a:xfrm>
+                  <a:prstGeom prst="ellipse">
+                    <a:avLst/>
+                  </a:prstGeom>
+                  <a:solidFill>
+                    <a:srgbClr val="50E6FF"/>
+                  </a:solidFill>
+                  <a:ln>
+                    <a:noFill/>
+                  </a:ln>
+                  <a:extLst>
+                    <a:ext uri="{91240B29-F687-4F45-9708-019B960494DF}">
+                      <a14:hiddenLine xmlns:a14="http://schemas.microsoft.com/office/drawing/2010/main" w="9525">
+                        <a:solidFill>
+                          <a:srgbClr val="000000"/>
+                        </a:solidFill>
+                        <a:round/>
+                        <a:headEnd/>
+                        <a:tailEnd/>
+                      </a14:hiddenLine>
+                    </a:ext>
+                  </a:extLst>
+                </p:spPr>
+                <p:txBody>
+                  <a:bodyPr vert="horz" wrap="square" lIns="91440" tIns="45720" rIns="91440" bIns="45720" numCol="1" anchor="t" anchorCtr="0" compatLnSpc="1">
+                    <a:prstTxWarp prst="textNoShape">
+                      <a:avLst/>
+                    </a:prstTxWarp>
+                  </a:bodyPr>
+                  <a:lstStyle/>
+                  <a:p>
+                    <a:pPr marL="0" marR="0" lvl="0" indent="0" defTabSz="914367" eaLnBrk="1" fontAlgn="auto" latinLnBrk="0" hangingPunct="1">
+                      <a:lnSpc>
+                        <a:spcPct val="100000"/>
+                      </a:lnSpc>
+                      <a:spcBef>
+                        <a:spcPts val="0"/>
+                      </a:spcBef>
+                      <a:spcAft>
+                        <a:spcPts val="0"/>
+                      </a:spcAft>
+                      <a:buClrTx/>
+                      <a:buSzTx/>
+                      <a:buFontTx/>
+                      <a:buNone/>
+                      <a:tabLst/>
+                      <a:defRPr/>
+                    </a:pPr>
+                    <a:endParaRPr kumimoji="0" lang="en-US" sz="1765" b="0" i="0" u="none" strike="noStrike" kern="0" cap="none" spc="0" normalizeH="0" baseline="0" noProof="0">
+                      <a:ln>
+                        <a:noFill/>
+                      </a:ln>
+                      <a:solidFill>
+                        <a:srgbClr val="FFFFFF"/>
+                      </a:solidFill>
+                      <a:effectLst/>
+                      <a:uLnTx/>
+                      <a:uFillTx/>
+                      <a:latin typeface="Segoe UI"/>
+                    </a:endParaRPr>
+                  </a:p>
+                </p:txBody>
+              </p:sp>
+              <p:sp>
+                <p:nvSpPr>
+                  <p:cNvPr id="376" name="Oval 45">
+                    <a:extLst>
+                      <a:ext uri="{FF2B5EF4-FFF2-40B4-BE49-F238E27FC236}">
+                        <a16:creationId xmlns:a16="http://schemas.microsoft.com/office/drawing/2014/main" id="{AF35C92D-C182-4330-8764-BF4C45D16D98}"/>
+                      </a:ext>
+                    </a:extLst>
+                  </p:cNvPr>
+                  <p:cNvSpPr>
+                    <a:spLocks noChangeArrowheads="1"/>
+                  </p:cNvSpPr>
+                  <p:nvPr/>
+                </p:nvSpPr>
+                <p:spPr bwMode="auto">
+                  <a:xfrm>
+                    <a:off x="5572" y="1870"/>
+                    <a:ext cx="35" cy="35"/>
+                  </a:xfrm>
+                  <a:prstGeom prst="ellipse">
+                    <a:avLst/>
+                  </a:prstGeom>
+                  <a:solidFill>
+                    <a:srgbClr val="50E6FF"/>
+                  </a:solidFill>
+                  <a:ln>
+                    <a:noFill/>
+                  </a:ln>
+                  <a:extLst>
+                    <a:ext uri="{91240B29-F687-4F45-9708-019B960494DF}">
+                      <a14:hiddenLine xmlns:a14="http://schemas.microsoft.com/office/drawing/2010/main" w="9525">
+                        <a:solidFill>
+                          <a:srgbClr val="000000"/>
+                        </a:solidFill>
+                        <a:round/>
+                        <a:headEnd/>
+                        <a:tailEnd/>
+                      </a14:hiddenLine>
+                    </a:ext>
+                  </a:extLst>
+                </p:spPr>
+                <p:txBody>
+                  <a:bodyPr vert="horz" wrap="square" lIns="91440" tIns="45720" rIns="91440" bIns="45720" numCol="1" anchor="t" anchorCtr="0" compatLnSpc="1">
+                    <a:prstTxWarp prst="textNoShape">
+                      <a:avLst/>
+                    </a:prstTxWarp>
+                  </a:bodyPr>
+                  <a:lstStyle/>
+                  <a:p>
+                    <a:pPr marL="0" marR="0" lvl="0" indent="0" defTabSz="914367" eaLnBrk="1" fontAlgn="auto" latinLnBrk="0" hangingPunct="1">
+                      <a:lnSpc>
+                        <a:spcPct val="100000"/>
+                      </a:lnSpc>
+                      <a:spcBef>
+                        <a:spcPts val="0"/>
+                      </a:spcBef>
+                      <a:spcAft>
+                        <a:spcPts val="0"/>
+                      </a:spcAft>
+                      <a:buClrTx/>
+                      <a:buSzTx/>
+                      <a:buFontTx/>
+                      <a:buNone/>
+                      <a:tabLst/>
+                      <a:defRPr/>
+                    </a:pPr>
+                    <a:endParaRPr kumimoji="0" lang="en-US" sz="1765" b="0" i="0" u="none" strike="noStrike" kern="0" cap="none" spc="0" normalizeH="0" baseline="0" noProof="0">
+                      <a:ln>
+                        <a:noFill/>
+                      </a:ln>
+                      <a:solidFill>
+                        <a:srgbClr val="FFFFFF"/>
+                      </a:solidFill>
+                      <a:effectLst/>
+                      <a:uLnTx/>
+                      <a:uFillTx/>
+                      <a:latin typeface="Segoe UI"/>
+                    </a:endParaRPr>
+                  </a:p>
+                </p:txBody>
+              </p:sp>
+            </p:grpSp>
+          </p:grpSp>
+          <p:grpSp>
+            <p:nvGrpSpPr>
+              <p:cNvPr id="377" name="Group 376">
+                <a:extLst>
+                  <a:ext uri="{FF2B5EF4-FFF2-40B4-BE49-F238E27FC236}">
+                    <a16:creationId xmlns:a16="http://schemas.microsoft.com/office/drawing/2014/main" id="{7C9DC8F7-A3C8-4ECB-986A-4FC1A7023F45}"/>
+                  </a:ext>
+                </a:extLst>
+              </p:cNvPr>
+              <p:cNvGrpSpPr/>
+              <p:nvPr/>
+            </p:nvGrpSpPr>
+            <p:grpSpPr>
+              <a:xfrm>
+                <a:off x="5431266" y="2841894"/>
+                <a:ext cx="491795" cy="491795"/>
+                <a:chOff x="8830394" y="2929277"/>
+                <a:chExt cx="219652" cy="219652"/>
+              </a:xfrm>
+            </p:grpSpPr>
+            <p:sp>
+              <p:nvSpPr>
+                <p:cNvPr id="378" name="Oval 377">
+                  <a:extLst>
+                    <a:ext uri="{FF2B5EF4-FFF2-40B4-BE49-F238E27FC236}">
+                      <a16:creationId xmlns:a16="http://schemas.microsoft.com/office/drawing/2014/main" id="{5AD4A1E3-A025-4972-99A1-9DE321157287}"/>
+                    </a:ext>
+                  </a:extLst>
+                </p:cNvPr>
+                <p:cNvSpPr/>
+                <p:nvPr/>
+              </p:nvSpPr>
+              <p:spPr bwMode="auto">
+                <a:xfrm>
+                  <a:off x="8830394" y="2929277"/>
+                  <a:ext cx="219652" cy="219652"/>
+                </a:xfrm>
+                <a:prstGeom prst="ellipse">
+                  <a:avLst/>
+                </a:prstGeom>
+                <a:solidFill>
+                  <a:srgbClr val="0078D4"/>
+                </a:solidFill>
+                <a:ln w="9525" cap="flat" cmpd="sng" algn="ctr">
+                  <a:noFill/>
+                  <a:prstDash val="solid"/>
+                  <a:headEnd type="none" w="med" len="med"/>
+                  <a:tailEnd type="none" w="med" len="med"/>
+                </a:ln>
+                <a:effectLst>
+                  <a:outerShdw blurRad="50800" dist="38100" dir="10800000" algn="r" rotWithShape="0">
+                    <a:prstClr val="black">
+                      <a:alpha val="40000"/>
+                    </a:prstClr>
+                  </a:outerShdw>
+                </a:effectLst>
+              </p:spPr>
+              <p:txBody>
+                <a:bodyPr rot="0" spcFirstLastPara="0" vertOverflow="overflow" horzOverflow="overflow" vert="horz" wrap="square" lIns="182880" tIns="146304" rIns="182880" bIns="146304" numCol="1" spcCol="0" rtlCol="0" fromWordArt="0" anchor="t" anchorCtr="0" forceAA="0" compatLnSpc="1">
+                  <a:prstTxWarp prst="textNoShape">
+                    <a:avLst/>
+                  </a:prstTxWarp>
+                  <a:noAutofit/>
+                </a:bodyPr>
+                <a:lstStyle/>
+                <a:p>
+                  <a:pPr marL="0" marR="0" lvl="0" indent="0" defTabSz="932472" eaLnBrk="1" fontAlgn="base" latinLnBrk="0" hangingPunct="1">
+                    <a:lnSpc>
+                      <a:spcPct val="100000"/>
+                    </a:lnSpc>
+                    <a:spcBef>
+                      <a:spcPct val="0"/>
+                    </a:spcBef>
+                    <a:spcAft>
+                      <a:spcPct val="0"/>
+                    </a:spcAft>
+                    <a:buClrTx/>
+                    <a:buSzTx/>
+                    <a:buFontTx/>
+                    <a:buNone/>
+                    <a:tabLst/>
+                    <a:defRPr/>
+                  </a:pPr>
+                  <a:endParaRPr kumimoji="0" lang="en-US" sz="2000" b="0" i="0" u="none" strike="noStrike" kern="0" cap="none" spc="0" normalizeH="0" baseline="0" noProof="0" err="1">
+                    <a:ln>
+                      <a:noFill/>
+                    </a:ln>
+                    <a:gradFill>
+                      <a:gsLst>
+                        <a:gs pos="0">
+                          <a:srgbClr val="FFFFFF"/>
+                        </a:gs>
+                        <a:gs pos="100000">
+                          <a:srgbClr val="FFFFFF"/>
+                        </a:gs>
+                      </a:gsLst>
+                      <a:lin ang="5400000" scaled="0"/>
+                    </a:gradFill>
+                    <a:effectLst/>
+                    <a:uLnTx/>
+                    <a:uFillTx/>
+                    <a:latin typeface="Segoe UI"/>
+                    <a:ea typeface="Segoe UI" pitchFamily="34" charset="0"/>
+                    <a:cs typeface="Segoe UI" pitchFamily="34" charset="0"/>
+                  </a:endParaRPr>
+                </a:p>
+              </p:txBody>
+            </p:sp>
+            <p:grpSp>
+              <p:nvGrpSpPr>
+                <p:cNvPr id="379" name="Group 38">
+                  <a:extLst>
+                    <a:ext uri="{FF2B5EF4-FFF2-40B4-BE49-F238E27FC236}">
+                      <a16:creationId xmlns:a16="http://schemas.microsoft.com/office/drawing/2014/main" id="{26AFC9E5-D0A4-47DE-ACA3-5D43168D123E}"/>
+                    </a:ext>
+                  </a:extLst>
+                </p:cNvPr>
+                <p:cNvGrpSpPr>
+                  <a:grpSpLocks noChangeAspect="1"/>
+                </p:cNvGrpSpPr>
+                <p:nvPr/>
+              </p:nvGrpSpPr>
+              <p:grpSpPr bwMode="auto">
+                <a:xfrm>
+                  <a:off x="8857446" y="3002683"/>
+                  <a:ext cx="165548" cy="72841"/>
+                  <a:chOff x="5455" y="1805"/>
+                  <a:chExt cx="375" cy="165"/>
+                </a:xfrm>
+              </p:grpSpPr>
+              <p:sp>
+                <p:nvSpPr>
+                  <p:cNvPr id="380" name="AutoShape 37">
+                    <a:extLst>
+                      <a:ext uri="{FF2B5EF4-FFF2-40B4-BE49-F238E27FC236}">
+                        <a16:creationId xmlns:a16="http://schemas.microsoft.com/office/drawing/2014/main" id="{C3E31CC9-0EC9-4458-992D-5D10C0E79F61}"/>
+                      </a:ext>
+                    </a:extLst>
+                  </p:cNvPr>
+                  <p:cNvSpPr>
+                    <a:spLocks noChangeAspect="1" noChangeArrowheads="1" noTextEdit="1"/>
+                  </p:cNvSpPr>
+                  <p:nvPr/>
+                </p:nvSpPr>
+                <p:spPr bwMode="auto">
+                  <a:xfrm>
+                    <a:off x="5455" y="1805"/>
+                    <a:ext cx="375" cy="165"/>
+                  </a:xfrm>
+                  <a:prstGeom prst="rect">
+                    <a:avLst/>
+                  </a:prstGeom>
+                  <a:noFill/>
+                  <a:ln>
+                    <a:noFill/>
+                  </a:ln>
+                  <a:extLst>
+                    <a:ext uri="{909E8E84-426E-40DD-AFC4-6F175D3DCCD1}">
+                      <a14:hiddenFill xmlns:a14="http://schemas.microsoft.com/office/drawing/2010/main">
+                        <a:solidFill>
+                          <a:srgbClr val="FFFFFF"/>
+                        </a:solidFill>
+                      </a14:hiddenFill>
+                    </a:ext>
+                    <a:ext uri="{91240B29-F687-4F45-9708-019B960494DF}">
+                      <a14:hiddenLine xmlns:a14="http://schemas.microsoft.com/office/drawing/2010/main" w="9525">
+                        <a:solidFill>
+                          <a:srgbClr val="000000"/>
+                        </a:solidFill>
+                        <a:miter lim="800000"/>
+                        <a:headEnd/>
+                        <a:tailEnd/>
+                      </a14:hiddenLine>
+                    </a:ext>
+                  </a:extLst>
+                </p:spPr>
+                <p:txBody>
+                  <a:bodyPr vert="horz" wrap="square" lIns="91440" tIns="45720" rIns="91440" bIns="45720" numCol="1" anchor="t" anchorCtr="0" compatLnSpc="1">
+                    <a:prstTxWarp prst="textNoShape">
+                      <a:avLst/>
+                    </a:prstTxWarp>
+                  </a:bodyPr>
+                  <a:lstStyle/>
+                  <a:p>
+                    <a:pPr marL="0" marR="0" lvl="0" indent="0" defTabSz="914367" eaLnBrk="1" fontAlgn="auto" latinLnBrk="0" hangingPunct="1">
+                      <a:lnSpc>
+                        <a:spcPct val="100000"/>
+                      </a:lnSpc>
+                      <a:spcBef>
+                        <a:spcPts val="0"/>
+                      </a:spcBef>
+                      <a:spcAft>
+                        <a:spcPts val="0"/>
+                      </a:spcAft>
+                      <a:buClrTx/>
+                      <a:buSzTx/>
+                      <a:buFontTx/>
+                      <a:buNone/>
+                      <a:tabLst/>
+                      <a:defRPr/>
+                    </a:pPr>
+                    <a:endParaRPr kumimoji="0" lang="en-US" sz="1765" b="0" i="0" u="none" strike="noStrike" kern="0" cap="none" spc="0" normalizeH="0" baseline="0" noProof="0">
+                      <a:ln>
+                        <a:noFill/>
+                      </a:ln>
+                      <a:solidFill>
+                        <a:srgbClr val="FFFFFF"/>
+                      </a:solidFill>
+                      <a:effectLst/>
+                      <a:uLnTx/>
+                      <a:uFillTx/>
+                      <a:latin typeface="Segoe UI"/>
+                    </a:endParaRPr>
+                  </a:p>
+                </p:txBody>
+              </p:sp>
+              <p:sp>
+                <p:nvSpPr>
+                  <p:cNvPr id="381" name="Freeform 39">
+                    <a:extLst>
+                      <a:ext uri="{FF2B5EF4-FFF2-40B4-BE49-F238E27FC236}">
+                        <a16:creationId xmlns:a16="http://schemas.microsoft.com/office/drawing/2014/main" id="{FA5A3EDC-A9F7-40A6-A88B-15E6305B3157}"/>
+                      </a:ext>
+                    </a:extLst>
+                  </p:cNvPr>
+                  <p:cNvSpPr>
+                    <a:spLocks/>
+                  </p:cNvSpPr>
+                  <p:nvPr/>
+                </p:nvSpPr>
+                <p:spPr bwMode="auto">
+                  <a:xfrm>
+                    <a:off x="5722" y="1863"/>
+                    <a:ext cx="108" cy="107"/>
+                  </a:xfrm>
+                  <a:custGeom>
+                    <a:avLst/>
+                    <a:gdLst>
+                      <a:gd name="T0" fmla="*/ 83 w 108"/>
+                      <a:gd name="T1" fmla="*/ 0 h 107"/>
+                      <a:gd name="T2" fmla="*/ 108 w 108"/>
+                      <a:gd name="T3" fmla="*/ 24 h 107"/>
+                      <a:gd name="T4" fmla="*/ 25 w 108"/>
+                      <a:gd name="T5" fmla="*/ 107 h 107"/>
+                      <a:gd name="T6" fmla="*/ 0 w 108"/>
+                      <a:gd name="T7" fmla="*/ 82 h 107"/>
+                      <a:gd name="T8" fmla="*/ 83 w 108"/>
+                      <a:gd name="T9" fmla="*/ 0 h 107"/>
+                    </a:gdLst>
+                    <a:ahLst/>
+                    <a:cxnLst>
+                      <a:cxn ang="0">
+                        <a:pos x="T0" y="T1"/>
+                      </a:cxn>
+                      <a:cxn ang="0">
+                        <a:pos x="T2" y="T3"/>
+                      </a:cxn>
+                      <a:cxn ang="0">
+                        <a:pos x="T4" y="T5"/>
+                      </a:cxn>
+                      <a:cxn ang="0">
+                        <a:pos x="T6" y="T7"/>
+                      </a:cxn>
+                      <a:cxn ang="0">
+                        <a:pos x="T8" y="T9"/>
+                      </a:cxn>
+                    </a:cxnLst>
+                    <a:rect l="0" t="0" r="r" b="b"/>
+                    <a:pathLst>
+                      <a:path w="108" h="107">
+                        <a:moveTo>
+                          <a:pt x="83" y="0"/>
+                        </a:moveTo>
+                        <a:lnTo>
+                          <a:pt x="108" y="24"/>
+                        </a:lnTo>
+                        <a:lnTo>
+                          <a:pt x="25" y="107"/>
+                        </a:lnTo>
+                        <a:lnTo>
+                          <a:pt x="0" y="82"/>
+                        </a:lnTo>
+                        <a:lnTo>
+                          <a:pt x="83" y="0"/>
+                        </a:lnTo>
+                        <a:close/>
+                      </a:path>
+                    </a:pathLst>
+                  </a:custGeom>
+                  <a:solidFill>
+                    <a:srgbClr val="FFFFFF"/>
+                  </a:solidFill>
+                  <a:ln>
+                    <a:noFill/>
+                  </a:ln>
+                  <a:extLst>
+                    <a:ext uri="{91240B29-F687-4F45-9708-019B960494DF}">
+                      <a14:hiddenLine xmlns:a14="http://schemas.microsoft.com/office/drawing/2010/main" w="9525">
+                        <a:solidFill>
+                          <a:srgbClr val="000000"/>
+                        </a:solidFill>
+                        <a:round/>
+                        <a:headEnd/>
+                        <a:tailEnd/>
+                      </a14:hiddenLine>
+                    </a:ext>
+                  </a:extLst>
+                </p:spPr>
+                <p:txBody>
+                  <a:bodyPr vert="horz" wrap="square" lIns="91440" tIns="45720" rIns="91440" bIns="45720" numCol="1" anchor="t" anchorCtr="0" compatLnSpc="1">
+                    <a:prstTxWarp prst="textNoShape">
+                      <a:avLst/>
+                    </a:prstTxWarp>
+                  </a:bodyPr>
+                  <a:lstStyle/>
+                  <a:p>
+                    <a:pPr marL="0" marR="0" lvl="0" indent="0" defTabSz="914367" eaLnBrk="1" fontAlgn="auto" latinLnBrk="0" hangingPunct="1">
+                      <a:lnSpc>
+                        <a:spcPct val="100000"/>
+                      </a:lnSpc>
+                      <a:spcBef>
+                        <a:spcPts val="0"/>
+                      </a:spcBef>
+                      <a:spcAft>
+                        <a:spcPts val="0"/>
+                      </a:spcAft>
+                      <a:buClrTx/>
+                      <a:buSzTx/>
+                      <a:buFontTx/>
+                      <a:buNone/>
+                      <a:tabLst/>
+                      <a:defRPr/>
+                    </a:pPr>
+                    <a:endParaRPr kumimoji="0" lang="en-US" sz="1765" b="0" i="0" u="none" strike="noStrike" kern="0" cap="none" spc="0" normalizeH="0" baseline="0" noProof="0">
+                      <a:ln>
+                        <a:noFill/>
+                      </a:ln>
+                      <a:solidFill>
+                        <a:srgbClr val="FFFFFF"/>
+                      </a:solidFill>
+                      <a:effectLst/>
+                      <a:uLnTx/>
+                      <a:uFillTx/>
+                      <a:latin typeface="Segoe UI"/>
+                    </a:endParaRPr>
+                  </a:p>
+                </p:txBody>
+              </p:sp>
+              <p:sp>
+                <p:nvSpPr>
+                  <p:cNvPr id="382" name="Freeform 40">
+                    <a:extLst>
+                      <a:ext uri="{FF2B5EF4-FFF2-40B4-BE49-F238E27FC236}">
+                        <a16:creationId xmlns:a16="http://schemas.microsoft.com/office/drawing/2014/main" id="{AFA17A81-29A2-407A-8818-2C482F60A07C}"/>
+                      </a:ext>
+                    </a:extLst>
+                  </p:cNvPr>
+                  <p:cNvSpPr>
+                    <a:spLocks/>
+                  </p:cNvSpPr>
+                  <p:nvPr/>
+                </p:nvSpPr>
+                <p:spPr bwMode="auto">
+                  <a:xfrm>
+                    <a:off x="5722" y="1805"/>
+                    <a:ext cx="108" cy="107"/>
+                  </a:xfrm>
+                  <a:custGeom>
+                    <a:avLst/>
+                    <a:gdLst>
+                      <a:gd name="T0" fmla="*/ 108 w 108"/>
+                      <a:gd name="T1" fmla="*/ 82 h 107"/>
+                      <a:gd name="T2" fmla="*/ 83 w 108"/>
+                      <a:gd name="T3" fmla="*/ 107 h 107"/>
+                      <a:gd name="T4" fmla="*/ 0 w 108"/>
+                      <a:gd name="T5" fmla="*/ 25 h 107"/>
+                      <a:gd name="T6" fmla="*/ 25 w 108"/>
+                      <a:gd name="T7" fmla="*/ 0 h 107"/>
+                      <a:gd name="T8" fmla="*/ 108 w 108"/>
+                      <a:gd name="T9" fmla="*/ 82 h 107"/>
+                    </a:gdLst>
+                    <a:ahLst/>
+                    <a:cxnLst>
+                      <a:cxn ang="0">
+                        <a:pos x="T0" y="T1"/>
+                      </a:cxn>
+                      <a:cxn ang="0">
+                        <a:pos x="T2" y="T3"/>
+                      </a:cxn>
+                      <a:cxn ang="0">
+                        <a:pos x="T4" y="T5"/>
+                      </a:cxn>
+                      <a:cxn ang="0">
+                        <a:pos x="T6" y="T7"/>
+                      </a:cxn>
+                      <a:cxn ang="0">
+                        <a:pos x="T8" y="T9"/>
+                      </a:cxn>
+                    </a:cxnLst>
+                    <a:rect l="0" t="0" r="r" b="b"/>
+                    <a:pathLst>
+                      <a:path w="108" h="107">
+                        <a:moveTo>
+                          <a:pt x="108" y="82"/>
+                        </a:moveTo>
+                        <a:lnTo>
+                          <a:pt x="83" y="107"/>
+                        </a:lnTo>
+                        <a:lnTo>
+                          <a:pt x="0" y="25"/>
+                        </a:lnTo>
+                        <a:lnTo>
+                          <a:pt x="25" y="0"/>
+                        </a:lnTo>
+                        <a:lnTo>
+                          <a:pt x="108" y="82"/>
+                        </a:lnTo>
+                        <a:close/>
+                      </a:path>
+                    </a:pathLst>
+                  </a:custGeom>
+                  <a:solidFill>
+                    <a:srgbClr val="FFFFFF"/>
+                  </a:solidFill>
+                  <a:ln>
+                    <a:noFill/>
+                  </a:ln>
+                  <a:extLst>
+                    <a:ext uri="{91240B29-F687-4F45-9708-019B960494DF}">
+                      <a14:hiddenLine xmlns:a14="http://schemas.microsoft.com/office/drawing/2010/main" w="9525">
+                        <a:solidFill>
+                          <a:srgbClr val="000000"/>
+                        </a:solidFill>
+                        <a:round/>
+                        <a:headEnd/>
+                        <a:tailEnd/>
+                      </a14:hiddenLine>
+                    </a:ext>
+                  </a:extLst>
+                </p:spPr>
+                <p:txBody>
+                  <a:bodyPr vert="horz" wrap="square" lIns="91440" tIns="45720" rIns="91440" bIns="45720" numCol="1" anchor="t" anchorCtr="0" compatLnSpc="1">
+                    <a:prstTxWarp prst="textNoShape">
+                      <a:avLst/>
+                    </a:prstTxWarp>
+                  </a:bodyPr>
+                  <a:lstStyle/>
+                  <a:p>
+                    <a:pPr marL="0" marR="0" lvl="0" indent="0" defTabSz="914367" eaLnBrk="1" fontAlgn="auto" latinLnBrk="0" hangingPunct="1">
+                      <a:lnSpc>
+                        <a:spcPct val="100000"/>
+                      </a:lnSpc>
+                      <a:spcBef>
+                        <a:spcPts val="0"/>
+                      </a:spcBef>
+                      <a:spcAft>
+                        <a:spcPts val="0"/>
+                      </a:spcAft>
+                      <a:buClrTx/>
+                      <a:buSzTx/>
+                      <a:buFontTx/>
+                      <a:buNone/>
+                      <a:tabLst/>
+                      <a:defRPr/>
+                    </a:pPr>
+                    <a:endParaRPr kumimoji="0" lang="en-US" sz="1765" b="0" i="0" u="none" strike="noStrike" kern="0" cap="none" spc="0" normalizeH="0" baseline="0" noProof="0">
+                      <a:ln>
+                        <a:noFill/>
+                      </a:ln>
+                      <a:solidFill>
+                        <a:srgbClr val="FFFFFF"/>
+                      </a:solidFill>
+                      <a:effectLst/>
+                      <a:uLnTx/>
+                      <a:uFillTx/>
+                      <a:latin typeface="Segoe UI"/>
+                    </a:endParaRPr>
+                  </a:p>
+                </p:txBody>
+              </p:sp>
+              <p:sp>
+                <p:nvSpPr>
+                  <p:cNvPr id="383" name="Freeform 41">
+                    <a:extLst>
+                      <a:ext uri="{FF2B5EF4-FFF2-40B4-BE49-F238E27FC236}">
+                        <a16:creationId xmlns:a16="http://schemas.microsoft.com/office/drawing/2014/main" id="{AF386E3E-848C-4CE6-9333-C684B28114F0}"/>
+                      </a:ext>
+                    </a:extLst>
+                  </p:cNvPr>
+                  <p:cNvSpPr>
+                    <a:spLocks/>
+                  </p:cNvSpPr>
+                  <p:nvPr/>
+                </p:nvSpPr>
+                <p:spPr bwMode="auto">
+                  <a:xfrm>
+                    <a:off x="5455" y="1863"/>
+                    <a:ext cx="108" cy="107"/>
+                  </a:xfrm>
+                  <a:custGeom>
+                    <a:avLst/>
+                    <a:gdLst>
+                      <a:gd name="T0" fmla="*/ 25 w 108"/>
+                      <a:gd name="T1" fmla="*/ 0 h 107"/>
+                      <a:gd name="T2" fmla="*/ 0 w 108"/>
+                      <a:gd name="T3" fmla="*/ 24 h 107"/>
+                      <a:gd name="T4" fmla="*/ 83 w 108"/>
+                      <a:gd name="T5" fmla="*/ 107 h 107"/>
+                      <a:gd name="T6" fmla="*/ 108 w 108"/>
+                      <a:gd name="T7" fmla="*/ 82 h 107"/>
+                      <a:gd name="T8" fmla="*/ 25 w 108"/>
+                      <a:gd name="T9" fmla="*/ 0 h 107"/>
+                    </a:gdLst>
+                    <a:ahLst/>
+                    <a:cxnLst>
+                      <a:cxn ang="0">
+                        <a:pos x="T0" y="T1"/>
+                      </a:cxn>
+                      <a:cxn ang="0">
+                        <a:pos x="T2" y="T3"/>
+                      </a:cxn>
+                      <a:cxn ang="0">
+                        <a:pos x="T4" y="T5"/>
+                      </a:cxn>
+                      <a:cxn ang="0">
+                        <a:pos x="T6" y="T7"/>
+                      </a:cxn>
+                      <a:cxn ang="0">
+                        <a:pos x="T8" y="T9"/>
+                      </a:cxn>
+                    </a:cxnLst>
+                    <a:rect l="0" t="0" r="r" b="b"/>
+                    <a:pathLst>
+                      <a:path w="108" h="107">
+                        <a:moveTo>
+                          <a:pt x="25" y="0"/>
+                        </a:moveTo>
+                        <a:lnTo>
+                          <a:pt x="0" y="24"/>
+                        </a:lnTo>
+                        <a:lnTo>
+                          <a:pt x="83" y="107"/>
+                        </a:lnTo>
+                        <a:lnTo>
+                          <a:pt x="108" y="82"/>
+                        </a:lnTo>
+                        <a:lnTo>
+                          <a:pt x="25" y="0"/>
+                        </a:lnTo>
+                        <a:close/>
+                      </a:path>
+                    </a:pathLst>
+                  </a:custGeom>
+                  <a:solidFill>
+                    <a:srgbClr val="FFFFFF"/>
+                  </a:solidFill>
+                  <a:ln>
+                    <a:noFill/>
+                  </a:ln>
+                  <a:extLst>
+                    <a:ext uri="{91240B29-F687-4F45-9708-019B960494DF}">
+                      <a14:hiddenLine xmlns:a14="http://schemas.microsoft.com/office/drawing/2010/main" w="9525">
+                        <a:solidFill>
+                          <a:srgbClr val="000000"/>
+                        </a:solidFill>
+                        <a:round/>
+                        <a:headEnd/>
+                        <a:tailEnd/>
+                      </a14:hiddenLine>
+                    </a:ext>
+                  </a:extLst>
+                </p:spPr>
+                <p:txBody>
+                  <a:bodyPr vert="horz" wrap="square" lIns="91440" tIns="45720" rIns="91440" bIns="45720" numCol="1" anchor="t" anchorCtr="0" compatLnSpc="1">
+                    <a:prstTxWarp prst="textNoShape">
+                      <a:avLst/>
+                    </a:prstTxWarp>
+                  </a:bodyPr>
+                  <a:lstStyle/>
+                  <a:p>
+                    <a:pPr marL="0" marR="0" lvl="0" indent="0" defTabSz="914367" eaLnBrk="1" fontAlgn="auto" latinLnBrk="0" hangingPunct="1">
+                      <a:lnSpc>
+                        <a:spcPct val="100000"/>
+                      </a:lnSpc>
+                      <a:spcBef>
+                        <a:spcPts val="0"/>
+                      </a:spcBef>
+                      <a:spcAft>
+                        <a:spcPts val="0"/>
+                      </a:spcAft>
+                      <a:buClrTx/>
+                      <a:buSzTx/>
+                      <a:buFontTx/>
+                      <a:buNone/>
+                      <a:tabLst/>
+                      <a:defRPr/>
+                    </a:pPr>
+                    <a:endParaRPr kumimoji="0" lang="en-US" sz="1765" b="0" i="0" u="none" strike="noStrike" kern="0" cap="none" spc="0" normalizeH="0" baseline="0" noProof="0">
+                      <a:ln>
+                        <a:noFill/>
+                      </a:ln>
+                      <a:solidFill>
+                        <a:srgbClr val="FFFFFF"/>
+                      </a:solidFill>
+                      <a:effectLst/>
+                      <a:uLnTx/>
+                      <a:uFillTx/>
+                      <a:latin typeface="Segoe UI"/>
+                    </a:endParaRPr>
+                  </a:p>
+                </p:txBody>
+              </p:sp>
+              <p:sp>
+                <p:nvSpPr>
+                  <p:cNvPr id="384" name="Freeform 42">
+                    <a:extLst>
+                      <a:ext uri="{FF2B5EF4-FFF2-40B4-BE49-F238E27FC236}">
+                        <a16:creationId xmlns:a16="http://schemas.microsoft.com/office/drawing/2014/main" id="{2D312980-4BA7-4042-BCCC-9315405F6D0B}"/>
+                      </a:ext>
+                    </a:extLst>
+                  </p:cNvPr>
+                  <p:cNvSpPr>
+                    <a:spLocks/>
+                  </p:cNvSpPr>
+                  <p:nvPr/>
+                </p:nvSpPr>
+                <p:spPr bwMode="auto">
+                  <a:xfrm>
+                    <a:off x="5455" y="1805"/>
+                    <a:ext cx="108" cy="107"/>
+                  </a:xfrm>
+                  <a:custGeom>
+                    <a:avLst/>
+                    <a:gdLst>
+                      <a:gd name="T0" fmla="*/ 0 w 108"/>
+                      <a:gd name="T1" fmla="*/ 82 h 107"/>
+                      <a:gd name="T2" fmla="*/ 25 w 108"/>
+                      <a:gd name="T3" fmla="*/ 107 h 107"/>
+                      <a:gd name="T4" fmla="*/ 108 w 108"/>
+                      <a:gd name="T5" fmla="*/ 25 h 107"/>
+                      <a:gd name="T6" fmla="*/ 83 w 108"/>
+                      <a:gd name="T7" fmla="*/ 0 h 107"/>
+                      <a:gd name="T8" fmla="*/ 0 w 108"/>
+                      <a:gd name="T9" fmla="*/ 82 h 107"/>
+                    </a:gdLst>
+                    <a:ahLst/>
+                    <a:cxnLst>
+                      <a:cxn ang="0">
+                        <a:pos x="T0" y="T1"/>
+                      </a:cxn>
+                      <a:cxn ang="0">
+                        <a:pos x="T2" y="T3"/>
+                      </a:cxn>
+                      <a:cxn ang="0">
+                        <a:pos x="T4" y="T5"/>
+                      </a:cxn>
+                      <a:cxn ang="0">
+                        <a:pos x="T6" y="T7"/>
+                      </a:cxn>
+                      <a:cxn ang="0">
+                        <a:pos x="T8" y="T9"/>
+                      </a:cxn>
+                    </a:cxnLst>
+                    <a:rect l="0" t="0" r="r" b="b"/>
+                    <a:pathLst>
+                      <a:path w="108" h="107">
+                        <a:moveTo>
+                          <a:pt x="0" y="82"/>
+                        </a:moveTo>
+                        <a:lnTo>
+                          <a:pt x="25" y="107"/>
+                        </a:lnTo>
+                        <a:lnTo>
+                          <a:pt x="108" y="25"/>
+                        </a:lnTo>
+                        <a:lnTo>
+                          <a:pt x="83" y="0"/>
+                        </a:lnTo>
+                        <a:lnTo>
+                          <a:pt x="0" y="82"/>
+                        </a:lnTo>
+                        <a:close/>
+                      </a:path>
+                    </a:pathLst>
+                  </a:custGeom>
+                  <a:solidFill>
+                    <a:srgbClr val="FFFFFF"/>
+                  </a:solidFill>
+                  <a:ln>
+                    <a:noFill/>
+                  </a:ln>
+                  <a:extLst>
+                    <a:ext uri="{91240B29-F687-4F45-9708-019B960494DF}">
+                      <a14:hiddenLine xmlns:a14="http://schemas.microsoft.com/office/drawing/2010/main" w="9525">
+                        <a:solidFill>
+                          <a:srgbClr val="000000"/>
+                        </a:solidFill>
+                        <a:round/>
+                        <a:headEnd/>
+                        <a:tailEnd/>
+                      </a14:hiddenLine>
+                    </a:ext>
+                  </a:extLst>
+                </p:spPr>
+                <p:txBody>
+                  <a:bodyPr vert="horz" wrap="square" lIns="91440" tIns="45720" rIns="91440" bIns="45720" numCol="1" anchor="t" anchorCtr="0" compatLnSpc="1">
+                    <a:prstTxWarp prst="textNoShape">
+                      <a:avLst/>
+                    </a:prstTxWarp>
+                  </a:bodyPr>
+                  <a:lstStyle/>
+                  <a:p>
+                    <a:pPr marL="0" marR="0" lvl="0" indent="0" defTabSz="914367" eaLnBrk="1" fontAlgn="auto" latinLnBrk="0" hangingPunct="1">
+                      <a:lnSpc>
+                        <a:spcPct val="100000"/>
+                      </a:lnSpc>
+                      <a:spcBef>
+                        <a:spcPts val="0"/>
+                      </a:spcBef>
+                      <a:spcAft>
+                        <a:spcPts val="0"/>
+                      </a:spcAft>
+                      <a:buClrTx/>
+                      <a:buSzTx/>
+                      <a:buFontTx/>
+                      <a:buNone/>
+                      <a:tabLst/>
+                      <a:defRPr/>
+                    </a:pPr>
+                    <a:endParaRPr kumimoji="0" lang="en-US" sz="1765" b="0" i="0" u="none" strike="noStrike" kern="0" cap="none" spc="0" normalizeH="0" baseline="0" noProof="0">
+                      <a:ln>
+                        <a:noFill/>
+                      </a:ln>
+                      <a:solidFill>
+                        <a:srgbClr val="FFFFFF"/>
+                      </a:solidFill>
+                      <a:effectLst/>
+                      <a:uLnTx/>
+                      <a:uFillTx/>
+                      <a:latin typeface="Segoe UI"/>
+                    </a:endParaRPr>
+                  </a:p>
+                </p:txBody>
+              </p:sp>
+              <p:sp>
+                <p:nvSpPr>
+                  <p:cNvPr id="385" name="Oval 43">
+                    <a:extLst>
+                      <a:ext uri="{FF2B5EF4-FFF2-40B4-BE49-F238E27FC236}">
+                        <a16:creationId xmlns:a16="http://schemas.microsoft.com/office/drawing/2014/main" id="{CA41C2B6-435E-45EF-85D8-914E308DB4D5}"/>
+                      </a:ext>
+                    </a:extLst>
+                  </p:cNvPr>
+                  <p:cNvSpPr>
+                    <a:spLocks noChangeArrowheads="1"/>
+                  </p:cNvSpPr>
+                  <p:nvPr/>
+                </p:nvSpPr>
+                <p:spPr bwMode="auto">
+                  <a:xfrm>
+                    <a:off x="5625" y="1870"/>
+                    <a:ext cx="35" cy="35"/>
+                  </a:xfrm>
+                  <a:prstGeom prst="ellipse">
+                    <a:avLst/>
+                  </a:prstGeom>
+                  <a:solidFill>
+                    <a:srgbClr val="50E6FF"/>
+                  </a:solidFill>
+                  <a:ln>
+                    <a:noFill/>
+                  </a:ln>
+                  <a:extLst>
+                    <a:ext uri="{91240B29-F687-4F45-9708-019B960494DF}">
+                      <a14:hiddenLine xmlns:a14="http://schemas.microsoft.com/office/drawing/2010/main" w="9525">
+                        <a:solidFill>
+                          <a:srgbClr val="000000"/>
+                        </a:solidFill>
+                        <a:round/>
+                        <a:headEnd/>
+                        <a:tailEnd/>
+                      </a14:hiddenLine>
+                    </a:ext>
+                  </a:extLst>
+                </p:spPr>
+                <p:txBody>
+                  <a:bodyPr vert="horz" wrap="square" lIns="91440" tIns="45720" rIns="91440" bIns="45720" numCol="1" anchor="t" anchorCtr="0" compatLnSpc="1">
+                    <a:prstTxWarp prst="textNoShape">
+                      <a:avLst/>
+                    </a:prstTxWarp>
+                  </a:bodyPr>
+                  <a:lstStyle/>
+                  <a:p>
+                    <a:pPr marL="0" marR="0" lvl="0" indent="0" defTabSz="914367" eaLnBrk="1" fontAlgn="auto" latinLnBrk="0" hangingPunct="1">
+                      <a:lnSpc>
+                        <a:spcPct val="100000"/>
+                      </a:lnSpc>
+                      <a:spcBef>
+                        <a:spcPts val="0"/>
+                      </a:spcBef>
+                      <a:spcAft>
+                        <a:spcPts val="0"/>
+                      </a:spcAft>
+                      <a:buClrTx/>
+                      <a:buSzTx/>
+                      <a:buFontTx/>
+                      <a:buNone/>
+                      <a:tabLst/>
+                      <a:defRPr/>
+                    </a:pPr>
+                    <a:endParaRPr kumimoji="0" lang="en-US" sz="1765" b="0" i="0" u="none" strike="noStrike" kern="0" cap="none" spc="0" normalizeH="0" baseline="0" noProof="0">
+                      <a:ln>
+                        <a:noFill/>
+                      </a:ln>
+                      <a:solidFill>
+                        <a:srgbClr val="FFFFFF"/>
+                      </a:solidFill>
+                      <a:effectLst/>
+                      <a:uLnTx/>
+                      <a:uFillTx/>
+                      <a:latin typeface="Segoe UI"/>
+                    </a:endParaRPr>
+                  </a:p>
+                </p:txBody>
+              </p:sp>
+              <p:sp>
+                <p:nvSpPr>
+                  <p:cNvPr id="386" name="Oval 44">
+                    <a:extLst>
+                      <a:ext uri="{FF2B5EF4-FFF2-40B4-BE49-F238E27FC236}">
+                        <a16:creationId xmlns:a16="http://schemas.microsoft.com/office/drawing/2014/main" id="{A51A7839-2861-42F2-ABCE-963050ABE1D8}"/>
+                      </a:ext>
+                    </a:extLst>
+                  </p:cNvPr>
+                  <p:cNvSpPr>
+                    <a:spLocks noChangeArrowheads="1"/>
+                  </p:cNvSpPr>
+                  <p:nvPr/>
+                </p:nvSpPr>
+                <p:spPr bwMode="auto">
+                  <a:xfrm>
+                    <a:off x="5678" y="1870"/>
+                    <a:ext cx="35" cy="35"/>
+                  </a:xfrm>
+                  <a:prstGeom prst="ellipse">
+                    <a:avLst/>
+                  </a:prstGeom>
+                  <a:solidFill>
+                    <a:srgbClr val="50E6FF"/>
+                  </a:solidFill>
+                  <a:ln>
+                    <a:noFill/>
+                  </a:ln>
+                  <a:extLst>
+                    <a:ext uri="{91240B29-F687-4F45-9708-019B960494DF}">
+                      <a14:hiddenLine xmlns:a14="http://schemas.microsoft.com/office/drawing/2010/main" w="9525">
+                        <a:solidFill>
+                          <a:srgbClr val="000000"/>
+                        </a:solidFill>
+                        <a:round/>
+                        <a:headEnd/>
+                        <a:tailEnd/>
+                      </a14:hiddenLine>
+                    </a:ext>
+                  </a:extLst>
+                </p:spPr>
+                <p:txBody>
+                  <a:bodyPr vert="horz" wrap="square" lIns="91440" tIns="45720" rIns="91440" bIns="45720" numCol="1" anchor="t" anchorCtr="0" compatLnSpc="1">
+                    <a:prstTxWarp prst="textNoShape">
+                      <a:avLst/>
+                    </a:prstTxWarp>
+                  </a:bodyPr>
+                  <a:lstStyle/>
+                  <a:p>
+                    <a:pPr marL="0" marR="0" lvl="0" indent="0" defTabSz="914367" eaLnBrk="1" fontAlgn="auto" latinLnBrk="0" hangingPunct="1">
+                      <a:lnSpc>
+                        <a:spcPct val="100000"/>
+                      </a:lnSpc>
+                      <a:spcBef>
+                        <a:spcPts val="0"/>
+                      </a:spcBef>
+                      <a:spcAft>
+                        <a:spcPts val="0"/>
+                      </a:spcAft>
+                      <a:buClrTx/>
+                      <a:buSzTx/>
+                      <a:buFontTx/>
+                      <a:buNone/>
+                      <a:tabLst/>
+                      <a:defRPr/>
+                    </a:pPr>
+                    <a:endParaRPr kumimoji="0" lang="en-US" sz="1765" b="0" i="0" u="none" strike="noStrike" kern="0" cap="none" spc="0" normalizeH="0" baseline="0" noProof="0">
+                      <a:ln>
+                        <a:noFill/>
+                      </a:ln>
+                      <a:solidFill>
+                        <a:srgbClr val="FFFFFF"/>
+                      </a:solidFill>
+                      <a:effectLst/>
+                      <a:uLnTx/>
+                      <a:uFillTx/>
+                      <a:latin typeface="Segoe UI"/>
+                    </a:endParaRPr>
+                  </a:p>
+                </p:txBody>
+              </p:sp>
+              <p:sp>
+                <p:nvSpPr>
+                  <p:cNvPr id="387" name="Oval 45">
+                    <a:extLst>
+                      <a:ext uri="{FF2B5EF4-FFF2-40B4-BE49-F238E27FC236}">
+                        <a16:creationId xmlns:a16="http://schemas.microsoft.com/office/drawing/2014/main" id="{AA303721-6AA5-49E6-ABF5-880FA2AC3CA3}"/>
+                      </a:ext>
+                    </a:extLst>
+                  </p:cNvPr>
+                  <p:cNvSpPr>
+                    <a:spLocks noChangeArrowheads="1"/>
+                  </p:cNvSpPr>
+                  <p:nvPr/>
+                </p:nvSpPr>
+                <p:spPr bwMode="auto">
+                  <a:xfrm>
+                    <a:off x="5572" y="1870"/>
+                    <a:ext cx="35" cy="35"/>
+                  </a:xfrm>
+                  <a:prstGeom prst="ellipse">
+                    <a:avLst/>
+                  </a:prstGeom>
+                  <a:solidFill>
+                    <a:srgbClr val="50E6FF"/>
+                  </a:solidFill>
+                  <a:ln>
+                    <a:noFill/>
+                  </a:ln>
+                  <a:extLst>
+                    <a:ext uri="{91240B29-F687-4F45-9708-019B960494DF}">
+                      <a14:hiddenLine xmlns:a14="http://schemas.microsoft.com/office/drawing/2010/main" w="9525">
+                        <a:solidFill>
+                          <a:srgbClr val="000000"/>
+                        </a:solidFill>
+                        <a:round/>
+                        <a:headEnd/>
+                        <a:tailEnd/>
+                      </a14:hiddenLine>
+                    </a:ext>
+                  </a:extLst>
+                </p:spPr>
+                <p:txBody>
+                  <a:bodyPr vert="horz" wrap="square" lIns="91440" tIns="45720" rIns="91440" bIns="45720" numCol="1" anchor="t" anchorCtr="0" compatLnSpc="1">
+                    <a:prstTxWarp prst="textNoShape">
+                      <a:avLst/>
+                    </a:prstTxWarp>
+                  </a:bodyPr>
+                  <a:lstStyle/>
+                  <a:p>
+                    <a:pPr marL="0" marR="0" lvl="0" indent="0" defTabSz="914367" eaLnBrk="1" fontAlgn="auto" latinLnBrk="0" hangingPunct="1">
+                      <a:lnSpc>
+                        <a:spcPct val="100000"/>
+                      </a:lnSpc>
+                      <a:spcBef>
+                        <a:spcPts val="0"/>
+                      </a:spcBef>
+                      <a:spcAft>
+                        <a:spcPts val="0"/>
+                      </a:spcAft>
+                      <a:buClrTx/>
+                      <a:buSzTx/>
+                      <a:buFontTx/>
+                      <a:buNone/>
+                      <a:tabLst/>
+                      <a:defRPr/>
+                    </a:pPr>
+                    <a:endParaRPr kumimoji="0" lang="en-US" sz="1765" b="0" i="0" u="none" strike="noStrike" kern="0" cap="none" spc="0" normalizeH="0" baseline="0" noProof="0">
+                      <a:ln>
+                        <a:noFill/>
+                      </a:ln>
+                      <a:solidFill>
+                        <a:srgbClr val="FFFFFF"/>
+                      </a:solidFill>
+                      <a:effectLst/>
+                      <a:uLnTx/>
+                      <a:uFillTx/>
+                      <a:latin typeface="Segoe UI"/>
+                    </a:endParaRPr>
+                  </a:p>
+                </p:txBody>
+              </p:sp>
+            </p:grpSp>
+          </p:grpSp>
+        </p:grpSp>
+        <p:grpSp>
+          <p:nvGrpSpPr>
+            <p:cNvPr id="308" name="Group 307">
+              <a:extLst>
+                <a:ext uri="{FF2B5EF4-FFF2-40B4-BE49-F238E27FC236}">
+                  <a16:creationId xmlns:a16="http://schemas.microsoft.com/office/drawing/2014/main" id="{3EAB291E-4CEE-4AA3-9A1F-01AF7093B0E2}"/>
+                </a:ext>
+              </a:extLst>
+            </p:cNvPr>
+            <p:cNvGrpSpPr/>
+            <p:nvPr/>
+          </p:nvGrpSpPr>
+          <p:grpSpPr>
+            <a:xfrm>
+              <a:off x="5515161" y="1580678"/>
+              <a:ext cx="684783" cy="684783"/>
+              <a:chOff x="5309155" y="1725451"/>
+              <a:chExt cx="684783" cy="684783"/>
+            </a:xfrm>
+            <a:effectLst>
+              <a:outerShdw blurRad="50800" dist="38100" dir="5400000" algn="t" rotWithShape="0">
+                <a:prstClr val="black">
+                  <a:alpha val="40000"/>
+                </a:prstClr>
+              </a:outerShdw>
+            </a:effectLst>
+          </p:grpSpPr>
+          <p:sp>
+            <p:nvSpPr>
+              <p:cNvPr id="301" name="Oval 300">
+                <a:extLst>
+                  <a:ext uri="{FF2B5EF4-FFF2-40B4-BE49-F238E27FC236}">
+                    <a16:creationId xmlns:a16="http://schemas.microsoft.com/office/drawing/2014/main" id="{179CCACE-059E-42AD-BF48-8DAEBBE9990C}"/>
+                  </a:ext>
+                </a:extLst>
+              </p:cNvPr>
+              <p:cNvSpPr/>
+              <p:nvPr/>
+            </p:nvSpPr>
+            <p:spPr bwMode="auto">
+              <a:xfrm>
+                <a:off x="5309155" y="1725451"/>
+                <a:ext cx="684783" cy="684783"/>
+              </a:xfrm>
+              <a:prstGeom prst="ellipse">
+                <a:avLst/>
+              </a:prstGeom>
+              <a:solidFill>
+                <a:srgbClr val="FFFFFF"/>
+              </a:solidFill>
+              <a:ln w="19050" cap="flat" cmpd="sng" algn="ctr">
+                <a:solidFill>
+                  <a:srgbClr val="EF3E2B"/>
+                </a:solidFill>
+                <a:prstDash val="solid"/>
+                <a:headEnd type="none" w="med" len="med"/>
+                <a:tailEnd type="none" w="med" len="med"/>
+              </a:ln>
+              <a:effectLst/>
+            </p:spPr>
+            <p:txBody>
+              <a:bodyPr rot="0" spcFirstLastPara="0" vertOverflow="overflow" horzOverflow="overflow" vert="horz" wrap="square" lIns="182880" tIns="146304" rIns="182880" bIns="146304" numCol="1" spcCol="0" rtlCol="0" fromWordArt="0" anchor="t" anchorCtr="0" forceAA="0" compatLnSpc="1">
+                <a:prstTxWarp prst="textNoShape">
+                  <a:avLst/>
+                </a:prstTxWarp>
+                <a:noAutofit/>
+              </a:bodyPr>
+              <a:lstStyle/>
+              <a:p>
+                <a:pPr marL="0" marR="0" lvl="0" indent="0" defTabSz="932472" eaLnBrk="1" fontAlgn="base" latinLnBrk="0" hangingPunct="1">
+                  <a:lnSpc>
+                    <a:spcPct val="100000"/>
+                  </a:lnSpc>
+                  <a:spcBef>
+                    <a:spcPct val="0"/>
+                  </a:spcBef>
+                  <a:spcAft>
+                    <a:spcPct val="0"/>
+                  </a:spcAft>
+                  <a:buClrTx/>
+                  <a:buSzTx/>
+                  <a:buFontTx/>
+                  <a:buNone/>
+                  <a:tabLst/>
+                  <a:defRPr/>
+                </a:pPr>
+                <a:endParaRPr kumimoji="0" lang="en-US" sz="2000" b="0" i="0" u="none" strike="noStrike" kern="0" cap="none" spc="0" normalizeH="0" baseline="0" noProof="0" err="1">
+                  <a:ln>
+                    <a:noFill/>
+                  </a:ln>
+                  <a:gradFill>
+                    <a:gsLst>
+                      <a:gs pos="0">
+                        <a:srgbClr val="FFFFFF"/>
+                      </a:gs>
+                      <a:gs pos="100000">
+                        <a:srgbClr val="FFFFFF"/>
+                      </a:gs>
+                    </a:gsLst>
+                    <a:lin ang="5400000" scaled="0"/>
+                  </a:gradFill>
+                  <a:effectLst/>
+                  <a:uLnTx/>
+                  <a:uFillTx/>
+                  <a:latin typeface="Segoe UI"/>
+                  <a:ea typeface="Segoe UI" pitchFamily="34" charset="0"/>
+                  <a:cs typeface="Segoe UI" pitchFamily="34" charset="0"/>
+                </a:endParaRPr>
+              </a:p>
+            </p:txBody>
+          </p:sp>
+          <p:pic>
+            <p:nvPicPr>
+              <p:cNvPr id="302" name="Graphic 246">
+                <a:extLst>
+                  <a:ext uri="{FF2B5EF4-FFF2-40B4-BE49-F238E27FC236}">
+                    <a16:creationId xmlns:a16="http://schemas.microsoft.com/office/drawing/2014/main" id="{266D72E0-A041-4D76-B3BF-53F267209A16}"/>
+                  </a:ext>
+                </a:extLst>
+              </p:cNvPr>
+              <p:cNvPicPr>
+                <a:picLocks noChangeAspect="1"/>
+              </p:cNvPicPr>
+              <p:nvPr/>
+            </p:nvPicPr>
+            <p:blipFill>
+              <a:blip r:embed="rId11">
+                <a:extLst>
+                  <a:ext uri="{96DAC541-7B7A-43D3-8B79-37D633B846F1}">
+                    <asvg:svgBlip xmlns:asvg="http://schemas.microsoft.com/office/drawing/2016/SVG/main" r:embed="rId12"/>
+                  </a:ext>
+                </a:extLst>
+              </a:blip>
+              <a:srcRect/>
+              <a:stretch/>
+            </p:blipFill>
+            <p:spPr>
+              <a:xfrm>
+                <a:off x="5436172" y="1852468"/>
+                <a:ext cx="430748" cy="430748"/>
+              </a:xfrm>
+              <a:prstGeom prst="rect">
+                <a:avLst/>
+              </a:prstGeom>
+            </p:spPr>
+          </p:pic>
+        </p:grpSp>
+      </p:grpSp>
+      <p:grpSp>
+        <p:nvGrpSpPr>
+          <p:cNvPr id="23" name="Group 22">
+            <a:extLst>
+              <a:ext uri="{FF2B5EF4-FFF2-40B4-BE49-F238E27FC236}">
+                <a16:creationId xmlns:a16="http://schemas.microsoft.com/office/drawing/2014/main" id="{E707FC92-CB2B-453A-866F-C31367D6904E}"/>
+              </a:ext>
+            </a:extLst>
+          </p:cNvPr>
+          <p:cNvGrpSpPr/>
+          <p:nvPr/>
+        </p:nvGrpSpPr>
+        <p:grpSpPr>
+          <a:xfrm>
+            <a:off x="3815253" y="3600535"/>
+            <a:ext cx="8750789" cy="1629480"/>
+            <a:chOff x="1100628" y="3515909"/>
+            <a:chExt cx="8750789" cy="1629480"/>
+          </a:xfrm>
+        </p:grpSpPr>
+        <p:grpSp>
+          <p:nvGrpSpPr>
+            <p:cNvPr id="94" name="Group 93">
+              <a:extLst>
+                <a:ext uri="{FF2B5EF4-FFF2-40B4-BE49-F238E27FC236}">
+                  <a16:creationId xmlns:a16="http://schemas.microsoft.com/office/drawing/2014/main" id="{DC8B0628-1C52-4398-8AD0-6FAEA5D6AC99}"/>
+                </a:ext>
+              </a:extLst>
+            </p:cNvPr>
+            <p:cNvGrpSpPr/>
+            <p:nvPr/>
+          </p:nvGrpSpPr>
+          <p:grpSpPr>
+            <a:xfrm>
+              <a:off x="2821849" y="3648015"/>
+              <a:ext cx="7029568" cy="1497374"/>
+              <a:chOff x="3045160" y="3648015"/>
+              <a:chExt cx="7029568" cy="1497374"/>
+            </a:xfrm>
+          </p:grpSpPr>
+          <p:grpSp>
+            <p:nvGrpSpPr>
+              <p:cNvPr id="95" name="Group 94">
+                <a:extLst>
+                  <a:ext uri="{FF2B5EF4-FFF2-40B4-BE49-F238E27FC236}">
+                    <a16:creationId xmlns:a16="http://schemas.microsoft.com/office/drawing/2014/main" id="{EC4E8355-573D-4EAF-9134-2E16E742D6DF}"/>
+                  </a:ext>
+                </a:extLst>
+              </p:cNvPr>
+              <p:cNvGrpSpPr/>
+              <p:nvPr/>
+            </p:nvGrpSpPr>
+            <p:grpSpPr>
+              <a:xfrm>
+                <a:off x="3045160" y="3648015"/>
+                <a:ext cx="7029568" cy="1206865"/>
+                <a:chOff x="3045160" y="3749615"/>
+                <a:chExt cx="7029568" cy="1206865"/>
+              </a:xfrm>
+            </p:grpSpPr>
+            <p:sp>
+              <p:nvSpPr>
+                <p:cNvPr id="97" name="TextBox 96">
+                  <a:extLst>
+                    <a:ext uri="{FF2B5EF4-FFF2-40B4-BE49-F238E27FC236}">
+                      <a16:creationId xmlns:a16="http://schemas.microsoft.com/office/drawing/2014/main" id="{D415C4F9-4A01-46F4-B34D-60A0EF6AAFFD}"/>
+                    </a:ext>
+                  </a:extLst>
+                </p:cNvPr>
+                <p:cNvSpPr txBox="1"/>
+                <p:nvPr/>
+              </p:nvSpPr>
+              <p:spPr>
+                <a:xfrm>
+                  <a:off x="5140593" y="3749615"/>
+                  <a:ext cx="4934135" cy="1169551"/>
+                </a:xfrm>
+                <a:prstGeom prst="rect">
+                  <a:avLst/>
+                </a:prstGeom>
+                <a:noFill/>
+                <a:effectLst>
+                  <a:outerShdw blurRad="50800" dist="38100" dir="2700000" algn="tl" rotWithShape="0">
+                    <a:prstClr val="black">
+                      <a:alpha val="40000"/>
+                    </a:prstClr>
+                  </a:outerShdw>
+                </a:effectLst>
+              </p:spPr>
+              <p:txBody>
+                <a:bodyPr wrap="square">
+                  <a:spAutoFit/>
+                </a:bodyPr>
+                <a:lstStyle/>
+                <a:p>
+                  <a:pPr>
+                    <a:lnSpc>
+                      <a:spcPct val="100000"/>
+                    </a:lnSpc>
+                  </a:pPr>
+                  <a:r>
+                    <a:rPr lang="en-GB" sz="6600" spc="-143" dirty="0">
+                      <a:solidFill>
+                        <a:schemeClr val="bg1"/>
+                      </a:solidFill>
+                      <a:latin typeface="MarkPro" panose="020B0504020101010102" pitchFamily="34" charset="0"/>
+                      <a:ea typeface="Inter" panose="020B0502030000000004" pitchFamily="34" charset="0"/>
+                      <a:cs typeface="Mark OT Light" charset="0"/>
+                    </a:rPr>
+                    <a:t>to</a:t>
+                  </a:r>
+                  <a:r>
+                    <a:rPr lang="en-GB" sz="7000" spc="-143" dirty="0">
+                      <a:solidFill>
+                        <a:srgbClr val="4F5C62"/>
+                      </a:solidFill>
+                      <a:latin typeface="Inter SemiBold" panose="020B0502030000000004" pitchFamily="34" charset="0"/>
+                      <a:ea typeface="Inter SemiBold" panose="020B0502030000000004" pitchFamily="34" charset="0"/>
+                      <a:cs typeface="Mark OT Light" charset="0"/>
+                    </a:rPr>
+                    <a:t> </a:t>
+                  </a:r>
+                  <a:r>
+                    <a:rPr lang="en-GB" sz="7000" spc="-143" dirty="0">
+                      <a:solidFill>
+                        <a:srgbClr val="4EE4FD"/>
+                      </a:solidFill>
+                      <a:latin typeface="Segoe UI" panose="020B0502040204020203" pitchFamily="34" charset="0"/>
+                      <a:ea typeface="Inter SemiBold" panose="020B0502030000000004" pitchFamily="34" charset="0"/>
+                      <a:cs typeface="Segoe UI" panose="020B0502040204020203" pitchFamily="34" charset="0"/>
+                    </a:rPr>
+                    <a:t>Synapse</a:t>
+                  </a:r>
+                  <a:endParaRPr lang="en-GB" sz="7000" spc="-143" dirty="0">
+                    <a:solidFill>
+                      <a:srgbClr val="4EE4FD"/>
+                    </a:solidFill>
+                    <a:latin typeface="Segoe UI" panose="020B0502040204020203" pitchFamily="34" charset="0"/>
+                    <a:ea typeface="Segoe UI Black" panose="020B0A02040204020203" pitchFamily="34" charset="0"/>
+                    <a:cs typeface="Segoe UI" panose="020B0502040204020203" pitchFamily="34" charset="0"/>
+                  </a:endParaRPr>
+                </a:p>
+              </p:txBody>
+            </p:sp>
+            <p:pic>
+              <p:nvPicPr>
+                <p:cNvPr id="98" name="Picture 4">
+                  <a:extLst>
+                    <a:ext uri="{FF2B5EF4-FFF2-40B4-BE49-F238E27FC236}">
+                      <a16:creationId xmlns:a16="http://schemas.microsoft.com/office/drawing/2014/main" id="{3B7F5509-1F7F-485C-9DB3-0A93C25765DA}"/>
+                    </a:ext>
+                  </a:extLst>
+                </p:cNvPr>
+                <p:cNvPicPr>
+                  <a:picLocks noChangeAspect="1" noChangeArrowheads="1"/>
+                </p:cNvPicPr>
+                <p:nvPr/>
+              </p:nvPicPr>
+              <p:blipFill>
+                <a:blip r:embed="rId13">
+                  <a:extLst>
+                    <a:ext uri="{BEBA8EAE-BF5A-486C-A8C5-ECC9F3942E4B}">
+                      <a14:imgProps xmlns:a14="http://schemas.microsoft.com/office/drawing/2010/main">
+                        <a14:imgLayer r:embed="rId14">
+                          <a14:imgEffect>
+                            <a14:artisticPaintStrokes/>
+                          </a14:imgEffect>
+                        </a14:imgLayer>
+                      </a14:imgProps>
+                    </a:ext>
+                    <a:ext uri="{28A0092B-C50C-407E-A947-70E740481C1C}">
+                      <a14:useLocalDpi xmlns:a14="http://schemas.microsoft.com/office/drawing/2010/main" val="0"/>
+                    </a:ext>
+                  </a:extLst>
+                </a:blip>
+                <a:srcRect/>
+                <a:stretch>
+                  <a:fillRect/>
+                </a:stretch>
+              </p:blipFill>
+              <p:spPr bwMode="auto">
+                <a:xfrm>
+                  <a:off x="3045160" y="4042920"/>
+                  <a:ext cx="1978607" cy="913560"/>
+                </a:xfrm>
+                <a:prstGeom prst="rect">
+                  <a:avLst/>
+                </a:prstGeom>
+                <a:noFill/>
+                <a:effectLst>
+                  <a:outerShdw blurRad="50800" dist="38100" dir="2700000" algn="tl" rotWithShape="0">
+                    <a:prstClr val="black">
+                      <a:alpha val="40000"/>
+                    </a:prstClr>
+                  </a:outerShdw>
+                </a:effectLst>
+                <a:extLst>
+                  <a:ext uri="{909E8E84-426E-40DD-AFC4-6F175D3DCCD1}">
+                    <a14:hiddenFill xmlns:a14="http://schemas.microsoft.com/office/drawing/2010/main">
+                      <a:solidFill>
+                        <a:srgbClr val="FFFFFF"/>
+                      </a:solidFill>
+                    </a14:hiddenFill>
+                  </a:ext>
+                </a:extLst>
+              </p:spPr>
+            </p:pic>
+          </p:grpSp>
+          <p:sp>
+            <p:nvSpPr>
+              <p:cNvPr id="96" name="TextBox 95">
+                <a:extLst>
+                  <a:ext uri="{FF2B5EF4-FFF2-40B4-BE49-F238E27FC236}">
+                    <a16:creationId xmlns:a16="http://schemas.microsoft.com/office/drawing/2014/main" id="{231FD77F-9088-4312-8017-690C6C33EE2B}"/>
+                  </a:ext>
+                </a:extLst>
+              </p:cNvPr>
+              <p:cNvSpPr txBox="1"/>
+              <p:nvPr/>
+            </p:nvSpPr>
+            <p:spPr>
+              <a:xfrm>
+                <a:off x="3860225" y="4683724"/>
+                <a:ext cx="4245506" cy="461665"/>
+              </a:xfrm>
+              <a:prstGeom prst="rect">
+                <a:avLst/>
+              </a:prstGeom>
+              <a:noFill/>
+              <a:effectLst>
+                <a:outerShdw blurRad="50800" dist="38100" dir="2700000" algn="tl" rotWithShape="0">
+                  <a:prstClr val="black">
+                    <a:alpha val="40000"/>
+                  </a:prstClr>
+                </a:outerShdw>
+              </a:effectLst>
+            </p:spPr>
+            <p:txBody>
+              <a:bodyPr wrap="square">
+                <a:spAutoFit/>
+              </a:bodyPr>
+              <a:lstStyle/>
+              <a:p>
+                <a:pPr algn="ctr">
+                  <a:lnSpc>
+                    <a:spcPct val="100000"/>
+                  </a:lnSpc>
+                </a:pPr>
+                <a:r>
+                  <a:rPr lang="en-GB" sz="2400" spc="-143" dirty="0">
+                    <a:solidFill>
+                      <a:schemeClr val="bg1"/>
+                    </a:solidFill>
+                    <a:latin typeface="MarkPro" panose="020B0504020101010102" pitchFamily="34" charset="0"/>
+                    <a:ea typeface="Inter" panose="020B0502030000000004" pitchFamily="34" charset="0"/>
+                    <a:cs typeface="Mark OT Light" charset="0"/>
+                  </a:rPr>
+                  <a:t>with Autoloader</a:t>
+                </a:r>
+                <a:endParaRPr lang="en-GB" sz="2400" spc="-143" dirty="0">
+                  <a:solidFill>
+                    <a:srgbClr val="4EE4FD"/>
+                  </a:solidFill>
+                  <a:latin typeface="Segoe UI" panose="020B0502040204020203" pitchFamily="34" charset="0"/>
+                  <a:ea typeface="Segoe UI Black" panose="020B0A02040204020203" pitchFamily="34" charset="0"/>
+                  <a:cs typeface="Segoe UI" panose="020B0502040204020203" pitchFamily="34" charset="0"/>
+                </a:endParaRPr>
+              </a:p>
+            </p:txBody>
+          </p:sp>
+        </p:grpSp>
+        <p:grpSp>
+          <p:nvGrpSpPr>
+            <p:cNvPr id="99" name="Group 98">
+              <a:extLst>
+                <a:ext uri="{FF2B5EF4-FFF2-40B4-BE49-F238E27FC236}">
+                  <a16:creationId xmlns:a16="http://schemas.microsoft.com/office/drawing/2014/main" id="{BDB9AF72-C4E5-4136-9B11-CE1500F1031D}"/>
+                </a:ext>
+              </a:extLst>
+            </p:cNvPr>
+            <p:cNvGrpSpPr/>
+            <p:nvPr/>
+          </p:nvGrpSpPr>
+          <p:grpSpPr>
+            <a:xfrm>
+              <a:off x="1100628" y="3515909"/>
+              <a:ext cx="1988623" cy="785998"/>
+              <a:chOff x="1864934" y="4265066"/>
+              <a:chExt cx="1988623" cy="785998"/>
+            </a:xfrm>
+          </p:grpSpPr>
+          <p:sp>
+            <p:nvSpPr>
+              <p:cNvPr id="100" name="Rectangle 99">
+                <a:extLst>
+                  <a:ext uri="{FF2B5EF4-FFF2-40B4-BE49-F238E27FC236}">
+                    <a16:creationId xmlns:a16="http://schemas.microsoft.com/office/drawing/2014/main" id="{FD42B59B-E47B-4EC0-BC3F-5883D1DAB862}"/>
+                  </a:ext>
+                </a:extLst>
+              </p:cNvPr>
+              <p:cNvSpPr/>
+              <p:nvPr/>
+            </p:nvSpPr>
+            <p:spPr>
+              <a:xfrm rot="21399419">
+                <a:off x="1864934" y="4463138"/>
+                <a:ext cx="1724060" cy="414192"/>
+              </a:xfrm>
+              <a:prstGeom prst="rect">
+                <a:avLst/>
+              </a:prstGeom>
+              <a:solidFill>
+                <a:schemeClr val="bg1"/>
+              </a:solidFill>
+              <a:ln>
+                <a:noFill/>
+              </a:ln>
+              <a:effectLst>
+                <a:outerShdw blurRad="50800" dist="38100" dir="2700000" algn="tl" rotWithShape="0">
+                  <a:prstClr val="black">
+                    <a:alpha val="40000"/>
+                  </a:prstClr>
+                </a:outerShdw>
+              </a:effectLst>
+            </p:spPr>
+            <p:style>
+              <a:lnRef idx="2">
+                <a:schemeClr val="accent1">
+                  <a:shade val="50000"/>
+                </a:schemeClr>
+              </a:lnRef>
+              <a:fillRef idx="1">
+                <a:schemeClr val="accent1"/>
+              </a:fillRef>
+              <a:effectRef idx="0">
+                <a:schemeClr val="accent1"/>
+              </a:effectRef>
+              <a:fontRef idx="minor">
+                <a:schemeClr val="lt1"/>
+              </a:fontRef>
+            </p:style>
+            <p:txBody>
+              <a:bodyPr rtlCol="0" anchor="ctr"/>
+              <a:lstStyle/>
+              <a:p>
+                <a:pPr algn="ctr"/>
+                <a:endParaRPr lang="en-US" dirty="0"/>
+              </a:p>
+            </p:txBody>
+          </p:sp>
+          <p:sp>
+            <p:nvSpPr>
+              <p:cNvPr id="101" name="Title 3">
+                <a:extLst>
+                  <a:ext uri="{FF2B5EF4-FFF2-40B4-BE49-F238E27FC236}">
+                    <a16:creationId xmlns:a16="http://schemas.microsoft.com/office/drawing/2014/main" id="{91C751B8-3FC2-4A2B-8A20-000F61BF518B}"/>
+                  </a:ext>
+                </a:extLst>
+              </p:cNvPr>
+              <p:cNvSpPr txBox="1">
+                <a:spLocks/>
+              </p:cNvSpPr>
+              <p:nvPr/>
+            </p:nvSpPr>
+            <p:spPr>
+              <a:xfrm>
+                <a:off x="1969960" y="4265066"/>
+                <a:ext cx="1883597" cy="785998"/>
+              </a:xfrm>
+              <a:prstGeom prst="rect">
+                <a:avLst/>
+              </a:prstGeom>
+              <a:effectLst>
+                <a:outerShdw blurRad="482600" dist="38100" dir="2700000" algn="tl" rotWithShape="0">
+                  <a:srgbClr val="0070C0">
+                    <a:alpha val="40000"/>
+                  </a:srgbClr>
+                </a:outerShdw>
+              </a:effectLst>
+            </p:spPr>
+            <p:txBody>
+              <a:bodyPr lIns="0" tIns="0" rIns="0" bIns="0" anchor="ctr">
+                <a:noAutofit/>
+              </a:bodyPr>
+              <a:lstStyle>
+                <a:lvl1pPr algn="l" defTabSz="914355" rtl="0" eaLnBrk="1" latinLnBrk="0" hangingPunct="1">
+                  <a:lnSpc>
+                    <a:spcPct val="90000"/>
+                  </a:lnSpc>
+                  <a:spcBef>
+                    <a:spcPct val="0"/>
+                  </a:spcBef>
+                  <a:buNone/>
+                  <a:defRPr sz="2800" b="0" i="0" kern="1200" spc="0" baseline="0">
+                    <a:solidFill>
+                      <a:schemeClr val="accent2"/>
+                    </a:solidFill>
+                    <a:latin typeface="+mj-lt"/>
+                    <a:ea typeface="+mj-ea"/>
+                    <a:cs typeface="Century Gothic Regular" charset="0"/>
+                  </a:defRPr>
+                </a:lvl1pPr>
+              </a:lstStyle>
+              <a:p>
+                <a:pPr>
+                  <a:lnSpc>
+                    <a:spcPct val="100000"/>
+                  </a:lnSpc>
+                </a:pPr>
+                <a:r>
+                  <a:rPr lang="en-GB" sz="1500" spc="120" dirty="0">
+                    <a:solidFill>
+                      <a:srgbClr val="0078D4"/>
+                    </a:solidFill>
+                    <a:latin typeface="MarkPro-Bold" panose="020B0804020101010102" pitchFamily="34" charset="0"/>
+                    <a:ea typeface="Inter SemiBold" panose="020B0502030000000004" pitchFamily="34" charset="0"/>
+                    <a:cs typeface="Mark OT Light" charset="0"/>
+                  </a:rPr>
+                  <a:t>ILLUSTRATION</a:t>
+                </a:r>
+                <a:endParaRPr lang="en-GB" sz="1500" spc="120" dirty="0">
+                  <a:solidFill>
+                    <a:srgbClr val="0078D4"/>
+                  </a:solidFill>
+                  <a:latin typeface="MarkPro-Bold" panose="020B0804020101010102" pitchFamily="34" charset="0"/>
+                  <a:ea typeface="Segoe UI Black" panose="020B0A02040204020203" pitchFamily="34" charset="0"/>
+                  <a:cs typeface="Segoe UI" panose="020B0502040204020203" pitchFamily="34" charset="0"/>
+                </a:endParaRPr>
+              </a:p>
+            </p:txBody>
+          </p:sp>
+        </p:grpSp>
+      </p:grpSp>
+    </p:spTree>
+    <p:extLst>
+      <p:ext uri="{BB962C8B-B14F-4D97-AF65-F5344CB8AC3E}">
+        <p14:creationId xmlns:p14="http://schemas.microsoft.com/office/powerpoint/2010/main" val="3430643823"/>
+      </p:ext>
+    </p:extLst>
+  </p:cSld>
+  <p:clrMapOvr>
+    <a:masterClrMapping/>
+  </p:clrMapOvr>
+</p:sld>
+</file>
+
 <file path=ppt/theme/theme1.xml><?xml version="1.0" encoding="utf-8"?>
 <a:theme xmlns:a="http://schemas.openxmlformats.org/drawingml/2006/main" name="Office Theme">
   <a:themeElements>
@@ -11100,4 +15013,299 @@
     </a:ext>
   </a:extLst>
 </a:theme>
+</file>
+
+<file path=ppt/theme/theme2.xml><?xml version="1.0" encoding="utf-8"?>
+<a:theme xmlns:a="http://schemas.openxmlformats.org/drawingml/2006/main" name="Office Theme">
+  <a:themeElements>
+    <a:clrScheme name="Office">
+      <a:dk1>
+        <a:sysClr val="windowText" lastClr="000000"/>
+      </a:dk1>
+      <a:lt1>
+        <a:sysClr val="window" lastClr="FFFFFF"/>
+      </a:lt1>
+      <a:dk2>
+        <a:srgbClr val="44546A"/>
+      </a:dk2>
+      <a:lt2>
+        <a:srgbClr val="E7E6E6"/>
+      </a:lt2>
+      <a:accent1>
+        <a:srgbClr val="4472C4"/>
+      </a:accent1>
+      <a:accent2>
+        <a:srgbClr val="ED7D31"/>
+      </a:accent2>
+      <a:accent3>
+        <a:srgbClr val="A5A5A5"/>
+      </a:accent3>
+      <a:accent4>
+        <a:srgbClr val="FFC000"/>
+      </a:accent4>
+      <a:accent5>
+        <a:srgbClr val="5B9BD5"/>
+      </a:accent5>
+      <a:accent6>
+        <a:srgbClr val="70AD47"/>
+      </a:accent6>
+      <a:hlink>
+        <a:srgbClr val="0563C1"/>
+      </a:hlink>
+      <a:folHlink>
+        <a:srgbClr val="954F72"/>
+      </a:folHlink>
+    </a:clrScheme>
+    <a:fontScheme name="Office">
+      <a:majorFont>
+        <a:latin typeface="Calibri Light" panose="020F0302020204030204"/>
+        <a:ea typeface=""/>
+        <a:cs typeface=""/>
+        <a:font script="Jpan" typeface="游ゴシック Light"/>
+        <a:font script="Hang" typeface="맑은 고딕"/>
+        <a:font script="Hans" typeface="等线 Light"/>
+        <a:font script="Hant" typeface="新細明體"/>
+        <a:font script="Arab" typeface="Times New Roman"/>
+        <a:font script="Hebr" typeface="Times New Roman"/>
+        <a:font script="Thai" typeface="Angsana New"/>
+        <a:font script="Ethi" typeface="Nyala"/>
+        <a:font script="Beng" typeface="Vrinda"/>
+        <a:font script="Gujr" typeface="Shruti"/>
+        <a:font script="Khmr" typeface="MoolBoran"/>
+        <a:font script="Knda" typeface="Tunga"/>
+        <a:font script="Guru" typeface="Raavi"/>
+        <a:font script="Cans" typeface="Euphemia"/>
+        <a:font script="Cher" typeface="Plantagenet Cherokee"/>
+        <a:font script="Yiii" typeface="Microsoft Yi Baiti"/>
+        <a:font script="Tibt" typeface="Microsoft Himalaya"/>
+        <a:font script="Thaa" typeface="MV Boli"/>
+        <a:font script="Deva" typeface="Mangal"/>
+        <a:font script="Telu" typeface="Gautami"/>
+        <a:font script="Taml" typeface="Latha"/>
+        <a:font script="Syrc" typeface="Estrangelo Edessa"/>
+        <a:font script="Orya" typeface="Kalinga"/>
+        <a:font script="Mlym" typeface="Kartika"/>
+        <a:font script="Laoo" typeface="DokChampa"/>
+        <a:font script="Sinh" typeface="Iskoola Pota"/>
+        <a:font script="Mong" typeface="Mongolian Baiti"/>
+        <a:font script="Viet" typeface="Times New Roman"/>
+        <a:font script="Uigh" typeface="Microsoft Uighur"/>
+        <a:font script="Geor" typeface="Sylfaen"/>
+        <a:font script="Armn" typeface="Arial"/>
+        <a:font script="Bugi" typeface="Leelawadee UI"/>
+        <a:font script="Bopo" typeface="Microsoft JhengHei"/>
+        <a:font script="Java" typeface="Javanese Text"/>
+        <a:font script="Lisu" typeface="Segoe UI"/>
+        <a:font script="Mymr" typeface="Myanmar Text"/>
+        <a:font script="Nkoo" typeface="Ebrima"/>
+        <a:font script="Olck" typeface="Nirmala UI"/>
+        <a:font script="Osma" typeface="Ebrima"/>
+        <a:font script="Phag" typeface="Phagspa"/>
+        <a:font script="Syrn" typeface="Estrangelo Edessa"/>
+        <a:font script="Syrj" typeface="Estrangelo Edessa"/>
+        <a:font script="Syre" typeface="Estrangelo Edessa"/>
+        <a:font script="Sora" typeface="Nirmala UI"/>
+        <a:font script="Tale" typeface="Microsoft Tai Le"/>
+        <a:font script="Talu" typeface="Microsoft New Tai Lue"/>
+        <a:font script="Tfng" typeface="Ebrima"/>
+      </a:majorFont>
+      <a:minorFont>
+        <a:latin typeface="Calibri" panose="020F0502020204030204"/>
+        <a:ea typeface=""/>
+        <a:cs typeface=""/>
+        <a:font script="Jpan" typeface="游ゴシック"/>
+        <a:font script="Hang" typeface="맑은 고딕"/>
+        <a:font script="Hans" typeface="等线"/>
+        <a:font script="Hant" typeface="新細明體"/>
+        <a:font script="Arab" typeface="Arial"/>
+        <a:font script="Hebr" typeface="Arial"/>
+        <a:font script="Thai" typeface="Cordia New"/>
+        <a:font script="Ethi" typeface="Nyala"/>
+        <a:font script="Beng" typeface="Vrinda"/>
+        <a:font script="Gujr" typeface="Shruti"/>
+        <a:font script="Khmr" typeface="DaunPenh"/>
+        <a:font script="Knda" typeface="Tunga"/>
+        <a:font script="Guru" typeface="Raavi"/>
+        <a:font script="Cans" typeface="Euphemia"/>
+        <a:font script="Cher" typeface="Plantagenet Cherokee"/>
+        <a:font script="Yiii" typeface="Microsoft Yi Baiti"/>
+        <a:font script="Tibt" typeface="Microsoft Himalaya"/>
+        <a:font script="Thaa" typeface="MV Boli"/>
+        <a:font script="Deva" typeface="Mangal"/>
+        <a:font script="Telu" typeface="Gautami"/>
+        <a:font script="Taml" typeface="Latha"/>
+        <a:font script="Syrc" typeface="Estrangelo Edessa"/>
+        <a:font script="Orya" typeface="Kalinga"/>
+        <a:font script="Mlym" typeface="Kartika"/>
+        <a:font script="Laoo" typeface="DokChampa"/>
+        <a:font script="Sinh" typeface="Iskoola Pota"/>
+        <a:font script="Mong" typeface="Mongolian Baiti"/>
+        <a:font script="Viet" typeface="Arial"/>
+        <a:font script="Uigh" typeface="Microsoft Uighur"/>
+        <a:font script="Geor" typeface="Sylfaen"/>
+        <a:font script="Armn" typeface="Arial"/>
+        <a:font script="Bugi" typeface="Leelawadee UI"/>
+        <a:font script="Bopo" typeface="Microsoft JhengHei"/>
+        <a:font script="Java" typeface="Javanese Text"/>
+        <a:font script="Lisu" typeface="Segoe UI"/>
+        <a:font script="Mymr" typeface="Myanmar Text"/>
+        <a:font script="Nkoo" typeface="Ebrima"/>
+        <a:font script="Olck" typeface="Nirmala UI"/>
+        <a:font script="Osma" typeface="Ebrima"/>
+        <a:font script="Phag" typeface="Phagspa"/>
+        <a:font script="Syrn" typeface="Estrangelo Edessa"/>
+        <a:font script="Syrj" typeface="Estrangelo Edessa"/>
+        <a:font script="Syre" typeface="Estrangelo Edessa"/>
+        <a:font script="Sora" typeface="Nirmala UI"/>
+        <a:font script="Tale" typeface="Microsoft Tai Le"/>
+        <a:font script="Talu" typeface="Microsoft New Tai Lue"/>
+        <a:font script="Tfng" typeface="Ebrima"/>
+      </a:minorFont>
+    </a:fontScheme>
+    <a:fmtScheme name="Office">
+      <a:fillStyleLst>
+        <a:solidFill>
+          <a:schemeClr val="phClr"/>
+        </a:solidFill>
+        <a:gradFill rotWithShape="1">
+          <a:gsLst>
+            <a:gs pos="0">
+              <a:schemeClr val="phClr">
+                <a:lumMod val="110000"/>
+                <a:satMod val="105000"/>
+                <a:tint val="67000"/>
+              </a:schemeClr>
+            </a:gs>
+            <a:gs pos="50000">
+              <a:schemeClr val="phClr">
+                <a:lumMod val="105000"/>
+                <a:satMod val="103000"/>
+                <a:tint val="73000"/>
+              </a:schemeClr>
+            </a:gs>
+            <a:gs pos="100000">
+              <a:schemeClr val="phClr">
+                <a:lumMod val="105000"/>
+                <a:satMod val="109000"/>
+                <a:tint val="81000"/>
+              </a:schemeClr>
+            </a:gs>
+          </a:gsLst>
+          <a:lin ang="5400000" scaled="0"/>
+        </a:gradFill>
+        <a:gradFill rotWithShape="1">
+          <a:gsLst>
+            <a:gs pos="0">
+              <a:schemeClr val="phClr">
+                <a:satMod val="103000"/>
+                <a:lumMod val="102000"/>
+                <a:tint val="94000"/>
+              </a:schemeClr>
+            </a:gs>
+            <a:gs pos="50000">
+              <a:schemeClr val="phClr">
+                <a:satMod val="110000"/>
+                <a:lumMod val="100000"/>
+                <a:shade val="100000"/>
+              </a:schemeClr>
+            </a:gs>
+            <a:gs pos="100000">
+              <a:schemeClr val="phClr">
+                <a:lumMod val="99000"/>
+                <a:satMod val="120000"/>
+                <a:shade val="78000"/>
+              </a:schemeClr>
+            </a:gs>
+          </a:gsLst>
+          <a:lin ang="5400000" scaled="0"/>
+        </a:gradFill>
+      </a:fillStyleLst>
+      <a:lnStyleLst>
+        <a:ln w="6350" cap="flat" cmpd="sng" algn="ctr">
+          <a:solidFill>
+            <a:schemeClr val="phClr"/>
+          </a:solidFill>
+          <a:prstDash val="solid"/>
+          <a:miter lim="800000"/>
+        </a:ln>
+        <a:ln w="12700" cap="flat" cmpd="sng" algn="ctr">
+          <a:solidFill>
+            <a:schemeClr val="phClr"/>
+          </a:solidFill>
+          <a:prstDash val="solid"/>
+          <a:miter lim="800000"/>
+        </a:ln>
+        <a:ln w="19050" cap="flat" cmpd="sng" algn="ctr">
+          <a:solidFill>
+            <a:schemeClr val="phClr"/>
+          </a:solidFill>
+          <a:prstDash val="solid"/>
+          <a:miter lim="800000"/>
+        </a:ln>
+      </a:lnStyleLst>
+      <a:effectStyleLst>
+        <a:effectStyle>
+          <a:effectLst/>
+        </a:effectStyle>
+        <a:effectStyle>
+          <a:effectLst/>
+        </a:effectStyle>
+        <a:effectStyle>
+          <a:effectLst>
+            <a:outerShdw blurRad="57150" dist="19050" dir="5400000" algn="ctr" rotWithShape="0">
+              <a:srgbClr val="000000">
+                <a:alpha val="63000"/>
+              </a:srgbClr>
+            </a:outerShdw>
+          </a:effectLst>
+        </a:effectStyle>
+      </a:effectStyleLst>
+      <a:bgFillStyleLst>
+        <a:solidFill>
+          <a:schemeClr val="phClr"/>
+        </a:solidFill>
+        <a:solidFill>
+          <a:schemeClr val="phClr">
+            <a:tint val="95000"/>
+            <a:satMod val="170000"/>
+          </a:schemeClr>
+        </a:solidFill>
+        <a:gradFill rotWithShape="1">
+          <a:gsLst>
+            <a:gs pos="0">
+              <a:schemeClr val="phClr">
+                <a:tint val="93000"/>
+                <a:satMod val="150000"/>
+                <a:shade val="98000"/>
+                <a:lumMod val="102000"/>
+              </a:schemeClr>
+            </a:gs>
+            <a:gs pos="50000">
+              <a:schemeClr val="phClr">
+                <a:tint val="98000"/>
+                <a:satMod val="130000"/>
+                <a:shade val="90000"/>
+                <a:lumMod val="103000"/>
+              </a:schemeClr>
+            </a:gs>
+            <a:gs pos="100000">
+              <a:schemeClr val="phClr">
+                <a:shade val="63000"/>
+                <a:satMod val="120000"/>
+              </a:schemeClr>
+            </a:gs>
+          </a:gsLst>
+          <a:lin ang="5400000" scaled="0"/>
+        </a:gradFill>
+      </a:bgFillStyleLst>
+    </a:fmtScheme>
+  </a:themeElements>
+  <a:objectDefaults/>
+  <a:extraClrSchemeLst/>
+  <a:extLst>
+    <a:ext uri="{05A4C25C-085E-4340-85A3-A5531E510DB2}">
+      <thm15:themeFamily xmlns:thm15="http://schemas.microsoft.com/office/thememl/2012/main" name="Office Theme" id="{62F939B6-93AF-4DB8-9C6B-D6C7DFDC589F}" vid="{4A3C46E8-61CC-4603-A589-7422A47A8E4A}"/>
+    </a:ext>
+  </a:extLst>
+</a:theme>
 </file>
--- a/src/assets/graphics/PPT/post-headers.pptx
+++ b/src/assets/graphics/PPT/post-headers.pptx
@@ -5,7 +5,7 @@
     <p:sldMasterId id="2147483684" r:id="rId1"/>
   </p:sldMasterIdLst>
   <p:notesMasterIdLst>
-    <p:notesMasterId r:id="rId10"/>
+    <p:notesMasterId r:id="rId11"/>
   </p:notesMasterIdLst>
   <p:sldIdLst>
     <p:sldId id="271" r:id="rId2"/>
@@ -16,6 +16,7 @@
     <p:sldId id="278" r:id="rId7"/>
     <p:sldId id="279" r:id="rId8"/>
     <p:sldId id="280" r:id="rId9"/>
+    <p:sldId id="281" r:id="rId10"/>
   </p:sldIdLst>
   <p:sldSz cx="12252325" cy="5999163"/>
   <p:notesSz cx="6858000" cy="9144000"/>
@@ -999,7 +1000,7 @@
           <a:p>
             <a:fld id="{29350229-294D-40F8-8874-57A3CD12C834}" type="datetimeFigureOut">
               <a:rPr lang="en-US" smtClean="0"/>
-              <a:t>11/26/2020</a:t>
+              <a:t>12/2/2020</a:t>
             </a:fld>
             <a:endParaRPr lang="en-US"/>
           </a:p>
@@ -1350,6 +1351,90 @@
 </p:notes>
 </file>
 
+<file path=ppt/notesSlides/notesSlide2.xml><?xml version="1.0" encoding="utf-8"?>
+<p:notes xmlns:a="http://schemas.openxmlformats.org/drawingml/2006/main" xmlns:r="http://schemas.openxmlformats.org/officeDocument/2006/relationships" xmlns:p="http://schemas.openxmlformats.org/presentationml/2006/main">
+  <p:cSld>
+    <p:spTree>
+      <p:nvGrpSpPr>
+        <p:cNvPr id="1" name=""/>
+        <p:cNvGrpSpPr/>
+        <p:nvPr/>
+      </p:nvGrpSpPr>
+      <p:grpSpPr>
+        <a:xfrm>
+          <a:off x="0" y="0"/>
+          <a:ext cx="0" cy="0"/>
+          <a:chOff x="0" y="0"/>
+          <a:chExt cx="0" cy="0"/>
+        </a:xfrm>
+      </p:grpSpPr>
+      <p:sp>
+        <p:nvSpPr>
+          <p:cNvPr id="2" name="Slide Image Placeholder 1"/>
+          <p:cNvSpPr>
+            <a:spLocks noGrp="1" noRot="1" noChangeAspect="1"/>
+          </p:cNvSpPr>
+          <p:nvPr>
+            <p:ph type="sldImg"/>
+          </p:nvPr>
+        </p:nvSpPr>
+        <p:spPr/>
+      </p:sp>
+      <p:sp>
+        <p:nvSpPr>
+          <p:cNvPr id="3" name="Notes Placeholder 2"/>
+          <p:cNvSpPr>
+            <a:spLocks noGrp="1"/>
+          </p:cNvSpPr>
+          <p:nvPr>
+            <p:ph type="body" idx="1"/>
+          </p:nvPr>
+        </p:nvSpPr>
+        <p:spPr/>
+        <p:txBody>
+          <a:bodyPr/>
+          <a:lstStyle/>
+          <a:p>
+            <a:endParaRPr lang="en-US" dirty="0"/>
+          </a:p>
+        </p:txBody>
+      </p:sp>
+      <p:sp>
+        <p:nvSpPr>
+          <p:cNvPr id="4" name="Slide Number Placeholder 3"/>
+          <p:cNvSpPr>
+            <a:spLocks noGrp="1"/>
+          </p:cNvSpPr>
+          <p:nvPr>
+            <p:ph type="sldNum" sz="quarter" idx="5"/>
+          </p:nvPr>
+        </p:nvSpPr>
+        <p:spPr/>
+        <p:txBody>
+          <a:bodyPr/>
+          <a:lstStyle/>
+          <a:p>
+            <a:fld id="{BEB6F846-10EB-485B-A293-9D77A451E89E}" type="slidenum">
+              <a:rPr lang="en-US" smtClean="0"/>
+              <a:t>9</a:t>
+            </a:fld>
+            <a:endParaRPr lang="en-US"/>
+          </a:p>
+        </p:txBody>
+      </p:sp>
+    </p:spTree>
+    <p:extLst>
+      <p:ext uri="{BB962C8B-B14F-4D97-AF65-F5344CB8AC3E}">
+        <p14:creationId xmlns:p14="http://schemas.microsoft.com/office/powerpoint/2010/main" val="1073673029"/>
+      </p:ext>
+    </p:extLst>
+  </p:cSld>
+  <p:clrMapOvr>
+    <a:masterClrMapping/>
+  </p:clrMapOvr>
+</p:notes>
+</file>
+
 <file path=ppt/slideLayouts/slideLayout1.xml><?xml version="1.0" encoding="utf-8"?>
 <p:sldLayout xmlns:a="http://schemas.openxmlformats.org/drawingml/2006/main" xmlns:r="http://schemas.openxmlformats.org/officeDocument/2006/relationships" xmlns:p="http://schemas.openxmlformats.org/presentationml/2006/main" type="title" preserve="1">
   <p:cSld name="Title Slide">
@@ -1481,7 +1566,7 @@
           <a:p>
             <a:fld id="{188B2B68-3432-42CC-A797-1383801DFB53}" type="datetimeFigureOut">
               <a:rPr lang="en-US" smtClean="0"/>
-              <a:t>11/26/2020</a:t>
+              <a:t>12/2/2020</a:t>
             </a:fld>
             <a:endParaRPr lang="en-US"/>
           </a:p>
@@ -1651,7 +1736,7 @@
           <a:p>
             <a:fld id="{188B2B68-3432-42CC-A797-1383801DFB53}" type="datetimeFigureOut">
               <a:rPr lang="en-US" smtClean="0"/>
-              <a:t>11/26/2020</a:t>
+              <a:t>12/2/2020</a:t>
             </a:fld>
             <a:endParaRPr lang="en-US"/>
           </a:p>
@@ -1831,7 +1916,7 @@
           <a:p>
             <a:fld id="{188B2B68-3432-42CC-A797-1383801DFB53}" type="datetimeFigureOut">
               <a:rPr lang="en-US" smtClean="0"/>
-              <a:t>11/26/2020</a:t>
+              <a:t>12/2/2020</a:t>
             </a:fld>
             <a:endParaRPr lang="en-US"/>
           </a:p>
@@ -2001,7 +2086,7 @@
           <a:p>
             <a:fld id="{188B2B68-3432-42CC-A797-1383801DFB53}" type="datetimeFigureOut">
               <a:rPr lang="en-US" smtClean="0"/>
-              <a:t>11/26/2020</a:t>
+              <a:t>12/2/2020</a:t>
             </a:fld>
             <a:endParaRPr lang="en-US"/>
           </a:p>
@@ -2247,7 +2332,7 @@
           <a:p>
             <a:fld id="{188B2B68-3432-42CC-A797-1383801DFB53}" type="datetimeFigureOut">
               <a:rPr lang="en-US" smtClean="0"/>
-              <a:t>11/26/2020</a:t>
+              <a:t>12/2/2020</a:t>
             </a:fld>
             <a:endParaRPr lang="en-US"/>
           </a:p>
@@ -2479,7 +2564,7 @@
           <a:p>
             <a:fld id="{188B2B68-3432-42CC-A797-1383801DFB53}" type="datetimeFigureOut">
               <a:rPr lang="en-US" smtClean="0"/>
-              <a:t>11/26/2020</a:t>
+              <a:t>12/2/2020</a:t>
             </a:fld>
             <a:endParaRPr lang="en-US"/>
           </a:p>
@@ -2846,7 +2931,7 @@
           <a:p>
             <a:fld id="{188B2B68-3432-42CC-A797-1383801DFB53}" type="datetimeFigureOut">
               <a:rPr lang="en-US" smtClean="0"/>
-              <a:t>11/26/2020</a:t>
+              <a:t>12/2/2020</a:t>
             </a:fld>
             <a:endParaRPr lang="en-US"/>
           </a:p>
@@ -2964,7 +3049,7 @@
           <a:p>
             <a:fld id="{188B2B68-3432-42CC-A797-1383801DFB53}" type="datetimeFigureOut">
               <a:rPr lang="en-US" smtClean="0"/>
-              <a:t>11/26/2020</a:t>
+              <a:t>12/2/2020</a:t>
             </a:fld>
             <a:endParaRPr lang="en-US"/>
           </a:p>
@@ -3059,7 +3144,7 @@
           <a:p>
             <a:fld id="{188B2B68-3432-42CC-A797-1383801DFB53}" type="datetimeFigureOut">
               <a:rPr lang="en-US" smtClean="0"/>
-              <a:t>11/26/2020</a:t>
+              <a:t>12/2/2020</a:t>
             </a:fld>
             <a:endParaRPr lang="en-US"/>
           </a:p>
@@ -3336,7 +3421,7 @@
           <a:p>
             <a:fld id="{188B2B68-3432-42CC-A797-1383801DFB53}" type="datetimeFigureOut">
               <a:rPr lang="en-US" smtClean="0"/>
-              <a:t>11/26/2020</a:t>
+              <a:t>12/2/2020</a:t>
             </a:fld>
             <a:endParaRPr lang="en-US"/>
           </a:p>
@@ -3593,7 +3678,7 @@
           <a:p>
             <a:fld id="{188B2B68-3432-42CC-A797-1383801DFB53}" type="datetimeFigureOut">
               <a:rPr lang="en-US" smtClean="0"/>
-              <a:t>11/26/2020</a:t>
+              <a:t>12/2/2020</a:t>
             </a:fld>
             <a:endParaRPr lang="en-US"/>
           </a:p>
@@ -3806,7 +3891,7 @@
           <a:p>
             <a:fld id="{188B2B68-3432-42CC-A797-1383801DFB53}" type="datetimeFigureOut">
               <a:rPr lang="en-US" smtClean="0"/>
-              <a:t>11/26/2020</a:t>
+              <a:t>12/2/2020</a:t>
             </a:fld>
             <a:endParaRPr lang="en-US"/>
           </a:p>
@@ -14754,6 +14839,385 @@
 </p:sld>
 </file>
 
+<file path=ppt/slides/slide9.xml><?xml version="1.0" encoding="utf-8"?>
+<p:sld xmlns:a="http://schemas.openxmlformats.org/drawingml/2006/main" xmlns:r="http://schemas.openxmlformats.org/officeDocument/2006/relationships" xmlns:p="http://schemas.openxmlformats.org/presentationml/2006/main">
+  <p:cSld>
+    <p:spTree>
+      <p:nvGrpSpPr>
+        <p:cNvPr id="1" name=""/>
+        <p:cNvGrpSpPr/>
+        <p:nvPr/>
+      </p:nvGrpSpPr>
+      <p:grpSpPr>
+        <a:xfrm>
+          <a:off x="0" y="0"/>
+          <a:ext cx="0" cy="0"/>
+          <a:chOff x="0" y="0"/>
+          <a:chExt cx="0" cy="0"/>
+        </a:xfrm>
+      </p:grpSpPr>
+      <p:grpSp>
+        <p:nvGrpSpPr>
+          <p:cNvPr id="7" name="Group 6">
+            <a:extLst>
+              <a:ext uri="{FF2B5EF4-FFF2-40B4-BE49-F238E27FC236}">
+                <a16:creationId xmlns:a16="http://schemas.microsoft.com/office/drawing/2014/main" id="{ACE4EE6F-D974-49F2-81AD-5BA8B418CC54}"/>
+              </a:ext>
+            </a:extLst>
+          </p:cNvPr>
+          <p:cNvGrpSpPr/>
+          <p:nvPr/>
+        </p:nvGrpSpPr>
+        <p:grpSpPr>
+          <a:xfrm>
+            <a:off x="0" y="-1"/>
+            <a:ext cx="12252325" cy="5999164"/>
+            <a:chOff x="0" y="-1"/>
+            <a:chExt cx="12252325" cy="5999164"/>
+          </a:xfrm>
+        </p:grpSpPr>
+        <p:sp>
+          <p:nvSpPr>
+            <p:cNvPr id="6" name="Rectangle 5">
+              <a:extLst>
+                <a:ext uri="{FF2B5EF4-FFF2-40B4-BE49-F238E27FC236}">
+                  <a16:creationId xmlns:a16="http://schemas.microsoft.com/office/drawing/2014/main" id="{408CE907-8F00-46EE-A041-D5F0813C32E4}"/>
+                </a:ext>
+              </a:extLst>
+            </p:cNvPr>
+            <p:cNvSpPr/>
+            <p:nvPr/>
+          </p:nvSpPr>
+          <p:spPr>
+            <a:xfrm>
+              <a:off x="0" y="0"/>
+              <a:ext cx="12252325" cy="5999163"/>
+            </a:xfrm>
+            <a:prstGeom prst="rect">
+              <a:avLst/>
+            </a:prstGeom>
+            <a:solidFill>
+              <a:srgbClr val="193549"/>
+            </a:solidFill>
+          </p:spPr>
+          <p:style>
+            <a:lnRef idx="2">
+              <a:schemeClr val="accent1">
+                <a:shade val="50000"/>
+              </a:schemeClr>
+            </a:lnRef>
+            <a:fillRef idx="1">
+              <a:schemeClr val="accent1"/>
+            </a:fillRef>
+            <a:effectRef idx="0">
+              <a:schemeClr val="accent1"/>
+            </a:effectRef>
+            <a:fontRef idx="minor">
+              <a:schemeClr val="lt1"/>
+            </a:fontRef>
+          </p:style>
+          <p:txBody>
+            <a:bodyPr rtlCol="0" anchor="ctr"/>
+            <a:lstStyle/>
+            <a:p>
+              <a:pPr algn="ctr"/>
+              <a:endParaRPr lang="en-US"/>
+            </a:p>
+          </p:txBody>
+        </p:sp>
+        <p:pic>
+          <p:nvPicPr>
+            <p:cNvPr id="5" name="Picture 4">
+              <a:extLst>
+                <a:ext uri="{FF2B5EF4-FFF2-40B4-BE49-F238E27FC236}">
+                  <a16:creationId xmlns:a16="http://schemas.microsoft.com/office/drawing/2014/main" id="{6927C147-43EF-40AF-A25B-30D889DD3C42}"/>
+                </a:ext>
+              </a:extLst>
+            </p:cNvPr>
+            <p:cNvPicPr>
+              <a:picLocks noChangeAspect="1"/>
+            </p:cNvPicPr>
+            <p:nvPr/>
+          </p:nvPicPr>
+          <p:blipFill>
+            <a:blip r:embed="rId3"/>
+            <a:stretch>
+              <a:fillRect/>
+            </a:stretch>
+          </p:blipFill>
+          <p:spPr>
+            <a:xfrm>
+              <a:off x="0" y="-1"/>
+              <a:ext cx="6270419" cy="5999163"/>
+            </a:xfrm>
+            <a:prstGeom prst="rect">
+              <a:avLst/>
+            </a:prstGeom>
+          </p:spPr>
+        </p:pic>
+      </p:grpSp>
+      <p:sp>
+        <p:nvSpPr>
+          <p:cNvPr id="8" name="Parallelogram 7">
+            <a:extLst>
+              <a:ext uri="{FF2B5EF4-FFF2-40B4-BE49-F238E27FC236}">
+                <a16:creationId xmlns:a16="http://schemas.microsoft.com/office/drawing/2014/main" id="{0F11A9E6-9EEF-47FD-BD19-17E9D4A0F01D}"/>
+              </a:ext>
+            </a:extLst>
+          </p:cNvPr>
+          <p:cNvSpPr/>
+          <p:nvPr/>
+        </p:nvSpPr>
+        <p:spPr>
+          <a:xfrm>
+            <a:off x="3848100" y="-2"/>
+            <a:ext cx="9982200" cy="5999164"/>
+          </a:xfrm>
+          <a:prstGeom prst="parallelogram">
+            <a:avLst/>
+          </a:prstGeom>
+          <a:solidFill>
+            <a:srgbClr val="0070C0">
+              <a:alpha val="60000"/>
+            </a:srgbClr>
+          </a:solidFill>
+          <a:ln>
+            <a:noFill/>
+          </a:ln>
+          <a:effectLst>
+            <a:outerShdw blurRad="508000" dist="38100" dir="10800000" algn="r" rotWithShape="0">
+              <a:prstClr val="black">
+                <a:alpha val="40000"/>
+              </a:prstClr>
+            </a:outerShdw>
+          </a:effectLst>
+        </p:spPr>
+        <p:style>
+          <a:lnRef idx="2">
+            <a:schemeClr val="accent1">
+              <a:shade val="50000"/>
+            </a:schemeClr>
+          </a:lnRef>
+          <a:fillRef idx="1">
+            <a:schemeClr val="accent1"/>
+          </a:fillRef>
+          <a:effectRef idx="0">
+            <a:schemeClr val="accent1"/>
+          </a:effectRef>
+          <a:fontRef idx="minor">
+            <a:schemeClr val="lt1"/>
+          </a:fontRef>
+        </p:style>
+        <p:txBody>
+          <a:bodyPr rtlCol="0" anchor="ctr"/>
+          <a:lstStyle/>
+          <a:p>
+            <a:pPr algn="ctr"/>
+            <a:endParaRPr lang="en-US"/>
+          </a:p>
+        </p:txBody>
+      </p:sp>
+      <p:sp>
+        <p:nvSpPr>
+          <p:cNvPr id="20" name="Rectangle: Rounded Corners 19">
+            <a:extLst>
+              <a:ext uri="{FF2B5EF4-FFF2-40B4-BE49-F238E27FC236}">
+                <a16:creationId xmlns:a16="http://schemas.microsoft.com/office/drawing/2014/main" id="{415DF41C-9D16-4B88-8DD6-D036ACF17623}"/>
+              </a:ext>
+            </a:extLst>
+          </p:cNvPr>
+          <p:cNvSpPr/>
+          <p:nvPr/>
+        </p:nvSpPr>
+        <p:spPr>
+          <a:xfrm>
+            <a:off x="6434051" y="1221971"/>
+            <a:ext cx="3624350" cy="3591098"/>
+          </a:xfrm>
+          <a:prstGeom prst="roundRect">
+            <a:avLst>
+              <a:gd name="adj" fmla="val 11306"/>
+            </a:avLst>
+          </a:prstGeom>
+          <a:solidFill>
+            <a:srgbClr val="193549"/>
+          </a:solidFill>
+          <a:ln>
+            <a:noFill/>
+          </a:ln>
+        </p:spPr>
+        <p:style>
+          <a:lnRef idx="2">
+            <a:schemeClr val="accent1">
+              <a:shade val="50000"/>
+            </a:schemeClr>
+          </a:lnRef>
+          <a:fillRef idx="1">
+            <a:schemeClr val="accent1"/>
+          </a:fillRef>
+          <a:effectRef idx="0">
+            <a:schemeClr val="accent1"/>
+          </a:effectRef>
+          <a:fontRef idx="minor">
+            <a:schemeClr val="lt1"/>
+          </a:fontRef>
+        </p:style>
+        <p:txBody>
+          <a:bodyPr rtlCol="0" anchor="ctr"/>
+          <a:lstStyle/>
+          <a:p>
+            <a:pPr algn="ctr"/>
+            <a:endParaRPr lang="en-US"/>
+          </a:p>
+        </p:txBody>
+      </p:sp>
+      <p:pic>
+        <p:nvPicPr>
+          <p:cNvPr id="11" name="Picture 10">
+            <a:extLst>
+              <a:ext uri="{FF2B5EF4-FFF2-40B4-BE49-F238E27FC236}">
+                <a16:creationId xmlns:a16="http://schemas.microsoft.com/office/drawing/2014/main" id="{4DBB96D7-2B1E-4FB7-A304-C7F98FF4377E}"/>
+              </a:ext>
+            </a:extLst>
+          </p:cNvPr>
+          <p:cNvPicPr>
+            <a:picLocks noChangeAspect="1"/>
+          </p:cNvPicPr>
+          <p:nvPr/>
+        </p:nvPicPr>
+        <p:blipFill>
+          <a:blip r:embed="rId4"/>
+          <a:stretch>
+            <a:fillRect/>
+          </a:stretch>
+        </p:blipFill>
+        <p:spPr>
+          <a:xfrm>
+            <a:off x="4760912" y="69786"/>
+            <a:ext cx="7402513" cy="5929376"/>
+          </a:xfrm>
+          <a:prstGeom prst="rect">
+            <a:avLst/>
+          </a:prstGeom>
+          <a:effectLst>
+            <a:outerShdw blurRad="50800" dist="38100" dir="2700000" algn="tl" rotWithShape="0">
+              <a:prstClr val="black">
+                <a:alpha val="40000"/>
+              </a:prstClr>
+            </a:outerShdw>
+          </a:effectLst>
+        </p:spPr>
+      </p:pic>
+      <p:sp>
+        <p:nvSpPr>
+          <p:cNvPr id="66" name="TextBox 65">
+            <a:extLst>
+              <a:ext uri="{FF2B5EF4-FFF2-40B4-BE49-F238E27FC236}">
+                <a16:creationId xmlns:a16="http://schemas.microsoft.com/office/drawing/2014/main" id="{D6EC8A1E-3221-43C9-806F-00E49AEBD90A}"/>
+              </a:ext>
+            </a:extLst>
+          </p:cNvPr>
+          <p:cNvSpPr txBox="1"/>
+          <p:nvPr/>
+        </p:nvSpPr>
+        <p:spPr>
+          <a:xfrm>
+            <a:off x="6943725" y="1850849"/>
+            <a:ext cx="2702513" cy="2022670"/>
+          </a:xfrm>
+          <a:prstGeom prst="rect">
+            <a:avLst/>
+          </a:prstGeom>
+          <a:noFill/>
+          <a:effectLst>
+            <a:outerShdw blurRad="50800" dist="38100" dir="2700000" algn="tl" rotWithShape="0">
+              <a:prstClr val="black">
+                <a:alpha val="40000"/>
+              </a:prstClr>
+            </a:outerShdw>
+          </a:effectLst>
+        </p:spPr>
+        <p:txBody>
+          <a:bodyPr wrap="square">
+            <a:spAutoFit/>
+          </a:bodyPr>
+          <a:lstStyle/>
+          <a:p>
+            <a:pPr>
+              <a:lnSpc>
+                <a:spcPct val="200000"/>
+              </a:lnSpc>
+            </a:pPr>
+            <a:r>
+              <a:rPr lang="en-US" sz="2200" b="1" i="0" dirty="0">
+                <a:solidFill>
+                  <a:schemeClr val="bg1"/>
+                </a:solidFill>
+                <a:effectLst/>
+                <a:latin typeface="Cascadia Code" pitchFamily="1" charset="0"/>
+                <a:cs typeface="Cascadia Code" pitchFamily="1" charset="0"/>
+              </a:rPr>
+              <a:t>Exploring Azure Schema Registry with</a:t>
+            </a:r>
+          </a:p>
+        </p:txBody>
+      </p:sp>
+      <p:pic>
+        <p:nvPicPr>
+          <p:cNvPr id="19" name="Picture 18" descr="Logo, company name&#10;&#10;Description automatically generated">
+            <a:extLst>
+              <a:ext uri="{FF2B5EF4-FFF2-40B4-BE49-F238E27FC236}">
+                <a16:creationId xmlns:a16="http://schemas.microsoft.com/office/drawing/2014/main" id="{43E19555-228F-4EEE-B521-D4D7EE1329DE}"/>
+              </a:ext>
+            </a:extLst>
+          </p:cNvPr>
+          <p:cNvPicPr>
+            <a:picLocks noChangeAspect="1"/>
+          </p:cNvPicPr>
+          <p:nvPr/>
+        </p:nvPicPr>
+        <p:blipFill>
+          <a:blip r:embed="rId5">
+            <a:extLst>
+              <a:ext uri="{28A0092B-C50C-407E-A947-70E740481C1C}">
+                <a14:useLocalDpi xmlns:a14="http://schemas.microsoft.com/office/drawing/2010/main" val="0"/>
+              </a:ext>
+            </a:extLst>
+          </a:blip>
+          <a:stretch>
+            <a:fillRect/>
+          </a:stretch>
+        </p:blipFill>
+        <p:spPr>
+          <a:xfrm>
+            <a:off x="7769732" y="3246361"/>
+            <a:ext cx="1061387" cy="570008"/>
+          </a:xfrm>
+          <a:prstGeom prst="rect">
+            <a:avLst/>
+          </a:prstGeom>
+          <a:effectLst>
+            <a:outerShdw blurRad="50800" dist="38100" dir="2700000" algn="tl" rotWithShape="0">
+              <a:prstClr val="black">
+                <a:alpha val="40000"/>
+              </a:prstClr>
+            </a:outerShdw>
+          </a:effectLst>
+        </p:spPr>
+      </p:pic>
+    </p:spTree>
+    <p:extLst>
+      <p:ext uri="{BB962C8B-B14F-4D97-AF65-F5344CB8AC3E}">
+        <p14:creationId xmlns:p14="http://schemas.microsoft.com/office/powerpoint/2010/main" val="3910760916"/>
+      </p:ext>
+    </p:extLst>
+  </p:cSld>
+  <p:clrMapOvr>
+    <a:masterClrMapping/>
+  </p:clrMapOvr>
+</p:sld>
+</file>
+
 <file path=ppt/theme/theme1.xml><?xml version="1.0" encoding="utf-8"?>
 <a:theme xmlns:a="http://schemas.openxmlformats.org/drawingml/2006/main" name="Office Theme">
   <a:themeElements>

--- a/src/assets/graphics/PPT/post-headers.pptx
+++ b/src/assets/graphics/PPT/post-headers.pptx
@@ -5,7 +5,7 @@
     <p:sldMasterId id="2147483684" r:id="rId1"/>
   </p:sldMasterIdLst>
   <p:notesMasterIdLst>
-    <p:notesMasterId r:id="rId11"/>
+    <p:notesMasterId r:id="rId14"/>
   </p:notesMasterIdLst>
   <p:sldIdLst>
     <p:sldId id="271" r:id="rId2"/>
@@ -17,6 +17,9 @@
     <p:sldId id="279" r:id="rId8"/>
     <p:sldId id="280" r:id="rId9"/>
     <p:sldId id="281" r:id="rId10"/>
+    <p:sldId id="282" r:id="rId11"/>
+    <p:sldId id="284" r:id="rId12"/>
+    <p:sldId id="285" r:id="rId13"/>
   </p:sldIdLst>
   <p:sldSz cx="12252325" cy="5999163"/>
   <p:notesSz cx="6858000" cy="9144000"/>
@@ -1000,7 +1003,7 @@
           <a:p>
             <a:fld id="{29350229-294D-40F8-8874-57A3CD12C834}" type="datetimeFigureOut">
               <a:rPr lang="en-US" smtClean="0"/>
-              <a:t>12/2/2020</a:t>
+              <a:t>12/24/2020</a:t>
             </a:fld>
             <a:endParaRPr lang="en-US"/>
           </a:p>
@@ -1435,6 +1438,258 @@
 </p:notes>
 </file>
 
+<file path=ppt/notesSlides/notesSlide3.xml><?xml version="1.0" encoding="utf-8"?>
+<p:notes xmlns:a="http://schemas.openxmlformats.org/drawingml/2006/main" xmlns:r="http://schemas.openxmlformats.org/officeDocument/2006/relationships" xmlns:p="http://schemas.openxmlformats.org/presentationml/2006/main">
+  <p:cSld>
+    <p:spTree>
+      <p:nvGrpSpPr>
+        <p:cNvPr id="1" name=""/>
+        <p:cNvGrpSpPr/>
+        <p:nvPr/>
+      </p:nvGrpSpPr>
+      <p:grpSpPr>
+        <a:xfrm>
+          <a:off x="0" y="0"/>
+          <a:ext cx="0" cy="0"/>
+          <a:chOff x="0" y="0"/>
+          <a:chExt cx="0" cy="0"/>
+        </a:xfrm>
+      </p:grpSpPr>
+      <p:sp>
+        <p:nvSpPr>
+          <p:cNvPr id="2" name="Slide Image Placeholder 1"/>
+          <p:cNvSpPr>
+            <a:spLocks noGrp="1" noRot="1" noChangeAspect="1"/>
+          </p:cNvSpPr>
+          <p:nvPr>
+            <p:ph type="sldImg"/>
+          </p:nvPr>
+        </p:nvSpPr>
+        <p:spPr/>
+      </p:sp>
+      <p:sp>
+        <p:nvSpPr>
+          <p:cNvPr id="3" name="Notes Placeholder 2"/>
+          <p:cNvSpPr>
+            <a:spLocks noGrp="1"/>
+          </p:cNvSpPr>
+          <p:nvPr>
+            <p:ph type="body" idx="1"/>
+          </p:nvPr>
+        </p:nvSpPr>
+        <p:spPr/>
+        <p:txBody>
+          <a:bodyPr/>
+          <a:lstStyle/>
+          <a:p>
+            <a:endParaRPr lang="en-US" dirty="0"/>
+          </a:p>
+        </p:txBody>
+      </p:sp>
+      <p:sp>
+        <p:nvSpPr>
+          <p:cNvPr id="4" name="Slide Number Placeholder 3"/>
+          <p:cNvSpPr>
+            <a:spLocks noGrp="1"/>
+          </p:cNvSpPr>
+          <p:nvPr>
+            <p:ph type="sldNum" sz="quarter" idx="5"/>
+          </p:nvPr>
+        </p:nvSpPr>
+        <p:spPr/>
+        <p:txBody>
+          <a:bodyPr/>
+          <a:lstStyle/>
+          <a:p>
+            <a:fld id="{BEB6F846-10EB-485B-A293-9D77A451E89E}" type="slidenum">
+              <a:rPr lang="en-US" smtClean="0"/>
+              <a:t>10</a:t>
+            </a:fld>
+            <a:endParaRPr lang="en-US"/>
+          </a:p>
+        </p:txBody>
+      </p:sp>
+    </p:spTree>
+    <p:extLst>
+      <p:ext uri="{BB962C8B-B14F-4D97-AF65-F5344CB8AC3E}">
+        <p14:creationId xmlns:p14="http://schemas.microsoft.com/office/powerpoint/2010/main" val="405843098"/>
+      </p:ext>
+    </p:extLst>
+  </p:cSld>
+  <p:clrMapOvr>
+    <a:masterClrMapping/>
+  </p:clrMapOvr>
+</p:notes>
+</file>
+
+<file path=ppt/notesSlides/notesSlide4.xml><?xml version="1.0" encoding="utf-8"?>
+<p:notes xmlns:a="http://schemas.openxmlformats.org/drawingml/2006/main" xmlns:r="http://schemas.openxmlformats.org/officeDocument/2006/relationships" xmlns:p="http://schemas.openxmlformats.org/presentationml/2006/main">
+  <p:cSld>
+    <p:spTree>
+      <p:nvGrpSpPr>
+        <p:cNvPr id="1" name=""/>
+        <p:cNvGrpSpPr/>
+        <p:nvPr/>
+      </p:nvGrpSpPr>
+      <p:grpSpPr>
+        <a:xfrm>
+          <a:off x="0" y="0"/>
+          <a:ext cx="0" cy="0"/>
+          <a:chOff x="0" y="0"/>
+          <a:chExt cx="0" cy="0"/>
+        </a:xfrm>
+      </p:grpSpPr>
+      <p:sp>
+        <p:nvSpPr>
+          <p:cNvPr id="2" name="Slide Image Placeholder 1"/>
+          <p:cNvSpPr>
+            <a:spLocks noGrp="1" noRot="1" noChangeAspect="1"/>
+          </p:cNvSpPr>
+          <p:nvPr>
+            <p:ph type="sldImg"/>
+          </p:nvPr>
+        </p:nvSpPr>
+        <p:spPr/>
+      </p:sp>
+      <p:sp>
+        <p:nvSpPr>
+          <p:cNvPr id="3" name="Notes Placeholder 2"/>
+          <p:cNvSpPr>
+            <a:spLocks noGrp="1"/>
+          </p:cNvSpPr>
+          <p:nvPr>
+            <p:ph type="body" idx="1"/>
+          </p:nvPr>
+        </p:nvSpPr>
+        <p:spPr/>
+        <p:txBody>
+          <a:bodyPr/>
+          <a:lstStyle/>
+          <a:p>
+            <a:endParaRPr lang="en-US" dirty="0"/>
+          </a:p>
+        </p:txBody>
+      </p:sp>
+      <p:sp>
+        <p:nvSpPr>
+          <p:cNvPr id="4" name="Slide Number Placeholder 3"/>
+          <p:cNvSpPr>
+            <a:spLocks noGrp="1"/>
+          </p:cNvSpPr>
+          <p:nvPr>
+            <p:ph type="sldNum" sz="quarter" idx="5"/>
+          </p:nvPr>
+        </p:nvSpPr>
+        <p:spPr/>
+        <p:txBody>
+          <a:bodyPr/>
+          <a:lstStyle/>
+          <a:p>
+            <a:fld id="{BEB6F846-10EB-485B-A293-9D77A451E89E}" type="slidenum">
+              <a:rPr lang="en-US" smtClean="0"/>
+              <a:t>11</a:t>
+            </a:fld>
+            <a:endParaRPr lang="en-US"/>
+          </a:p>
+        </p:txBody>
+      </p:sp>
+    </p:spTree>
+    <p:extLst>
+      <p:ext uri="{BB962C8B-B14F-4D97-AF65-F5344CB8AC3E}">
+        <p14:creationId xmlns:p14="http://schemas.microsoft.com/office/powerpoint/2010/main" val="1840327670"/>
+      </p:ext>
+    </p:extLst>
+  </p:cSld>
+  <p:clrMapOvr>
+    <a:masterClrMapping/>
+  </p:clrMapOvr>
+</p:notes>
+</file>
+
+<file path=ppt/notesSlides/notesSlide5.xml><?xml version="1.0" encoding="utf-8"?>
+<p:notes xmlns:a="http://schemas.openxmlformats.org/drawingml/2006/main" xmlns:r="http://schemas.openxmlformats.org/officeDocument/2006/relationships" xmlns:p="http://schemas.openxmlformats.org/presentationml/2006/main">
+  <p:cSld>
+    <p:spTree>
+      <p:nvGrpSpPr>
+        <p:cNvPr id="1" name=""/>
+        <p:cNvGrpSpPr/>
+        <p:nvPr/>
+      </p:nvGrpSpPr>
+      <p:grpSpPr>
+        <a:xfrm>
+          <a:off x="0" y="0"/>
+          <a:ext cx="0" cy="0"/>
+          <a:chOff x="0" y="0"/>
+          <a:chExt cx="0" cy="0"/>
+        </a:xfrm>
+      </p:grpSpPr>
+      <p:sp>
+        <p:nvSpPr>
+          <p:cNvPr id="2" name="Slide Image Placeholder 1"/>
+          <p:cNvSpPr>
+            <a:spLocks noGrp="1" noRot="1" noChangeAspect="1"/>
+          </p:cNvSpPr>
+          <p:nvPr>
+            <p:ph type="sldImg"/>
+          </p:nvPr>
+        </p:nvSpPr>
+        <p:spPr/>
+      </p:sp>
+      <p:sp>
+        <p:nvSpPr>
+          <p:cNvPr id="3" name="Notes Placeholder 2"/>
+          <p:cNvSpPr>
+            <a:spLocks noGrp="1"/>
+          </p:cNvSpPr>
+          <p:nvPr>
+            <p:ph type="body" idx="1"/>
+          </p:nvPr>
+        </p:nvSpPr>
+        <p:spPr/>
+        <p:txBody>
+          <a:bodyPr/>
+          <a:lstStyle/>
+          <a:p>
+            <a:endParaRPr lang="en-US" dirty="0"/>
+          </a:p>
+        </p:txBody>
+      </p:sp>
+      <p:sp>
+        <p:nvSpPr>
+          <p:cNvPr id="4" name="Slide Number Placeholder 3"/>
+          <p:cNvSpPr>
+            <a:spLocks noGrp="1"/>
+          </p:cNvSpPr>
+          <p:nvPr>
+            <p:ph type="sldNum" sz="quarter" idx="5"/>
+          </p:nvPr>
+        </p:nvSpPr>
+        <p:spPr/>
+        <p:txBody>
+          <a:bodyPr/>
+          <a:lstStyle/>
+          <a:p>
+            <a:fld id="{BEB6F846-10EB-485B-A293-9D77A451E89E}" type="slidenum">
+              <a:rPr lang="en-US" smtClean="0"/>
+              <a:t>12</a:t>
+            </a:fld>
+            <a:endParaRPr lang="en-US"/>
+          </a:p>
+        </p:txBody>
+      </p:sp>
+    </p:spTree>
+    <p:extLst>
+      <p:ext uri="{BB962C8B-B14F-4D97-AF65-F5344CB8AC3E}">
+        <p14:creationId xmlns:p14="http://schemas.microsoft.com/office/powerpoint/2010/main" val="3397779049"/>
+      </p:ext>
+    </p:extLst>
+  </p:cSld>
+  <p:clrMapOvr>
+    <a:masterClrMapping/>
+  </p:clrMapOvr>
+</p:notes>
+</file>
+
 <file path=ppt/slideLayouts/slideLayout1.xml><?xml version="1.0" encoding="utf-8"?>
 <p:sldLayout xmlns:a="http://schemas.openxmlformats.org/drawingml/2006/main" xmlns:r="http://schemas.openxmlformats.org/officeDocument/2006/relationships" xmlns:p="http://schemas.openxmlformats.org/presentationml/2006/main" type="title" preserve="1">
   <p:cSld name="Title Slide">
@@ -1566,7 +1821,7 @@
           <a:p>
             <a:fld id="{188B2B68-3432-42CC-A797-1383801DFB53}" type="datetimeFigureOut">
               <a:rPr lang="en-US" smtClean="0"/>
-              <a:t>12/2/2020</a:t>
+              <a:t>12/24/2020</a:t>
             </a:fld>
             <a:endParaRPr lang="en-US"/>
           </a:p>
@@ -1736,7 +1991,7 @@
           <a:p>
             <a:fld id="{188B2B68-3432-42CC-A797-1383801DFB53}" type="datetimeFigureOut">
               <a:rPr lang="en-US" smtClean="0"/>
-              <a:t>12/2/2020</a:t>
+              <a:t>12/24/2020</a:t>
             </a:fld>
             <a:endParaRPr lang="en-US"/>
           </a:p>
@@ -1916,7 +2171,7 @@
           <a:p>
             <a:fld id="{188B2B68-3432-42CC-A797-1383801DFB53}" type="datetimeFigureOut">
               <a:rPr lang="en-US" smtClean="0"/>
-              <a:t>12/2/2020</a:t>
+              <a:t>12/24/2020</a:t>
             </a:fld>
             <a:endParaRPr lang="en-US"/>
           </a:p>
@@ -2086,7 +2341,7 @@
           <a:p>
             <a:fld id="{188B2B68-3432-42CC-A797-1383801DFB53}" type="datetimeFigureOut">
               <a:rPr lang="en-US" smtClean="0"/>
-              <a:t>12/2/2020</a:t>
+              <a:t>12/24/2020</a:t>
             </a:fld>
             <a:endParaRPr lang="en-US"/>
           </a:p>
@@ -2332,7 +2587,7 @@
           <a:p>
             <a:fld id="{188B2B68-3432-42CC-A797-1383801DFB53}" type="datetimeFigureOut">
               <a:rPr lang="en-US" smtClean="0"/>
-              <a:t>12/2/2020</a:t>
+              <a:t>12/24/2020</a:t>
             </a:fld>
             <a:endParaRPr lang="en-US"/>
           </a:p>
@@ -2564,7 +2819,7 @@
           <a:p>
             <a:fld id="{188B2B68-3432-42CC-A797-1383801DFB53}" type="datetimeFigureOut">
               <a:rPr lang="en-US" smtClean="0"/>
-              <a:t>12/2/2020</a:t>
+              <a:t>12/24/2020</a:t>
             </a:fld>
             <a:endParaRPr lang="en-US"/>
           </a:p>
@@ -2931,7 +3186,7 @@
           <a:p>
             <a:fld id="{188B2B68-3432-42CC-A797-1383801DFB53}" type="datetimeFigureOut">
               <a:rPr lang="en-US" smtClean="0"/>
-              <a:t>12/2/2020</a:t>
+              <a:t>12/24/2020</a:t>
             </a:fld>
             <a:endParaRPr lang="en-US"/>
           </a:p>
@@ -3049,7 +3304,7 @@
           <a:p>
             <a:fld id="{188B2B68-3432-42CC-A797-1383801DFB53}" type="datetimeFigureOut">
               <a:rPr lang="en-US" smtClean="0"/>
-              <a:t>12/2/2020</a:t>
+              <a:t>12/24/2020</a:t>
             </a:fld>
             <a:endParaRPr lang="en-US"/>
           </a:p>
@@ -3144,7 +3399,7 @@
           <a:p>
             <a:fld id="{188B2B68-3432-42CC-A797-1383801DFB53}" type="datetimeFigureOut">
               <a:rPr lang="en-US" smtClean="0"/>
-              <a:t>12/2/2020</a:t>
+              <a:t>12/24/2020</a:t>
             </a:fld>
             <a:endParaRPr lang="en-US"/>
           </a:p>
@@ -3421,7 +3676,7 @@
           <a:p>
             <a:fld id="{188B2B68-3432-42CC-A797-1383801DFB53}" type="datetimeFigureOut">
               <a:rPr lang="en-US" smtClean="0"/>
-              <a:t>12/2/2020</a:t>
+              <a:t>12/24/2020</a:t>
             </a:fld>
             <a:endParaRPr lang="en-US"/>
           </a:p>
@@ -3678,7 +3933,7 @@
           <a:p>
             <a:fld id="{188B2B68-3432-42CC-A797-1383801DFB53}" type="datetimeFigureOut">
               <a:rPr lang="en-US" smtClean="0"/>
-              <a:t>12/2/2020</a:t>
+              <a:t>12/24/2020</a:t>
             </a:fld>
             <a:endParaRPr lang="en-US"/>
           </a:p>
@@ -3891,7 +4146,7 @@
           <a:p>
             <a:fld id="{188B2B68-3432-42CC-A797-1383801DFB53}" type="datetimeFigureOut">
               <a:rPr lang="en-US" smtClean="0"/>
-              <a:t>12/2/2020</a:t>
+              <a:t>12/24/2020</a:t>
             </a:fld>
             <a:endParaRPr lang="en-US"/>
           </a:p>
@@ -4687,6 +4942,6838 @@
     <p:extLst>
       <p:ext uri="{BB962C8B-B14F-4D97-AF65-F5344CB8AC3E}">
         <p14:creationId xmlns:p14="http://schemas.microsoft.com/office/powerpoint/2010/main" val="2760315369"/>
+      </p:ext>
+    </p:extLst>
+  </p:cSld>
+  <p:clrMapOvr>
+    <a:masterClrMapping/>
+  </p:clrMapOvr>
+</p:sld>
+</file>
+
+<file path=ppt/slides/slide10.xml><?xml version="1.0" encoding="utf-8"?>
+<p:sld xmlns:a="http://schemas.openxmlformats.org/drawingml/2006/main" xmlns:r="http://schemas.openxmlformats.org/officeDocument/2006/relationships" xmlns:p="http://schemas.openxmlformats.org/presentationml/2006/main">
+  <p:cSld>
+    <p:spTree>
+      <p:nvGrpSpPr>
+        <p:cNvPr id="1" name=""/>
+        <p:cNvGrpSpPr/>
+        <p:nvPr/>
+      </p:nvGrpSpPr>
+      <p:grpSpPr>
+        <a:xfrm>
+          <a:off x="0" y="0"/>
+          <a:ext cx="0" cy="0"/>
+          <a:chOff x="0" y="0"/>
+          <a:chExt cx="0" cy="0"/>
+        </a:xfrm>
+      </p:grpSpPr>
+      <p:sp>
+        <p:nvSpPr>
+          <p:cNvPr id="2" name="Rectangle 1">
+            <a:extLst>
+              <a:ext uri="{FF2B5EF4-FFF2-40B4-BE49-F238E27FC236}">
+                <a16:creationId xmlns:a16="http://schemas.microsoft.com/office/drawing/2014/main" id="{EB2E3AB7-2229-49BE-B5D8-D352F94883AC}"/>
+              </a:ext>
+            </a:extLst>
+          </p:cNvPr>
+          <p:cNvSpPr/>
+          <p:nvPr/>
+        </p:nvSpPr>
+        <p:spPr>
+          <a:xfrm>
+            <a:off x="0" y="0"/>
+            <a:ext cx="12252325" cy="5999163"/>
+          </a:xfrm>
+          <a:prstGeom prst="rect">
+            <a:avLst/>
+          </a:prstGeom>
+          <a:gradFill flip="none" rotWithShape="1">
+            <a:gsLst>
+              <a:gs pos="0">
+                <a:srgbClr val="1490DF"/>
+              </a:gs>
+              <a:gs pos="100000">
+                <a:srgbClr val="005392"/>
+              </a:gs>
+            </a:gsLst>
+            <a:path path="circle">
+              <a:fillToRect l="50000" t="50000" r="50000" b="50000"/>
+            </a:path>
+            <a:tileRect/>
+          </a:gradFill>
+          <a:ln>
+            <a:noFill/>
+          </a:ln>
+          <a:effectLst>
+            <a:outerShdw blurRad="50800" dist="38100" dir="2700000" algn="tl" rotWithShape="0">
+              <a:prstClr val="black">
+                <a:alpha val="40000"/>
+              </a:prstClr>
+            </a:outerShdw>
+          </a:effectLst>
+        </p:spPr>
+        <p:style>
+          <a:lnRef idx="2">
+            <a:schemeClr val="accent1">
+              <a:shade val="50000"/>
+            </a:schemeClr>
+          </a:lnRef>
+          <a:fillRef idx="1">
+            <a:schemeClr val="accent1"/>
+          </a:fillRef>
+          <a:effectRef idx="0">
+            <a:schemeClr val="accent1"/>
+          </a:effectRef>
+          <a:fontRef idx="minor">
+            <a:schemeClr val="lt1"/>
+          </a:fontRef>
+        </p:style>
+        <p:txBody>
+          <a:bodyPr rtlCol="0" anchor="ctr"/>
+          <a:lstStyle/>
+          <a:p>
+            <a:pPr algn="ctr"/>
+            <a:endParaRPr lang="en-CA" dirty="0"/>
+          </a:p>
+        </p:txBody>
+      </p:sp>
+      <p:grpSp>
+        <p:nvGrpSpPr>
+          <p:cNvPr id="10" name="Group 9">
+            <a:extLst>
+              <a:ext uri="{FF2B5EF4-FFF2-40B4-BE49-F238E27FC236}">
+                <a16:creationId xmlns:a16="http://schemas.microsoft.com/office/drawing/2014/main" id="{A667960B-9C40-4FC9-97CB-ACEB4BCBEB27}"/>
+              </a:ext>
+            </a:extLst>
+          </p:cNvPr>
+          <p:cNvGrpSpPr/>
+          <p:nvPr/>
+        </p:nvGrpSpPr>
+        <p:grpSpPr>
+          <a:xfrm>
+            <a:off x="444435" y="183393"/>
+            <a:ext cx="2242821" cy="586522"/>
+            <a:chOff x="259080" y="183393"/>
+            <a:chExt cx="2242821" cy="586522"/>
+          </a:xfrm>
+        </p:grpSpPr>
+        <p:sp>
+          <p:nvSpPr>
+            <p:cNvPr id="11" name="Rectangle: Rounded Corners 10">
+              <a:extLst>
+                <a:ext uri="{FF2B5EF4-FFF2-40B4-BE49-F238E27FC236}">
+                  <a16:creationId xmlns:a16="http://schemas.microsoft.com/office/drawing/2014/main" id="{E24D8F1B-7D54-4DEB-8F96-3B793554880E}"/>
+                </a:ext>
+              </a:extLst>
+            </p:cNvPr>
+            <p:cNvSpPr/>
+            <p:nvPr/>
+          </p:nvSpPr>
+          <p:spPr>
+            <a:xfrm>
+              <a:off x="259080" y="243840"/>
+              <a:ext cx="2162570" cy="464820"/>
+            </a:xfrm>
+            <a:prstGeom prst="roundRect">
+              <a:avLst/>
+            </a:prstGeom>
+            <a:solidFill>
+              <a:schemeClr val="tx1">
+                <a:alpha val="14000"/>
+              </a:schemeClr>
+            </a:solidFill>
+            <a:ln>
+              <a:noFill/>
+            </a:ln>
+            <a:effectLst>
+              <a:outerShdw blurRad="50800" dist="38100" dir="2700000" algn="tl" rotWithShape="0">
+                <a:prstClr val="black">
+                  <a:alpha val="40000"/>
+                </a:prstClr>
+              </a:outerShdw>
+            </a:effectLst>
+          </p:spPr>
+          <p:style>
+            <a:lnRef idx="2">
+              <a:schemeClr val="accent1">
+                <a:shade val="50000"/>
+              </a:schemeClr>
+            </a:lnRef>
+            <a:fillRef idx="1">
+              <a:schemeClr val="accent1"/>
+            </a:fillRef>
+            <a:effectRef idx="0">
+              <a:schemeClr val="accent1"/>
+            </a:effectRef>
+            <a:fontRef idx="minor">
+              <a:schemeClr val="lt1"/>
+            </a:fontRef>
+          </p:style>
+          <p:txBody>
+            <a:bodyPr rtlCol="0" anchor="ctr"/>
+            <a:lstStyle/>
+            <a:p>
+              <a:pPr algn="ctr"/>
+              <a:endParaRPr lang="en-US" dirty="0"/>
+            </a:p>
+          </p:txBody>
+        </p:sp>
+        <p:grpSp>
+          <p:nvGrpSpPr>
+            <p:cNvPr id="12" name="Group 11">
+              <a:extLst>
+                <a:ext uri="{FF2B5EF4-FFF2-40B4-BE49-F238E27FC236}">
+                  <a16:creationId xmlns:a16="http://schemas.microsoft.com/office/drawing/2014/main" id="{D2E169CD-C312-4A10-95DA-F8629D81ED1B}"/>
+                </a:ext>
+              </a:extLst>
+            </p:cNvPr>
+            <p:cNvGrpSpPr/>
+            <p:nvPr/>
+          </p:nvGrpSpPr>
+          <p:grpSpPr>
+            <a:xfrm>
+              <a:off x="336958" y="183393"/>
+              <a:ext cx="2164943" cy="586522"/>
+              <a:chOff x="336958" y="183393"/>
+              <a:chExt cx="2164943" cy="586522"/>
+            </a:xfrm>
+          </p:grpSpPr>
+          <p:sp>
+            <p:nvSpPr>
+              <p:cNvPr id="13" name="Title 3">
+                <a:extLst>
+                  <a:ext uri="{FF2B5EF4-FFF2-40B4-BE49-F238E27FC236}">
+                    <a16:creationId xmlns:a16="http://schemas.microsoft.com/office/drawing/2014/main" id="{C81E4D1F-E77F-4622-8CAF-DE1CBAA916AF}"/>
+                  </a:ext>
+                </a:extLst>
+              </p:cNvPr>
+              <p:cNvSpPr txBox="1">
+                <a:spLocks/>
+              </p:cNvSpPr>
+              <p:nvPr/>
+            </p:nvSpPr>
+            <p:spPr>
+              <a:xfrm>
+                <a:off x="716267" y="183393"/>
+                <a:ext cx="1785634" cy="586522"/>
+              </a:xfrm>
+              <a:prstGeom prst="rect">
+                <a:avLst/>
+              </a:prstGeom>
+              <a:effectLst>
+                <a:outerShdw blurRad="50800" dist="38100" dir="2700000" algn="tl" rotWithShape="0">
+                  <a:prstClr val="black">
+                    <a:alpha val="40000"/>
+                  </a:prstClr>
+                </a:outerShdw>
+              </a:effectLst>
+            </p:spPr>
+            <p:txBody>
+              <a:bodyPr lIns="0" tIns="0" rIns="0" bIns="0" anchor="ctr">
+                <a:noAutofit/>
+              </a:bodyPr>
+              <a:lstStyle>
+                <a:lvl1pPr algn="l" defTabSz="914355" rtl="0" eaLnBrk="1" latinLnBrk="0" hangingPunct="1">
+                  <a:lnSpc>
+                    <a:spcPct val="90000"/>
+                  </a:lnSpc>
+                  <a:spcBef>
+                    <a:spcPct val="0"/>
+                  </a:spcBef>
+                  <a:buNone/>
+                  <a:defRPr sz="2800" b="0" i="0" kern="1200" spc="0" baseline="0">
+                    <a:solidFill>
+                      <a:schemeClr val="accent2"/>
+                    </a:solidFill>
+                    <a:latin typeface="+mj-lt"/>
+                    <a:ea typeface="+mj-ea"/>
+                    <a:cs typeface="Century Gothic Regular" charset="0"/>
+                  </a:defRPr>
+                </a:lvl1pPr>
+              </a:lstStyle>
+              <a:p>
+                <a:pPr>
+                  <a:lnSpc>
+                    <a:spcPct val="100000"/>
+                  </a:lnSpc>
+                </a:pPr>
+                <a:r>
+                  <a:rPr lang="en-GB" sz="2000" spc="-143" dirty="0">
+                    <a:solidFill>
+                      <a:schemeClr val="bg1"/>
+                    </a:solidFill>
+                    <a:latin typeface="Inter SemiBold" panose="020B0502030000000004" pitchFamily="34" charset="0"/>
+                    <a:ea typeface="Inter SemiBold" panose="020B0502030000000004" pitchFamily="34" charset="0"/>
+                    <a:cs typeface="Mark OT Light" charset="0"/>
+                  </a:rPr>
+                  <a:t>rakirahman.me</a:t>
+                </a:r>
+              </a:p>
+            </p:txBody>
+          </p:sp>
+          <p:grpSp>
+            <p:nvGrpSpPr>
+              <p:cNvPr id="14" name="Group 13">
+                <a:extLst>
+                  <a:ext uri="{FF2B5EF4-FFF2-40B4-BE49-F238E27FC236}">
+                    <a16:creationId xmlns:a16="http://schemas.microsoft.com/office/drawing/2014/main" id="{5D243A95-282A-414C-9798-905421C97AA9}"/>
+                  </a:ext>
+                </a:extLst>
+              </p:cNvPr>
+              <p:cNvGrpSpPr/>
+              <p:nvPr/>
+            </p:nvGrpSpPr>
+            <p:grpSpPr>
+              <a:xfrm>
+                <a:off x="336958" y="313998"/>
+                <a:ext cx="310070" cy="310070"/>
+                <a:chOff x="336958" y="313998"/>
+                <a:chExt cx="310070" cy="310070"/>
+              </a:xfrm>
+            </p:grpSpPr>
+            <p:sp>
+              <p:nvSpPr>
+                <p:cNvPr id="15" name="Oval 14">
+                  <a:extLst>
+                    <a:ext uri="{FF2B5EF4-FFF2-40B4-BE49-F238E27FC236}">
+                      <a16:creationId xmlns:a16="http://schemas.microsoft.com/office/drawing/2014/main" id="{C7ADE24A-A266-4C6B-8857-C36A8D2D1F63}"/>
+                    </a:ext>
+                  </a:extLst>
+                </p:cNvPr>
+                <p:cNvSpPr/>
+                <p:nvPr/>
+              </p:nvSpPr>
+              <p:spPr>
+                <a:xfrm>
+                  <a:off x="336958" y="313998"/>
+                  <a:ext cx="310070" cy="310070"/>
+                </a:xfrm>
+                <a:prstGeom prst="ellipse">
+                  <a:avLst/>
+                </a:prstGeom>
+                <a:solidFill>
+                  <a:schemeClr val="bg1"/>
+                </a:solidFill>
+                <a:ln>
+                  <a:noFill/>
+                </a:ln>
+                <a:effectLst>
+                  <a:outerShdw blurRad="50800" dist="38100" dir="2700000" algn="tl" rotWithShape="0">
+                    <a:prstClr val="black">
+                      <a:alpha val="40000"/>
+                    </a:prstClr>
+                  </a:outerShdw>
+                </a:effectLst>
+              </p:spPr>
+              <p:style>
+                <a:lnRef idx="2">
+                  <a:schemeClr val="accent1">
+                    <a:shade val="50000"/>
+                  </a:schemeClr>
+                </a:lnRef>
+                <a:fillRef idx="1">
+                  <a:schemeClr val="accent1"/>
+                </a:fillRef>
+                <a:effectRef idx="0">
+                  <a:schemeClr val="accent1"/>
+                </a:effectRef>
+                <a:fontRef idx="minor">
+                  <a:schemeClr val="lt1"/>
+                </a:fontRef>
+              </p:style>
+              <p:txBody>
+                <a:bodyPr rtlCol="0" anchor="ctr"/>
+                <a:lstStyle/>
+                <a:p>
+                  <a:pPr algn="ctr"/>
+                  <a:endParaRPr lang="en-US" dirty="0"/>
+                </a:p>
+              </p:txBody>
+            </p:sp>
+            <p:pic>
+              <p:nvPicPr>
+                <p:cNvPr id="16" name="Picture 15">
+                  <a:extLst>
+                    <a:ext uri="{FF2B5EF4-FFF2-40B4-BE49-F238E27FC236}">
+                      <a16:creationId xmlns:a16="http://schemas.microsoft.com/office/drawing/2014/main" id="{E6A731CB-5FB0-4053-98EF-7238C55E6BD3}"/>
+                    </a:ext>
+                  </a:extLst>
+                </p:cNvPr>
+                <p:cNvPicPr>
+                  <a:picLocks noChangeAspect="1"/>
+                </p:cNvPicPr>
+                <p:nvPr/>
+              </p:nvPicPr>
+              <p:blipFill>
+                <a:blip r:embed="rId3">
+                  <a:extLst>
+                    <a:ext uri="{28A0092B-C50C-407E-A947-70E740481C1C}">
+                      <a14:useLocalDpi xmlns:a14="http://schemas.microsoft.com/office/drawing/2010/main" val="0"/>
+                    </a:ext>
+                  </a:extLst>
+                </a:blip>
+                <a:stretch>
+                  <a:fillRect/>
+                </a:stretch>
+              </p:blipFill>
+              <p:spPr>
+                <a:xfrm>
+                  <a:off x="362920" y="339960"/>
+                  <a:ext cx="258147" cy="258147"/>
+                </a:xfrm>
+                <a:prstGeom prst="ellipse">
+                  <a:avLst/>
+                </a:prstGeom>
+              </p:spPr>
+            </p:pic>
+          </p:grpSp>
+        </p:grpSp>
+      </p:grpSp>
+      <p:sp>
+        <p:nvSpPr>
+          <p:cNvPr id="7190" name="Rectangle 7189">
+            <a:extLst>
+              <a:ext uri="{FF2B5EF4-FFF2-40B4-BE49-F238E27FC236}">
+                <a16:creationId xmlns:a16="http://schemas.microsoft.com/office/drawing/2014/main" id="{33B6BE31-8C0F-4C23-98B3-CB2EC45048A8}"/>
+              </a:ext>
+            </a:extLst>
+          </p:cNvPr>
+          <p:cNvSpPr/>
+          <p:nvPr/>
+        </p:nvSpPr>
+        <p:spPr>
+          <a:xfrm>
+            <a:off x="2439787" y="2048982"/>
+            <a:ext cx="9812538" cy="2037243"/>
+          </a:xfrm>
+          <a:prstGeom prst="rect">
+            <a:avLst/>
+          </a:prstGeom>
+          <a:solidFill>
+            <a:schemeClr val="tx1">
+              <a:alpha val="13000"/>
+            </a:schemeClr>
+          </a:solidFill>
+          <a:ln>
+            <a:noFill/>
+          </a:ln>
+          <a:effectLst>
+            <a:outerShdw blurRad="50800" dist="38100" dir="2700000" algn="tl" rotWithShape="0">
+              <a:prstClr val="black">
+                <a:alpha val="40000"/>
+              </a:prstClr>
+            </a:outerShdw>
+          </a:effectLst>
+        </p:spPr>
+        <p:style>
+          <a:lnRef idx="2">
+            <a:schemeClr val="accent1">
+              <a:shade val="50000"/>
+            </a:schemeClr>
+          </a:lnRef>
+          <a:fillRef idx="1">
+            <a:schemeClr val="accent1"/>
+          </a:fillRef>
+          <a:effectRef idx="0">
+            <a:schemeClr val="accent1"/>
+          </a:effectRef>
+          <a:fontRef idx="minor">
+            <a:schemeClr val="lt1"/>
+          </a:fontRef>
+        </p:style>
+        <p:txBody>
+          <a:bodyPr rtlCol="0" anchor="ctr"/>
+          <a:lstStyle/>
+          <a:p>
+            <a:pPr algn="ctr"/>
+            <a:endParaRPr lang="en-US"/>
+          </a:p>
+        </p:txBody>
+      </p:sp>
+      <p:sp>
+        <p:nvSpPr>
+          <p:cNvPr id="7193" name="TextBox 7192">
+            <a:extLst>
+              <a:ext uri="{FF2B5EF4-FFF2-40B4-BE49-F238E27FC236}">
+                <a16:creationId xmlns:a16="http://schemas.microsoft.com/office/drawing/2014/main" id="{8C0B9A7F-79CD-4482-9BE0-F79BB3318D0C}"/>
+              </a:ext>
+            </a:extLst>
+          </p:cNvPr>
+          <p:cNvSpPr txBox="1"/>
+          <p:nvPr/>
+        </p:nvSpPr>
+        <p:spPr>
+          <a:xfrm>
+            <a:off x="7490931" y="1131271"/>
+            <a:ext cx="4482841" cy="3189335"/>
+          </a:xfrm>
+          <a:prstGeom prst="rect">
+            <a:avLst/>
+          </a:prstGeom>
+          <a:noFill/>
+          <a:effectLst>
+            <a:glow rad="228600">
+              <a:schemeClr val="accent1">
+                <a:satMod val="175000"/>
+              </a:schemeClr>
+            </a:glow>
+            <a:outerShdw blurRad="50800" dist="38100" dir="2700000" algn="tl" rotWithShape="0">
+              <a:prstClr val="black">
+                <a:alpha val="40000"/>
+              </a:prstClr>
+            </a:outerShdw>
+          </a:effectLst>
+          <a:scene3d>
+            <a:camera prst="orthographicFront"/>
+            <a:lightRig rig="flat" dir="t"/>
+          </a:scene3d>
+          <a:sp3d extrusionH="88900" prstMaterial="metal">
+            <a:contourClr>
+              <a:srgbClr val="8FEFFF"/>
+            </a:contourClr>
+          </a:sp3d>
+        </p:spPr>
+        <p:txBody>
+          <a:bodyPr wrap="square" anchor="ctr">
+            <a:spAutoFit/>
+          </a:bodyPr>
+          <a:lstStyle/>
+          <a:p>
+            <a:pPr algn="ctr">
+              <a:lnSpc>
+                <a:spcPct val="200000"/>
+              </a:lnSpc>
+            </a:pPr>
+            <a:r>
+              <a:rPr lang="en-US" sz="11500" i="0" dirty="0">
+                <a:gradFill flip="none" rotWithShape="1">
+                  <a:gsLst>
+                    <a:gs pos="0">
+                      <a:srgbClr val="50E6FF"/>
+                    </a:gs>
+                    <a:gs pos="100000">
+                      <a:srgbClr val="AFF4FF"/>
+                    </a:gs>
+                  </a:gsLst>
+                  <a:lin ang="16200000" scaled="1"/>
+                  <a:tileRect/>
+                </a:gradFill>
+                <a:effectLst/>
+                <a:latin typeface="Bebas Neue" panose="020B0606020202050201" pitchFamily="34" charset="0"/>
+                <a:cs typeface="Segoe UI Semibold" panose="020B0702040204020203" pitchFamily="34" charset="0"/>
+              </a:rPr>
+              <a:t>DENSITY</a:t>
+            </a:r>
+          </a:p>
+        </p:txBody>
+      </p:sp>
+      <p:grpSp>
+        <p:nvGrpSpPr>
+          <p:cNvPr id="7189" name="Group 7188">
+            <a:extLst>
+              <a:ext uri="{FF2B5EF4-FFF2-40B4-BE49-F238E27FC236}">
+                <a16:creationId xmlns:a16="http://schemas.microsoft.com/office/drawing/2014/main" id="{06C5F7E5-5710-412D-9DE9-A122FDAB0415}"/>
+              </a:ext>
+            </a:extLst>
+          </p:cNvPr>
+          <p:cNvGrpSpPr/>
+          <p:nvPr/>
+        </p:nvGrpSpPr>
+        <p:grpSpPr>
+          <a:xfrm>
+            <a:off x="1048556" y="1163418"/>
+            <a:ext cx="6977443" cy="3189335"/>
+            <a:chOff x="1958547" y="3555699"/>
+            <a:chExt cx="6977443" cy="3189335"/>
+          </a:xfrm>
+        </p:grpSpPr>
+        <p:sp>
+          <p:nvSpPr>
+            <p:cNvPr id="7174" name="TextBox 7173">
+              <a:extLst>
+                <a:ext uri="{FF2B5EF4-FFF2-40B4-BE49-F238E27FC236}">
+                  <a16:creationId xmlns:a16="http://schemas.microsoft.com/office/drawing/2014/main" id="{1C143189-A3BB-4454-8F37-F2D53F104923}"/>
+                </a:ext>
+              </a:extLst>
+            </p:cNvPr>
+            <p:cNvSpPr txBox="1"/>
+            <p:nvPr/>
+          </p:nvSpPr>
+          <p:spPr>
+            <a:xfrm>
+              <a:off x="1958547" y="3555699"/>
+              <a:ext cx="6977443" cy="3189335"/>
+            </a:xfrm>
+            <a:prstGeom prst="rect">
+              <a:avLst/>
+            </a:prstGeom>
+            <a:noFill/>
+            <a:effectLst>
+              <a:glow rad="228600">
+                <a:schemeClr val="accent1">
+                  <a:satMod val="175000"/>
+                </a:schemeClr>
+              </a:glow>
+              <a:outerShdw blurRad="50800" dist="38100" dir="2700000" algn="tl" rotWithShape="0">
+                <a:prstClr val="black">
+                  <a:alpha val="40000"/>
+                </a:prstClr>
+              </a:outerShdw>
+            </a:effectLst>
+            <a:scene3d>
+              <a:camera prst="orthographicFront"/>
+              <a:lightRig rig="flat" dir="t"/>
+            </a:scene3d>
+            <a:sp3d extrusionH="88900" prstMaterial="metal">
+              <a:contourClr>
+                <a:srgbClr val="8FEFFF"/>
+              </a:contourClr>
+            </a:sp3d>
+          </p:spPr>
+          <p:txBody>
+            <a:bodyPr wrap="square" anchor="t">
+              <a:spAutoFit/>
+            </a:bodyPr>
+            <a:lstStyle/>
+            <a:p>
+              <a:pPr algn="ctr">
+                <a:lnSpc>
+                  <a:spcPct val="200000"/>
+                </a:lnSpc>
+              </a:pPr>
+              <a:r>
+                <a:rPr lang="en-US" sz="11500" i="0" dirty="0">
+                  <a:gradFill flip="none" rotWithShape="1">
+                    <a:gsLst>
+                      <a:gs pos="0">
+                        <a:srgbClr val="50E6FF"/>
+                      </a:gs>
+                      <a:gs pos="100000">
+                        <a:srgbClr val="AFF4FF"/>
+                      </a:gs>
+                    </a:gsLst>
+                    <a:lin ang="16200000" scaled="1"/>
+                    <a:tileRect/>
+                  </a:gradFill>
+                  <a:effectLst/>
+                  <a:latin typeface="Bebas Neue" panose="020B0606020202050201" pitchFamily="34" charset="0"/>
+                  <a:cs typeface="Segoe UI Semibold" panose="020B0702040204020203" pitchFamily="34" charset="0"/>
+                </a:rPr>
+                <a:t>PACKING</a:t>
+              </a:r>
+            </a:p>
+          </p:txBody>
+        </p:sp>
+        <p:sp>
+          <p:nvSpPr>
+            <p:cNvPr id="211" name="TextBox 210">
+              <a:extLst>
+                <a:ext uri="{FF2B5EF4-FFF2-40B4-BE49-F238E27FC236}">
+                  <a16:creationId xmlns:a16="http://schemas.microsoft.com/office/drawing/2014/main" id="{937C8F2B-0217-420D-B5BF-2A038A35E42E}"/>
+                </a:ext>
+              </a:extLst>
+            </p:cNvPr>
+            <p:cNvSpPr txBox="1"/>
+            <p:nvPr/>
+          </p:nvSpPr>
+          <p:spPr>
+            <a:xfrm>
+              <a:off x="5565422" y="4604949"/>
+              <a:ext cx="2706456" cy="430887"/>
+            </a:xfrm>
+            <a:prstGeom prst="rect">
+              <a:avLst/>
+            </a:prstGeom>
+            <a:noFill/>
+            <a:effectLst>
+              <a:outerShdw blurRad="50800" dist="38100" dir="2700000" algn="tl" rotWithShape="0">
+                <a:prstClr val="black">
+                  <a:alpha val="40000"/>
+                </a:prstClr>
+              </a:outerShdw>
+            </a:effectLst>
+            <a:scene3d>
+              <a:camera prst="orthographicFront"/>
+              <a:lightRig rig="threePt" dir="t"/>
+            </a:scene3d>
+            <a:sp3d extrusionH="19050"/>
+          </p:spPr>
+          <p:txBody>
+            <a:bodyPr wrap="square">
+              <a:spAutoFit/>
+            </a:bodyPr>
+            <a:lstStyle/>
+            <a:p>
+              <a:pPr algn="ctr"/>
+              <a:r>
+                <a:rPr lang="en-US" sz="2200" i="0" dirty="0">
+                  <a:gradFill flip="none" rotWithShape="1">
+                    <a:gsLst>
+                      <a:gs pos="0">
+                        <a:srgbClr val="FEB018"/>
+                      </a:gs>
+                      <a:gs pos="100000">
+                        <a:srgbClr val="FFD85D"/>
+                      </a:gs>
+                    </a:gsLst>
+                    <a:lin ang="0" scaled="1"/>
+                    <a:tileRect/>
+                  </a:gradFill>
+                  <a:effectLst/>
+                  <a:latin typeface="Segoe UI Semibold" panose="020B0702040204020203" pitchFamily="34" charset="0"/>
+                  <a:cs typeface="Segoe UI Semibold" panose="020B0702040204020203" pitchFamily="34" charset="0"/>
+                </a:rPr>
+                <a:t>AZURE FUNCTIONS</a:t>
+              </a:r>
+              <a:endParaRPr lang="en-CA" sz="2200" dirty="0">
+                <a:gradFill flip="none" rotWithShape="1">
+                  <a:gsLst>
+                    <a:gs pos="0">
+                      <a:srgbClr val="FEB018"/>
+                    </a:gs>
+                    <a:gs pos="100000">
+                      <a:srgbClr val="FFD85D"/>
+                    </a:gs>
+                  </a:gsLst>
+                  <a:lin ang="0" scaled="1"/>
+                  <a:tileRect/>
+                </a:gradFill>
+              </a:endParaRPr>
+            </a:p>
+          </p:txBody>
+        </p:sp>
+      </p:grpSp>
+      <p:pic>
+        <p:nvPicPr>
+          <p:cNvPr id="7192" name="Graphic 7191">
+            <a:extLst>
+              <a:ext uri="{FF2B5EF4-FFF2-40B4-BE49-F238E27FC236}">
+                <a16:creationId xmlns:a16="http://schemas.microsoft.com/office/drawing/2014/main" id="{150446EA-2E26-4934-989F-716C607FD01A}"/>
+              </a:ext>
+            </a:extLst>
+          </p:cNvPr>
+          <p:cNvPicPr>
+            <a:picLocks noChangeAspect="1"/>
+          </p:cNvPicPr>
+          <p:nvPr/>
+        </p:nvPicPr>
+        <p:blipFill>
+          <a:blip r:embed="rId4">
+            <a:extLst>
+              <a:ext uri="{28A0092B-C50C-407E-A947-70E740481C1C}">
+                <a14:useLocalDpi xmlns:a14="http://schemas.microsoft.com/office/drawing/2010/main" val="0"/>
+              </a:ext>
+              <a:ext uri="{96DAC541-7B7A-43D3-8B79-37D633B846F1}">
+                <asvg:svgBlip xmlns:asvg="http://schemas.microsoft.com/office/drawing/2016/SVG/main" r:embed="rId5"/>
+              </a:ext>
+            </a:extLst>
+          </a:blip>
+          <a:stretch>
+            <a:fillRect/>
+          </a:stretch>
+        </p:blipFill>
+        <p:spPr>
+          <a:xfrm>
+            <a:off x="6538959" y="2697432"/>
+            <a:ext cx="1250816" cy="1250816"/>
+          </a:xfrm>
+          <a:prstGeom prst="rect">
+            <a:avLst/>
+          </a:prstGeom>
+          <a:effectLst>
+            <a:outerShdw blurRad="50800" dist="38100" dir="2700000" algn="tl" rotWithShape="0">
+              <a:prstClr val="black">
+                <a:alpha val="40000"/>
+              </a:prstClr>
+            </a:outerShdw>
+          </a:effectLst>
+        </p:spPr>
+      </p:pic>
+      <p:grpSp>
+        <p:nvGrpSpPr>
+          <p:cNvPr id="7187" name="Group 7186">
+            <a:extLst>
+              <a:ext uri="{FF2B5EF4-FFF2-40B4-BE49-F238E27FC236}">
+                <a16:creationId xmlns:a16="http://schemas.microsoft.com/office/drawing/2014/main" id="{38257DE7-14B2-48EB-9125-B86356E0F903}"/>
+              </a:ext>
+            </a:extLst>
+          </p:cNvPr>
+          <p:cNvGrpSpPr/>
+          <p:nvPr/>
+        </p:nvGrpSpPr>
+        <p:grpSpPr>
+          <a:xfrm>
+            <a:off x="2696088" y="1964102"/>
+            <a:ext cx="1936259" cy="688516"/>
+            <a:chOff x="5180387" y="692607"/>
+            <a:chExt cx="1936259" cy="688516"/>
+          </a:xfrm>
+        </p:grpSpPr>
+        <p:sp>
+          <p:nvSpPr>
+            <p:cNvPr id="7173" name="TextBox 7172">
+              <a:extLst>
+                <a:ext uri="{FF2B5EF4-FFF2-40B4-BE49-F238E27FC236}">
+                  <a16:creationId xmlns:a16="http://schemas.microsoft.com/office/drawing/2014/main" id="{36C6FBA8-A4D6-43D0-A78D-B32CC92C77BC}"/>
+                </a:ext>
+              </a:extLst>
+            </p:cNvPr>
+            <p:cNvSpPr txBox="1"/>
+            <p:nvPr/>
+          </p:nvSpPr>
+          <p:spPr>
+            <a:xfrm>
+              <a:off x="5180387" y="692607"/>
+              <a:ext cx="1936259" cy="668453"/>
+            </a:xfrm>
+            <a:prstGeom prst="rect">
+              <a:avLst/>
+            </a:prstGeom>
+            <a:noFill/>
+            <a:effectLst>
+              <a:outerShdw blurRad="50800" dist="38100" dir="2700000" algn="tl" rotWithShape="0">
+                <a:prstClr val="black">
+                  <a:alpha val="40000"/>
+                </a:prstClr>
+              </a:outerShdw>
+            </a:effectLst>
+          </p:spPr>
+          <p:txBody>
+            <a:bodyPr wrap="square" anchor="ctr">
+              <a:spAutoFit/>
+            </a:bodyPr>
+            <a:lstStyle/>
+            <a:p>
+              <a:pPr>
+                <a:lnSpc>
+                  <a:spcPct val="200000"/>
+                </a:lnSpc>
+              </a:pPr>
+              <a:r>
+                <a:rPr lang="en-US" sz="2200" i="0" dirty="0">
+                  <a:gradFill flip="none" rotWithShape="1">
+                    <a:gsLst>
+                      <a:gs pos="0">
+                        <a:srgbClr val="8FEFFF"/>
+                      </a:gs>
+                      <a:gs pos="100000">
+                        <a:srgbClr val="AFF4FF"/>
+                      </a:gs>
+                    </a:gsLst>
+                    <a:lin ang="2700000" scaled="1"/>
+                    <a:tileRect/>
+                  </a:gradFill>
+                  <a:effectLst/>
+                  <a:latin typeface="Segoe UI Semibold" panose="020B0702040204020203" pitchFamily="34" charset="0"/>
+                  <a:cs typeface="Segoe UI Semibold" panose="020B0702040204020203" pitchFamily="34" charset="0"/>
+                </a:rPr>
+                <a:t>MAXIMIZING</a:t>
+              </a:r>
+            </a:p>
+          </p:txBody>
+        </p:sp>
+        <p:sp>
+          <p:nvSpPr>
+            <p:cNvPr id="7183" name="Rectangle 7182">
+              <a:extLst>
+                <a:ext uri="{FF2B5EF4-FFF2-40B4-BE49-F238E27FC236}">
+                  <a16:creationId xmlns:a16="http://schemas.microsoft.com/office/drawing/2014/main" id="{A008CD69-7E45-439E-93C7-294ADAADBE1E}"/>
+                </a:ext>
+              </a:extLst>
+            </p:cNvPr>
+            <p:cNvSpPr/>
+            <p:nvPr/>
+          </p:nvSpPr>
+          <p:spPr>
+            <a:xfrm>
+              <a:off x="5180387" y="914563"/>
+              <a:ext cx="1926589" cy="450466"/>
+            </a:xfrm>
+            <a:prstGeom prst="rect">
+              <a:avLst/>
+            </a:prstGeom>
+            <a:noFill/>
+            <a:ln w="25400">
+              <a:solidFill>
+                <a:srgbClr val="8FEFFF"/>
+              </a:solidFill>
+              <a:prstDash val="sysDash"/>
+            </a:ln>
+          </p:spPr>
+          <p:style>
+            <a:lnRef idx="2">
+              <a:schemeClr val="accent1">
+                <a:shade val="50000"/>
+              </a:schemeClr>
+            </a:lnRef>
+            <a:fillRef idx="1">
+              <a:schemeClr val="accent1"/>
+            </a:fillRef>
+            <a:effectRef idx="0">
+              <a:schemeClr val="accent1"/>
+            </a:effectRef>
+            <a:fontRef idx="minor">
+              <a:schemeClr val="lt1"/>
+            </a:fontRef>
+          </p:style>
+          <p:txBody>
+            <a:bodyPr rtlCol="0" anchor="ctr"/>
+            <a:lstStyle/>
+            <a:p>
+              <a:pPr algn="ctr"/>
+              <a:endParaRPr lang="en-CA"/>
+            </a:p>
+          </p:txBody>
+        </p:sp>
+        <p:cxnSp>
+          <p:nvCxnSpPr>
+            <p:cNvPr id="7182" name="Straight Arrow Connector 7181">
+              <a:extLst>
+                <a:ext uri="{FF2B5EF4-FFF2-40B4-BE49-F238E27FC236}">
+                  <a16:creationId xmlns:a16="http://schemas.microsoft.com/office/drawing/2014/main" id="{BB422DF5-FFA5-486C-BA02-EACDE52AAA25}"/>
+                </a:ext>
+              </a:extLst>
+            </p:cNvPr>
+            <p:cNvCxnSpPr>
+              <a:cxnSpLocks/>
+            </p:cNvCxnSpPr>
+            <p:nvPr/>
+          </p:nvCxnSpPr>
+          <p:spPr>
+            <a:xfrm flipV="1">
+              <a:off x="7087924" y="895512"/>
+              <a:ext cx="9670" cy="485611"/>
+            </a:xfrm>
+            <a:prstGeom prst="straightConnector1">
+              <a:avLst/>
+            </a:prstGeom>
+            <a:ln w="88900">
+              <a:solidFill>
+                <a:srgbClr val="8FEFFF"/>
+              </a:solidFill>
+              <a:tailEnd type="triangle" w="med" len="sm"/>
+            </a:ln>
+            <a:effectLst>
+              <a:outerShdw blurRad="50800" dist="38100" dir="2700000" algn="tl" rotWithShape="0">
+                <a:prstClr val="black">
+                  <a:alpha val="24000"/>
+                </a:prstClr>
+              </a:outerShdw>
+            </a:effectLst>
+          </p:spPr>
+          <p:style>
+            <a:lnRef idx="1">
+              <a:schemeClr val="accent1"/>
+            </a:lnRef>
+            <a:fillRef idx="0">
+              <a:schemeClr val="accent1"/>
+            </a:fillRef>
+            <a:effectRef idx="0">
+              <a:schemeClr val="accent1"/>
+            </a:effectRef>
+            <a:fontRef idx="minor">
+              <a:schemeClr val="tx1"/>
+            </a:fontRef>
+          </p:style>
+        </p:cxnSp>
+      </p:grpSp>
+      <p:grpSp>
+        <p:nvGrpSpPr>
+          <p:cNvPr id="1038" name="Group 1037">
+            <a:extLst>
+              <a:ext uri="{FF2B5EF4-FFF2-40B4-BE49-F238E27FC236}">
+                <a16:creationId xmlns:a16="http://schemas.microsoft.com/office/drawing/2014/main" id="{AE2661B5-290F-4E64-996F-74D2465290AA}"/>
+              </a:ext>
+            </a:extLst>
+          </p:cNvPr>
+          <p:cNvGrpSpPr/>
+          <p:nvPr/>
+        </p:nvGrpSpPr>
+        <p:grpSpPr>
+          <a:xfrm>
+            <a:off x="396803" y="1858830"/>
+            <a:ext cx="3411660" cy="2400907"/>
+            <a:chOff x="5090984" y="1627397"/>
+            <a:chExt cx="3411660" cy="2400907"/>
+          </a:xfrm>
+        </p:grpSpPr>
+        <p:sp>
+          <p:nvSpPr>
+            <p:cNvPr id="1035" name="Rectangle: Rounded Corners 1034">
+              <a:extLst>
+                <a:ext uri="{FF2B5EF4-FFF2-40B4-BE49-F238E27FC236}">
+                  <a16:creationId xmlns:a16="http://schemas.microsoft.com/office/drawing/2014/main" id="{B3E191D6-5FBA-47A2-A74E-08D524FFBFF3}"/>
+                </a:ext>
+              </a:extLst>
+            </p:cNvPr>
+            <p:cNvSpPr/>
+            <p:nvPr/>
+          </p:nvSpPr>
+          <p:spPr>
+            <a:xfrm>
+              <a:off x="5090984" y="1627397"/>
+              <a:ext cx="2042984" cy="2400907"/>
+            </a:xfrm>
+            <a:prstGeom prst="roundRect">
+              <a:avLst>
+                <a:gd name="adj" fmla="val 8299"/>
+              </a:avLst>
+            </a:prstGeom>
+            <a:solidFill>
+              <a:schemeClr val="tx1">
+                <a:alpha val="28000"/>
+              </a:schemeClr>
+            </a:solidFill>
+            <a:ln>
+              <a:noFill/>
+            </a:ln>
+            <a:effectLst>
+              <a:outerShdw blurRad="50800" dist="38100" dir="2700000" algn="tl" rotWithShape="0">
+                <a:prstClr val="black">
+                  <a:alpha val="40000"/>
+                </a:prstClr>
+              </a:outerShdw>
+            </a:effectLst>
+          </p:spPr>
+          <p:style>
+            <a:lnRef idx="2">
+              <a:schemeClr val="accent1">
+                <a:shade val="50000"/>
+              </a:schemeClr>
+            </a:lnRef>
+            <a:fillRef idx="1">
+              <a:schemeClr val="accent1"/>
+            </a:fillRef>
+            <a:effectRef idx="0">
+              <a:schemeClr val="accent1"/>
+            </a:effectRef>
+            <a:fontRef idx="minor">
+              <a:schemeClr val="lt1"/>
+            </a:fontRef>
+          </p:style>
+          <p:txBody>
+            <a:bodyPr rtlCol="0" anchor="ctr"/>
+            <a:lstStyle/>
+            <a:p>
+              <a:pPr algn="ctr"/>
+              <a:endParaRPr lang="en-CA"/>
+            </a:p>
+          </p:txBody>
+        </p:sp>
+        <p:grpSp>
+          <p:nvGrpSpPr>
+            <p:cNvPr id="1030" name="Group 1029">
+              <a:extLst>
+                <a:ext uri="{FF2B5EF4-FFF2-40B4-BE49-F238E27FC236}">
+                  <a16:creationId xmlns:a16="http://schemas.microsoft.com/office/drawing/2014/main" id="{123F8FB8-C6F7-46EE-A309-E054CCF285C6}"/>
+                </a:ext>
+              </a:extLst>
+            </p:cNvPr>
+            <p:cNvGrpSpPr/>
+            <p:nvPr/>
+          </p:nvGrpSpPr>
+          <p:grpSpPr>
+            <a:xfrm>
+              <a:off x="5382263" y="2254248"/>
+              <a:ext cx="1440000" cy="1440000"/>
+              <a:chOff x="5382263" y="2254248"/>
+              <a:chExt cx="1440000" cy="1440000"/>
+            </a:xfrm>
+            <a:effectLst/>
+          </p:grpSpPr>
+          <p:sp>
+            <p:nvSpPr>
+              <p:cNvPr id="38" name="Rectangle: Rounded Corners 37">
+                <a:extLst>
+                  <a:ext uri="{FF2B5EF4-FFF2-40B4-BE49-F238E27FC236}">
+                    <a16:creationId xmlns:a16="http://schemas.microsoft.com/office/drawing/2014/main" id="{7562F8B0-7515-444F-9D38-44FF5756D0B7}"/>
+                  </a:ext>
+                </a:extLst>
+              </p:cNvPr>
+              <p:cNvSpPr/>
+              <p:nvPr/>
+            </p:nvSpPr>
+            <p:spPr bwMode="auto">
+              <a:xfrm>
+                <a:off x="5382263" y="2254248"/>
+                <a:ext cx="1440000" cy="1440000"/>
+              </a:xfrm>
+              <a:prstGeom prst="roundRect">
+                <a:avLst>
+                  <a:gd name="adj" fmla="val 5308"/>
+                </a:avLst>
+              </a:prstGeom>
+              <a:solidFill>
+                <a:srgbClr val="005EAC"/>
+              </a:solidFill>
+              <a:ln w="12700">
+                <a:solidFill>
+                  <a:schemeClr val="bg1"/>
+                </a:solidFill>
+                <a:prstDash val="dash"/>
+                <a:headEnd type="none" w="med" len="med"/>
+                <a:tailEnd type="none" w="med" len="med"/>
+              </a:ln>
+              <a:effectLst/>
+            </p:spPr>
+            <p:style>
+              <a:lnRef idx="1">
+                <a:schemeClr val="accent2"/>
+              </a:lnRef>
+              <a:fillRef idx="3">
+                <a:schemeClr val="accent2"/>
+              </a:fillRef>
+              <a:effectRef idx="2">
+                <a:schemeClr val="accent2"/>
+              </a:effectRef>
+              <a:fontRef idx="minor">
+                <a:schemeClr val="lt1"/>
+              </a:fontRef>
+            </p:style>
+            <p:txBody>
+              <a:bodyPr rot="0" spcFirstLastPara="0" vertOverflow="overflow" horzOverflow="overflow" vert="horz" wrap="square" lIns="182880" tIns="146304" rIns="182880" bIns="146304" numCol="1" spcCol="0" rtlCol="0" fromWordArt="0" anchor="t" anchorCtr="0" forceAA="0" compatLnSpc="1">
+                <a:prstTxWarp prst="textNoShape">
+                  <a:avLst/>
+                </a:prstTxWarp>
+                <a:noAutofit/>
+              </a:bodyPr>
+              <a:lstStyle/>
+              <a:p>
+                <a:pPr algn="ctr" defTabSz="932472" fontAlgn="base">
+                  <a:lnSpc>
+                    <a:spcPct val="90000"/>
+                  </a:lnSpc>
+                  <a:spcBef>
+                    <a:spcPct val="0"/>
+                  </a:spcBef>
+                  <a:spcAft>
+                    <a:spcPct val="0"/>
+                  </a:spcAft>
+                </a:pPr>
+                <a:endParaRPr lang="en-CA" sz="2400" dirty="0" err="1">
+                  <a:gradFill>
+                    <a:gsLst>
+                      <a:gs pos="0">
+                        <a:srgbClr val="FFFFFF"/>
+                      </a:gs>
+                      <a:gs pos="100000">
+                        <a:srgbClr val="FFFFFF"/>
+                      </a:gs>
+                    </a:gsLst>
+                    <a:lin ang="5400000" scaled="0"/>
+                  </a:gradFill>
+                  <a:ea typeface="Segoe UI" pitchFamily="34" charset="0"/>
+                  <a:cs typeface="Segoe UI" pitchFamily="34" charset="0"/>
+                </a:endParaRPr>
+              </a:p>
+            </p:txBody>
+          </p:sp>
+          <p:grpSp>
+            <p:nvGrpSpPr>
+              <p:cNvPr id="49" name="Group 48">
+                <a:extLst>
+                  <a:ext uri="{FF2B5EF4-FFF2-40B4-BE49-F238E27FC236}">
+                    <a16:creationId xmlns:a16="http://schemas.microsoft.com/office/drawing/2014/main" id="{C33C0DFB-1544-4FB4-8720-7D02FD767064}"/>
+                  </a:ext>
+                </a:extLst>
+              </p:cNvPr>
+              <p:cNvGrpSpPr/>
+              <p:nvPr/>
+            </p:nvGrpSpPr>
+            <p:grpSpPr>
+              <a:xfrm>
+                <a:off x="5438775" y="2314575"/>
+                <a:ext cx="187847" cy="1324838"/>
+                <a:chOff x="5438775" y="2314575"/>
+                <a:chExt cx="187847" cy="1324838"/>
+              </a:xfrm>
+            </p:grpSpPr>
+            <p:grpSp>
+              <p:nvGrpSpPr>
+                <p:cNvPr id="48" name="Group 47">
+                  <a:extLst>
+                    <a:ext uri="{FF2B5EF4-FFF2-40B4-BE49-F238E27FC236}">
+                      <a16:creationId xmlns:a16="http://schemas.microsoft.com/office/drawing/2014/main" id="{7E166E9F-181B-4748-A63D-78398BCAAF43}"/>
+                    </a:ext>
+                  </a:extLst>
+                </p:cNvPr>
+                <p:cNvGrpSpPr/>
+                <p:nvPr/>
+              </p:nvGrpSpPr>
+              <p:grpSpPr>
+                <a:xfrm>
+                  <a:off x="5438775" y="2314575"/>
+                  <a:ext cx="187847" cy="187847"/>
+                  <a:chOff x="4537075" y="3248025"/>
+                  <a:chExt cx="187847" cy="187847"/>
+                </a:xfrm>
+              </p:grpSpPr>
+              <p:sp>
+                <p:nvSpPr>
+                  <p:cNvPr id="47" name="Rectangle: Rounded Corners 46">
+                    <a:extLst>
+                      <a:ext uri="{FF2B5EF4-FFF2-40B4-BE49-F238E27FC236}">
+                        <a16:creationId xmlns:a16="http://schemas.microsoft.com/office/drawing/2014/main" id="{70156C73-EB34-4046-828E-391422A4952C}"/>
+                      </a:ext>
+                    </a:extLst>
+                  </p:cNvPr>
+                  <p:cNvSpPr/>
+                  <p:nvPr/>
+                </p:nvSpPr>
+                <p:spPr>
+                  <a:xfrm>
+                    <a:off x="4537075" y="3248025"/>
+                    <a:ext cx="187847" cy="187847"/>
+                  </a:xfrm>
+                  <a:prstGeom prst="roundRect">
+                    <a:avLst/>
+                  </a:prstGeom>
+                  <a:solidFill>
+                    <a:schemeClr val="bg1"/>
+                  </a:solidFill>
+                  <a:ln>
+                    <a:solidFill>
+                      <a:srgbClr val="50E6FF"/>
+                    </a:solidFill>
+                  </a:ln>
+                </p:spPr>
+                <p:style>
+                  <a:lnRef idx="2">
+                    <a:schemeClr val="accent1">
+                      <a:shade val="50000"/>
+                    </a:schemeClr>
+                  </a:lnRef>
+                  <a:fillRef idx="1">
+                    <a:schemeClr val="accent1"/>
+                  </a:fillRef>
+                  <a:effectRef idx="0">
+                    <a:schemeClr val="accent1"/>
+                  </a:effectRef>
+                  <a:fontRef idx="minor">
+                    <a:schemeClr val="lt1"/>
+                  </a:fontRef>
+                </p:style>
+                <p:txBody>
+                  <a:bodyPr rtlCol="0" anchor="ctr"/>
+                  <a:lstStyle/>
+                  <a:p>
+                    <a:pPr algn="ctr"/>
+                    <a:endParaRPr lang="en-CA"/>
+                  </a:p>
+                </p:txBody>
+              </p:sp>
+              <p:pic>
+                <p:nvPicPr>
+                  <p:cNvPr id="6" name="Graphic 5">
+                    <a:extLst>
+                      <a:ext uri="{FF2B5EF4-FFF2-40B4-BE49-F238E27FC236}">
+                        <a16:creationId xmlns:a16="http://schemas.microsoft.com/office/drawing/2014/main" id="{5355A4B6-CA61-4368-9355-5D6407128371}"/>
+                      </a:ext>
+                    </a:extLst>
+                  </p:cNvPr>
+                  <p:cNvPicPr>
+                    <a:picLocks noChangeAspect="1"/>
+                  </p:cNvPicPr>
+                  <p:nvPr/>
+                </p:nvPicPr>
+                <p:blipFill>
+                  <a:blip r:embed="rId4">
+                    <a:extLst>
+                      <a:ext uri="{28A0092B-C50C-407E-A947-70E740481C1C}">
+                        <a14:useLocalDpi xmlns:a14="http://schemas.microsoft.com/office/drawing/2010/main" val="0"/>
+                      </a:ext>
+                      <a:ext uri="{96DAC541-7B7A-43D3-8B79-37D633B846F1}">
+                        <asvg:svgBlip xmlns:asvg="http://schemas.microsoft.com/office/drawing/2016/SVG/main" r:embed="rId5"/>
+                      </a:ext>
+                    </a:extLst>
+                  </a:blip>
+                  <a:stretch>
+                    <a:fillRect/>
+                  </a:stretch>
+                </p:blipFill>
+                <p:spPr>
+                  <a:xfrm>
+                    <a:off x="4557576" y="3268526"/>
+                    <a:ext cx="146844" cy="146844"/>
+                  </a:xfrm>
+                  <a:prstGeom prst="rect">
+                    <a:avLst/>
+                  </a:prstGeom>
+                </p:spPr>
+              </p:pic>
+            </p:grpSp>
+            <p:grpSp>
+              <p:nvGrpSpPr>
+                <p:cNvPr id="50" name="Group 49">
+                  <a:extLst>
+                    <a:ext uri="{FF2B5EF4-FFF2-40B4-BE49-F238E27FC236}">
+                      <a16:creationId xmlns:a16="http://schemas.microsoft.com/office/drawing/2014/main" id="{5B1728C4-A362-4ECC-9F0E-2B98BBC76602}"/>
+                    </a:ext>
+                  </a:extLst>
+                </p:cNvPr>
+                <p:cNvGrpSpPr/>
+                <p:nvPr/>
+              </p:nvGrpSpPr>
+              <p:grpSpPr>
+                <a:xfrm>
+                  <a:off x="5438775" y="2541973"/>
+                  <a:ext cx="187847" cy="187847"/>
+                  <a:chOff x="4537075" y="3248025"/>
+                  <a:chExt cx="187847" cy="187847"/>
+                </a:xfrm>
+              </p:grpSpPr>
+              <p:sp>
+                <p:nvSpPr>
+                  <p:cNvPr id="51" name="Rectangle: Rounded Corners 50">
+                    <a:extLst>
+                      <a:ext uri="{FF2B5EF4-FFF2-40B4-BE49-F238E27FC236}">
+                        <a16:creationId xmlns:a16="http://schemas.microsoft.com/office/drawing/2014/main" id="{544EDED1-38C3-4F20-A1F4-9170EC1C2840}"/>
+                      </a:ext>
+                    </a:extLst>
+                  </p:cNvPr>
+                  <p:cNvSpPr/>
+                  <p:nvPr/>
+                </p:nvSpPr>
+                <p:spPr>
+                  <a:xfrm>
+                    <a:off x="4537075" y="3248025"/>
+                    <a:ext cx="187847" cy="187847"/>
+                  </a:xfrm>
+                  <a:prstGeom prst="roundRect">
+                    <a:avLst/>
+                  </a:prstGeom>
+                  <a:solidFill>
+                    <a:schemeClr val="bg1"/>
+                  </a:solidFill>
+                  <a:ln>
+                    <a:solidFill>
+                      <a:srgbClr val="50E6FF"/>
+                    </a:solidFill>
+                  </a:ln>
+                </p:spPr>
+                <p:style>
+                  <a:lnRef idx="2">
+                    <a:schemeClr val="accent1">
+                      <a:shade val="50000"/>
+                    </a:schemeClr>
+                  </a:lnRef>
+                  <a:fillRef idx="1">
+                    <a:schemeClr val="accent1"/>
+                  </a:fillRef>
+                  <a:effectRef idx="0">
+                    <a:schemeClr val="accent1"/>
+                  </a:effectRef>
+                  <a:fontRef idx="minor">
+                    <a:schemeClr val="lt1"/>
+                  </a:fontRef>
+                </p:style>
+                <p:txBody>
+                  <a:bodyPr rtlCol="0" anchor="ctr"/>
+                  <a:lstStyle/>
+                  <a:p>
+                    <a:pPr algn="ctr"/>
+                    <a:endParaRPr lang="en-CA"/>
+                  </a:p>
+                </p:txBody>
+              </p:sp>
+              <p:pic>
+                <p:nvPicPr>
+                  <p:cNvPr id="52" name="Graphic 51">
+                    <a:extLst>
+                      <a:ext uri="{FF2B5EF4-FFF2-40B4-BE49-F238E27FC236}">
+                        <a16:creationId xmlns:a16="http://schemas.microsoft.com/office/drawing/2014/main" id="{99DA840A-2B77-44DC-897D-B3AAE1EF681D}"/>
+                      </a:ext>
+                    </a:extLst>
+                  </p:cNvPr>
+                  <p:cNvPicPr>
+                    <a:picLocks noChangeAspect="1"/>
+                  </p:cNvPicPr>
+                  <p:nvPr/>
+                </p:nvPicPr>
+                <p:blipFill>
+                  <a:blip r:embed="rId4">
+                    <a:extLst>
+                      <a:ext uri="{28A0092B-C50C-407E-A947-70E740481C1C}">
+                        <a14:useLocalDpi xmlns:a14="http://schemas.microsoft.com/office/drawing/2010/main" val="0"/>
+                      </a:ext>
+                      <a:ext uri="{96DAC541-7B7A-43D3-8B79-37D633B846F1}">
+                        <asvg:svgBlip xmlns:asvg="http://schemas.microsoft.com/office/drawing/2016/SVG/main" r:embed="rId5"/>
+                      </a:ext>
+                    </a:extLst>
+                  </a:blip>
+                  <a:stretch>
+                    <a:fillRect/>
+                  </a:stretch>
+                </p:blipFill>
+                <p:spPr>
+                  <a:xfrm>
+                    <a:off x="4557576" y="3268526"/>
+                    <a:ext cx="146844" cy="146844"/>
+                  </a:xfrm>
+                  <a:prstGeom prst="rect">
+                    <a:avLst/>
+                  </a:prstGeom>
+                </p:spPr>
+              </p:pic>
+            </p:grpSp>
+            <p:grpSp>
+              <p:nvGrpSpPr>
+                <p:cNvPr id="56" name="Group 55">
+                  <a:extLst>
+                    <a:ext uri="{FF2B5EF4-FFF2-40B4-BE49-F238E27FC236}">
+                      <a16:creationId xmlns:a16="http://schemas.microsoft.com/office/drawing/2014/main" id="{8B16762F-B201-4E2A-A586-B4C0A3F94C2F}"/>
+                    </a:ext>
+                  </a:extLst>
+                </p:cNvPr>
+                <p:cNvGrpSpPr/>
+                <p:nvPr/>
+              </p:nvGrpSpPr>
+              <p:grpSpPr>
+                <a:xfrm>
+                  <a:off x="5438775" y="2769371"/>
+                  <a:ext cx="187847" cy="187847"/>
+                  <a:chOff x="4537075" y="3248025"/>
+                  <a:chExt cx="187847" cy="187847"/>
+                </a:xfrm>
+              </p:grpSpPr>
+              <p:sp>
+                <p:nvSpPr>
+                  <p:cNvPr id="57" name="Rectangle: Rounded Corners 56">
+                    <a:extLst>
+                      <a:ext uri="{FF2B5EF4-FFF2-40B4-BE49-F238E27FC236}">
+                        <a16:creationId xmlns:a16="http://schemas.microsoft.com/office/drawing/2014/main" id="{A595FA81-392E-455D-A9B0-DF50B6CC506B}"/>
+                      </a:ext>
+                    </a:extLst>
+                  </p:cNvPr>
+                  <p:cNvSpPr/>
+                  <p:nvPr/>
+                </p:nvSpPr>
+                <p:spPr>
+                  <a:xfrm>
+                    <a:off x="4537075" y="3248025"/>
+                    <a:ext cx="187847" cy="187847"/>
+                  </a:xfrm>
+                  <a:prstGeom prst="roundRect">
+                    <a:avLst/>
+                  </a:prstGeom>
+                  <a:solidFill>
+                    <a:schemeClr val="bg1"/>
+                  </a:solidFill>
+                  <a:ln>
+                    <a:solidFill>
+                      <a:srgbClr val="50E6FF"/>
+                    </a:solidFill>
+                  </a:ln>
+                </p:spPr>
+                <p:style>
+                  <a:lnRef idx="2">
+                    <a:schemeClr val="accent1">
+                      <a:shade val="50000"/>
+                    </a:schemeClr>
+                  </a:lnRef>
+                  <a:fillRef idx="1">
+                    <a:schemeClr val="accent1"/>
+                  </a:fillRef>
+                  <a:effectRef idx="0">
+                    <a:schemeClr val="accent1"/>
+                  </a:effectRef>
+                  <a:fontRef idx="minor">
+                    <a:schemeClr val="lt1"/>
+                  </a:fontRef>
+                </p:style>
+                <p:txBody>
+                  <a:bodyPr rtlCol="0" anchor="ctr"/>
+                  <a:lstStyle/>
+                  <a:p>
+                    <a:pPr algn="ctr"/>
+                    <a:endParaRPr lang="en-CA"/>
+                  </a:p>
+                </p:txBody>
+              </p:sp>
+              <p:pic>
+                <p:nvPicPr>
+                  <p:cNvPr id="58" name="Graphic 57">
+                    <a:extLst>
+                      <a:ext uri="{FF2B5EF4-FFF2-40B4-BE49-F238E27FC236}">
+                        <a16:creationId xmlns:a16="http://schemas.microsoft.com/office/drawing/2014/main" id="{FC76C52B-99F6-4728-8C70-C4A71AC931BD}"/>
+                      </a:ext>
+                    </a:extLst>
+                  </p:cNvPr>
+                  <p:cNvPicPr>
+                    <a:picLocks noChangeAspect="1"/>
+                  </p:cNvPicPr>
+                  <p:nvPr/>
+                </p:nvPicPr>
+                <p:blipFill>
+                  <a:blip r:embed="rId4">
+                    <a:extLst>
+                      <a:ext uri="{28A0092B-C50C-407E-A947-70E740481C1C}">
+                        <a14:useLocalDpi xmlns:a14="http://schemas.microsoft.com/office/drawing/2010/main" val="0"/>
+                      </a:ext>
+                      <a:ext uri="{96DAC541-7B7A-43D3-8B79-37D633B846F1}">
+                        <asvg:svgBlip xmlns:asvg="http://schemas.microsoft.com/office/drawing/2016/SVG/main" r:embed="rId5"/>
+                      </a:ext>
+                    </a:extLst>
+                  </a:blip>
+                  <a:stretch>
+                    <a:fillRect/>
+                  </a:stretch>
+                </p:blipFill>
+                <p:spPr>
+                  <a:xfrm>
+                    <a:off x="4557576" y="3268526"/>
+                    <a:ext cx="146844" cy="146844"/>
+                  </a:xfrm>
+                  <a:prstGeom prst="rect">
+                    <a:avLst/>
+                  </a:prstGeom>
+                </p:spPr>
+              </p:pic>
+            </p:grpSp>
+            <p:grpSp>
+              <p:nvGrpSpPr>
+                <p:cNvPr id="59" name="Group 58">
+                  <a:extLst>
+                    <a:ext uri="{FF2B5EF4-FFF2-40B4-BE49-F238E27FC236}">
+                      <a16:creationId xmlns:a16="http://schemas.microsoft.com/office/drawing/2014/main" id="{6FC6D6D4-BDE9-4D50-917C-F42857403B3B}"/>
+                    </a:ext>
+                  </a:extLst>
+                </p:cNvPr>
+                <p:cNvGrpSpPr/>
+                <p:nvPr/>
+              </p:nvGrpSpPr>
+              <p:grpSpPr>
+                <a:xfrm>
+                  <a:off x="5438775" y="2996769"/>
+                  <a:ext cx="187847" cy="187847"/>
+                  <a:chOff x="4537075" y="3248025"/>
+                  <a:chExt cx="187847" cy="187847"/>
+                </a:xfrm>
+              </p:grpSpPr>
+              <p:sp>
+                <p:nvSpPr>
+                  <p:cNvPr id="60" name="Rectangle: Rounded Corners 59">
+                    <a:extLst>
+                      <a:ext uri="{FF2B5EF4-FFF2-40B4-BE49-F238E27FC236}">
+                        <a16:creationId xmlns:a16="http://schemas.microsoft.com/office/drawing/2014/main" id="{A464D9E1-48A0-4D86-B539-99A2B735DD17}"/>
+                      </a:ext>
+                    </a:extLst>
+                  </p:cNvPr>
+                  <p:cNvSpPr/>
+                  <p:nvPr/>
+                </p:nvSpPr>
+                <p:spPr>
+                  <a:xfrm>
+                    <a:off x="4537075" y="3248025"/>
+                    <a:ext cx="187847" cy="187847"/>
+                  </a:xfrm>
+                  <a:prstGeom prst="roundRect">
+                    <a:avLst/>
+                  </a:prstGeom>
+                  <a:solidFill>
+                    <a:schemeClr val="bg1"/>
+                  </a:solidFill>
+                  <a:ln>
+                    <a:solidFill>
+                      <a:srgbClr val="50E6FF"/>
+                    </a:solidFill>
+                  </a:ln>
+                </p:spPr>
+                <p:style>
+                  <a:lnRef idx="2">
+                    <a:schemeClr val="accent1">
+                      <a:shade val="50000"/>
+                    </a:schemeClr>
+                  </a:lnRef>
+                  <a:fillRef idx="1">
+                    <a:schemeClr val="accent1"/>
+                  </a:fillRef>
+                  <a:effectRef idx="0">
+                    <a:schemeClr val="accent1"/>
+                  </a:effectRef>
+                  <a:fontRef idx="minor">
+                    <a:schemeClr val="lt1"/>
+                  </a:fontRef>
+                </p:style>
+                <p:txBody>
+                  <a:bodyPr rtlCol="0" anchor="ctr"/>
+                  <a:lstStyle/>
+                  <a:p>
+                    <a:pPr algn="ctr"/>
+                    <a:endParaRPr lang="en-CA"/>
+                  </a:p>
+                </p:txBody>
+              </p:sp>
+              <p:pic>
+                <p:nvPicPr>
+                  <p:cNvPr id="61" name="Graphic 60">
+                    <a:extLst>
+                      <a:ext uri="{FF2B5EF4-FFF2-40B4-BE49-F238E27FC236}">
+                        <a16:creationId xmlns:a16="http://schemas.microsoft.com/office/drawing/2014/main" id="{4763FAD5-633E-4A08-9980-990F78D965F2}"/>
+                      </a:ext>
+                    </a:extLst>
+                  </p:cNvPr>
+                  <p:cNvPicPr>
+                    <a:picLocks noChangeAspect="1"/>
+                  </p:cNvPicPr>
+                  <p:nvPr/>
+                </p:nvPicPr>
+                <p:blipFill>
+                  <a:blip r:embed="rId4">
+                    <a:extLst>
+                      <a:ext uri="{28A0092B-C50C-407E-A947-70E740481C1C}">
+                        <a14:useLocalDpi xmlns:a14="http://schemas.microsoft.com/office/drawing/2010/main" val="0"/>
+                      </a:ext>
+                      <a:ext uri="{96DAC541-7B7A-43D3-8B79-37D633B846F1}">
+                        <asvg:svgBlip xmlns:asvg="http://schemas.microsoft.com/office/drawing/2016/SVG/main" r:embed="rId5"/>
+                      </a:ext>
+                    </a:extLst>
+                  </a:blip>
+                  <a:stretch>
+                    <a:fillRect/>
+                  </a:stretch>
+                </p:blipFill>
+                <p:spPr>
+                  <a:xfrm>
+                    <a:off x="4557576" y="3268526"/>
+                    <a:ext cx="146844" cy="146844"/>
+                  </a:xfrm>
+                  <a:prstGeom prst="rect">
+                    <a:avLst/>
+                  </a:prstGeom>
+                </p:spPr>
+              </p:pic>
+            </p:grpSp>
+            <p:grpSp>
+              <p:nvGrpSpPr>
+                <p:cNvPr id="62" name="Group 61">
+                  <a:extLst>
+                    <a:ext uri="{FF2B5EF4-FFF2-40B4-BE49-F238E27FC236}">
+                      <a16:creationId xmlns:a16="http://schemas.microsoft.com/office/drawing/2014/main" id="{C0ED03E1-BCAE-484E-A74B-598F69683C7A}"/>
+                    </a:ext>
+                  </a:extLst>
+                </p:cNvPr>
+                <p:cNvGrpSpPr/>
+                <p:nvPr/>
+              </p:nvGrpSpPr>
+              <p:grpSpPr>
+                <a:xfrm>
+                  <a:off x="5438775" y="3224167"/>
+                  <a:ext cx="187847" cy="187847"/>
+                  <a:chOff x="4537075" y="3248025"/>
+                  <a:chExt cx="187847" cy="187847"/>
+                </a:xfrm>
+              </p:grpSpPr>
+              <p:sp>
+                <p:nvSpPr>
+                  <p:cNvPr id="63" name="Rectangle: Rounded Corners 62">
+                    <a:extLst>
+                      <a:ext uri="{FF2B5EF4-FFF2-40B4-BE49-F238E27FC236}">
+                        <a16:creationId xmlns:a16="http://schemas.microsoft.com/office/drawing/2014/main" id="{4F1A34DC-E8E8-4A35-905C-6EBA6D1E3798}"/>
+                      </a:ext>
+                    </a:extLst>
+                  </p:cNvPr>
+                  <p:cNvSpPr/>
+                  <p:nvPr/>
+                </p:nvSpPr>
+                <p:spPr>
+                  <a:xfrm>
+                    <a:off x="4537075" y="3248025"/>
+                    <a:ext cx="187847" cy="187847"/>
+                  </a:xfrm>
+                  <a:prstGeom prst="roundRect">
+                    <a:avLst/>
+                  </a:prstGeom>
+                  <a:solidFill>
+                    <a:schemeClr val="bg1"/>
+                  </a:solidFill>
+                  <a:ln>
+                    <a:solidFill>
+                      <a:srgbClr val="50E6FF"/>
+                    </a:solidFill>
+                  </a:ln>
+                </p:spPr>
+                <p:style>
+                  <a:lnRef idx="2">
+                    <a:schemeClr val="accent1">
+                      <a:shade val="50000"/>
+                    </a:schemeClr>
+                  </a:lnRef>
+                  <a:fillRef idx="1">
+                    <a:schemeClr val="accent1"/>
+                  </a:fillRef>
+                  <a:effectRef idx="0">
+                    <a:schemeClr val="accent1"/>
+                  </a:effectRef>
+                  <a:fontRef idx="minor">
+                    <a:schemeClr val="lt1"/>
+                  </a:fontRef>
+                </p:style>
+                <p:txBody>
+                  <a:bodyPr rtlCol="0" anchor="ctr"/>
+                  <a:lstStyle/>
+                  <a:p>
+                    <a:pPr algn="ctr"/>
+                    <a:endParaRPr lang="en-CA"/>
+                  </a:p>
+                </p:txBody>
+              </p:sp>
+              <p:pic>
+                <p:nvPicPr>
+                  <p:cNvPr id="64" name="Graphic 63">
+                    <a:extLst>
+                      <a:ext uri="{FF2B5EF4-FFF2-40B4-BE49-F238E27FC236}">
+                        <a16:creationId xmlns:a16="http://schemas.microsoft.com/office/drawing/2014/main" id="{8A412C3D-372C-410F-91E1-5797F61EEB7A}"/>
+                      </a:ext>
+                    </a:extLst>
+                  </p:cNvPr>
+                  <p:cNvPicPr>
+                    <a:picLocks noChangeAspect="1"/>
+                  </p:cNvPicPr>
+                  <p:nvPr/>
+                </p:nvPicPr>
+                <p:blipFill>
+                  <a:blip r:embed="rId4">
+                    <a:extLst>
+                      <a:ext uri="{28A0092B-C50C-407E-A947-70E740481C1C}">
+                        <a14:useLocalDpi xmlns:a14="http://schemas.microsoft.com/office/drawing/2010/main" val="0"/>
+                      </a:ext>
+                      <a:ext uri="{96DAC541-7B7A-43D3-8B79-37D633B846F1}">
+                        <asvg:svgBlip xmlns:asvg="http://schemas.microsoft.com/office/drawing/2016/SVG/main" r:embed="rId5"/>
+                      </a:ext>
+                    </a:extLst>
+                  </a:blip>
+                  <a:stretch>
+                    <a:fillRect/>
+                  </a:stretch>
+                </p:blipFill>
+                <p:spPr>
+                  <a:xfrm>
+                    <a:off x="4557576" y="3268526"/>
+                    <a:ext cx="146844" cy="146844"/>
+                  </a:xfrm>
+                  <a:prstGeom prst="rect">
+                    <a:avLst/>
+                  </a:prstGeom>
+                </p:spPr>
+              </p:pic>
+            </p:grpSp>
+            <p:grpSp>
+              <p:nvGrpSpPr>
+                <p:cNvPr id="65" name="Group 64">
+                  <a:extLst>
+                    <a:ext uri="{FF2B5EF4-FFF2-40B4-BE49-F238E27FC236}">
+                      <a16:creationId xmlns:a16="http://schemas.microsoft.com/office/drawing/2014/main" id="{CF6F1D15-BE24-4512-BD33-1A6775BE08D9}"/>
+                    </a:ext>
+                  </a:extLst>
+                </p:cNvPr>
+                <p:cNvGrpSpPr/>
+                <p:nvPr/>
+              </p:nvGrpSpPr>
+              <p:grpSpPr>
+                <a:xfrm>
+                  <a:off x="5438775" y="3451566"/>
+                  <a:ext cx="187847" cy="187847"/>
+                  <a:chOff x="4537075" y="3248025"/>
+                  <a:chExt cx="187847" cy="187847"/>
+                </a:xfrm>
+              </p:grpSpPr>
+              <p:sp>
+                <p:nvSpPr>
+                  <p:cNvPr id="66" name="Rectangle: Rounded Corners 65">
+                    <a:extLst>
+                      <a:ext uri="{FF2B5EF4-FFF2-40B4-BE49-F238E27FC236}">
+                        <a16:creationId xmlns:a16="http://schemas.microsoft.com/office/drawing/2014/main" id="{B5C4ADAA-B4F3-4984-B3C8-C95AD51CBBDD}"/>
+                      </a:ext>
+                    </a:extLst>
+                  </p:cNvPr>
+                  <p:cNvSpPr/>
+                  <p:nvPr/>
+                </p:nvSpPr>
+                <p:spPr>
+                  <a:xfrm>
+                    <a:off x="4537075" y="3248025"/>
+                    <a:ext cx="187847" cy="187847"/>
+                  </a:xfrm>
+                  <a:prstGeom prst="roundRect">
+                    <a:avLst/>
+                  </a:prstGeom>
+                  <a:solidFill>
+                    <a:schemeClr val="bg1"/>
+                  </a:solidFill>
+                  <a:ln>
+                    <a:solidFill>
+                      <a:srgbClr val="50E6FF"/>
+                    </a:solidFill>
+                  </a:ln>
+                </p:spPr>
+                <p:style>
+                  <a:lnRef idx="2">
+                    <a:schemeClr val="accent1">
+                      <a:shade val="50000"/>
+                    </a:schemeClr>
+                  </a:lnRef>
+                  <a:fillRef idx="1">
+                    <a:schemeClr val="accent1"/>
+                  </a:fillRef>
+                  <a:effectRef idx="0">
+                    <a:schemeClr val="accent1"/>
+                  </a:effectRef>
+                  <a:fontRef idx="minor">
+                    <a:schemeClr val="lt1"/>
+                  </a:fontRef>
+                </p:style>
+                <p:txBody>
+                  <a:bodyPr rtlCol="0" anchor="ctr"/>
+                  <a:lstStyle/>
+                  <a:p>
+                    <a:pPr algn="ctr"/>
+                    <a:endParaRPr lang="en-CA"/>
+                  </a:p>
+                </p:txBody>
+              </p:sp>
+              <p:pic>
+                <p:nvPicPr>
+                  <p:cNvPr id="67" name="Graphic 66">
+                    <a:extLst>
+                      <a:ext uri="{FF2B5EF4-FFF2-40B4-BE49-F238E27FC236}">
+                        <a16:creationId xmlns:a16="http://schemas.microsoft.com/office/drawing/2014/main" id="{E14E9EC6-95C5-46B6-B70E-6DE83D843611}"/>
+                      </a:ext>
+                    </a:extLst>
+                  </p:cNvPr>
+                  <p:cNvPicPr>
+                    <a:picLocks noChangeAspect="1"/>
+                  </p:cNvPicPr>
+                  <p:nvPr/>
+                </p:nvPicPr>
+                <p:blipFill>
+                  <a:blip r:embed="rId4">
+                    <a:extLst>
+                      <a:ext uri="{28A0092B-C50C-407E-A947-70E740481C1C}">
+                        <a14:useLocalDpi xmlns:a14="http://schemas.microsoft.com/office/drawing/2010/main" val="0"/>
+                      </a:ext>
+                      <a:ext uri="{96DAC541-7B7A-43D3-8B79-37D633B846F1}">
+                        <asvg:svgBlip xmlns:asvg="http://schemas.microsoft.com/office/drawing/2016/SVG/main" r:embed="rId5"/>
+                      </a:ext>
+                    </a:extLst>
+                  </a:blip>
+                  <a:stretch>
+                    <a:fillRect/>
+                  </a:stretch>
+                </p:blipFill>
+                <p:spPr>
+                  <a:xfrm>
+                    <a:off x="4557576" y="3268526"/>
+                    <a:ext cx="146844" cy="146844"/>
+                  </a:xfrm>
+                  <a:prstGeom prst="rect">
+                    <a:avLst/>
+                  </a:prstGeom>
+                </p:spPr>
+              </p:pic>
+            </p:grpSp>
+          </p:grpSp>
+          <p:grpSp>
+            <p:nvGrpSpPr>
+              <p:cNvPr id="105" name="Group 104">
+                <a:extLst>
+                  <a:ext uri="{FF2B5EF4-FFF2-40B4-BE49-F238E27FC236}">
+                    <a16:creationId xmlns:a16="http://schemas.microsoft.com/office/drawing/2014/main" id="{8898626C-E957-4CB5-BF9B-38176518D2B4}"/>
+                  </a:ext>
+                </a:extLst>
+              </p:cNvPr>
+              <p:cNvGrpSpPr/>
+              <p:nvPr/>
+            </p:nvGrpSpPr>
+            <p:grpSpPr>
+              <a:xfrm>
+                <a:off x="5668522" y="2314575"/>
+                <a:ext cx="187847" cy="1324838"/>
+                <a:chOff x="5438775" y="2314575"/>
+                <a:chExt cx="187847" cy="1324838"/>
+              </a:xfrm>
+            </p:grpSpPr>
+            <p:grpSp>
+              <p:nvGrpSpPr>
+                <p:cNvPr id="106" name="Group 105">
+                  <a:extLst>
+                    <a:ext uri="{FF2B5EF4-FFF2-40B4-BE49-F238E27FC236}">
+                      <a16:creationId xmlns:a16="http://schemas.microsoft.com/office/drawing/2014/main" id="{A33366DD-1F37-4971-8265-9B7545376814}"/>
+                    </a:ext>
+                  </a:extLst>
+                </p:cNvPr>
+                <p:cNvGrpSpPr/>
+                <p:nvPr/>
+              </p:nvGrpSpPr>
+              <p:grpSpPr>
+                <a:xfrm>
+                  <a:off x="5438775" y="2314575"/>
+                  <a:ext cx="187847" cy="187847"/>
+                  <a:chOff x="4537075" y="3248025"/>
+                  <a:chExt cx="187847" cy="187847"/>
+                </a:xfrm>
+              </p:grpSpPr>
+              <p:sp>
+                <p:nvSpPr>
+                  <p:cNvPr id="122" name="Rectangle: Rounded Corners 121">
+                    <a:extLst>
+                      <a:ext uri="{FF2B5EF4-FFF2-40B4-BE49-F238E27FC236}">
+                        <a16:creationId xmlns:a16="http://schemas.microsoft.com/office/drawing/2014/main" id="{32307B27-2692-4AC0-A945-677C2751C267}"/>
+                      </a:ext>
+                    </a:extLst>
+                  </p:cNvPr>
+                  <p:cNvSpPr/>
+                  <p:nvPr/>
+                </p:nvSpPr>
+                <p:spPr>
+                  <a:xfrm>
+                    <a:off x="4537075" y="3248025"/>
+                    <a:ext cx="187847" cy="187847"/>
+                  </a:xfrm>
+                  <a:prstGeom prst="roundRect">
+                    <a:avLst/>
+                  </a:prstGeom>
+                  <a:solidFill>
+                    <a:schemeClr val="bg1"/>
+                  </a:solidFill>
+                  <a:ln>
+                    <a:solidFill>
+                      <a:srgbClr val="50E6FF"/>
+                    </a:solidFill>
+                  </a:ln>
+                </p:spPr>
+                <p:style>
+                  <a:lnRef idx="2">
+                    <a:schemeClr val="accent1">
+                      <a:shade val="50000"/>
+                    </a:schemeClr>
+                  </a:lnRef>
+                  <a:fillRef idx="1">
+                    <a:schemeClr val="accent1"/>
+                  </a:fillRef>
+                  <a:effectRef idx="0">
+                    <a:schemeClr val="accent1"/>
+                  </a:effectRef>
+                  <a:fontRef idx="minor">
+                    <a:schemeClr val="lt1"/>
+                  </a:fontRef>
+                </p:style>
+                <p:txBody>
+                  <a:bodyPr rtlCol="0" anchor="ctr"/>
+                  <a:lstStyle/>
+                  <a:p>
+                    <a:pPr algn="ctr"/>
+                    <a:endParaRPr lang="en-CA"/>
+                  </a:p>
+                </p:txBody>
+              </p:sp>
+              <p:pic>
+                <p:nvPicPr>
+                  <p:cNvPr id="123" name="Graphic 122">
+                    <a:extLst>
+                      <a:ext uri="{FF2B5EF4-FFF2-40B4-BE49-F238E27FC236}">
+                        <a16:creationId xmlns:a16="http://schemas.microsoft.com/office/drawing/2014/main" id="{8ADC2469-8D5E-4893-9738-F9EC0FA39184}"/>
+                      </a:ext>
+                    </a:extLst>
+                  </p:cNvPr>
+                  <p:cNvPicPr>
+                    <a:picLocks noChangeAspect="1"/>
+                  </p:cNvPicPr>
+                  <p:nvPr/>
+                </p:nvPicPr>
+                <p:blipFill>
+                  <a:blip r:embed="rId4">
+                    <a:extLst>
+                      <a:ext uri="{28A0092B-C50C-407E-A947-70E740481C1C}">
+                        <a14:useLocalDpi xmlns:a14="http://schemas.microsoft.com/office/drawing/2010/main" val="0"/>
+                      </a:ext>
+                      <a:ext uri="{96DAC541-7B7A-43D3-8B79-37D633B846F1}">
+                        <asvg:svgBlip xmlns:asvg="http://schemas.microsoft.com/office/drawing/2016/SVG/main" r:embed="rId5"/>
+                      </a:ext>
+                    </a:extLst>
+                  </a:blip>
+                  <a:stretch>
+                    <a:fillRect/>
+                  </a:stretch>
+                </p:blipFill>
+                <p:spPr>
+                  <a:xfrm>
+                    <a:off x="4557576" y="3268526"/>
+                    <a:ext cx="146844" cy="146844"/>
+                  </a:xfrm>
+                  <a:prstGeom prst="rect">
+                    <a:avLst/>
+                  </a:prstGeom>
+                </p:spPr>
+              </p:pic>
+            </p:grpSp>
+            <p:grpSp>
+              <p:nvGrpSpPr>
+                <p:cNvPr id="107" name="Group 106">
+                  <a:extLst>
+                    <a:ext uri="{FF2B5EF4-FFF2-40B4-BE49-F238E27FC236}">
+                      <a16:creationId xmlns:a16="http://schemas.microsoft.com/office/drawing/2014/main" id="{69763812-A846-48EE-AD96-5E04D321E5BE}"/>
+                    </a:ext>
+                  </a:extLst>
+                </p:cNvPr>
+                <p:cNvGrpSpPr/>
+                <p:nvPr/>
+              </p:nvGrpSpPr>
+              <p:grpSpPr>
+                <a:xfrm>
+                  <a:off x="5438775" y="2541973"/>
+                  <a:ext cx="187847" cy="187847"/>
+                  <a:chOff x="4537075" y="3248025"/>
+                  <a:chExt cx="187847" cy="187847"/>
+                </a:xfrm>
+              </p:grpSpPr>
+              <p:sp>
+                <p:nvSpPr>
+                  <p:cNvPr id="120" name="Rectangle: Rounded Corners 119">
+                    <a:extLst>
+                      <a:ext uri="{FF2B5EF4-FFF2-40B4-BE49-F238E27FC236}">
+                        <a16:creationId xmlns:a16="http://schemas.microsoft.com/office/drawing/2014/main" id="{F890304D-91B4-45E1-9C8D-D21ECC3D34F9}"/>
+                      </a:ext>
+                    </a:extLst>
+                  </p:cNvPr>
+                  <p:cNvSpPr/>
+                  <p:nvPr/>
+                </p:nvSpPr>
+                <p:spPr>
+                  <a:xfrm>
+                    <a:off x="4537075" y="3248025"/>
+                    <a:ext cx="187847" cy="187847"/>
+                  </a:xfrm>
+                  <a:prstGeom prst="roundRect">
+                    <a:avLst/>
+                  </a:prstGeom>
+                  <a:solidFill>
+                    <a:schemeClr val="bg1"/>
+                  </a:solidFill>
+                  <a:ln>
+                    <a:solidFill>
+                      <a:srgbClr val="50E6FF"/>
+                    </a:solidFill>
+                  </a:ln>
+                </p:spPr>
+                <p:style>
+                  <a:lnRef idx="2">
+                    <a:schemeClr val="accent1">
+                      <a:shade val="50000"/>
+                    </a:schemeClr>
+                  </a:lnRef>
+                  <a:fillRef idx="1">
+                    <a:schemeClr val="accent1"/>
+                  </a:fillRef>
+                  <a:effectRef idx="0">
+                    <a:schemeClr val="accent1"/>
+                  </a:effectRef>
+                  <a:fontRef idx="minor">
+                    <a:schemeClr val="lt1"/>
+                  </a:fontRef>
+                </p:style>
+                <p:txBody>
+                  <a:bodyPr rtlCol="0" anchor="ctr"/>
+                  <a:lstStyle/>
+                  <a:p>
+                    <a:pPr algn="ctr"/>
+                    <a:endParaRPr lang="en-CA"/>
+                  </a:p>
+                </p:txBody>
+              </p:sp>
+              <p:pic>
+                <p:nvPicPr>
+                  <p:cNvPr id="121" name="Graphic 120">
+                    <a:extLst>
+                      <a:ext uri="{FF2B5EF4-FFF2-40B4-BE49-F238E27FC236}">
+                        <a16:creationId xmlns:a16="http://schemas.microsoft.com/office/drawing/2014/main" id="{BCF2440C-8D36-4C23-A611-30A2B0F3E1F6}"/>
+                      </a:ext>
+                    </a:extLst>
+                  </p:cNvPr>
+                  <p:cNvPicPr>
+                    <a:picLocks noChangeAspect="1"/>
+                  </p:cNvPicPr>
+                  <p:nvPr/>
+                </p:nvPicPr>
+                <p:blipFill>
+                  <a:blip r:embed="rId4">
+                    <a:extLst>
+                      <a:ext uri="{28A0092B-C50C-407E-A947-70E740481C1C}">
+                        <a14:useLocalDpi xmlns:a14="http://schemas.microsoft.com/office/drawing/2010/main" val="0"/>
+                      </a:ext>
+                      <a:ext uri="{96DAC541-7B7A-43D3-8B79-37D633B846F1}">
+                        <asvg:svgBlip xmlns:asvg="http://schemas.microsoft.com/office/drawing/2016/SVG/main" r:embed="rId5"/>
+                      </a:ext>
+                    </a:extLst>
+                  </a:blip>
+                  <a:stretch>
+                    <a:fillRect/>
+                  </a:stretch>
+                </p:blipFill>
+                <p:spPr>
+                  <a:xfrm>
+                    <a:off x="4557576" y="3268526"/>
+                    <a:ext cx="146844" cy="146844"/>
+                  </a:xfrm>
+                  <a:prstGeom prst="rect">
+                    <a:avLst/>
+                  </a:prstGeom>
+                </p:spPr>
+              </p:pic>
+            </p:grpSp>
+            <p:grpSp>
+              <p:nvGrpSpPr>
+                <p:cNvPr id="108" name="Group 107">
+                  <a:extLst>
+                    <a:ext uri="{FF2B5EF4-FFF2-40B4-BE49-F238E27FC236}">
+                      <a16:creationId xmlns:a16="http://schemas.microsoft.com/office/drawing/2014/main" id="{3A4D59AF-8199-47EF-872D-01261DB2061E}"/>
+                    </a:ext>
+                  </a:extLst>
+                </p:cNvPr>
+                <p:cNvGrpSpPr/>
+                <p:nvPr/>
+              </p:nvGrpSpPr>
+              <p:grpSpPr>
+                <a:xfrm>
+                  <a:off x="5438775" y="2769371"/>
+                  <a:ext cx="187847" cy="187847"/>
+                  <a:chOff x="4537075" y="3248025"/>
+                  <a:chExt cx="187847" cy="187847"/>
+                </a:xfrm>
+              </p:grpSpPr>
+              <p:sp>
+                <p:nvSpPr>
+                  <p:cNvPr id="118" name="Rectangle: Rounded Corners 117">
+                    <a:extLst>
+                      <a:ext uri="{FF2B5EF4-FFF2-40B4-BE49-F238E27FC236}">
+                        <a16:creationId xmlns:a16="http://schemas.microsoft.com/office/drawing/2014/main" id="{1844D881-94CF-4A75-917A-D87401B1856E}"/>
+                      </a:ext>
+                    </a:extLst>
+                  </p:cNvPr>
+                  <p:cNvSpPr/>
+                  <p:nvPr/>
+                </p:nvSpPr>
+                <p:spPr>
+                  <a:xfrm>
+                    <a:off x="4537075" y="3248025"/>
+                    <a:ext cx="187847" cy="187847"/>
+                  </a:xfrm>
+                  <a:prstGeom prst="roundRect">
+                    <a:avLst/>
+                  </a:prstGeom>
+                  <a:solidFill>
+                    <a:schemeClr val="bg1"/>
+                  </a:solidFill>
+                  <a:ln>
+                    <a:solidFill>
+                      <a:srgbClr val="50E6FF"/>
+                    </a:solidFill>
+                  </a:ln>
+                </p:spPr>
+                <p:style>
+                  <a:lnRef idx="2">
+                    <a:schemeClr val="accent1">
+                      <a:shade val="50000"/>
+                    </a:schemeClr>
+                  </a:lnRef>
+                  <a:fillRef idx="1">
+                    <a:schemeClr val="accent1"/>
+                  </a:fillRef>
+                  <a:effectRef idx="0">
+                    <a:schemeClr val="accent1"/>
+                  </a:effectRef>
+                  <a:fontRef idx="minor">
+                    <a:schemeClr val="lt1"/>
+                  </a:fontRef>
+                </p:style>
+                <p:txBody>
+                  <a:bodyPr rtlCol="0" anchor="ctr"/>
+                  <a:lstStyle/>
+                  <a:p>
+                    <a:pPr algn="ctr"/>
+                    <a:endParaRPr lang="en-CA"/>
+                  </a:p>
+                </p:txBody>
+              </p:sp>
+              <p:pic>
+                <p:nvPicPr>
+                  <p:cNvPr id="119" name="Graphic 118">
+                    <a:extLst>
+                      <a:ext uri="{FF2B5EF4-FFF2-40B4-BE49-F238E27FC236}">
+                        <a16:creationId xmlns:a16="http://schemas.microsoft.com/office/drawing/2014/main" id="{BFA66EA7-5628-4E48-AAC6-C0B471257203}"/>
+                      </a:ext>
+                    </a:extLst>
+                  </p:cNvPr>
+                  <p:cNvPicPr>
+                    <a:picLocks noChangeAspect="1"/>
+                  </p:cNvPicPr>
+                  <p:nvPr/>
+                </p:nvPicPr>
+                <p:blipFill>
+                  <a:blip r:embed="rId4">
+                    <a:extLst>
+                      <a:ext uri="{28A0092B-C50C-407E-A947-70E740481C1C}">
+                        <a14:useLocalDpi xmlns:a14="http://schemas.microsoft.com/office/drawing/2010/main" val="0"/>
+                      </a:ext>
+                      <a:ext uri="{96DAC541-7B7A-43D3-8B79-37D633B846F1}">
+                        <asvg:svgBlip xmlns:asvg="http://schemas.microsoft.com/office/drawing/2016/SVG/main" r:embed="rId5"/>
+                      </a:ext>
+                    </a:extLst>
+                  </a:blip>
+                  <a:stretch>
+                    <a:fillRect/>
+                  </a:stretch>
+                </p:blipFill>
+                <p:spPr>
+                  <a:xfrm>
+                    <a:off x="4557576" y="3268526"/>
+                    <a:ext cx="146844" cy="146844"/>
+                  </a:xfrm>
+                  <a:prstGeom prst="rect">
+                    <a:avLst/>
+                  </a:prstGeom>
+                </p:spPr>
+              </p:pic>
+            </p:grpSp>
+            <p:grpSp>
+              <p:nvGrpSpPr>
+                <p:cNvPr id="109" name="Group 108">
+                  <a:extLst>
+                    <a:ext uri="{FF2B5EF4-FFF2-40B4-BE49-F238E27FC236}">
+                      <a16:creationId xmlns:a16="http://schemas.microsoft.com/office/drawing/2014/main" id="{5E662F6E-30D3-4323-88A3-2B3E2E3E4E66}"/>
+                    </a:ext>
+                  </a:extLst>
+                </p:cNvPr>
+                <p:cNvGrpSpPr/>
+                <p:nvPr/>
+              </p:nvGrpSpPr>
+              <p:grpSpPr>
+                <a:xfrm>
+                  <a:off x="5438775" y="2996769"/>
+                  <a:ext cx="187847" cy="187847"/>
+                  <a:chOff x="4537075" y="3248025"/>
+                  <a:chExt cx="187847" cy="187847"/>
+                </a:xfrm>
+              </p:grpSpPr>
+              <p:sp>
+                <p:nvSpPr>
+                  <p:cNvPr id="116" name="Rectangle: Rounded Corners 115">
+                    <a:extLst>
+                      <a:ext uri="{FF2B5EF4-FFF2-40B4-BE49-F238E27FC236}">
+                        <a16:creationId xmlns:a16="http://schemas.microsoft.com/office/drawing/2014/main" id="{449CFAA7-B993-4E46-B294-26D6B85ABFBF}"/>
+                      </a:ext>
+                    </a:extLst>
+                  </p:cNvPr>
+                  <p:cNvSpPr/>
+                  <p:nvPr/>
+                </p:nvSpPr>
+                <p:spPr>
+                  <a:xfrm>
+                    <a:off x="4537075" y="3248025"/>
+                    <a:ext cx="187847" cy="187847"/>
+                  </a:xfrm>
+                  <a:prstGeom prst="roundRect">
+                    <a:avLst/>
+                  </a:prstGeom>
+                  <a:solidFill>
+                    <a:schemeClr val="bg1"/>
+                  </a:solidFill>
+                  <a:ln>
+                    <a:solidFill>
+                      <a:srgbClr val="50E6FF"/>
+                    </a:solidFill>
+                  </a:ln>
+                </p:spPr>
+                <p:style>
+                  <a:lnRef idx="2">
+                    <a:schemeClr val="accent1">
+                      <a:shade val="50000"/>
+                    </a:schemeClr>
+                  </a:lnRef>
+                  <a:fillRef idx="1">
+                    <a:schemeClr val="accent1"/>
+                  </a:fillRef>
+                  <a:effectRef idx="0">
+                    <a:schemeClr val="accent1"/>
+                  </a:effectRef>
+                  <a:fontRef idx="minor">
+                    <a:schemeClr val="lt1"/>
+                  </a:fontRef>
+                </p:style>
+                <p:txBody>
+                  <a:bodyPr rtlCol="0" anchor="ctr"/>
+                  <a:lstStyle/>
+                  <a:p>
+                    <a:pPr algn="ctr"/>
+                    <a:endParaRPr lang="en-CA"/>
+                  </a:p>
+                </p:txBody>
+              </p:sp>
+              <p:pic>
+                <p:nvPicPr>
+                  <p:cNvPr id="117" name="Graphic 116">
+                    <a:extLst>
+                      <a:ext uri="{FF2B5EF4-FFF2-40B4-BE49-F238E27FC236}">
+                        <a16:creationId xmlns:a16="http://schemas.microsoft.com/office/drawing/2014/main" id="{80858153-2E0D-4C68-9B1D-9BF970AB7B56}"/>
+                      </a:ext>
+                    </a:extLst>
+                  </p:cNvPr>
+                  <p:cNvPicPr>
+                    <a:picLocks noChangeAspect="1"/>
+                  </p:cNvPicPr>
+                  <p:nvPr/>
+                </p:nvPicPr>
+                <p:blipFill>
+                  <a:blip r:embed="rId4">
+                    <a:extLst>
+                      <a:ext uri="{28A0092B-C50C-407E-A947-70E740481C1C}">
+                        <a14:useLocalDpi xmlns:a14="http://schemas.microsoft.com/office/drawing/2010/main" val="0"/>
+                      </a:ext>
+                      <a:ext uri="{96DAC541-7B7A-43D3-8B79-37D633B846F1}">
+                        <asvg:svgBlip xmlns:asvg="http://schemas.microsoft.com/office/drawing/2016/SVG/main" r:embed="rId5"/>
+                      </a:ext>
+                    </a:extLst>
+                  </a:blip>
+                  <a:stretch>
+                    <a:fillRect/>
+                  </a:stretch>
+                </p:blipFill>
+                <p:spPr>
+                  <a:xfrm>
+                    <a:off x="4557576" y="3268526"/>
+                    <a:ext cx="146844" cy="146844"/>
+                  </a:xfrm>
+                  <a:prstGeom prst="rect">
+                    <a:avLst/>
+                  </a:prstGeom>
+                </p:spPr>
+              </p:pic>
+            </p:grpSp>
+            <p:grpSp>
+              <p:nvGrpSpPr>
+                <p:cNvPr id="110" name="Group 109">
+                  <a:extLst>
+                    <a:ext uri="{FF2B5EF4-FFF2-40B4-BE49-F238E27FC236}">
+                      <a16:creationId xmlns:a16="http://schemas.microsoft.com/office/drawing/2014/main" id="{AB45AA58-1C6C-4FFE-A4FD-D7D6B43BEF09}"/>
+                    </a:ext>
+                  </a:extLst>
+                </p:cNvPr>
+                <p:cNvGrpSpPr/>
+                <p:nvPr/>
+              </p:nvGrpSpPr>
+              <p:grpSpPr>
+                <a:xfrm>
+                  <a:off x="5438775" y="3224167"/>
+                  <a:ext cx="187847" cy="187847"/>
+                  <a:chOff x="4537075" y="3248025"/>
+                  <a:chExt cx="187847" cy="187847"/>
+                </a:xfrm>
+              </p:grpSpPr>
+              <p:sp>
+                <p:nvSpPr>
+                  <p:cNvPr id="114" name="Rectangle: Rounded Corners 113">
+                    <a:extLst>
+                      <a:ext uri="{FF2B5EF4-FFF2-40B4-BE49-F238E27FC236}">
+                        <a16:creationId xmlns:a16="http://schemas.microsoft.com/office/drawing/2014/main" id="{C2E5E197-A62F-4678-BCE9-A0379C41A9D9}"/>
+                      </a:ext>
+                    </a:extLst>
+                  </p:cNvPr>
+                  <p:cNvSpPr/>
+                  <p:nvPr/>
+                </p:nvSpPr>
+                <p:spPr>
+                  <a:xfrm>
+                    <a:off x="4537075" y="3248025"/>
+                    <a:ext cx="187847" cy="187847"/>
+                  </a:xfrm>
+                  <a:prstGeom prst="roundRect">
+                    <a:avLst/>
+                  </a:prstGeom>
+                  <a:solidFill>
+                    <a:schemeClr val="bg1"/>
+                  </a:solidFill>
+                  <a:ln>
+                    <a:solidFill>
+                      <a:srgbClr val="50E6FF"/>
+                    </a:solidFill>
+                  </a:ln>
+                </p:spPr>
+                <p:style>
+                  <a:lnRef idx="2">
+                    <a:schemeClr val="accent1">
+                      <a:shade val="50000"/>
+                    </a:schemeClr>
+                  </a:lnRef>
+                  <a:fillRef idx="1">
+                    <a:schemeClr val="accent1"/>
+                  </a:fillRef>
+                  <a:effectRef idx="0">
+                    <a:schemeClr val="accent1"/>
+                  </a:effectRef>
+                  <a:fontRef idx="minor">
+                    <a:schemeClr val="lt1"/>
+                  </a:fontRef>
+                </p:style>
+                <p:txBody>
+                  <a:bodyPr rtlCol="0" anchor="ctr"/>
+                  <a:lstStyle/>
+                  <a:p>
+                    <a:pPr algn="ctr"/>
+                    <a:endParaRPr lang="en-CA"/>
+                  </a:p>
+                </p:txBody>
+              </p:sp>
+              <p:pic>
+                <p:nvPicPr>
+                  <p:cNvPr id="115" name="Graphic 114">
+                    <a:extLst>
+                      <a:ext uri="{FF2B5EF4-FFF2-40B4-BE49-F238E27FC236}">
+                        <a16:creationId xmlns:a16="http://schemas.microsoft.com/office/drawing/2014/main" id="{1B41B666-3E15-4EA6-9CCD-64ABF6327A53}"/>
+                      </a:ext>
+                    </a:extLst>
+                  </p:cNvPr>
+                  <p:cNvPicPr>
+                    <a:picLocks noChangeAspect="1"/>
+                  </p:cNvPicPr>
+                  <p:nvPr/>
+                </p:nvPicPr>
+                <p:blipFill>
+                  <a:blip r:embed="rId4">
+                    <a:extLst>
+                      <a:ext uri="{28A0092B-C50C-407E-A947-70E740481C1C}">
+                        <a14:useLocalDpi xmlns:a14="http://schemas.microsoft.com/office/drawing/2010/main" val="0"/>
+                      </a:ext>
+                      <a:ext uri="{96DAC541-7B7A-43D3-8B79-37D633B846F1}">
+                        <asvg:svgBlip xmlns:asvg="http://schemas.microsoft.com/office/drawing/2016/SVG/main" r:embed="rId5"/>
+                      </a:ext>
+                    </a:extLst>
+                  </a:blip>
+                  <a:stretch>
+                    <a:fillRect/>
+                  </a:stretch>
+                </p:blipFill>
+                <p:spPr>
+                  <a:xfrm>
+                    <a:off x="4557576" y="3268526"/>
+                    <a:ext cx="146844" cy="146844"/>
+                  </a:xfrm>
+                  <a:prstGeom prst="rect">
+                    <a:avLst/>
+                  </a:prstGeom>
+                </p:spPr>
+              </p:pic>
+            </p:grpSp>
+            <p:grpSp>
+              <p:nvGrpSpPr>
+                <p:cNvPr id="111" name="Group 110">
+                  <a:extLst>
+                    <a:ext uri="{FF2B5EF4-FFF2-40B4-BE49-F238E27FC236}">
+                      <a16:creationId xmlns:a16="http://schemas.microsoft.com/office/drawing/2014/main" id="{284FFC6D-6C2C-4BA2-BB25-C46E85949D0C}"/>
+                    </a:ext>
+                  </a:extLst>
+                </p:cNvPr>
+                <p:cNvGrpSpPr/>
+                <p:nvPr/>
+              </p:nvGrpSpPr>
+              <p:grpSpPr>
+                <a:xfrm>
+                  <a:off x="5438775" y="3451566"/>
+                  <a:ext cx="187847" cy="187847"/>
+                  <a:chOff x="4537075" y="3248025"/>
+                  <a:chExt cx="187847" cy="187847"/>
+                </a:xfrm>
+              </p:grpSpPr>
+              <p:sp>
+                <p:nvSpPr>
+                  <p:cNvPr id="112" name="Rectangle: Rounded Corners 111">
+                    <a:extLst>
+                      <a:ext uri="{FF2B5EF4-FFF2-40B4-BE49-F238E27FC236}">
+                        <a16:creationId xmlns:a16="http://schemas.microsoft.com/office/drawing/2014/main" id="{B0923E0B-8D3E-4440-BF9F-65F24002AE87}"/>
+                      </a:ext>
+                    </a:extLst>
+                  </p:cNvPr>
+                  <p:cNvSpPr/>
+                  <p:nvPr/>
+                </p:nvSpPr>
+                <p:spPr>
+                  <a:xfrm>
+                    <a:off x="4537075" y="3248025"/>
+                    <a:ext cx="187847" cy="187847"/>
+                  </a:xfrm>
+                  <a:prstGeom prst="roundRect">
+                    <a:avLst/>
+                  </a:prstGeom>
+                  <a:solidFill>
+                    <a:schemeClr val="bg1"/>
+                  </a:solidFill>
+                  <a:ln>
+                    <a:solidFill>
+                      <a:srgbClr val="50E6FF"/>
+                    </a:solidFill>
+                  </a:ln>
+                </p:spPr>
+                <p:style>
+                  <a:lnRef idx="2">
+                    <a:schemeClr val="accent1">
+                      <a:shade val="50000"/>
+                    </a:schemeClr>
+                  </a:lnRef>
+                  <a:fillRef idx="1">
+                    <a:schemeClr val="accent1"/>
+                  </a:fillRef>
+                  <a:effectRef idx="0">
+                    <a:schemeClr val="accent1"/>
+                  </a:effectRef>
+                  <a:fontRef idx="minor">
+                    <a:schemeClr val="lt1"/>
+                  </a:fontRef>
+                </p:style>
+                <p:txBody>
+                  <a:bodyPr rtlCol="0" anchor="ctr"/>
+                  <a:lstStyle/>
+                  <a:p>
+                    <a:pPr algn="ctr"/>
+                    <a:endParaRPr lang="en-CA"/>
+                  </a:p>
+                </p:txBody>
+              </p:sp>
+              <p:pic>
+                <p:nvPicPr>
+                  <p:cNvPr id="113" name="Graphic 112">
+                    <a:extLst>
+                      <a:ext uri="{FF2B5EF4-FFF2-40B4-BE49-F238E27FC236}">
+                        <a16:creationId xmlns:a16="http://schemas.microsoft.com/office/drawing/2014/main" id="{840B230F-B0B0-4ED2-9DFA-236E366B0310}"/>
+                      </a:ext>
+                    </a:extLst>
+                  </p:cNvPr>
+                  <p:cNvPicPr>
+                    <a:picLocks noChangeAspect="1"/>
+                  </p:cNvPicPr>
+                  <p:nvPr/>
+                </p:nvPicPr>
+                <p:blipFill>
+                  <a:blip r:embed="rId4">
+                    <a:extLst>
+                      <a:ext uri="{28A0092B-C50C-407E-A947-70E740481C1C}">
+                        <a14:useLocalDpi xmlns:a14="http://schemas.microsoft.com/office/drawing/2010/main" val="0"/>
+                      </a:ext>
+                      <a:ext uri="{96DAC541-7B7A-43D3-8B79-37D633B846F1}">
+                        <asvg:svgBlip xmlns:asvg="http://schemas.microsoft.com/office/drawing/2016/SVG/main" r:embed="rId5"/>
+                      </a:ext>
+                    </a:extLst>
+                  </a:blip>
+                  <a:stretch>
+                    <a:fillRect/>
+                  </a:stretch>
+                </p:blipFill>
+                <p:spPr>
+                  <a:xfrm>
+                    <a:off x="4557576" y="3268526"/>
+                    <a:ext cx="146844" cy="146844"/>
+                  </a:xfrm>
+                  <a:prstGeom prst="rect">
+                    <a:avLst/>
+                  </a:prstGeom>
+                </p:spPr>
+              </p:pic>
+            </p:grpSp>
+          </p:grpSp>
+          <p:grpSp>
+            <p:nvGrpSpPr>
+              <p:cNvPr id="124" name="Group 123">
+                <a:extLst>
+                  <a:ext uri="{FF2B5EF4-FFF2-40B4-BE49-F238E27FC236}">
+                    <a16:creationId xmlns:a16="http://schemas.microsoft.com/office/drawing/2014/main" id="{B8D3318E-C68E-4C61-BE2B-D46C36002BCF}"/>
+                  </a:ext>
+                </a:extLst>
+              </p:cNvPr>
+              <p:cNvGrpSpPr/>
+              <p:nvPr/>
+            </p:nvGrpSpPr>
+            <p:grpSpPr>
+              <a:xfrm>
+                <a:off x="5898269" y="2314575"/>
+                <a:ext cx="187847" cy="1324838"/>
+                <a:chOff x="5438775" y="2314575"/>
+                <a:chExt cx="187847" cy="1324838"/>
+              </a:xfrm>
+            </p:grpSpPr>
+            <p:grpSp>
+              <p:nvGrpSpPr>
+                <p:cNvPr id="125" name="Group 124">
+                  <a:extLst>
+                    <a:ext uri="{FF2B5EF4-FFF2-40B4-BE49-F238E27FC236}">
+                      <a16:creationId xmlns:a16="http://schemas.microsoft.com/office/drawing/2014/main" id="{936B30A4-7129-4BF9-B59D-BDABED278C0B}"/>
+                    </a:ext>
+                  </a:extLst>
+                </p:cNvPr>
+                <p:cNvGrpSpPr/>
+                <p:nvPr/>
+              </p:nvGrpSpPr>
+              <p:grpSpPr>
+                <a:xfrm>
+                  <a:off x="5438775" y="2314575"/>
+                  <a:ext cx="187847" cy="187847"/>
+                  <a:chOff x="4537075" y="3248025"/>
+                  <a:chExt cx="187847" cy="187847"/>
+                </a:xfrm>
+              </p:grpSpPr>
+              <p:sp>
+                <p:nvSpPr>
+                  <p:cNvPr id="141" name="Rectangle: Rounded Corners 140">
+                    <a:extLst>
+                      <a:ext uri="{FF2B5EF4-FFF2-40B4-BE49-F238E27FC236}">
+                        <a16:creationId xmlns:a16="http://schemas.microsoft.com/office/drawing/2014/main" id="{6683753F-95E7-4117-8BBB-8241CC729EC9}"/>
+                      </a:ext>
+                    </a:extLst>
+                  </p:cNvPr>
+                  <p:cNvSpPr/>
+                  <p:nvPr/>
+                </p:nvSpPr>
+                <p:spPr>
+                  <a:xfrm>
+                    <a:off x="4537075" y="3248025"/>
+                    <a:ext cx="187847" cy="187847"/>
+                  </a:xfrm>
+                  <a:prstGeom prst="roundRect">
+                    <a:avLst/>
+                  </a:prstGeom>
+                  <a:solidFill>
+                    <a:schemeClr val="bg1"/>
+                  </a:solidFill>
+                  <a:ln>
+                    <a:solidFill>
+                      <a:srgbClr val="50E6FF"/>
+                    </a:solidFill>
+                  </a:ln>
+                </p:spPr>
+                <p:style>
+                  <a:lnRef idx="2">
+                    <a:schemeClr val="accent1">
+                      <a:shade val="50000"/>
+                    </a:schemeClr>
+                  </a:lnRef>
+                  <a:fillRef idx="1">
+                    <a:schemeClr val="accent1"/>
+                  </a:fillRef>
+                  <a:effectRef idx="0">
+                    <a:schemeClr val="accent1"/>
+                  </a:effectRef>
+                  <a:fontRef idx="minor">
+                    <a:schemeClr val="lt1"/>
+                  </a:fontRef>
+                </p:style>
+                <p:txBody>
+                  <a:bodyPr rtlCol="0" anchor="ctr"/>
+                  <a:lstStyle/>
+                  <a:p>
+                    <a:pPr algn="ctr"/>
+                    <a:endParaRPr lang="en-CA"/>
+                  </a:p>
+                </p:txBody>
+              </p:sp>
+              <p:pic>
+                <p:nvPicPr>
+                  <p:cNvPr id="142" name="Graphic 141">
+                    <a:extLst>
+                      <a:ext uri="{FF2B5EF4-FFF2-40B4-BE49-F238E27FC236}">
+                        <a16:creationId xmlns:a16="http://schemas.microsoft.com/office/drawing/2014/main" id="{3103A52B-AB39-4F4C-B6A6-56CD04AB67AC}"/>
+                      </a:ext>
+                    </a:extLst>
+                  </p:cNvPr>
+                  <p:cNvPicPr>
+                    <a:picLocks noChangeAspect="1"/>
+                  </p:cNvPicPr>
+                  <p:nvPr/>
+                </p:nvPicPr>
+                <p:blipFill>
+                  <a:blip r:embed="rId4">
+                    <a:extLst>
+                      <a:ext uri="{28A0092B-C50C-407E-A947-70E740481C1C}">
+                        <a14:useLocalDpi xmlns:a14="http://schemas.microsoft.com/office/drawing/2010/main" val="0"/>
+                      </a:ext>
+                      <a:ext uri="{96DAC541-7B7A-43D3-8B79-37D633B846F1}">
+                        <asvg:svgBlip xmlns:asvg="http://schemas.microsoft.com/office/drawing/2016/SVG/main" r:embed="rId5"/>
+                      </a:ext>
+                    </a:extLst>
+                  </a:blip>
+                  <a:stretch>
+                    <a:fillRect/>
+                  </a:stretch>
+                </p:blipFill>
+                <p:spPr>
+                  <a:xfrm>
+                    <a:off x="4557576" y="3268526"/>
+                    <a:ext cx="146844" cy="146844"/>
+                  </a:xfrm>
+                  <a:prstGeom prst="rect">
+                    <a:avLst/>
+                  </a:prstGeom>
+                </p:spPr>
+              </p:pic>
+            </p:grpSp>
+            <p:grpSp>
+              <p:nvGrpSpPr>
+                <p:cNvPr id="126" name="Group 125">
+                  <a:extLst>
+                    <a:ext uri="{FF2B5EF4-FFF2-40B4-BE49-F238E27FC236}">
+                      <a16:creationId xmlns:a16="http://schemas.microsoft.com/office/drawing/2014/main" id="{08D403A9-2CD7-455D-BC8A-D2F99701D8BC}"/>
+                    </a:ext>
+                  </a:extLst>
+                </p:cNvPr>
+                <p:cNvGrpSpPr/>
+                <p:nvPr/>
+              </p:nvGrpSpPr>
+              <p:grpSpPr>
+                <a:xfrm>
+                  <a:off x="5438775" y="2541973"/>
+                  <a:ext cx="187847" cy="187847"/>
+                  <a:chOff x="4537075" y="3248025"/>
+                  <a:chExt cx="187847" cy="187847"/>
+                </a:xfrm>
+              </p:grpSpPr>
+              <p:sp>
+                <p:nvSpPr>
+                  <p:cNvPr id="139" name="Rectangle: Rounded Corners 138">
+                    <a:extLst>
+                      <a:ext uri="{FF2B5EF4-FFF2-40B4-BE49-F238E27FC236}">
+                        <a16:creationId xmlns:a16="http://schemas.microsoft.com/office/drawing/2014/main" id="{FED78181-BC93-4F47-A1F7-A65351A2D2D4}"/>
+                      </a:ext>
+                    </a:extLst>
+                  </p:cNvPr>
+                  <p:cNvSpPr/>
+                  <p:nvPr/>
+                </p:nvSpPr>
+                <p:spPr>
+                  <a:xfrm>
+                    <a:off x="4537075" y="3248025"/>
+                    <a:ext cx="187847" cy="187847"/>
+                  </a:xfrm>
+                  <a:prstGeom prst="roundRect">
+                    <a:avLst/>
+                  </a:prstGeom>
+                  <a:solidFill>
+                    <a:schemeClr val="bg1"/>
+                  </a:solidFill>
+                  <a:ln>
+                    <a:solidFill>
+                      <a:srgbClr val="50E6FF"/>
+                    </a:solidFill>
+                  </a:ln>
+                </p:spPr>
+                <p:style>
+                  <a:lnRef idx="2">
+                    <a:schemeClr val="accent1">
+                      <a:shade val="50000"/>
+                    </a:schemeClr>
+                  </a:lnRef>
+                  <a:fillRef idx="1">
+                    <a:schemeClr val="accent1"/>
+                  </a:fillRef>
+                  <a:effectRef idx="0">
+                    <a:schemeClr val="accent1"/>
+                  </a:effectRef>
+                  <a:fontRef idx="minor">
+                    <a:schemeClr val="lt1"/>
+                  </a:fontRef>
+                </p:style>
+                <p:txBody>
+                  <a:bodyPr rtlCol="0" anchor="ctr"/>
+                  <a:lstStyle/>
+                  <a:p>
+                    <a:pPr algn="ctr"/>
+                    <a:endParaRPr lang="en-CA"/>
+                  </a:p>
+                </p:txBody>
+              </p:sp>
+              <p:pic>
+                <p:nvPicPr>
+                  <p:cNvPr id="140" name="Graphic 139">
+                    <a:extLst>
+                      <a:ext uri="{FF2B5EF4-FFF2-40B4-BE49-F238E27FC236}">
+                        <a16:creationId xmlns:a16="http://schemas.microsoft.com/office/drawing/2014/main" id="{58EF00CF-9F5E-4D94-9328-6E9742072222}"/>
+                      </a:ext>
+                    </a:extLst>
+                  </p:cNvPr>
+                  <p:cNvPicPr>
+                    <a:picLocks noChangeAspect="1"/>
+                  </p:cNvPicPr>
+                  <p:nvPr/>
+                </p:nvPicPr>
+                <p:blipFill>
+                  <a:blip r:embed="rId4">
+                    <a:extLst>
+                      <a:ext uri="{28A0092B-C50C-407E-A947-70E740481C1C}">
+                        <a14:useLocalDpi xmlns:a14="http://schemas.microsoft.com/office/drawing/2010/main" val="0"/>
+                      </a:ext>
+                      <a:ext uri="{96DAC541-7B7A-43D3-8B79-37D633B846F1}">
+                        <asvg:svgBlip xmlns:asvg="http://schemas.microsoft.com/office/drawing/2016/SVG/main" r:embed="rId5"/>
+                      </a:ext>
+                    </a:extLst>
+                  </a:blip>
+                  <a:stretch>
+                    <a:fillRect/>
+                  </a:stretch>
+                </p:blipFill>
+                <p:spPr>
+                  <a:xfrm>
+                    <a:off x="4557576" y="3268526"/>
+                    <a:ext cx="146844" cy="146844"/>
+                  </a:xfrm>
+                  <a:prstGeom prst="rect">
+                    <a:avLst/>
+                  </a:prstGeom>
+                </p:spPr>
+              </p:pic>
+            </p:grpSp>
+            <p:grpSp>
+              <p:nvGrpSpPr>
+                <p:cNvPr id="127" name="Group 126">
+                  <a:extLst>
+                    <a:ext uri="{FF2B5EF4-FFF2-40B4-BE49-F238E27FC236}">
+                      <a16:creationId xmlns:a16="http://schemas.microsoft.com/office/drawing/2014/main" id="{756B479A-EE59-4CD7-A331-68D14870FCE3}"/>
+                    </a:ext>
+                  </a:extLst>
+                </p:cNvPr>
+                <p:cNvGrpSpPr/>
+                <p:nvPr/>
+              </p:nvGrpSpPr>
+              <p:grpSpPr>
+                <a:xfrm>
+                  <a:off x="5438775" y="2769371"/>
+                  <a:ext cx="187847" cy="187847"/>
+                  <a:chOff x="4537075" y="3248025"/>
+                  <a:chExt cx="187847" cy="187847"/>
+                </a:xfrm>
+              </p:grpSpPr>
+              <p:sp>
+                <p:nvSpPr>
+                  <p:cNvPr id="137" name="Rectangle: Rounded Corners 136">
+                    <a:extLst>
+                      <a:ext uri="{FF2B5EF4-FFF2-40B4-BE49-F238E27FC236}">
+                        <a16:creationId xmlns:a16="http://schemas.microsoft.com/office/drawing/2014/main" id="{BA5CC54D-17B8-4977-B6E1-4B4F2BB58F3A}"/>
+                      </a:ext>
+                    </a:extLst>
+                  </p:cNvPr>
+                  <p:cNvSpPr/>
+                  <p:nvPr/>
+                </p:nvSpPr>
+                <p:spPr>
+                  <a:xfrm>
+                    <a:off x="4537075" y="3248025"/>
+                    <a:ext cx="187847" cy="187847"/>
+                  </a:xfrm>
+                  <a:prstGeom prst="roundRect">
+                    <a:avLst/>
+                  </a:prstGeom>
+                  <a:solidFill>
+                    <a:schemeClr val="bg1"/>
+                  </a:solidFill>
+                  <a:ln>
+                    <a:solidFill>
+                      <a:srgbClr val="50E6FF"/>
+                    </a:solidFill>
+                  </a:ln>
+                </p:spPr>
+                <p:style>
+                  <a:lnRef idx="2">
+                    <a:schemeClr val="accent1">
+                      <a:shade val="50000"/>
+                    </a:schemeClr>
+                  </a:lnRef>
+                  <a:fillRef idx="1">
+                    <a:schemeClr val="accent1"/>
+                  </a:fillRef>
+                  <a:effectRef idx="0">
+                    <a:schemeClr val="accent1"/>
+                  </a:effectRef>
+                  <a:fontRef idx="minor">
+                    <a:schemeClr val="lt1"/>
+                  </a:fontRef>
+                </p:style>
+                <p:txBody>
+                  <a:bodyPr rtlCol="0" anchor="ctr"/>
+                  <a:lstStyle/>
+                  <a:p>
+                    <a:pPr algn="ctr"/>
+                    <a:endParaRPr lang="en-CA"/>
+                  </a:p>
+                </p:txBody>
+              </p:sp>
+              <p:pic>
+                <p:nvPicPr>
+                  <p:cNvPr id="138" name="Graphic 137">
+                    <a:extLst>
+                      <a:ext uri="{FF2B5EF4-FFF2-40B4-BE49-F238E27FC236}">
+                        <a16:creationId xmlns:a16="http://schemas.microsoft.com/office/drawing/2014/main" id="{CDCABD15-6574-4A43-B060-17B0CC5C3308}"/>
+                      </a:ext>
+                    </a:extLst>
+                  </p:cNvPr>
+                  <p:cNvPicPr>
+                    <a:picLocks noChangeAspect="1"/>
+                  </p:cNvPicPr>
+                  <p:nvPr/>
+                </p:nvPicPr>
+                <p:blipFill>
+                  <a:blip r:embed="rId4">
+                    <a:extLst>
+                      <a:ext uri="{28A0092B-C50C-407E-A947-70E740481C1C}">
+                        <a14:useLocalDpi xmlns:a14="http://schemas.microsoft.com/office/drawing/2010/main" val="0"/>
+                      </a:ext>
+                      <a:ext uri="{96DAC541-7B7A-43D3-8B79-37D633B846F1}">
+                        <asvg:svgBlip xmlns:asvg="http://schemas.microsoft.com/office/drawing/2016/SVG/main" r:embed="rId5"/>
+                      </a:ext>
+                    </a:extLst>
+                  </a:blip>
+                  <a:stretch>
+                    <a:fillRect/>
+                  </a:stretch>
+                </p:blipFill>
+                <p:spPr>
+                  <a:xfrm>
+                    <a:off x="4557576" y="3268526"/>
+                    <a:ext cx="146844" cy="146844"/>
+                  </a:xfrm>
+                  <a:prstGeom prst="rect">
+                    <a:avLst/>
+                  </a:prstGeom>
+                </p:spPr>
+              </p:pic>
+            </p:grpSp>
+            <p:grpSp>
+              <p:nvGrpSpPr>
+                <p:cNvPr id="128" name="Group 127">
+                  <a:extLst>
+                    <a:ext uri="{FF2B5EF4-FFF2-40B4-BE49-F238E27FC236}">
+                      <a16:creationId xmlns:a16="http://schemas.microsoft.com/office/drawing/2014/main" id="{C30EB286-BF69-4FD4-9BAF-027A9EC529EA}"/>
+                    </a:ext>
+                  </a:extLst>
+                </p:cNvPr>
+                <p:cNvGrpSpPr/>
+                <p:nvPr/>
+              </p:nvGrpSpPr>
+              <p:grpSpPr>
+                <a:xfrm>
+                  <a:off x="5438775" y="2996769"/>
+                  <a:ext cx="187847" cy="187847"/>
+                  <a:chOff x="4537075" y="3248025"/>
+                  <a:chExt cx="187847" cy="187847"/>
+                </a:xfrm>
+              </p:grpSpPr>
+              <p:sp>
+                <p:nvSpPr>
+                  <p:cNvPr id="135" name="Rectangle: Rounded Corners 134">
+                    <a:extLst>
+                      <a:ext uri="{FF2B5EF4-FFF2-40B4-BE49-F238E27FC236}">
+                        <a16:creationId xmlns:a16="http://schemas.microsoft.com/office/drawing/2014/main" id="{47C3DEEB-BD9A-4E08-AF32-CA6F232BF1DF}"/>
+                      </a:ext>
+                    </a:extLst>
+                  </p:cNvPr>
+                  <p:cNvSpPr/>
+                  <p:nvPr/>
+                </p:nvSpPr>
+                <p:spPr>
+                  <a:xfrm>
+                    <a:off x="4537075" y="3248025"/>
+                    <a:ext cx="187847" cy="187847"/>
+                  </a:xfrm>
+                  <a:prstGeom prst="roundRect">
+                    <a:avLst/>
+                  </a:prstGeom>
+                  <a:solidFill>
+                    <a:schemeClr val="bg1"/>
+                  </a:solidFill>
+                  <a:ln>
+                    <a:solidFill>
+                      <a:srgbClr val="50E6FF"/>
+                    </a:solidFill>
+                  </a:ln>
+                </p:spPr>
+                <p:style>
+                  <a:lnRef idx="2">
+                    <a:schemeClr val="accent1">
+                      <a:shade val="50000"/>
+                    </a:schemeClr>
+                  </a:lnRef>
+                  <a:fillRef idx="1">
+                    <a:schemeClr val="accent1"/>
+                  </a:fillRef>
+                  <a:effectRef idx="0">
+                    <a:schemeClr val="accent1"/>
+                  </a:effectRef>
+                  <a:fontRef idx="minor">
+                    <a:schemeClr val="lt1"/>
+                  </a:fontRef>
+                </p:style>
+                <p:txBody>
+                  <a:bodyPr rtlCol="0" anchor="ctr"/>
+                  <a:lstStyle/>
+                  <a:p>
+                    <a:pPr algn="ctr"/>
+                    <a:endParaRPr lang="en-CA"/>
+                  </a:p>
+                </p:txBody>
+              </p:sp>
+              <p:pic>
+                <p:nvPicPr>
+                  <p:cNvPr id="136" name="Graphic 135">
+                    <a:extLst>
+                      <a:ext uri="{FF2B5EF4-FFF2-40B4-BE49-F238E27FC236}">
+                        <a16:creationId xmlns:a16="http://schemas.microsoft.com/office/drawing/2014/main" id="{23231A1C-86BD-432F-B505-0EBCAAAA9003}"/>
+                      </a:ext>
+                    </a:extLst>
+                  </p:cNvPr>
+                  <p:cNvPicPr>
+                    <a:picLocks noChangeAspect="1"/>
+                  </p:cNvPicPr>
+                  <p:nvPr/>
+                </p:nvPicPr>
+                <p:blipFill>
+                  <a:blip r:embed="rId4">
+                    <a:extLst>
+                      <a:ext uri="{28A0092B-C50C-407E-A947-70E740481C1C}">
+                        <a14:useLocalDpi xmlns:a14="http://schemas.microsoft.com/office/drawing/2010/main" val="0"/>
+                      </a:ext>
+                      <a:ext uri="{96DAC541-7B7A-43D3-8B79-37D633B846F1}">
+                        <asvg:svgBlip xmlns:asvg="http://schemas.microsoft.com/office/drawing/2016/SVG/main" r:embed="rId5"/>
+                      </a:ext>
+                    </a:extLst>
+                  </a:blip>
+                  <a:stretch>
+                    <a:fillRect/>
+                  </a:stretch>
+                </p:blipFill>
+                <p:spPr>
+                  <a:xfrm>
+                    <a:off x="4557576" y="3268526"/>
+                    <a:ext cx="146844" cy="146844"/>
+                  </a:xfrm>
+                  <a:prstGeom prst="rect">
+                    <a:avLst/>
+                  </a:prstGeom>
+                </p:spPr>
+              </p:pic>
+            </p:grpSp>
+            <p:grpSp>
+              <p:nvGrpSpPr>
+                <p:cNvPr id="129" name="Group 128">
+                  <a:extLst>
+                    <a:ext uri="{FF2B5EF4-FFF2-40B4-BE49-F238E27FC236}">
+                      <a16:creationId xmlns:a16="http://schemas.microsoft.com/office/drawing/2014/main" id="{9C474F4B-B2F6-4AE8-BFAC-E6879764A51C}"/>
+                    </a:ext>
+                  </a:extLst>
+                </p:cNvPr>
+                <p:cNvGrpSpPr/>
+                <p:nvPr/>
+              </p:nvGrpSpPr>
+              <p:grpSpPr>
+                <a:xfrm>
+                  <a:off x="5438775" y="3224167"/>
+                  <a:ext cx="187847" cy="187847"/>
+                  <a:chOff x="4537075" y="3248025"/>
+                  <a:chExt cx="187847" cy="187847"/>
+                </a:xfrm>
+              </p:grpSpPr>
+              <p:sp>
+                <p:nvSpPr>
+                  <p:cNvPr id="133" name="Rectangle: Rounded Corners 132">
+                    <a:extLst>
+                      <a:ext uri="{FF2B5EF4-FFF2-40B4-BE49-F238E27FC236}">
+                        <a16:creationId xmlns:a16="http://schemas.microsoft.com/office/drawing/2014/main" id="{51B97A07-D20A-4371-BDE1-C75AC1A853D9}"/>
+                      </a:ext>
+                    </a:extLst>
+                  </p:cNvPr>
+                  <p:cNvSpPr/>
+                  <p:nvPr/>
+                </p:nvSpPr>
+                <p:spPr>
+                  <a:xfrm>
+                    <a:off x="4537075" y="3248025"/>
+                    <a:ext cx="187847" cy="187847"/>
+                  </a:xfrm>
+                  <a:prstGeom prst="roundRect">
+                    <a:avLst/>
+                  </a:prstGeom>
+                  <a:solidFill>
+                    <a:schemeClr val="bg1"/>
+                  </a:solidFill>
+                  <a:ln>
+                    <a:solidFill>
+                      <a:srgbClr val="50E6FF"/>
+                    </a:solidFill>
+                  </a:ln>
+                </p:spPr>
+                <p:style>
+                  <a:lnRef idx="2">
+                    <a:schemeClr val="accent1">
+                      <a:shade val="50000"/>
+                    </a:schemeClr>
+                  </a:lnRef>
+                  <a:fillRef idx="1">
+                    <a:schemeClr val="accent1"/>
+                  </a:fillRef>
+                  <a:effectRef idx="0">
+                    <a:schemeClr val="accent1"/>
+                  </a:effectRef>
+                  <a:fontRef idx="minor">
+                    <a:schemeClr val="lt1"/>
+                  </a:fontRef>
+                </p:style>
+                <p:txBody>
+                  <a:bodyPr rtlCol="0" anchor="ctr"/>
+                  <a:lstStyle/>
+                  <a:p>
+                    <a:pPr algn="ctr"/>
+                    <a:endParaRPr lang="en-CA"/>
+                  </a:p>
+                </p:txBody>
+              </p:sp>
+              <p:pic>
+                <p:nvPicPr>
+                  <p:cNvPr id="134" name="Graphic 133">
+                    <a:extLst>
+                      <a:ext uri="{FF2B5EF4-FFF2-40B4-BE49-F238E27FC236}">
+                        <a16:creationId xmlns:a16="http://schemas.microsoft.com/office/drawing/2014/main" id="{4DC6980F-2D20-46F7-B932-FC5C28DD0A5F}"/>
+                      </a:ext>
+                    </a:extLst>
+                  </p:cNvPr>
+                  <p:cNvPicPr>
+                    <a:picLocks noChangeAspect="1"/>
+                  </p:cNvPicPr>
+                  <p:nvPr/>
+                </p:nvPicPr>
+                <p:blipFill>
+                  <a:blip r:embed="rId4">
+                    <a:extLst>
+                      <a:ext uri="{28A0092B-C50C-407E-A947-70E740481C1C}">
+                        <a14:useLocalDpi xmlns:a14="http://schemas.microsoft.com/office/drawing/2010/main" val="0"/>
+                      </a:ext>
+                      <a:ext uri="{96DAC541-7B7A-43D3-8B79-37D633B846F1}">
+                        <asvg:svgBlip xmlns:asvg="http://schemas.microsoft.com/office/drawing/2016/SVG/main" r:embed="rId5"/>
+                      </a:ext>
+                    </a:extLst>
+                  </a:blip>
+                  <a:stretch>
+                    <a:fillRect/>
+                  </a:stretch>
+                </p:blipFill>
+                <p:spPr>
+                  <a:xfrm>
+                    <a:off x="4557576" y="3268526"/>
+                    <a:ext cx="146844" cy="146844"/>
+                  </a:xfrm>
+                  <a:prstGeom prst="rect">
+                    <a:avLst/>
+                  </a:prstGeom>
+                </p:spPr>
+              </p:pic>
+            </p:grpSp>
+            <p:grpSp>
+              <p:nvGrpSpPr>
+                <p:cNvPr id="130" name="Group 129">
+                  <a:extLst>
+                    <a:ext uri="{FF2B5EF4-FFF2-40B4-BE49-F238E27FC236}">
+                      <a16:creationId xmlns:a16="http://schemas.microsoft.com/office/drawing/2014/main" id="{227021B0-CC4C-4814-9F73-ED7B32EEFF56}"/>
+                    </a:ext>
+                  </a:extLst>
+                </p:cNvPr>
+                <p:cNvGrpSpPr/>
+                <p:nvPr/>
+              </p:nvGrpSpPr>
+              <p:grpSpPr>
+                <a:xfrm>
+                  <a:off x="5438775" y="3451566"/>
+                  <a:ext cx="187847" cy="187847"/>
+                  <a:chOff x="4537075" y="3248025"/>
+                  <a:chExt cx="187847" cy="187847"/>
+                </a:xfrm>
+              </p:grpSpPr>
+              <p:sp>
+                <p:nvSpPr>
+                  <p:cNvPr id="131" name="Rectangle: Rounded Corners 130">
+                    <a:extLst>
+                      <a:ext uri="{FF2B5EF4-FFF2-40B4-BE49-F238E27FC236}">
+                        <a16:creationId xmlns:a16="http://schemas.microsoft.com/office/drawing/2014/main" id="{4B88BF42-1EDB-4043-B79C-14697B6373EA}"/>
+                      </a:ext>
+                    </a:extLst>
+                  </p:cNvPr>
+                  <p:cNvSpPr/>
+                  <p:nvPr/>
+                </p:nvSpPr>
+                <p:spPr>
+                  <a:xfrm>
+                    <a:off x="4537075" y="3248025"/>
+                    <a:ext cx="187847" cy="187847"/>
+                  </a:xfrm>
+                  <a:prstGeom prst="roundRect">
+                    <a:avLst/>
+                  </a:prstGeom>
+                  <a:solidFill>
+                    <a:schemeClr val="bg1"/>
+                  </a:solidFill>
+                  <a:ln>
+                    <a:solidFill>
+                      <a:srgbClr val="50E6FF"/>
+                    </a:solidFill>
+                  </a:ln>
+                </p:spPr>
+                <p:style>
+                  <a:lnRef idx="2">
+                    <a:schemeClr val="accent1">
+                      <a:shade val="50000"/>
+                    </a:schemeClr>
+                  </a:lnRef>
+                  <a:fillRef idx="1">
+                    <a:schemeClr val="accent1"/>
+                  </a:fillRef>
+                  <a:effectRef idx="0">
+                    <a:schemeClr val="accent1"/>
+                  </a:effectRef>
+                  <a:fontRef idx="minor">
+                    <a:schemeClr val="lt1"/>
+                  </a:fontRef>
+                </p:style>
+                <p:txBody>
+                  <a:bodyPr rtlCol="0" anchor="ctr"/>
+                  <a:lstStyle/>
+                  <a:p>
+                    <a:pPr algn="ctr"/>
+                    <a:endParaRPr lang="en-CA"/>
+                  </a:p>
+                </p:txBody>
+              </p:sp>
+              <p:pic>
+                <p:nvPicPr>
+                  <p:cNvPr id="132" name="Graphic 131">
+                    <a:extLst>
+                      <a:ext uri="{FF2B5EF4-FFF2-40B4-BE49-F238E27FC236}">
+                        <a16:creationId xmlns:a16="http://schemas.microsoft.com/office/drawing/2014/main" id="{12752F2D-02AB-4E73-ACD3-A166B4E9816E}"/>
+                      </a:ext>
+                    </a:extLst>
+                  </p:cNvPr>
+                  <p:cNvPicPr>
+                    <a:picLocks noChangeAspect="1"/>
+                  </p:cNvPicPr>
+                  <p:nvPr/>
+                </p:nvPicPr>
+                <p:blipFill>
+                  <a:blip r:embed="rId4">
+                    <a:extLst>
+                      <a:ext uri="{28A0092B-C50C-407E-A947-70E740481C1C}">
+                        <a14:useLocalDpi xmlns:a14="http://schemas.microsoft.com/office/drawing/2010/main" val="0"/>
+                      </a:ext>
+                      <a:ext uri="{96DAC541-7B7A-43D3-8B79-37D633B846F1}">
+                        <asvg:svgBlip xmlns:asvg="http://schemas.microsoft.com/office/drawing/2016/SVG/main" r:embed="rId5"/>
+                      </a:ext>
+                    </a:extLst>
+                  </a:blip>
+                  <a:stretch>
+                    <a:fillRect/>
+                  </a:stretch>
+                </p:blipFill>
+                <p:spPr>
+                  <a:xfrm>
+                    <a:off x="4557576" y="3268526"/>
+                    <a:ext cx="146844" cy="146844"/>
+                  </a:xfrm>
+                  <a:prstGeom prst="rect">
+                    <a:avLst/>
+                  </a:prstGeom>
+                </p:spPr>
+              </p:pic>
+            </p:grpSp>
+          </p:grpSp>
+          <p:grpSp>
+            <p:nvGrpSpPr>
+              <p:cNvPr id="143" name="Group 142">
+                <a:extLst>
+                  <a:ext uri="{FF2B5EF4-FFF2-40B4-BE49-F238E27FC236}">
+                    <a16:creationId xmlns:a16="http://schemas.microsoft.com/office/drawing/2014/main" id="{BB3BE870-0A17-40B0-9084-572A60DD713D}"/>
+                  </a:ext>
+                </a:extLst>
+              </p:cNvPr>
+              <p:cNvGrpSpPr/>
+              <p:nvPr/>
+            </p:nvGrpSpPr>
+            <p:grpSpPr>
+              <a:xfrm>
+                <a:off x="6128016" y="2314575"/>
+                <a:ext cx="187847" cy="1324838"/>
+                <a:chOff x="5438775" y="2314575"/>
+                <a:chExt cx="187847" cy="1324838"/>
+              </a:xfrm>
+            </p:grpSpPr>
+            <p:grpSp>
+              <p:nvGrpSpPr>
+                <p:cNvPr id="144" name="Group 143">
+                  <a:extLst>
+                    <a:ext uri="{FF2B5EF4-FFF2-40B4-BE49-F238E27FC236}">
+                      <a16:creationId xmlns:a16="http://schemas.microsoft.com/office/drawing/2014/main" id="{C9662C55-681D-4855-8264-D246B7A2696C}"/>
+                    </a:ext>
+                  </a:extLst>
+                </p:cNvPr>
+                <p:cNvGrpSpPr/>
+                <p:nvPr/>
+              </p:nvGrpSpPr>
+              <p:grpSpPr>
+                <a:xfrm>
+                  <a:off x="5438775" y="2314575"/>
+                  <a:ext cx="187847" cy="187847"/>
+                  <a:chOff x="4537075" y="3248025"/>
+                  <a:chExt cx="187847" cy="187847"/>
+                </a:xfrm>
+              </p:grpSpPr>
+              <p:sp>
+                <p:nvSpPr>
+                  <p:cNvPr id="160" name="Rectangle: Rounded Corners 159">
+                    <a:extLst>
+                      <a:ext uri="{FF2B5EF4-FFF2-40B4-BE49-F238E27FC236}">
+                        <a16:creationId xmlns:a16="http://schemas.microsoft.com/office/drawing/2014/main" id="{6036E51D-3F49-42C6-A177-2DBE26F10E5C}"/>
+                      </a:ext>
+                    </a:extLst>
+                  </p:cNvPr>
+                  <p:cNvSpPr/>
+                  <p:nvPr/>
+                </p:nvSpPr>
+                <p:spPr>
+                  <a:xfrm>
+                    <a:off x="4537075" y="3248025"/>
+                    <a:ext cx="187847" cy="187847"/>
+                  </a:xfrm>
+                  <a:prstGeom prst="roundRect">
+                    <a:avLst/>
+                  </a:prstGeom>
+                  <a:solidFill>
+                    <a:schemeClr val="bg1"/>
+                  </a:solidFill>
+                  <a:ln>
+                    <a:solidFill>
+                      <a:srgbClr val="50E6FF"/>
+                    </a:solidFill>
+                  </a:ln>
+                </p:spPr>
+                <p:style>
+                  <a:lnRef idx="2">
+                    <a:schemeClr val="accent1">
+                      <a:shade val="50000"/>
+                    </a:schemeClr>
+                  </a:lnRef>
+                  <a:fillRef idx="1">
+                    <a:schemeClr val="accent1"/>
+                  </a:fillRef>
+                  <a:effectRef idx="0">
+                    <a:schemeClr val="accent1"/>
+                  </a:effectRef>
+                  <a:fontRef idx="minor">
+                    <a:schemeClr val="lt1"/>
+                  </a:fontRef>
+                </p:style>
+                <p:txBody>
+                  <a:bodyPr rtlCol="0" anchor="ctr"/>
+                  <a:lstStyle/>
+                  <a:p>
+                    <a:pPr algn="ctr"/>
+                    <a:endParaRPr lang="en-CA"/>
+                  </a:p>
+                </p:txBody>
+              </p:sp>
+              <p:pic>
+                <p:nvPicPr>
+                  <p:cNvPr id="161" name="Graphic 160">
+                    <a:extLst>
+                      <a:ext uri="{FF2B5EF4-FFF2-40B4-BE49-F238E27FC236}">
+                        <a16:creationId xmlns:a16="http://schemas.microsoft.com/office/drawing/2014/main" id="{0633D72D-6F85-483E-99F7-7A1E9BF9C7D4}"/>
+                      </a:ext>
+                    </a:extLst>
+                  </p:cNvPr>
+                  <p:cNvPicPr>
+                    <a:picLocks noChangeAspect="1"/>
+                  </p:cNvPicPr>
+                  <p:nvPr/>
+                </p:nvPicPr>
+                <p:blipFill>
+                  <a:blip r:embed="rId4">
+                    <a:extLst>
+                      <a:ext uri="{28A0092B-C50C-407E-A947-70E740481C1C}">
+                        <a14:useLocalDpi xmlns:a14="http://schemas.microsoft.com/office/drawing/2010/main" val="0"/>
+                      </a:ext>
+                      <a:ext uri="{96DAC541-7B7A-43D3-8B79-37D633B846F1}">
+                        <asvg:svgBlip xmlns:asvg="http://schemas.microsoft.com/office/drawing/2016/SVG/main" r:embed="rId5"/>
+                      </a:ext>
+                    </a:extLst>
+                  </a:blip>
+                  <a:stretch>
+                    <a:fillRect/>
+                  </a:stretch>
+                </p:blipFill>
+                <p:spPr>
+                  <a:xfrm>
+                    <a:off x="4557576" y="3268526"/>
+                    <a:ext cx="146844" cy="146844"/>
+                  </a:xfrm>
+                  <a:prstGeom prst="rect">
+                    <a:avLst/>
+                  </a:prstGeom>
+                </p:spPr>
+              </p:pic>
+            </p:grpSp>
+            <p:grpSp>
+              <p:nvGrpSpPr>
+                <p:cNvPr id="145" name="Group 144">
+                  <a:extLst>
+                    <a:ext uri="{FF2B5EF4-FFF2-40B4-BE49-F238E27FC236}">
+                      <a16:creationId xmlns:a16="http://schemas.microsoft.com/office/drawing/2014/main" id="{5A41EC72-8397-4BA6-A3D3-39C6E6FD00F8}"/>
+                    </a:ext>
+                  </a:extLst>
+                </p:cNvPr>
+                <p:cNvGrpSpPr/>
+                <p:nvPr/>
+              </p:nvGrpSpPr>
+              <p:grpSpPr>
+                <a:xfrm>
+                  <a:off x="5438775" y="2541973"/>
+                  <a:ext cx="187847" cy="187847"/>
+                  <a:chOff x="4537075" y="3248025"/>
+                  <a:chExt cx="187847" cy="187847"/>
+                </a:xfrm>
+              </p:grpSpPr>
+              <p:sp>
+                <p:nvSpPr>
+                  <p:cNvPr id="158" name="Rectangle: Rounded Corners 157">
+                    <a:extLst>
+                      <a:ext uri="{FF2B5EF4-FFF2-40B4-BE49-F238E27FC236}">
+                        <a16:creationId xmlns:a16="http://schemas.microsoft.com/office/drawing/2014/main" id="{74FACAB5-FC1F-4569-8FAB-BB800B981187}"/>
+                      </a:ext>
+                    </a:extLst>
+                  </p:cNvPr>
+                  <p:cNvSpPr/>
+                  <p:nvPr/>
+                </p:nvSpPr>
+                <p:spPr>
+                  <a:xfrm>
+                    <a:off x="4537075" y="3248025"/>
+                    <a:ext cx="187847" cy="187847"/>
+                  </a:xfrm>
+                  <a:prstGeom prst="roundRect">
+                    <a:avLst/>
+                  </a:prstGeom>
+                  <a:solidFill>
+                    <a:schemeClr val="bg1"/>
+                  </a:solidFill>
+                  <a:ln>
+                    <a:solidFill>
+                      <a:srgbClr val="50E6FF"/>
+                    </a:solidFill>
+                  </a:ln>
+                </p:spPr>
+                <p:style>
+                  <a:lnRef idx="2">
+                    <a:schemeClr val="accent1">
+                      <a:shade val="50000"/>
+                    </a:schemeClr>
+                  </a:lnRef>
+                  <a:fillRef idx="1">
+                    <a:schemeClr val="accent1"/>
+                  </a:fillRef>
+                  <a:effectRef idx="0">
+                    <a:schemeClr val="accent1"/>
+                  </a:effectRef>
+                  <a:fontRef idx="minor">
+                    <a:schemeClr val="lt1"/>
+                  </a:fontRef>
+                </p:style>
+                <p:txBody>
+                  <a:bodyPr rtlCol="0" anchor="ctr"/>
+                  <a:lstStyle/>
+                  <a:p>
+                    <a:pPr algn="ctr"/>
+                    <a:endParaRPr lang="en-CA"/>
+                  </a:p>
+                </p:txBody>
+              </p:sp>
+              <p:pic>
+                <p:nvPicPr>
+                  <p:cNvPr id="159" name="Graphic 158">
+                    <a:extLst>
+                      <a:ext uri="{FF2B5EF4-FFF2-40B4-BE49-F238E27FC236}">
+                        <a16:creationId xmlns:a16="http://schemas.microsoft.com/office/drawing/2014/main" id="{81F8D0BF-8139-495B-B792-99BA3CEA20B6}"/>
+                      </a:ext>
+                    </a:extLst>
+                  </p:cNvPr>
+                  <p:cNvPicPr>
+                    <a:picLocks noChangeAspect="1"/>
+                  </p:cNvPicPr>
+                  <p:nvPr/>
+                </p:nvPicPr>
+                <p:blipFill>
+                  <a:blip r:embed="rId4">
+                    <a:extLst>
+                      <a:ext uri="{28A0092B-C50C-407E-A947-70E740481C1C}">
+                        <a14:useLocalDpi xmlns:a14="http://schemas.microsoft.com/office/drawing/2010/main" val="0"/>
+                      </a:ext>
+                      <a:ext uri="{96DAC541-7B7A-43D3-8B79-37D633B846F1}">
+                        <asvg:svgBlip xmlns:asvg="http://schemas.microsoft.com/office/drawing/2016/SVG/main" r:embed="rId5"/>
+                      </a:ext>
+                    </a:extLst>
+                  </a:blip>
+                  <a:stretch>
+                    <a:fillRect/>
+                  </a:stretch>
+                </p:blipFill>
+                <p:spPr>
+                  <a:xfrm>
+                    <a:off x="4557576" y="3268526"/>
+                    <a:ext cx="146844" cy="146844"/>
+                  </a:xfrm>
+                  <a:prstGeom prst="rect">
+                    <a:avLst/>
+                  </a:prstGeom>
+                </p:spPr>
+              </p:pic>
+            </p:grpSp>
+            <p:grpSp>
+              <p:nvGrpSpPr>
+                <p:cNvPr id="146" name="Group 145">
+                  <a:extLst>
+                    <a:ext uri="{FF2B5EF4-FFF2-40B4-BE49-F238E27FC236}">
+                      <a16:creationId xmlns:a16="http://schemas.microsoft.com/office/drawing/2014/main" id="{9588ED7B-97A8-4AA9-BCCA-434A68BD3524}"/>
+                    </a:ext>
+                  </a:extLst>
+                </p:cNvPr>
+                <p:cNvGrpSpPr/>
+                <p:nvPr/>
+              </p:nvGrpSpPr>
+              <p:grpSpPr>
+                <a:xfrm>
+                  <a:off x="5438775" y="2769371"/>
+                  <a:ext cx="187847" cy="187847"/>
+                  <a:chOff x="4537075" y="3248025"/>
+                  <a:chExt cx="187847" cy="187847"/>
+                </a:xfrm>
+              </p:grpSpPr>
+              <p:sp>
+                <p:nvSpPr>
+                  <p:cNvPr id="156" name="Rectangle: Rounded Corners 155">
+                    <a:extLst>
+                      <a:ext uri="{FF2B5EF4-FFF2-40B4-BE49-F238E27FC236}">
+                        <a16:creationId xmlns:a16="http://schemas.microsoft.com/office/drawing/2014/main" id="{72053FA3-4BF2-4A5F-BF85-C26791F9B46A}"/>
+                      </a:ext>
+                    </a:extLst>
+                  </p:cNvPr>
+                  <p:cNvSpPr/>
+                  <p:nvPr/>
+                </p:nvSpPr>
+                <p:spPr>
+                  <a:xfrm>
+                    <a:off x="4537075" y="3248025"/>
+                    <a:ext cx="187847" cy="187847"/>
+                  </a:xfrm>
+                  <a:prstGeom prst="roundRect">
+                    <a:avLst/>
+                  </a:prstGeom>
+                  <a:solidFill>
+                    <a:schemeClr val="bg1"/>
+                  </a:solidFill>
+                  <a:ln>
+                    <a:solidFill>
+                      <a:srgbClr val="50E6FF"/>
+                    </a:solidFill>
+                  </a:ln>
+                </p:spPr>
+                <p:style>
+                  <a:lnRef idx="2">
+                    <a:schemeClr val="accent1">
+                      <a:shade val="50000"/>
+                    </a:schemeClr>
+                  </a:lnRef>
+                  <a:fillRef idx="1">
+                    <a:schemeClr val="accent1"/>
+                  </a:fillRef>
+                  <a:effectRef idx="0">
+                    <a:schemeClr val="accent1"/>
+                  </a:effectRef>
+                  <a:fontRef idx="minor">
+                    <a:schemeClr val="lt1"/>
+                  </a:fontRef>
+                </p:style>
+                <p:txBody>
+                  <a:bodyPr rtlCol="0" anchor="ctr"/>
+                  <a:lstStyle/>
+                  <a:p>
+                    <a:pPr algn="ctr"/>
+                    <a:endParaRPr lang="en-CA"/>
+                  </a:p>
+                </p:txBody>
+              </p:sp>
+              <p:pic>
+                <p:nvPicPr>
+                  <p:cNvPr id="157" name="Graphic 156">
+                    <a:extLst>
+                      <a:ext uri="{FF2B5EF4-FFF2-40B4-BE49-F238E27FC236}">
+                        <a16:creationId xmlns:a16="http://schemas.microsoft.com/office/drawing/2014/main" id="{66FBAC89-C8D8-40E9-908B-68A2B9AC9C41}"/>
+                      </a:ext>
+                    </a:extLst>
+                  </p:cNvPr>
+                  <p:cNvPicPr>
+                    <a:picLocks noChangeAspect="1"/>
+                  </p:cNvPicPr>
+                  <p:nvPr/>
+                </p:nvPicPr>
+                <p:blipFill>
+                  <a:blip r:embed="rId4">
+                    <a:extLst>
+                      <a:ext uri="{28A0092B-C50C-407E-A947-70E740481C1C}">
+                        <a14:useLocalDpi xmlns:a14="http://schemas.microsoft.com/office/drawing/2010/main" val="0"/>
+                      </a:ext>
+                      <a:ext uri="{96DAC541-7B7A-43D3-8B79-37D633B846F1}">
+                        <asvg:svgBlip xmlns:asvg="http://schemas.microsoft.com/office/drawing/2016/SVG/main" r:embed="rId5"/>
+                      </a:ext>
+                    </a:extLst>
+                  </a:blip>
+                  <a:stretch>
+                    <a:fillRect/>
+                  </a:stretch>
+                </p:blipFill>
+                <p:spPr>
+                  <a:xfrm>
+                    <a:off x="4557576" y="3268526"/>
+                    <a:ext cx="146844" cy="146844"/>
+                  </a:xfrm>
+                  <a:prstGeom prst="rect">
+                    <a:avLst/>
+                  </a:prstGeom>
+                </p:spPr>
+              </p:pic>
+            </p:grpSp>
+            <p:grpSp>
+              <p:nvGrpSpPr>
+                <p:cNvPr id="147" name="Group 146">
+                  <a:extLst>
+                    <a:ext uri="{FF2B5EF4-FFF2-40B4-BE49-F238E27FC236}">
+                      <a16:creationId xmlns:a16="http://schemas.microsoft.com/office/drawing/2014/main" id="{961D2C0D-A982-4FFB-A939-8554DACE7DD0}"/>
+                    </a:ext>
+                  </a:extLst>
+                </p:cNvPr>
+                <p:cNvGrpSpPr/>
+                <p:nvPr/>
+              </p:nvGrpSpPr>
+              <p:grpSpPr>
+                <a:xfrm>
+                  <a:off x="5438775" y="2996769"/>
+                  <a:ext cx="187847" cy="187847"/>
+                  <a:chOff x="4537075" y="3248025"/>
+                  <a:chExt cx="187847" cy="187847"/>
+                </a:xfrm>
+              </p:grpSpPr>
+              <p:sp>
+                <p:nvSpPr>
+                  <p:cNvPr id="154" name="Rectangle: Rounded Corners 153">
+                    <a:extLst>
+                      <a:ext uri="{FF2B5EF4-FFF2-40B4-BE49-F238E27FC236}">
+                        <a16:creationId xmlns:a16="http://schemas.microsoft.com/office/drawing/2014/main" id="{E800EE65-1B98-4A3D-8AB9-3BCB984DCEAB}"/>
+                      </a:ext>
+                    </a:extLst>
+                  </p:cNvPr>
+                  <p:cNvSpPr/>
+                  <p:nvPr/>
+                </p:nvSpPr>
+                <p:spPr>
+                  <a:xfrm>
+                    <a:off x="4537075" y="3248025"/>
+                    <a:ext cx="187847" cy="187847"/>
+                  </a:xfrm>
+                  <a:prstGeom prst="roundRect">
+                    <a:avLst/>
+                  </a:prstGeom>
+                  <a:solidFill>
+                    <a:schemeClr val="bg1"/>
+                  </a:solidFill>
+                  <a:ln>
+                    <a:solidFill>
+                      <a:srgbClr val="50E6FF"/>
+                    </a:solidFill>
+                  </a:ln>
+                </p:spPr>
+                <p:style>
+                  <a:lnRef idx="2">
+                    <a:schemeClr val="accent1">
+                      <a:shade val="50000"/>
+                    </a:schemeClr>
+                  </a:lnRef>
+                  <a:fillRef idx="1">
+                    <a:schemeClr val="accent1"/>
+                  </a:fillRef>
+                  <a:effectRef idx="0">
+                    <a:schemeClr val="accent1"/>
+                  </a:effectRef>
+                  <a:fontRef idx="minor">
+                    <a:schemeClr val="lt1"/>
+                  </a:fontRef>
+                </p:style>
+                <p:txBody>
+                  <a:bodyPr rtlCol="0" anchor="ctr"/>
+                  <a:lstStyle/>
+                  <a:p>
+                    <a:pPr algn="ctr"/>
+                    <a:endParaRPr lang="en-CA"/>
+                  </a:p>
+                </p:txBody>
+              </p:sp>
+              <p:pic>
+                <p:nvPicPr>
+                  <p:cNvPr id="155" name="Graphic 154">
+                    <a:extLst>
+                      <a:ext uri="{FF2B5EF4-FFF2-40B4-BE49-F238E27FC236}">
+                        <a16:creationId xmlns:a16="http://schemas.microsoft.com/office/drawing/2014/main" id="{06F0DFDF-51C2-4468-840E-7EE70C3F4B95}"/>
+                      </a:ext>
+                    </a:extLst>
+                  </p:cNvPr>
+                  <p:cNvPicPr>
+                    <a:picLocks noChangeAspect="1"/>
+                  </p:cNvPicPr>
+                  <p:nvPr/>
+                </p:nvPicPr>
+                <p:blipFill>
+                  <a:blip r:embed="rId4">
+                    <a:extLst>
+                      <a:ext uri="{28A0092B-C50C-407E-A947-70E740481C1C}">
+                        <a14:useLocalDpi xmlns:a14="http://schemas.microsoft.com/office/drawing/2010/main" val="0"/>
+                      </a:ext>
+                      <a:ext uri="{96DAC541-7B7A-43D3-8B79-37D633B846F1}">
+                        <asvg:svgBlip xmlns:asvg="http://schemas.microsoft.com/office/drawing/2016/SVG/main" r:embed="rId5"/>
+                      </a:ext>
+                    </a:extLst>
+                  </a:blip>
+                  <a:stretch>
+                    <a:fillRect/>
+                  </a:stretch>
+                </p:blipFill>
+                <p:spPr>
+                  <a:xfrm>
+                    <a:off x="4557576" y="3268526"/>
+                    <a:ext cx="146844" cy="146844"/>
+                  </a:xfrm>
+                  <a:prstGeom prst="rect">
+                    <a:avLst/>
+                  </a:prstGeom>
+                </p:spPr>
+              </p:pic>
+            </p:grpSp>
+            <p:grpSp>
+              <p:nvGrpSpPr>
+                <p:cNvPr id="148" name="Group 147">
+                  <a:extLst>
+                    <a:ext uri="{FF2B5EF4-FFF2-40B4-BE49-F238E27FC236}">
+                      <a16:creationId xmlns:a16="http://schemas.microsoft.com/office/drawing/2014/main" id="{568E02BC-9108-4774-96B0-91A2E25280D4}"/>
+                    </a:ext>
+                  </a:extLst>
+                </p:cNvPr>
+                <p:cNvGrpSpPr/>
+                <p:nvPr/>
+              </p:nvGrpSpPr>
+              <p:grpSpPr>
+                <a:xfrm>
+                  <a:off x="5438775" y="3224167"/>
+                  <a:ext cx="187847" cy="187847"/>
+                  <a:chOff x="4537075" y="3248025"/>
+                  <a:chExt cx="187847" cy="187847"/>
+                </a:xfrm>
+              </p:grpSpPr>
+              <p:sp>
+                <p:nvSpPr>
+                  <p:cNvPr id="152" name="Rectangle: Rounded Corners 151">
+                    <a:extLst>
+                      <a:ext uri="{FF2B5EF4-FFF2-40B4-BE49-F238E27FC236}">
+                        <a16:creationId xmlns:a16="http://schemas.microsoft.com/office/drawing/2014/main" id="{21FADF1D-8840-4ED8-8733-07E7B3863496}"/>
+                      </a:ext>
+                    </a:extLst>
+                  </p:cNvPr>
+                  <p:cNvSpPr/>
+                  <p:nvPr/>
+                </p:nvSpPr>
+                <p:spPr>
+                  <a:xfrm>
+                    <a:off x="4537075" y="3248025"/>
+                    <a:ext cx="187847" cy="187847"/>
+                  </a:xfrm>
+                  <a:prstGeom prst="roundRect">
+                    <a:avLst/>
+                  </a:prstGeom>
+                  <a:solidFill>
+                    <a:schemeClr val="bg1"/>
+                  </a:solidFill>
+                  <a:ln>
+                    <a:solidFill>
+                      <a:srgbClr val="50E6FF"/>
+                    </a:solidFill>
+                  </a:ln>
+                </p:spPr>
+                <p:style>
+                  <a:lnRef idx="2">
+                    <a:schemeClr val="accent1">
+                      <a:shade val="50000"/>
+                    </a:schemeClr>
+                  </a:lnRef>
+                  <a:fillRef idx="1">
+                    <a:schemeClr val="accent1"/>
+                  </a:fillRef>
+                  <a:effectRef idx="0">
+                    <a:schemeClr val="accent1"/>
+                  </a:effectRef>
+                  <a:fontRef idx="minor">
+                    <a:schemeClr val="lt1"/>
+                  </a:fontRef>
+                </p:style>
+                <p:txBody>
+                  <a:bodyPr rtlCol="0" anchor="ctr"/>
+                  <a:lstStyle/>
+                  <a:p>
+                    <a:pPr algn="ctr"/>
+                    <a:endParaRPr lang="en-CA"/>
+                  </a:p>
+                </p:txBody>
+              </p:sp>
+              <p:pic>
+                <p:nvPicPr>
+                  <p:cNvPr id="153" name="Graphic 152">
+                    <a:extLst>
+                      <a:ext uri="{FF2B5EF4-FFF2-40B4-BE49-F238E27FC236}">
+                        <a16:creationId xmlns:a16="http://schemas.microsoft.com/office/drawing/2014/main" id="{CF0B1356-C121-46D5-A19C-609ED90EA23F}"/>
+                      </a:ext>
+                    </a:extLst>
+                  </p:cNvPr>
+                  <p:cNvPicPr>
+                    <a:picLocks noChangeAspect="1"/>
+                  </p:cNvPicPr>
+                  <p:nvPr/>
+                </p:nvPicPr>
+                <p:blipFill>
+                  <a:blip r:embed="rId4">
+                    <a:extLst>
+                      <a:ext uri="{28A0092B-C50C-407E-A947-70E740481C1C}">
+                        <a14:useLocalDpi xmlns:a14="http://schemas.microsoft.com/office/drawing/2010/main" val="0"/>
+                      </a:ext>
+                      <a:ext uri="{96DAC541-7B7A-43D3-8B79-37D633B846F1}">
+                        <asvg:svgBlip xmlns:asvg="http://schemas.microsoft.com/office/drawing/2016/SVG/main" r:embed="rId5"/>
+                      </a:ext>
+                    </a:extLst>
+                  </a:blip>
+                  <a:stretch>
+                    <a:fillRect/>
+                  </a:stretch>
+                </p:blipFill>
+                <p:spPr>
+                  <a:xfrm>
+                    <a:off x="4557576" y="3268526"/>
+                    <a:ext cx="146844" cy="146844"/>
+                  </a:xfrm>
+                  <a:prstGeom prst="rect">
+                    <a:avLst/>
+                  </a:prstGeom>
+                </p:spPr>
+              </p:pic>
+            </p:grpSp>
+            <p:grpSp>
+              <p:nvGrpSpPr>
+                <p:cNvPr id="149" name="Group 148">
+                  <a:extLst>
+                    <a:ext uri="{FF2B5EF4-FFF2-40B4-BE49-F238E27FC236}">
+                      <a16:creationId xmlns:a16="http://schemas.microsoft.com/office/drawing/2014/main" id="{911BE5FD-E637-45EF-888C-D2E0A87BAE50}"/>
+                    </a:ext>
+                  </a:extLst>
+                </p:cNvPr>
+                <p:cNvGrpSpPr/>
+                <p:nvPr/>
+              </p:nvGrpSpPr>
+              <p:grpSpPr>
+                <a:xfrm>
+                  <a:off x="5438775" y="3451566"/>
+                  <a:ext cx="187847" cy="187847"/>
+                  <a:chOff x="4537075" y="3248025"/>
+                  <a:chExt cx="187847" cy="187847"/>
+                </a:xfrm>
+              </p:grpSpPr>
+              <p:sp>
+                <p:nvSpPr>
+                  <p:cNvPr id="150" name="Rectangle: Rounded Corners 149">
+                    <a:extLst>
+                      <a:ext uri="{FF2B5EF4-FFF2-40B4-BE49-F238E27FC236}">
+                        <a16:creationId xmlns:a16="http://schemas.microsoft.com/office/drawing/2014/main" id="{54EEA24E-AD9E-498B-8A60-E7E4C0B3551A}"/>
+                      </a:ext>
+                    </a:extLst>
+                  </p:cNvPr>
+                  <p:cNvSpPr/>
+                  <p:nvPr/>
+                </p:nvSpPr>
+                <p:spPr>
+                  <a:xfrm>
+                    <a:off x="4537075" y="3248025"/>
+                    <a:ext cx="187847" cy="187847"/>
+                  </a:xfrm>
+                  <a:prstGeom prst="roundRect">
+                    <a:avLst/>
+                  </a:prstGeom>
+                  <a:solidFill>
+                    <a:schemeClr val="bg1"/>
+                  </a:solidFill>
+                  <a:ln>
+                    <a:solidFill>
+                      <a:srgbClr val="50E6FF"/>
+                    </a:solidFill>
+                  </a:ln>
+                </p:spPr>
+                <p:style>
+                  <a:lnRef idx="2">
+                    <a:schemeClr val="accent1">
+                      <a:shade val="50000"/>
+                    </a:schemeClr>
+                  </a:lnRef>
+                  <a:fillRef idx="1">
+                    <a:schemeClr val="accent1"/>
+                  </a:fillRef>
+                  <a:effectRef idx="0">
+                    <a:schemeClr val="accent1"/>
+                  </a:effectRef>
+                  <a:fontRef idx="minor">
+                    <a:schemeClr val="lt1"/>
+                  </a:fontRef>
+                </p:style>
+                <p:txBody>
+                  <a:bodyPr rtlCol="0" anchor="ctr"/>
+                  <a:lstStyle/>
+                  <a:p>
+                    <a:pPr algn="ctr"/>
+                    <a:endParaRPr lang="en-CA"/>
+                  </a:p>
+                </p:txBody>
+              </p:sp>
+              <p:pic>
+                <p:nvPicPr>
+                  <p:cNvPr id="151" name="Graphic 150">
+                    <a:extLst>
+                      <a:ext uri="{FF2B5EF4-FFF2-40B4-BE49-F238E27FC236}">
+                        <a16:creationId xmlns:a16="http://schemas.microsoft.com/office/drawing/2014/main" id="{27011B3B-ED24-41D3-A92A-A45D661490D2}"/>
+                      </a:ext>
+                    </a:extLst>
+                  </p:cNvPr>
+                  <p:cNvPicPr>
+                    <a:picLocks noChangeAspect="1"/>
+                  </p:cNvPicPr>
+                  <p:nvPr/>
+                </p:nvPicPr>
+                <p:blipFill>
+                  <a:blip r:embed="rId4">
+                    <a:extLst>
+                      <a:ext uri="{28A0092B-C50C-407E-A947-70E740481C1C}">
+                        <a14:useLocalDpi xmlns:a14="http://schemas.microsoft.com/office/drawing/2010/main" val="0"/>
+                      </a:ext>
+                      <a:ext uri="{96DAC541-7B7A-43D3-8B79-37D633B846F1}">
+                        <asvg:svgBlip xmlns:asvg="http://schemas.microsoft.com/office/drawing/2016/SVG/main" r:embed="rId5"/>
+                      </a:ext>
+                    </a:extLst>
+                  </a:blip>
+                  <a:stretch>
+                    <a:fillRect/>
+                  </a:stretch>
+                </p:blipFill>
+                <p:spPr>
+                  <a:xfrm>
+                    <a:off x="4557576" y="3268526"/>
+                    <a:ext cx="146844" cy="146844"/>
+                  </a:xfrm>
+                  <a:prstGeom prst="rect">
+                    <a:avLst/>
+                  </a:prstGeom>
+                </p:spPr>
+              </p:pic>
+            </p:grpSp>
+          </p:grpSp>
+          <p:grpSp>
+            <p:nvGrpSpPr>
+              <p:cNvPr id="162" name="Group 161">
+                <a:extLst>
+                  <a:ext uri="{FF2B5EF4-FFF2-40B4-BE49-F238E27FC236}">
+                    <a16:creationId xmlns:a16="http://schemas.microsoft.com/office/drawing/2014/main" id="{39B0B4ED-A053-4325-80F9-C0D1C0968B8F}"/>
+                  </a:ext>
+                </a:extLst>
+              </p:cNvPr>
+              <p:cNvGrpSpPr/>
+              <p:nvPr/>
+            </p:nvGrpSpPr>
+            <p:grpSpPr>
+              <a:xfrm>
+                <a:off x="6357763" y="2314575"/>
+                <a:ext cx="187847" cy="1324838"/>
+                <a:chOff x="5438775" y="2314575"/>
+                <a:chExt cx="187847" cy="1324838"/>
+              </a:xfrm>
+            </p:grpSpPr>
+            <p:grpSp>
+              <p:nvGrpSpPr>
+                <p:cNvPr id="163" name="Group 162">
+                  <a:extLst>
+                    <a:ext uri="{FF2B5EF4-FFF2-40B4-BE49-F238E27FC236}">
+                      <a16:creationId xmlns:a16="http://schemas.microsoft.com/office/drawing/2014/main" id="{7B44E60D-5C0E-48C0-B03E-E5D15CD524DF}"/>
+                    </a:ext>
+                  </a:extLst>
+                </p:cNvPr>
+                <p:cNvGrpSpPr/>
+                <p:nvPr/>
+              </p:nvGrpSpPr>
+              <p:grpSpPr>
+                <a:xfrm>
+                  <a:off x="5438775" y="2314575"/>
+                  <a:ext cx="187847" cy="187847"/>
+                  <a:chOff x="4537075" y="3248025"/>
+                  <a:chExt cx="187847" cy="187847"/>
+                </a:xfrm>
+              </p:grpSpPr>
+              <p:sp>
+                <p:nvSpPr>
+                  <p:cNvPr id="179" name="Rectangle: Rounded Corners 178">
+                    <a:extLst>
+                      <a:ext uri="{FF2B5EF4-FFF2-40B4-BE49-F238E27FC236}">
+                        <a16:creationId xmlns:a16="http://schemas.microsoft.com/office/drawing/2014/main" id="{7E0B0818-D431-43F0-A93D-61320FE8B7DF}"/>
+                      </a:ext>
+                    </a:extLst>
+                  </p:cNvPr>
+                  <p:cNvSpPr/>
+                  <p:nvPr/>
+                </p:nvSpPr>
+                <p:spPr>
+                  <a:xfrm>
+                    <a:off x="4537075" y="3248025"/>
+                    <a:ext cx="187847" cy="187847"/>
+                  </a:xfrm>
+                  <a:prstGeom prst="roundRect">
+                    <a:avLst/>
+                  </a:prstGeom>
+                  <a:solidFill>
+                    <a:schemeClr val="bg1"/>
+                  </a:solidFill>
+                  <a:ln>
+                    <a:solidFill>
+                      <a:srgbClr val="50E6FF"/>
+                    </a:solidFill>
+                  </a:ln>
+                </p:spPr>
+                <p:style>
+                  <a:lnRef idx="2">
+                    <a:schemeClr val="accent1">
+                      <a:shade val="50000"/>
+                    </a:schemeClr>
+                  </a:lnRef>
+                  <a:fillRef idx="1">
+                    <a:schemeClr val="accent1"/>
+                  </a:fillRef>
+                  <a:effectRef idx="0">
+                    <a:schemeClr val="accent1"/>
+                  </a:effectRef>
+                  <a:fontRef idx="minor">
+                    <a:schemeClr val="lt1"/>
+                  </a:fontRef>
+                </p:style>
+                <p:txBody>
+                  <a:bodyPr rtlCol="0" anchor="ctr"/>
+                  <a:lstStyle/>
+                  <a:p>
+                    <a:pPr algn="ctr"/>
+                    <a:endParaRPr lang="en-CA"/>
+                  </a:p>
+                </p:txBody>
+              </p:sp>
+              <p:pic>
+                <p:nvPicPr>
+                  <p:cNvPr id="180" name="Graphic 179">
+                    <a:extLst>
+                      <a:ext uri="{FF2B5EF4-FFF2-40B4-BE49-F238E27FC236}">
+                        <a16:creationId xmlns:a16="http://schemas.microsoft.com/office/drawing/2014/main" id="{4376F4C7-D9C6-49A5-A5EF-0F600A60BCDF}"/>
+                      </a:ext>
+                    </a:extLst>
+                  </p:cNvPr>
+                  <p:cNvPicPr>
+                    <a:picLocks noChangeAspect="1"/>
+                  </p:cNvPicPr>
+                  <p:nvPr/>
+                </p:nvPicPr>
+                <p:blipFill>
+                  <a:blip r:embed="rId4">
+                    <a:extLst>
+                      <a:ext uri="{28A0092B-C50C-407E-A947-70E740481C1C}">
+                        <a14:useLocalDpi xmlns:a14="http://schemas.microsoft.com/office/drawing/2010/main" val="0"/>
+                      </a:ext>
+                      <a:ext uri="{96DAC541-7B7A-43D3-8B79-37D633B846F1}">
+                        <asvg:svgBlip xmlns:asvg="http://schemas.microsoft.com/office/drawing/2016/SVG/main" r:embed="rId5"/>
+                      </a:ext>
+                    </a:extLst>
+                  </a:blip>
+                  <a:stretch>
+                    <a:fillRect/>
+                  </a:stretch>
+                </p:blipFill>
+                <p:spPr>
+                  <a:xfrm>
+                    <a:off x="4557576" y="3268526"/>
+                    <a:ext cx="146844" cy="146844"/>
+                  </a:xfrm>
+                  <a:prstGeom prst="rect">
+                    <a:avLst/>
+                  </a:prstGeom>
+                </p:spPr>
+              </p:pic>
+            </p:grpSp>
+            <p:grpSp>
+              <p:nvGrpSpPr>
+                <p:cNvPr id="164" name="Group 163">
+                  <a:extLst>
+                    <a:ext uri="{FF2B5EF4-FFF2-40B4-BE49-F238E27FC236}">
+                      <a16:creationId xmlns:a16="http://schemas.microsoft.com/office/drawing/2014/main" id="{EECB6C70-66AE-46FA-90B3-C5E61EA52EB6}"/>
+                    </a:ext>
+                  </a:extLst>
+                </p:cNvPr>
+                <p:cNvGrpSpPr/>
+                <p:nvPr/>
+              </p:nvGrpSpPr>
+              <p:grpSpPr>
+                <a:xfrm>
+                  <a:off x="5438775" y="2541973"/>
+                  <a:ext cx="187847" cy="187847"/>
+                  <a:chOff x="4537075" y="3248025"/>
+                  <a:chExt cx="187847" cy="187847"/>
+                </a:xfrm>
+              </p:grpSpPr>
+              <p:sp>
+                <p:nvSpPr>
+                  <p:cNvPr id="177" name="Rectangle: Rounded Corners 176">
+                    <a:extLst>
+                      <a:ext uri="{FF2B5EF4-FFF2-40B4-BE49-F238E27FC236}">
+                        <a16:creationId xmlns:a16="http://schemas.microsoft.com/office/drawing/2014/main" id="{8BFAAE82-F610-4527-8531-8730430C271E}"/>
+                      </a:ext>
+                    </a:extLst>
+                  </p:cNvPr>
+                  <p:cNvSpPr/>
+                  <p:nvPr/>
+                </p:nvSpPr>
+                <p:spPr>
+                  <a:xfrm>
+                    <a:off x="4537075" y="3248025"/>
+                    <a:ext cx="187847" cy="187847"/>
+                  </a:xfrm>
+                  <a:prstGeom prst="roundRect">
+                    <a:avLst/>
+                  </a:prstGeom>
+                  <a:solidFill>
+                    <a:schemeClr val="bg1"/>
+                  </a:solidFill>
+                  <a:ln>
+                    <a:solidFill>
+                      <a:srgbClr val="50E6FF"/>
+                    </a:solidFill>
+                  </a:ln>
+                </p:spPr>
+                <p:style>
+                  <a:lnRef idx="2">
+                    <a:schemeClr val="accent1">
+                      <a:shade val="50000"/>
+                    </a:schemeClr>
+                  </a:lnRef>
+                  <a:fillRef idx="1">
+                    <a:schemeClr val="accent1"/>
+                  </a:fillRef>
+                  <a:effectRef idx="0">
+                    <a:schemeClr val="accent1"/>
+                  </a:effectRef>
+                  <a:fontRef idx="minor">
+                    <a:schemeClr val="lt1"/>
+                  </a:fontRef>
+                </p:style>
+                <p:txBody>
+                  <a:bodyPr rtlCol="0" anchor="ctr"/>
+                  <a:lstStyle/>
+                  <a:p>
+                    <a:pPr algn="ctr"/>
+                    <a:endParaRPr lang="en-CA"/>
+                  </a:p>
+                </p:txBody>
+              </p:sp>
+              <p:pic>
+                <p:nvPicPr>
+                  <p:cNvPr id="178" name="Graphic 177">
+                    <a:extLst>
+                      <a:ext uri="{FF2B5EF4-FFF2-40B4-BE49-F238E27FC236}">
+                        <a16:creationId xmlns:a16="http://schemas.microsoft.com/office/drawing/2014/main" id="{997E3586-1FCE-47C4-9C4B-FA9150D18018}"/>
+                      </a:ext>
+                    </a:extLst>
+                  </p:cNvPr>
+                  <p:cNvPicPr>
+                    <a:picLocks noChangeAspect="1"/>
+                  </p:cNvPicPr>
+                  <p:nvPr/>
+                </p:nvPicPr>
+                <p:blipFill>
+                  <a:blip r:embed="rId4">
+                    <a:extLst>
+                      <a:ext uri="{28A0092B-C50C-407E-A947-70E740481C1C}">
+                        <a14:useLocalDpi xmlns:a14="http://schemas.microsoft.com/office/drawing/2010/main" val="0"/>
+                      </a:ext>
+                      <a:ext uri="{96DAC541-7B7A-43D3-8B79-37D633B846F1}">
+                        <asvg:svgBlip xmlns:asvg="http://schemas.microsoft.com/office/drawing/2016/SVG/main" r:embed="rId5"/>
+                      </a:ext>
+                    </a:extLst>
+                  </a:blip>
+                  <a:stretch>
+                    <a:fillRect/>
+                  </a:stretch>
+                </p:blipFill>
+                <p:spPr>
+                  <a:xfrm>
+                    <a:off x="4557576" y="3268526"/>
+                    <a:ext cx="146844" cy="146844"/>
+                  </a:xfrm>
+                  <a:prstGeom prst="rect">
+                    <a:avLst/>
+                  </a:prstGeom>
+                </p:spPr>
+              </p:pic>
+            </p:grpSp>
+            <p:grpSp>
+              <p:nvGrpSpPr>
+                <p:cNvPr id="165" name="Group 164">
+                  <a:extLst>
+                    <a:ext uri="{FF2B5EF4-FFF2-40B4-BE49-F238E27FC236}">
+                      <a16:creationId xmlns:a16="http://schemas.microsoft.com/office/drawing/2014/main" id="{DCC19EFB-D816-4A2F-9BAD-83779C96C354}"/>
+                    </a:ext>
+                  </a:extLst>
+                </p:cNvPr>
+                <p:cNvGrpSpPr/>
+                <p:nvPr/>
+              </p:nvGrpSpPr>
+              <p:grpSpPr>
+                <a:xfrm>
+                  <a:off x="5438775" y="2769371"/>
+                  <a:ext cx="187847" cy="187847"/>
+                  <a:chOff x="4537075" y="3248025"/>
+                  <a:chExt cx="187847" cy="187847"/>
+                </a:xfrm>
+              </p:grpSpPr>
+              <p:sp>
+                <p:nvSpPr>
+                  <p:cNvPr id="175" name="Rectangle: Rounded Corners 174">
+                    <a:extLst>
+                      <a:ext uri="{FF2B5EF4-FFF2-40B4-BE49-F238E27FC236}">
+                        <a16:creationId xmlns:a16="http://schemas.microsoft.com/office/drawing/2014/main" id="{74D02DE4-9A6B-4CBD-9A28-C0B31869D466}"/>
+                      </a:ext>
+                    </a:extLst>
+                  </p:cNvPr>
+                  <p:cNvSpPr/>
+                  <p:nvPr/>
+                </p:nvSpPr>
+                <p:spPr>
+                  <a:xfrm>
+                    <a:off x="4537075" y="3248025"/>
+                    <a:ext cx="187847" cy="187847"/>
+                  </a:xfrm>
+                  <a:prstGeom prst="roundRect">
+                    <a:avLst/>
+                  </a:prstGeom>
+                  <a:solidFill>
+                    <a:schemeClr val="bg1"/>
+                  </a:solidFill>
+                  <a:ln>
+                    <a:solidFill>
+                      <a:srgbClr val="50E6FF"/>
+                    </a:solidFill>
+                  </a:ln>
+                </p:spPr>
+                <p:style>
+                  <a:lnRef idx="2">
+                    <a:schemeClr val="accent1">
+                      <a:shade val="50000"/>
+                    </a:schemeClr>
+                  </a:lnRef>
+                  <a:fillRef idx="1">
+                    <a:schemeClr val="accent1"/>
+                  </a:fillRef>
+                  <a:effectRef idx="0">
+                    <a:schemeClr val="accent1"/>
+                  </a:effectRef>
+                  <a:fontRef idx="minor">
+                    <a:schemeClr val="lt1"/>
+                  </a:fontRef>
+                </p:style>
+                <p:txBody>
+                  <a:bodyPr rtlCol="0" anchor="ctr"/>
+                  <a:lstStyle/>
+                  <a:p>
+                    <a:pPr algn="ctr"/>
+                    <a:endParaRPr lang="en-CA"/>
+                  </a:p>
+                </p:txBody>
+              </p:sp>
+              <p:pic>
+                <p:nvPicPr>
+                  <p:cNvPr id="176" name="Graphic 175">
+                    <a:extLst>
+                      <a:ext uri="{FF2B5EF4-FFF2-40B4-BE49-F238E27FC236}">
+                        <a16:creationId xmlns:a16="http://schemas.microsoft.com/office/drawing/2014/main" id="{5D32A1BE-4F56-44BE-8152-012EE40BC8C3}"/>
+                      </a:ext>
+                    </a:extLst>
+                  </p:cNvPr>
+                  <p:cNvPicPr>
+                    <a:picLocks noChangeAspect="1"/>
+                  </p:cNvPicPr>
+                  <p:nvPr/>
+                </p:nvPicPr>
+                <p:blipFill>
+                  <a:blip r:embed="rId4">
+                    <a:extLst>
+                      <a:ext uri="{28A0092B-C50C-407E-A947-70E740481C1C}">
+                        <a14:useLocalDpi xmlns:a14="http://schemas.microsoft.com/office/drawing/2010/main" val="0"/>
+                      </a:ext>
+                      <a:ext uri="{96DAC541-7B7A-43D3-8B79-37D633B846F1}">
+                        <asvg:svgBlip xmlns:asvg="http://schemas.microsoft.com/office/drawing/2016/SVG/main" r:embed="rId5"/>
+                      </a:ext>
+                    </a:extLst>
+                  </a:blip>
+                  <a:stretch>
+                    <a:fillRect/>
+                  </a:stretch>
+                </p:blipFill>
+                <p:spPr>
+                  <a:xfrm>
+                    <a:off x="4557576" y="3268526"/>
+                    <a:ext cx="146844" cy="146844"/>
+                  </a:xfrm>
+                  <a:prstGeom prst="rect">
+                    <a:avLst/>
+                  </a:prstGeom>
+                </p:spPr>
+              </p:pic>
+            </p:grpSp>
+            <p:grpSp>
+              <p:nvGrpSpPr>
+                <p:cNvPr id="166" name="Group 165">
+                  <a:extLst>
+                    <a:ext uri="{FF2B5EF4-FFF2-40B4-BE49-F238E27FC236}">
+                      <a16:creationId xmlns:a16="http://schemas.microsoft.com/office/drawing/2014/main" id="{59725920-DDA6-4543-A70D-93A064D3BDBA}"/>
+                    </a:ext>
+                  </a:extLst>
+                </p:cNvPr>
+                <p:cNvGrpSpPr/>
+                <p:nvPr/>
+              </p:nvGrpSpPr>
+              <p:grpSpPr>
+                <a:xfrm>
+                  <a:off x="5438775" y="2996769"/>
+                  <a:ext cx="187847" cy="187847"/>
+                  <a:chOff x="4537075" y="3248025"/>
+                  <a:chExt cx="187847" cy="187847"/>
+                </a:xfrm>
+              </p:grpSpPr>
+              <p:sp>
+                <p:nvSpPr>
+                  <p:cNvPr id="173" name="Rectangle: Rounded Corners 172">
+                    <a:extLst>
+                      <a:ext uri="{FF2B5EF4-FFF2-40B4-BE49-F238E27FC236}">
+                        <a16:creationId xmlns:a16="http://schemas.microsoft.com/office/drawing/2014/main" id="{2D037F25-7C62-4522-8B19-7F2A187CAB35}"/>
+                      </a:ext>
+                    </a:extLst>
+                  </p:cNvPr>
+                  <p:cNvSpPr/>
+                  <p:nvPr/>
+                </p:nvSpPr>
+                <p:spPr>
+                  <a:xfrm>
+                    <a:off x="4537075" y="3248025"/>
+                    <a:ext cx="187847" cy="187847"/>
+                  </a:xfrm>
+                  <a:prstGeom prst="roundRect">
+                    <a:avLst/>
+                  </a:prstGeom>
+                  <a:solidFill>
+                    <a:schemeClr val="bg1"/>
+                  </a:solidFill>
+                  <a:ln>
+                    <a:solidFill>
+                      <a:srgbClr val="50E6FF"/>
+                    </a:solidFill>
+                  </a:ln>
+                </p:spPr>
+                <p:style>
+                  <a:lnRef idx="2">
+                    <a:schemeClr val="accent1">
+                      <a:shade val="50000"/>
+                    </a:schemeClr>
+                  </a:lnRef>
+                  <a:fillRef idx="1">
+                    <a:schemeClr val="accent1"/>
+                  </a:fillRef>
+                  <a:effectRef idx="0">
+                    <a:schemeClr val="accent1"/>
+                  </a:effectRef>
+                  <a:fontRef idx="minor">
+                    <a:schemeClr val="lt1"/>
+                  </a:fontRef>
+                </p:style>
+                <p:txBody>
+                  <a:bodyPr rtlCol="0" anchor="ctr"/>
+                  <a:lstStyle/>
+                  <a:p>
+                    <a:pPr algn="ctr"/>
+                    <a:endParaRPr lang="en-CA"/>
+                  </a:p>
+                </p:txBody>
+              </p:sp>
+              <p:pic>
+                <p:nvPicPr>
+                  <p:cNvPr id="174" name="Graphic 173">
+                    <a:extLst>
+                      <a:ext uri="{FF2B5EF4-FFF2-40B4-BE49-F238E27FC236}">
+                        <a16:creationId xmlns:a16="http://schemas.microsoft.com/office/drawing/2014/main" id="{35142F44-0977-436C-B036-DB1B59BB5F66}"/>
+                      </a:ext>
+                    </a:extLst>
+                  </p:cNvPr>
+                  <p:cNvPicPr>
+                    <a:picLocks noChangeAspect="1"/>
+                  </p:cNvPicPr>
+                  <p:nvPr/>
+                </p:nvPicPr>
+                <p:blipFill>
+                  <a:blip r:embed="rId4">
+                    <a:extLst>
+                      <a:ext uri="{28A0092B-C50C-407E-A947-70E740481C1C}">
+                        <a14:useLocalDpi xmlns:a14="http://schemas.microsoft.com/office/drawing/2010/main" val="0"/>
+                      </a:ext>
+                      <a:ext uri="{96DAC541-7B7A-43D3-8B79-37D633B846F1}">
+                        <asvg:svgBlip xmlns:asvg="http://schemas.microsoft.com/office/drawing/2016/SVG/main" r:embed="rId5"/>
+                      </a:ext>
+                    </a:extLst>
+                  </a:blip>
+                  <a:stretch>
+                    <a:fillRect/>
+                  </a:stretch>
+                </p:blipFill>
+                <p:spPr>
+                  <a:xfrm>
+                    <a:off x="4557576" y="3268526"/>
+                    <a:ext cx="146844" cy="146844"/>
+                  </a:xfrm>
+                  <a:prstGeom prst="rect">
+                    <a:avLst/>
+                  </a:prstGeom>
+                </p:spPr>
+              </p:pic>
+            </p:grpSp>
+            <p:grpSp>
+              <p:nvGrpSpPr>
+                <p:cNvPr id="167" name="Group 166">
+                  <a:extLst>
+                    <a:ext uri="{FF2B5EF4-FFF2-40B4-BE49-F238E27FC236}">
+                      <a16:creationId xmlns:a16="http://schemas.microsoft.com/office/drawing/2014/main" id="{07B5FACA-B4C6-4D44-93B9-935AE8967706}"/>
+                    </a:ext>
+                  </a:extLst>
+                </p:cNvPr>
+                <p:cNvGrpSpPr/>
+                <p:nvPr/>
+              </p:nvGrpSpPr>
+              <p:grpSpPr>
+                <a:xfrm>
+                  <a:off x="5438775" y="3224167"/>
+                  <a:ext cx="187847" cy="187847"/>
+                  <a:chOff x="4537075" y="3248025"/>
+                  <a:chExt cx="187847" cy="187847"/>
+                </a:xfrm>
+              </p:grpSpPr>
+              <p:sp>
+                <p:nvSpPr>
+                  <p:cNvPr id="171" name="Rectangle: Rounded Corners 170">
+                    <a:extLst>
+                      <a:ext uri="{FF2B5EF4-FFF2-40B4-BE49-F238E27FC236}">
+                        <a16:creationId xmlns:a16="http://schemas.microsoft.com/office/drawing/2014/main" id="{05B0933F-8CA5-4164-8881-742C72BB9642}"/>
+                      </a:ext>
+                    </a:extLst>
+                  </p:cNvPr>
+                  <p:cNvSpPr/>
+                  <p:nvPr/>
+                </p:nvSpPr>
+                <p:spPr>
+                  <a:xfrm>
+                    <a:off x="4537075" y="3248025"/>
+                    <a:ext cx="187847" cy="187847"/>
+                  </a:xfrm>
+                  <a:prstGeom prst="roundRect">
+                    <a:avLst/>
+                  </a:prstGeom>
+                  <a:solidFill>
+                    <a:schemeClr val="bg1"/>
+                  </a:solidFill>
+                  <a:ln>
+                    <a:solidFill>
+                      <a:srgbClr val="50E6FF"/>
+                    </a:solidFill>
+                  </a:ln>
+                </p:spPr>
+                <p:style>
+                  <a:lnRef idx="2">
+                    <a:schemeClr val="accent1">
+                      <a:shade val="50000"/>
+                    </a:schemeClr>
+                  </a:lnRef>
+                  <a:fillRef idx="1">
+                    <a:schemeClr val="accent1"/>
+                  </a:fillRef>
+                  <a:effectRef idx="0">
+                    <a:schemeClr val="accent1"/>
+                  </a:effectRef>
+                  <a:fontRef idx="minor">
+                    <a:schemeClr val="lt1"/>
+                  </a:fontRef>
+                </p:style>
+                <p:txBody>
+                  <a:bodyPr rtlCol="0" anchor="ctr"/>
+                  <a:lstStyle/>
+                  <a:p>
+                    <a:pPr algn="ctr"/>
+                    <a:endParaRPr lang="en-CA"/>
+                  </a:p>
+                </p:txBody>
+              </p:sp>
+              <p:pic>
+                <p:nvPicPr>
+                  <p:cNvPr id="172" name="Graphic 171">
+                    <a:extLst>
+                      <a:ext uri="{FF2B5EF4-FFF2-40B4-BE49-F238E27FC236}">
+                        <a16:creationId xmlns:a16="http://schemas.microsoft.com/office/drawing/2014/main" id="{4FD5F733-E534-48D3-A6EF-6F5EA19C6DBC}"/>
+                      </a:ext>
+                    </a:extLst>
+                  </p:cNvPr>
+                  <p:cNvPicPr>
+                    <a:picLocks noChangeAspect="1"/>
+                  </p:cNvPicPr>
+                  <p:nvPr/>
+                </p:nvPicPr>
+                <p:blipFill>
+                  <a:blip r:embed="rId4">
+                    <a:extLst>
+                      <a:ext uri="{28A0092B-C50C-407E-A947-70E740481C1C}">
+                        <a14:useLocalDpi xmlns:a14="http://schemas.microsoft.com/office/drawing/2010/main" val="0"/>
+                      </a:ext>
+                      <a:ext uri="{96DAC541-7B7A-43D3-8B79-37D633B846F1}">
+                        <asvg:svgBlip xmlns:asvg="http://schemas.microsoft.com/office/drawing/2016/SVG/main" r:embed="rId5"/>
+                      </a:ext>
+                    </a:extLst>
+                  </a:blip>
+                  <a:stretch>
+                    <a:fillRect/>
+                  </a:stretch>
+                </p:blipFill>
+                <p:spPr>
+                  <a:xfrm>
+                    <a:off x="4557576" y="3268526"/>
+                    <a:ext cx="146844" cy="146844"/>
+                  </a:xfrm>
+                  <a:prstGeom prst="rect">
+                    <a:avLst/>
+                  </a:prstGeom>
+                </p:spPr>
+              </p:pic>
+            </p:grpSp>
+            <p:grpSp>
+              <p:nvGrpSpPr>
+                <p:cNvPr id="168" name="Group 167">
+                  <a:extLst>
+                    <a:ext uri="{FF2B5EF4-FFF2-40B4-BE49-F238E27FC236}">
+                      <a16:creationId xmlns:a16="http://schemas.microsoft.com/office/drawing/2014/main" id="{26FB9EE8-A123-4341-9A18-B6FBD7CD252B}"/>
+                    </a:ext>
+                  </a:extLst>
+                </p:cNvPr>
+                <p:cNvGrpSpPr/>
+                <p:nvPr/>
+              </p:nvGrpSpPr>
+              <p:grpSpPr>
+                <a:xfrm>
+                  <a:off x="5438775" y="3451566"/>
+                  <a:ext cx="187847" cy="187847"/>
+                  <a:chOff x="4537075" y="3248025"/>
+                  <a:chExt cx="187847" cy="187847"/>
+                </a:xfrm>
+              </p:grpSpPr>
+              <p:sp>
+                <p:nvSpPr>
+                  <p:cNvPr id="169" name="Rectangle: Rounded Corners 168">
+                    <a:extLst>
+                      <a:ext uri="{FF2B5EF4-FFF2-40B4-BE49-F238E27FC236}">
+                        <a16:creationId xmlns:a16="http://schemas.microsoft.com/office/drawing/2014/main" id="{B4900406-FCE8-47C2-8D89-C7368469DE06}"/>
+                      </a:ext>
+                    </a:extLst>
+                  </p:cNvPr>
+                  <p:cNvSpPr/>
+                  <p:nvPr/>
+                </p:nvSpPr>
+                <p:spPr>
+                  <a:xfrm>
+                    <a:off x="4537075" y="3248025"/>
+                    <a:ext cx="187847" cy="187847"/>
+                  </a:xfrm>
+                  <a:prstGeom prst="roundRect">
+                    <a:avLst/>
+                  </a:prstGeom>
+                  <a:solidFill>
+                    <a:schemeClr val="bg1"/>
+                  </a:solidFill>
+                  <a:ln>
+                    <a:solidFill>
+                      <a:srgbClr val="50E6FF"/>
+                    </a:solidFill>
+                  </a:ln>
+                </p:spPr>
+                <p:style>
+                  <a:lnRef idx="2">
+                    <a:schemeClr val="accent1">
+                      <a:shade val="50000"/>
+                    </a:schemeClr>
+                  </a:lnRef>
+                  <a:fillRef idx="1">
+                    <a:schemeClr val="accent1"/>
+                  </a:fillRef>
+                  <a:effectRef idx="0">
+                    <a:schemeClr val="accent1"/>
+                  </a:effectRef>
+                  <a:fontRef idx="minor">
+                    <a:schemeClr val="lt1"/>
+                  </a:fontRef>
+                </p:style>
+                <p:txBody>
+                  <a:bodyPr rtlCol="0" anchor="ctr"/>
+                  <a:lstStyle/>
+                  <a:p>
+                    <a:pPr algn="ctr"/>
+                    <a:endParaRPr lang="en-CA"/>
+                  </a:p>
+                </p:txBody>
+              </p:sp>
+              <p:pic>
+                <p:nvPicPr>
+                  <p:cNvPr id="170" name="Graphic 169">
+                    <a:extLst>
+                      <a:ext uri="{FF2B5EF4-FFF2-40B4-BE49-F238E27FC236}">
+                        <a16:creationId xmlns:a16="http://schemas.microsoft.com/office/drawing/2014/main" id="{3ACFA7DF-27A0-46BA-B8BD-F4E03B73F5CF}"/>
+                      </a:ext>
+                    </a:extLst>
+                  </p:cNvPr>
+                  <p:cNvPicPr>
+                    <a:picLocks noChangeAspect="1"/>
+                  </p:cNvPicPr>
+                  <p:nvPr/>
+                </p:nvPicPr>
+                <p:blipFill>
+                  <a:blip r:embed="rId4">
+                    <a:extLst>
+                      <a:ext uri="{28A0092B-C50C-407E-A947-70E740481C1C}">
+                        <a14:useLocalDpi xmlns:a14="http://schemas.microsoft.com/office/drawing/2010/main" val="0"/>
+                      </a:ext>
+                      <a:ext uri="{96DAC541-7B7A-43D3-8B79-37D633B846F1}">
+                        <asvg:svgBlip xmlns:asvg="http://schemas.microsoft.com/office/drawing/2016/SVG/main" r:embed="rId5"/>
+                      </a:ext>
+                    </a:extLst>
+                  </a:blip>
+                  <a:stretch>
+                    <a:fillRect/>
+                  </a:stretch>
+                </p:blipFill>
+                <p:spPr>
+                  <a:xfrm>
+                    <a:off x="4557576" y="3268526"/>
+                    <a:ext cx="146844" cy="146844"/>
+                  </a:xfrm>
+                  <a:prstGeom prst="rect">
+                    <a:avLst/>
+                  </a:prstGeom>
+                </p:spPr>
+              </p:pic>
+            </p:grpSp>
+          </p:grpSp>
+          <p:grpSp>
+            <p:nvGrpSpPr>
+              <p:cNvPr id="181" name="Group 180">
+                <a:extLst>
+                  <a:ext uri="{FF2B5EF4-FFF2-40B4-BE49-F238E27FC236}">
+                    <a16:creationId xmlns:a16="http://schemas.microsoft.com/office/drawing/2014/main" id="{3CBD1EAA-0E49-4E7F-A478-1EB7FE78C360}"/>
+                  </a:ext>
+                </a:extLst>
+              </p:cNvPr>
+              <p:cNvGrpSpPr/>
+              <p:nvPr/>
+            </p:nvGrpSpPr>
+            <p:grpSpPr>
+              <a:xfrm>
+                <a:off x="6587512" y="2314575"/>
+                <a:ext cx="187847" cy="1324838"/>
+                <a:chOff x="5438775" y="2314575"/>
+                <a:chExt cx="187847" cy="1324838"/>
+              </a:xfrm>
+            </p:grpSpPr>
+            <p:grpSp>
+              <p:nvGrpSpPr>
+                <p:cNvPr id="182" name="Group 181">
+                  <a:extLst>
+                    <a:ext uri="{FF2B5EF4-FFF2-40B4-BE49-F238E27FC236}">
+                      <a16:creationId xmlns:a16="http://schemas.microsoft.com/office/drawing/2014/main" id="{FDDE9728-7180-4C31-A807-567968C00F90}"/>
+                    </a:ext>
+                  </a:extLst>
+                </p:cNvPr>
+                <p:cNvGrpSpPr/>
+                <p:nvPr/>
+              </p:nvGrpSpPr>
+              <p:grpSpPr>
+                <a:xfrm>
+                  <a:off x="5438775" y="2314575"/>
+                  <a:ext cx="187847" cy="187847"/>
+                  <a:chOff x="4537075" y="3248025"/>
+                  <a:chExt cx="187847" cy="187847"/>
+                </a:xfrm>
+              </p:grpSpPr>
+              <p:sp>
+                <p:nvSpPr>
+                  <p:cNvPr id="198" name="Rectangle: Rounded Corners 197">
+                    <a:extLst>
+                      <a:ext uri="{FF2B5EF4-FFF2-40B4-BE49-F238E27FC236}">
+                        <a16:creationId xmlns:a16="http://schemas.microsoft.com/office/drawing/2014/main" id="{29A83875-8339-4E97-B0A1-8059C7534E0B}"/>
+                      </a:ext>
+                    </a:extLst>
+                  </p:cNvPr>
+                  <p:cNvSpPr/>
+                  <p:nvPr/>
+                </p:nvSpPr>
+                <p:spPr>
+                  <a:xfrm>
+                    <a:off x="4537075" y="3248025"/>
+                    <a:ext cx="187847" cy="187847"/>
+                  </a:xfrm>
+                  <a:prstGeom prst="roundRect">
+                    <a:avLst/>
+                  </a:prstGeom>
+                  <a:solidFill>
+                    <a:schemeClr val="bg1"/>
+                  </a:solidFill>
+                  <a:ln>
+                    <a:solidFill>
+                      <a:srgbClr val="50E6FF"/>
+                    </a:solidFill>
+                  </a:ln>
+                </p:spPr>
+                <p:style>
+                  <a:lnRef idx="2">
+                    <a:schemeClr val="accent1">
+                      <a:shade val="50000"/>
+                    </a:schemeClr>
+                  </a:lnRef>
+                  <a:fillRef idx="1">
+                    <a:schemeClr val="accent1"/>
+                  </a:fillRef>
+                  <a:effectRef idx="0">
+                    <a:schemeClr val="accent1"/>
+                  </a:effectRef>
+                  <a:fontRef idx="minor">
+                    <a:schemeClr val="lt1"/>
+                  </a:fontRef>
+                </p:style>
+                <p:txBody>
+                  <a:bodyPr rtlCol="0" anchor="ctr"/>
+                  <a:lstStyle/>
+                  <a:p>
+                    <a:pPr algn="ctr"/>
+                    <a:endParaRPr lang="en-CA"/>
+                  </a:p>
+                </p:txBody>
+              </p:sp>
+              <p:pic>
+                <p:nvPicPr>
+                  <p:cNvPr id="199" name="Graphic 198">
+                    <a:extLst>
+                      <a:ext uri="{FF2B5EF4-FFF2-40B4-BE49-F238E27FC236}">
+                        <a16:creationId xmlns:a16="http://schemas.microsoft.com/office/drawing/2014/main" id="{FD1764C2-7895-42CB-8E04-0A3F6A56FB7D}"/>
+                      </a:ext>
+                    </a:extLst>
+                  </p:cNvPr>
+                  <p:cNvPicPr>
+                    <a:picLocks noChangeAspect="1"/>
+                  </p:cNvPicPr>
+                  <p:nvPr/>
+                </p:nvPicPr>
+                <p:blipFill>
+                  <a:blip r:embed="rId4">
+                    <a:extLst>
+                      <a:ext uri="{28A0092B-C50C-407E-A947-70E740481C1C}">
+                        <a14:useLocalDpi xmlns:a14="http://schemas.microsoft.com/office/drawing/2010/main" val="0"/>
+                      </a:ext>
+                      <a:ext uri="{96DAC541-7B7A-43D3-8B79-37D633B846F1}">
+                        <asvg:svgBlip xmlns:asvg="http://schemas.microsoft.com/office/drawing/2016/SVG/main" r:embed="rId5"/>
+                      </a:ext>
+                    </a:extLst>
+                  </a:blip>
+                  <a:stretch>
+                    <a:fillRect/>
+                  </a:stretch>
+                </p:blipFill>
+                <p:spPr>
+                  <a:xfrm>
+                    <a:off x="4557576" y="3268526"/>
+                    <a:ext cx="146844" cy="146844"/>
+                  </a:xfrm>
+                  <a:prstGeom prst="rect">
+                    <a:avLst/>
+                  </a:prstGeom>
+                </p:spPr>
+              </p:pic>
+            </p:grpSp>
+            <p:grpSp>
+              <p:nvGrpSpPr>
+                <p:cNvPr id="183" name="Group 182">
+                  <a:extLst>
+                    <a:ext uri="{FF2B5EF4-FFF2-40B4-BE49-F238E27FC236}">
+                      <a16:creationId xmlns:a16="http://schemas.microsoft.com/office/drawing/2014/main" id="{CB1E6211-8E1D-4062-88EE-ACAA8371C2D3}"/>
+                    </a:ext>
+                  </a:extLst>
+                </p:cNvPr>
+                <p:cNvGrpSpPr/>
+                <p:nvPr/>
+              </p:nvGrpSpPr>
+              <p:grpSpPr>
+                <a:xfrm>
+                  <a:off x="5438775" y="2541973"/>
+                  <a:ext cx="187847" cy="187847"/>
+                  <a:chOff x="4537075" y="3248025"/>
+                  <a:chExt cx="187847" cy="187847"/>
+                </a:xfrm>
+              </p:grpSpPr>
+              <p:sp>
+                <p:nvSpPr>
+                  <p:cNvPr id="196" name="Rectangle: Rounded Corners 195">
+                    <a:extLst>
+                      <a:ext uri="{FF2B5EF4-FFF2-40B4-BE49-F238E27FC236}">
+                        <a16:creationId xmlns:a16="http://schemas.microsoft.com/office/drawing/2014/main" id="{9A93A66D-E265-4145-8F13-CD150ECDCB85}"/>
+                      </a:ext>
+                    </a:extLst>
+                  </p:cNvPr>
+                  <p:cNvSpPr/>
+                  <p:nvPr/>
+                </p:nvSpPr>
+                <p:spPr>
+                  <a:xfrm>
+                    <a:off x="4537075" y="3248025"/>
+                    <a:ext cx="187847" cy="187847"/>
+                  </a:xfrm>
+                  <a:prstGeom prst="roundRect">
+                    <a:avLst/>
+                  </a:prstGeom>
+                  <a:solidFill>
+                    <a:schemeClr val="bg1"/>
+                  </a:solidFill>
+                  <a:ln>
+                    <a:solidFill>
+                      <a:srgbClr val="50E6FF"/>
+                    </a:solidFill>
+                  </a:ln>
+                </p:spPr>
+                <p:style>
+                  <a:lnRef idx="2">
+                    <a:schemeClr val="accent1">
+                      <a:shade val="50000"/>
+                    </a:schemeClr>
+                  </a:lnRef>
+                  <a:fillRef idx="1">
+                    <a:schemeClr val="accent1"/>
+                  </a:fillRef>
+                  <a:effectRef idx="0">
+                    <a:schemeClr val="accent1"/>
+                  </a:effectRef>
+                  <a:fontRef idx="minor">
+                    <a:schemeClr val="lt1"/>
+                  </a:fontRef>
+                </p:style>
+                <p:txBody>
+                  <a:bodyPr rtlCol="0" anchor="ctr"/>
+                  <a:lstStyle/>
+                  <a:p>
+                    <a:pPr algn="ctr"/>
+                    <a:endParaRPr lang="en-CA"/>
+                  </a:p>
+                </p:txBody>
+              </p:sp>
+              <p:pic>
+                <p:nvPicPr>
+                  <p:cNvPr id="197" name="Graphic 196">
+                    <a:extLst>
+                      <a:ext uri="{FF2B5EF4-FFF2-40B4-BE49-F238E27FC236}">
+                        <a16:creationId xmlns:a16="http://schemas.microsoft.com/office/drawing/2014/main" id="{E1238CD6-21DF-49D4-9450-BBA7465E675D}"/>
+                      </a:ext>
+                    </a:extLst>
+                  </p:cNvPr>
+                  <p:cNvPicPr>
+                    <a:picLocks noChangeAspect="1"/>
+                  </p:cNvPicPr>
+                  <p:nvPr/>
+                </p:nvPicPr>
+                <p:blipFill>
+                  <a:blip r:embed="rId4">
+                    <a:extLst>
+                      <a:ext uri="{28A0092B-C50C-407E-A947-70E740481C1C}">
+                        <a14:useLocalDpi xmlns:a14="http://schemas.microsoft.com/office/drawing/2010/main" val="0"/>
+                      </a:ext>
+                      <a:ext uri="{96DAC541-7B7A-43D3-8B79-37D633B846F1}">
+                        <asvg:svgBlip xmlns:asvg="http://schemas.microsoft.com/office/drawing/2016/SVG/main" r:embed="rId5"/>
+                      </a:ext>
+                    </a:extLst>
+                  </a:blip>
+                  <a:stretch>
+                    <a:fillRect/>
+                  </a:stretch>
+                </p:blipFill>
+                <p:spPr>
+                  <a:xfrm>
+                    <a:off x="4557576" y="3268526"/>
+                    <a:ext cx="146844" cy="146844"/>
+                  </a:xfrm>
+                  <a:prstGeom prst="rect">
+                    <a:avLst/>
+                  </a:prstGeom>
+                </p:spPr>
+              </p:pic>
+            </p:grpSp>
+            <p:grpSp>
+              <p:nvGrpSpPr>
+                <p:cNvPr id="184" name="Group 183">
+                  <a:extLst>
+                    <a:ext uri="{FF2B5EF4-FFF2-40B4-BE49-F238E27FC236}">
+                      <a16:creationId xmlns:a16="http://schemas.microsoft.com/office/drawing/2014/main" id="{EB66168D-DAE5-4A18-9AC2-1AC00891D8FC}"/>
+                    </a:ext>
+                  </a:extLst>
+                </p:cNvPr>
+                <p:cNvGrpSpPr/>
+                <p:nvPr/>
+              </p:nvGrpSpPr>
+              <p:grpSpPr>
+                <a:xfrm>
+                  <a:off x="5438775" y="2769371"/>
+                  <a:ext cx="187847" cy="187847"/>
+                  <a:chOff x="4537075" y="3248025"/>
+                  <a:chExt cx="187847" cy="187847"/>
+                </a:xfrm>
+              </p:grpSpPr>
+              <p:sp>
+                <p:nvSpPr>
+                  <p:cNvPr id="194" name="Rectangle: Rounded Corners 193">
+                    <a:extLst>
+                      <a:ext uri="{FF2B5EF4-FFF2-40B4-BE49-F238E27FC236}">
+                        <a16:creationId xmlns:a16="http://schemas.microsoft.com/office/drawing/2014/main" id="{36A49012-468D-4EF3-A82C-28F08278B667}"/>
+                      </a:ext>
+                    </a:extLst>
+                  </p:cNvPr>
+                  <p:cNvSpPr/>
+                  <p:nvPr/>
+                </p:nvSpPr>
+                <p:spPr>
+                  <a:xfrm>
+                    <a:off x="4537075" y="3248025"/>
+                    <a:ext cx="187847" cy="187847"/>
+                  </a:xfrm>
+                  <a:prstGeom prst="roundRect">
+                    <a:avLst/>
+                  </a:prstGeom>
+                  <a:solidFill>
+                    <a:schemeClr val="bg1"/>
+                  </a:solidFill>
+                  <a:ln>
+                    <a:solidFill>
+                      <a:srgbClr val="50E6FF"/>
+                    </a:solidFill>
+                  </a:ln>
+                </p:spPr>
+                <p:style>
+                  <a:lnRef idx="2">
+                    <a:schemeClr val="accent1">
+                      <a:shade val="50000"/>
+                    </a:schemeClr>
+                  </a:lnRef>
+                  <a:fillRef idx="1">
+                    <a:schemeClr val="accent1"/>
+                  </a:fillRef>
+                  <a:effectRef idx="0">
+                    <a:schemeClr val="accent1"/>
+                  </a:effectRef>
+                  <a:fontRef idx="minor">
+                    <a:schemeClr val="lt1"/>
+                  </a:fontRef>
+                </p:style>
+                <p:txBody>
+                  <a:bodyPr rtlCol="0" anchor="ctr"/>
+                  <a:lstStyle/>
+                  <a:p>
+                    <a:pPr algn="ctr"/>
+                    <a:endParaRPr lang="en-CA"/>
+                  </a:p>
+                </p:txBody>
+              </p:sp>
+              <p:pic>
+                <p:nvPicPr>
+                  <p:cNvPr id="195" name="Graphic 194">
+                    <a:extLst>
+                      <a:ext uri="{FF2B5EF4-FFF2-40B4-BE49-F238E27FC236}">
+                        <a16:creationId xmlns:a16="http://schemas.microsoft.com/office/drawing/2014/main" id="{8785D4B8-31CE-4AFD-B83D-4E3B8B8D2C76}"/>
+                      </a:ext>
+                    </a:extLst>
+                  </p:cNvPr>
+                  <p:cNvPicPr>
+                    <a:picLocks noChangeAspect="1"/>
+                  </p:cNvPicPr>
+                  <p:nvPr/>
+                </p:nvPicPr>
+                <p:blipFill>
+                  <a:blip r:embed="rId4">
+                    <a:extLst>
+                      <a:ext uri="{28A0092B-C50C-407E-A947-70E740481C1C}">
+                        <a14:useLocalDpi xmlns:a14="http://schemas.microsoft.com/office/drawing/2010/main" val="0"/>
+                      </a:ext>
+                      <a:ext uri="{96DAC541-7B7A-43D3-8B79-37D633B846F1}">
+                        <asvg:svgBlip xmlns:asvg="http://schemas.microsoft.com/office/drawing/2016/SVG/main" r:embed="rId5"/>
+                      </a:ext>
+                    </a:extLst>
+                  </a:blip>
+                  <a:stretch>
+                    <a:fillRect/>
+                  </a:stretch>
+                </p:blipFill>
+                <p:spPr>
+                  <a:xfrm>
+                    <a:off x="4557576" y="3268526"/>
+                    <a:ext cx="146844" cy="146844"/>
+                  </a:xfrm>
+                  <a:prstGeom prst="rect">
+                    <a:avLst/>
+                  </a:prstGeom>
+                </p:spPr>
+              </p:pic>
+            </p:grpSp>
+            <p:grpSp>
+              <p:nvGrpSpPr>
+                <p:cNvPr id="185" name="Group 184">
+                  <a:extLst>
+                    <a:ext uri="{FF2B5EF4-FFF2-40B4-BE49-F238E27FC236}">
+                      <a16:creationId xmlns:a16="http://schemas.microsoft.com/office/drawing/2014/main" id="{B13374B6-955B-45DE-817F-606BC555FFC7}"/>
+                    </a:ext>
+                  </a:extLst>
+                </p:cNvPr>
+                <p:cNvGrpSpPr/>
+                <p:nvPr/>
+              </p:nvGrpSpPr>
+              <p:grpSpPr>
+                <a:xfrm>
+                  <a:off x="5438775" y="2996769"/>
+                  <a:ext cx="187847" cy="187847"/>
+                  <a:chOff x="4537075" y="3248025"/>
+                  <a:chExt cx="187847" cy="187847"/>
+                </a:xfrm>
+              </p:grpSpPr>
+              <p:sp>
+                <p:nvSpPr>
+                  <p:cNvPr id="192" name="Rectangle: Rounded Corners 191">
+                    <a:extLst>
+                      <a:ext uri="{FF2B5EF4-FFF2-40B4-BE49-F238E27FC236}">
+                        <a16:creationId xmlns:a16="http://schemas.microsoft.com/office/drawing/2014/main" id="{55ABA3D3-FE16-464A-9E73-BAB6412BE1C6}"/>
+                      </a:ext>
+                    </a:extLst>
+                  </p:cNvPr>
+                  <p:cNvSpPr/>
+                  <p:nvPr/>
+                </p:nvSpPr>
+                <p:spPr>
+                  <a:xfrm>
+                    <a:off x="4537075" y="3248025"/>
+                    <a:ext cx="187847" cy="187847"/>
+                  </a:xfrm>
+                  <a:prstGeom prst="roundRect">
+                    <a:avLst/>
+                  </a:prstGeom>
+                  <a:solidFill>
+                    <a:schemeClr val="bg1"/>
+                  </a:solidFill>
+                  <a:ln>
+                    <a:solidFill>
+                      <a:srgbClr val="50E6FF"/>
+                    </a:solidFill>
+                  </a:ln>
+                </p:spPr>
+                <p:style>
+                  <a:lnRef idx="2">
+                    <a:schemeClr val="accent1">
+                      <a:shade val="50000"/>
+                    </a:schemeClr>
+                  </a:lnRef>
+                  <a:fillRef idx="1">
+                    <a:schemeClr val="accent1"/>
+                  </a:fillRef>
+                  <a:effectRef idx="0">
+                    <a:schemeClr val="accent1"/>
+                  </a:effectRef>
+                  <a:fontRef idx="minor">
+                    <a:schemeClr val="lt1"/>
+                  </a:fontRef>
+                </p:style>
+                <p:txBody>
+                  <a:bodyPr rtlCol="0" anchor="ctr"/>
+                  <a:lstStyle/>
+                  <a:p>
+                    <a:pPr algn="ctr"/>
+                    <a:endParaRPr lang="en-CA"/>
+                  </a:p>
+                </p:txBody>
+              </p:sp>
+              <p:pic>
+                <p:nvPicPr>
+                  <p:cNvPr id="193" name="Graphic 192">
+                    <a:extLst>
+                      <a:ext uri="{FF2B5EF4-FFF2-40B4-BE49-F238E27FC236}">
+                        <a16:creationId xmlns:a16="http://schemas.microsoft.com/office/drawing/2014/main" id="{DCF915B8-2D9E-4352-ABC6-236BF9A4EC21}"/>
+                      </a:ext>
+                    </a:extLst>
+                  </p:cNvPr>
+                  <p:cNvPicPr>
+                    <a:picLocks noChangeAspect="1"/>
+                  </p:cNvPicPr>
+                  <p:nvPr/>
+                </p:nvPicPr>
+                <p:blipFill>
+                  <a:blip r:embed="rId4">
+                    <a:extLst>
+                      <a:ext uri="{28A0092B-C50C-407E-A947-70E740481C1C}">
+                        <a14:useLocalDpi xmlns:a14="http://schemas.microsoft.com/office/drawing/2010/main" val="0"/>
+                      </a:ext>
+                      <a:ext uri="{96DAC541-7B7A-43D3-8B79-37D633B846F1}">
+                        <asvg:svgBlip xmlns:asvg="http://schemas.microsoft.com/office/drawing/2016/SVG/main" r:embed="rId5"/>
+                      </a:ext>
+                    </a:extLst>
+                  </a:blip>
+                  <a:stretch>
+                    <a:fillRect/>
+                  </a:stretch>
+                </p:blipFill>
+                <p:spPr>
+                  <a:xfrm>
+                    <a:off x="4557576" y="3268526"/>
+                    <a:ext cx="146844" cy="146844"/>
+                  </a:xfrm>
+                  <a:prstGeom prst="rect">
+                    <a:avLst/>
+                  </a:prstGeom>
+                </p:spPr>
+              </p:pic>
+            </p:grpSp>
+            <p:grpSp>
+              <p:nvGrpSpPr>
+                <p:cNvPr id="186" name="Group 185">
+                  <a:extLst>
+                    <a:ext uri="{FF2B5EF4-FFF2-40B4-BE49-F238E27FC236}">
+                      <a16:creationId xmlns:a16="http://schemas.microsoft.com/office/drawing/2014/main" id="{47AE1EBB-D4AA-4373-86F3-ADB68859A42C}"/>
+                    </a:ext>
+                  </a:extLst>
+                </p:cNvPr>
+                <p:cNvGrpSpPr/>
+                <p:nvPr/>
+              </p:nvGrpSpPr>
+              <p:grpSpPr>
+                <a:xfrm>
+                  <a:off x="5438775" y="3224167"/>
+                  <a:ext cx="187847" cy="187847"/>
+                  <a:chOff x="4537075" y="3248025"/>
+                  <a:chExt cx="187847" cy="187847"/>
+                </a:xfrm>
+              </p:grpSpPr>
+              <p:sp>
+                <p:nvSpPr>
+                  <p:cNvPr id="190" name="Rectangle: Rounded Corners 189">
+                    <a:extLst>
+                      <a:ext uri="{FF2B5EF4-FFF2-40B4-BE49-F238E27FC236}">
+                        <a16:creationId xmlns:a16="http://schemas.microsoft.com/office/drawing/2014/main" id="{04653089-3D10-42C4-A762-0E16C137A291}"/>
+                      </a:ext>
+                    </a:extLst>
+                  </p:cNvPr>
+                  <p:cNvSpPr/>
+                  <p:nvPr/>
+                </p:nvSpPr>
+                <p:spPr>
+                  <a:xfrm>
+                    <a:off x="4537075" y="3248025"/>
+                    <a:ext cx="187847" cy="187847"/>
+                  </a:xfrm>
+                  <a:prstGeom prst="roundRect">
+                    <a:avLst/>
+                  </a:prstGeom>
+                  <a:solidFill>
+                    <a:schemeClr val="bg1"/>
+                  </a:solidFill>
+                  <a:ln>
+                    <a:solidFill>
+                      <a:srgbClr val="50E6FF"/>
+                    </a:solidFill>
+                  </a:ln>
+                </p:spPr>
+                <p:style>
+                  <a:lnRef idx="2">
+                    <a:schemeClr val="accent1">
+                      <a:shade val="50000"/>
+                    </a:schemeClr>
+                  </a:lnRef>
+                  <a:fillRef idx="1">
+                    <a:schemeClr val="accent1"/>
+                  </a:fillRef>
+                  <a:effectRef idx="0">
+                    <a:schemeClr val="accent1"/>
+                  </a:effectRef>
+                  <a:fontRef idx="minor">
+                    <a:schemeClr val="lt1"/>
+                  </a:fontRef>
+                </p:style>
+                <p:txBody>
+                  <a:bodyPr rtlCol="0" anchor="ctr"/>
+                  <a:lstStyle/>
+                  <a:p>
+                    <a:pPr algn="ctr"/>
+                    <a:endParaRPr lang="en-CA"/>
+                  </a:p>
+                </p:txBody>
+              </p:sp>
+              <p:pic>
+                <p:nvPicPr>
+                  <p:cNvPr id="191" name="Graphic 190">
+                    <a:extLst>
+                      <a:ext uri="{FF2B5EF4-FFF2-40B4-BE49-F238E27FC236}">
+                        <a16:creationId xmlns:a16="http://schemas.microsoft.com/office/drawing/2014/main" id="{58900EEE-4F14-4E82-B941-1A863D18BC60}"/>
+                      </a:ext>
+                    </a:extLst>
+                  </p:cNvPr>
+                  <p:cNvPicPr>
+                    <a:picLocks noChangeAspect="1"/>
+                  </p:cNvPicPr>
+                  <p:nvPr/>
+                </p:nvPicPr>
+                <p:blipFill>
+                  <a:blip r:embed="rId4">
+                    <a:extLst>
+                      <a:ext uri="{28A0092B-C50C-407E-A947-70E740481C1C}">
+                        <a14:useLocalDpi xmlns:a14="http://schemas.microsoft.com/office/drawing/2010/main" val="0"/>
+                      </a:ext>
+                      <a:ext uri="{96DAC541-7B7A-43D3-8B79-37D633B846F1}">
+                        <asvg:svgBlip xmlns:asvg="http://schemas.microsoft.com/office/drawing/2016/SVG/main" r:embed="rId5"/>
+                      </a:ext>
+                    </a:extLst>
+                  </a:blip>
+                  <a:stretch>
+                    <a:fillRect/>
+                  </a:stretch>
+                </p:blipFill>
+                <p:spPr>
+                  <a:xfrm>
+                    <a:off x="4557576" y="3268526"/>
+                    <a:ext cx="146844" cy="146844"/>
+                  </a:xfrm>
+                  <a:prstGeom prst="rect">
+                    <a:avLst/>
+                  </a:prstGeom>
+                </p:spPr>
+              </p:pic>
+            </p:grpSp>
+            <p:grpSp>
+              <p:nvGrpSpPr>
+                <p:cNvPr id="187" name="Group 186">
+                  <a:extLst>
+                    <a:ext uri="{FF2B5EF4-FFF2-40B4-BE49-F238E27FC236}">
+                      <a16:creationId xmlns:a16="http://schemas.microsoft.com/office/drawing/2014/main" id="{AB39F30F-EE74-40B0-B9C6-3CD545A5E04B}"/>
+                    </a:ext>
+                  </a:extLst>
+                </p:cNvPr>
+                <p:cNvGrpSpPr/>
+                <p:nvPr/>
+              </p:nvGrpSpPr>
+              <p:grpSpPr>
+                <a:xfrm>
+                  <a:off x="5438775" y="3451566"/>
+                  <a:ext cx="187847" cy="187847"/>
+                  <a:chOff x="4537075" y="3248025"/>
+                  <a:chExt cx="187847" cy="187847"/>
+                </a:xfrm>
+              </p:grpSpPr>
+              <p:sp>
+                <p:nvSpPr>
+                  <p:cNvPr id="188" name="Rectangle: Rounded Corners 187">
+                    <a:extLst>
+                      <a:ext uri="{FF2B5EF4-FFF2-40B4-BE49-F238E27FC236}">
+                        <a16:creationId xmlns:a16="http://schemas.microsoft.com/office/drawing/2014/main" id="{7E149AAD-461D-4490-820E-920B7B4FF0F0}"/>
+                      </a:ext>
+                    </a:extLst>
+                  </p:cNvPr>
+                  <p:cNvSpPr/>
+                  <p:nvPr/>
+                </p:nvSpPr>
+                <p:spPr>
+                  <a:xfrm>
+                    <a:off x="4537075" y="3248025"/>
+                    <a:ext cx="187847" cy="187847"/>
+                  </a:xfrm>
+                  <a:prstGeom prst="roundRect">
+                    <a:avLst/>
+                  </a:prstGeom>
+                  <a:solidFill>
+                    <a:schemeClr val="bg1"/>
+                  </a:solidFill>
+                  <a:ln>
+                    <a:solidFill>
+                      <a:srgbClr val="50E6FF"/>
+                    </a:solidFill>
+                  </a:ln>
+                </p:spPr>
+                <p:style>
+                  <a:lnRef idx="2">
+                    <a:schemeClr val="accent1">
+                      <a:shade val="50000"/>
+                    </a:schemeClr>
+                  </a:lnRef>
+                  <a:fillRef idx="1">
+                    <a:schemeClr val="accent1"/>
+                  </a:fillRef>
+                  <a:effectRef idx="0">
+                    <a:schemeClr val="accent1"/>
+                  </a:effectRef>
+                  <a:fontRef idx="minor">
+                    <a:schemeClr val="lt1"/>
+                  </a:fontRef>
+                </p:style>
+                <p:txBody>
+                  <a:bodyPr rtlCol="0" anchor="ctr"/>
+                  <a:lstStyle/>
+                  <a:p>
+                    <a:pPr algn="ctr"/>
+                    <a:endParaRPr lang="en-CA"/>
+                  </a:p>
+                </p:txBody>
+              </p:sp>
+              <p:pic>
+                <p:nvPicPr>
+                  <p:cNvPr id="189" name="Graphic 188">
+                    <a:extLst>
+                      <a:ext uri="{FF2B5EF4-FFF2-40B4-BE49-F238E27FC236}">
+                        <a16:creationId xmlns:a16="http://schemas.microsoft.com/office/drawing/2014/main" id="{AB0E65A6-8B34-4EF4-8E99-2EE1F0C98339}"/>
+                      </a:ext>
+                    </a:extLst>
+                  </p:cNvPr>
+                  <p:cNvPicPr>
+                    <a:picLocks noChangeAspect="1"/>
+                  </p:cNvPicPr>
+                  <p:nvPr/>
+                </p:nvPicPr>
+                <p:blipFill>
+                  <a:blip r:embed="rId4">
+                    <a:extLst>
+                      <a:ext uri="{28A0092B-C50C-407E-A947-70E740481C1C}">
+                        <a14:useLocalDpi xmlns:a14="http://schemas.microsoft.com/office/drawing/2010/main" val="0"/>
+                      </a:ext>
+                      <a:ext uri="{96DAC541-7B7A-43D3-8B79-37D633B846F1}">
+                        <asvg:svgBlip xmlns:asvg="http://schemas.microsoft.com/office/drawing/2016/SVG/main" r:embed="rId5"/>
+                      </a:ext>
+                    </a:extLst>
+                  </a:blip>
+                  <a:stretch>
+                    <a:fillRect/>
+                  </a:stretch>
+                </p:blipFill>
+                <p:spPr>
+                  <a:xfrm>
+                    <a:off x="4557576" y="3268526"/>
+                    <a:ext cx="146844" cy="146844"/>
+                  </a:xfrm>
+                  <a:prstGeom prst="rect">
+                    <a:avLst/>
+                  </a:prstGeom>
+                </p:spPr>
+              </p:pic>
+            </p:grpSp>
+          </p:grpSp>
+        </p:grpSp>
+        <p:grpSp>
+          <p:nvGrpSpPr>
+            <p:cNvPr id="1029" name="Group 1028">
+              <a:extLst>
+                <a:ext uri="{FF2B5EF4-FFF2-40B4-BE49-F238E27FC236}">
+                  <a16:creationId xmlns:a16="http://schemas.microsoft.com/office/drawing/2014/main" id="{23CC74B5-85BC-4875-B0A0-54DC07FCB44A}"/>
+                </a:ext>
+              </a:extLst>
+            </p:cNvPr>
+            <p:cNvGrpSpPr/>
+            <p:nvPr/>
+          </p:nvGrpSpPr>
+          <p:grpSpPr>
+            <a:xfrm>
+              <a:off x="5458917" y="1817549"/>
+              <a:ext cx="392238" cy="381864"/>
+              <a:chOff x="6404725" y="1164012"/>
+              <a:chExt cx="855296" cy="832674"/>
+            </a:xfrm>
+            <a:effectLst/>
+          </p:grpSpPr>
+          <p:grpSp>
+            <p:nvGrpSpPr>
+              <p:cNvPr id="1027" name="Group 1026">
+                <a:extLst>
+                  <a:ext uri="{FF2B5EF4-FFF2-40B4-BE49-F238E27FC236}">
+                    <a16:creationId xmlns:a16="http://schemas.microsoft.com/office/drawing/2014/main" id="{3F661667-12D2-4302-B891-A536565C3C8F}"/>
+                  </a:ext>
+                </a:extLst>
+              </p:cNvPr>
+              <p:cNvGrpSpPr/>
+              <p:nvPr/>
+            </p:nvGrpSpPr>
+            <p:grpSpPr>
+              <a:xfrm>
+                <a:off x="6404725" y="1164012"/>
+                <a:ext cx="832674" cy="832674"/>
+                <a:chOff x="6404725" y="1164012"/>
+                <a:chExt cx="545435" cy="545435"/>
+              </a:xfrm>
+            </p:grpSpPr>
+            <p:sp>
+              <p:nvSpPr>
+                <p:cNvPr id="1025" name="Oval 1024">
+                  <a:extLst>
+                    <a:ext uri="{FF2B5EF4-FFF2-40B4-BE49-F238E27FC236}">
+                      <a16:creationId xmlns:a16="http://schemas.microsoft.com/office/drawing/2014/main" id="{5CDE677C-FD2F-40AF-A6F7-DFE3948A943B}"/>
+                    </a:ext>
+                  </a:extLst>
+                </p:cNvPr>
+                <p:cNvSpPr/>
+                <p:nvPr/>
+              </p:nvSpPr>
+              <p:spPr bwMode="auto">
+                <a:xfrm>
+                  <a:off x="6404725" y="1164012"/>
+                  <a:ext cx="545435" cy="545435"/>
+                </a:xfrm>
+                <a:prstGeom prst="ellipse">
+                  <a:avLst/>
+                </a:prstGeom>
+                <a:solidFill>
+                  <a:srgbClr val="005EAC"/>
+                </a:solidFill>
+                <a:ln w="12700" cap="flat" cmpd="sng" algn="ctr">
+                  <a:noFill/>
+                  <a:prstDash val="dash"/>
+                  <a:headEnd type="none" w="med" len="med"/>
+                  <a:tailEnd type="none" w="med" len="med"/>
+                </a:ln>
+                <a:effectLst/>
+              </p:spPr>
+              <p:txBody>
+                <a:bodyPr rot="0" spcFirstLastPara="0" vertOverflow="overflow" horzOverflow="overflow" vert="horz" wrap="square" lIns="182880" tIns="146304" rIns="182880" bIns="146304" numCol="1" spcCol="0" rtlCol="0" fromWordArt="0" anchor="t" anchorCtr="0" forceAA="0" compatLnSpc="1">
+                  <a:prstTxWarp prst="textNoShape">
+                    <a:avLst/>
+                  </a:prstTxWarp>
+                  <a:noAutofit/>
+                </a:bodyPr>
+                <a:lstStyle/>
+                <a:p>
+                  <a:pPr marL="0" marR="0" lvl="0" indent="0" defTabSz="932472" eaLnBrk="1" fontAlgn="base" latinLnBrk="0" hangingPunct="1">
+                    <a:lnSpc>
+                      <a:spcPct val="100000"/>
+                    </a:lnSpc>
+                    <a:spcBef>
+                      <a:spcPct val="0"/>
+                    </a:spcBef>
+                    <a:spcAft>
+                      <a:spcPct val="0"/>
+                    </a:spcAft>
+                    <a:buClrTx/>
+                    <a:buSzTx/>
+                    <a:buFontTx/>
+                    <a:buNone/>
+                    <a:tabLst/>
+                    <a:defRPr/>
+                  </a:pPr>
+                  <a:endParaRPr kumimoji="0" lang="en-US" sz="2000" b="0" i="0" u="none" strike="noStrike" kern="0" cap="none" spc="0" normalizeH="0" baseline="0" noProof="0" err="1">
+                    <a:ln>
+                      <a:noFill/>
+                    </a:ln>
+                    <a:gradFill>
+                      <a:gsLst>
+                        <a:gs pos="0">
+                          <a:srgbClr val="FFFFFF"/>
+                        </a:gs>
+                        <a:gs pos="100000">
+                          <a:srgbClr val="FFFFFF"/>
+                        </a:gs>
+                      </a:gsLst>
+                      <a:lin ang="5400000" scaled="0"/>
+                    </a:gradFill>
+                    <a:effectLst/>
+                    <a:uLnTx/>
+                    <a:uFillTx/>
+                    <a:latin typeface="Segoe UI"/>
+                    <a:ea typeface="Segoe UI" pitchFamily="34" charset="0"/>
+                    <a:cs typeface="Segoe UI" pitchFamily="34" charset="0"/>
+                  </a:endParaRPr>
+                </a:p>
+              </p:txBody>
+            </p:sp>
+            <p:sp>
+              <p:nvSpPr>
+                <p:cNvPr id="1024" name="Oval 1023">
+                  <a:extLst>
+                    <a:ext uri="{FF2B5EF4-FFF2-40B4-BE49-F238E27FC236}">
+                      <a16:creationId xmlns:a16="http://schemas.microsoft.com/office/drawing/2014/main" id="{1C19FC5F-ED1E-414B-8CD7-1DCEF6F9ECC5}"/>
+                    </a:ext>
+                  </a:extLst>
+                </p:cNvPr>
+                <p:cNvSpPr/>
+                <p:nvPr/>
+              </p:nvSpPr>
+              <p:spPr bwMode="auto">
+                <a:xfrm>
+                  <a:off x="6464385" y="1218593"/>
+                  <a:ext cx="436271" cy="436271"/>
+                </a:xfrm>
+                <a:prstGeom prst="ellipse">
+                  <a:avLst/>
+                </a:prstGeom>
+                <a:gradFill>
+                  <a:gsLst>
+                    <a:gs pos="0">
+                      <a:schemeClr val="bg1"/>
+                    </a:gs>
+                    <a:gs pos="100000">
+                      <a:schemeClr val="bg2"/>
+                    </a:gs>
+                  </a:gsLst>
+                  <a:path path="circle">
+                    <a:fillToRect l="50000" t="50000" r="50000" b="50000"/>
+                  </a:path>
+                </a:gradFill>
+                <a:ln w="19050" cap="flat" cmpd="sng" algn="ctr">
+                  <a:solidFill>
+                    <a:srgbClr val="0088EE"/>
+                  </a:solidFill>
+                  <a:prstDash val="solid"/>
+                  <a:headEnd type="none" w="med" len="med"/>
+                  <a:tailEnd type="none" w="med" len="med"/>
+                </a:ln>
+                <a:effectLst/>
+              </p:spPr>
+              <p:txBody>
+                <a:bodyPr rot="0" spcFirstLastPara="0" vertOverflow="overflow" horzOverflow="overflow" vert="horz" wrap="square" lIns="182880" tIns="146304" rIns="182880" bIns="146304" numCol="1" spcCol="0" rtlCol="0" fromWordArt="0" anchor="t" anchorCtr="0" forceAA="0" compatLnSpc="1">
+                  <a:prstTxWarp prst="textNoShape">
+                    <a:avLst/>
+                  </a:prstTxWarp>
+                  <a:noAutofit/>
+                </a:bodyPr>
+                <a:lstStyle/>
+                <a:p>
+                  <a:pPr marL="0" marR="0" lvl="0" indent="0" defTabSz="932472" eaLnBrk="1" fontAlgn="base" latinLnBrk="0" hangingPunct="1">
+                    <a:lnSpc>
+                      <a:spcPct val="100000"/>
+                    </a:lnSpc>
+                    <a:spcBef>
+                      <a:spcPct val="0"/>
+                    </a:spcBef>
+                    <a:spcAft>
+                      <a:spcPct val="0"/>
+                    </a:spcAft>
+                    <a:buClrTx/>
+                    <a:buSzTx/>
+                    <a:buFontTx/>
+                    <a:buNone/>
+                    <a:tabLst/>
+                    <a:defRPr/>
+                  </a:pPr>
+                  <a:endParaRPr kumimoji="0" lang="en-US" sz="2000" b="0" i="0" u="none" strike="noStrike" kern="0" cap="none" spc="0" normalizeH="0" baseline="0" noProof="0" err="1">
+                    <a:ln>
+                      <a:noFill/>
+                    </a:ln>
+                    <a:gradFill>
+                      <a:gsLst>
+                        <a:gs pos="0">
+                          <a:srgbClr val="FFFFFF"/>
+                        </a:gs>
+                        <a:gs pos="100000">
+                          <a:srgbClr val="FFFFFF"/>
+                        </a:gs>
+                      </a:gsLst>
+                      <a:lin ang="5400000" scaled="0"/>
+                    </a:gradFill>
+                    <a:effectLst/>
+                    <a:uLnTx/>
+                    <a:uFillTx/>
+                    <a:latin typeface="Segoe UI"/>
+                    <a:ea typeface="Segoe UI" pitchFamily="34" charset="0"/>
+                    <a:cs typeface="Segoe UI" pitchFamily="34" charset="0"/>
+                  </a:endParaRPr>
+                </a:p>
+              </p:txBody>
+            </p:sp>
+          </p:grpSp>
+          <p:pic>
+            <p:nvPicPr>
+              <p:cNvPr id="8" name="Graphic 7">
+                <a:extLst>
+                  <a:ext uri="{FF2B5EF4-FFF2-40B4-BE49-F238E27FC236}">
+                    <a16:creationId xmlns:a16="http://schemas.microsoft.com/office/drawing/2014/main" id="{20546B9B-A37E-4F04-A2CB-888237F9BEA3}"/>
+                  </a:ext>
+                </a:extLst>
+              </p:cNvPr>
+              <p:cNvPicPr>
+                <a:picLocks noChangeAspect="1"/>
+              </p:cNvPicPr>
+              <p:nvPr/>
+            </p:nvPicPr>
+            <p:blipFill>
+              <a:blip r:embed="rId6">
+                <a:extLst>
+                  <a:ext uri="{28A0092B-C50C-407E-A947-70E740481C1C}">
+                    <a14:useLocalDpi xmlns:a14="http://schemas.microsoft.com/office/drawing/2010/main" val="0"/>
+                  </a:ext>
+                  <a:ext uri="{96DAC541-7B7A-43D3-8B79-37D633B846F1}">
+                    <asvg:svgBlip xmlns:asvg="http://schemas.microsoft.com/office/drawing/2016/SVG/main" r:embed="rId7"/>
+                  </a:ext>
+                </a:extLst>
+              </a:blip>
+              <a:stretch>
+                <a:fillRect/>
+              </a:stretch>
+            </p:blipFill>
+            <p:spPr>
+              <a:xfrm>
+                <a:off x="6451686" y="1176180"/>
+                <a:ext cx="808335" cy="808335"/>
+              </a:xfrm>
+              <a:prstGeom prst="rect">
+                <a:avLst/>
+              </a:prstGeom>
+            </p:spPr>
+          </p:pic>
+        </p:grpSp>
+        <p:grpSp>
+          <p:nvGrpSpPr>
+            <p:cNvPr id="1033" name="Group 1032">
+              <a:extLst>
+                <a:ext uri="{FF2B5EF4-FFF2-40B4-BE49-F238E27FC236}">
+                  <a16:creationId xmlns:a16="http://schemas.microsoft.com/office/drawing/2014/main" id="{60667BEC-4408-4821-9EBA-BA6B57CAAA92}"/>
+                </a:ext>
+              </a:extLst>
+            </p:cNvPr>
+            <p:cNvGrpSpPr/>
+            <p:nvPr/>
+          </p:nvGrpSpPr>
+          <p:grpSpPr>
+            <a:xfrm>
+              <a:off x="5800131" y="1627397"/>
+              <a:ext cx="2702513" cy="567294"/>
+              <a:chOff x="5700394" y="1539652"/>
+              <a:chExt cx="2702513" cy="567294"/>
+            </a:xfrm>
+          </p:grpSpPr>
+          <p:sp>
+            <p:nvSpPr>
+              <p:cNvPr id="1031" name="TextBox 1030">
+                <a:extLst>
+                  <a:ext uri="{FF2B5EF4-FFF2-40B4-BE49-F238E27FC236}">
+                    <a16:creationId xmlns:a16="http://schemas.microsoft.com/office/drawing/2014/main" id="{8C7FB485-4A4A-49EC-82AA-3A056CBA7F72}"/>
+                  </a:ext>
+                </a:extLst>
+              </p:cNvPr>
+              <p:cNvSpPr txBox="1"/>
+              <p:nvPr/>
+            </p:nvSpPr>
+            <p:spPr>
+              <a:xfrm>
+                <a:off x="5700394" y="1539652"/>
+                <a:ext cx="2702513" cy="456151"/>
+              </a:xfrm>
+              <a:prstGeom prst="rect">
+                <a:avLst/>
+              </a:prstGeom>
+              <a:noFill/>
+              <a:effectLst>
+                <a:outerShdw blurRad="50800" dist="38100" dir="2700000" sx="80000" sy="80000" algn="tl" rotWithShape="0">
+                  <a:prstClr val="black">
+                    <a:alpha val="40000"/>
+                  </a:prstClr>
+                </a:outerShdw>
+              </a:effectLst>
+            </p:spPr>
+            <p:txBody>
+              <a:bodyPr wrap="square">
+                <a:spAutoFit/>
+              </a:bodyPr>
+              <a:lstStyle/>
+              <a:p>
+                <a:pPr>
+                  <a:lnSpc>
+                    <a:spcPct val="200000"/>
+                  </a:lnSpc>
+                </a:pPr>
+                <a:r>
+                  <a:rPr lang="en-US" sz="1400" b="1" i="0" dirty="0">
+                    <a:solidFill>
+                      <a:srgbClr val="50E6FF"/>
+                    </a:solidFill>
+                    <a:effectLst/>
+                    <a:latin typeface="Segoe UI Semibold" panose="020B0702040204020203" pitchFamily="34" charset="0"/>
+                    <a:cs typeface="Segoe UI Semibold" panose="020B0702040204020203" pitchFamily="34" charset="0"/>
+                  </a:rPr>
+                  <a:t>PREMIUM</a:t>
+                </a:r>
+              </a:p>
+            </p:txBody>
+          </p:sp>
+          <p:sp>
+            <p:nvSpPr>
+              <p:cNvPr id="1032" name="TextBox 1031">
+                <a:extLst>
+                  <a:ext uri="{FF2B5EF4-FFF2-40B4-BE49-F238E27FC236}">
+                    <a16:creationId xmlns:a16="http://schemas.microsoft.com/office/drawing/2014/main" id="{0CC16913-F1E3-486F-A2C7-49C618468D4B}"/>
+                  </a:ext>
+                </a:extLst>
+              </p:cNvPr>
+              <p:cNvSpPr txBox="1"/>
+              <p:nvPr/>
+            </p:nvSpPr>
+            <p:spPr>
+              <a:xfrm>
+                <a:off x="5700394" y="1780703"/>
+                <a:ext cx="2702513" cy="326243"/>
+              </a:xfrm>
+              <a:prstGeom prst="rect">
+                <a:avLst/>
+              </a:prstGeom>
+              <a:noFill/>
+              <a:effectLst>
+                <a:outerShdw blurRad="50800" dist="38100" dir="2700000" sx="75000" sy="75000" algn="tl" rotWithShape="0">
+                  <a:prstClr val="black">
+                    <a:alpha val="40000"/>
+                  </a:prstClr>
+                </a:outerShdw>
+              </a:effectLst>
+            </p:spPr>
+            <p:txBody>
+              <a:bodyPr wrap="square" anchor="ctr">
+                <a:spAutoFit/>
+              </a:bodyPr>
+              <a:lstStyle/>
+              <a:p>
+                <a:pPr>
+                  <a:lnSpc>
+                    <a:spcPct val="200000"/>
+                  </a:lnSpc>
+                </a:pPr>
+                <a:r>
+                  <a:rPr lang="en-US" sz="900" i="0" dirty="0">
+                    <a:solidFill>
+                      <a:schemeClr val="bg1"/>
+                    </a:solidFill>
+                    <a:effectLst/>
+                    <a:latin typeface="Segoe UI Semilight" panose="020B0402040204020203" pitchFamily="34" charset="0"/>
+                    <a:cs typeface="Segoe UI Semilight" panose="020B0402040204020203" pitchFamily="34" charset="0"/>
+                  </a:rPr>
+                  <a:t>App Service Plan</a:t>
+                </a:r>
+              </a:p>
+            </p:txBody>
+          </p:sp>
+        </p:grpSp>
+      </p:grpSp>
+    </p:spTree>
+    <p:extLst>
+      <p:ext uri="{BB962C8B-B14F-4D97-AF65-F5344CB8AC3E}">
+        <p14:creationId xmlns:p14="http://schemas.microsoft.com/office/powerpoint/2010/main" val="3762124560"/>
+      </p:ext>
+    </p:extLst>
+  </p:cSld>
+  <p:clrMapOvr>
+    <a:masterClrMapping/>
+  </p:clrMapOvr>
+</p:sld>
+</file>
+
+<file path=ppt/slides/slide11.xml><?xml version="1.0" encoding="utf-8"?>
+<p:sld xmlns:a="http://schemas.openxmlformats.org/drawingml/2006/main" xmlns:r="http://schemas.openxmlformats.org/officeDocument/2006/relationships" xmlns:p="http://schemas.openxmlformats.org/presentationml/2006/main">
+  <p:cSld>
+    <p:spTree>
+      <p:nvGrpSpPr>
+        <p:cNvPr id="1" name=""/>
+        <p:cNvGrpSpPr/>
+        <p:nvPr/>
+      </p:nvGrpSpPr>
+      <p:grpSpPr>
+        <a:xfrm>
+          <a:off x="0" y="0"/>
+          <a:ext cx="0" cy="0"/>
+          <a:chOff x="0" y="0"/>
+          <a:chExt cx="0" cy="0"/>
+        </a:xfrm>
+      </p:grpSpPr>
+      <p:grpSp>
+        <p:nvGrpSpPr>
+          <p:cNvPr id="14" name="Group 13">
+            <a:extLst>
+              <a:ext uri="{FF2B5EF4-FFF2-40B4-BE49-F238E27FC236}">
+                <a16:creationId xmlns:a16="http://schemas.microsoft.com/office/drawing/2014/main" id="{B7EEBD2F-473E-4047-8A41-FCCEE422F666}"/>
+              </a:ext>
+            </a:extLst>
+          </p:cNvPr>
+          <p:cNvGrpSpPr/>
+          <p:nvPr/>
+        </p:nvGrpSpPr>
+        <p:grpSpPr>
+          <a:xfrm>
+            <a:off x="1" y="0"/>
+            <a:ext cx="12249830" cy="5999163"/>
+            <a:chOff x="2692400" y="1158874"/>
+            <a:chExt cx="12984082" cy="6358751"/>
+          </a:xfrm>
+        </p:grpSpPr>
+        <p:sp>
+          <p:nvSpPr>
+            <p:cNvPr id="4" name="Rectangle 3">
+              <a:extLst>
+                <a:ext uri="{FF2B5EF4-FFF2-40B4-BE49-F238E27FC236}">
+                  <a16:creationId xmlns:a16="http://schemas.microsoft.com/office/drawing/2014/main" id="{72FDD7B2-BCFA-4245-97EF-ED0222ECD65A}"/>
+                </a:ext>
+              </a:extLst>
+            </p:cNvPr>
+            <p:cNvSpPr/>
+            <p:nvPr/>
+          </p:nvSpPr>
+          <p:spPr>
+            <a:xfrm>
+              <a:off x="2692400" y="1158874"/>
+              <a:ext cx="12984082" cy="6358751"/>
+            </a:xfrm>
+            <a:prstGeom prst="rect">
+              <a:avLst/>
+            </a:prstGeom>
+            <a:solidFill>
+              <a:srgbClr val="193549"/>
+            </a:solidFill>
+          </p:spPr>
+          <p:style>
+            <a:lnRef idx="2">
+              <a:schemeClr val="accent1">
+                <a:shade val="50000"/>
+              </a:schemeClr>
+            </a:lnRef>
+            <a:fillRef idx="1">
+              <a:schemeClr val="accent1"/>
+            </a:fillRef>
+            <a:effectRef idx="0">
+              <a:schemeClr val="accent1"/>
+            </a:effectRef>
+            <a:fontRef idx="minor">
+              <a:schemeClr val="lt1"/>
+            </a:fontRef>
+          </p:style>
+          <p:txBody>
+            <a:bodyPr rtlCol="0" anchor="ctr"/>
+            <a:lstStyle/>
+            <a:p>
+              <a:pPr algn="ctr"/>
+              <a:endParaRPr lang="en-CA"/>
+            </a:p>
+          </p:txBody>
+        </p:sp>
+        <p:pic>
+          <p:nvPicPr>
+            <p:cNvPr id="3" name="Picture 2">
+              <a:extLst>
+                <a:ext uri="{FF2B5EF4-FFF2-40B4-BE49-F238E27FC236}">
+                  <a16:creationId xmlns:a16="http://schemas.microsoft.com/office/drawing/2014/main" id="{F33AC3E9-1204-484F-BBB0-0EC8476C957D}"/>
+                </a:ext>
+              </a:extLst>
+            </p:cNvPr>
+            <p:cNvPicPr>
+              <a:picLocks noChangeAspect="1"/>
+            </p:cNvPicPr>
+            <p:nvPr/>
+          </p:nvPicPr>
+          <p:blipFill>
+            <a:blip r:embed="rId3">
+              <a:extLst>
+                <a:ext uri="{28A0092B-C50C-407E-A947-70E740481C1C}">
+                  <a14:useLocalDpi xmlns:a14="http://schemas.microsoft.com/office/drawing/2010/main" val="0"/>
+                </a:ext>
+              </a:extLst>
+            </a:blip>
+            <a:srcRect/>
+            <a:stretch/>
+          </p:blipFill>
+          <p:spPr>
+            <a:xfrm>
+              <a:off x="2807381" y="1518463"/>
+              <a:ext cx="4929158" cy="5999162"/>
+            </a:xfrm>
+            <a:prstGeom prst="rect">
+              <a:avLst/>
+            </a:prstGeom>
+          </p:spPr>
+        </p:pic>
+        <p:grpSp>
+          <p:nvGrpSpPr>
+            <p:cNvPr id="13" name="Group 12">
+              <a:extLst>
+                <a:ext uri="{FF2B5EF4-FFF2-40B4-BE49-F238E27FC236}">
+                  <a16:creationId xmlns:a16="http://schemas.microsoft.com/office/drawing/2014/main" id="{04081029-F096-4513-B17B-F1B2D316128F}"/>
+                </a:ext>
+              </a:extLst>
+            </p:cNvPr>
+            <p:cNvGrpSpPr/>
+            <p:nvPr/>
+          </p:nvGrpSpPr>
+          <p:grpSpPr>
+            <a:xfrm>
+              <a:off x="2896281" y="1268819"/>
+              <a:ext cx="431120" cy="103475"/>
+              <a:chOff x="-317499" y="2041526"/>
+              <a:chExt cx="343938" cy="82550"/>
+            </a:xfrm>
+          </p:grpSpPr>
+          <p:sp>
+            <p:nvSpPr>
+              <p:cNvPr id="9" name="Oval 8">
+                <a:extLst>
+                  <a:ext uri="{FF2B5EF4-FFF2-40B4-BE49-F238E27FC236}">
+                    <a16:creationId xmlns:a16="http://schemas.microsoft.com/office/drawing/2014/main" id="{88D9D1E5-8A55-4E45-B984-F38BFE0CFFB7}"/>
+                  </a:ext>
+                </a:extLst>
+              </p:cNvPr>
+              <p:cNvSpPr/>
+              <p:nvPr/>
+            </p:nvSpPr>
+            <p:spPr>
+              <a:xfrm>
+                <a:off x="-317499" y="2041526"/>
+                <a:ext cx="82550" cy="82550"/>
+              </a:xfrm>
+              <a:prstGeom prst="ellipse">
+                <a:avLst/>
+              </a:prstGeom>
+              <a:solidFill>
+                <a:srgbClr val="FF5F56"/>
+              </a:solidFill>
+              <a:ln>
+                <a:noFill/>
+              </a:ln>
+            </p:spPr>
+            <p:style>
+              <a:lnRef idx="2">
+                <a:schemeClr val="accent1">
+                  <a:shade val="50000"/>
+                </a:schemeClr>
+              </a:lnRef>
+              <a:fillRef idx="1">
+                <a:schemeClr val="accent1"/>
+              </a:fillRef>
+              <a:effectRef idx="0">
+                <a:schemeClr val="accent1"/>
+              </a:effectRef>
+              <a:fontRef idx="minor">
+                <a:schemeClr val="lt1"/>
+              </a:fontRef>
+            </p:style>
+            <p:txBody>
+              <a:bodyPr rtlCol="0" anchor="ctr"/>
+              <a:lstStyle/>
+              <a:p>
+                <a:pPr algn="ctr"/>
+                <a:endParaRPr lang="en-CA"/>
+              </a:p>
+            </p:txBody>
+          </p:sp>
+          <p:sp>
+            <p:nvSpPr>
+              <p:cNvPr id="10" name="Oval 9">
+                <a:extLst>
+                  <a:ext uri="{FF2B5EF4-FFF2-40B4-BE49-F238E27FC236}">
+                    <a16:creationId xmlns:a16="http://schemas.microsoft.com/office/drawing/2014/main" id="{9FC15345-61FE-4B39-85C9-B527065B636F}"/>
+                  </a:ext>
+                </a:extLst>
+              </p:cNvPr>
+              <p:cNvSpPr/>
+              <p:nvPr/>
+            </p:nvSpPr>
+            <p:spPr>
+              <a:xfrm>
+                <a:off x="-186805" y="2041526"/>
+                <a:ext cx="82550" cy="82550"/>
+              </a:xfrm>
+              <a:prstGeom prst="ellipse">
+                <a:avLst/>
+              </a:prstGeom>
+              <a:solidFill>
+                <a:srgbClr val="FFBD2E"/>
+              </a:solidFill>
+              <a:ln>
+                <a:noFill/>
+              </a:ln>
+            </p:spPr>
+            <p:style>
+              <a:lnRef idx="2">
+                <a:schemeClr val="accent1">
+                  <a:shade val="50000"/>
+                </a:schemeClr>
+              </a:lnRef>
+              <a:fillRef idx="1">
+                <a:schemeClr val="accent1"/>
+              </a:fillRef>
+              <a:effectRef idx="0">
+                <a:schemeClr val="accent1"/>
+              </a:effectRef>
+              <a:fontRef idx="minor">
+                <a:schemeClr val="lt1"/>
+              </a:fontRef>
+            </p:style>
+            <p:txBody>
+              <a:bodyPr rtlCol="0" anchor="ctr"/>
+              <a:lstStyle/>
+              <a:p>
+                <a:pPr algn="ctr"/>
+                <a:endParaRPr lang="en-CA"/>
+              </a:p>
+            </p:txBody>
+          </p:sp>
+          <p:sp>
+            <p:nvSpPr>
+              <p:cNvPr id="12" name="Oval 11">
+                <a:extLst>
+                  <a:ext uri="{FF2B5EF4-FFF2-40B4-BE49-F238E27FC236}">
+                    <a16:creationId xmlns:a16="http://schemas.microsoft.com/office/drawing/2014/main" id="{C0441A9F-4D84-4224-BC3A-CCCA9D608B9C}"/>
+                  </a:ext>
+                </a:extLst>
+              </p:cNvPr>
+              <p:cNvSpPr/>
+              <p:nvPr/>
+            </p:nvSpPr>
+            <p:spPr>
+              <a:xfrm>
+                <a:off x="-56111" y="2041526"/>
+                <a:ext cx="82550" cy="82550"/>
+              </a:xfrm>
+              <a:prstGeom prst="ellipse">
+                <a:avLst/>
+              </a:prstGeom>
+              <a:solidFill>
+                <a:srgbClr val="27C93F"/>
+              </a:solidFill>
+              <a:ln>
+                <a:noFill/>
+              </a:ln>
+            </p:spPr>
+            <p:style>
+              <a:lnRef idx="2">
+                <a:schemeClr val="accent1">
+                  <a:shade val="50000"/>
+                </a:schemeClr>
+              </a:lnRef>
+              <a:fillRef idx="1">
+                <a:schemeClr val="accent1"/>
+              </a:fillRef>
+              <a:effectRef idx="0">
+                <a:schemeClr val="accent1"/>
+              </a:effectRef>
+              <a:fontRef idx="minor">
+                <a:schemeClr val="lt1"/>
+              </a:fontRef>
+            </p:style>
+            <p:txBody>
+              <a:bodyPr rtlCol="0" anchor="ctr"/>
+              <a:lstStyle/>
+              <a:p>
+                <a:pPr algn="ctr"/>
+                <a:endParaRPr lang="en-CA"/>
+              </a:p>
+            </p:txBody>
+          </p:sp>
+        </p:grpSp>
+      </p:grpSp>
+      <p:sp>
+        <p:nvSpPr>
+          <p:cNvPr id="8" name="Parallelogram 7">
+            <a:extLst>
+              <a:ext uri="{FF2B5EF4-FFF2-40B4-BE49-F238E27FC236}">
+                <a16:creationId xmlns:a16="http://schemas.microsoft.com/office/drawing/2014/main" id="{0F11A9E6-9EEF-47FD-BD19-17E9D4A0F01D}"/>
+              </a:ext>
+            </a:extLst>
+          </p:cNvPr>
+          <p:cNvSpPr/>
+          <p:nvPr/>
+        </p:nvSpPr>
+        <p:spPr>
+          <a:xfrm>
+            <a:off x="3828520" y="0"/>
+            <a:ext cx="9982200" cy="5999164"/>
+          </a:xfrm>
+          <a:prstGeom prst="parallelogram">
+            <a:avLst/>
+          </a:prstGeom>
+          <a:solidFill>
+            <a:srgbClr val="0070C0">
+              <a:alpha val="60000"/>
+            </a:srgbClr>
+          </a:solidFill>
+          <a:ln>
+            <a:noFill/>
+          </a:ln>
+          <a:effectLst>
+            <a:outerShdw blurRad="508000" dist="38100" dir="10800000" algn="r" rotWithShape="0">
+              <a:prstClr val="black">
+                <a:alpha val="40000"/>
+              </a:prstClr>
+            </a:outerShdw>
+          </a:effectLst>
+        </p:spPr>
+        <p:style>
+          <a:lnRef idx="2">
+            <a:schemeClr val="accent1">
+              <a:shade val="50000"/>
+            </a:schemeClr>
+          </a:lnRef>
+          <a:fillRef idx="1">
+            <a:schemeClr val="accent1"/>
+          </a:fillRef>
+          <a:effectRef idx="0">
+            <a:schemeClr val="accent1"/>
+          </a:effectRef>
+          <a:fontRef idx="minor">
+            <a:schemeClr val="lt1"/>
+          </a:fontRef>
+        </p:style>
+        <p:txBody>
+          <a:bodyPr rtlCol="0" anchor="ctr"/>
+          <a:lstStyle/>
+          <a:p>
+            <a:pPr algn="ctr"/>
+            <a:endParaRPr lang="en-US"/>
+          </a:p>
+        </p:txBody>
+      </p:sp>
+      <p:grpSp>
+        <p:nvGrpSpPr>
+          <p:cNvPr id="27" name="Group 26">
+            <a:extLst>
+              <a:ext uri="{FF2B5EF4-FFF2-40B4-BE49-F238E27FC236}">
+                <a16:creationId xmlns:a16="http://schemas.microsoft.com/office/drawing/2014/main" id="{B2EE2440-29AF-4530-A649-97455D714013}"/>
+              </a:ext>
+            </a:extLst>
+          </p:cNvPr>
+          <p:cNvGrpSpPr/>
+          <p:nvPr/>
+        </p:nvGrpSpPr>
+        <p:grpSpPr>
+          <a:xfrm>
+            <a:off x="6010415" y="1069922"/>
+            <a:ext cx="4764632" cy="4198571"/>
+            <a:chOff x="5883328" y="894789"/>
+            <a:chExt cx="4764632" cy="4198571"/>
+          </a:xfrm>
+        </p:grpSpPr>
+        <p:cxnSp>
+          <p:nvCxnSpPr>
+            <p:cNvPr id="28" name="Straight Connector 27">
+              <a:extLst>
+                <a:ext uri="{FF2B5EF4-FFF2-40B4-BE49-F238E27FC236}">
+                  <a16:creationId xmlns:a16="http://schemas.microsoft.com/office/drawing/2014/main" id="{ADBD1871-BBF7-4850-A5FF-5C729C17BF61}"/>
+                </a:ext>
+              </a:extLst>
+            </p:cNvPr>
+            <p:cNvCxnSpPr/>
+            <p:nvPr/>
+          </p:nvCxnSpPr>
+          <p:spPr>
+            <a:xfrm>
+              <a:off x="9008253" y="3118399"/>
+              <a:ext cx="0" cy="1207225"/>
+            </a:xfrm>
+            <a:prstGeom prst="line">
+              <a:avLst/>
+            </a:prstGeom>
+            <a:ln w="114300">
+              <a:solidFill>
+                <a:srgbClr val="90A4AE"/>
+              </a:solidFill>
+            </a:ln>
+          </p:spPr>
+          <p:style>
+            <a:lnRef idx="1">
+              <a:schemeClr val="accent1"/>
+            </a:lnRef>
+            <a:fillRef idx="0">
+              <a:schemeClr val="accent1"/>
+            </a:fillRef>
+            <a:effectRef idx="0">
+              <a:schemeClr val="accent1"/>
+            </a:effectRef>
+            <a:fontRef idx="minor">
+              <a:schemeClr val="tx1"/>
+            </a:fontRef>
+          </p:style>
+        </p:cxnSp>
+        <p:cxnSp>
+          <p:nvCxnSpPr>
+            <p:cNvPr id="29" name="Connector: Elbow 28">
+              <a:extLst>
+                <a:ext uri="{FF2B5EF4-FFF2-40B4-BE49-F238E27FC236}">
+                  <a16:creationId xmlns:a16="http://schemas.microsoft.com/office/drawing/2014/main" id="{85C2FC43-5192-4981-A9BB-B8C8539D75FA}"/>
+                </a:ext>
+              </a:extLst>
+            </p:cNvPr>
+            <p:cNvCxnSpPr>
+              <a:cxnSpLocks/>
+            </p:cNvCxnSpPr>
+            <p:nvPr/>
+          </p:nvCxnSpPr>
+          <p:spPr>
+            <a:xfrm>
+              <a:off x="8624345" y="3118399"/>
+              <a:ext cx="1352245" cy="602546"/>
+            </a:xfrm>
+            <a:prstGeom prst="bentConnector3">
+              <a:avLst>
+                <a:gd name="adj1" fmla="val 28023"/>
+              </a:avLst>
+            </a:prstGeom>
+            <a:ln w="114300">
+              <a:solidFill>
+                <a:srgbClr val="90A4AE"/>
+              </a:solidFill>
+            </a:ln>
+          </p:spPr>
+          <p:style>
+            <a:lnRef idx="1">
+              <a:schemeClr val="accent1"/>
+            </a:lnRef>
+            <a:fillRef idx="0">
+              <a:schemeClr val="accent1"/>
+            </a:fillRef>
+            <a:effectRef idx="0">
+              <a:schemeClr val="accent1"/>
+            </a:effectRef>
+            <a:fontRef idx="minor">
+              <a:schemeClr val="tx1"/>
+            </a:fontRef>
+          </p:style>
+        </p:cxnSp>
+        <p:cxnSp>
+          <p:nvCxnSpPr>
+            <p:cNvPr id="30" name="Straight Connector 29">
+              <a:extLst>
+                <a:ext uri="{FF2B5EF4-FFF2-40B4-BE49-F238E27FC236}">
+                  <a16:creationId xmlns:a16="http://schemas.microsoft.com/office/drawing/2014/main" id="{09690710-47AC-432C-AC08-AAC888D4E5D5}"/>
+                </a:ext>
+              </a:extLst>
+            </p:cNvPr>
+            <p:cNvCxnSpPr>
+              <a:cxnSpLocks/>
+            </p:cNvCxnSpPr>
+            <p:nvPr/>
+          </p:nvCxnSpPr>
+          <p:spPr>
+            <a:xfrm>
+              <a:off x="9008253" y="4489364"/>
+              <a:ext cx="0" cy="108696"/>
+            </a:xfrm>
+            <a:prstGeom prst="line">
+              <a:avLst/>
+            </a:prstGeom>
+            <a:ln w="114300">
+              <a:solidFill>
+                <a:srgbClr val="90A4AE"/>
+              </a:solidFill>
+            </a:ln>
+          </p:spPr>
+          <p:style>
+            <a:lnRef idx="1">
+              <a:schemeClr val="accent1"/>
+            </a:lnRef>
+            <a:fillRef idx="0">
+              <a:schemeClr val="accent1"/>
+            </a:fillRef>
+            <a:effectRef idx="0">
+              <a:schemeClr val="accent1"/>
+            </a:effectRef>
+            <a:fontRef idx="minor">
+              <a:schemeClr val="tx1"/>
+            </a:fontRef>
+          </p:style>
+        </p:cxnSp>
+        <p:cxnSp>
+          <p:nvCxnSpPr>
+            <p:cNvPr id="31" name="Straight Connector 30">
+              <a:extLst>
+                <a:ext uri="{FF2B5EF4-FFF2-40B4-BE49-F238E27FC236}">
+                  <a16:creationId xmlns:a16="http://schemas.microsoft.com/office/drawing/2014/main" id="{5DCA130F-34E6-4BCA-BAD1-2F7D7AC3552B}"/>
+                </a:ext>
+              </a:extLst>
+            </p:cNvPr>
+            <p:cNvCxnSpPr>
+              <a:cxnSpLocks/>
+            </p:cNvCxnSpPr>
+            <p:nvPr/>
+          </p:nvCxnSpPr>
+          <p:spPr>
+            <a:xfrm>
+              <a:off x="9008253" y="4737014"/>
+              <a:ext cx="0" cy="108696"/>
+            </a:xfrm>
+            <a:prstGeom prst="line">
+              <a:avLst/>
+            </a:prstGeom>
+            <a:ln w="114300">
+              <a:solidFill>
+                <a:srgbClr val="90A4AE">
+                  <a:alpha val="50000"/>
+                </a:srgbClr>
+              </a:solidFill>
+            </a:ln>
+          </p:spPr>
+          <p:style>
+            <a:lnRef idx="1">
+              <a:schemeClr val="accent1"/>
+            </a:lnRef>
+            <a:fillRef idx="0">
+              <a:schemeClr val="accent1"/>
+            </a:fillRef>
+            <a:effectRef idx="0">
+              <a:schemeClr val="accent1"/>
+            </a:effectRef>
+            <a:fontRef idx="minor">
+              <a:schemeClr val="tx1"/>
+            </a:fontRef>
+          </p:style>
+        </p:cxnSp>
+        <p:cxnSp>
+          <p:nvCxnSpPr>
+            <p:cNvPr id="32" name="Straight Connector 31">
+              <a:extLst>
+                <a:ext uri="{FF2B5EF4-FFF2-40B4-BE49-F238E27FC236}">
+                  <a16:creationId xmlns:a16="http://schemas.microsoft.com/office/drawing/2014/main" id="{EF50E26C-E44D-45AA-8D12-13324EFE0E9B}"/>
+                </a:ext>
+              </a:extLst>
+            </p:cNvPr>
+            <p:cNvCxnSpPr>
+              <a:cxnSpLocks/>
+            </p:cNvCxnSpPr>
+            <p:nvPr/>
+          </p:nvCxnSpPr>
+          <p:spPr>
+            <a:xfrm>
+              <a:off x="9008253" y="4984664"/>
+              <a:ext cx="0" cy="108696"/>
+            </a:xfrm>
+            <a:prstGeom prst="line">
+              <a:avLst/>
+            </a:prstGeom>
+            <a:ln w="114300">
+              <a:solidFill>
+                <a:srgbClr val="90A4AE">
+                  <a:alpha val="25000"/>
+                </a:srgbClr>
+              </a:solidFill>
+            </a:ln>
+          </p:spPr>
+          <p:style>
+            <a:lnRef idx="1">
+              <a:schemeClr val="accent1"/>
+            </a:lnRef>
+            <a:fillRef idx="0">
+              <a:schemeClr val="accent1"/>
+            </a:fillRef>
+            <a:effectRef idx="0">
+              <a:schemeClr val="accent1"/>
+            </a:effectRef>
+            <a:fontRef idx="minor">
+              <a:schemeClr val="tx1"/>
+            </a:fontRef>
+          </p:style>
+        </p:cxnSp>
+        <p:pic>
+          <p:nvPicPr>
+            <p:cNvPr id="33" name="Picture 32">
+              <a:extLst>
+                <a:ext uri="{FF2B5EF4-FFF2-40B4-BE49-F238E27FC236}">
+                  <a16:creationId xmlns:a16="http://schemas.microsoft.com/office/drawing/2014/main" id="{9270909E-B775-4DCA-A082-0540D879B930}"/>
+                </a:ext>
+              </a:extLst>
+            </p:cNvPr>
+            <p:cNvPicPr>
+              <a:picLocks noChangeAspect="1"/>
+            </p:cNvPicPr>
+            <p:nvPr/>
+          </p:nvPicPr>
+          <p:blipFill>
+            <a:blip r:embed="rId4"/>
+            <a:stretch>
+              <a:fillRect/>
+            </a:stretch>
+          </p:blipFill>
+          <p:spPr>
+            <a:xfrm>
+              <a:off x="10036846" y="3371736"/>
+              <a:ext cx="611114" cy="698417"/>
+            </a:xfrm>
+            <a:prstGeom prst="rect">
+              <a:avLst/>
+            </a:prstGeom>
+          </p:spPr>
+        </p:pic>
+        <p:cxnSp>
+          <p:nvCxnSpPr>
+            <p:cNvPr id="34" name="Straight Connector 33">
+              <a:extLst>
+                <a:ext uri="{FF2B5EF4-FFF2-40B4-BE49-F238E27FC236}">
+                  <a16:creationId xmlns:a16="http://schemas.microsoft.com/office/drawing/2014/main" id="{E98FEB19-2A0F-44B6-96CB-F9CA5379D9A6}"/>
+                </a:ext>
+              </a:extLst>
+            </p:cNvPr>
+            <p:cNvCxnSpPr>
+              <a:cxnSpLocks/>
+            </p:cNvCxnSpPr>
+            <p:nvPr/>
+          </p:nvCxnSpPr>
+          <p:spPr>
+            <a:xfrm>
+              <a:off x="8962851" y="2207264"/>
+              <a:ext cx="1006119" cy="0"/>
+            </a:xfrm>
+            <a:prstGeom prst="line">
+              <a:avLst/>
+            </a:prstGeom>
+            <a:ln w="114300">
+              <a:solidFill>
+                <a:srgbClr val="90A4AE"/>
+              </a:solidFill>
+            </a:ln>
+          </p:spPr>
+          <p:style>
+            <a:lnRef idx="1">
+              <a:schemeClr val="accent1"/>
+            </a:lnRef>
+            <a:fillRef idx="0">
+              <a:schemeClr val="accent1"/>
+            </a:fillRef>
+            <a:effectRef idx="0">
+              <a:schemeClr val="accent1"/>
+            </a:effectRef>
+            <a:fontRef idx="minor">
+              <a:schemeClr val="tx1"/>
+            </a:fontRef>
+          </p:style>
+        </p:cxnSp>
+        <p:pic>
+          <p:nvPicPr>
+            <p:cNvPr id="35" name="Picture 2" descr="Folder Tree Icon - Free Download, PNG and Vector">
+              <a:extLst>
+                <a:ext uri="{FF2B5EF4-FFF2-40B4-BE49-F238E27FC236}">
+                  <a16:creationId xmlns:a16="http://schemas.microsoft.com/office/drawing/2014/main" id="{FEE9F9F8-220D-4B37-B529-6522A1FC2515}"/>
+                </a:ext>
+              </a:extLst>
+            </p:cNvPr>
+            <p:cNvPicPr>
+              <a:picLocks noChangeAspect="1" noChangeArrowheads="1"/>
+            </p:cNvPicPr>
+            <p:nvPr/>
+          </p:nvPicPr>
+          <p:blipFill>
+            <a:blip r:embed="rId5">
+              <a:extLst>
+                <a:ext uri="{28A0092B-C50C-407E-A947-70E740481C1C}">
+                  <a14:useLocalDpi xmlns:a14="http://schemas.microsoft.com/office/drawing/2010/main" val="0"/>
+                </a:ext>
+              </a:extLst>
+            </a:blip>
+            <a:srcRect/>
+            <a:stretch>
+              <a:fillRect/>
+            </a:stretch>
+          </p:blipFill>
+          <p:spPr bwMode="auto">
+            <a:xfrm>
+              <a:off x="6940526" y="894789"/>
+              <a:ext cx="2741072" cy="2741072"/>
+            </a:xfrm>
+            <a:prstGeom prst="rect">
+              <a:avLst/>
+            </a:prstGeom>
+            <a:noFill/>
+            <a:extLst>
+              <a:ext uri="{909E8E84-426E-40DD-AFC4-6F175D3DCCD1}">
+                <a14:hiddenFill xmlns:a14="http://schemas.microsoft.com/office/drawing/2010/main">
+                  <a:solidFill>
+                    <a:srgbClr val="FFFFFF"/>
+                  </a:solidFill>
+                </a14:hiddenFill>
+              </a:ext>
+            </a:extLst>
+          </p:spPr>
+        </p:pic>
+        <p:pic>
+          <p:nvPicPr>
+            <p:cNvPr id="36" name="Picture 35">
+              <a:extLst>
+                <a:ext uri="{FF2B5EF4-FFF2-40B4-BE49-F238E27FC236}">
+                  <a16:creationId xmlns:a16="http://schemas.microsoft.com/office/drawing/2014/main" id="{385A6536-AFF1-4D1B-B82E-D46BE4F10479}"/>
+                </a:ext>
+              </a:extLst>
+            </p:cNvPr>
+            <p:cNvPicPr>
+              <a:picLocks noChangeAspect="1"/>
+            </p:cNvPicPr>
+            <p:nvPr/>
+          </p:nvPicPr>
+          <p:blipFill>
+            <a:blip r:embed="rId4"/>
+            <a:stretch>
+              <a:fillRect/>
+            </a:stretch>
+          </p:blipFill>
+          <p:spPr>
+            <a:xfrm>
+              <a:off x="10036846" y="1858055"/>
+              <a:ext cx="611114" cy="698417"/>
+            </a:xfrm>
+            <a:prstGeom prst="rect">
+              <a:avLst/>
+            </a:prstGeom>
+          </p:spPr>
+        </p:pic>
+        <p:cxnSp>
+          <p:nvCxnSpPr>
+            <p:cNvPr id="37" name="Straight Connector 36">
+              <a:extLst>
+                <a:ext uri="{FF2B5EF4-FFF2-40B4-BE49-F238E27FC236}">
+                  <a16:creationId xmlns:a16="http://schemas.microsoft.com/office/drawing/2014/main" id="{E7710E7E-0898-482F-B6EF-1938E390772F}"/>
+                </a:ext>
+              </a:extLst>
+            </p:cNvPr>
+            <p:cNvCxnSpPr>
+              <a:cxnSpLocks/>
+            </p:cNvCxnSpPr>
+            <p:nvPr/>
+          </p:nvCxnSpPr>
+          <p:spPr>
+            <a:xfrm flipH="1" flipV="1">
+              <a:off x="6735704" y="1522075"/>
+              <a:ext cx="508352" cy="1"/>
+            </a:xfrm>
+            <a:prstGeom prst="line">
+              <a:avLst/>
+            </a:prstGeom>
+            <a:ln w="114300">
+              <a:solidFill>
+                <a:srgbClr val="50E6FF"/>
+              </a:solidFill>
+            </a:ln>
+          </p:spPr>
+          <p:style>
+            <a:lnRef idx="1">
+              <a:schemeClr val="accent1"/>
+            </a:lnRef>
+            <a:fillRef idx="0">
+              <a:schemeClr val="accent1"/>
+            </a:fillRef>
+            <a:effectRef idx="0">
+              <a:schemeClr val="accent1"/>
+            </a:effectRef>
+            <a:fontRef idx="minor">
+              <a:schemeClr val="tx1"/>
+            </a:fontRef>
+          </p:style>
+        </p:cxnSp>
+        <p:pic>
+          <p:nvPicPr>
+            <p:cNvPr id="38" name="Picture 37">
+              <a:extLst>
+                <a:ext uri="{FF2B5EF4-FFF2-40B4-BE49-F238E27FC236}">
+                  <a16:creationId xmlns:a16="http://schemas.microsoft.com/office/drawing/2014/main" id="{99332CFB-00F5-4C44-9FC6-78D8256C845C}"/>
+                </a:ext>
+              </a:extLst>
+            </p:cNvPr>
+            <p:cNvPicPr>
+              <a:picLocks noChangeAspect="1"/>
+            </p:cNvPicPr>
+            <p:nvPr/>
+          </p:nvPicPr>
+          <p:blipFill>
+            <a:blip r:embed="rId6"/>
+            <a:stretch>
+              <a:fillRect/>
+            </a:stretch>
+          </p:blipFill>
+          <p:spPr>
+            <a:xfrm>
+              <a:off x="7161506" y="1093337"/>
+              <a:ext cx="1022377" cy="857477"/>
+            </a:xfrm>
+            <a:prstGeom prst="rect">
+              <a:avLst/>
+            </a:prstGeom>
+          </p:spPr>
+        </p:pic>
+        <p:pic>
+          <p:nvPicPr>
+            <p:cNvPr id="39" name="Picture 38">
+              <a:extLst>
+                <a:ext uri="{FF2B5EF4-FFF2-40B4-BE49-F238E27FC236}">
+                  <a16:creationId xmlns:a16="http://schemas.microsoft.com/office/drawing/2014/main" id="{AE2BB33C-53DE-4FDE-80B3-6A9FABBBE26F}"/>
+                </a:ext>
+              </a:extLst>
+            </p:cNvPr>
+            <p:cNvPicPr>
+              <a:picLocks noChangeAspect="1"/>
+            </p:cNvPicPr>
+            <p:nvPr/>
+          </p:nvPicPr>
+          <p:blipFill>
+            <a:blip r:embed="rId7"/>
+            <a:stretch>
+              <a:fillRect/>
+            </a:stretch>
+          </p:blipFill>
+          <p:spPr>
+            <a:xfrm>
+              <a:off x="5883328" y="972984"/>
+              <a:ext cx="931790" cy="1098182"/>
+            </a:xfrm>
+            <a:prstGeom prst="rect">
+              <a:avLst/>
+            </a:prstGeom>
+            <a:effectLst>
+              <a:outerShdw blurRad="63500" sx="147000" sy="147000" algn="ctr" rotWithShape="0">
+                <a:srgbClr val="50E6FF">
+                  <a:alpha val="18000"/>
+                </a:srgbClr>
+              </a:outerShdw>
+            </a:effectLst>
+          </p:spPr>
+        </p:pic>
+      </p:grpSp>
+    </p:spTree>
+    <p:extLst>
+      <p:ext uri="{BB962C8B-B14F-4D97-AF65-F5344CB8AC3E}">
+        <p14:creationId xmlns:p14="http://schemas.microsoft.com/office/powerpoint/2010/main" val="124642036"/>
+      </p:ext>
+    </p:extLst>
+  </p:cSld>
+  <p:clrMapOvr>
+    <a:masterClrMapping/>
+  </p:clrMapOvr>
+</p:sld>
+</file>
+
+<file path=ppt/slides/slide12.xml><?xml version="1.0" encoding="utf-8"?>
+<p:sld xmlns:a="http://schemas.openxmlformats.org/drawingml/2006/main" xmlns:r="http://schemas.openxmlformats.org/officeDocument/2006/relationships" xmlns:p="http://schemas.openxmlformats.org/presentationml/2006/main">
+  <p:cSld>
+    <p:spTree>
+      <p:nvGrpSpPr>
+        <p:cNvPr id="1" name=""/>
+        <p:cNvGrpSpPr/>
+        <p:nvPr/>
+      </p:nvGrpSpPr>
+      <p:grpSpPr>
+        <a:xfrm>
+          <a:off x="0" y="0"/>
+          <a:ext cx="0" cy="0"/>
+          <a:chOff x="0" y="0"/>
+          <a:chExt cx="0" cy="0"/>
+        </a:xfrm>
+      </p:grpSpPr>
+      <p:sp>
+        <p:nvSpPr>
+          <p:cNvPr id="4" name="Rectangle 3">
+            <a:extLst>
+              <a:ext uri="{FF2B5EF4-FFF2-40B4-BE49-F238E27FC236}">
+                <a16:creationId xmlns:a16="http://schemas.microsoft.com/office/drawing/2014/main" id="{72FDD7B2-BCFA-4245-97EF-ED0222ECD65A}"/>
+              </a:ext>
+            </a:extLst>
+          </p:cNvPr>
+          <p:cNvSpPr/>
+          <p:nvPr/>
+        </p:nvSpPr>
+        <p:spPr>
+          <a:xfrm>
+            <a:off x="1" y="0"/>
+            <a:ext cx="12249830" cy="5999163"/>
+          </a:xfrm>
+          <a:prstGeom prst="rect">
+            <a:avLst/>
+          </a:prstGeom>
+          <a:solidFill>
+            <a:schemeClr val="tx1"/>
+          </a:solidFill>
+          <a:ln>
+            <a:noFill/>
+          </a:ln>
+        </p:spPr>
+        <p:style>
+          <a:lnRef idx="2">
+            <a:schemeClr val="accent1">
+              <a:shade val="50000"/>
+            </a:schemeClr>
+          </a:lnRef>
+          <a:fillRef idx="1">
+            <a:schemeClr val="accent1"/>
+          </a:fillRef>
+          <a:effectRef idx="0">
+            <a:schemeClr val="accent1"/>
+          </a:effectRef>
+          <a:fontRef idx="minor">
+            <a:schemeClr val="lt1"/>
+          </a:fontRef>
+        </p:style>
+        <p:txBody>
+          <a:bodyPr rtlCol="0" anchor="ctr"/>
+          <a:lstStyle/>
+          <a:p>
+            <a:pPr algn="ctr"/>
+            <a:endParaRPr lang="en-CA"/>
+          </a:p>
+        </p:txBody>
+      </p:sp>
+      <p:sp>
+        <p:nvSpPr>
+          <p:cNvPr id="10" name="TextBox 9">
+            <a:extLst>
+              <a:ext uri="{FF2B5EF4-FFF2-40B4-BE49-F238E27FC236}">
+                <a16:creationId xmlns:a16="http://schemas.microsoft.com/office/drawing/2014/main" id="{88479026-D5F0-42CB-9E66-78A2A34D720C}"/>
+              </a:ext>
+            </a:extLst>
+          </p:cNvPr>
+          <p:cNvSpPr txBox="1"/>
+          <p:nvPr/>
+        </p:nvSpPr>
+        <p:spPr>
+          <a:xfrm>
+            <a:off x="4250589" y="1886497"/>
+            <a:ext cx="7150123" cy="2123658"/>
+          </a:xfrm>
+          <a:prstGeom prst="rect">
+            <a:avLst/>
+          </a:prstGeom>
+          <a:noFill/>
+        </p:spPr>
+        <p:txBody>
+          <a:bodyPr wrap="square" rtlCol="0">
+            <a:spAutoFit/>
+          </a:bodyPr>
+          <a:lstStyle/>
+          <a:p>
+            <a:pPr algn="r"/>
+            <a:r>
+              <a:rPr lang="en-CA" sz="4400" dirty="0">
+                <a:solidFill>
+                  <a:schemeClr val="bg1"/>
+                </a:solidFill>
+                <a:latin typeface="Segoe UI" panose="020B0502040204020203" pitchFamily="34" charset="0"/>
+                <a:cs typeface="Segoe UI" panose="020B0502040204020203" pitchFamily="34" charset="0"/>
+              </a:rPr>
+              <a:t>How to </a:t>
+            </a:r>
+            <a:r>
+              <a:rPr lang="en-CA" sz="4400" dirty="0">
+                <a:solidFill>
+                  <a:srgbClr val="50E6FF"/>
+                </a:solidFill>
+                <a:effectLst>
+                  <a:glow rad="127000">
+                    <a:srgbClr val="50E6FF">
+                      <a:alpha val="20000"/>
+                    </a:srgbClr>
+                  </a:glow>
+                  <a:outerShdw blurRad="50800" dist="50800" dir="5400000" algn="ctr" rotWithShape="0">
+                    <a:srgbClr val="000000">
+                      <a:alpha val="55000"/>
+                    </a:srgbClr>
+                  </a:outerShdw>
+                </a:effectLst>
+                <a:latin typeface="Cascadia Code" panose="020B0609020000020004" pitchFamily="49" charset="0"/>
+                <a:cs typeface="Cascadia Code" panose="020B0609020000020004" pitchFamily="49" charset="0"/>
+              </a:rPr>
+              <a:t>Recurse</a:t>
+            </a:r>
+            <a:r>
+              <a:rPr lang="en-CA" sz="4400" dirty="0">
+                <a:solidFill>
+                  <a:schemeClr val="bg1"/>
+                </a:solidFill>
+                <a:latin typeface="Segoe UI Semibold" panose="020B0702040204020203" pitchFamily="34" charset="0"/>
+                <a:cs typeface="Segoe UI Semibold" panose="020B0702040204020203" pitchFamily="34" charset="0"/>
+              </a:rPr>
+              <a:t> </a:t>
+            </a:r>
+            <a:r>
+              <a:rPr lang="en-CA" sz="4400" dirty="0">
+                <a:solidFill>
+                  <a:schemeClr val="bg1"/>
+                </a:solidFill>
+                <a:latin typeface="Segoe UI" panose="020B0502040204020203" pitchFamily="34" charset="0"/>
+                <a:cs typeface="Segoe UI" panose="020B0502040204020203" pitchFamily="34" charset="0"/>
+              </a:rPr>
+              <a:t>through Data Lake Folders with </a:t>
+            </a:r>
+          </a:p>
+          <a:p>
+            <a:pPr algn="r"/>
+            <a:r>
+              <a:rPr lang="en-CA" sz="4400" dirty="0">
+                <a:solidFill>
+                  <a:schemeClr val="bg1"/>
+                </a:solidFill>
+                <a:latin typeface="Segoe UI Semibold" panose="020B0702040204020203" pitchFamily="34" charset="0"/>
+                <a:cs typeface="Segoe UI Semibold" panose="020B0702040204020203" pitchFamily="34" charset="0"/>
+              </a:rPr>
+              <a:t>Synapse Spark Pools</a:t>
+            </a:r>
+          </a:p>
+        </p:txBody>
+      </p:sp>
+      <p:pic>
+        <p:nvPicPr>
+          <p:cNvPr id="20" name="Picture 19">
+            <a:extLst>
+              <a:ext uri="{FF2B5EF4-FFF2-40B4-BE49-F238E27FC236}">
+                <a16:creationId xmlns:a16="http://schemas.microsoft.com/office/drawing/2014/main" id="{24215C86-E1BB-4FC3-807A-76B099D0D85B}"/>
+              </a:ext>
+            </a:extLst>
+          </p:cNvPr>
+          <p:cNvPicPr>
+            <a:picLocks noChangeAspect="1"/>
+          </p:cNvPicPr>
+          <p:nvPr/>
+        </p:nvPicPr>
+        <p:blipFill>
+          <a:blip r:embed="rId3"/>
+          <a:stretch>
+            <a:fillRect/>
+          </a:stretch>
+        </p:blipFill>
+        <p:spPr>
+          <a:xfrm>
+            <a:off x="379701" y="1413664"/>
+            <a:ext cx="4106574" cy="3660745"/>
+          </a:xfrm>
+          <a:prstGeom prst="rect">
+            <a:avLst/>
+          </a:prstGeom>
+        </p:spPr>
+      </p:pic>
+    </p:spTree>
+    <p:extLst>
+      <p:ext uri="{BB962C8B-B14F-4D97-AF65-F5344CB8AC3E}">
+        <p14:creationId xmlns:p14="http://schemas.microsoft.com/office/powerpoint/2010/main" val="4104744712"/>
       </p:ext>
     </p:extLst>
   </p:cSld>
